--- a/Doc/2.UI/経理DB/画面イメージ（経理DB）.pptx
+++ b/Doc/2.UI/経理DB/画面イメージ（経理DB）.pptx
@@ -204,7 +204,7 @@
           <a:p>
             <a:fld id="{412B6505-7C8C-459C-98F8-EFB7D4D9088F}" type="datetimeFigureOut">
               <a:rPr kumimoji="1" lang="ja-JP" altLang="en-US" smtClean="0"/>
-              <a:t>2020/12/24</a:t>
+              <a:t>2020/12/25</a:t>
             </a:fld>
             <a:endParaRPr kumimoji="1" lang="ja-JP" altLang="en-US"/>
           </a:p>
@@ -370,7 +370,7 @@
           <a:p>
             <a:fld id="{2662E978-106B-4743-B577-3CB3BCB8D1B3}" type="datetimeFigureOut">
               <a:rPr kumimoji="1" lang="ja-JP" altLang="en-US" smtClean="0"/>
-              <a:t>2020/12/24</a:t>
+              <a:t>2020/12/25</a:t>
             </a:fld>
             <a:endParaRPr kumimoji="1" lang="ja-JP" altLang="en-US"/>
           </a:p>
@@ -802,7 +802,7 @@
           <a:p>
             <a:fld id="{53056207-1D9F-4767-A8DD-336DD35751C3}" type="datetimeFigureOut">
               <a:rPr kumimoji="1" lang="ja-JP" altLang="en-US" smtClean="0"/>
-              <a:t>2020/12/24</a:t>
+              <a:t>2020/12/25</a:t>
             </a:fld>
             <a:endParaRPr kumimoji="1" lang="ja-JP" altLang="en-US"/>
           </a:p>
@@ -1004,7 +1004,7 @@
           <a:p>
             <a:fld id="{53056207-1D9F-4767-A8DD-336DD35751C3}" type="datetimeFigureOut">
               <a:rPr kumimoji="1" lang="ja-JP" altLang="en-US" smtClean="0"/>
-              <a:t>2020/12/24</a:t>
+              <a:t>2020/12/25</a:t>
             </a:fld>
             <a:endParaRPr kumimoji="1" lang="ja-JP" altLang="en-US"/>
           </a:p>
@@ -1216,7 +1216,7 @@
           <a:p>
             <a:fld id="{53056207-1D9F-4767-A8DD-336DD35751C3}" type="datetimeFigureOut">
               <a:rPr kumimoji="1" lang="ja-JP" altLang="en-US" smtClean="0"/>
-              <a:t>2020/12/24</a:t>
+              <a:t>2020/12/25</a:t>
             </a:fld>
             <a:endParaRPr kumimoji="1" lang="ja-JP" altLang="en-US"/>
           </a:p>
@@ -1418,7 +1418,7 @@
           <a:p>
             <a:fld id="{53056207-1D9F-4767-A8DD-336DD35751C3}" type="datetimeFigureOut">
               <a:rPr kumimoji="1" lang="ja-JP" altLang="en-US" smtClean="0"/>
-              <a:t>2020/12/24</a:t>
+              <a:t>2020/12/25</a:t>
             </a:fld>
             <a:endParaRPr kumimoji="1" lang="ja-JP" altLang="en-US"/>
           </a:p>
@@ -1664,7 +1664,7 @@
           <a:p>
             <a:fld id="{53056207-1D9F-4767-A8DD-336DD35751C3}" type="datetimeFigureOut">
               <a:rPr kumimoji="1" lang="ja-JP" altLang="en-US" smtClean="0"/>
-              <a:t>2020/12/24</a:t>
+              <a:t>2020/12/25</a:t>
             </a:fld>
             <a:endParaRPr kumimoji="1" lang="ja-JP" altLang="en-US"/>
           </a:p>
@@ -1960,7 +1960,7 @@
           <a:p>
             <a:fld id="{53056207-1D9F-4767-A8DD-336DD35751C3}" type="datetimeFigureOut">
               <a:rPr kumimoji="1" lang="ja-JP" altLang="en-US" smtClean="0"/>
-              <a:t>2020/12/24</a:t>
+              <a:t>2020/12/25</a:t>
             </a:fld>
             <a:endParaRPr kumimoji="1" lang="ja-JP" altLang="en-US"/>
           </a:p>
@@ -2391,7 +2391,7 @@
           <a:p>
             <a:fld id="{53056207-1D9F-4767-A8DD-336DD35751C3}" type="datetimeFigureOut">
               <a:rPr kumimoji="1" lang="ja-JP" altLang="en-US" smtClean="0"/>
-              <a:t>2020/12/24</a:t>
+              <a:t>2020/12/25</a:t>
             </a:fld>
             <a:endParaRPr kumimoji="1" lang="ja-JP" altLang="en-US"/>
           </a:p>
@@ -2509,7 +2509,7 @@
           <a:p>
             <a:fld id="{53056207-1D9F-4767-A8DD-336DD35751C3}" type="datetimeFigureOut">
               <a:rPr kumimoji="1" lang="ja-JP" altLang="en-US" smtClean="0"/>
-              <a:t>2020/12/24</a:t>
+              <a:t>2020/12/25</a:t>
             </a:fld>
             <a:endParaRPr kumimoji="1" lang="ja-JP" altLang="en-US"/>
           </a:p>
@@ -2604,7 +2604,7 @@
           <a:p>
             <a:fld id="{53056207-1D9F-4767-A8DD-336DD35751C3}" type="datetimeFigureOut">
               <a:rPr kumimoji="1" lang="ja-JP" altLang="en-US" smtClean="0"/>
-              <a:t>2020/12/24</a:t>
+              <a:t>2020/12/25</a:t>
             </a:fld>
             <a:endParaRPr kumimoji="1" lang="ja-JP" altLang="en-US"/>
           </a:p>
@@ -2913,7 +2913,7 @@
           <a:p>
             <a:fld id="{53056207-1D9F-4767-A8DD-336DD35751C3}" type="datetimeFigureOut">
               <a:rPr kumimoji="1" lang="ja-JP" altLang="en-US" smtClean="0"/>
-              <a:t>2020/12/24</a:t>
+              <a:t>2020/12/25</a:t>
             </a:fld>
             <a:endParaRPr kumimoji="1" lang="ja-JP" altLang="en-US"/>
           </a:p>
@@ -3166,7 +3166,7 @@
           <a:p>
             <a:fld id="{53056207-1D9F-4767-A8DD-336DD35751C3}" type="datetimeFigureOut">
               <a:rPr kumimoji="1" lang="ja-JP" altLang="en-US" smtClean="0"/>
-              <a:t>2020/12/24</a:t>
+              <a:t>2020/12/25</a:t>
             </a:fld>
             <a:endParaRPr kumimoji="1" lang="ja-JP" altLang="en-US"/>
           </a:p>
@@ -3411,7 +3411,7 @@
           <a:p>
             <a:fld id="{53056207-1D9F-4767-A8DD-336DD35751C3}" type="datetimeFigureOut">
               <a:rPr kumimoji="1" lang="ja-JP" altLang="en-US" smtClean="0"/>
-              <a:t>2020/12/24</a:t>
+              <a:t>2020/12/25</a:t>
             </a:fld>
             <a:endParaRPr kumimoji="1" lang="ja-JP" altLang="en-US"/>
           </a:p>
@@ -3886,14 +3886,7 @@
                 <a:latin typeface="Meiryo UI" panose="020B0604030504040204" pitchFamily="50" charset="-128"/>
                 <a:ea typeface="Meiryo UI" panose="020B0604030504040204" pitchFamily="50" charset="-128"/>
               </a:rPr>
-              <a:t>1</a:t>
-            </a:r>
-            <a:r>
-              <a:rPr lang="en-US" altLang="ja-JP" sz="1600" dirty="0" smtClean="0">
-                <a:latin typeface="Meiryo UI" panose="020B0604030504040204" pitchFamily="50" charset="-128"/>
-                <a:ea typeface="Meiryo UI" panose="020B0604030504040204" pitchFamily="50" charset="-128"/>
-              </a:rPr>
-              <a:t>.</a:t>
+              <a:t>1.</a:t>
             </a:r>
             <a:r>
               <a:rPr lang="ja-JP" altLang="en-US" sz="1600" dirty="0" smtClean="0">
@@ -4141,7 +4134,7 @@
           <a:p>
             <a:fld id="{E23E62CB-AE02-499E-8DF1-609F7D77B994}" type="datetime1">
               <a:rPr kumimoji="1" lang="ja-JP" altLang="en-US" smtClean="0"/>
-              <a:t>2020/12/24</a:t>
+              <a:t>2020/12/25</a:t>
             </a:fld>
             <a:endParaRPr kumimoji="1" lang="ja-JP" altLang="en-US" dirty="0"/>
           </a:p>
@@ -4179,14 +4172,14 @@
           <p:nvPr>
             <p:extLst>
               <p:ext uri="{D42A27DB-BD31-4B8C-83A1-F6EECF244321}">
-                <p14:modId xmlns:p14="http://schemas.microsoft.com/office/powerpoint/2010/main" val="1604068278"/>
+                <p14:modId xmlns:p14="http://schemas.microsoft.com/office/powerpoint/2010/main" val="1943200252"/>
               </p:ext>
             </p:extLst>
           </p:nvPr>
         </p:nvGraphicFramePr>
         <p:xfrm>
           <a:off x="5348778" y="1150245"/>
-          <a:ext cx="6538422" cy="2311400"/>
+          <a:ext cx="6538422" cy="2397760"/>
         </p:xfrm>
         <a:graphic>
           <a:graphicData uri="http://schemas.openxmlformats.org/drawingml/2006/table">
@@ -4351,10 +4344,6 @@
                         </a:rPr>
                         <a:t>新規・修正</a:t>
                       </a:r>
-                      <a:endParaRPr kumimoji="1" lang="ja-JP" altLang="en-US" sz="1200" dirty="0" smtClean="0">
-                        <a:latin typeface="Meiryo UI" panose="020B0604030504040204" pitchFamily="50" charset="-128"/>
-                        <a:ea typeface="Meiryo UI" panose="020B0604030504040204" pitchFamily="50" charset="-128"/>
-                      </a:endParaRPr>
                     </a:p>
                   </a:txBody>
                   <a:tcPr/>
@@ -4369,7 +4358,7 @@
                           <a:latin typeface="Meiryo UI" panose="020B0604030504040204" pitchFamily="50" charset="-128"/>
                           <a:ea typeface="Meiryo UI" panose="020B0604030504040204" pitchFamily="50" charset="-128"/>
                         </a:rPr>
-                        <a:t>・</a:t>
+                        <a:t>・給与振込口座マスターへの口座の登録および修正を行う。</a:t>
                       </a:r>
                       <a:endParaRPr kumimoji="1" lang="en-US" altLang="ja-JP" sz="1200" dirty="0" smtClean="0">
                         <a:latin typeface="Meiryo UI" panose="020B0604030504040204" pitchFamily="50" charset="-128"/>
@@ -4431,6 +4420,13 @@
                     <a:bodyPr/>
                     <a:lstStyle/>
                     <a:p>
+                      <a:r>
+                        <a:rPr kumimoji="1" lang="ja-JP" altLang="en-US" sz="1200" dirty="0" smtClean="0">
+                          <a:latin typeface="Meiryo UI" panose="020B0604030504040204" pitchFamily="50" charset="-128"/>
+                          <a:ea typeface="Meiryo UI" panose="020B0604030504040204" pitchFamily="50" charset="-128"/>
+                        </a:rPr>
+                        <a:t>・給与振込口座マスターからの論理削除（削除日付）を行う。</a:t>
+                      </a:r>
                       <a:endParaRPr kumimoji="1" lang="ja-JP" altLang="en-US" sz="1200" dirty="0">
                         <a:latin typeface="Meiryo UI" panose="020B0604030504040204" pitchFamily="50" charset="-128"/>
                         <a:ea typeface="Meiryo UI" panose="020B0604030504040204" pitchFamily="50" charset="-128"/>
@@ -4491,6 +4487,13 @@
                     <a:bodyPr/>
                     <a:lstStyle/>
                     <a:p>
+                      <a:r>
+                        <a:rPr kumimoji="1" lang="ja-JP" altLang="en-US" sz="1200" dirty="0" smtClean="0">
+                          <a:latin typeface="Meiryo UI" panose="020B0604030504040204" pitchFamily="50" charset="-128"/>
+                          <a:ea typeface="Meiryo UI" panose="020B0604030504040204" pitchFamily="50" charset="-128"/>
+                        </a:rPr>
+                        <a:t>・検索対象者の口座情報の表示を行う。</a:t>
+                      </a:r>
                       <a:endParaRPr kumimoji="1" lang="ja-JP" altLang="en-US" sz="1200" dirty="0">
                         <a:latin typeface="Meiryo UI" panose="020B0604030504040204" pitchFamily="50" charset="-128"/>
                         <a:ea typeface="Meiryo UI" panose="020B0604030504040204" pitchFamily="50" charset="-128"/>
@@ -4551,6 +4554,13 @@
                     <a:bodyPr/>
                     <a:lstStyle/>
                     <a:p>
+                      <a:r>
+                        <a:rPr kumimoji="1" lang="ja-JP" altLang="en-US" sz="1200" dirty="0" smtClean="0">
+                          <a:latin typeface="Meiryo UI" panose="020B0604030504040204" pitchFamily="50" charset="-128"/>
+                          <a:ea typeface="Meiryo UI" panose="020B0604030504040204" pitchFamily="50" charset="-128"/>
+                        </a:rPr>
+                        <a:t>・給与振込口座マスターのデータ一覧を表示する。</a:t>
+                      </a:r>
                       <a:endParaRPr kumimoji="1" lang="ja-JP" altLang="en-US" sz="1200" dirty="0">
                         <a:latin typeface="Meiryo UI" panose="020B0604030504040204" pitchFamily="50" charset="-128"/>
                         <a:ea typeface="Meiryo UI" panose="020B0604030504040204" pitchFamily="50" charset="-128"/>
@@ -4924,14 +4934,7 @@
                 <a:latin typeface="Meiryo UI" panose="020B0604030504040204" pitchFamily="50" charset="-128"/>
                 <a:ea typeface="Meiryo UI" panose="020B0604030504040204" pitchFamily="50" charset="-128"/>
               </a:rPr>
-              <a:t> </a:t>
-            </a:r>
-            <a:r>
-              <a:rPr lang="ja-JP" altLang="en-US" sz="1600" dirty="0" smtClean="0">
-                <a:latin typeface="Meiryo UI" panose="020B0604030504040204" pitchFamily="50" charset="-128"/>
-                <a:ea typeface="Meiryo UI" panose="020B0604030504040204" pitchFamily="50" charset="-128"/>
-              </a:rPr>
-              <a:t>新規・修正画面</a:t>
+              <a:t> 新規・修正画面</a:t>
             </a:r>
             <a:endParaRPr lang="ja-JP" altLang="en-US" sz="1600" dirty="0">
               <a:latin typeface="Meiryo UI" panose="020B0604030504040204" pitchFamily="50" charset="-128"/>
@@ -5104,7 +5107,7 @@
           <a:p>
             <a:fld id="{E23E62CB-AE02-499E-8DF1-609F7D77B994}" type="datetime1">
               <a:rPr kumimoji="1" lang="ja-JP" altLang="en-US" smtClean="0"/>
-              <a:t>2020/12/24</a:t>
+              <a:t>2020/12/25</a:t>
             </a:fld>
             <a:endParaRPr kumimoji="1" lang="ja-JP" altLang="en-US" dirty="0"/>
           </a:p>
@@ -5269,14 +5272,7 @@
                 <a:latin typeface="Meiryo UI" panose="020B0604030504040204" pitchFamily="50" charset="-128"/>
                 <a:ea typeface="Meiryo UI" panose="020B0604030504040204" pitchFamily="50" charset="-128"/>
               </a:rPr>
-              <a:t>名</a:t>
-            </a:r>
-            <a:r>
-              <a:rPr lang="ja-JP" altLang="en-US" sz="1200" dirty="0" smtClean="0">
-                <a:latin typeface="Meiryo UI" panose="020B0604030504040204" pitchFamily="50" charset="-128"/>
-                <a:ea typeface="Meiryo UI" panose="020B0604030504040204" pitchFamily="50" charset="-128"/>
-              </a:rPr>
-              <a:t>（</a:t>
+              <a:t>名（</a:t>
             </a:r>
             <a:r>
               <a:rPr kumimoji="1" lang="ja-JP" altLang="en-US" sz="1200" dirty="0" smtClean="0">
@@ -5346,14 +5342,7 @@
                 <a:latin typeface="Meiryo UI" panose="020B0604030504040204" pitchFamily="50" charset="-128"/>
                 <a:ea typeface="Meiryo UI" panose="020B0604030504040204" pitchFamily="50" charset="-128"/>
               </a:rPr>
-              <a:t>社員</a:t>
-            </a:r>
-            <a:r>
-              <a:rPr kumimoji="1" lang="ja-JP" altLang="en-US" sz="1050" dirty="0" smtClean="0">
-                <a:latin typeface="Meiryo UI" panose="020B0604030504040204" pitchFamily="50" charset="-128"/>
-                <a:ea typeface="Meiryo UI" panose="020B0604030504040204" pitchFamily="50" charset="-128"/>
-              </a:rPr>
-              <a:t>コード</a:t>
+              <a:t>社員コード</a:t>
             </a:r>
             <a:endParaRPr kumimoji="1" lang="ja-JP" altLang="en-US" sz="1050" dirty="0">
               <a:latin typeface="Meiryo UI" panose="020B0604030504040204" pitchFamily="50" charset="-128"/>
@@ -5518,13 +5507,6 @@
               </a:rPr>
               <a:t>検索</a:t>
             </a:r>
-            <a:endParaRPr kumimoji="1" lang="ja-JP" altLang="en-US" dirty="0" smtClean="0">
-              <a:solidFill>
-                <a:schemeClr val="tx1"/>
-              </a:solidFill>
-              <a:latin typeface="Meiryo UI" panose="020B0604030504040204" pitchFamily="50" charset="-128"/>
-              <a:ea typeface="Meiryo UI" panose="020B0604030504040204" pitchFamily="50" charset="-128"/>
-            </a:endParaRPr>
           </a:p>
         </p:txBody>
       </p:sp>
@@ -6913,13 +6895,6 @@
               </a:rPr>
               <a:t>登録</a:t>
             </a:r>
-            <a:endParaRPr kumimoji="1" lang="ja-JP" altLang="en-US" dirty="0" smtClean="0">
-              <a:solidFill>
-                <a:schemeClr val="tx1"/>
-              </a:solidFill>
-              <a:latin typeface="Meiryo UI" panose="020B0604030504040204" pitchFamily="50" charset="-128"/>
-              <a:ea typeface="Meiryo UI" panose="020B0604030504040204" pitchFamily="50" charset="-128"/>
-            </a:endParaRPr>
           </a:p>
         </p:txBody>
       </p:sp>
@@ -7160,7 +7135,7 @@
           <a:p>
             <a:fld id="{E23E62CB-AE02-499E-8DF1-609F7D77B994}" type="datetime1">
               <a:rPr kumimoji="1" lang="ja-JP" altLang="en-US" smtClean="0"/>
-              <a:t>2020/12/24</a:t>
+              <a:t>2020/12/25</a:t>
             </a:fld>
             <a:endParaRPr kumimoji="1" lang="ja-JP" altLang="en-US" dirty="0"/>
           </a:p>
@@ -7325,14 +7300,7 @@
                 <a:latin typeface="Meiryo UI" panose="020B0604030504040204" pitchFamily="50" charset="-128"/>
                 <a:ea typeface="Meiryo UI" panose="020B0604030504040204" pitchFamily="50" charset="-128"/>
               </a:rPr>
-              <a:t>名</a:t>
-            </a:r>
-            <a:r>
-              <a:rPr lang="ja-JP" altLang="en-US" sz="1200" dirty="0" smtClean="0">
-                <a:latin typeface="Meiryo UI" panose="020B0604030504040204" pitchFamily="50" charset="-128"/>
-                <a:ea typeface="Meiryo UI" panose="020B0604030504040204" pitchFamily="50" charset="-128"/>
-              </a:rPr>
-              <a:t>（</a:t>
+              <a:t>名（</a:t>
             </a:r>
             <a:r>
               <a:rPr kumimoji="1" lang="ja-JP" altLang="en-US" sz="1200" dirty="0" smtClean="0">
@@ -7402,14 +7370,7 @@
                 <a:latin typeface="Meiryo UI" panose="020B0604030504040204" pitchFamily="50" charset="-128"/>
                 <a:ea typeface="Meiryo UI" panose="020B0604030504040204" pitchFamily="50" charset="-128"/>
               </a:rPr>
-              <a:t>社員</a:t>
-            </a:r>
-            <a:r>
-              <a:rPr kumimoji="1" lang="ja-JP" altLang="en-US" sz="1050" dirty="0" smtClean="0">
-                <a:latin typeface="Meiryo UI" panose="020B0604030504040204" pitchFamily="50" charset="-128"/>
-                <a:ea typeface="Meiryo UI" panose="020B0604030504040204" pitchFamily="50" charset="-128"/>
-              </a:rPr>
-              <a:t>コード</a:t>
+              <a:t>社員コード</a:t>
             </a:r>
             <a:endParaRPr kumimoji="1" lang="ja-JP" altLang="en-US" sz="1050" dirty="0">
               <a:latin typeface="Meiryo UI" panose="020B0604030504040204" pitchFamily="50" charset="-128"/>
@@ -7574,13 +7535,6 @@
               </a:rPr>
               <a:t>検索</a:t>
             </a:r>
-            <a:endParaRPr kumimoji="1" lang="ja-JP" altLang="en-US" dirty="0" smtClean="0">
-              <a:solidFill>
-                <a:schemeClr val="tx1"/>
-              </a:solidFill>
-              <a:latin typeface="Meiryo UI" panose="020B0604030504040204" pitchFamily="50" charset="-128"/>
-              <a:ea typeface="Meiryo UI" panose="020B0604030504040204" pitchFamily="50" charset="-128"/>
-            </a:endParaRPr>
           </a:p>
         </p:txBody>
       </p:sp>
@@ -9192,7 +9146,7 @@
           <a:p>
             <a:fld id="{E23E62CB-AE02-499E-8DF1-609F7D77B994}" type="datetime1">
               <a:rPr kumimoji="1" lang="ja-JP" altLang="en-US" smtClean="0"/>
-              <a:t>2020/12/24</a:t>
+              <a:t>2020/12/25</a:t>
             </a:fld>
             <a:endParaRPr kumimoji="1" lang="ja-JP" altLang="en-US" dirty="0"/>
           </a:p>
@@ -9357,14 +9311,7 @@
                 <a:latin typeface="Meiryo UI" panose="020B0604030504040204" pitchFamily="50" charset="-128"/>
                 <a:ea typeface="Meiryo UI" panose="020B0604030504040204" pitchFamily="50" charset="-128"/>
               </a:rPr>
-              <a:t>名</a:t>
-            </a:r>
-            <a:r>
-              <a:rPr lang="ja-JP" altLang="en-US" sz="1200" dirty="0" smtClean="0">
-                <a:latin typeface="Meiryo UI" panose="020B0604030504040204" pitchFamily="50" charset="-128"/>
-                <a:ea typeface="Meiryo UI" panose="020B0604030504040204" pitchFamily="50" charset="-128"/>
-              </a:rPr>
-              <a:t>（</a:t>
+              <a:t>名（</a:t>
             </a:r>
             <a:r>
               <a:rPr kumimoji="1" lang="ja-JP" altLang="en-US" sz="1200" dirty="0" smtClean="0">
@@ -9434,14 +9381,7 @@
                 <a:latin typeface="Meiryo UI" panose="020B0604030504040204" pitchFamily="50" charset="-128"/>
                 <a:ea typeface="Meiryo UI" panose="020B0604030504040204" pitchFamily="50" charset="-128"/>
               </a:rPr>
-              <a:t>社員</a:t>
-            </a:r>
-            <a:r>
-              <a:rPr kumimoji="1" lang="ja-JP" altLang="en-US" sz="1050" dirty="0" smtClean="0">
-                <a:latin typeface="Meiryo UI" panose="020B0604030504040204" pitchFamily="50" charset="-128"/>
-                <a:ea typeface="Meiryo UI" panose="020B0604030504040204" pitchFamily="50" charset="-128"/>
-              </a:rPr>
-              <a:t>コード</a:t>
+              <a:t>社員コード</a:t>
             </a:r>
             <a:endParaRPr kumimoji="1" lang="ja-JP" altLang="en-US" sz="1050" dirty="0">
               <a:latin typeface="Meiryo UI" panose="020B0604030504040204" pitchFamily="50" charset="-128"/>
@@ -9606,13 +9546,6 @@
               </a:rPr>
               <a:t>検索</a:t>
             </a:r>
-            <a:endParaRPr kumimoji="1" lang="ja-JP" altLang="en-US" dirty="0" smtClean="0">
-              <a:solidFill>
-                <a:schemeClr val="tx1"/>
-              </a:solidFill>
-              <a:latin typeface="Meiryo UI" panose="020B0604030504040204" pitchFamily="50" charset="-128"/>
-              <a:ea typeface="Meiryo UI" panose="020B0604030504040204" pitchFamily="50" charset="-128"/>
-            </a:endParaRPr>
           </a:p>
         </p:txBody>
       </p:sp>
@@ -11007,7 +10940,7 @@
         <p:spPr>
           <a:xfrm>
             <a:off x="723207" y="1150245"/>
-            <a:ext cx="9709266" cy="3746558"/>
+            <a:ext cx="9709266" cy="4901420"/>
           </a:xfrm>
           <a:prstGeom prst="rect">
             <a:avLst/>
@@ -11104,7 +11037,7 @@
         </p:nvSpPr>
         <p:spPr>
           <a:xfrm>
-            <a:off x="8811493" y="4334251"/>
+            <a:off x="8811493" y="5547907"/>
             <a:ext cx="1438101" cy="399011"/>
           </a:xfrm>
           <a:prstGeom prst="rect">
@@ -11168,7 +11101,7 @@
           <a:p>
             <a:fld id="{E23E62CB-AE02-499E-8DF1-609F7D77B994}" type="datetime1">
               <a:rPr kumimoji="1" lang="ja-JP" altLang="en-US" smtClean="0"/>
-              <a:t>2020/12/24</a:t>
+              <a:t>2020/12/25</a:t>
             </a:fld>
             <a:endParaRPr kumimoji="1" lang="ja-JP" altLang="en-US" dirty="0"/>
           </a:p>
@@ -11206,14 +11139,14 @@
           <p:nvPr>
             <p:extLst>
               <p:ext uri="{D42A27DB-BD31-4B8C-83A1-F6EECF244321}">
-                <p14:modId xmlns:p14="http://schemas.microsoft.com/office/powerpoint/2010/main" val="1756481489"/>
+                <p14:modId xmlns:p14="http://schemas.microsoft.com/office/powerpoint/2010/main" val="822033872"/>
               </p:ext>
             </p:extLst>
           </p:nvPr>
         </p:nvGraphicFramePr>
         <p:xfrm>
           <a:off x="838197" y="1732134"/>
-          <a:ext cx="9411397" cy="1214499"/>
+          <a:ext cx="9411397" cy="3408250"/>
         </p:xfrm>
         <a:graphic>
           <a:graphicData uri="http://schemas.openxmlformats.org/drawingml/2006/table">
@@ -13273,6 +13206,3268 @@
                 <a:extLst>
                   <a:ext uri="{0D108BD9-81ED-4DB2-BD59-A6C34878D82A}">
                     <a16:rowId xmlns:a16="http://schemas.microsoft.com/office/drawing/2014/main" val="1757143786"/>
+                  </a:ext>
+                </a:extLst>
+              </a:tr>
+              <a:tr h="313393">
+                <a:tc>
+                  <a:txBody>
+                    <a:bodyPr/>
+                    <a:lstStyle/>
+                    <a:p>
+                      <a:endParaRPr kumimoji="1" lang="ja-JP" altLang="en-US" sz="1200" dirty="0">
+                        <a:latin typeface="Meiryo UI" panose="020B0604030504040204" pitchFamily="50" charset="-128"/>
+                        <a:ea typeface="Meiryo UI" panose="020B0604030504040204" pitchFamily="50" charset="-128"/>
+                      </a:endParaRPr>
+                    </a:p>
+                  </a:txBody>
+                  <a:tcPr>
+                    <a:lnL w="12700" cap="flat" cmpd="sng" algn="ctr">
+                      <a:solidFill>
+                        <a:schemeClr val="tx1"/>
+                      </a:solidFill>
+                      <a:prstDash val="solid"/>
+                      <a:round/>
+                      <a:headEnd type="none" w="med" len="med"/>
+                      <a:tailEnd type="none" w="med" len="med"/>
+                    </a:lnL>
+                    <a:lnR w="12700" cap="flat" cmpd="sng" algn="ctr">
+                      <a:solidFill>
+                        <a:schemeClr val="tx1"/>
+                      </a:solidFill>
+                      <a:prstDash val="solid"/>
+                      <a:round/>
+                      <a:headEnd type="none" w="med" len="med"/>
+                      <a:tailEnd type="none" w="med" len="med"/>
+                    </a:lnR>
+                    <a:lnT w="12700" cap="flat" cmpd="sng" algn="ctr">
+                      <a:solidFill>
+                        <a:schemeClr val="tx1"/>
+                      </a:solidFill>
+                      <a:prstDash val="solid"/>
+                      <a:round/>
+                      <a:headEnd type="none" w="med" len="med"/>
+                      <a:tailEnd type="none" w="med" len="med"/>
+                    </a:lnT>
+                    <a:lnB w="12700" cap="flat" cmpd="sng" algn="ctr">
+                      <a:solidFill>
+                        <a:schemeClr val="tx1"/>
+                      </a:solidFill>
+                      <a:prstDash val="solid"/>
+                      <a:round/>
+                      <a:headEnd type="none" w="med" len="med"/>
+                      <a:tailEnd type="none" w="med" len="med"/>
+                    </a:lnB>
+                    <a:noFill/>
+                  </a:tcPr>
+                </a:tc>
+                <a:tc>
+                  <a:txBody>
+                    <a:bodyPr/>
+                    <a:lstStyle/>
+                    <a:p>
+                      <a:endParaRPr kumimoji="1" lang="ja-JP" altLang="en-US" sz="1200">
+                        <a:latin typeface="Meiryo UI" panose="020B0604030504040204" pitchFamily="50" charset="-128"/>
+                        <a:ea typeface="Meiryo UI" panose="020B0604030504040204" pitchFamily="50" charset="-128"/>
+                      </a:endParaRPr>
+                    </a:p>
+                  </a:txBody>
+                  <a:tcPr>
+                    <a:lnL w="12700" cap="flat" cmpd="sng" algn="ctr">
+                      <a:solidFill>
+                        <a:schemeClr val="tx1"/>
+                      </a:solidFill>
+                      <a:prstDash val="solid"/>
+                      <a:round/>
+                      <a:headEnd type="none" w="med" len="med"/>
+                      <a:tailEnd type="none" w="med" len="med"/>
+                    </a:lnL>
+                    <a:lnR w="12700" cap="flat" cmpd="sng" algn="ctr">
+                      <a:solidFill>
+                        <a:schemeClr val="tx1"/>
+                      </a:solidFill>
+                      <a:prstDash val="solid"/>
+                      <a:round/>
+                      <a:headEnd type="none" w="med" len="med"/>
+                      <a:tailEnd type="none" w="med" len="med"/>
+                    </a:lnR>
+                    <a:lnT w="12700" cap="flat" cmpd="sng" algn="ctr">
+                      <a:solidFill>
+                        <a:schemeClr val="tx1"/>
+                      </a:solidFill>
+                      <a:prstDash val="solid"/>
+                      <a:round/>
+                      <a:headEnd type="none" w="med" len="med"/>
+                      <a:tailEnd type="none" w="med" len="med"/>
+                    </a:lnT>
+                    <a:lnB w="12700" cap="flat" cmpd="sng" algn="ctr">
+                      <a:solidFill>
+                        <a:schemeClr val="tx1"/>
+                      </a:solidFill>
+                      <a:prstDash val="solid"/>
+                      <a:round/>
+                      <a:headEnd type="none" w="med" len="med"/>
+                      <a:tailEnd type="none" w="med" len="med"/>
+                    </a:lnB>
+                    <a:noFill/>
+                  </a:tcPr>
+                </a:tc>
+                <a:tc>
+                  <a:txBody>
+                    <a:bodyPr/>
+                    <a:lstStyle/>
+                    <a:p>
+                      <a:endParaRPr kumimoji="1" lang="ja-JP" altLang="en-US" sz="1200" dirty="0">
+                        <a:latin typeface="Meiryo UI" panose="020B0604030504040204" pitchFamily="50" charset="-128"/>
+                        <a:ea typeface="Meiryo UI" panose="020B0604030504040204" pitchFamily="50" charset="-128"/>
+                      </a:endParaRPr>
+                    </a:p>
+                  </a:txBody>
+                  <a:tcPr>
+                    <a:lnL w="12700" cap="flat" cmpd="sng" algn="ctr">
+                      <a:solidFill>
+                        <a:schemeClr val="tx1"/>
+                      </a:solidFill>
+                      <a:prstDash val="solid"/>
+                      <a:round/>
+                      <a:headEnd type="none" w="med" len="med"/>
+                      <a:tailEnd type="none" w="med" len="med"/>
+                    </a:lnL>
+                    <a:lnR w="12700" cap="flat" cmpd="sng" algn="ctr">
+                      <a:solidFill>
+                        <a:schemeClr val="tx1"/>
+                      </a:solidFill>
+                      <a:prstDash val="solid"/>
+                      <a:round/>
+                      <a:headEnd type="none" w="med" len="med"/>
+                      <a:tailEnd type="none" w="med" len="med"/>
+                    </a:lnR>
+                    <a:lnT w="12700" cap="flat" cmpd="sng" algn="ctr">
+                      <a:solidFill>
+                        <a:schemeClr val="tx1"/>
+                      </a:solidFill>
+                      <a:prstDash val="solid"/>
+                      <a:round/>
+                      <a:headEnd type="none" w="med" len="med"/>
+                      <a:tailEnd type="none" w="med" len="med"/>
+                    </a:lnT>
+                    <a:lnB w="12700" cap="flat" cmpd="sng" algn="ctr">
+                      <a:solidFill>
+                        <a:schemeClr val="tx1"/>
+                      </a:solidFill>
+                      <a:prstDash val="solid"/>
+                      <a:round/>
+                      <a:headEnd type="none" w="med" len="med"/>
+                      <a:tailEnd type="none" w="med" len="med"/>
+                    </a:lnB>
+                    <a:noFill/>
+                  </a:tcPr>
+                </a:tc>
+                <a:tc>
+                  <a:txBody>
+                    <a:bodyPr/>
+                    <a:lstStyle/>
+                    <a:p>
+                      <a:endParaRPr kumimoji="1" lang="ja-JP" altLang="en-US" sz="1200" dirty="0">
+                        <a:latin typeface="Meiryo UI" panose="020B0604030504040204" pitchFamily="50" charset="-128"/>
+                        <a:ea typeface="Meiryo UI" panose="020B0604030504040204" pitchFamily="50" charset="-128"/>
+                      </a:endParaRPr>
+                    </a:p>
+                  </a:txBody>
+                  <a:tcPr>
+                    <a:lnL w="12700" cap="flat" cmpd="sng" algn="ctr">
+                      <a:solidFill>
+                        <a:schemeClr val="tx1"/>
+                      </a:solidFill>
+                      <a:prstDash val="solid"/>
+                      <a:round/>
+                      <a:headEnd type="none" w="med" len="med"/>
+                      <a:tailEnd type="none" w="med" len="med"/>
+                    </a:lnL>
+                    <a:lnR w="12700" cap="flat" cmpd="sng" algn="ctr">
+                      <a:solidFill>
+                        <a:schemeClr val="tx1"/>
+                      </a:solidFill>
+                      <a:prstDash val="solid"/>
+                      <a:round/>
+                      <a:headEnd type="none" w="med" len="med"/>
+                      <a:tailEnd type="none" w="med" len="med"/>
+                    </a:lnR>
+                    <a:lnT w="12700" cap="flat" cmpd="sng" algn="ctr">
+                      <a:solidFill>
+                        <a:schemeClr val="tx1"/>
+                      </a:solidFill>
+                      <a:prstDash val="solid"/>
+                      <a:round/>
+                      <a:headEnd type="none" w="med" len="med"/>
+                      <a:tailEnd type="none" w="med" len="med"/>
+                    </a:lnT>
+                    <a:lnB w="12700" cap="flat" cmpd="sng" algn="ctr">
+                      <a:solidFill>
+                        <a:schemeClr val="tx1"/>
+                      </a:solidFill>
+                      <a:prstDash val="solid"/>
+                      <a:round/>
+                      <a:headEnd type="none" w="med" len="med"/>
+                      <a:tailEnd type="none" w="med" len="med"/>
+                    </a:lnB>
+                    <a:noFill/>
+                  </a:tcPr>
+                </a:tc>
+                <a:tc>
+                  <a:txBody>
+                    <a:bodyPr/>
+                    <a:lstStyle/>
+                    <a:p>
+                      <a:endParaRPr kumimoji="1" lang="ja-JP" altLang="en-US" sz="1200" dirty="0">
+                        <a:latin typeface="Meiryo UI" panose="020B0604030504040204" pitchFamily="50" charset="-128"/>
+                        <a:ea typeface="Meiryo UI" panose="020B0604030504040204" pitchFamily="50" charset="-128"/>
+                      </a:endParaRPr>
+                    </a:p>
+                  </a:txBody>
+                  <a:tcPr>
+                    <a:lnL w="12700" cap="flat" cmpd="sng" algn="ctr">
+                      <a:solidFill>
+                        <a:schemeClr val="tx1"/>
+                      </a:solidFill>
+                      <a:prstDash val="solid"/>
+                      <a:round/>
+                      <a:headEnd type="none" w="med" len="med"/>
+                      <a:tailEnd type="none" w="med" len="med"/>
+                    </a:lnL>
+                    <a:lnR w="12700" cap="flat" cmpd="sng" algn="ctr">
+                      <a:solidFill>
+                        <a:schemeClr val="tx1"/>
+                      </a:solidFill>
+                      <a:prstDash val="solid"/>
+                      <a:round/>
+                      <a:headEnd type="none" w="med" len="med"/>
+                      <a:tailEnd type="none" w="med" len="med"/>
+                    </a:lnR>
+                    <a:lnT w="12700" cap="flat" cmpd="sng" algn="ctr">
+                      <a:solidFill>
+                        <a:schemeClr val="tx1"/>
+                      </a:solidFill>
+                      <a:prstDash val="solid"/>
+                      <a:round/>
+                      <a:headEnd type="none" w="med" len="med"/>
+                      <a:tailEnd type="none" w="med" len="med"/>
+                    </a:lnT>
+                    <a:lnB w="12700" cap="flat" cmpd="sng" algn="ctr">
+                      <a:solidFill>
+                        <a:schemeClr val="tx1"/>
+                      </a:solidFill>
+                      <a:prstDash val="solid"/>
+                      <a:round/>
+                      <a:headEnd type="none" w="med" len="med"/>
+                      <a:tailEnd type="none" w="med" len="med"/>
+                    </a:lnB>
+                    <a:noFill/>
+                  </a:tcPr>
+                </a:tc>
+                <a:tc>
+                  <a:txBody>
+                    <a:bodyPr/>
+                    <a:lstStyle/>
+                    <a:p>
+                      <a:endParaRPr kumimoji="1" lang="ja-JP" altLang="en-US" sz="1200" dirty="0">
+                        <a:latin typeface="Meiryo UI" panose="020B0604030504040204" pitchFamily="50" charset="-128"/>
+                        <a:ea typeface="Meiryo UI" panose="020B0604030504040204" pitchFamily="50" charset="-128"/>
+                      </a:endParaRPr>
+                    </a:p>
+                  </a:txBody>
+                  <a:tcPr>
+                    <a:lnL w="12700" cap="flat" cmpd="sng" algn="ctr">
+                      <a:solidFill>
+                        <a:schemeClr val="tx1"/>
+                      </a:solidFill>
+                      <a:prstDash val="solid"/>
+                      <a:round/>
+                      <a:headEnd type="none" w="med" len="med"/>
+                      <a:tailEnd type="none" w="med" len="med"/>
+                    </a:lnL>
+                    <a:lnR w="12700" cap="flat" cmpd="sng" algn="ctr">
+                      <a:solidFill>
+                        <a:schemeClr val="tx1"/>
+                      </a:solidFill>
+                      <a:prstDash val="solid"/>
+                      <a:round/>
+                      <a:headEnd type="none" w="med" len="med"/>
+                      <a:tailEnd type="none" w="med" len="med"/>
+                    </a:lnR>
+                    <a:lnT w="12700" cap="flat" cmpd="sng" algn="ctr">
+                      <a:solidFill>
+                        <a:schemeClr val="tx1"/>
+                      </a:solidFill>
+                      <a:prstDash val="solid"/>
+                      <a:round/>
+                      <a:headEnd type="none" w="med" len="med"/>
+                      <a:tailEnd type="none" w="med" len="med"/>
+                    </a:lnT>
+                    <a:lnB w="12700" cap="flat" cmpd="sng" algn="ctr">
+                      <a:solidFill>
+                        <a:schemeClr val="tx1"/>
+                      </a:solidFill>
+                      <a:prstDash val="solid"/>
+                      <a:round/>
+                      <a:headEnd type="none" w="med" len="med"/>
+                      <a:tailEnd type="none" w="med" len="med"/>
+                    </a:lnB>
+                    <a:noFill/>
+                  </a:tcPr>
+                </a:tc>
+                <a:tc>
+                  <a:txBody>
+                    <a:bodyPr/>
+                    <a:lstStyle/>
+                    <a:p>
+                      <a:endParaRPr kumimoji="1" lang="ja-JP" altLang="en-US" sz="1200" dirty="0">
+                        <a:latin typeface="Meiryo UI" panose="020B0604030504040204" pitchFamily="50" charset="-128"/>
+                        <a:ea typeface="Meiryo UI" panose="020B0604030504040204" pitchFamily="50" charset="-128"/>
+                      </a:endParaRPr>
+                    </a:p>
+                  </a:txBody>
+                  <a:tcPr>
+                    <a:lnL w="12700" cap="flat" cmpd="sng" algn="ctr">
+                      <a:solidFill>
+                        <a:schemeClr val="tx1"/>
+                      </a:solidFill>
+                      <a:prstDash val="solid"/>
+                      <a:round/>
+                      <a:headEnd type="none" w="med" len="med"/>
+                      <a:tailEnd type="none" w="med" len="med"/>
+                    </a:lnL>
+                    <a:lnR w="12700" cap="flat" cmpd="sng" algn="ctr">
+                      <a:solidFill>
+                        <a:schemeClr val="tx1"/>
+                      </a:solidFill>
+                      <a:prstDash val="solid"/>
+                      <a:round/>
+                      <a:headEnd type="none" w="med" len="med"/>
+                      <a:tailEnd type="none" w="med" len="med"/>
+                    </a:lnR>
+                    <a:lnT w="12700" cap="flat" cmpd="sng" algn="ctr">
+                      <a:solidFill>
+                        <a:schemeClr val="tx1"/>
+                      </a:solidFill>
+                      <a:prstDash val="solid"/>
+                      <a:round/>
+                      <a:headEnd type="none" w="med" len="med"/>
+                      <a:tailEnd type="none" w="med" len="med"/>
+                    </a:lnT>
+                    <a:lnB w="12700" cap="flat" cmpd="sng" algn="ctr">
+                      <a:solidFill>
+                        <a:schemeClr val="tx1"/>
+                      </a:solidFill>
+                      <a:prstDash val="solid"/>
+                      <a:round/>
+                      <a:headEnd type="none" w="med" len="med"/>
+                      <a:tailEnd type="none" w="med" len="med"/>
+                    </a:lnB>
+                    <a:noFill/>
+                  </a:tcPr>
+                </a:tc>
+                <a:tc>
+                  <a:txBody>
+                    <a:bodyPr/>
+                    <a:lstStyle/>
+                    <a:p>
+                      <a:endParaRPr kumimoji="1" lang="ja-JP" altLang="en-US" sz="1200" dirty="0">
+                        <a:latin typeface="Meiryo UI" panose="020B0604030504040204" pitchFamily="50" charset="-128"/>
+                        <a:ea typeface="Meiryo UI" panose="020B0604030504040204" pitchFamily="50" charset="-128"/>
+                      </a:endParaRPr>
+                    </a:p>
+                  </a:txBody>
+                  <a:tcPr>
+                    <a:lnL w="12700" cap="flat" cmpd="sng" algn="ctr">
+                      <a:solidFill>
+                        <a:schemeClr val="tx1"/>
+                      </a:solidFill>
+                      <a:prstDash val="solid"/>
+                      <a:round/>
+                      <a:headEnd type="none" w="med" len="med"/>
+                      <a:tailEnd type="none" w="med" len="med"/>
+                    </a:lnL>
+                    <a:lnR w="12700" cap="flat" cmpd="sng" algn="ctr">
+                      <a:solidFill>
+                        <a:schemeClr val="tx1"/>
+                      </a:solidFill>
+                      <a:prstDash val="solid"/>
+                      <a:round/>
+                      <a:headEnd type="none" w="med" len="med"/>
+                      <a:tailEnd type="none" w="med" len="med"/>
+                    </a:lnR>
+                    <a:lnT w="12700" cap="flat" cmpd="sng" algn="ctr">
+                      <a:solidFill>
+                        <a:schemeClr val="tx1"/>
+                      </a:solidFill>
+                      <a:prstDash val="solid"/>
+                      <a:round/>
+                      <a:headEnd type="none" w="med" len="med"/>
+                      <a:tailEnd type="none" w="med" len="med"/>
+                    </a:lnT>
+                    <a:lnB w="12700" cap="flat" cmpd="sng" algn="ctr">
+                      <a:solidFill>
+                        <a:schemeClr val="tx1"/>
+                      </a:solidFill>
+                      <a:prstDash val="solid"/>
+                      <a:round/>
+                      <a:headEnd type="none" w="med" len="med"/>
+                      <a:tailEnd type="none" w="med" len="med"/>
+                    </a:lnB>
+                    <a:noFill/>
+                  </a:tcPr>
+                </a:tc>
+                <a:tc>
+                  <a:txBody>
+                    <a:bodyPr/>
+                    <a:lstStyle/>
+                    <a:p>
+                      <a:endParaRPr kumimoji="1" lang="ja-JP" altLang="en-US" sz="1200" dirty="0">
+                        <a:latin typeface="Meiryo UI" panose="020B0604030504040204" pitchFamily="50" charset="-128"/>
+                        <a:ea typeface="Meiryo UI" panose="020B0604030504040204" pitchFamily="50" charset="-128"/>
+                      </a:endParaRPr>
+                    </a:p>
+                  </a:txBody>
+                  <a:tcPr>
+                    <a:lnL w="12700" cap="flat" cmpd="sng" algn="ctr">
+                      <a:solidFill>
+                        <a:schemeClr val="tx1"/>
+                      </a:solidFill>
+                      <a:prstDash val="solid"/>
+                      <a:round/>
+                      <a:headEnd type="none" w="med" len="med"/>
+                      <a:tailEnd type="none" w="med" len="med"/>
+                    </a:lnL>
+                    <a:lnR w="12700" cap="flat" cmpd="sng" algn="ctr">
+                      <a:solidFill>
+                        <a:schemeClr val="tx1"/>
+                      </a:solidFill>
+                      <a:prstDash val="solid"/>
+                      <a:round/>
+                      <a:headEnd type="none" w="med" len="med"/>
+                      <a:tailEnd type="none" w="med" len="med"/>
+                    </a:lnR>
+                    <a:lnT w="12700" cap="flat" cmpd="sng" algn="ctr">
+                      <a:solidFill>
+                        <a:schemeClr val="tx1"/>
+                      </a:solidFill>
+                      <a:prstDash val="solid"/>
+                      <a:round/>
+                      <a:headEnd type="none" w="med" len="med"/>
+                      <a:tailEnd type="none" w="med" len="med"/>
+                    </a:lnT>
+                    <a:lnB w="12700" cap="flat" cmpd="sng" algn="ctr">
+                      <a:solidFill>
+                        <a:schemeClr val="tx1"/>
+                      </a:solidFill>
+                      <a:prstDash val="solid"/>
+                      <a:round/>
+                      <a:headEnd type="none" w="med" len="med"/>
+                      <a:tailEnd type="none" w="med" len="med"/>
+                    </a:lnB>
+                    <a:noFill/>
+                  </a:tcPr>
+                </a:tc>
+                <a:extLst>
+                  <a:ext uri="{0D108BD9-81ED-4DB2-BD59-A6C34878D82A}">
+                    <a16:rowId xmlns:a16="http://schemas.microsoft.com/office/drawing/2014/main" val="3981695430"/>
+                  </a:ext>
+                </a:extLst>
+              </a:tr>
+              <a:tr h="313393">
+                <a:tc>
+                  <a:txBody>
+                    <a:bodyPr/>
+                    <a:lstStyle/>
+                    <a:p>
+                      <a:endParaRPr kumimoji="1" lang="ja-JP" altLang="en-US" sz="1200" dirty="0">
+                        <a:latin typeface="Meiryo UI" panose="020B0604030504040204" pitchFamily="50" charset="-128"/>
+                        <a:ea typeface="Meiryo UI" panose="020B0604030504040204" pitchFamily="50" charset="-128"/>
+                      </a:endParaRPr>
+                    </a:p>
+                  </a:txBody>
+                  <a:tcPr>
+                    <a:lnL w="12700" cap="flat" cmpd="sng" algn="ctr">
+                      <a:solidFill>
+                        <a:schemeClr val="tx1"/>
+                      </a:solidFill>
+                      <a:prstDash val="solid"/>
+                      <a:round/>
+                      <a:headEnd type="none" w="med" len="med"/>
+                      <a:tailEnd type="none" w="med" len="med"/>
+                    </a:lnL>
+                    <a:lnR w="12700" cap="flat" cmpd="sng" algn="ctr">
+                      <a:solidFill>
+                        <a:schemeClr val="tx1"/>
+                      </a:solidFill>
+                      <a:prstDash val="solid"/>
+                      <a:round/>
+                      <a:headEnd type="none" w="med" len="med"/>
+                      <a:tailEnd type="none" w="med" len="med"/>
+                    </a:lnR>
+                    <a:lnT w="12700" cap="flat" cmpd="sng" algn="ctr">
+                      <a:solidFill>
+                        <a:schemeClr val="tx1"/>
+                      </a:solidFill>
+                      <a:prstDash val="solid"/>
+                      <a:round/>
+                      <a:headEnd type="none" w="med" len="med"/>
+                      <a:tailEnd type="none" w="med" len="med"/>
+                    </a:lnT>
+                    <a:lnB w="12700" cap="flat" cmpd="sng" algn="ctr">
+                      <a:solidFill>
+                        <a:schemeClr val="tx1"/>
+                      </a:solidFill>
+                      <a:prstDash val="solid"/>
+                      <a:round/>
+                      <a:headEnd type="none" w="med" len="med"/>
+                      <a:tailEnd type="none" w="med" len="med"/>
+                    </a:lnB>
+                    <a:noFill/>
+                  </a:tcPr>
+                </a:tc>
+                <a:tc>
+                  <a:txBody>
+                    <a:bodyPr/>
+                    <a:lstStyle/>
+                    <a:p>
+                      <a:endParaRPr kumimoji="1" lang="ja-JP" altLang="en-US" sz="1200">
+                        <a:latin typeface="Meiryo UI" panose="020B0604030504040204" pitchFamily="50" charset="-128"/>
+                        <a:ea typeface="Meiryo UI" panose="020B0604030504040204" pitchFamily="50" charset="-128"/>
+                      </a:endParaRPr>
+                    </a:p>
+                  </a:txBody>
+                  <a:tcPr>
+                    <a:lnL w="12700" cap="flat" cmpd="sng" algn="ctr">
+                      <a:solidFill>
+                        <a:schemeClr val="tx1"/>
+                      </a:solidFill>
+                      <a:prstDash val="solid"/>
+                      <a:round/>
+                      <a:headEnd type="none" w="med" len="med"/>
+                      <a:tailEnd type="none" w="med" len="med"/>
+                    </a:lnL>
+                    <a:lnR w="12700" cap="flat" cmpd="sng" algn="ctr">
+                      <a:solidFill>
+                        <a:schemeClr val="tx1"/>
+                      </a:solidFill>
+                      <a:prstDash val="solid"/>
+                      <a:round/>
+                      <a:headEnd type="none" w="med" len="med"/>
+                      <a:tailEnd type="none" w="med" len="med"/>
+                    </a:lnR>
+                    <a:lnT w="12700" cap="flat" cmpd="sng" algn="ctr">
+                      <a:solidFill>
+                        <a:schemeClr val="tx1"/>
+                      </a:solidFill>
+                      <a:prstDash val="solid"/>
+                      <a:round/>
+                      <a:headEnd type="none" w="med" len="med"/>
+                      <a:tailEnd type="none" w="med" len="med"/>
+                    </a:lnT>
+                    <a:lnB w="12700" cap="flat" cmpd="sng" algn="ctr">
+                      <a:solidFill>
+                        <a:schemeClr val="tx1"/>
+                      </a:solidFill>
+                      <a:prstDash val="solid"/>
+                      <a:round/>
+                      <a:headEnd type="none" w="med" len="med"/>
+                      <a:tailEnd type="none" w="med" len="med"/>
+                    </a:lnB>
+                    <a:noFill/>
+                  </a:tcPr>
+                </a:tc>
+                <a:tc>
+                  <a:txBody>
+                    <a:bodyPr/>
+                    <a:lstStyle/>
+                    <a:p>
+                      <a:endParaRPr kumimoji="1" lang="ja-JP" altLang="en-US" sz="1200" dirty="0">
+                        <a:latin typeface="Meiryo UI" panose="020B0604030504040204" pitchFamily="50" charset="-128"/>
+                        <a:ea typeface="Meiryo UI" panose="020B0604030504040204" pitchFamily="50" charset="-128"/>
+                      </a:endParaRPr>
+                    </a:p>
+                  </a:txBody>
+                  <a:tcPr>
+                    <a:lnL w="12700" cap="flat" cmpd="sng" algn="ctr">
+                      <a:solidFill>
+                        <a:schemeClr val="tx1"/>
+                      </a:solidFill>
+                      <a:prstDash val="solid"/>
+                      <a:round/>
+                      <a:headEnd type="none" w="med" len="med"/>
+                      <a:tailEnd type="none" w="med" len="med"/>
+                    </a:lnL>
+                    <a:lnR w="12700" cap="flat" cmpd="sng" algn="ctr">
+                      <a:solidFill>
+                        <a:schemeClr val="tx1"/>
+                      </a:solidFill>
+                      <a:prstDash val="solid"/>
+                      <a:round/>
+                      <a:headEnd type="none" w="med" len="med"/>
+                      <a:tailEnd type="none" w="med" len="med"/>
+                    </a:lnR>
+                    <a:lnT w="12700" cap="flat" cmpd="sng" algn="ctr">
+                      <a:solidFill>
+                        <a:schemeClr val="tx1"/>
+                      </a:solidFill>
+                      <a:prstDash val="solid"/>
+                      <a:round/>
+                      <a:headEnd type="none" w="med" len="med"/>
+                      <a:tailEnd type="none" w="med" len="med"/>
+                    </a:lnT>
+                    <a:lnB w="12700" cap="flat" cmpd="sng" algn="ctr">
+                      <a:solidFill>
+                        <a:schemeClr val="tx1"/>
+                      </a:solidFill>
+                      <a:prstDash val="solid"/>
+                      <a:round/>
+                      <a:headEnd type="none" w="med" len="med"/>
+                      <a:tailEnd type="none" w="med" len="med"/>
+                    </a:lnB>
+                    <a:noFill/>
+                  </a:tcPr>
+                </a:tc>
+                <a:tc>
+                  <a:txBody>
+                    <a:bodyPr/>
+                    <a:lstStyle/>
+                    <a:p>
+                      <a:endParaRPr kumimoji="1" lang="ja-JP" altLang="en-US" sz="1200" dirty="0">
+                        <a:latin typeface="Meiryo UI" panose="020B0604030504040204" pitchFamily="50" charset="-128"/>
+                        <a:ea typeface="Meiryo UI" panose="020B0604030504040204" pitchFamily="50" charset="-128"/>
+                      </a:endParaRPr>
+                    </a:p>
+                  </a:txBody>
+                  <a:tcPr>
+                    <a:lnL w="12700" cap="flat" cmpd="sng" algn="ctr">
+                      <a:solidFill>
+                        <a:schemeClr val="tx1"/>
+                      </a:solidFill>
+                      <a:prstDash val="solid"/>
+                      <a:round/>
+                      <a:headEnd type="none" w="med" len="med"/>
+                      <a:tailEnd type="none" w="med" len="med"/>
+                    </a:lnL>
+                    <a:lnR w="12700" cap="flat" cmpd="sng" algn="ctr">
+                      <a:solidFill>
+                        <a:schemeClr val="tx1"/>
+                      </a:solidFill>
+                      <a:prstDash val="solid"/>
+                      <a:round/>
+                      <a:headEnd type="none" w="med" len="med"/>
+                      <a:tailEnd type="none" w="med" len="med"/>
+                    </a:lnR>
+                    <a:lnT w="12700" cap="flat" cmpd="sng" algn="ctr">
+                      <a:solidFill>
+                        <a:schemeClr val="tx1"/>
+                      </a:solidFill>
+                      <a:prstDash val="solid"/>
+                      <a:round/>
+                      <a:headEnd type="none" w="med" len="med"/>
+                      <a:tailEnd type="none" w="med" len="med"/>
+                    </a:lnT>
+                    <a:lnB w="12700" cap="flat" cmpd="sng" algn="ctr">
+                      <a:solidFill>
+                        <a:schemeClr val="tx1"/>
+                      </a:solidFill>
+                      <a:prstDash val="solid"/>
+                      <a:round/>
+                      <a:headEnd type="none" w="med" len="med"/>
+                      <a:tailEnd type="none" w="med" len="med"/>
+                    </a:lnB>
+                    <a:noFill/>
+                  </a:tcPr>
+                </a:tc>
+                <a:tc>
+                  <a:txBody>
+                    <a:bodyPr/>
+                    <a:lstStyle/>
+                    <a:p>
+                      <a:endParaRPr kumimoji="1" lang="ja-JP" altLang="en-US" sz="1200" dirty="0">
+                        <a:latin typeface="Meiryo UI" panose="020B0604030504040204" pitchFamily="50" charset="-128"/>
+                        <a:ea typeface="Meiryo UI" panose="020B0604030504040204" pitchFamily="50" charset="-128"/>
+                      </a:endParaRPr>
+                    </a:p>
+                  </a:txBody>
+                  <a:tcPr>
+                    <a:lnL w="12700" cap="flat" cmpd="sng" algn="ctr">
+                      <a:solidFill>
+                        <a:schemeClr val="tx1"/>
+                      </a:solidFill>
+                      <a:prstDash val="solid"/>
+                      <a:round/>
+                      <a:headEnd type="none" w="med" len="med"/>
+                      <a:tailEnd type="none" w="med" len="med"/>
+                    </a:lnL>
+                    <a:lnR w="12700" cap="flat" cmpd="sng" algn="ctr">
+                      <a:solidFill>
+                        <a:schemeClr val="tx1"/>
+                      </a:solidFill>
+                      <a:prstDash val="solid"/>
+                      <a:round/>
+                      <a:headEnd type="none" w="med" len="med"/>
+                      <a:tailEnd type="none" w="med" len="med"/>
+                    </a:lnR>
+                    <a:lnT w="12700" cap="flat" cmpd="sng" algn="ctr">
+                      <a:solidFill>
+                        <a:schemeClr val="tx1"/>
+                      </a:solidFill>
+                      <a:prstDash val="solid"/>
+                      <a:round/>
+                      <a:headEnd type="none" w="med" len="med"/>
+                      <a:tailEnd type="none" w="med" len="med"/>
+                    </a:lnT>
+                    <a:lnB w="12700" cap="flat" cmpd="sng" algn="ctr">
+                      <a:solidFill>
+                        <a:schemeClr val="tx1"/>
+                      </a:solidFill>
+                      <a:prstDash val="solid"/>
+                      <a:round/>
+                      <a:headEnd type="none" w="med" len="med"/>
+                      <a:tailEnd type="none" w="med" len="med"/>
+                    </a:lnB>
+                    <a:noFill/>
+                  </a:tcPr>
+                </a:tc>
+                <a:tc>
+                  <a:txBody>
+                    <a:bodyPr/>
+                    <a:lstStyle/>
+                    <a:p>
+                      <a:endParaRPr kumimoji="1" lang="ja-JP" altLang="en-US" sz="1200" dirty="0">
+                        <a:latin typeface="Meiryo UI" panose="020B0604030504040204" pitchFamily="50" charset="-128"/>
+                        <a:ea typeface="Meiryo UI" panose="020B0604030504040204" pitchFamily="50" charset="-128"/>
+                      </a:endParaRPr>
+                    </a:p>
+                  </a:txBody>
+                  <a:tcPr>
+                    <a:lnL w="12700" cap="flat" cmpd="sng" algn="ctr">
+                      <a:solidFill>
+                        <a:schemeClr val="tx1"/>
+                      </a:solidFill>
+                      <a:prstDash val="solid"/>
+                      <a:round/>
+                      <a:headEnd type="none" w="med" len="med"/>
+                      <a:tailEnd type="none" w="med" len="med"/>
+                    </a:lnL>
+                    <a:lnR w="12700" cap="flat" cmpd="sng" algn="ctr">
+                      <a:solidFill>
+                        <a:schemeClr val="tx1"/>
+                      </a:solidFill>
+                      <a:prstDash val="solid"/>
+                      <a:round/>
+                      <a:headEnd type="none" w="med" len="med"/>
+                      <a:tailEnd type="none" w="med" len="med"/>
+                    </a:lnR>
+                    <a:lnT w="12700" cap="flat" cmpd="sng" algn="ctr">
+                      <a:solidFill>
+                        <a:schemeClr val="tx1"/>
+                      </a:solidFill>
+                      <a:prstDash val="solid"/>
+                      <a:round/>
+                      <a:headEnd type="none" w="med" len="med"/>
+                      <a:tailEnd type="none" w="med" len="med"/>
+                    </a:lnT>
+                    <a:lnB w="12700" cap="flat" cmpd="sng" algn="ctr">
+                      <a:solidFill>
+                        <a:schemeClr val="tx1"/>
+                      </a:solidFill>
+                      <a:prstDash val="solid"/>
+                      <a:round/>
+                      <a:headEnd type="none" w="med" len="med"/>
+                      <a:tailEnd type="none" w="med" len="med"/>
+                    </a:lnB>
+                    <a:noFill/>
+                  </a:tcPr>
+                </a:tc>
+                <a:tc>
+                  <a:txBody>
+                    <a:bodyPr/>
+                    <a:lstStyle/>
+                    <a:p>
+                      <a:endParaRPr kumimoji="1" lang="ja-JP" altLang="en-US" sz="1200" dirty="0">
+                        <a:latin typeface="Meiryo UI" panose="020B0604030504040204" pitchFamily="50" charset="-128"/>
+                        <a:ea typeface="Meiryo UI" panose="020B0604030504040204" pitchFamily="50" charset="-128"/>
+                      </a:endParaRPr>
+                    </a:p>
+                  </a:txBody>
+                  <a:tcPr>
+                    <a:lnL w="12700" cap="flat" cmpd="sng" algn="ctr">
+                      <a:solidFill>
+                        <a:schemeClr val="tx1"/>
+                      </a:solidFill>
+                      <a:prstDash val="solid"/>
+                      <a:round/>
+                      <a:headEnd type="none" w="med" len="med"/>
+                      <a:tailEnd type="none" w="med" len="med"/>
+                    </a:lnL>
+                    <a:lnR w="12700" cap="flat" cmpd="sng" algn="ctr">
+                      <a:solidFill>
+                        <a:schemeClr val="tx1"/>
+                      </a:solidFill>
+                      <a:prstDash val="solid"/>
+                      <a:round/>
+                      <a:headEnd type="none" w="med" len="med"/>
+                      <a:tailEnd type="none" w="med" len="med"/>
+                    </a:lnR>
+                    <a:lnT w="12700" cap="flat" cmpd="sng" algn="ctr">
+                      <a:solidFill>
+                        <a:schemeClr val="tx1"/>
+                      </a:solidFill>
+                      <a:prstDash val="solid"/>
+                      <a:round/>
+                      <a:headEnd type="none" w="med" len="med"/>
+                      <a:tailEnd type="none" w="med" len="med"/>
+                    </a:lnT>
+                    <a:lnB w="12700" cap="flat" cmpd="sng" algn="ctr">
+                      <a:solidFill>
+                        <a:schemeClr val="tx1"/>
+                      </a:solidFill>
+                      <a:prstDash val="solid"/>
+                      <a:round/>
+                      <a:headEnd type="none" w="med" len="med"/>
+                      <a:tailEnd type="none" w="med" len="med"/>
+                    </a:lnB>
+                    <a:noFill/>
+                  </a:tcPr>
+                </a:tc>
+                <a:tc>
+                  <a:txBody>
+                    <a:bodyPr/>
+                    <a:lstStyle/>
+                    <a:p>
+                      <a:endParaRPr kumimoji="1" lang="ja-JP" altLang="en-US" sz="1200" dirty="0">
+                        <a:latin typeface="Meiryo UI" panose="020B0604030504040204" pitchFamily="50" charset="-128"/>
+                        <a:ea typeface="Meiryo UI" panose="020B0604030504040204" pitchFamily="50" charset="-128"/>
+                      </a:endParaRPr>
+                    </a:p>
+                  </a:txBody>
+                  <a:tcPr>
+                    <a:lnL w="12700" cap="flat" cmpd="sng" algn="ctr">
+                      <a:solidFill>
+                        <a:schemeClr val="tx1"/>
+                      </a:solidFill>
+                      <a:prstDash val="solid"/>
+                      <a:round/>
+                      <a:headEnd type="none" w="med" len="med"/>
+                      <a:tailEnd type="none" w="med" len="med"/>
+                    </a:lnL>
+                    <a:lnR w="12700" cap="flat" cmpd="sng" algn="ctr">
+                      <a:solidFill>
+                        <a:schemeClr val="tx1"/>
+                      </a:solidFill>
+                      <a:prstDash val="solid"/>
+                      <a:round/>
+                      <a:headEnd type="none" w="med" len="med"/>
+                      <a:tailEnd type="none" w="med" len="med"/>
+                    </a:lnR>
+                    <a:lnT w="12700" cap="flat" cmpd="sng" algn="ctr">
+                      <a:solidFill>
+                        <a:schemeClr val="tx1"/>
+                      </a:solidFill>
+                      <a:prstDash val="solid"/>
+                      <a:round/>
+                      <a:headEnd type="none" w="med" len="med"/>
+                      <a:tailEnd type="none" w="med" len="med"/>
+                    </a:lnT>
+                    <a:lnB w="12700" cap="flat" cmpd="sng" algn="ctr">
+                      <a:solidFill>
+                        <a:schemeClr val="tx1"/>
+                      </a:solidFill>
+                      <a:prstDash val="solid"/>
+                      <a:round/>
+                      <a:headEnd type="none" w="med" len="med"/>
+                      <a:tailEnd type="none" w="med" len="med"/>
+                    </a:lnB>
+                    <a:noFill/>
+                  </a:tcPr>
+                </a:tc>
+                <a:tc>
+                  <a:txBody>
+                    <a:bodyPr/>
+                    <a:lstStyle/>
+                    <a:p>
+                      <a:endParaRPr kumimoji="1" lang="ja-JP" altLang="en-US" sz="1200" dirty="0">
+                        <a:latin typeface="Meiryo UI" panose="020B0604030504040204" pitchFamily="50" charset="-128"/>
+                        <a:ea typeface="Meiryo UI" panose="020B0604030504040204" pitchFamily="50" charset="-128"/>
+                      </a:endParaRPr>
+                    </a:p>
+                  </a:txBody>
+                  <a:tcPr>
+                    <a:lnL w="12700" cap="flat" cmpd="sng" algn="ctr">
+                      <a:solidFill>
+                        <a:schemeClr val="tx1"/>
+                      </a:solidFill>
+                      <a:prstDash val="solid"/>
+                      <a:round/>
+                      <a:headEnd type="none" w="med" len="med"/>
+                      <a:tailEnd type="none" w="med" len="med"/>
+                    </a:lnL>
+                    <a:lnR w="12700" cap="flat" cmpd="sng" algn="ctr">
+                      <a:solidFill>
+                        <a:schemeClr val="tx1"/>
+                      </a:solidFill>
+                      <a:prstDash val="solid"/>
+                      <a:round/>
+                      <a:headEnd type="none" w="med" len="med"/>
+                      <a:tailEnd type="none" w="med" len="med"/>
+                    </a:lnR>
+                    <a:lnT w="12700" cap="flat" cmpd="sng" algn="ctr">
+                      <a:solidFill>
+                        <a:schemeClr val="tx1"/>
+                      </a:solidFill>
+                      <a:prstDash val="solid"/>
+                      <a:round/>
+                      <a:headEnd type="none" w="med" len="med"/>
+                      <a:tailEnd type="none" w="med" len="med"/>
+                    </a:lnT>
+                    <a:lnB w="12700" cap="flat" cmpd="sng" algn="ctr">
+                      <a:solidFill>
+                        <a:schemeClr val="tx1"/>
+                      </a:solidFill>
+                      <a:prstDash val="solid"/>
+                      <a:round/>
+                      <a:headEnd type="none" w="med" len="med"/>
+                      <a:tailEnd type="none" w="med" len="med"/>
+                    </a:lnB>
+                    <a:noFill/>
+                  </a:tcPr>
+                </a:tc>
+                <a:extLst>
+                  <a:ext uri="{0D108BD9-81ED-4DB2-BD59-A6C34878D82A}">
+                    <a16:rowId xmlns:a16="http://schemas.microsoft.com/office/drawing/2014/main" val="668920587"/>
+                  </a:ext>
+                </a:extLst>
+              </a:tr>
+              <a:tr h="313393">
+                <a:tc>
+                  <a:txBody>
+                    <a:bodyPr/>
+                    <a:lstStyle/>
+                    <a:p>
+                      <a:endParaRPr kumimoji="1" lang="ja-JP" altLang="en-US" sz="1200" dirty="0">
+                        <a:latin typeface="Meiryo UI" panose="020B0604030504040204" pitchFamily="50" charset="-128"/>
+                        <a:ea typeface="Meiryo UI" panose="020B0604030504040204" pitchFamily="50" charset="-128"/>
+                      </a:endParaRPr>
+                    </a:p>
+                  </a:txBody>
+                  <a:tcPr>
+                    <a:lnL w="12700" cap="flat" cmpd="sng" algn="ctr">
+                      <a:solidFill>
+                        <a:schemeClr val="tx1"/>
+                      </a:solidFill>
+                      <a:prstDash val="solid"/>
+                      <a:round/>
+                      <a:headEnd type="none" w="med" len="med"/>
+                      <a:tailEnd type="none" w="med" len="med"/>
+                    </a:lnL>
+                    <a:lnR w="12700" cap="flat" cmpd="sng" algn="ctr">
+                      <a:solidFill>
+                        <a:schemeClr val="tx1"/>
+                      </a:solidFill>
+                      <a:prstDash val="solid"/>
+                      <a:round/>
+                      <a:headEnd type="none" w="med" len="med"/>
+                      <a:tailEnd type="none" w="med" len="med"/>
+                    </a:lnR>
+                    <a:lnT w="12700" cap="flat" cmpd="sng" algn="ctr">
+                      <a:solidFill>
+                        <a:schemeClr val="tx1"/>
+                      </a:solidFill>
+                      <a:prstDash val="solid"/>
+                      <a:round/>
+                      <a:headEnd type="none" w="med" len="med"/>
+                      <a:tailEnd type="none" w="med" len="med"/>
+                    </a:lnT>
+                    <a:lnB w="12700" cap="flat" cmpd="sng" algn="ctr">
+                      <a:solidFill>
+                        <a:schemeClr val="tx1"/>
+                      </a:solidFill>
+                      <a:prstDash val="solid"/>
+                      <a:round/>
+                      <a:headEnd type="none" w="med" len="med"/>
+                      <a:tailEnd type="none" w="med" len="med"/>
+                    </a:lnB>
+                    <a:noFill/>
+                  </a:tcPr>
+                </a:tc>
+                <a:tc>
+                  <a:txBody>
+                    <a:bodyPr/>
+                    <a:lstStyle/>
+                    <a:p>
+                      <a:endParaRPr kumimoji="1" lang="ja-JP" altLang="en-US" sz="1200">
+                        <a:latin typeface="Meiryo UI" panose="020B0604030504040204" pitchFamily="50" charset="-128"/>
+                        <a:ea typeface="Meiryo UI" panose="020B0604030504040204" pitchFamily="50" charset="-128"/>
+                      </a:endParaRPr>
+                    </a:p>
+                  </a:txBody>
+                  <a:tcPr>
+                    <a:lnL w="12700" cap="flat" cmpd="sng" algn="ctr">
+                      <a:solidFill>
+                        <a:schemeClr val="tx1"/>
+                      </a:solidFill>
+                      <a:prstDash val="solid"/>
+                      <a:round/>
+                      <a:headEnd type="none" w="med" len="med"/>
+                      <a:tailEnd type="none" w="med" len="med"/>
+                    </a:lnL>
+                    <a:lnR w="12700" cap="flat" cmpd="sng" algn="ctr">
+                      <a:solidFill>
+                        <a:schemeClr val="tx1"/>
+                      </a:solidFill>
+                      <a:prstDash val="solid"/>
+                      <a:round/>
+                      <a:headEnd type="none" w="med" len="med"/>
+                      <a:tailEnd type="none" w="med" len="med"/>
+                    </a:lnR>
+                    <a:lnT w="12700" cap="flat" cmpd="sng" algn="ctr">
+                      <a:solidFill>
+                        <a:schemeClr val="tx1"/>
+                      </a:solidFill>
+                      <a:prstDash val="solid"/>
+                      <a:round/>
+                      <a:headEnd type="none" w="med" len="med"/>
+                      <a:tailEnd type="none" w="med" len="med"/>
+                    </a:lnT>
+                    <a:lnB w="12700" cap="flat" cmpd="sng" algn="ctr">
+                      <a:solidFill>
+                        <a:schemeClr val="tx1"/>
+                      </a:solidFill>
+                      <a:prstDash val="solid"/>
+                      <a:round/>
+                      <a:headEnd type="none" w="med" len="med"/>
+                      <a:tailEnd type="none" w="med" len="med"/>
+                    </a:lnB>
+                    <a:noFill/>
+                  </a:tcPr>
+                </a:tc>
+                <a:tc>
+                  <a:txBody>
+                    <a:bodyPr/>
+                    <a:lstStyle/>
+                    <a:p>
+                      <a:endParaRPr kumimoji="1" lang="ja-JP" altLang="en-US" sz="1200" dirty="0">
+                        <a:latin typeface="Meiryo UI" panose="020B0604030504040204" pitchFamily="50" charset="-128"/>
+                        <a:ea typeface="Meiryo UI" panose="020B0604030504040204" pitchFamily="50" charset="-128"/>
+                      </a:endParaRPr>
+                    </a:p>
+                  </a:txBody>
+                  <a:tcPr>
+                    <a:lnL w="12700" cap="flat" cmpd="sng" algn="ctr">
+                      <a:solidFill>
+                        <a:schemeClr val="tx1"/>
+                      </a:solidFill>
+                      <a:prstDash val="solid"/>
+                      <a:round/>
+                      <a:headEnd type="none" w="med" len="med"/>
+                      <a:tailEnd type="none" w="med" len="med"/>
+                    </a:lnL>
+                    <a:lnR w="12700" cap="flat" cmpd="sng" algn="ctr">
+                      <a:solidFill>
+                        <a:schemeClr val="tx1"/>
+                      </a:solidFill>
+                      <a:prstDash val="solid"/>
+                      <a:round/>
+                      <a:headEnd type="none" w="med" len="med"/>
+                      <a:tailEnd type="none" w="med" len="med"/>
+                    </a:lnR>
+                    <a:lnT w="12700" cap="flat" cmpd="sng" algn="ctr">
+                      <a:solidFill>
+                        <a:schemeClr val="tx1"/>
+                      </a:solidFill>
+                      <a:prstDash val="solid"/>
+                      <a:round/>
+                      <a:headEnd type="none" w="med" len="med"/>
+                      <a:tailEnd type="none" w="med" len="med"/>
+                    </a:lnT>
+                    <a:lnB w="12700" cap="flat" cmpd="sng" algn="ctr">
+                      <a:solidFill>
+                        <a:schemeClr val="tx1"/>
+                      </a:solidFill>
+                      <a:prstDash val="solid"/>
+                      <a:round/>
+                      <a:headEnd type="none" w="med" len="med"/>
+                      <a:tailEnd type="none" w="med" len="med"/>
+                    </a:lnB>
+                    <a:noFill/>
+                  </a:tcPr>
+                </a:tc>
+                <a:tc>
+                  <a:txBody>
+                    <a:bodyPr/>
+                    <a:lstStyle/>
+                    <a:p>
+                      <a:endParaRPr kumimoji="1" lang="ja-JP" altLang="en-US" sz="1200" dirty="0">
+                        <a:latin typeface="Meiryo UI" panose="020B0604030504040204" pitchFamily="50" charset="-128"/>
+                        <a:ea typeface="Meiryo UI" panose="020B0604030504040204" pitchFamily="50" charset="-128"/>
+                      </a:endParaRPr>
+                    </a:p>
+                  </a:txBody>
+                  <a:tcPr>
+                    <a:lnL w="12700" cap="flat" cmpd="sng" algn="ctr">
+                      <a:solidFill>
+                        <a:schemeClr val="tx1"/>
+                      </a:solidFill>
+                      <a:prstDash val="solid"/>
+                      <a:round/>
+                      <a:headEnd type="none" w="med" len="med"/>
+                      <a:tailEnd type="none" w="med" len="med"/>
+                    </a:lnL>
+                    <a:lnR w="12700" cap="flat" cmpd="sng" algn="ctr">
+                      <a:solidFill>
+                        <a:schemeClr val="tx1"/>
+                      </a:solidFill>
+                      <a:prstDash val="solid"/>
+                      <a:round/>
+                      <a:headEnd type="none" w="med" len="med"/>
+                      <a:tailEnd type="none" w="med" len="med"/>
+                    </a:lnR>
+                    <a:lnT w="12700" cap="flat" cmpd="sng" algn="ctr">
+                      <a:solidFill>
+                        <a:schemeClr val="tx1"/>
+                      </a:solidFill>
+                      <a:prstDash val="solid"/>
+                      <a:round/>
+                      <a:headEnd type="none" w="med" len="med"/>
+                      <a:tailEnd type="none" w="med" len="med"/>
+                    </a:lnT>
+                    <a:lnB w="12700" cap="flat" cmpd="sng" algn="ctr">
+                      <a:solidFill>
+                        <a:schemeClr val="tx1"/>
+                      </a:solidFill>
+                      <a:prstDash val="solid"/>
+                      <a:round/>
+                      <a:headEnd type="none" w="med" len="med"/>
+                      <a:tailEnd type="none" w="med" len="med"/>
+                    </a:lnB>
+                    <a:noFill/>
+                  </a:tcPr>
+                </a:tc>
+                <a:tc>
+                  <a:txBody>
+                    <a:bodyPr/>
+                    <a:lstStyle/>
+                    <a:p>
+                      <a:endParaRPr kumimoji="1" lang="ja-JP" altLang="en-US" sz="1200" dirty="0">
+                        <a:latin typeface="Meiryo UI" panose="020B0604030504040204" pitchFamily="50" charset="-128"/>
+                        <a:ea typeface="Meiryo UI" panose="020B0604030504040204" pitchFamily="50" charset="-128"/>
+                      </a:endParaRPr>
+                    </a:p>
+                  </a:txBody>
+                  <a:tcPr>
+                    <a:lnL w="12700" cap="flat" cmpd="sng" algn="ctr">
+                      <a:solidFill>
+                        <a:schemeClr val="tx1"/>
+                      </a:solidFill>
+                      <a:prstDash val="solid"/>
+                      <a:round/>
+                      <a:headEnd type="none" w="med" len="med"/>
+                      <a:tailEnd type="none" w="med" len="med"/>
+                    </a:lnL>
+                    <a:lnR w="12700" cap="flat" cmpd="sng" algn="ctr">
+                      <a:solidFill>
+                        <a:schemeClr val="tx1"/>
+                      </a:solidFill>
+                      <a:prstDash val="solid"/>
+                      <a:round/>
+                      <a:headEnd type="none" w="med" len="med"/>
+                      <a:tailEnd type="none" w="med" len="med"/>
+                    </a:lnR>
+                    <a:lnT w="12700" cap="flat" cmpd="sng" algn="ctr">
+                      <a:solidFill>
+                        <a:schemeClr val="tx1"/>
+                      </a:solidFill>
+                      <a:prstDash val="solid"/>
+                      <a:round/>
+                      <a:headEnd type="none" w="med" len="med"/>
+                      <a:tailEnd type="none" w="med" len="med"/>
+                    </a:lnT>
+                    <a:lnB w="12700" cap="flat" cmpd="sng" algn="ctr">
+                      <a:solidFill>
+                        <a:schemeClr val="tx1"/>
+                      </a:solidFill>
+                      <a:prstDash val="solid"/>
+                      <a:round/>
+                      <a:headEnd type="none" w="med" len="med"/>
+                      <a:tailEnd type="none" w="med" len="med"/>
+                    </a:lnB>
+                    <a:noFill/>
+                  </a:tcPr>
+                </a:tc>
+                <a:tc>
+                  <a:txBody>
+                    <a:bodyPr/>
+                    <a:lstStyle/>
+                    <a:p>
+                      <a:endParaRPr kumimoji="1" lang="ja-JP" altLang="en-US" sz="1200" dirty="0">
+                        <a:latin typeface="Meiryo UI" panose="020B0604030504040204" pitchFamily="50" charset="-128"/>
+                        <a:ea typeface="Meiryo UI" panose="020B0604030504040204" pitchFamily="50" charset="-128"/>
+                      </a:endParaRPr>
+                    </a:p>
+                  </a:txBody>
+                  <a:tcPr>
+                    <a:lnL w="12700" cap="flat" cmpd="sng" algn="ctr">
+                      <a:solidFill>
+                        <a:schemeClr val="tx1"/>
+                      </a:solidFill>
+                      <a:prstDash val="solid"/>
+                      <a:round/>
+                      <a:headEnd type="none" w="med" len="med"/>
+                      <a:tailEnd type="none" w="med" len="med"/>
+                    </a:lnL>
+                    <a:lnR w="12700" cap="flat" cmpd="sng" algn="ctr">
+                      <a:solidFill>
+                        <a:schemeClr val="tx1"/>
+                      </a:solidFill>
+                      <a:prstDash val="solid"/>
+                      <a:round/>
+                      <a:headEnd type="none" w="med" len="med"/>
+                      <a:tailEnd type="none" w="med" len="med"/>
+                    </a:lnR>
+                    <a:lnT w="12700" cap="flat" cmpd="sng" algn="ctr">
+                      <a:solidFill>
+                        <a:schemeClr val="tx1"/>
+                      </a:solidFill>
+                      <a:prstDash val="solid"/>
+                      <a:round/>
+                      <a:headEnd type="none" w="med" len="med"/>
+                      <a:tailEnd type="none" w="med" len="med"/>
+                    </a:lnT>
+                    <a:lnB w="12700" cap="flat" cmpd="sng" algn="ctr">
+                      <a:solidFill>
+                        <a:schemeClr val="tx1"/>
+                      </a:solidFill>
+                      <a:prstDash val="solid"/>
+                      <a:round/>
+                      <a:headEnd type="none" w="med" len="med"/>
+                      <a:tailEnd type="none" w="med" len="med"/>
+                    </a:lnB>
+                    <a:noFill/>
+                  </a:tcPr>
+                </a:tc>
+                <a:tc>
+                  <a:txBody>
+                    <a:bodyPr/>
+                    <a:lstStyle/>
+                    <a:p>
+                      <a:endParaRPr kumimoji="1" lang="ja-JP" altLang="en-US" sz="1200" dirty="0">
+                        <a:latin typeface="Meiryo UI" panose="020B0604030504040204" pitchFamily="50" charset="-128"/>
+                        <a:ea typeface="Meiryo UI" panose="020B0604030504040204" pitchFamily="50" charset="-128"/>
+                      </a:endParaRPr>
+                    </a:p>
+                  </a:txBody>
+                  <a:tcPr>
+                    <a:lnL w="12700" cap="flat" cmpd="sng" algn="ctr">
+                      <a:solidFill>
+                        <a:schemeClr val="tx1"/>
+                      </a:solidFill>
+                      <a:prstDash val="solid"/>
+                      <a:round/>
+                      <a:headEnd type="none" w="med" len="med"/>
+                      <a:tailEnd type="none" w="med" len="med"/>
+                    </a:lnL>
+                    <a:lnR w="12700" cap="flat" cmpd="sng" algn="ctr">
+                      <a:solidFill>
+                        <a:schemeClr val="tx1"/>
+                      </a:solidFill>
+                      <a:prstDash val="solid"/>
+                      <a:round/>
+                      <a:headEnd type="none" w="med" len="med"/>
+                      <a:tailEnd type="none" w="med" len="med"/>
+                    </a:lnR>
+                    <a:lnT w="12700" cap="flat" cmpd="sng" algn="ctr">
+                      <a:solidFill>
+                        <a:schemeClr val="tx1"/>
+                      </a:solidFill>
+                      <a:prstDash val="solid"/>
+                      <a:round/>
+                      <a:headEnd type="none" w="med" len="med"/>
+                      <a:tailEnd type="none" w="med" len="med"/>
+                    </a:lnT>
+                    <a:lnB w="12700" cap="flat" cmpd="sng" algn="ctr">
+                      <a:solidFill>
+                        <a:schemeClr val="tx1"/>
+                      </a:solidFill>
+                      <a:prstDash val="solid"/>
+                      <a:round/>
+                      <a:headEnd type="none" w="med" len="med"/>
+                      <a:tailEnd type="none" w="med" len="med"/>
+                    </a:lnB>
+                    <a:noFill/>
+                  </a:tcPr>
+                </a:tc>
+                <a:tc>
+                  <a:txBody>
+                    <a:bodyPr/>
+                    <a:lstStyle/>
+                    <a:p>
+                      <a:endParaRPr kumimoji="1" lang="ja-JP" altLang="en-US" sz="1200" dirty="0">
+                        <a:latin typeface="Meiryo UI" panose="020B0604030504040204" pitchFamily="50" charset="-128"/>
+                        <a:ea typeface="Meiryo UI" panose="020B0604030504040204" pitchFamily="50" charset="-128"/>
+                      </a:endParaRPr>
+                    </a:p>
+                  </a:txBody>
+                  <a:tcPr>
+                    <a:lnL w="12700" cap="flat" cmpd="sng" algn="ctr">
+                      <a:solidFill>
+                        <a:schemeClr val="tx1"/>
+                      </a:solidFill>
+                      <a:prstDash val="solid"/>
+                      <a:round/>
+                      <a:headEnd type="none" w="med" len="med"/>
+                      <a:tailEnd type="none" w="med" len="med"/>
+                    </a:lnL>
+                    <a:lnR w="12700" cap="flat" cmpd="sng" algn="ctr">
+                      <a:solidFill>
+                        <a:schemeClr val="tx1"/>
+                      </a:solidFill>
+                      <a:prstDash val="solid"/>
+                      <a:round/>
+                      <a:headEnd type="none" w="med" len="med"/>
+                      <a:tailEnd type="none" w="med" len="med"/>
+                    </a:lnR>
+                    <a:lnT w="12700" cap="flat" cmpd="sng" algn="ctr">
+                      <a:solidFill>
+                        <a:schemeClr val="tx1"/>
+                      </a:solidFill>
+                      <a:prstDash val="solid"/>
+                      <a:round/>
+                      <a:headEnd type="none" w="med" len="med"/>
+                      <a:tailEnd type="none" w="med" len="med"/>
+                    </a:lnT>
+                    <a:lnB w="12700" cap="flat" cmpd="sng" algn="ctr">
+                      <a:solidFill>
+                        <a:schemeClr val="tx1"/>
+                      </a:solidFill>
+                      <a:prstDash val="solid"/>
+                      <a:round/>
+                      <a:headEnd type="none" w="med" len="med"/>
+                      <a:tailEnd type="none" w="med" len="med"/>
+                    </a:lnB>
+                    <a:noFill/>
+                  </a:tcPr>
+                </a:tc>
+                <a:tc>
+                  <a:txBody>
+                    <a:bodyPr/>
+                    <a:lstStyle/>
+                    <a:p>
+                      <a:endParaRPr kumimoji="1" lang="ja-JP" altLang="en-US" sz="1200" dirty="0">
+                        <a:latin typeface="Meiryo UI" panose="020B0604030504040204" pitchFamily="50" charset="-128"/>
+                        <a:ea typeface="Meiryo UI" panose="020B0604030504040204" pitchFamily="50" charset="-128"/>
+                      </a:endParaRPr>
+                    </a:p>
+                  </a:txBody>
+                  <a:tcPr>
+                    <a:lnL w="12700" cap="flat" cmpd="sng" algn="ctr">
+                      <a:solidFill>
+                        <a:schemeClr val="tx1"/>
+                      </a:solidFill>
+                      <a:prstDash val="solid"/>
+                      <a:round/>
+                      <a:headEnd type="none" w="med" len="med"/>
+                      <a:tailEnd type="none" w="med" len="med"/>
+                    </a:lnL>
+                    <a:lnR w="12700" cap="flat" cmpd="sng" algn="ctr">
+                      <a:solidFill>
+                        <a:schemeClr val="tx1"/>
+                      </a:solidFill>
+                      <a:prstDash val="solid"/>
+                      <a:round/>
+                      <a:headEnd type="none" w="med" len="med"/>
+                      <a:tailEnd type="none" w="med" len="med"/>
+                    </a:lnR>
+                    <a:lnT w="12700" cap="flat" cmpd="sng" algn="ctr">
+                      <a:solidFill>
+                        <a:schemeClr val="tx1"/>
+                      </a:solidFill>
+                      <a:prstDash val="solid"/>
+                      <a:round/>
+                      <a:headEnd type="none" w="med" len="med"/>
+                      <a:tailEnd type="none" w="med" len="med"/>
+                    </a:lnT>
+                    <a:lnB w="12700" cap="flat" cmpd="sng" algn="ctr">
+                      <a:solidFill>
+                        <a:schemeClr val="tx1"/>
+                      </a:solidFill>
+                      <a:prstDash val="solid"/>
+                      <a:round/>
+                      <a:headEnd type="none" w="med" len="med"/>
+                      <a:tailEnd type="none" w="med" len="med"/>
+                    </a:lnB>
+                    <a:noFill/>
+                  </a:tcPr>
+                </a:tc>
+                <a:extLst>
+                  <a:ext uri="{0D108BD9-81ED-4DB2-BD59-A6C34878D82A}">
+                    <a16:rowId xmlns:a16="http://schemas.microsoft.com/office/drawing/2014/main" val="3735267535"/>
+                  </a:ext>
+                </a:extLst>
+              </a:tr>
+              <a:tr h="313393">
+                <a:tc>
+                  <a:txBody>
+                    <a:bodyPr/>
+                    <a:lstStyle/>
+                    <a:p>
+                      <a:endParaRPr kumimoji="1" lang="ja-JP" altLang="en-US" sz="1200" dirty="0">
+                        <a:latin typeface="Meiryo UI" panose="020B0604030504040204" pitchFamily="50" charset="-128"/>
+                        <a:ea typeface="Meiryo UI" panose="020B0604030504040204" pitchFamily="50" charset="-128"/>
+                      </a:endParaRPr>
+                    </a:p>
+                  </a:txBody>
+                  <a:tcPr>
+                    <a:lnL w="12700" cap="flat" cmpd="sng" algn="ctr">
+                      <a:solidFill>
+                        <a:schemeClr val="tx1"/>
+                      </a:solidFill>
+                      <a:prstDash val="solid"/>
+                      <a:round/>
+                      <a:headEnd type="none" w="med" len="med"/>
+                      <a:tailEnd type="none" w="med" len="med"/>
+                    </a:lnL>
+                    <a:lnR w="12700" cap="flat" cmpd="sng" algn="ctr">
+                      <a:solidFill>
+                        <a:schemeClr val="tx1"/>
+                      </a:solidFill>
+                      <a:prstDash val="solid"/>
+                      <a:round/>
+                      <a:headEnd type="none" w="med" len="med"/>
+                      <a:tailEnd type="none" w="med" len="med"/>
+                    </a:lnR>
+                    <a:lnT w="12700" cap="flat" cmpd="sng" algn="ctr">
+                      <a:solidFill>
+                        <a:schemeClr val="tx1"/>
+                      </a:solidFill>
+                      <a:prstDash val="solid"/>
+                      <a:round/>
+                      <a:headEnd type="none" w="med" len="med"/>
+                      <a:tailEnd type="none" w="med" len="med"/>
+                    </a:lnT>
+                    <a:lnB w="12700" cap="flat" cmpd="sng" algn="ctr">
+                      <a:solidFill>
+                        <a:schemeClr val="tx1"/>
+                      </a:solidFill>
+                      <a:prstDash val="solid"/>
+                      <a:round/>
+                      <a:headEnd type="none" w="med" len="med"/>
+                      <a:tailEnd type="none" w="med" len="med"/>
+                    </a:lnB>
+                    <a:noFill/>
+                  </a:tcPr>
+                </a:tc>
+                <a:tc>
+                  <a:txBody>
+                    <a:bodyPr/>
+                    <a:lstStyle/>
+                    <a:p>
+                      <a:endParaRPr kumimoji="1" lang="ja-JP" altLang="en-US" sz="1200">
+                        <a:latin typeface="Meiryo UI" panose="020B0604030504040204" pitchFamily="50" charset="-128"/>
+                        <a:ea typeface="Meiryo UI" panose="020B0604030504040204" pitchFamily="50" charset="-128"/>
+                      </a:endParaRPr>
+                    </a:p>
+                  </a:txBody>
+                  <a:tcPr>
+                    <a:lnL w="12700" cap="flat" cmpd="sng" algn="ctr">
+                      <a:solidFill>
+                        <a:schemeClr val="tx1"/>
+                      </a:solidFill>
+                      <a:prstDash val="solid"/>
+                      <a:round/>
+                      <a:headEnd type="none" w="med" len="med"/>
+                      <a:tailEnd type="none" w="med" len="med"/>
+                    </a:lnL>
+                    <a:lnR w="12700" cap="flat" cmpd="sng" algn="ctr">
+                      <a:solidFill>
+                        <a:schemeClr val="tx1"/>
+                      </a:solidFill>
+                      <a:prstDash val="solid"/>
+                      <a:round/>
+                      <a:headEnd type="none" w="med" len="med"/>
+                      <a:tailEnd type="none" w="med" len="med"/>
+                    </a:lnR>
+                    <a:lnT w="12700" cap="flat" cmpd="sng" algn="ctr">
+                      <a:solidFill>
+                        <a:schemeClr val="tx1"/>
+                      </a:solidFill>
+                      <a:prstDash val="solid"/>
+                      <a:round/>
+                      <a:headEnd type="none" w="med" len="med"/>
+                      <a:tailEnd type="none" w="med" len="med"/>
+                    </a:lnT>
+                    <a:lnB w="12700" cap="flat" cmpd="sng" algn="ctr">
+                      <a:solidFill>
+                        <a:schemeClr val="tx1"/>
+                      </a:solidFill>
+                      <a:prstDash val="solid"/>
+                      <a:round/>
+                      <a:headEnd type="none" w="med" len="med"/>
+                      <a:tailEnd type="none" w="med" len="med"/>
+                    </a:lnB>
+                    <a:noFill/>
+                  </a:tcPr>
+                </a:tc>
+                <a:tc>
+                  <a:txBody>
+                    <a:bodyPr/>
+                    <a:lstStyle/>
+                    <a:p>
+                      <a:endParaRPr kumimoji="1" lang="ja-JP" altLang="en-US" sz="1200" dirty="0">
+                        <a:latin typeface="Meiryo UI" panose="020B0604030504040204" pitchFamily="50" charset="-128"/>
+                        <a:ea typeface="Meiryo UI" panose="020B0604030504040204" pitchFamily="50" charset="-128"/>
+                      </a:endParaRPr>
+                    </a:p>
+                  </a:txBody>
+                  <a:tcPr>
+                    <a:lnL w="12700" cap="flat" cmpd="sng" algn="ctr">
+                      <a:solidFill>
+                        <a:schemeClr val="tx1"/>
+                      </a:solidFill>
+                      <a:prstDash val="solid"/>
+                      <a:round/>
+                      <a:headEnd type="none" w="med" len="med"/>
+                      <a:tailEnd type="none" w="med" len="med"/>
+                    </a:lnL>
+                    <a:lnR w="12700" cap="flat" cmpd="sng" algn="ctr">
+                      <a:solidFill>
+                        <a:schemeClr val="tx1"/>
+                      </a:solidFill>
+                      <a:prstDash val="solid"/>
+                      <a:round/>
+                      <a:headEnd type="none" w="med" len="med"/>
+                      <a:tailEnd type="none" w="med" len="med"/>
+                    </a:lnR>
+                    <a:lnT w="12700" cap="flat" cmpd="sng" algn="ctr">
+                      <a:solidFill>
+                        <a:schemeClr val="tx1"/>
+                      </a:solidFill>
+                      <a:prstDash val="solid"/>
+                      <a:round/>
+                      <a:headEnd type="none" w="med" len="med"/>
+                      <a:tailEnd type="none" w="med" len="med"/>
+                    </a:lnT>
+                    <a:lnB w="12700" cap="flat" cmpd="sng" algn="ctr">
+                      <a:solidFill>
+                        <a:schemeClr val="tx1"/>
+                      </a:solidFill>
+                      <a:prstDash val="solid"/>
+                      <a:round/>
+                      <a:headEnd type="none" w="med" len="med"/>
+                      <a:tailEnd type="none" w="med" len="med"/>
+                    </a:lnB>
+                    <a:noFill/>
+                  </a:tcPr>
+                </a:tc>
+                <a:tc>
+                  <a:txBody>
+                    <a:bodyPr/>
+                    <a:lstStyle/>
+                    <a:p>
+                      <a:endParaRPr kumimoji="1" lang="ja-JP" altLang="en-US" sz="1200" dirty="0">
+                        <a:latin typeface="Meiryo UI" panose="020B0604030504040204" pitchFamily="50" charset="-128"/>
+                        <a:ea typeface="Meiryo UI" panose="020B0604030504040204" pitchFamily="50" charset="-128"/>
+                      </a:endParaRPr>
+                    </a:p>
+                  </a:txBody>
+                  <a:tcPr>
+                    <a:lnL w="12700" cap="flat" cmpd="sng" algn="ctr">
+                      <a:solidFill>
+                        <a:schemeClr val="tx1"/>
+                      </a:solidFill>
+                      <a:prstDash val="solid"/>
+                      <a:round/>
+                      <a:headEnd type="none" w="med" len="med"/>
+                      <a:tailEnd type="none" w="med" len="med"/>
+                    </a:lnL>
+                    <a:lnR w="12700" cap="flat" cmpd="sng" algn="ctr">
+                      <a:solidFill>
+                        <a:schemeClr val="tx1"/>
+                      </a:solidFill>
+                      <a:prstDash val="solid"/>
+                      <a:round/>
+                      <a:headEnd type="none" w="med" len="med"/>
+                      <a:tailEnd type="none" w="med" len="med"/>
+                    </a:lnR>
+                    <a:lnT w="12700" cap="flat" cmpd="sng" algn="ctr">
+                      <a:solidFill>
+                        <a:schemeClr val="tx1"/>
+                      </a:solidFill>
+                      <a:prstDash val="solid"/>
+                      <a:round/>
+                      <a:headEnd type="none" w="med" len="med"/>
+                      <a:tailEnd type="none" w="med" len="med"/>
+                    </a:lnT>
+                    <a:lnB w="12700" cap="flat" cmpd="sng" algn="ctr">
+                      <a:solidFill>
+                        <a:schemeClr val="tx1"/>
+                      </a:solidFill>
+                      <a:prstDash val="solid"/>
+                      <a:round/>
+                      <a:headEnd type="none" w="med" len="med"/>
+                      <a:tailEnd type="none" w="med" len="med"/>
+                    </a:lnB>
+                    <a:noFill/>
+                  </a:tcPr>
+                </a:tc>
+                <a:tc>
+                  <a:txBody>
+                    <a:bodyPr/>
+                    <a:lstStyle/>
+                    <a:p>
+                      <a:endParaRPr kumimoji="1" lang="ja-JP" altLang="en-US" sz="1200" dirty="0">
+                        <a:latin typeface="Meiryo UI" panose="020B0604030504040204" pitchFamily="50" charset="-128"/>
+                        <a:ea typeface="Meiryo UI" panose="020B0604030504040204" pitchFamily="50" charset="-128"/>
+                      </a:endParaRPr>
+                    </a:p>
+                  </a:txBody>
+                  <a:tcPr>
+                    <a:lnL w="12700" cap="flat" cmpd="sng" algn="ctr">
+                      <a:solidFill>
+                        <a:schemeClr val="tx1"/>
+                      </a:solidFill>
+                      <a:prstDash val="solid"/>
+                      <a:round/>
+                      <a:headEnd type="none" w="med" len="med"/>
+                      <a:tailEnd type="none" w="med" len="med"/>
+                    </a:lnL>
+                    <a:lnR w="12700" cap="flat" cmpd="sng" algn="ctr">
+                      <a:solidFill>
+                        <a:schemeClr val="tx1"/>
+                      </a:solidFill>
+                      <a:prstDash val="solid"/>
+                      <a:round/>
+                      <a:headEnd type="none" w="med" len="med"/>
+                      <a:tailEnd type="none" w="med" len="med"/>
+                    </a:lnR>
+                    <a:lnT w="12700" cap="flat" cmpd="sng" algn="ctr">
+                      <a:solidFill>
+                        <a:schemeClr val="tx1"/>
+                      </a:solidFill>
+                      <a:prstDash val="solid"/>
+                      <a:round/>
+                      <a:headEnd type="none" w="med" len="med"/>
+                      <a:tailEnd type="none" w="med" len="med"/>
+                    </a:lnT>
+                    <a:lnB w="12700" cap="flat" cmpd="sng" algn="ctr">
+                      <a:solidFill>
+                        <a:schemeClr val="tx1"/>
+                      </a:solidFill>
+                      <a:prstDash val="solid"/>
+                      <a:round/>
+                      <a:headEnd type="none" w="med" len="med"/>
+                      <a:tailEnd type="none" w="med" len="med"/>
+                    </a:lnB>
+                    <a:noFill/>
+                  </a:tcPr>
+                </a:tc>
+                <a:tc>
+                  <a:txBody>
+                    <a:bodyPr/>
+                    <a:lstStyle/>
+                    <a:p>
+                      <a:endParaRPr kumimoji="1" lang="ja-JP" altLang="en-US" sz="1200" dirty="0">
+                        <a:latin typeface="Meiryo UI" panose="020B0604030504040204" pitchFamily="50" charset="-128"/>
+                        <a:ea typeface="Meiryo UI" panose="020B0604030504040204" pitchFamily="50" charset="-128"/>
+                      </a:endParaRPr>
+                    </a:p>
+                  </a:txBody>
+                  <a:tcPr>
+                    <a:lnL w="12700" cap="flat" cmpd="sng" algn="ctr">
+                      <a:solidFill>
+                        <a:schemeClr val="tx1"/>
+                      </a:solidFill>
+                      <a:prstDash val="solid"/>
+                      <a:round/>
+                      <a:headEnd type="none" w="med" len="med"/>
+                      <a:tailEnd type="none" w="med" len="med"/>
+                    </a:lnL>
+                    <a:lnR w="12700" cap="flat" cmpd="sng" algn="ctr">
+                      <a:solidFill>
+                        <a:schemeClr val="tx1"/>
+                      </a:solidFill>
+                      <a:prstDash val="solid"/>
+                      <a:round/>
+                      <a:headEnd type="none" w="med" len="med"/>
+                      <a:tailEnd type="none" w="med" len="med"/>
+                    </a:lnR>
+                    <a:lnT w="12700" cap="flat" cmpd="sng" algn="ctr">
+                      <a:solidFill>
+                        <a:schemeClr val="tx1"/>
+                      </a:solidFill>
+                      <a:prstDash val="solid"/>
+                      <a:round/>
+                      <a:headEnd type="none" w="med" len="med"/>
+                      <a:tailEnd type="none" w="med" len="med"/>
+                    </a:lnT>
+                    <a:lnB w="12700" cap="flat" cmpd="sng" algn="ctr">
+                      <a:solidFill>
+                        <a:schemeClr val="tx1"/>
+                      </a:solidFill>
+                      <a:prstDash val="solid"/>
+                      <a:round/>
+                      <a:headEnd type="none" w="med" len="med"/>
+                      <a:tailEnd type="none" w="med" len="med"/>
+                    </a:lnB>
+                    <a:noFill/>
+                  </a:tcPr>
+                </a:tc>
+                <a:tc>
+                  <a:txBody>
+                    <a:bodyPr/>
+                    <a:lstStyle/>
+                    <a:p>
+                      <a:endParaRPr kumimoji="1" lang="ja-JP" altLang="en-US" sz="1200" dirty="0">
+                        <a:latin typeface="Meiryo UI" panose="020B0604030504040204" pitchFamily="50" charset="-128"/>
+                        <a:ea typeface="Meiryo UI" panose="020B0604030504040204" pitchFamily="50" charset="-128"/>
+                      </a:endParaRPr>
+                    </a:p>
+                  </a:txBody>
+                  <a:tcPr>
+                    <a:lnL w="12700" cap="flat" cmpd="sng" algn="ctr">
+                      <a:solidFill>
+                        <a:schemeClr val="tx1"/>
+                      </a:solidFill>
+                      <a:prstDash val="solid"/>
+                      <a:round/>
+                      <a:headEnd type="none" w="med" len="med"/>
+                      <a:tailEnd type="none" w="med" len="med"/>
+                    </a:lnL>
+                    <a:lnR w="12700" cap="flat" cmpd="sng" algn="ctr">
+                      <a:solidFill>
+                        <a:schemeClr val="tx1"/>
+                      </a:solidFill>
+                      <a:prstDash val="solid"/>
+                      <a:round/>
+                      <a:headEnd type="none" w="med" len="med"/>
+                      <a:tailEnd type="none" w="med" len="med"/>
+                    </a:lnR>
+                    <a:lnT w="12700" cap="flat" cmpd="sng" algn="ctr">
+                      <a:solidFill>
+                        <a:schemeClr val="tx1"/>
+                      </a:solidFill>
+                      <a:prstDash val="solid"/>
+                      <a:round/>
+                      <a:headEnd type="none" w="med" len="med"/>
+                      <a:tailEnd type="none" w="med" len="med"/>
+                    </a:lnT>
+                    <a:lnB w="12700" cap="flat" cmpd="sng" algn="ctr">
+                      <a:solidFill>
+                        <a:schemeClr val="tx1"/>
+                      </a:solidFill>
+                      <a:prstDash val="solid"/>
+                      <a:round/>
+                      <a:headEnd type="none" w="med" len="med"/>
+                      <a:tailEnd type="none" w="med" len="med"/>
+                    </a:lnB>
+                    <a:noFill/>
+                  </a:tcPr>
+                </a:tc>
+                <a:tc>
+                  <a:txBody>
+                    <a:bodyPr/>
+                    <a:lstStyle/>
+                    <a:p>
+                      <a:endParaRPr kumimoji="1" lang="ja-JP" altLang="en-US" sz="1200" dirty="0">
+                        <a:latin typeface="Meiryo UI" panose="020B0604030504040204" pitchFamily="50" charset="-128"/>
+                        <a:ea typeface="Meiryo UI" panose="020B0604030504040204" pitchFamily="50" charset="-128"/>
+                      </a:endParaRPr>
+                    </a:p>
+                  </a:txBody>
+                  <a:tcPr>
+                    <a:lnL w="12700" cap="flat" cmpd="sng" algn="ctr">
+                      <a:solidFill>
+                        <a:schemeClr val="tx1"/>
+                      </a:solidFill>
+                      <a:prstDash val="solid"/>
+                      <a:round/>
+                      <a:headEnd type="none" w="med" len="med"/>
+                      <a:tailEnd type="none" w="med" len="med"/>
+                    </a:lnL>
+                    <a:lnR w="12700" cap="flat" cmpd="sng" algn="ctr">
+                      <a:solidFill>
+                        <a:schemeClr val="tx1"/>
+                      </a:solidFill>
+                      <a:prstDash val="solid"/>
+                      <a:round/>
+                      <a:headEnd type="none" w="med" len="med"/>
+                      <a:tailEnd type="none" w="med" len="med"/>
+                    </a:lnR>
+                    <a:lnT w="12700" cap="flat" cmpd="sng" algn="ctr">
+                      <a:solidFill>
+                        <a:schemeClr val="tx1"/>
+                      </a:solidFill>
+                      <a:prstDash val="solid"/>
+                      <a:round/>
+                      <a:headEnd type="none" w="med" len="med"/>
+                      <a:tailEnd type="none" w="med" len="med"/>
+                    </a:lnT>
+                    <a:lnB w="12700" cap="flat" cmpd="sng" algn="ctr">
+                      <a:solidFill>
+                        <a:schemeClr val="tx1"/>
+                      </a:solidFill>
+                      <a:prstDash val="solid"/>
+                      <a:round/>
+                      <a:headEnd type="none" w="med" len="med"/>
+                      <a:tailEnd type="none" w="med" len="med"/>
+                    </a:lnB>
+                    <a:noFill/>
+                  </a:tcPr>
+                </a:tc>
+                <a:tc>
+                  <a:txBody>
+                    <a:bodyPr/>
+                    <a:lstStyle/>
+                    <a:p>
+                      <a:endParaRPr kumimoji="1" lang="ja-JP" altLang="en-US" sz="1200" dirty="0">
+                        <a:latin typeface="Meiryo UI" panose="020B0604030504040204" pitchFamily="50" charset="-128"/>
+                        <a:ea typeface="Meiryo UI" panose="020B0604030504040204" pitchFamily="50" charset="-128"/>
+                      </a:endParaRPr>
+                    </a:p>
+                  </a:txBody>
+                  <a:tcPr>
+                    <a:lnL w="12700" cap="flat" cmpd="sng" algn="ctr">
+                      <a:solidFill>
+                        <a:schemeClr val="tx1"/>
+                      </a:solidFill>
+                      <a:prstDash val="solid"/>
+                      <a:round/>
+                      <a:headEnd type="none" w="med" len="med"/>
+                      <a:tailEnd type="none" w="med" len="med"/>
+                    </a:lnL>
+                    <a:lnR w="12700" cap="flat" cmpd="sng" algn="ctr">
+                      <a:solidFill>
+                        <a:schemeClr val="tx1"/>
+                      </a:solidFill>
+                      <a:prstDash val="solid"/>
+                      <a:round/>
+                      <a:headEnd type="none" w="med" len="med"/>
+                      <a:tailEnd type="none" w="med" len="med"/>
+                    </a:lnR>
+                    <a:lnT w="12700" cap="flat" cmpd="sng" algn="ctr">
+                      <a:solidFill>
+                        <a:schemeClr val="tx1"/>
+                      </a:solidFill>
+                      <a:prstDash val="solid"/>
+                      <a:round/>
+                      <a:headEnd type="none" w="med" len="med"/>
+                      <a:tailEnd type="none" w="med" len="med"/>
+                    </a:lnT>
+                    <a:lnB w="12700" cap="flat" cmpd="sng" algn="ctr">
+                      <a:solidFill>
+                        <a:schemeClr val="tx1"/>
+                      </a:solidFill>
+                      <a:prstDash val="solid"/>
+                      <a:round/>
+                      <a:headEnd type="none" w="med" len="med"/>
+                      <a:tailEnd type="none" w="med" len="med"/>
+                    </a:lnB>
+                    <a:noFill/>
+                  </a:tcPr>
+                </a:tc>
+                <a:extLst>
+                  <a:ext uri="{0D108BD9-81ED-4DB2-BD59-A6C34878D82A}">
+                    <a16:rowId xmlns:a16="http://schemas.microsoft.com/office/drawing/2014/main" val="411822011"/>
+                  </a:ext>
+                </a:extLst>
+              </a:tr>
+              <a:tr h="313393">
+                <a:tc>
+                  <a:txBody>
+                    <a:bodyPr/>
+                    <a:lstStyle/>
+                    <a:p>
+                      <a:endParaRPr kumimoji="1" lang="ja-JP" altLang="en-US" sz="1200" dirty="0">
+                        <a:latin typeface="Meiryo UI" panose="020B0604030504040204" pitchFamily="50" charset="-128"/>
+                        <a:ea typeface="Meiryo UI" panose="020B0604030504040204" pitchFamily="50" charset="-128"/>
+                      </a:endParaRPr>
+                    </a:p>
+                  </a:txBody>
+                  <a:tcPr>
+                    <a:lnL w="12700" cap="flat" cmpd="sng" algn="ctr">
+                      <a:solidFill>
+                        <a:schemeClr val="tx1"/>
+                      </a:solidFill>
+                      <a:prstDash val="solid"/>
+                      <a:round/>
+                      <a:headEnd type="none" w="med" len="med"/>
+                      <a:tailEnd type="none" w="med" len="med"/>
+                    </a:lnL>
+                    <a:lnR w="12700" cap="flat" cmpd="sng" algn="ctr">
+                      <a:solidFill>
+                        <a:schemeClr val="tx1"/>
+                      </a:solidFill>
+                      <a:prstDash val="solid"/>
+                      <a:round/>
+                      <a:headEnd type="none" w="med" len="med"/>
+                      <a:tailEnd type="none" w="med" len="med"/>
+                    </a:lnR>
+                    <a:lnT w="12700" cap="flat" cmpd="sng" algn="ctr">
+                      <a:solidFill>
+                        <a:schemeClr val="tx1"/>
+                      </a:solidFill>
+                      <a:prstDash val="solid"/>
+                      <a:round/>
+                      <a:headEnd type="none" w="med" len="med"/>
+                      <a:tailEnd type="none" w="med" len="med"/>
+                    </a:lnT>
+                    <a:lnB w="12700" cap="flat" cmpd="sng" algn="ctr">
+                      <a:solidFill>
+                        <a:schemeClr val="tx1"/>
+                      </a:solidFill>
+                      <a:prstDash val="solid"/>
+                      <a:round/>
+                      <a:headEnd type="none" w="med" len="med"/>
+                      <a:tailEnd type="none" w="med" len="med"/>
+                    </a:lnB>
+                    <a:noFill/>
+                  </a:tcPr>
+                </a:tc>
+                <a:tc>
+                  <a:txBody>
+                    <a:bodyPr/>
+                    <a:lstStyle/>
+                    <a:p>
+                      <a:endParaRPr kumimoji="1" lang="ja-JP" altLang="en-US" sz="1200">
+                        <a:latin typeface="Meiryo UI" panose="020B0604030504040204" pitchFamily="50" charset="-128"/>
+                        <a:ea typeface="Meiryo UI" panose="020B0604030504040204" pitchFamily="50" charset="-128"/>
+                      </a:endParaRPr>
+                    </a:p>
+                  </a:txBody>
+                  <a:tcPr>
+                    <a:lnL w="12700" cap="flat" cmpd="sng" algn="ctr">
+                      <a:solidFill>
+                        <a:schemeClr val="tx1"/>
+                      </a:solidFill>
+                      <a:prstDash val="solid"/>
+                      <a:round/>
+                      <a:headEnd type="none" w="med" len="med"/>
+                      <a:tailEnd type="none" w="med" len="med"/>
+                    </a:lnL>
+                    <a:lnR w="12700" cap="flat" cmpd="sng" algn="ctr">
+                      <a:solidFill>
+                        <a:schemeClr val="tx1"/>
+                      </a:solidFill>
+                      <a:prstDash val="solid"/>
+                      <a:round/>
+                      <a:headEnd type="none" w="med" len="med"/>
+                      <a:tailEnd type="none" w="med" len="med"/>
+                    </a:lnR>
+                    <a:lnT w="12700" cap="flat" cmpd="sng" algn="ctr">
+                      <a:solidFill>
+                        <a:schemeClr val="tx1"/>
+                      </a:solidFill>
+                      <a:prstDash val="solid"/>
+                      <a:round/>
+                      <a:headEnd type="none" w="med" len="med"/>
+                      <a:tailEnd type="none" w="med" len="med"/>
+                    </a:lnT>
+                    <a:lnB w="12700" cap="flat" cmpd="sng" algn="ctr">
+                      <a:solidFill>
+                        <a:schemeClr val="tx1"/>
+                      </a:solidFill>
+                      <a:prstDash val="solid"/>
+                      <a:round/>
+                      <a:headEnd type="none" w="med" len="med"/>
+                      <a:tailEnd type="none" w="med" len="med"/>
+                    </a:lnB>
+                    <a:noFill/>
+                  </a:tcPr>
+                </a:tc>
+                <a:tc>
+                  <a:txBody>
+                    <a:bodyPr/>
+                    <a:lstStyle/>
+                    <a:p>
+                      <a:endParaRPr kumimoji="1" lang="ja-JP" altLang="en-US" sz="1200" dirty="0">
+                        <a:latin typeface="Meiryo UI" panose="020B0604030504040204" pitchFamily="50" charset="-128"/>
+                        <a:ea typeface="Meiryo UI" panose="020B0604030504040204" pitchFamily="50" charset="-128"/>
+                      </a:endParaRPr>
+                    </a:p>
+                  </a:txBody>
+                  <a:tcPr>
+                    <a:lnL w="12700" cap="flat" cmpd="sng" algn="ctr">
+                      <a:solidFill>
+                        <a:schemeClr val="tx1"/>
+                      </a:solidFill>
+                      <a:prstDash val="solid"/>
+                      <a:round/>
+                      <a:headEnd type="none" w="med" len="med"/>
+                      <a:tailEnd type="none" w="med" len="med"/>
+                    </a:lnL>
+                    <a:lnR w="12700" cap="flat" cmpd="sng" algn="ctr">
+                      <a:solidFill>
+                        <a:schemeClr val="tx1"/>
+                      </a:solidFill>
+                      <a:prstDash val="solid"/>
+                      <a:round/>
+                      <a:headEnd type="none" w="med" len="med"/>
+                      <a:tailEnd type="none" w="med" len="med"/>
+                    </a:lnR>
+                    <a:lnT w="12700" cap="flat" cmpd="sng" algn="ctr">
+                      <a:solidFill>
+                        <a:schemeClr val="tx1"/>
+                      </a:solidFill>
+                      <a:prstDash val="solid"/>
+                      <a:round/>
+                      <a:headEnd type="none" w="med" len="med"/>
+                      <a:tailEnd type="none" w="med" len="med"/>
+                    </a:lnT>
+                    <a:lnB w="12700" cap="flat" cmpd="sng" algn="ctr">
+                      <a:solidFill>
+                        <a:schemeClr val="tx1"/>
+                      </a:solidFill>
+                      <a:prstDash val="solid"/>
+                      <a:round/>
+                      <a:headEnd type="none" w="med" len="med"/>
+                      <a:tailEnd type="none" w="med" len="med"/>
+                    </a:lnB>
+                    <a:noFill/>
+                  </a:tcPr>
+                </a:tc>
+                <a:tc>
+                  <a:txBody>
+                    <a:bodyPr/>
+                    <a:lstStyle/>
+                    <a:p>
+                      <a:endParaRPr kumimoji="1" lang="ja-JP" altLang="en-US" sz="1200" dirty="0">
+                        <a:latin typeface="Meiryo UI" panose="020B0604030504040204" pitchFamily="50" charset="-128"/>
+                        <a:ea typeface="Meiryo UI" panose="020B0604030504040204" pitchFamily="50" charset="-128"/>
+                      </a:endParaRPr>
+                    </a:p>
+                  </a:txBody>
+                  <a:tcPr>
+                    <a:lnL w="12700" cap="flat" cmpd="sng" algn="ctr">
+                      <a:solidFill>
+                        <a:schemeClr val="tx1"/>
+                      </a:solidFill>
+                      <a:prstDash val="solid"/>
+                      <a:round/>
+                      <a:headEnd type="none" w="med" len="med"/>
+                      <a:tailEnd type="none" w="med" len="med"/>
+                    </a:lnL>
+                    <a:lnR w="12700" cap="flat" cmpd="sng" algn="ctr">
+                      <a:solidFill>
+                        <a:schemeClr val="tx1"/>
+                      </a:solidFill>
+                      <a:prstDash val="solid"/>
+                      <a:round/>
+                      <a:headEnd type="none" w="med" len="med"/>
+                      <a:tailEnd type="none" w="med" len="med"/>
+                    </a:lnR>
+                    <a:lnT w="12700" cap="flat" cmpd="sng" algn="ctr">
+                      <a:solidFill>
+                        <a:schemeClr val="tx1"/>
+                      </a:solidFill>
+                      <a:prstDash val="solid"/>
+                      <a:round/>
+                      <a:headEnd type="none" w="med" len="med"/>
+                      <a:tailEnd type="none" w="med" len="med"/>
+                    </a:lnT>
+                    <a:lnB w="12700" cap="flat" cmpd="sng" algn="ctr">
+                      <a:solidFill>
+                        <a:schemeClr val="tx1"/>
+                      </a:solidFill>
+                      <a:prstDash val="solid"/>
+                      <a:round/>
+                      <a:headEnd type="none" w="med" len="med"/>
+                      <a:tailEnd type="none" w="med" len="med"/>
+                    </a:lnB>
+                    <a:noFill/>
+                  </a:tcPr>
+                </a:tc>
+                <a:tc>
+                  <a:txBody>
+                    <a:bodyPr/>
+                    <a:lstStyle/>
+                    <a:p>
+                      <a:endParaRPr kumimoji="1" lang="ja-JP" altLang="en-US" sz="1200" dirty="0">
+                        <a:latin typeface="Meiryo UI" panose="020B0604030504040204" pitchFamily="50" charset="-128"/>
+                        <a:ea typeface="Meiryo UI" panose="020B0604030504040204" pitchFamily="50" charset="-128"/>
+                      </a:endParaRPr>
+                    </a:p>
+                  </a:txBody>
+                  <a:tcPr>
+                    <a:lnL w="12700" cap="flat" cmpd="sng" algn="ctr">
+                      <a:solidFill>
+                        <a:schemeClr val="tx1"/>
+                      </a:solidFill>
+                      <a:prstDash val="solid"/>
+                      <a:round/>
+                      <a:headEnd type="none" w="med" len="med"/>
+                      <a:tailEnd type="none" w="med" len="med"/>
+                    </a:lnL>
+                    <a:lnR w="12700" cap="flat" cmpd="sng" algn="ctr">
+                      <a:solidFill>
+                        <a:schemeClr val="tx1"/>
+                      </a:solidFill>
+                      <a:prstDash val="solid"/>
+                      <a:round/>
+                      <a:headEnd type="none" w="med" len="med"/>
+                      <a:tailEnd type="none" w="med" len="med"/>
+                    </a:lnR>
+                    <a:lnT w="12700" cap="flat" cmpd="sng" algn="ctr">
+                      <a:solidFill>
+                        <a:schemeClr val="tx1"/>
+                      </a:solidFill>
+                      <a:prstDash val="solid"/>
+                      <a:round/>
+                      <a:headEnd type="none" w="med" len="med"/>
+                      <a:tailEnd type="none" w="med" len="med"/>
+                    </a:lnT>
+                    <a:lnB w="12700" cap="flat" cmpd="sng" algn="ctr">
+                      <a:solidFill>
+                        <a:schemeClr val="tx1"/>
+                      </a:solidFill>
+                      <a:prstDash val="solid"/>
+                      <a:round/>
+                      <a:headEnd type="none" w="med" len="med"/>
+                      <a:tailEnd type="none" w="med" len="med"/>
+                    </a:lnB>
+                    <a:noFill/>
+                  </a:tcPr>
+                </a:tc>
+                <a:tc>
+                  <a:txBody>
+                    <a:bodyPr/>
+                    <a:lstStyle/>
+                    <a:p>
+                      <a:endParaRPr kumimoji="1" lang="ja-JP" altLang="en-US" sz="1200" dirty="0">
+                        <a:latin typeface="Meiryo UI" panose="020B0604030504040204" pitchFamily="50" charset="-128"/>
+                        <a:ea typeface="Meiryo UI" panose="020B0604030504040204" pitchFamily="50" charset="-128"/>
+                      </a:endParaRPr>
+                    </a:p>
+                  </a:txBody>
+                  <a:tcPr>
+                    <a:lnL w="12700" cap="flat" cmpd="sng" algn="ctr">
+                      <a:solidFill>
+                        <a:schemeClr val="tx1"/>
+                      </a:solidFill>
+                      <a:prstDash val="solid"/>
+                      <a:round/>
+                      <a:headEnd type="none" w="med" len="med"/>
+                      <a:tailEnd type="none" w="med" len="med"/>
+                    </a:lnL>
+                    <a:lnR w="12700" cap="flat" cmpd="sng" algn="ctr">
+                      <a:solidFill>
+                        <a:schemeClr val="tx1"/>
+                      </a:solidFill>
+                      <a:prstDash val="solid"/>
+                      <a:round/>
+                      <a:headEnd type="none" w="med" len="med"/>
+                      <a:tailEnd type="none" w="med" len="med"/>
+                    </a:lnR>
+                    <a:lnT w="12700" cap="flat" cmpd="sng" algn="ctr">
+                      <a:solidFill>
+                        <a:schemeClr val="tx1"/>
+                      </a:solidFill>
+                      <a:prstDash val="solid"/>
+                      <a:round/>
+                      <a:headEnd type="none" w="med" len="med"/>
+                      <a:tailEnd type="none" w="med" len="med"/>
+                    </a:lnT>
+                    <a:lnB w="12700" cap="flat" cmpd="sng" algn="ctr">
+                      <a:solidFill>
+                        <a:schemeClr val="tx1"/>
+                      </a:solidFill>
+                      <a:prstDash val="solid"/>
+                      <a:round/>
+                      <a:headEnd type="none" w="med" len="med"/>
+                      <a:tailEnd type="none" w="med" len="med"/>
+                    </a:lnB>
+                    <a:noFill/>
+                  </a:tcPr>
+                </a:tc>
+                <a:tc>
+                  <a:txBody>
+                    <a:bodyPr/>
+                    <a:lstStyle/>
+                    <a:p>
+                      <a:endParaRPr kumimoji="1" lang="ja-JP" altLang="en-US" sz="1200" dirty="0">
+                        <a:latin typeface="Meiryo UI" panose="020B0604030504040204" pitchFamily="50" charset="-128"/>
+                        <a:ea typeface="Meiryo UI" panose="020B0604030504040204" pitchFamily="50" charset="-128"/>
+                      </a:endParaRPr>
+                    </a:p>
+                  </a:txBody>
+                  <a:tcPr>
+                    <a:lnL w="12700" cap="flat" cmpd="sng" algn="ctr">
+                      <a:solidFill>
+                        <a:schemeClr val="tx1"/>
+                      </a:solidFill>
+                      <a:prstDash val="solid"/>
+                      <a:round/>
+                      <a:headEnd type="none" w="med" len="med"/>
+                      <a:tailEnd type="none" w="med" len="med"/>
+                    </a:lnL>
+                    <a:lnR w="12700" cap="flat" cmpd="sng" algn="ctr">
+                      <a:solidFill>
+                        <a:schemeClr val="tx1"/>
+                      </a:solidFill>
+                      <a:prstDash val="solid"/>
+                      <a:round/>
+                      <a:headEnd type="none" w="med" len="med"/>
+                      <a:tailEnd type="none" w="med" len="med"/>
+                    </a:lnR>
+                    <a:lnT w="12700" cap="flat" cmpd="sng" algn="ctr">
+                      <a:solidFill>
+                        <a:schemeClr val="tx1"/>
+                      </a:solidFill>
+                      <a:prstDash val="solid"/>
+                      <a:round/>
+                      <a:headEnd type="none" w="med" len="med"/>
+                      <a:tailEnd type="none" w="med" len="med"/>
+                    </a:lnT>
+                    <a:lnB w="12700" cap="flat" cmpd="sng" algn="ctr">
+                      <a:solidFill>
+                        <a:schemeClr val="tx1"/>
+                      </a:solidFill>
+                      <a:prstDash val="solid"/>
+                      <a:round/>
+                      <a:headEnd type="none" w="med" len="med"/>
+                      <a:tailEnd type="none" w="med" len="med"/>
+                    </a:lnB>
+                    <a:noFill/>
+                  </a:tcPr>
+                </a:tc>
+                <a:tc>
+                  <a:txBody>
+                    <a:bodyPr/>
+                    <a:lstStyle/>
+                    <a:p>
+                      <a:endParaRPr kumimoji="1" lang="ja-JP" altLang="en-US" sz="1200" dirty="0">
+                        <a:latin typeface="Meiryo UI" panose="020B0604030504040204" pitchFamily="50" charset="-128"/>
+                        <a:ea typeface="Meiryo UI" panose="020B0604030504040204" pitchFamily="50" charset="-128"/>
+                      </a:endParaRPr>
+                    </a:p>
+                  </a:txBody>
+                  <a:tcPr>
+                    <a:lnL w="12700" cap="flat" cmpd="sng" algn="ctr">
+                      <a:solidFill>
+                        <a:schemeClr val="tx1"/>
+                      </a:solidFill>
+                      <a:prstDash val="solid"/>
+                      <a:round/>
+                      <a:headEnd type="none" w="med" len="med"/>
+                      <a:tailEnd type="none" w="med" len="med"/>
+                    </a:lnL>
+                    <a:lnR w="12700" cap="flat" cmpd="sng" algn="ctr">
+                      <a:solidFill>
+                        <a:schemeClr val="tx1"/>
+                      </a:solidFill>
+                      <a:prstDash val="solid"/>
+                      <a:round/>
+                      <a:headEnd type="none" w="med" len="med"/>
+                      <a:tailEnd type="none" w="med" len="med"/>
+                    </a:lnR>
+                    <a:lnT w="12700" cap="flat" cmpd="sng" algn="ctr">
+                      <a:solidFill>
+                        <a:schemeClr val="tx1"/>
+                      </a:solidFill>
+                      <a:prstDash val="solid"/>
+                      <a:round/>
+                      <a:headEnd type="none" w="med" len="med"/>
+                      <a:tailEnd type="none" w="med" len="med"/>
+                    </a:lnT>
+                    <a:lnB w="12700" cap="flat" cmpd="sng" algn="ctr">
+                      <a:solidFill>
+                        <a:schemeClr val="tx1"/>
+                      </a:solidFill>
+                      <a:prstDash val="solid"/>
+                      <a:round/>
+                      <a:headEnd type="none" w="med" len="med"/>
+                      <a:tailEnd type="none" w="med" len="med"/>
+                    </a:lnB>
+                    <a:noFill/>
+                  </a:tcPr>
+                </a:tc>
+                <a:tc>
+                  <a:txBody>
+                    <a:bodyPr/>
+                    <a:lstStyle/>
+                    <a:p>
+                      <a:endParaRPr kumimoji="1" lang="ja-JP" altLang="en-US" sz="1200" dirty="0">
+                        <a:latin typeface="Meiryo UI" panose="020B0604030504040204" pitchFamily="50" charset="-128"/>
+                        <a:ea typeface="Meiryo UI" panose="020B0604030504040204" pitchFamily="50" charset="-128"/>
+                      </a:endParaRPr>
+                    </a:p>
+                  </a:txBody>
+                  <a:tcPr>
+                    <a:lnL w="12700" cap="flat" cmpd="sng" algn="ctr">
+                      <a:solidFill>
+                        <a:schemeClr val="tx1"/>
+                      </a:solidFill>
+                      <a:prstDash val="solid"/>
+                      <a:round/>
+                      <a:headEnd type="none" w="med" len="med"/>
+                      <a:tailEnd type="none" w="med" len="med"/>
+                    </a:lnL>
+                    <a:lnR w="12700" cap="flat" cmpd="sng" algn="ctr">
+                      <a:solidFill>
+                        <a:schemeClr val="tx1"/>
+                      </a:solidFill>
+                      <a:prstDash val="solid"/>
+                      <a:round/>
+                      <a:headEnd type="none" w="med" len="med"/>
+                      <a:tailEnd type="none" w="med" len="med"/>
+                    </a:lnR>
+                    <a:lnT w="12700" cap="flat" cmpd="sng" algn="ctr">
+                      <a:solidFill>
+                        <a:schemeClr val="tx1"/>
+                      </a:solidFill>
+                      <a:prstDash val="solid"/>
+                      <a:round/>
+                      <a:headEnd type="none" w="med" len="med"/>
+                      <a:tailEnd type="none" w="med" len="med"/>
+                    </a:lnT>
+                    <a:lnB w="12700" cap="flat" cmpd="sng" algn="ctr">
+                      <a:solidFill>
+                        <a:schemeClr val="tx1"/>
+                      </a:solidFill>
+                      <a:prstDash val="solid"/>
+                      <a:round/>
+                      <a:headEnd type="none" w="med" len="med"/>
+                      <a:tailEnd type="none" w="med" len="med"/>
+                    </a:lnB>
+                    <a:noFill/>
+                  </a:tcPr>
+                </a:tc>
+                <a:extLst>
+                  <a:ext uri="{0D108BD9-81ED-4DB2-BD59-A6C34878D82A}">
+                    <a16:rowId xmlns:a16="http://schemas.microsoft.com/office/drawing/2014/main" val="972637536"/>
+                  </a:ext>
+                </a:extLst>
+              </a:tr>
+              <a:tr h="313393">
+                <a:tc>
+                  <a:txBody>
+                    <a:bodyPr/>
+                    <a:lstStyle/>
+                    <a:p>
+                      <a:endParaRPr kumimoji="1" lang="ja-JP" altLang="en-US" sz="1200" dirty="0">
+                        <a:latin typeface="Meiryo UI" panose="020B0604030504040204" pitchFamily="50" charset="-128"/>
+                        <a:ea typeface="Meiryo UI" panose="020B0604030504040204" pitchFamily="50" charset="-128"/>
+                      </a:endParaRPr>
+                    </a:p>
+                  </a:txBody>
+                  <a:tcPr>
+                    <a:lnL w="12700" cap="flat" cmpd="sng" algn="ctr">
+                      <a:solidFill>
+                        <a:schemeClr val="tx1"/>
+                      </a:solidFill>
+                      <a:prstDash val="solid"/>
+                      <a:round/>
+                      <a:headEnd type="none" w="med" len="med"/>
+                      <a:tailEnd type="none" w="med" len="med"/>
+                    </a:lnL>
+                    <a:lnR w="12700" cap="flat" cmpd="sng" algn="ctr">
+                      <a:solidFill>
+                        <a:schemeClr val="tx1"/>
+                      </a:solidFill>
+                      <a:prstDash val="solid"/>
+                      <a:round/>
+                      <a:headEnd type="none" w="med" len="med"/>
+                      <a:tailEnd type="none" w="med" len="med"/>
+                    </a:lnR>
+                    <a:lnT w="12700" cap="flat" cmpd="sng" algn="ctr">
+                      <a:solidFill>
+                        <a:schemeClr val="tx1"/>
+                      </a:solidFill>
+                      <a:prstDash val="solid"/>
+                      <a:round/>
+                      <a:headEnd type="none" w="med" len="med"/>
+                      <a:tailEnd type="none" w="med" len="med"/>
+                    </a:lnT>
+                    <a:lnB w="12700" cap="flat" cmpd="sng" algn="ctr">
+                      <a:solidFill>
+                        <a:schemeClr val="tx1"/>
+                      </a:solidFill>
+                      <a:prstDash val="solid"/>
+                      <a:round/>
+                      <a:headEnd type="none" w="med" len="med"/>
+                      <a:tailEnd type="none" w="med" len="med"/>
+                    </a:lnB>
+                    <a:noFill/>
+                  </a:tcPr>
+                </a:tc>
+                <a:tc>
+                  <a:txBody>
+                    <a:bodyPr/>
+                    <a:lstStyle/>
+                    <a:p>
+                      <a:endParaRPr kumimoji="1" lang="ja-JP" altLang="en-US" sz="1200">
+                        <a:latin typeface="Meiryo UI" panose="020B0604030504040204" pitchFamily="50" charset="-128"/>
+                        <a:ea typeface="Meiryo UI" panose="020B0604030504040204" pitchFamily="50" charset="-128"/>
+                      </a:endParaRPr>
+                    </a:p>
+                  </a:txBody>
+                  <a:tcPr>
+                    <a:lnL w="12700" cap="flat" cmpd="sng" algn="ctr">
+                      <a:solidFill>
+                        <a:schemeClr val="tx1"/>
+                      </a:solidFill>
+                      <a:prstDash val="solid"/>
+                      <a:round/>
+                      <a:headEnd type="none" w="med" len="med"/>
+                      <a:tailEnd type="none" w="med" len="med"/>
+                    </a:lnL>
+                    <a:lnR w="12700" cap="flat" cmpd="sng" algn="ctr">
+                      <a:solidFill>
+                        <a:schemeClr val="tx1"/>
+                      </a:solidFill>
+                      <a:prstDash val="solid"/>
+                      <a:round/>
+                      <a:headEnd type="none" w="med" len="med"/>
+                      <a:tailEnd type="none" w="med" len="med"/>
+                    </a:lnR>
+                    <a:lnT w="12700" cap="flat" cmpd="sng" algn="ctr">
+                      <a:solidFill>
+                        <a:schemeClr val="tx1"/>
+                      </a:solidFill>
+                      <a:prstDash val="solid"/>
+                      <a:round/>
+                      <a:headEnd type="none" w="med" len="med"/>
+                      <a:tailEnd type="none" w="med" len="med"/>
+                    </a:lnT>
+                    <a:lnB w="12700" cap="flat" cmpd="sng" algn="ctr">
+                      <a:solidFill>
+                        <a:schemeClr val="tx1"/>
+                      </a:solidFill>
+                      <a:prstDash val="solid"/>
+                      <a:round/>
+                      <a:headEnd type="none" w="med" len="med"/>
+                      <a:tailEnd type="none" w="med" len="med"/>
+                    </a:lnB>
+                    <a:noFill/>
+                  </a:tcPr>
+                </a:tc>
+                <a:tc>
+                  <a:txBody>
+                    <a:bodyPr/>
+                    <a:lstStyle/>
+                    <a:p>
+                      <a:endParaRPr kumimoji="1" lang="ja-JP" altLang="en-US" sz="1200" dirty="0">
+                        <a:latin typeface="Meiryo UI" panose="020B0604030504040204" pitchFamily="50" charset="-128"/>
+                        <a:ea typeface="Meiryo UI" panose="020B0604030504040204" pitchFamily="50" charset="-128"/>
+                      </a:endParaRPr>
+                    </a:p>
+                  </a:txBody>
+                  <a:tcPr>
+                    <a:lnL w="12700" cap="flat" cmpd="sng" algn="ctr">
+                      <a:solidFill>
+                        <a:schemeClr val="tx1"/>
+                      </a:solidFill>
+                      <a:prstDash val="solid"/>
+                      <a:round/>
+                      <a:headEnd type="none" w="med" len="med"/>
+                      <a:tailEnd type="none" w="med" len="med"/>
+                    </a:lnL>
+                    <a:lnR w="12700" cap="flat" cmpd="sng" algn="ctr">
+                      <a:solidFill>
+                        <a:schemeClr val="tx1"/>
+                      </a:solidFill>
+                      <a:prstDash val="solid"/>
+                      <a:round/>
+                      <a:headEnd type="none" w="med" len="med"/>
+                      <a:tailEnd type="none" w="med" len="med"/>
+                    </a:lnR>
+                    <a:lnT w="12700" cap="flat" cmpd="sng" algn="ctr">
+                      <a:solidFill>
+                        <a:schemeClr val="tx1"/>
+                      </a:solidFill>
+                      <a:prstDash val="solid"/>
+                      <a:round/>
+                      <a:headEnd type="none" w="med" len="med"/>
+                      <a:tailEnd type="none" w="med" len="med"/>
+                    </a:lnT>
+                    <a:lnB w="12700" cap="flat" cmpd="sng" algn="ctr">
+                      <a:solidFill>
+                        <a:schemeClr val="tx1"/>
+                      </a:solidFill>
+                      <a:prstDash val="solid"/>
+                      <a:round/>
+                      <a:headEnd type="none" w="med" len="med"/>
+                      <a:tailEnd type="none" w="med" len="med"/>
+                    </a:lnB>
+                    <a:noFill/>
+                  </a:tcPr>
+                </a:tc>
+                <a:tc>
+                  <a:txBody>
+                    <a:bodyPr/>
+                    <a:lstStyle/>
+                    <a:p>
+                      <a:endParaRPr kumimoji="1" lang="ja-JP" altLang="en-US" sz="1200" dirty="0">
+                        <a:latin typeface="Meiryo UI" panose="020B0604030504040204" pitchFamily="50" charset="-128"/>
+                        <a:ea typeface="Meiryo UI" panose="020B0604030504040204" pitchFamily="50" charset="-128"/>
+                      </a:endParaRPr>
+                    </a:p>
+                  </a:txBody>
+                  <a:tcPr>
+                    <a:lnL w="12700" cap="flat" cmpd="sng" algn="ctr">
+                      <a:solidFill>
+                        <a:schemeClr val="tx1"/>
+                      </a:solidFill>
+                      <a:prstDash val="solid"/>
+                      <a:round/>
+                      <a:headEnd type="none" w="med" len="med"/>
+                      <a:tailEnd type="none" w="med" len="med"/>
+                    </a:lnL>
+                    <a:lnR w="12700" cap="flat" cmpd="sng" algn="ctr">
+                      <a:solidFill>
+                        <a:schemeClr val="tx1"/>
+                      </a:solidFill>
+                      <a:prstDash val="solid"/>
+                      <a:round/>
+                      <a:headEnd type="none" w="med" len="med"/>
+                      <a:tailEnd type="none" w="med" len="med"/>
+                    </a:lnR>
+                    <a:lnT w="12700" cap="flat" cmpd="sng" algn="ctr">
+                      <a:solidFill>
+                        <a:schemeClr val="tx1"/>
+                      </a:solidFill>
+                      <a:prstDash val="solid"/>
+                      <a:round/>
+                      <a:headEnd type="none" w="med" len="med"/>
+                      <a:tailEnd type="none" w="med" len="med"/>
+                    </a:lnT>
+                    <a:lnB w="12700" cap="flat" cmpd="sng" algn="ctr">
+                      <a:solidFill>
+                        <a:schemeClr val="tx1"/>
+                      </a:solidFill>
+                      <a:prstDash val="solid"/>
+                      <a:round/>
+                      <a:headEnd type="none" w="med" len="med"/>
+                      <a:tailEnd type="none" w="med" len="med"/>
+                    </a:lnB>
+                    <a:noFill/>
+                  </a:tcPr>
+                </a:tc>
+                <a:tc>
+                  <a:txBody>
+                    <a:bodyPr/>
+                    <a:lstStyle/>
+                    <a:p>
+                      <a:endParaRPr kumimoji="1" lang="ja-JP" altLang="en-US" sz="1200" dirty="0">
+                        <a:latin typeface="Meiryo UI" panose="020B0604030504040204" pitchFamily="50" charset="-128"/>
+                        <a:ea typeface="Meiryo UI" panose="020B0604030504040204" pitchFamily="50" charset="-128"/>
+                      </a:endParaRPr>
+                    </a:p>
+                  </a:txBody>
+                  <a:tcPr>
+                    <a:lnL w="12700" cap="flat" cmpd="sng" algn="ctr">
+                      <a:solidFill>
+                        <a:schemeClr val="tx1"/>
+                      </a:solidFill>
+                      <a:prstDash val="solid"/>
+                      <a:round/>
+                      <a:headEnd type="none" w="med" len="med"/>
+                      <a:tailEnd type="none" w="med" len="med"/>
+                    </a:lnL>
+                    <a:lnR w="12700" cap="flat" cmpd="sng" algn="ctr">
+                      <a:solidFill>
+                        <a:schemeClr val="tx1"/>
+                      </a:solidFill>
+                      <a:prstDash val="solid"/>
+                      <a:round/>
+                      <a:headEnd type="none" w="med" len="med"/>
+                      <a:tailEnd type="none" w="med" len="med"/>
+                    </a:lnR>
+                    <a:lnT w="12700" cap="flat" cmpd="sng" algn="ctr">
+                      <a:solidFill>
+                        <a:schemeClr val="tx1"/>
+                      </a:solidFill>
+                      <a:prstDash val="solid"/>
+                      <a:round/>
+                      <a:headEnd type="none" w="med" len="med"/>
+                      <a:tailEnd type="none" w="med" len="med"/>
+                    </a:lnT>
+                    <a:lnB w="12700" cap="flat" cmpd="sng" algn="ctr">
+                      <a:solidFill>
+                        <a:schemeClr val="tx1"/>
+                      </a:solidFill>
+                      <a:prstDash val="solid"/>
+                      <a:round/>
+                      <a:headEnd type="none" w="med" len="med"/>
+                      <a:tailEnd type="none" w="med" len="med"/>
+                    </a:lnB>
+                    <a:noFill/>
+                  </a:tcPr>
+                </a:tc>
+                <a:tc>
+                  <a:txBody>
+                    <a:bodyPr/>
+                    <a:lstStyle/>
+                    <a:p>
+                      <a:endParaRPr kumimoji="1" lang="ja-JP" altLang="en-US" sz="1200" dirty="0">
+                        <a:latin typeface="Meiryo UI" panose="020B0604030504040204" pitchFamily="50" charset="-128"/>
+                        <a:ea typeface="Meiryo UI" panose="020B0604030504040204" pitchFamily="50" charset="-128"/>
+                      </a:endParaRPr>
+                    </a:p>
+                  </a:txBody>
+                  <a:tcPr>
+                    <a:lnL w="12700" cap="flat" cmpd="sng" algn="ctr">
+                      <a:solidFill>
+                        <a:schemeClr val="tx1"/>
+                      </a:solidFill>
+                      <a:prstDash val="solid"/>
+                      <a:round/>
+                      <a:headEnd type="none" w="med" len="med"/>
+                      <a:tailEnd type="none" w="med" len="med"/>
+                    </a:lnL>
+                    <a:lnR w="12700" cap="flat" cmpd="sng" algn="ctr">
+                      <a:solidFill>
+                        <a:schemeClr val="tx1"/>
+                      </a:solidFill>
+                      <a:prstDash val="solid"/>
+                      <a:round/>
+                      <a:headEnd type="none" w="med" len="med"/>
+                      <a:tailEnd type="none" w="med" len="med"/>
+                    </a:lnR>
+                    <a:lnT w="12700" cap="flat" cmpd="sng" algn="ctr">
+                      <a:solidFill>
+                        <a:schemeClr val="tx1"/>
+                      </a:solidFill>
+                      <a:prstDash val="solid"/>
+                      <a:round/>
+                      <a:headEnd type="none" w="med" len="med"/>
+                      <a:tailEnd type="none" w="med" len="med"/>
+                    </a:lnT>
+                    <a:lnB w="12700" cap="flat" cmpd="sng" algn="ctr">
+                      <a:solidFill>
+                        <a:schemeClr val="tx1"/>
+                      </a:solidFill>
+                      <a:prstDash val="solid"/>
+                      <a:round/>
+                      <a:headEnd type="none" w="med" len="med"/>
+                      <a:tailEnd type="none" w="med" len="med"/>
+                    </a:lnB>
+                    <a:noFill/>
+                  </a:tcPr>
+                </a:tc>
+                <a:tc>
+                  <a:txBody>
+                    <a:bodyPr/>
+                    <a:lstStyle/>
+                    <a:p>
+                      <a:endParaRPr kumimoji="1" lang="ja-JP" altLang="en-US" sz="1200" dirty="0">
+                        <a:latin typeface="Meiryo UI" panose="020B0604030504040204" pitchFamily="50" charset="-128"/>
+                        <a:ea typeface="Meiryo UI" panose="020B0604030504040204" pitchFamily="50" charset="-128"/>
+                      </a:endParaRPr>
+                    </a:p>
+                  </a:txBody>
+                  <a:tcPr>
+                    <a:lnL w="12700" cap="flat" cmpd="sng" algn="ctr">
+                      <a:solidFill>
+                        <a:schemeClr val="tx1"/>
+                      </a:solidFill>
+                      <a:prstDash val="solid"/>
+                      <a:round/>
+                      <a:headEnd type="none" w="med" len="med"/>
+                      <a:tailEnd type="none" w="med" len="med"/>
+                    </a:lnL>
+                    <a:lnR w="12700" cap="flat" cmpd="sng" algn="ctr">
+                      <a:solidFill>
+                        <a:schemeClr val="tx1"/>
+                      </a:solidFill>
+                      <a:prstDash val="solid"/>
+                      <a:round/>
+                      <a:headEnd type="none" w="med" len="med"/>
+                      <a:tailEnd type="none" w="med" len="med"/>
+                    </a:lnR>
+                    <a:lnT w="12700" cap="flat" cmpd="sng" algn="ctr">
+                      <a:solidFill>
+                        <a:schemeClr val="tx1"/>
+                      </a:solidFill>
+                      <a:prstDash val="solid"/>
+                      <a:round/>
+                      <a:headEnd type="none" w="med" len="med"/>
+                      <a:tailEnd type="none" w="med" len="med"/>
+                    </a:lnT>
+                    <a:lnB w="12700" cap="flat" cmpd="sng" algn="ctr">
+                      <a:solidFill>
+                        <a:schemeClr val="tx1"/>
+                      </a:solidFill>
+                      <a:prstDash val="solid"/>
+                      <a:round/>
+                      <a:headEnd type="none" w="med" len="med"/>
+                      <a:tailEnd type="none" w="med" len="med"/>
+                    </a:lnB>
+                    <a:noFill/>
+                  </a:tcPr>
+                </a:tc>
+                <a:tc>
+                  <a:txBody>
+                    <a:bodyPr/>
+                    <a:lstStyle/>
+                    <a:p>
+                      <a:endParaRPr kumimoji="1" lang="ja-JP" altLang="en-US" sz="1200" dirty="0">
+                        <a:latin typeface="Meiryo UI" panose="020B0604030504040204" pitchFamily="50" charset="-128"/>
+                        <a:ea typeface="Meiryo UI" panose="020B0604030504040204" pitchFamily="50" charset="-128"/>
+                      </a:endParaRPr>
+                    </a:p>
+                  </a:txBody>
+                  <a:tcPr>
+                    <a:lnL w="12700" cap="flat" cmpd="sng" algn="ctr">
+                      <a:solidFill>
+                        <a:schemeClr val="tx1"/>
+                      </a:solidFill>
+                      <a:prstDash val="solid"/>
+                      <a:round/>
+                      <a:headEnd type="none" w="med" len="med"/>
+                      <a:tailEnd type="none" w="med" len="med"/>
+                    </a:lnL>
+                    <a:lnR w="12700" cap="flat" cmpd="sng" algn="ctr">
+                      <a:solidFill>
+                        <a:schemeClr val="tx1"/>
+                      </a:solidFill>
+                      <a:prstDash val="solid"/>
+                      <a:round/>
+                      <a:headEnd type="none" w="med" len="med"/>
+                      <a:tailEnd type="none" w="med" len="med"/>
+                    </a:lnR>
+                    <a:lnT w="12700" cap="flat" cmpd="sng" algn="ctr">
+                      <a:solidFill>
+                        <a:schemeClr val="tx1"/>
+                      </a:solidFill>
+                      <a:prstDash val="solid"/>
+                      <a:round/>
+                      <a:headEnd type="none" w="med" len="med"/>
+                      <a:tailEnd type="none" w="med" len="med"/>
+                    </a:lnT>
+                    <a:lnB w="12700" cap="flat" cmpd="sng" algn="ctr">
+                      <a:solidFill>
+                        <a:schemeClr val="tx1"/>
+                      </a:solidFill>
+                      <a:prstDash val="solid"/>
+                      <a:round/>
+                      <a:headEnd type="none" w="med" len="med"/>
+                      <a:tailEnd type="none" w="med" len="med"/>
+                    </a:lnB>
+                    <a:noFill/>
+                  </a:tcPr>
+                </a:tc>
+                <a:tc>
+                  <a:txBody>
+                    <a:bodyPr/>
+                    <a:lstStyle/>
+                    <a:p>
+                      <a:endParaRPr kumimoji="1" lang="ja-JP" altLang="en-US" sz="1200" dirty="0">
+                        <a:latin typeface="Meiryo UI" panose="020B0604030504040204" pitchFamily="50" charset="-128"/>
+                        <a:ea typeface="Meiryo UI" panose="020B0604030504040204" pitchFamily="50" charset="-128"/>
+                      </a:endParaRPr>
+                    </a:p>
+                  </a:txBody>
+                  <a:tcPr>
+                    <a:lnL w="12700" cap="flat" cmpd="sng" algn="ctr">
+                      <a:solidFill>
+                        <a:schemeClr val="tx1"/>
+                      </a:solidFill>
+                      <a:prstDash val="solid"/>
+                      <a:round/>
+                      <a:headEnd type="none" w="med" len="med"/>
+                      <a:tailEnd type="none" w="med" len="med"/>
+                    </a:lnL>
+                    <a:lnR w="12700" cap="flat" cmpd="sng" algn="ctr">
+                      <a:solidFill>
+                        <a:schemeClr val="tx1"/>
+                      </a:solidFill>
+                      <a:prstDash val="solid"/>
+                      <a:round/>
+                      <a:headEnd type="none" w="med" len="med"/>
+                      <a:tailEnd type="none" w="med" len="med"/>
+                    </a:lnR>
+                    <a:lnT w="12700" cap="flat" cmpd="sng" algn="ctr">
+                      <a:solidFill>
+                        <a:schemeClr val="tx1"/>
+                      </a:solidFill>
+                      <a:prstDash val="solid"/>
+                      <a:round/>
+                      <a:headEnd type="none" w="med" len="med"/>
+                      <a:tailEnd type="none" w="med" len="med"/>
+                    </a:lnT>
+                    <a:lnB w="12700" cap="flat" cmpd="sng" algn="ctr">
+                      <a:solidFill>
+                        <a:schemeClr val="tx1"/>
+                      </a:solidFill>
+                      <a:prstDash val="solid"/>
+                      <a:round/>
+                      <a:headEnd type="none" w="med" len="med"/>
+                      <a:tailEnd type="none" w="med" len="med"/>
+                    </a:lnB>
+                    <a:noFill/>
+                  </a:tcPr>
+                </a:tc>
+                <a:extLst>
+                  <a:ext uri="{0D108BD9-81ED-4DB2-BD59-A6C34878D82A}">
+                    <a16:rowId xmlns:a16="http://schemas.microsoft.com/office/drawing/2014/main" val="2591016551"/>
+                  </a:ext>
+                </a:extLst>
+              </a:tr>
+              <a:tr h="313393">
+                <a:tc>
+                  <a:txBody>
+                    <a:bodyPr/>
+                    <a:lstStyle/>
+                    <a:p>
+                      <a:endParaRPr kumimoji="1" lang="ja-JP" altLang="en-US" sz="1200" dirty="0">
+                        <a:latin typeface="Meiryo UI" panose="020B0604030504040204" pitchFamily="50" charset="-128"/>
+                        <a:ea typeface="Meiryo UI" panose="020B0604030504040204" pitchFamily="50" charset="-128"/>
+                      </a:endParaRPr>
+                    </a:p>
+                  </a:txBody>
+                  <a:tcPr>
+                    <a:lnL w="12700" cap="flat" cmpd="sng" algn="ctr">
+                      <a:solidFill>
+                        <a:schemeClr val="tx1"/>
+                      </a:solidFill>
+                      <a:prstDash val="solid"/>
+                      <a:round/>
+                      <a:headEnd type="none" w="med" len="med"/>
+                      <a:tailEnd type="none" w="med" len="med"/>
+                    </a:lnL>
+                    <a:lnR w="12700" cap="flat" cmpd="sng" algn="ctr">
+                      <a:solidFill>
+                        <a:schemeClr val="tx1"/>
+                      </a:solidFill>
+                      <a:prstDash val="solid"/>
+                      <a:round/>
+                      <a:headEnd type="none" w="med" len="med"/>
+                      <a:tailEnd type="none" w="med" len="med"/>
+                    </a:lnR>
+                    <a:lnT w="12700" cap="flat" cmpd="sng" algn="ctr">
+                      <a:solidFill>
+                        <a:schemeClr val="tx1"/>
+                      </a:solidFill>
+                      <a:prstDash val="solid"/>
+                      <a:round/>
+                      <a:headEnd type="none" w="med" len="med"/>
+                      <a:tailEnd type="none" w="med" len="med"/>
+                    </a:lnT>
+                    <a:lnB w="12700" cap="flat" cmpd="sng" algn="ctr">
+                      <a:solidFill>
+                        <a:schemeClr val="tx1"/>
+                      </a:solidFill>
+                      <a:prstDash val="solid"/>
+                      <a:round/>
+                      <a:headEnd type="none" w="med" len="med"/>
+                      <a:tailEnd type="none" w="med" len="med"/>
+                    </a:lnB>
+                    <a:noFill/>
+                  </a:tcPr>
+                </a:tc>
+                <a:tc>
+                  <a:txBody>
+                    <a:bodyPr/>
+                    <a:lstStyle/>
+                    <a:p>
+                      <a:endParaRPr kumimoji="1" lang="ja-JP" altLang="en-US" sz="1200">
+                        <a:latin typeface="Meiryo UI" panose="020B0604030504040204" pitchFamily="50" charset="-128"/>
+                        <a:ea typeface="Meiryo UI" panose="020B0604030504040204" pitchFamily="50" charset="-128"/>
+                      </a:endParaRPr>
+                    </a:p>
+                  </a:txBody>
+                  <a:tcPr>
+                    <a:lnL w="12700" cap="flat" cmpd="sng" algn="ctr">
+                      <a:solidFill>
+                        <a:schemeClr val="tx1"/>
+                      </a:solidFill>
+                      <a:prstDash val="solid"/>
+                      <a:round/>
+                      <a:headEnd type="none" w="med" len="med"/>
+                      <a:tailEnd type="none" w="med" len="med"/>
+                    </a:lnL>
+                    <a:lnR w="12700" cap="flat" cmpd="sng" algn="ctr">
+                      <a:solidFill>
+                        <a:schemeClr val="tx1"/>
+                      </a:solidFill>
+                      <a:prstDash val="solid"/>
+                      <a:round/>
+                      <a:headEnd type="none" w="med" len="med"/>
+                      <a:tailEnd type="none" w="med" len="med"/>
+                    </a:lnR>
+                    <a:lnT w="12700" cap="flat" cmpd="sng" algn="ctr">
+                      <a:solidFill>
+                        <a:schemeClr val="tx1"/>
+                      </a:solidFill>
+                      <a:prstDash val="solid"/>
+                      <a:round/>
+                      <a:headEnd type="none" w="med" len="med"/>
+                      <a:tailEnd type="none" w="med" len="med"/>
+                    </a:lnT>
+                    <a:lnB w="12700" cap="flat" cmpd="sng" algn="ctr">
+                      <a:solidFill>
+                        <a:schemeClr val="tx1"/>
+                      </a:solidFill>
+                      <a:prstDash val="solid"/>
+                      <a:round/>
+                      <a:headEnd type="none" w="med" len="med"/>
+                      <a:tailEnd type="none" w="med" len="med"/>
+                    </a:lnB>
+                    <a:noFill/>
+                  </a:tcPr>
+                </a:tc>
+                <a:tc>
+                  <a:txBody>
+                    <a:bodyPr/>
+                    <a:lstStyle/>
+                    <a:p>
+                      <a:endParaRPr kumimoji="1" lang="ja-JP" altLang="en-US" sz="1200" dirty="0">
+                        <a:latin typeface="Meiryo UI" panose="020B0604030504040204" pitchFamily="50" charset="-128"/>
+                        <a:ea typeface="Meiryo UI" panose="020B0604030504040204" pitchFamily="50" charset="-128"/>
+                      </a:endParaRPr>
+                    </a:p>
+                  </a:txBody>
+                  <a:tcPr>
+                    <a:lnL w="12700" cap="flat" cmpd="sng" algn="ctr">
+                      <a:solidFill>
+                        <a:schemeClr val="tx1"/>
+                      </a:solidFill>
+                      <a:prstDash val="solid"/>
+                      <a:round/>
+                      <a:headEnd type="none" w="med" len="med"/>
+                      <a:tailEnd type="none" w="med" len="med"/>
+                    </a:lnL>
+                    <a:lnR w="12700" cap="flat" cmpd="sng" algn="ctr">
+                      <a:solidFill>
+                        <a:schemeClr val="tx1"/>
+                      </a:solidFill>
+                      <a:prstDash val="solid"/>
+                      <a:round/>
+                      <a:headEnd type="none" w="med" len="med"/>
+                      <a:tailEnd type="none" w="med" len="med"/>
+                    </a:lnR>
+                    <a:lnT w="12700" cap="flat" cmpd="sng" algn="ctr">
+                      <a:solidFill>
+                        <a:schemeClr val="tx1"/>
+                      </a:solidFill>
+                      <a:prstDash val="solid"/>
+                      <a:round/>
+                      <a:headEnd type="none" w="med" len="med"/>
+                      <a:tailEnd type="none" w="med" len="med"/>
+                    </a:lnT>
+                    <a:lnB w="12700" cap="flat" cmpd="sng" algn="ctr">
+                      <a:solidFill>
+                        <a:schemeClr val="tx1"/>
+                      </a:solidFill>
+                      <a:prstDash val="solid"/>
+                      <a:round/>
+                      <a:headEnd type="none" w="med" len="med"/>
+                      <a:tailEnd type="none" w="med" len="med"/>
+                    </a:lnB>
+                    <a:noFill/>
+                  </a:tcPr>
+                </a:tc>
+                <a:tc>
+                  <a:txBody>
+                    <a:bodyPr/>
+                    <a:lstStyle/>
+                    <a:p>
+                      <a:endParaRPr kumimoji="1" lang="ja-JP" altLang="en-US" sz="1200" dirty="0">
+                        <a:latin typeface="Meiryo UI" panose="020B0604030504040204" pitchFamily="50" charset="-128"/>
+                        <a:ea typeface="Meiryo UI" panose="020B0604030504040204" pitchFamily="50" charset="-128"/>
+                      </a:endParaRPr>
+                    </a:p>
+                  </a:txBody>
+                  <a:tcPr>
+                    <a:lnL w="12700" cap="flat" cmpd="sng" algn="ctr">
+                      <a:solidFill>
+                        <a:schemeClr val="tx1"/>
+                      </a:solidFill>
+                      <a:prstDash val="solid"/>
+                      <a:round/>
+                      <a:headEnd type="none" w="med" len="med"/>
+                      <a:tailEnd type="none" w="med" len="med"/>
+                    </a:lnL>
+                    <a:lnR w="12700" cap="flat" cmpd="sng" algn="ctr">
+                      <a:solidFill>
+                        <a:schemeClr val="tx1"/>
+                      </a:solidFill>
+                      <a:prstDash val="solid"/>
+                      <a:round/>
+                      <a:headEnd type="none" w="med" len="med"/>
+                      <a:tailEnd type="none" w="med" len="med"/>
+                    </a:lnR>
+                    <a:lnT w="12700" cap="flat" cmpd="sng" algn="ctr">
+                      <a:solidFill>
+                        <a:schemeClr val="tx1"/>
+                      </a:solidFill>
+                      <a:prstDash val="solid"/>
+                      <a:round/>
+                      <a:headEnd type="none" w="med" len="med"/>
+                      <a:tailEnd type="none" w="med" len="med"/>
+                    </a:lnT>
+                    <a:lnB w="12700" cap="flat" cmpd="sng" algn="ctr">
+                      <a:solidFill>
+                        <a:schemeClr val="tx1"/>
+                      </a:solidFill>
+                      <a:prstDash val="solid"/>
+                      <a:round/>
+                      <a:headEnd type="none" w="med" len="med"/>
+                      <a:tailEnd type="none" w="med" len="med"/>
+                    </a:lnB>
+                    <a:noFill/>
+                  </a:tcPr>
+                </a:tc>
+                <a:tc>
+                  <a:txBody>
+                    <a:bodyPr/>
+                    <a:lstStyle/>
+                    <a:p>
+                      <a:endParaRPr kumimoji="1" lang="ja-JP" altLang="en-US" sz="1200" dirty="0">
+                        <a:latin typeface="Meiryo UI" panose="020B0604030504040204" pitchFamily="50" charset="-128"/>
+                        <a:ea typeface="Meiryo UI" panose="020B0604030504040204" pitchFamily="50" charset="-128"/>
+                      </a:endParaRPr>
+                    </a:p>
+                  </a:txBody>
+                  <a:tcPr>
+                    <a:lnL w="12700" cap="flat" cmpd="sng" algn="ctr">
+                      <a:solidFill>
+                        <a:schemeClr val="tx1"/>
+                      </a:solidFill>
+                      <a:prstDash val="solid"/>
+                      <a:round/>
+                      <a:headEnd type="none" w="med" len="med"/>
+                      <a:tailEnd type="none" w="med" len="med"/>
+                    </a:lnL>
+                    <a:lnR w="12700" cap="flat" cmpd="sng" algn="ctr">
+                      <a:solidFill>
+                        <a:schemeClr val="tx1"/>
+                      </a:solidFill>
+                      <a:prstDash val="solid"/>
+                      <a:round/>
+                      <a:headEnd type="none" w="med" len="med"/>
+                      <a:tailEnd type="none" w="med" len="med"/>
+                    </a:lnR>
+                    <a:lnT w="12700" cap="flat" cmpd="sng" algn="ctr">
+                      <a:solidFill>
+                        <a:schemeClr val="tx1"/>
+                      </a:solidFill>
+                      <a:prstDash val="solid"/>
+                      <a:round/>
+                      <a:headEnd type="none" w="med" len="med"/>
+                      <a:tailEnd type="none" w="med" len="med"/>
+                    </a:lnT>
+                    <a:lnB w="12700" cap="flat" cmpd="sng" algn="ctr">
+                      <a:solidFill>
+                        <a:schemeClr val="tx1"/>
+                      </a:solidFill>
+                      <a:prstDash val="solid"/>
+                      <a:round/>
+                      <a:headEnd type="none" w="med" len="med"/>
+                      <a:tailEnd type="none" w="med" len="med"/>
+                    </a:lnB>
+                    <a:noFill/>
+                  </a:tcPr>
+                </a:tc>
+                <a:tc>
+                  <a:txBody>
+                    <a:bodyPr/>
+                    <a:lstStyle/>
+                    <a:p>
+                      <a:endParaRPr kumimoji="1" lang="ja-JP" altLang="en-US" sz="1200" dirty="0">
+                        <a:latin typeface="Meiryo UI" panose="020B0604030504040204" pitchFamily="50" charset="-128"/>
+                        <a:ea typeface="Meiryo UI" panose="020B0604030504040204" pitchFamily="50" charset="-128"/>
+                      </a:endParaRPr>
+                    </a:p>
+                  </a:txBody>
+                  <a:tcPr>
+                    <a:lnL w="12700" cap="flat" cmpd="sng" algn="ctr">
+                      <a:solidFill>
+                        <a:schemeClr val="tx1"/>
+                      </a:solidFill>
+                      <a:prstDash val="solid"/>
+                      <a:round/>
+                      <a:headEnd type="none" w="med" len="med"/>
+                      <a:tailEnd type="none" w="med" len="med"/>
+                    </a:lnL>
+                    <a:lnR w="12700" cap="flat" cmpd="sng" algn="ctr">
+                      <a:solidFill>
+                        <a:schemeClr val="tx1"/>
+                      </a:solidFill>
+                      <a:prstDash val="solid"/>
+                      <a:round/>
+                      <a:headEnd type="none" w="med" len="med"/>
+                      <a:tailEnd type="none" w="med" len="med"/>
+                    </a:lnR>
+                    <a:lnT w="12700" cap="flat" cmpd="sng" algn="ctr">
+                      <a:solidFill>
+                        <a:schemeClr val="tx1"/>
+                      </a:solidFill>
+                      <a:prstDash val="solid"/>
+                      <a:round/>
+                      <a:headEnd type="none" w="med" len="med"/>
+                      <a:tailEnd type="none" w="med" len="med"/>
+                    </a:lnT>
+                    <a:lnB w="12700" cap="flat" cmpd="sng" algn="ctr">
+                      <a:solidFill>
+                        <a:schemeClr val="tx1"/>
+                      </a:solidFill>
+                      <a:prstDash val="solid"/>
+                      <a:round/>
+                      <a:headEnd type="none" w="med" len="med"/>
+                      <a:tailEnd type="none" w="med" len="med"/>
+                    </a:lnB>
+                    <a:noFill/>
+                  </a:tcPr>
+                </a:tc>
+                <a:tc>
+                  <a:txBody>
+                    <a:bodyPr/>
+                    <a:lstStyle/>
+                    <a:p>
+                      <a:endParaRPr kumimoji="1" lang="ja-JP" altLang="en-US" sz="1200" dirty="0">
+                        <a:latin typeface="Meiryo UI" panose="020B0604030504040204" pitchFamily="50" charset="-128"/>
+                        <a:ea typeface="Meiryo UI" panose="020B0604030504040204" pitchFamily="50" charset="-128"/>
+                      </a:endParaRPr>
+                    </a:p>
+                  </a:txBody>
+                  <a:tcPr>
+                    <a:lnL w="12700" cap="flat" cmpd="sng" algn="ctr">
+                      <a:solidFill>
+                        <a:schemeClr val="tx1"/>
+                      </a:solidFill>
+                      <a:prstDash val="solid"/>
+                      <a:round/>
+                      <a:headEnd type="none" w="med" len="med"/>
+                      <a:tailEnd type="none" w="med" len="med"/>
+                    </a:lnL>
+                    <a:lnR w="12700" cap="flat" cmpd="sng" algn="ctr">
+                      <a:solidFill>
+                        <a:schemeClr val="tx1"/>
+                      </a:solidFill>
+                      <a:prstDash val="solid"/>
+                      <a:round/>
+                      <a:headEnd type="none" w="med" len="med"/>
+                      <a:tailEnd type="none" w="med" len="med"/>
+                    </a:lnR>
+                    <a:lnT w="12700" cap="flat" cmpd="sng" algn="ctr">
+                      <a:solidFill>
+                        <a:schemeClr val="tx1"/>
+                      </a:solidFill>
+                      <a:prstDash val="solid"/>
+                      <a:round/>
+                      <a:headEnd type="none" w="med" len="med"/>
+                      <a:tailEnd type="none" w="med" len="med"/>
+                    </a:lnT>
+                    <a:lnB w="12700" cap="flat" cmpd="sng" algn="ctr">
+                      <a:solidFill>
+                        <a:schemeClr val="tx1"/>
+                      </a:solidFill>
+                      <a:prstDash val="solid"/>
+                      <a:round/>
+                      <a:headEnd type="none" w="med" len="med"/>
+                      <a:tailEnd type="none" w="med" len="med"/>
+                    </a:lnB>
+                    <a:noFill/>
+                  </a:tcPr>
+                </a:tc>
+                <a:tc>
+                  <a:txBody>
+                    <a:bodyPr/>
+                    <a:lstStyle/>
+                    <a:p>
+                      <a:endParaRPr kumimoji="1" lang="ja-JP" altLang="en-US" sz="1200" dirty="0">
+                        <a:latin typeface="Meiryo UI" panose="020B0604030504040204" pitchFamily="50" charset="-128"/>
+                        <a:ea typeface="Meiryo UI" panose="020B0604030504040204" pitchFamily="50" charset="-128"/>
+                      </a:endParaRPr>
+                    </a:p>
+                  </a:txBody>
+                  <a:tcPr>
+                    <a:lnL w="12700" cap="flat" cmpd="sng" algn="ctr">
+                      <a:solidFill>
+                        <a:schemeClr val="tx1"/>
+                      </a:solidFill>
+                      <a:prstDash val="solid"/>
+                      <a:round/>
+                      <a:headEnd type="none" w="med" len="med"/>
+                      <a:tailEnd type="none" w="med" len="med"/>
+                    </a:lnL>
+                    <a:lnR w="12700" cap="flat" cmpd="sng" algn="ctr">
+                      <a:solidFill>
+                        <a:schemeClr val="tx1"/>
+                      </a:solidFill>
+                      <a:prstDash val="solid"/>
+                      <a:round/>
+                      <a:headEnd type="none" w="med" len="med"/>
+                      <a:tailEnd type="none" w="med" len="med"/>
+                    </a:lnR>
+                    <a:lnT w="12700" cap="flat" cmpd="sng" algn="ctr">
+                      <a:solidFill>
+                        <a:schemeClr val="tx1"/>
+                      </a:solidFill>
+                      <a:prstDash val="solid"/>
+                      <a:round/>
+                      <a:headEnd type="none" w="med" len="med"/>
+                      <a:tailEnd type="none" w="med" len="med"/>
+                    </a:lnT>
+                    <a:lnB w="12700" cap="flat" cmpd="sng" algn="ctr">
+                      <a:solidFill>
+                        <a:schemeClr val="tx1"/>
+                      </a:solidFill>
+                      <a:prstDash val="solid"/>
+                      <a:round/>
+                      <a:headEnd type="none" w="med" len="med"/>
+                      <a:tailEnd type="none" w="med" len="med"/>
+                    </a:lnB>
+                    <a:noFill/>
+                  </a:tcPr>
+                </a:tc>
+                <a:tc>
+                  <a:txBody>
+                    <a:bodyPr/>
+                    <a:lstStyle/>
+                    <a:p>
+                      <a:endParaRPr kumimoji="1" lang="ja-JP" altLang="en-US" sz="1200" dirty="0">
+                        <a:latin typeface="Meiryo UI" panose="020B0604030504040204" pitchFamily="50" charset="-128"/>
+                        <a:ea typeface="Meiryo UI" panose="020B0604030504040204" pitchFamily="50" charset="-128"/>
+                      </a:endParaRPr>
+                    </a:p>
+                  </a:txBody>
+                  <a:tcPr>
+                    <a:lnL w="12700" cap="flat" cmpd="sng" algn="ctr">
+                      <a:solidFill>
+                        <a:schemeClr val="tx1"/>
+                      </a:solidFill>
+                      <a:prstDash val="solid"/>
+                      <a:round/>
+                      <a:headEnd type="none" w="med" len="med"/>
+                      <a:tailEnd type="none" w="med" len="med"/>
+                    </a:lnL>
+                    <a:lnR w="12700" cap="flat" cmpd="sng" algn="ctr">
+                      <a:solidFill>
+                        <a:schemeClr val="tx1"/>
+                      </a:solidFill>
+                      <a:prstDash val="solid"/>
+                      <a:round/>
+                      <a:headEnd type="none" w="med" len="med"/>
+                      <a:tailEnd type="none" w="med" len="med"/>
+                    </a:lnR>
+                    <a:lnT w="12700" cap="flat" cmpd="sng" algn="ctr">
+                      <a:solidFill>
+                        <a:schemeClr val="tx1"/>
+                      </a:solidFill>
+                      <a:prstDash val="solid"/>
+                      <a:round/>
+                      <a:headEnd type="none" w="med" len="med"/>
+                      <a:tailEnd type="none" w="med" len="med"/>
+                    </a:lnT>
+                    <a:lnB w="12700" cap="flat" cmpd="sng" algn="ctr">
+                      <a:solidFill>
+                        <a:schemeClr val="tx1"/>
+                      </a:solidFill>
+                      <a:prstDash val="solid"/>
+                      <a:round/>
+                      <a:headEnd type="none" w="med" len="med"/>
+                      <a:tailEnd type="none" w="med" len="med"/>
+                    </a:lnB>
+                    <a:noFill/>
+                  </a:tcPr>
+                </a:tc>
+                <a:extLst>
+                  <a:ext uri="{0D108BD9-81ED-4DB2-BD59-A6C34878D82A}">
+                    <a16:rowId xmlns:a16="http://schemas.microsoft.com/office/drawing/2014/main" val="1717973562"/>
                   </a:ext>
                 </a:extLst>
               </a:tr>

--- a/Doc/2.UI/経理DB/画面イメージ（経理DB）.pptx
+++ b/Doc/2.UI/経理DB/画面イメージ（経理DB）.pptx
@@ -5,17 +5,19 @@
     <p:sldMasterId id="2147483648" r:id="rId1"/>
   </p:sldMasterIdLst>
   <p:notesMasterIdLst>
-    <p:notesMasterId r:id="rId7"/>
+    <p:notesMasterId r:id="rId9"/>
   </p:notesMasterIdLst>
   <p:handoutMasterIdLst>
-    <p:handoutMasterId r:id="rId8"/>
+    <p:handoutMasterId r:id="rId10"/>
   </p:handoutMasterIdLst>
   <p:sldIdLst>
     <p:sldId id="259" r:id="rId2"/>
     <p:sldId id="258" r:id="rId3"/>
-    <p:sldId id="260" r:id="rId4"/>
-    <p:sldId id="261" r:id="rId5"/>
-    <p:sldId id="262" r:id="rId6"/>
+    <p:sldId id="263" r:id="rId4"/>
+    <p:sldId id="260" r:id="rId5"/>
+    <p:sldId id="261" r:id="rId6"/>
+    <p:sldId id="262" r:id="rId7"/>
+    <p:sldId id="265" r:id="rId8"/>
   </p:sldIdLst>
   <p:sldSz cx="12192000" cy="6858000"/>
   <p:notesSz cx="6858000" cy="9144000"/>
@@ -204,7 +206,7 @@
           <a:p>
             <a:fld id="{412B6505-7C8C-459C-98F8-EFB7D4D9088F}" type="datetimeFigureOut">
               <a:rPr kumimoji="1" lang="ja-JP" altLang="en-US" smtClean="0"/>
-              <a:t>2020/12/25</a:t>
+              <a:t>2020/12/28</a:t>
             </a:fld>
             <a:endParaRPr kumimoji="1" lang="ja-JP" altLang="en-US"/>
           </a:p>
@@ -370,7 +372,7 @@
           <a:p>
             <a:fld id="{2662E978-106B-4743-B577-3CB3BCB8D1B3}" type="datetimeFigureOut">
               <a:rPr kumimoji="1" lang="ja-JP" altLang="en-US" smtClean="0"/>
-              <a:t>2020/12/25</a:t>
+              <a:t>2020/12/28</a:t>
             </a:fld>
             <a:endParaRPr kumimoji="1" lang="ja-JP" altLang="en-US"/>
           </a:p>
@@ -802,7 +804,7 @@
           <a:p>
             <a:fld id="{53056207-1D9F-4767-A8DD-336DD35751C3}" type="datetimeFigureOut">
               <a:rPr kumimoji="1" lang="ja-JP" altLang="en-US" smtClean="0"/>
-              <a:t>2020/12/25</a:t>
+              <a:t>2020/12/28</a:t>
             </a:fld>
             <a:endParaRPr kumimoji="1" lang="ja-JP" altLang="en-US"/>
           </a:p>
@@ -1004,7 +1006,7 @@
           <a:p>
             <a:fld id="{53056207-1D9F-4767-A8DD-336DD35751C3}" type="datetimeFigureOut">
               <a:rPr kumimoji="1" lang="ja-JP" altLang="en-US" smtClean="0"/>
-              <a:t>2020/12/25</a:t>
+              <a:t>2020/12/28</a:t>
             </a:fld>
             <a:endParaRPr kumimoji="1" lang="ja-JP" altLang="en-US"/>
           </a:p>
@@ -1216,7 +1218,7 @@
           <a:p>
             <a:fld id="{53056207-1D9F-4767-A8DD-336DD35751C3}" type="datetimeFigureOut">
               <a:rPr kumimoji="1" lang="ja-JP" altLang="en-US" smtClean="0"/>
-              <a:t>2020/12/25</a:t>
+              <a:t>2020/12/28</a:t>
             </a:fld>
             <a:endParaRPr kumimoji="1" lang="ja-JP" altLang="en-US"/>
           </a:p>
@@ -1418,7 +1420,7 @@
           <a:p>
             <a:fld id="{53056207-1D9F-4767-A8DD-336DD35751C3}" type="datetimeFigureOut">
               <a:rPr kumimoji="1" lang="ja-JP" altLang="en-US" smtClean="0"/>
-              <a:t>2020/12/25</a:t>
+              <a:t>2020/12/28</a:t>
             </a:fld>
             <a:endParaRPr kumimoji="1" lang="ja-JP" altLang="en-US"/>
           </a:p>
@@ -1664,7 +1666,7 @@
           <a:p>
             <a:fld id="{53056207-1D9F-4767-A8DD-336DD35751C3}" type="datetimeFigureOut">
               <a:rPr kumimoji="1" lang="ja-JP" altLang="en-US" smtClean="0"/>
-              <a:t>2020/12/25</a:t>
+              <a:t>2020/12/28</a:t>
             </a:fld>
             <a:endParaRPr kumimoji="1" lang="ja-JP" altLang="en-US"/>
           </a:p>
@@ -1960,7 +1962,7 @@
           <a:p>
             <a:fld id="{53056207-1D9F-4767-A8DD-336DD35751C3}" type="datetimeFigureOut">
               <a:rPr kumimoji="1" lang="ja-JP" altLang="en-US" smtClean="0"/>
-              <a:t>2020/12/25</a:t>
+              <a:t>2020/12/28</a:t>
             </a:fld>
             <a:endParaRPr kumimoji="1" lang="ja-JP" altLang="en-US"/>
           </a:p>
@@ -2391,7 +2393,7 @@
           <a:p>
             <a:fld id="{53056207-1D9F-4767-A8DD-336DD35751C3}" type="datetimeFigureOut">
               <a:rPr kumimoji="1" lang="ja-JP" altLang="en-US" smtClean="0"/>
-              <a:t>2020/12/25</a:t>
+              <a:t>2020/12/28</a:t>
             </a:fld>
             <a:endParaRPr kumimoji="1" lang="ja-JP" altLang="en-US"/>
           </a:p>
@@ -2509,7 +2511,7 @@
           <a:p>
             <a:fld id="{53056207-1D9F-4767-A8DD-336DD35751C3}" type="datetimeFigureOut">
               <a:rPr kumimoji="1" lang="ja-JP" altLang="en-US" smtClean="0"/>
-              <a:t>2020/12/25</a:t>
+              <a:t>2020/12/28</a:t>
             </a:fld>
             <a:endParaRPr kumimoji="1" lang="ja-JP" altLang="en-US"/>
           </a:p>
@@ -2604,7 +2606,7 @@
           <a:p>
             <a:fld id="{53056207-1D9F-4767-A8DD-336DD35751C3}" type="datetimeFigureOut">
               <a:rPr kumimoji="1" lang="ja-JP" altLang="en-US" smtClean="0"/>
-              <a:t>2020/12/25</a:t>
+              <a:t>2020/12/28</a:t>
             </a:fld>
             <a:endParaRPr kumimoji="1" lang="ja-JP" altLang="en-US"/>
           </a:p>
@@ -2913,7 +2915,7 @@
           <a:p>
             <a:fld id="{53056207-1D9F-4767-A8DD-336DD35751C3}" type="datetimeFigureOut">
               <a:rPr kumimoji="1" lang="ja-JP" altLang="en-US" smtClean="0"/>
-              <a:t>2020/12/25</a:t>
+              <a:t>2020/12/28</a:t>
             </a:fld>
             <a:endParaRPr kumimoji="1" lang="ja-JP" altLang="en-US"/>
           </a:p>
@@ -3166,7 +3168,7 @@
           <a:p>
             <a:fld id="{53056207-1D9F-4767-A8DD-336DD35751C3}" type="datetimeFigureOut">
               <a:rPr kumimoji="1" lang="ja-JP" altLang="en-US" smtClean="0"/>
-              <a:t>2020/12/25</a:t>
+              <a:t>2020/12/28</a:t>
             </a:fld>
             <a:endParaRPr kumimoji="1" lang="ja-JP" altLang="en-US"/>
           </a:p>
@@ -3411,7 +3413,7 @@
           <a:p>
             <a:fld id="{53056207-1D9F-4767-A8DD-336DD35751C3}" type="datetimeFigureOut">
               <a:rPr kumimoji="1" lang="ja-JP" altLang="en-US" smtClean="0"/>
-              <a:t>2020/12/25</a:t>
+              <a:t>2020/12/28</a:t>
             </a:fld>
             <a:endParaRPr kumimoji="1" lang="ja-JP" altLang="en-US"/>
           </a:p>
@@ -3910,8 +3912,8 @@
         </p:nvSpPr>
         <p:spPr>
           <a:xfrm>
-            <a:off x="723207" y="1150245"/>
-            <a:ext cx="4488873" cy="3837392"/>
+            <a:off x="723207" y="1150244"/>
+            <a:ext cx="4488873" cy="4469159"/>
           </a:xfrm>
           <a:prstGeom prst="rect">
             <a:avLst/>
@@ -4070,7 +4072,7 @@
         </p:nvSpPr>
         <p:spPr>
           <a:xfrm>
-            <a:off x="3645132" y="4407463"/>
+            <a:off x="3645132" y="4997666"/>
             <a:ext cx="1438101" cy="399011"/>
           </a:xfrm>
           <a:prstGeom prst="rect">
@@ -4134,7 +4136,7 @@
           <a:p>
             <a:fld id="{E23E62CB-AE02-499E-8DF1-609F7D77B994}" type="datetime1">
               <a:rPr kumimoji="1" lang="ja-JP" altLang="en-US" smtClean="0"/>
-              <a:t>2020/12/25</a:t>
+              <a:t>2020/12/28</a:t>
             </a:fld>
             <a:endParaRPr kumimoji="1" lang="ja-JP" altLang="en-US" dirty="0"/>
           </a:p>
@@ -4172,14 +4174,14 @@
           <p:nvPr>
             <p:extLst>
               <p:ext uri="{D42A27DB-BD31-4B8C-83A1-F6EECF244321}">
-                <p14:modId xmlns:p14="http://schemas.microsoft.com/office/powerpoint/2010/main" val="1943200252"/>
+                <p14:modId xmlns:p14="http://schemas.microsoft.com/office/powerpoint/2010/main" val="2611508773"/>
               </p:ext>
             </p:extLst>
           </p:nvPr>
         </p:nvGraphicFramePr>
         <p:xfrm>
           <a:off x="5348778" y="1150245"/>
-          <a:ext cx="6538422" cy="2397760"/>
+          <a:ext cx="6538422" cy="2768600"/>
         </p:xfrm>
         <a:graphic>
           <a:graphicData uri="http://schemas.openxmlformats.org/drawingml/2006/table">
@@ -4601,6 +4603,73 @@
                     <a:bodyPr/>
                     <a:lstStyle/>
                     <a:p>
+                      <a:r>
+                        <a:rPr kumimoji="1" lang="ja-JP" altLang="en-US" sz="1200" dirty="0" smtClean="0">
+                          <a:latin typeface="Meiryo UI" panose="020B0604030504040204" pitchFamily="50" charset="-128"/>
+                          <a:ea typeface="Meiryo UI" panose="020B0604030504040204" pitchFamily="50" charset="-128"/>
+                        </a:rPr>
+                        <a:t>一括削除</a:t>
+                      </a:r>
+                      <a:endParaRPr kumimoji="1" lang="ja-JP" altLang="en-US" sz="1200" dirty="0">
+                        <a:latin typeface="Meiryo UI" panose="020B0604030504040204" pitchFamily="50" charset="-128"/>
+                        <a:ea typeface="Meiryo UI" panose="020B0604030504040204" pitchFamily="50" charset="-128"/>
+                      </a:endParaRPr>
+                    </a:p>
+                  </a:txBody>
+                  <a:tcPr/>
+                </a:tc>
+                <a:tc>
+                  <a:txBody>
+                    <a:bodyPr/>
+                    <a:lstStyle/>
+                    <a:p>
+                      <a:r>
+                        <a:rPr kumimoji="1" lang="ja-JP" altLang="en-US" sz="1200" dirty="0" smtClean="0">
+                          <a:latin typeface="Meiryo UI" panose="020B0604030504040204" pitchFamily="50" charset="-128"/>
+                          <a:ea typeface="Meiryo UI" panose="020B0604030504040204" pitchFamily="50" charset="-128"/>
+                        </a:rPr>
+                        <a:t>・論理削除のレコードの物理削除を行う。</a:t>
+                      </a:r>
+                      <a:endParaRPr kumimoji="1" lang="ja-JP" altLang="en-US" sz="1200" dirty="0">
+                        <a:latin typeface="Meiryo UI" panose="020B0604030504040204" pitchFamily="50" charset="-128"/>
+                        <a:ea typeface="Meiryo UI" panose="020B0604030504040204" pitchFamily="50" charset="-128"/>
+                      </a:endParaRPr>
+                    </a:p>
+                  </a:txBody>
+                  <a:tcPr/>
+                </a:tc>
+                <a:extLst>
+                  <a:ext uri="{0D108BD9-81ED-4DB2-BD59-A6C34878D82A}">
+                    <a16:rowId xmlns:a16="http://schemas.microsoft.com/office/drawing/2014/main" val="2870542520"/>
+                  </a:ext>
+                </a:extLst>
+              </a:tr>
+              <a:tr h="370840">
+                <a:tc>
+                  <a:txBody>
+                    <a:bodyPr/>
+                    <a:lstStyle/>
+                    <a:p>
+                      <a:r>
+                        <a:rPr kumimoji="1" lang="en-US" altLang="ja-JP" sz="1200" dirty="0" smtClean="0">
+                          <a:latin typeface="Meiryo UI" panose="020B0604030504040204" pitchFamily="50" charset="-128"/>
+                          <a:ea typeface="Meiryo UI" panose="020B0604030504040204" pitchFamily="50" charset="-128"/>
+                        </a:rPr>
+                        <a:t>6</a:t>
+                      </a:r>
+                      <a:endParaRPr kumimoji="1" lang="ja-JP" altLang="en-US" sz="1200" dirty="0">
+                        <a:latin typeface="Meiryo UI" panose="020B0604030504040204" pitchFamily="50" charset="-128"/>
+                        <a:ea typeface="Meiryo UI" panose="020B0604030504040204" pitchFamily="50" charset="-128"/>
+                      </a:endParaRPr>
+                    </a:p>
+                  </a:txBody>
+                  <a:tcPr/>
+                </a:tc>
+                <a:tc>
+                  <a:txBody>
+                    <a:bodyPr/>
+                    <a:lstStyle/>
+                    <a:p>
                       <a:pPr marL="0" marR="0" lvl="0" indent="0" algn="l" defTabSz="914400" rtl="0" eaLnBrk="1" fontAlgn="auto" latinLnBrk="0" hangingPunct="1">
                         <a:lnSpc>
                           <a:spcPct val="100000"/>
@@ -4870,6 +4939,68 @@
           </a:p>
         </p:txBody>
       </p:sp>
+      <p:sp>
+        <p:nvSpPr>
+          <p:cNvPr id="16" name="正方形/長方形 15"/>
+          <p:cNvSpPr/>
+          <p:nvPr/>
+        </p:nvSpPr>
+        <p:spPr>
+          <a:xfrm>
+            <a:off x="1487978" y="4375929"/>
+            <a:ext cx="2876204" cy="399011"/>
+          </a:xfrm>
+          <a:prstGeom prst="rect">
+            <a:avLst/>
+          </a:prstGeom>
+          <a:noFill/>
+          <a:ln w="19050">
+            <a:solidFill>
+              <a:schemeClr val="tx1"/>
+            </a:solidFill>
+          </a:ln>
+        </p:spPr>
+        <p:style>
+          <a:lnRef idx="2">
+            <a:schemeClr val="accent1">
+              <a:shade val="50000"/>
+            </a:schemeClr>
+          </a:lnRef>
+          <a:fillRef idx="1">
+            <a:schemeClr val="accent1"/>
+          </a:fillRef>
+          <a:effectRef idx="0">
+            <a:schemeClr val="accent1"/>
+          </a:effectRef>
+          <a:fontRef idx="minor">
+            <a:schemeClr val="lt1"/>
+          </a:fontRef>
+        </p:style>
+        <p:txBody>
+          <a:bodyPr rtlCol="0" anchor="ctr"/>
+          <a:lstStyle/>
+          <a:p>
+            <a:pPr algn="ctr"/>
+            <a:r>
+              <a:rPr kumimoji="1" lang="ja-JP" altLang="en-US" dirty="0" smtClean="0">
+                <a:solidFill>
+                  <a:schemeClr val="tx1"/>
+                </a:solidFill>
+                <a:latin typeface="Meiryo UI" panose="020B0604030504040204" pitchFamily="50" charset="-128"/>
+                <a:ea typeface="Meiryo UI" panose="020B0604030504040204" pitchFamily="50" charset="-128"/>
+              </a:rPr>
+              <a:t>一括削除</a:t>
+            </a:r>
+            <a:endParaRPr kumimoji="1" lang="ja-JP" altLang="en-US" dirty="0">
+              <a:solidFill>
+                <a:schemeClr val="tx1"/>
+              </a:solidFill>
+              <a:latin typeface="Meiryo UI" panose="020B0604030504040204" pitchFamily="50" charset="-128"/>
+              <a:ea typeface="Meiryo UI" panose="020B0604030504040204" pitchFamily="50" charset="-128"/>
+            </a:endParaRPr>
+          </a:p>
+        </p:txBody>
+      </p:sp>
     </p:spTree>
     <p:extLst>
       <p:ext uri="{BB962C8B-B14F-4D97-AF65-F5344CB8AC3E}">
@@ -4934,7 +5065,1570 @@
                 <a:latin typeface="Meiryo UI" panose="020B0604030504040204" pitchFamily="50" charset="-128"/>
                 <a:ea typeface="Meiryo UI" panose="020B0604030504040204" pitchFamily="50" charset="-128"/>
               </a:rPr>
-              <a:t> 新規・修正画面</a:t>
+              <a:t>社員検索画面</a:t>
+            </a:r>
+            <a:endParaRPr lang="ja-JP" altLang="en-US" sz="1600" dirty="0">
+              <a:latin typeface="Meiryo UI" panose="020B0604030504040204" pitchFamily="50" charset="-128"/>
+              <a:ea typeface="Meiryo UI" panose="020B0604030504040204" pitchFamily="50" charset="-128"/>
+            </a:endParaRPr>
+          </a:p>
+        </p:txBody>
+      </p:sp>
+      <p:sp>
+        <p:nvSpPr>
+          <p:cNvPr id="4" name="正方形/長方形 3"/>
+          <p:cNvSpPr/>
+          <p:nvPr/>
+        </p:nvSpPr>
+        <p:spPr>
+          <a:xfrm>
+            <a:off x="723208" y="850990"/>
+            <a:ext cx="6367548" cy="4543970"/>
+          </a:xfrm>
+          <a:prstGeom prst="rect">
+            <a:avLst/>
+          </a:prstGeom>
+          <a:noFill/>
+          <a:ln>
+            <a:solidFill>
+              <a:schemeClr val="tx1"/>
+            </a:solidFill>
+          </a:ln>
+        </p:spPr>
+        <p:style>
+          <a:lnRef idx="2">
+            <a:schemeClr val="accent1">
+              <a:shade val="50000"/>
+            </a:schemeClr>
+          </a:lnRef>
+          <a:fillRef idx="1">
+            <a:schemeClr val="accent1"/>
+          </a:fillRef>
+          <a:effectRef idx="0">
+            <a:schemeClr val="accent1"/>
+          </a:effectRef>
+          <a:fontRef idx="minor">
+            <a:schemeClr val="lt1"/>
+          </a:fontRef>
+        </p:style>
+        <p:txBody>
+          <a:bodyPr rtlCol="0" anchor="ctr"/>
+          <a:lstStyle/>
+          <a:p>
+            <a:pPr algn="ctr"/>
+            <a:endParaRPr kumimoji="1" lang="ja-JP" altLang="en-US">
+              <a:latin typeface="Meiryo UI" panose="020B0604030504040204" pitchFamily="50" charset="-128"/>
+              <a:ea typeface="Meiryo UI" panose="020B0604030504040204" pitchFamily="50" charset="-128"/>
+            </a:endParaRPr>
+          </a:p>
+        </p:txBody>
+      </p:sp>
+      <p:sp>
+        <p:nvSpPr>
+          <p:cNvPr id="5" name="正方形/長方形 4"/>
+          <p:cNvSpPr/>
+          <p:nvPr/>
+        </p:nvSpPr>
+        <p:spPr>
+          <a:xfrm>
+            <a:off x="731522" y="850990"/>
+            <a:ext cx="6359234" cy="371591"/>
+          </a:xfrm>
+          <a:prstGeom prst="rect">
+            <a:avLst/>
+          </a:prstGeom>
+        </p:spPr>
+        <p:style>
+          <a:lnRef idx="2">
+            <a:schemeClr val="accent1">
+              <a:shade val="50000"/>
+            </a:schemeClr>
+          </a:lnRef>
+          <a:fillRef idx="1">
+            <a:schemeClr val="accent1"/>
+          </a:fillRef>
+          <a:effectRef idx="0">
+            <a:schemeClr val="accent1"/>
+          </a:effectRef>
+          <a:fontRef idx="minor">
+            <a:schemeClr val="lt1"/>
+          </a:fontRef>
+        </p:style>
+        <p:txBody>
+          <a:bodyPr rtlCol="0" anchor="ctr"/>
+          <a:lstStyle/>
+          <a:p>
+            <a:r>
+              <a:rPr lang="ja-JP" altLang="en-US" sz="1600" dirty="0" smtClean="0">
+                <a:latin typeface="Meiryo UI" panose="020B0604030504040204" pitchFamily="50" charset="-128"/>
+                <a:ea typeface="Meiryo UI" panose="020B0604030504040204" pitchFamily="50" charset="-128"/>
+              </a:rPr>
+              <a:t>社員検索</a:t>
+            </a:r>
+            <a:endParaRPr kumimoji="1" lang="ja-JP" altLang="en-US" sz="1600" dirty="0">
+              <a:latin typeface="Meiryo UI" panose="020B0604030504040204" pitchFamily="50" charset="-128"/>
+              <a:ea typeface="Meiryo UI" panose="020B0604030504040204" pitchFamily="50" charset="-128"/>
+            </a:endParaRPr>
+          </a:p>
+        </p:txBody>
+      </p:sp>
+      <p:sp>
+        <p:nvSpPr>
+          <p:cNvPr id="6" name="正方形/長方形 5"/>
+          <p:cNvSpPr/>
+          <p:nvPr/>
+        </p:nvSpPr>
+        <p:spPr>
+          <a:xfrm>
+            <a:off x="1005839" y="1441381"/>
+            <a:ext cx="1330037" cy="216551"/>
+          </a:xfrm>
+          <a:prstGeom prst="rect">
+            <a:avLst/>
+          </a:prstGeom>
+          <a:noFill/>
+          <a:ln>
+            <a:solidFill>
+              <a:schemeClr val="tx1"/>
+            </a:solidFill>
+          </a:ln>
+        </p:spPr>
+        <p:style>
+          <a:lnRef idx="2">
+            <a:schemeClr val="accent1">
+              <a:shade val="50000"/>
+            </a:schemeClr>
+          </a:lnRef>
+          <a:fillRef idx="1">
+            <a:schemeClr val="accent1"/>
+          </a:fillRef>
+          <a:effectRef idx="0">
+            <a:schemeClr val="accent1"/>
+          </a:effectRef>
+          <a:fontRef idx="minor">
+            <a:schemeClr val="lt1"/>
+          </a:fontRef>
+        </p:style>
+        <p:txBody>
+          <a:bodyPr rtlCol="0" anchor="ctr"/>
+          <a:lstStyle/>
+          <a:p>
+            <a:pPr algn="r"/>
+            <a:r>
+              <a:rPr kumimoji="1" lang="ja-JP" altLang="en-US" sz="1200" dirty="0" smtClean="0">
+                <a:solidFill>
+                  <a:schemeClr val="tx1"/>
+                </a:solidFill>
+                <a:latin typeface="Meiryo UI" panose="020B0604030504040204" pitchFamily="50" charset="-128"/>
+                <a:ea typeface="Meiryo UI" panose="020B0604030504040204" pitchFamily="50" charset="-128"/>
+              </a:rPr>
+              <a:t>▽</a:t>
+            </a:r>
+            <a:endParaRPr kumimoji="1" lang="ja-JP" altLang="en-US" sz="1200" dirty="0">
+              <a:solidFill>
+                <a:schemeClr val="tx1"/>
+              </a:solidFill>
+              <a:latin typeface="Meiryo UI" panose="020B0604030504040204" pitchFamily="50" charset="-128"/>
+              <a:ea typeface="Meiryo UI" panose="020B0604030504040204" pitchFamily="50" charset="-128"/>
+            </a:endParaRPr>
+          </a:p>
+        </p:txBody>
+      </p:sp>
+      <p:sp>
+        <p:nvSpPr>
+          <p:cNvPr id="15" name="日付プレースホルダー 14"/>
+          <p:cNvSpPr>
+            <a:spLocks noGrp="1"/>
+          </p:cNvSpPr>
+          <p:nvPr>
+            <p:ph type="dt" sz="half" idx="10"/>
+          </p:nvPr>
+        </p:nvSpPr>
+        <p:spPr/>
+        <p:txBody>
+          <a:bodyPr/>
+          <a:lstStyle/>
+          <a:p>
+            <a:fld id="{E23E62CB-AE02-499E-8DF1-609F7D77B994}" type="datetime1">
+              <a:rPr kumimoji="1" lang="ja-JP" altLang="en-US" smtClean="0"/>
+              <a:t>2020/12/28</a:t>
+            </a:fld>
+            <a:endParaRPr kumimoji="1" lang="ja-JP" altLang="en-US" dirty="0"/>
+          </a:p>
+        </p:txBody>
+      </p:sp>
+      <p:sp>
+        <p:nvSpPr>
+          <p:cNvPr id="17" name="スライド番号プレースホルダー 16"/>
+          <p:cNvSpPr>
+            <a:spLocks noGrp="1"/>
+          </p:cNvSpPr>
+          <p:nvPr>
+            <p:ph type="sldNum" sz="quarter" idx="12"/>
+          </p:nvPr>
+        </p:nvSpPr>
+        <p:spPr/>
+        <p:txBody>
+          <a:bodyPr/>
+          <a:lstStyle/>
+          <a:p>
+            <a:fld id="{E0A911C0-B298-4FD6-9CB7-F1EE1E13C81F}" type="slidenum">
+              <a:rPr kumimoji="1" lang="ja-JP" altLang="en-US" smtClean="0"/>
+              <a:t>2</a:t>
+            </a:fld>
+            <a:endParaRPr kumimoji="1" lang="ja-JP" altLang="en-US" dirty="0"/>
+          </a:p>
+        </p:txBody>
+      </p:sp>
+      <p:sp>
+        <p:nvSpPr>
+          <p:cNvPr id="13" name="正方形/長方形 12"/>
+          <p:cNvSpPr/>
+          <p:nvPr/>
+        </p:nvSpPr>
+        <p:spPr>
+          <a:xfrm>
+            <a:off x="2495666" y="1441381"/>
+            <a:ext cx="2641599" cy="216551"/>
+          </a:xfrm>
+          <a:prstGeom prst="rect">
+            <a:avLst/>
+          </a:prstGeom>
+          <a:noFill/>
+          <a:ln>
+            <a:solidFill>
+              <a:schemeClr val="tx1"/>
+            </a:solidFill>
+          </a:ln>
+        </p:spPr>
+        <p:style>
+          <a:lnRef idx="2">
+            <a:schemeClr val="accent1">
+              <a:shade val="50000"/>
+            </a:schemeClr>
+          </a:lnRef>
+          <a:fillRef idx="1">
+            <a:schemeClr val="accent1"/>
+          </a:fillRef>
+          <a:effectRef idx="0">
+            <a:schemeClr val="accent1"/>
+          </a:effectRef>
+          <a:fontRef idx="minor">
+            <a:schemeClr val="lt1"/>
+          </a:fontRef>
+        </p:style>
+        <p:txBody>
+          <a:bodyPr rtlCol="0" anchor="ctr"/>
+          <a:lstStyle/>
+          <a:p>
+            <a:pPr algn="ctr"/>
+            <a:endParaRPr kumimoji="1" lang="ja-JP" altLang="en-US" sz="1200" dirty="0">
+              <a:latin typeface="Meiryo UI" panose="020B0604030504040204" pitchFamily="50" charset="-128"/>
+              <a:ea typeface="Meiryo UI" panose="020B0604030504040204" pitchFamily="50" charset="-128"/>
+            </a:endParaRPr>
+          </a:p>
+        </p:txBody>
+      </p:sp>
+      <p:cxnSp>
+        <p:nvCxnSpPr>
+          <p:cNvPr id="11" name="直線コネクタ 10"/>
+          <p:cNvCxnSpPr/>
+          <p:nvPr/>
+        </p:nvCxnSpPr>
+        <p:spPr>
+          <a:xfrm>
+            <a:off x="838200" y="2003374"/>
+            <a:ext cx="6102927" cy="16619"/>
+          </a:xfrm>
+          <a:prstGeom prst="line">
+            <a:avLst/>
+          </a:prstGeom>
+        </p:spPr>
+        <p:style>
+          <a:lnRef idx="1">
+            <a:schemeClr val="dk1"/>
+          </a:lnRef>
+          <a:fillRef idx="0">
+            <a:schemeClr val="dk1"/>
+          </a:fillRef>
+          <a:effectRef idx="0">
+            <a:schemeClr val="dk1"/>
+          </a:effectRef>
+          <a:fontRef idx="minor">
+            <a:schemeClr val="tx1"/>
+          </a:fontRef>
+        </p:style>
+      </p:cxnSp>
+      <p:sp>
+        <p:nvSpPr>
+          <p:cNvPr id="16" name="正方形/長方形 15"/>
+          <p:cNvSpPr/>
+          <p:nvPr/>
+        </p:nvSpPr>
+        <p:spPr>
+          <a:xfrm>
+            <a:off x="5404657" y="4820936"/>
+            <a:ext cx="1438101" cy="399011"/>
+          </a:xfrm>
+          <a:prstGeom prst="rect">
+            <a:avLst/>
+          </a:prstGeom>
+          <a:noFill/>
+          <a:ln w="19050">
+            <a:solidFill>
+              <a:schemeClr val="tx1"/>
+            </a:solidFill>
+          </a:ln>
+        </p:spPr>
+        <p:style>
+          <a:lnRef idx="2">
+            <a:schemeClr val="accent1">
+              <a:shade val="50000"/>
+            </a:schemeClr>
+          </a:lnRef>
+          <a:fillRef idx="1">
+            <a:schemeClr val="accent1"/>
+          </a:fillRef>
+          <a:effectRef idx="0">
+            <a:schemeClr val="accent1"/>
+          </a:effectRef>
+          <a:fontRef idx="minor">
+            <a:schemeClr val="lt1"/>
+          </a:fontRef>
+        </p:style>
+        <p:txBody>
+          <a:bodyPr rtlCol="0" anchor="ctr"/>
+          <a:lstStyle/>
+          <a:p>
+            <a:pPr algn="ctr"/>
+            <a:r>
+              <a:rPr kumimoji="1" lang="ja-JP" altLang="en-US" dirty="0" smtClean="0">
+                <a:solidFill>
+                  <a:schemeClr val="tx1"/>
+                </a:solidFill>
+                <a:latin typeface="Meiryo UI" panose="020B0604030504040204" pitchFamily="50" charset="-128"/>
+                <a:ea typeface="Meiryo UI" panose="020B0604030504040204" pitchFamily="50" charset="-128"/>
+              </a:rPr>
+              <a:t>閉じる</a:t>
+            </a:r>
+          </a:p>
+        </p:txBody>
+      </p:sp>
+      <p:sp>
+        <p:nvSpPr>
+          <p:cNvPr id="20" name="正方形/長方形 19"/>
+          <p:cNvSpPr/>
+          <p:nvPr/>
+        </p:nvSpPr>
+        <p:spPr>
+          <a:xfrm>
+            <a:off x="5404657" y="1491175"/>
+            <a:ext cx="1438101" cy="399011"/>
+          </a:xfrm>
+          <a:prstGeom prst="rect">
+            <a:avLst/>
+          </a:prstGeom>
+          <a:noFill/>
+          <a:ln w="19050">
+            <a:solidFill>
+              <a:schemeClr val="tx1"/>
+            </a:solidFill>
+          </a:ln>
+        </p:spPr>
+        <p:style>
+          <a:lnRef idx="2">
+            <a:schemeClr val="accent1">
+              <a:shade val="50000"/>
+            </a:schemeClr>
+          </a:lnRef>
+          <a:fillRef idx="1">
+            <a:schemeClr val="accent1"/>
+          </a:fillRef>
+          <a:effectRef idx="0">
+            <a:schemeClr val="accent1"/>
+          </a:effectRef>
+          <a:fontRef idx="minor">
+            <a:schemeClr val="lt1"/>
+          </a:fontRef>
+        </p:style>
+        <p:txBody>
+          <a:bodyPr rtlCol="0" anchor="ctr"/>
+          <a:lstStyle/>
+          <a:p>
+            <a:pPr algn="ctr"/>
+            <a:r>
+              <a:rPr kumimoji="1" lang="ja-JP" altLang="en-US" dirty="0" smtClean="0">
+                <a:solidFill>
+                  <a:schemeClr val="tx1"/>
+                </a:solidFill>
+                <a:latin typeface="Meiryo UI" panose="020B0604030504040204" pitchFamily="50" charset="-128"/>
+                <a:ea typeface="Meiryo UI" panose="020B0604030504040204" pitchFamily="50" charset="-128"/>
+              </a:rPr>
+              <a:t>検索</a:t>
+            </a:r>
+          </a:p>
+        </p:txBody>
+      </p:sp>
+      <p:sp>
+        <p:nvSpPr>
+          <p:cNvPr id="56" name="正方形/長方形 55"/>
+          <p:cNvSpPr/>
+          <p:nvPr/>
+        </p:nvSpPr>
+        <p:spPr>
+          <a:xfrm>
+            <a:off x="3791528" y="4820936"/>
+            <a:ext cx="1438101" cy="399011"/>
+          </a:xfrm>
+          <a:prstGeom prst="rect">
+            <a:avLst/>
+          </a:prstGeom>
+          <a:noFill/>
+          <a:ln w="19050">
+            <a:solidFill>
+              <a:schemeClr val="tx1"/>
+            </a:solidFill>
+          </a:ln>
+        </p:spPr>
+        <p:style>
+          <a:lnRef idx="2">
+            <a:schemeClr val="accent1">
+              <a:shade val="50000"/>
+            </a:schemeClr>
+          </a:lnRef>
+          <a:fillRef idx="1">
+            <a:schemeClr val="accent1"/>
+          </a:fillRef>
+          <a:effectRef idx="0">
+            <a:schemeClr val="accent1"/>
+          </a:effectRef>
+          <a:fontRef idx="minor">
+            <a:schemeClr val="lt1"/>
+          </a:fontRef>
+        </p:style>
+        <p:txBody>
+          <a:bodyPr rtlCol="0" anchor="ctr"/>
+          <a:lstStyle/>
+          <a:p>
+            <a:pPr algn="ctr"/>
+            <a:r>
+              <a:rPr kumimoji="1" lang="ja-JP" altLang="en-US" dirty="0" smtClean="0">
+                <a:solidFill>
+                  <a:schemeClr val="tx1"/>
+                </a:solidFill>
+                <a:latin typeface="Meiryo UI" panose="020B0604030504040204" pitchFamily="50" charset="-128"/>
+                <a:ea typeface="Meiryo UI" panose="020B0604030504040204" pitchFamily="50" charset="-128"/>
+              </a:rPr>
+              <a:t>確定</a:t>
+            </a:r>
+          </a:p>
+        </p:txBody>
+      </p:sp>
+      <p:sp>
+        <p:nvSpPr>
+          <p:cNvPr id="58" name="正方形/長方形 57"/>
+          <p:cNvSpPr/>
+          <p:nvPr/>
+        </p:nvSpPr>
+        <p:spPr>
+          <a:xfrm>
+            <a:off x="1005838" y="1669188"/>
+            <a:ext cx="1330037" cy="424095"/>
+          </a:xfrm>
+          <a:prstGeom prst="rect">
+            <a:avLst/>
+          </a:prstGeom>
+          <a:solidFill>
+            <a:schemeClr val="bg1"/>
+          </a:solidFill>
+          <a:ln>
+            <a:solidFill>
+              <a:schemeClr val="tx1"/>
+            </a:solidFill>
+          </a:ln>
+        </p:spPr>
+        <p:style>
+          <a:lnRef idx="2">
+            <a:schemeClr val="accent1">
+              <a:shade val="50000"/>
+            </a:schemeClr>
+          </a:lnRef>
+          <a:fillRef idx="1">
+            <a:schemeClr val="accent1"/>
+          </a:fillRef>
+          <a:effectRef idx="0">
+            <a:schemeClr val="accent1"/>
+          </a:effectRef>
+          <a:fontRef idx="minor">
+            <a:schemeClr val="lt1"/>
+          </a:fontRef>
+        </p:style>
+        <p:txBody>
+          <a:bodyPr rtlCol="0" anchor="ctr"/>
+          <a:lstStyle/>
+          <a:p>
+            <a:r>
+              <a:rPr kumimoji="1" lang="ja-JP" altLang="en-US" sz="1200" dirty="0" smtClean="0">
+                <a:solidFill>
+                  <a:schemeClr val="tx1"/>
+                </a:solidFill>
+                <a:latin typeface="Meiryo UI" panose="020B0604030504040204" pitchFamily="50" charset="-128"/>
+                <a:ea typeface="Meiryo UI" panose="020B0604030504040204" pitchFamily="50" charset="-128"/>
+              </a:rPr>
+              <a:t>社員コード</a:t>
+            </a:r>
+            <a:endParaRPr kumimoji="1" lang="en-US" altLang="ja-JP" sz="1200" dirty="0" smtClean="0">
+              <a:solidFill>
+                <a:schemeClr val="tx1"/>
+              </a:solidFill>
+              <a:latin typeface="Meiryo UI" panose="020B0604030504040204" pitchFamily="50" charset="-128"/>
+              <a:ea typeface="Meiryo UI" panose="020B0604030504040204" pitchFamily="50" charset="-128"/>
+            </a:endParaRPr>
+          </a:p>
+          <a:p>
+            <a:r>
+              <a:rPr lang="ja-JP" altLang="en-US" sz="1200" dirty="0" smtClean="0">
+                <a:solidFill>
+                  <a:schemeClr val="tx1"/>
+                </a:solidFill>
+                <a:latin typeface="Meiryo UI" panose="020B0604030504040204" pitchFamily="50" charset="-128"/>
+                <a:ea typeface="Meiryo UI" panose="020B0604030504040204" pitchFamily="50" charset="-128"/>
+              </a:rPr>
+              <a:t>社員カナ名</a:t>
+            </a:r>
+            <a:endParaRPr kumimoji="1" lang="ja-JP" altLang="en-US" sz="1200" dirty="0">
+              <a:solidFill>
+                <a:schemeClr val="tx1"/>
+              </a:solidFill>
+              <a:latin typeface="Meiryo UI" panose="020B0604030504040204" pitchFamily="50" charset="-128"/>
+              <a:ea typeface="Meiryo UI" panose="020B0604030504040204" pitchFamily="50" charset="-128"/>
+            </a:endParaRPr>
+          </a:p>
+        </p:txBody>
+      </p:sp>
+      <p:graphicFrame>
+        <p:nvGraphicFramePr>
+          <p:cNvPr id="59" name="表 58"/>
+          <p:cNvGraphicFramePr>
+            <a:graphicFrameLocks noGrp="1"/>
+          </p:cNvGraphicFramePr>
+          <p:nvPr>
+            <p:extLst>
+              <p:ext uri="{D42A27DB-BD31-4B8C-83A1-F6EECF244321}">
+                <p14:modId xmlns:p14="http://schemas.microsoft.com/office/powerpoint/2010/main" val="853874615"/>
+              </p:ext>
+            </p:extLst>
+          </p:nvPr>
+        </p:nvGraphicFramePr>
+        <p:xfrm>
+          <a:off x="1005838" y="2228174"/>
+          <a:ext cx="5836920" cy="2468071"/>
+        </p:xfrm>
+        <a:graphic>
+          <a:graphicData uri="http://schemas.openxmlformats.org/drawingml/2006/table">
+            <a:tbl>
+              <a:tblPr>
+                <a:tableStyleId>{073A0DAA-6AF3-43AB-8588-CEC1D06C72B9}</a:tableStyleId>
+              </a:tblPr>
+              <a:tblGrid>
+                <a:gridCol w="1065415">
+                  <a:extLst>
+                    <a:ext uri="{9D8B030D-6E8A-4147-A177-3AD203B41FA5}">
+                      <a16:colId xmlns:a16="http://schemas.microsoft.com/office/drawing/2014/main" val="3285164545"/>
+                    </a:ext>
+                  </a:extLst>
+                </a:gridCol>
+                <a:gridCol w="4771505">
+                  <a:extLst>
+                    <a:ext uri="{9D8B030D-6E8A-4147-A177-3AD203B41FA5}">
+                      <a16:colId xmlns:a16="http://schemas.microsoft.com/office/drawing/2014/main" val="889585061"/>
+                    </a:ext>
+                  </a:extLst>
+                </a:gridCol>
+              </a:tblGrid>
+              <a:tr h="252083">
+                <a:tc>
+                  <a:txBody>
+                    <a:bodyPr/>
+                    <a:lstStyle/>
+                    <a:p>
+                      <a:r>
+                        <a:rPr kumimoji="1" lang="ja-JP" altLang="en-US" sz="1200" dirty="0" smtClean="0">
+                          <a:latin typeface="Meiryo UI" panose="020B0604030504040204" pitchFamily="50" charset="-128"/>
+                          <a:ea typeface="Meiryo UI" panose="020B0604030504040204" pitchFamily="50" charset="-128"/>
+                        </a:rPr>
+                        <a:t>社員コード</a:t>
+                      </a:r>
+                      <a:endParaRPr kumimoji="1" lang="ja-JP" altLang="en-US" sz="1200" dirty="0">
+                        <a:latin typeface="Meiryo UI" panose="020B0604030504040204" pitchFamily="50" charset="-128"/>
+                        <a:ea typeface="Meiryo UI" panose="020B0604030504040204" pitchFamily="50" charset="-128"/>
+                      </a:endParaRPr>
+                    </a:p>
+                  </a:txBody>
+                  <a:tcPr>
+                    <a:lnL w="12700" cap="flat" cmpd="sng" algn="ctr">
+                      <a:solidFill>
+                        <a:schemeClr val="tx1"/>
+                      </a:solidFill>
+                      <a:prstDash val="solid"/>
+                      <a:round/>
+                      <a:headEnd type="none" w="med" len="med"/>
+                      <a:tailEnd type="none" w="med" len="med"/>
+                    </a:lnL>
+                    <a:lnR w="12700" cap="flat" cmpd="sng" algn="ctr">
+                      <a:solidFill>
+                        <a:schemeClr val="tx1"/>
+                      </a:solidFill>
+                      <a:prstDash val="solid"/>
+                      <a:round/>
+                      <a:headEnd type="none" w="med" len="med"/>
+                      <a:tailEnd type="none" w="med" len="med"/>
+                    </a:lnR>
+                    <a:lnT w="12700" cap="flat" cmpd="sng" algn="ctr">
+                      <a:solidFill>
+                        <a:schemeClr val="tx1"/>
+                      </a:solidFill>
+                      <a:prstDash val="solid"/>
+                      <a:round/>
+                      <a:headEnd type="none" w="med" len="med"/>
+                      <a:tailEnd type="none" w="med" len="med"/>
+                    </a:lnT>
+                    <a:lnB w="12700" cap="flat" cmpd="sng" algn="ctr">
+                      <a:solidFill>
+                        <a:schemeClr val="tx1"/>
+                      </a:solidFill>
+                      <a:prstDash val="solid"/>
+                      <a:round/>
+                      <a:headEnd type="none" w="med" len="med"/>
+                      <a:tailEnd type="none" w="med" len="med"/>
+                    </a:lnB>
+                    <a:noFill/>
+                  </a:tcPr>
+                </a:tc>
+                <a:tc>
+                  <a:txBody>
+                    <a:bodyPr/>
+                    <a:lstStyle/>
+                    <a:p>
+                      <a:r>
+                        <a:rPr kumimoji="1" lang="ja-JP" altLang="en-US" sz="1200" dirty="0" smtClean="0">
+                          <a:latin typeface="Meiryo UI" panose="020B0604030504040204" pitchFamily="50" charset="-128"/>
+                          <a:ea typeface="Meiryo UI" panose="020B0604030504040204" pitchFamily="50" charset="-128"/>
+                        </a:rPr>
+                        <a:t>社員カナ名</a:t>
+                      </a:r>
+                      <a:endParaRPr kumimoji="1" lang="ja-JP" altLang="en-US" sz="1200" dirty="0">
+                        <a:latin typeface="Meiryo UI" panose="020B0604030504040204" pitchFamily="50" charset="-128"/>
+                        <a:ea typeface="Meiryo UI" panose="020B0604030504040204" pitchFamily="50" charset="-128"/>
+                      </a:endParaRPr>
+                    </a:p>
+                  </a:txBody>
+                  <a:tcPr>
+                    <a:lnL w="12700" cap="flat" cmpd="sng" algn="ctr">
+                      <a:solidFill>
+                        <a:schemeClr val="tx1"/>
+                      </a:solidFill>
+                      <a:prstDash val="solid"/>
+                      <a:round/>
+                      <a:headEnd type="none" w="med" len="med"/>
+                      <a:tailEnd type="none" w="med" len="med"/>
+                    </a:lnL>
+                    <a:lnR w="12700" cap="flat" cmpd="sng" algn="ctr">
+                      <a:solidFill>
+                        <a:schemeClr val="tx1"/>
+                      </a:solidFill>
+                      <a:prstDash val="solid"/>
+                      <a:round/>
+                      <a:headEnd type="none" w="med" len="med"/>
+                      <a:tailEnd type="none" w="med" len="med"/>
+                    </a:lnR>
+                    <a:lnT w="12700" cap="flat" cmpd="sng" algn="ctr">
+                      <a:solidFill>
+                        <a:schemeClr val="tx1"/>
+                      </a:solidFill>
+                      <a:prstDash val="solid"/>
+                      <a:round/>
+                      <a:headEnd type="none" w="med" len="med"/>
+                      <a:tailEnd type="none" w="med" len="med"/>
+                    </a:lnT>
+                    <a:lnB w="12700" cap="flat" cmpd="sng" algn="ctr">
+                      <a:solidFill>
+                        <a:schemeClr val="tx1"/>
+                      </a:solidFill>
+                      <a:prstDash val="solid"/>
+                      <a:round/>
+                      <a:headEnd type="none" w="med" len="med"/>
+                      <a:tailEnd type="none" w="med" len="med"/>
+                    </a:lnB>
+                    <a:noFill/>
+                  </a:tcPr>
+                </a:tc>
+                <a:extLst>
+                  <a:ext uri="{0D108BD9-81ED-4DB2-BD59-A6C34878D82A}">
+                    <a16:rowId xmlns:a16="http://schemas.microsoft.com/office/drawing/2014/main" val="4078267585"/>
+                  </a:ext>
+                </a:extLst>
+              </a:tr>
+              <a:tr h="313393">
+                <a:tc>
+                  <a:txBody>
+                    <a:bodyPr/>
+                    <a:lstStyle/>
+                    <a:p>
+                      <a:r>
+                        <a:rPr kumimoji="1" lang="en-US" altLang="ja-JP" sz="1200" dirty="0" smtClean="0">
+                          <a:latin typeface="Meiryo UI" panose="020B0604030504040204" pitchFamily="50" charset="-128"/>
+                          <a:ea typeface="Meiryo UI" panose="020B0604030504040204" pitchFamily="50" charset="-128"/>
+                        </a:rPr>
+                        <a:t>000001</a:t>
+                      </a:r>
+                      <a:endParaRPr kumimoji="1" lang="ja-JP" altLang="en-US" sz="1200" dirty="0">
+                        <a:latin typeface="Meiryo UI" panose="020B0604030504040204" pitchFamily="50" charset="-128"/>
+                        <a:ea typeface="Meiryo UI" panose="020B0604030504040204" pitchFamily="50" charset="-128"/>
+                      </a:endParaRPr>
+                    </a:p>
+                  </a:txBody>
+                  <a:tcPr>
+                    <a:lnL w="12700" cap="flat" cmpd="sng" algn="ctr">
+                      <a:solidFill>
+                        <a:schemeClr val="tx1"/>
+                      </a:solidFill>
+                      <a:prstDash val="solid"/>
+                      <a:round/>
+                      <a:headEnd type="none" w="med" len="med"/>
+                      <a:tailEnd type="none" w="med" len="med"/>
+                    </a:lnL>
+                    <a:lnR w="12700" cap="flat" cmpd="sng" algn="ctr">
+                      <a:solidFill>
+                        <a:schemeClr val="tx1"/>
+                      </a:solidFill>
+                      <a:prstDash val="solid"/>
+                      <a:round/>
+                      <a:headEnd type="none" w="med" len="med"/>
+                      <a:tailEnd type="none" w="med" len="med"/>
+                    </a:lnR>
+                    <a:lnT w="12700" cap="flat" cmpd="sng" algn="ctr">
+                      <a:solidFill>
+                        <a:schemeClr val="tx1"/>
+                      </a:solidFill>
+                      <a:prstDash val="solid"/>
+                      <a:round/>
+                      <a:headEnd type="none" w="med" len="med"/>
+                      <a:tailEnd type="none" w="med" len="med"/>
+                    </a:lnT>
+                    <a:lnB w="12700" cap="flat" cmpd="sng" algn="ctr">
+                      <a:solidFill>
+                        <a:schemeClr val="tx1"/>
+                      </a:solidFill>
+                      <a:prstDash val="solid"/>
+                      <a:round/>
+                      <a:headEnd type="none" w="med" len="med"/>
+                      <a:tailEnd type="none" w="med" len="med"/>
+                    </a:lnB>
+                    <a:noFill/>
+                  </a:tcPr>
+                </a:tc>
+                <a:tc>
+                  <a:txBody>
+                    <a:bodyPr/>
+                    <a:lstStyle/>
+                    <a:p>
+                      <a:r>
+                        <a:rPr kumimoji="1" lang="ja-JP" altLang="en-US" sz="1200" dirty="0" smtClean="0">
+                          <a:latin typeface="Meiryo UI" panose="020B0604030504040204" pitchFamily="50" charset="-128"/>
+                          <a:ea typeface="Meiryo UI" panose="020B0604030504040204" pitchFamily="50" charset="-128"/>
+                        </a:rPr>
+                        <a:t>ﾃｽﾄ　ｲﾁﾛｳ</a:t>
+                      </a:r>
+                      <a:endParaRPr kumimoji="1" lang="ja-JP" altLang="en-US" sz="1200" dirty="0">
+                        <a:latin typeface="Meiryo UI" panose="020B0604030504040204" pitchFamily="50" charset="-128"/>
+                        <a:ea typeface="Meiryo UI" panose="020B0604030504040204" pitchFamily="50" charset="-128"/>
+                      </a:endParaRPr>
+                    </a:p>
+                  </a:txBody>
+                  <a:tcPr>
+                    <a:lnL w="12700" cap="flat" cmpd="sng" algn="ctr">
+                      <a:solidFill>
+                        <a:schemeClr val="tx1"/>
+                      </a:solidFill>
+                      <a:prstDash val="solid"/>
+                      <a:round/>
+                      <a:headEnd type="none" w="med" len="med"/>
+                      <a:tailEnd type="none" w="med" len="med"/>
+                    </a:lnL>
+                    <a:lnR w="12700" cap="flat" cmpd="sng" algn="ctr">
+                      <a:solidFill>
+                        <a:schemeClr val="tx1"/>
+                      </a:solidFill>
+                      <a:prstDash val="solid"/>
+                      <a:round/>
+                      <a:headEnd type="none" w="med" len="med"/>
+                      <a:tailEnd type="none" w="med" len="med"/>
+                    </a:lnR>
+                    <a:lnT w="12700" cap="flat" cmpd="sng" algn="ctr">
+                      <a:solidFill>
+                        <a:schemeClr val="tx1"/>
+                      </a:solidFill>
+                      <a:prstDash val="solid"/>
+                      <a:round/>
+                      <a:headEnd type="none" w="med" len="med"/>
+                      <a:tailEnd type="none" w="med" len="med"/>
+                    </a:lnT>
+                    <a:lnB w="12700" cap="flat" cmpd="sng" algn="ctr">
+                      <a:solidFill>
+                        <a:schemeClr val="tx1"/>
+                      </a:solidFill>
+                      <a:prstDash val="solid"/>
+                      <a:round/>
+                      <a:headEnd type="none" w="med" len="med"/>
+                      <a:tailEnd type="none" w="med" len="med"/>
+                    </a:lnB>
+                    <a:noFill/>
+                  </a:tcPr>
+                </a:tc>
+                <a:extLst>
+                  <a:ext uri="{0D108BD9-81ED-4DB2-BD59-A6C34878D82A}">
+                    <a16:rowId xmlns:a16="http://schemas.microsoft.com/office/drawing/2014/main" val="3554411009"/>
+                  </a:ext>
+                </a:extLst>
+              </a:tr>
+              <a:tr h="313393">
+                <a:tc>
+                  <a:txBody>
+                    <a:bodyPr/>
+                    <a:lstStyle/>
+                    <a:p>
+                      <a:r>
+                        <a:rPr kumimoji="1" lang="en-US" altLang="ja-JP" sz="1200" dirty="0" smtClean="0">
+                          <a:latin typeface="Meiryo UI" panose="020B0604030504040204" pitchFamily="50" charset="-128"/>
+                          <a:ea typeface="Meiryo UI" panose="020B0604030504040204" pitchFamily="50" charset="-128"/>
+                        </a:rPr>
+                        <a:t>999998</a:t>
+                      </a:r>
+                      <a:endParaRPr kumimoji="1" lang="ja-JP" altLang="en-US" sz="1200" dirty="0">
+                        <a:latin typeface="Meiryo UI" panose="020B0604030504040204" pitchFamily="50" charset="-128"/>
+                        <a:ea typeface="Meiryo UI" panose="020B0604030504040204" pitchFamily="50" charset="-128"/>
+                      </a:endParaRPr>
+                    </a:p>
+                  </a:txBody>
+                  <a:tcPr>
+                    <a:lnL w="12700" cap="flat" cmpd="sng" algn="ctr">
+                      <a:solidFill>
+                        <a:schemeClr val="tx1"/>
+                      </a:solidFill>
+                      <a:prstDash val="solid"/>
+                      <a:round/>
+                      <a:headEnd type="none" w="med" len="med"/>
+                      <a:tailEnd type="none" w="med" len="med"/>
+                    </a:lnL>
+                    <a:lnR w="12700" cap="flat" cmpd="sng" algn="ctr">
+                      <a:solidFill>
+                        <a:schemeClr val="tx1"/>
+                      </a:solidFill>
+                      <a:prstDash val="solid"/>
+                      <a:round/>
+                      <a:headEnd type="none" w="med" len="med"/>
+                      <a:tailEnd type="none" w="med" len="med"/>
+                    </a:lnR>
+                    <a:lnT w="12700" cap="flat" cmpd="sng" algn="ctr">
+                      <a:solidFill>
+                        <a:schemeClr val="tx1"/>
+                      </a:solidFill>
+                      <a:prstDash val="solid"/>
+                      <a:round/>
+                      <a:headEnd type="none" w="med" len="med"/>
+                      <a:tailEnd type="none" w="med" len="med"/>
+                    </a:lnT>
+                    <a:lnB w="12700" cap="flat" cmpd="sng" algn="ctr">
+                      <a:solidFill>
+                        <a:schemeClr val="tx1"/>
+                      </a:solidFill>
+                      <a:prstDash val="solid"/>
+                      <a:round/>
+                      <a:headEnd type="none" w="med" len="med"/>
+                      <a:tailEnd type="none" w="med" len="med"/>
+                    </a:lnB>
+                    <a:noFill/>
+                  </a:tcPr>
+                </a:tc>
+                <a:tc>
+                  <a:txBody>
+                    <a:bodyPr/>
+                    <a:lstStyle/>
+                    <a:p>
+                      <a:r>
+                        <a:rPr kumimoji="1" lang="ja-JP" altLang="en-US" sz="1200" dirty="0" smtClean="0">
+                          <a:latin typeface="Meiryo UI" panose="020B0604030504040204" pitchFamily="50" charset="-128"/>
+                          <a:ea typeface="Meiryo UI" panose="020B0604030504040204" pitchFamily="50" charset="-128"/>
+                        </a:rPr>
+                        <a:t>ﾃｽﾄ　ｼﾞﾛｳ</a:t>
+                      </a:r>
+                      <a:endParaRPr kumimoji="1" lang="ja-JP" altLang="en-US" sz="1200" dirty="0">
+                        <a:latin typeface="Meiryo UI" panose="020B0604030504040204" pitchFamily="50" charset="-128"/>
+                        <a:ea typeface="Meiryo UI" panose="020B0604030504040204" pitchFamily="50" charset="-128"/>
+                      </a:endParaRPr>
+                    </a:p>
+                  </a:txBody>
+                  <a:tcPr>
+                    <a:lnL w="12700" cap="flat" cmpd="sng" algn="ctr">
+                      <a:solidFill>
+                        <a:schemeClr val="tx1"/>
+                      </a:solidFill>
+                      <a:prstDash val="solid"/>
+                      <a:round/>
+                      <a:headEnd type="none" w="med" len="med"/>
+                      <a:tailEnd type="none" w="med" len="med"/>
+                    </a:lnL>
+                    <a:lnR w="12700" cap="flat" cmpd="sng" algn="ctr">
+                      <a:solidFill>
+                        <a:schemeClr val="tx1"/>
+                      </a:solidFill>
+                      <a:prstDash val="solid"/>
+                      <a:round/>
+                      <a:headEnd type="none" w="med" len="med"/>
+                      <a:tailEnd type="none" w="med" len="med"/>
+                    </a:lnR>
+                    <a:lnT w="12700" cap="flat" cmpd="sng" algn="ctr">
+                      <a:solidFill>
+                        <a:schemeClr val="tx1"/>
+                      </a:solidFill>
+                      <a:prstDash val="solid"/>
+                      <a:round/>
+                      <a:headEnd type="none" w="med" len="med"/>
+                      <a:tailEnd type="none" w="med" len="med"/>
+                    </a:lnT>
+                    <a:lnB w="12700" cap="flat" cmpd="sng" algn="ctr">
+                      <a:solidFill>
+                        <a:schemeClr val="tx1"/>
+                      </a:solidFill>
+                      <a:prstDash val="solid"/>
+                      <a:round/>
+                      <a:headEnd type="none" w="med" len="med"/>
+                      <a:tailEnd type="none" w="med" len="med"/>
+                    </a:lnB>
+                    <a:noFill/>
+                  </a:tcPr>
+                </a:tc>
+                <a:extLst>
+                  <a:ext uri="{0D108BD9-81ED-4DB2-BD59-A6C34878D82A}">
+                    <a16:rowId xmlns:a16="http://schemas.microsoft.com/office/drawing/2014/main" val="1800246411"/>
+                  </a:ext>
+                </a:extLst>
+              </a:tr>
+              <a:tr h="313393">
+                <a:tc>
+                  <a:txBody>
+                    <a:bodyPr/>
+                    <a:lstStyle/>
+                    <a:p>
+                      <a:endParaRPr kumimoji="1" lang="ja-JP" altLang="en-US" sz="1200">
+                        <a:latin typeface="Meiryo UI" panose="020B0604030504040204" pitchFamily="50" charset="-128"/>
+                        <a:ea typeface="Meiryo UI" panose="020B0604030504040204" pitchFamily="50" charset="-128"/>
+                      </a:endParaRPr>
+                    </a:p>
+                  </a:txBody>
+                  <a:tcPr>
+                    <a:lnL w="12700" cap="flat" cmpd="sng" algn="ctr">
+                      <a:solidFill>
+                        <a:schemeClr val="tx1"/>
+                      </a:solidFill>
+                      <a:prstDash val="solid"/>
+                      <a:round/>
+                      <a:headEnd type="none" w="med" len="med"/>
+                      <a:tailEnd type="none" w="med" len="med"/>
+                    </a:lnL>
+                    <a:lnR w="12700" cap="flat" cmpd="sng" algn="ctr">
+                      <a:solidFill>
+                        <a:schemeClr val="tx1"/>
+                      </a:solidFill>
+                      <a:prstDash val="solid"/>
+                      <a:round/>
+                      <a:headEnd type="none" w="med" len="med"/>
+                      <a:tailEnd type="none" w="med" len="med"/>
+                    </a:lnR>
+                    <a:lnT w="12700" cap="flat" cmpd="sng" algn="ctr">
+                      <a:solidFill>
+                        <a:schemeClr val="tx1"/>
+                      </a:solidFill>
+                      <a:prstDash val="solid"/>
+                      <a:round/>
+                      <a:headEnd type="none" w="med" len="med"/>
+                      <a:tailEnd type="none" w="med" len="med"/>
+                    </a:lnT>
+                    <a:lnB w="12700" cap="flat" cmpd="sng" algn="ctr">
+                      <a:solidFill>
+                        <a:schemeClr val="tx1"/>
+                      </a:solidFill>
+                      <a:prstDash val="solid"/>
+                      <a:round/>
+                      <a:headEnd type="none" w="med" len="med"/>
+                      <a:tailEnd type="none" w="med" len="med"/>
+                    </a:lnB>
+                    <a:noFill/>
+                  </a:tcPr>
+                </a:tc>
+                <a:tc>
+                  <a:txBody>
+                    <a:bodyPr/>
+                    <a:lstStyle/>
+                    <a:p>
+                      <a:endParaRPr kumimoji="1" lang="ja-JP" altLang="en-US" sz="1200" dirty="0">
+                        <a:latin typeface="Meiryo UI" panose="020B0604030504040204" pitchFamily="50" charset="-128"/>
+                        <a:ea typeface="Meiryo UI" panose="020B0604030504040204" pitchFamily="50" charset="-128"/>
+                      </a:endParaRPr>
+                    </a:p>
+                  </a:txBody>
+                  <a:tcPr>
+                    <a:lnL w="12700" cap="flat" cmpd="sng" algn="ctr">
+                      <a:solidFill>
+                        <a:schemeClr val="tx1"/>
+                      </a:solidFill>
+                      <a:prstDash val="solid"/>
+                      <a:round/>
+                      <a:headEnd type="none" w="med" len="med"/>
+                      <a:tailEnd type="none" w="med" len="med"/>
+                    </a:lnL>
+                    <a:lnR w="12700" cap="flat" cmpd="sng" algn="ctr">
+                      <a:solidFill>
+                        <a:schemeClr val="tx1"/>
+                      </a:solidFill>
+                      <a:prstDash val="solid"/>
+                      <a:round/>
+                      <a:headEnd type="none" w="med" len="med"/>
+                      <a:tailEnd type="none" w="med" len="med"/>
+                    </a:lnR>
+                    <a:lnT w="12700" cap="flat" cmpd="sng" algn="ctr">
+                      <a:solidFill>
+                        <a:schemeClr val="tx1"/>
+                      </a:solidFill>
+                      <a:prstDash val="solid"/>
+                      <a:round/>
+                      <a:headEnd type="none" w="med" len="med"/>
+                      <a:tailEnd type="none" w="med" len="med"/>
+                    </a:lnT>
+                    <a:lnB w="12700" cap="flat" cmpd="sng" algn="ctr">
+                      <a:solidFill>
+                        <a:schemeClr val="tx1"/>
+                      </a:solidFill>
+                      <a:prstDash val="solid"/>
+                      <a:round/>
+                      <a:headEnd type="none" w="med" len="med"/>
+                      <a:tailEnd type="none" w="med" len="med"/>
+                    </a:lnB>
+                    <a:noFill/>
+                  </a:tcPr>
+                </a:tc>
+                <a:extLst>
+                  <a:ext uri="{0D108BD9-81ED-4DB2-BD59-A6C34878D82A}">
+                    <a16:rowId xmlns:a16="http://schemas.microsoft.com/office/drawing/2014/main" val="3735267535"/>
+                  </a:ext>
+                </a:extLst>
+              </a:tr>
+              <a:tr h="313393">
+                <a:tc>
+                  <a:txBody>
+                    <a:bodyPr/>
+                    <a:lstStyle/>
+                    <a:p>
+                      <a:endParaRPr kumimoji="1" lang="ja-JP" altLang="en-US" sz="1200" dirty="0">
+                        <a:latin typeface="Meiryo UI" panose="020B0604030504040204" pitchFamily="50" charset="-128"/>
+                        <a:ea typeface="Meiryo UI" panose="020B0604030504040204" pitchFamily="50" charset="-128"/>
+                      </a:endParaRPr>
+                    </a:p>
+                  </a:txBody>
+                  <a:tcPr>
+                    <a:lnL w="12700" cap="flat" cmpd="sng" algn="ctr">
+                      <a:solidFill>
+                        <a:schemeClr val="tx1"/>
+                      </a:solidFill>
+                      <a:prstDash val="solid"/>
+                      <a:round/>
+                      <a:headEnd type="none" w="med" len="med"/>
+                      <a:tailEnd type="none" w="med" len="med"/>
+                    </a:lnL>
+                    <a:lnR w="12700" cap="flat" cmpd="sng" algn="ctr">
+                      <a:solidFill>
+                        <a:schemeClr val="tx1"/>
+                      </a:solidFill>
+                      <a:prstDash val="solid"/>
+                      <a:round/>
+                      <a:headEnd type="none" w="med" len="med"/>
+                      <a:tailEnd type="none" w="med" len="med"/>
+                    </a:lnR>
+                    <a:lnT w="12700" cap="flat" cmpd="sng" algn="ctr">
+                      <a:solidFill>
+                        <a:schemeClr val="tx1"/>
+                      </a:solidFill>
+                      <a:prstDash val="solid"/>
+                      <a:round/>
+                      <a:headEnd type="none" w="med" len="med"/>
+                      <a:tailEnd type="none" w="med" len="med"/>
+                    </a:lnT>
+                    <a:lnB w="12700" cap="flat" cmpd="sng" algn="ctr">
+                      <a:solidFill>
+                        <a:schemeClr val="tx1"/>
+                      </a:solidFill>
+                      <a:prstDash val="solid"/>
+                      <a:round/>
+                      <a:headEnd type="none" w="med" len="med"/>
+                      <a:tailEnd type="none" w="med" len="med"/>
+                    </a:lnB>
+                    <a:noFill/>
+                  </a:tcPr>
+                </a:tc>
+                <a:tc>
+                  <a:txBody>
+                    <a:bodyPr/>
+                    <a:lstStyle/>
+                    <a:p>
+                      <a:endParaRPr kumimoji="1" lang="ja-JP" altLang="en-US" sz="1200" dirty="0">
+                        <a:latin typeface="Meiryo UI" panose="020B0604030504040204" pitchFamily="50" charset="-128"/>
+                        <a:ea typeface="Meiryo UI" panose="020B0604030504040204" pitchFamily="50" charset="-128"/>
+                      </a:endParaRPr>
+                    </a:p>
+                  </a:txBody>
+                  <a:tcPr>
+                    <a:lnL w="12700" cap="flat" cmpd="sng" algn="ctr">
+                      <a:solidFill>
+                        <a:schemeClr val="tx1"/>
+                      </a:solidFill>
+                      <a:prstDash val="solid"/>
+                      <a:round/>
+                      <a:headEnd type="none" w="med" len="med"/>
+                      <a:tailEnd type="none" w="med" len="med"/>
+                    </a:lnL>
+                    <a:lnR w="12700" cap="flat" cmpd="sng" algn="ctr">
+                      <a:solidFill>
+                        <a:schemeClr val="tx1"/>
+                      </a:solidFill>
+                      <a:prstDash val="solid"/>
+                      <a:round/>
+                      <a:headEnd type="none" w="med" len="med"/>
+                      <a:tailEnd type="none" w="med" len="med"/>
+                    </a:lnR>
+                    <a:lnT w="12700" cap="flat" cmpd="sng" algn="ctr">
+                      <a:solidFill>
+                        <a:schemeClr val="tx1"/>
+                      </a:solidFill>
+                      <a:prstDash val="solid"/>
+                      <a:round/>
+                      <a:headEnd type="none" w="med" len="med"/>
+                      <a:tailEnd type="none" w="med" len="med"/>
+                    </a:lnT>
+                    <a:lnB w="12700" cap="flat" cmpd="sng" algn="ctr">
+                      <a:solidFill>
+                        <a:schemeClr val="tx1"/>
+                      </a:solidFill>
+                      <a:prstDash val="solid"/>
+                      <a:round/>
+                      <a:headEnd type="none" w="med" len="med"/>
+                      <a:tailEnd type="none" w="med" len="med"/>
+                    </a:lnB>
+                    <a:noFill/>
+                  </a:tcPr>
+                </a:tc>
+                <a:extLst>
+                  <a:ext uri="{0D108BD9-81ED-4DB2-BD59-A6C34878D82A}">
+                    <a16:rowId xmlns:a16="http://schemas.microsoft.com/office/drawing/2014/main" val="411822011"/>
+                  </a:ext>
+                </a:extLst>
+              </a:tr>
+              <a:tr h="313393">
+                <a:tc>
+                  <a:txBody>
+                    <a:bodyPr/>
+                    <a:lstStyle/>
+                    <a:p>
+                      <a:endParaRPr kumimoji="1" lang="ja-JP" altLang="en-US" sz="1200">
+                        <a:latin typeface="Meiryo UI" panose="020B0604030504040204" pitchFamily="50" charset="-128"/>
+                        <a:ea typeface="Meiryo UI" panose="020B0604030504040204" pitchFamily="50" charset="-128"/>
+                      </a:endParaRPr>
+                    </a:p>
+                  </a:txBody>
+                  <a:tcPr>
+                    <a:lnL w="12700" cap="flat" cmpd="sng" algn="ctr">
+                      <a:solidFill>
+                        <a:schemeClr val="tx1"/>
+                      </a:solidFill>
+                      <a:prstDash val="solid"/>
+                      <a:round/>
+                      <a:headEnd type="none" w="med" len="med"/>
+                      <a:tailEnd type="none" w="med" len="med"/>
+                    </a:lnL>
+                    <a:lnR w="12700" cap="flat" cmpd="sng" algn="ctr">
+                      <a:solidFill>
+                        <a:schemeClr val="tx1"/>
+                      </a:solidFill>
+                      <a:prstDash val="solid"/>
+                      <a:round/>
+                      <a:headEnd type="none" w="med" len="med"/>
+                      <a:tailEnd type="none" w="med" len="med"/>
+                    </a:lnR>
+                    <a:lnT w="12700" cap="flat" cmpd="sng" algn="ctr">
+                      <a:solidFill>
+                        <a:schemeClr val="tx1"/>
+                      </a:solidFill>
+                      <a:prstDash val="solid"/>
+                      <a:round/>
+                      <a:headEnd type="none" w="med" len="med"/>
+                      <a:tailEnd type="none" w="med" len="med"/>
+                    </a:lnT>
+                    <a:lnB w="12700" cap="flat" cmpd="sng" algn="ctr">
+                      <a:solidFill>
+                        <a:schemeClr val="tx1"/>
+                      </a:solidFill>
+                      <a:prstDash val="solid"/>
+                      <a:round/>
+                      <a:headEnd type="none" w="med" len="med"/>
+                      <a:tailEnd type="none" w="med" len="med"/>
+                    </a:lnB>
+                    <a:noFill/>
+                  </a:tcPr>
+                </a:tc>
+                <a:tc>
+                  <a:txBody>
+                    <a:bodyPr/>
+                    <a:lstStyle/>
+                    <a:p>
+                      <a:endParaRPr kumimoji="1" lang="ja-JP" altLang="en-US" sz="1200" dirty="0">
+                        <a:latin typeface="Meiryo UI" panose="020B0604030504040204" pitchFamily="50" charset="-128"/>
+                        <a:ea typeface="Meiryo UI" panose="020B0604030504040204" pitchFamily="50" charset="-128"/>
+                      </a:endParaRPr>
+                    </a:p>
+                  </a:txBody>
+                  <a:tcPr>
+                    <a:lnL w="12700" cap="flat" cmpd="sng" algn="ctr">
+                      <a:solidFill>
+                        <a:schemeClr val="tx1"/>
+                      </a:solidFill>
+                      <a:prstDash val="solid"/>
+                      <a:round/>
+                      <a:headEnd type="none" w="med" len="med"/>
+                      <a:tailEnd type="none" w="med" len="med"/>
+                    </a:lnL>
+                    <a:lnR w="12700" cap="flat" cmpd="sng" algn="ctr">
+                      <a:solidFill>
+                        <a:schemeClr val="tx1"/>
+                      </a:solidFill>
+                      <a:prstDash val="solid"/>
+                      <a:round/>
+                      <a:headEnd type="none" w="med" len="med"/>
+                      <a:tailEnd type="none" w="med" len="med"/>
+                    </a:lnR>
+                    <a:lnT w="12700" cap="flat" cmpd="sng" algn="ctr">
+                      <a:solidFill>
+                        <a:schemeClr val="tx1"/>
+                      </a:solidFill>
+                      <a:prstDash val="solid"/>
+                      <a:round/>
+                      <a:headEnd type="none" w="med" len="med"/>
+                      <a:tailEnd type="none" w="med" len="med"/>
+                    </a:lnT>
+                    <a:lnB w="12700" cap="flat" cmpd="sng" algn="ctr">
+                      <a:solidFill>
+                        <a:schemeClr val="tx1"/>
+                      </a:solidFill>
+                      <a:prstDash val="solid"/>
+                      <a:round/>
+                      <a:headEnd type="none" w="med" len="med"/>
+                      <a:tailEnd type="none" w="med" len="med"/>
+                    </a:lnB>
+                    <a:noFill/>
+                  </a:tcPr>
+                </a:tc>
+                <a:extLst>
+                  <a:ext uri="{0D108BD9-81ED-4DB2-BD59-A6C34878D82A}">
+                    <a16:rowId xmlns:a16="http://schemas.microsoft.com/office/drawing/2014/main" val="972637536"/>
+                  </a:ext>
+                </a:extLst>
+              </a:tr>
+              <a:tr h="313393">
+                <a:tc>
+                  <a:txBody>
+                    <a:bodyPr/>
+                    <a:lstStyle/>
+                    <a:p>
+                      <a:endParaRPr kumimoji="1" lang="ja-JP" altLang="en-US" sz="1200">
+                        <a:latin typeface="Meiryo UI" panose="020B0604030504040204" pitchFamily="50" charset="-128"/>
+                        <a:ea typeface="Meiryo UI" panose="020B0604030504040204" pitchFamily="50" charset="-128"/>
+                      </a:endParaRPr>
+                    </a:p>
+                  </a:txBody>
+                  <a:tcPr>
+                    <a:lnL w="12700" cap="flat" cmpd="sng" algn="ctr">
+                      <a:solidFill>
+                        <a:schemeClr val="tx1"/>
+                      </a:solidFill>
+                      <a:prstDash val="solid"/>
+                      <a:round/>
+                      <a:headEnd type="none" w="med" len="med"/>
+                      <a:tailEnd type="none" w="med" len="med"/>
+                    </a:lnL>
+                    <a:lnR w="12700" cap="flat" cmpd="sng" algn="ctr">
+                      <a:solidFill>
+                        <a:schemeClr val="tx1"/>
+                      </a:solidFill>
+                      <a:prstDash val="solid"/>
+                      <a:round/>
+                      <a:headEnd type="none" w="med" len="med"/>
+                      <a:tailEnd type="none" w="med" len="med"/>
+                    </a:lnR>
+                    <a:lnT w="12700" cap="flat" cmpd="sng" algn="ctr">
+                      <a:solidFill>
+                        <a:schemeClr val="tx1"/>
+                      </a:solidFill>
+                      <a:prstDash val="solid"/>
+                      <a:round/>
+                      <a:headEnd type="none" w="med" len="med"/>
+                      <a:tailEnd type="none" w="med" len="med"/>
+                    </a:lnT>
+                    <a:lnB w="12700" cap="flat" cmpd="sng" algn="ctr">
+                      <a:solidFill>
+                        <a:schemeClr val="tx1"/>
+                      </a:solidFill>
+                      <a:prstDash val="solid"/>
+                      <a:round/>
+                      <a:headEnd type="none" w="med" len="med"/>
+                      <a:tailEnd type="none" w="med" len="med"/>
+                    </a:lnB>
+                    <a:noFill/>
+                  </a:tcPr>
+                </a:tc>
+                <a:tc>
+                  <a:txBody>
+                    <a:bodyPr/>
+                    <a:lstStyle/>
+                    <a:p>
+                      <a:endParaRPr kumimoji="1" lang="ja-JP" altLang="en-US" sz="1200" dirty="0">
+                        <a:latin typeface="Meiryo UI" panose="020B0604030504040204" pitchFamily="50" charset="-128"/>
+                        <a:ea typeface="Meiryo UI" panose="020B0604030504040204" pitchFamily="50" charset="-128"/>
+                      </a:endParaRPr>
+                    </a:p>
+                  </a:txBody>
+                  <a:tcPr>
+                    <a:lnL w="12700" cap="flat" cmpd="sng" algn="ctr">
+                      <a:solidFill>
+                        <a:schemeClr val="tx1"/>
+                      </a:solidFill>
+                      <a:prstDash val="solid"/>
+                      <a:round/>
+                      <a:headEnd type="none" w="med" len="med"/>
+                      <a:tailEnd type="none" w="med" len="med"/>
+                    </a:lnL>
+                    <a:lnR w="12700" cap="flat" cmpd="sng" algn="ctr">
+                      <a:solidFill>
+                        <a:schemeClr val="tx1"/>
+                      </a:solidFill>
+                      <a:prstDash val="solid"/>
+                      <a:round/>
+                      <a:headEnd type="none" w="med" len="med"/>
+                      <a:tailEnd type="none" w="med" len="med"/>
+                    </a:lnR>
+                    <a:lnT w="12700" cap="flat" cmpd="sng" algn="ctr">
+                      <a:solidFill>
+                        <a:schemeClr val="tx1"/>
+                      </a:solidFill>
+                      <a:prstDash val="solid"/>
+                      <a:round/>
+                      <a:headEnd type="none" w="med" len="med"/>
+                      <a:tailEnd type="none" w="med" len="med"/>
+                    </a:lnT>
+                    <a:lnB w="12700" cap="flat" cmpd="sng" algn="ctr">
+                      <a:solidFill>
+                        <a:schemeClr val="tx1"/>
+                      </a:solidFill>
+                      <a:prstDash val="solid"/>
+                      <a:round/>
+                      <a:headEnd type="none" w="med" len="med"/>
+                      <a:tailEnd type="none" w="med" len="med"/>
+                    </a:lnB>
+                    <a:noFill/>
+                  </a:tcPr>
+                </a:tc>
+                <a:extLst>
+                  <a:ext uri="{0D108BD9-81ED-4DB2-BD59-A6C34878D82A}">
+                    <a16:rowId xmlns:a16="http://schemas.microsoft.com/office/drawing/2014/main" val="2591016551"/>
+                  </a:ext>
+                </a:extLst>
+              </a:tr>
+              <a:tr h="313393">
+                <a:tc>
+                  <a:txBody>
+                    <a:bodyPr/>
+                    <a:lstStyle/>
+                    <a:p>
+                      <a:endParaRPr kumimoji="1" lang="ja-JP" altLang="en-US" sz="1200">
+                        <a:latin typeface="Meiryo UI" panose="020B0604030504040204" pitchFamily="50" charset="-128"/>
+                        <a:ea typeface="Meiryo UI" panose="020B0604030504040204" pitchFamily="50" charset="-128"/>
+                      </a:endParaRPr>
+                    </a:p>
+                  </a:txBody>
+                  <a:tcPr>
+                    <a:lnL w="12700" cap="flat" cmpd="sng" algn="ctr">
+                      <a:solidFill>
+                        <a:schemeClr val="tx1"/>
+                      </a:solidFill>
+                      <a:prstDash val="solid"/>
+                      <a:round/>
+                      <a:headEnd type="none" w="med" len="med"/>
+                      <a:tailEnd type="none" w="med" len="med"/>
+                    </a:lnL>
+                    <a:lnR w="12700" cap="flat" cmpd="sng" algn="ctr">
+                      <a:solidFill>
+                        <a:schemeClr val="tx1"/>
+                      </a:solidFill>
+                      <a:prstDash val="solid"/>
+                      <a:round/>
+                      <a:headEnd type="none" w="med" len="med"/>
+                      <a:tailEnd type="none" w="med" len="med"/>
+                    </a:lnR>
+                    <a:lnT w="12700" cap="flat" cmpd="sng" algn="ctr">
+                      <a:solidFill>
+                        <a:schemeClr val="tx1"/>
+                      </a:solidFill>
+                      <a:prstDash val="solid"/>
+                      <a:round/>
+                      <a:headEnd type="none" w="med" len="med"/>
+                      <a:tailEnd type="none" w="med" len="med"/>
+                    </a:lnT>
+                    <a:lnB w="12700" cap="flat" cmpd="sng" algn="ctr">
+                      <a:solidFill>
+                        <a:schemeClr val="tx1"/>
+                      </a:solidFill>
+                      <a:prstDash val="solid"/>
+                      <a:round/>
+                      <a:headEnd type="none" w="med" len="med"/>
+                      <a:tailEnd type="none" w="med" len="med"/>
+                    </a:lnB>
+                    <a:noFill/>
+                  </a:tcPr>
+                </a:tc>
+                <a:tc>
+                  <a:txBody>
+                    <a:bodyPr/>
+                    <a:lstStyle/>
+                    <a:p>
+                      <a:endParaRPr kumimoji="1" lang="ja-JP" altLang="en-US" sz="1200" dirty="0">
+                        <a:latin typeface="Meiryo UI" panose="020B0604030504040204" pitchFamily="50" charset="-128"/>
+                        <a:ea typeface="Meiryo UI" panose="020B0604030504040204" pitchFamily="50" charset="-128"/>
+                      </a:endParaRPr>
+                    </a:p>
+                  </a:txBody>
+                  <a:tcPr>
+                    <a:lnL w="12700" cap="flat" cmpd="sng" algn="ctr">
+                      <a:solidFill>
+                        <a:schemeClr val="tx1"/>
+                      </a:solidFill>
+                      <a:prstDash val="solid"/>
+                      <a:round/>
+                      <a:headEnd type="none" w="med" len="med"/>
+                      <a:tailEnd type="none" w="med" len="med"/>
+                    </a:lnL>
+                    <a:lnR w="12700" cap="flat" cmpd="sng" algn="ctr">
+                      <a:solidFill>
+                        <a:schemeClr val="tx1"/>
+                      </a:solidFill>
+                      <a:prstDash val="solid"/>
+                      <a:round/>
+                      <a:headEnd type="none" w="med" len="med"/>
+                      <a:tailEnd type="none" w="med" len="med"/>
+                    </a:lnR>
+                    <a:lnT w="12700" cap="flat" cmpd="sng" algn="ctr">
+                      <a:solidFill>
+                        <a:schemeClr val="tx1"/>
+                      </a:solidFill>
+                      <a:prstDash val="solid"/>
+                      <a:round/>
+                      <a:headEnd type="none" w="med" len="med"/>
+                      <a:tailEnd type="none" w="med" len="med"/>
+                    </a:lnT>
+                    <a:lnB w="12700" cap="flat" cmpd="sng" algn="ctr">
+                      <a:solidFill>
+                        <a:schemeClr val="tx1"/>
+                      </a:solidFill>
+                      <a:prstDash val="solid"/>
+                      <a:round/>
+                      <a:headEnd type="none" w="med" len="med"/>
+                      <a:tailEnd type="none" w="med" len="med"/>
+                    </a:lnB>
+                    <a:noFill/>
+                  </a:tcPr>
+                </a:tc>
+                <a:extLst>
+                  <a:ext uri="{0D108BD9-81ED-4DB2-BD59-A6C34878D82A}">
+                    <a16:rowId xmlns:a16="http://schemas.microsoft.com/office/drawing/2014/main" val="1717973562"/>
+                  </a:ext>
+                </a:extLst>
+              </a:tr>
+            </a:tbl>
+          </a:graphicData>
+        </a:graphic>
+      </p:graphicFrame>
+    </p:spTree>
+    <p:extLst>
+      <p:ext uri="{BB962C8B-B14F-4D97-AF65-F5344CB8AC3E}">
+        <p14:creationId xmlns:p14="http://schemas.microsoft.com/office/powerpoint/2010/main" val="2824467641"/>
+      </p:ext>
+    </p:extLst>
+  </p:cSld>
+  <p:clrMapOvr>
+    <a:masterClrMapping/>
+  </p:clrMapOvr>
+</p:sld>
+</file>
+
+<file path=ppt/slides/slide3.xml><?xml version="1.0" encoding="utf-8"?>
+<p:sld xmlns:a="http://schemas.openxmlformats.org/drawingml/2006/main" xmlns:r="http://schemas.openxmlformats.org/officeDocument/2006/relationships" xmlns:p="http://schemas.openxmlformats.org/presentationml/2006/main">
+  <p:cSld>
+    <p:spTree>
+      <p:nvGrpSpPr>
+        <p:cNvPr id="1" name=""/>
+        <p:cNvGrpSpPr/>
+        <p:nvPr/>
+      </p:nvGrpSpPr>
+      <p:grpSpPr>
+        <a:xfrm>
+          <a:off x="0" y="0"/>
+          <a:ext cx="0" cy="0"/>
+          <a:chOff x="0" y="0"/>
+          <a:chExt cx="0" cy="0"/>
+        </a:xfrm>
+      </p:grpSpPr>
+      <p:sp>
+        <p:nvSpPr>
+          <p:cNvPr id="3" name="サブタイトル 2"/>
+          <p:cNvSpPr>
+            <a:spLocks noGrp="1"/>
+          </p:cNvSpPr>
+          <p:nvPr>
+            <p:ph idx="1"/>
+          </p:nvPr>
+        </p:nvSpPr>
+        <p:spPr>
+          <a:xfrm>
+            <a:off x="440575" y="415639"/>
+            <a:ext cx="11305309" cy="5827227"/>
+          </a:xfrm>
+        </p:spPr>
+        <p:txBody>
+          <a:bodyPr>
+            <a:normAutofit/>
+          </a:bodyPr>
+          <a:lstStyle/>
+          <a:p>
+            <a:r>
+              <a:rPr lang="en-US" altLang="ja-JP" sz="1600" dirty="0" smtClean="0">
+                <a:latin typeface="Meiryo UI" panose="020B0604030504040204" pitchFamily="50" charset="-128"/>
+                <a:ea typeface="Meiryo UI" panose="020B0604030504040204" pitchFamily="50" charset="-128"/>
+              </a:rPr>
+              <a:t>3.</a:t>
+            </a:r>
+            <a:r>
+              <a:rPr lang="ja-JP" altLang="en-US" sz="1600" dirty="0" smtClean="0">
+                <a:latin typeface="Meiryo UI" panose="020B0604030504040204" pitchFamily="50" charset="-128"/>
+                <a:ea typeface="Meiryo UI" panose="020B0604030504040204" pitchFamily="50" charset="-128"/>
+              </a:rPr>
+              <a:t>新規・修正画面</a:t>
             </a:r>
             <a:endParaRPr lang="ja-JP" altLang="en-US" sz="1600" dirty="0">
               <a:latin typeface="Meiryo UI" panose="020B0604030504040204" pitchFamily="50" charset="-128"/>
@@ -5107,7 +6801,7 @@
           <a:p>
             <a:fld id="{E23E62CB-AE02-499E-8DF1-609F7D77B994}" type="datetime1">
               <a:rPr kumimoji="1" lang="ja-JP" altLang="en-US" smtClean="0"/>
-              <a:t>2020/12/25</a:t>
+              <a:t>2020/12/28</a:t>
             </a:fld>
             <a:endParaRPr kumimoji="1" lang="ja-JP" altLang="en-US" dirty="0"/>
           </a:p>
@@ -5130,7 +6824,7 @@
           <a:p>
             <a:fld id="{E0A911C0-B298-4FD6-9CB7-F1EE1E13C81F}" type="slidenum">
               <a:rPr kumimoji="1" lang="ja-JP" altLang="en-US" smtClean="0"/>
-              <a:t>2</a:t>
+              <a:t>3</a:t>
             </a:fld>
             <a:endParaRPr kumimoji="1" lang="ja-JP" altLang="en-US" dirty="0"/>
           </a:p>
@@ -5335,14 +7029,31 @@
                 <a:latin typeface="Meiryo UI" panose="020B0604030504040204" pitchFamily="50" charset="-128"/>
                 <a:ea typeface="Meiryo UI" panose="020B0604030504040204" pitchFamily="50" charset="-128"/>
               </a:rPr>
-              <a:t>テスト　一郎</a:t>
+              <a:t>テスト　</a:t>
+            </a:r>
+            <a:r>
+              <a:rPr kumimoji="1" lang="ja-JP" altLang="en-US" sz="1200" dirty="0" smtClean="0">
+                <a:solidFill>
+                  <a:schemeClr val="tx1"/>
+                </a:solidFill>
+                <a:latin typeface="Meiryo UI" panose="020B0604030504040204" pitchFamily="50" charset="-128"/>
+                <a:ea typeface="Meiryo UI" panose="020B0604030504040204" pitchFamily="50" charset="-128"/>
+              </a:rPr>
+              <a:t>イチロウ</a:t>
             </a:r>
             <a:r>
               <a:rPr kumimoji="1" lang="ja-JP" altLang="en-US" sz="1050" dirty="0" smtClean="0">
                 <a:latin typeface="Meiryo UI" panose="020B0604030504040204" pitchFamily="50" charset="-128"/>
                 <a:ea typeface="Meiryo UI" panose="020B0604030504040204" pitchFamily="50" charset="-128"/>
               </a:rPr>
-              <a:t>社員コード</a:t>
+              <a:t>社員</a:t>
+            </a:r>
+            <a:r>
+              <a:rPr kumimoji="1" lang="ja-JP" altLang="en-US" sz="1050" dirty="0" smtClean="0">
+                <a:latin typeface="Meiryo UI" panose="020B0604030504040204" pitchFamily="50" charset="-128"/>
+                <a:ea typeface="Meiryo UI" panose="020B0604030504040204" pitchFamily="50" charset="-128"/>
+              </a:rPr>
+              <a:t>コード</a:t>
             </a:r>
             <a:endParaRPr kumimoji="1" lang="ja-JP" altLang="en-US" sz="1050" dirty="0">
               <a:latin typeface="Meiryo UI" panose="020B0604030504040204" pitchFamily="50" charset="-128"/>
@@ -5599,7 +7310,7 @@
                 <a:latin typeface="Meiryo UI" panose="020B0604030504040204" pitchFamily="50" charset="-128"/>
                 <a:ea typeface="Meiryo UI" panose="020B0604030504040204" pitchFamily="50" charset="-128"/>
               </a:rPr>
-              <a:t>支店コード</a:t>
+              <a:t>支店カナ</a:t>
             </a:r>
             <a:endParaRPr kumimoji="1" lang="en-US" altLang="ja-JP" sz="1200" dirty="0" smtClean="0">
               <a:latin typeface="Meiryo UI" panose="020B0604030504040204" pitchFamily="50" charset="-128"/>
@@ -5825,7 +7536,7 @@
         <p:spPr>
           <a:xfrm>
             <a:off x="2572330" y="2822408"/>
-            <a:ext cx="619757" cy="216551"/>
+            <a:ext cx="894077" cy="216551"/>
           </a:xfrm>
           <a:prstGeom prst="rect">
             <a:avLst/>
@@ -5858,14 +7569,14 @@
           <a:lstStyle/>
           <a:p>
             <a:r>
-              <a:rPr kumimoji="1" lang="en-US" altLang="ja-JP" sz="1200" dirty="0" smtClean="0">
+              <a:rPr lang="en-US" altLang="ja-JP" sz="1200" dirty="0">
                 <a:solidFill>
                   <a:schemeClr val="tx1"/>
                 </a:solidFill>
                 <a:latin typeface="Meiryo UI" panose="020B0604030504040204" pitchFamily="50" charset="-128"/>
                 <a:ea typeface="Meiryo UI" panose="020B0604030504040204" pitchFamily="50" charset="-128"/>
               </a:rPr>
-              <a:t>1111</a:t>
+              <a:t>0005869</a:t>
             </a:r>
             <a:endParaRPr kumimoji="1" lang="ja-JP" altLang="en-US" sz="1200" dirty="0">
               <a:solidFill>
@@ -5893,9 +7604,7 @@
           </a:prstGeom>
           <a:noFill/>
           <a:ln>
-            <a:solidFill>
-              <a:schemeClr val="tx1"/>
-            </a:solidFill>
+            <a:noFill/>
           </a:ln>
         </p:spPr>
         <p:style>
@@ -5919,14 +7628,34 @@
           <a:lstStyle/>
           <a:p>
             <a:r>
-              <a:rPr kumimoji="1" lang="en-US" altLang="ja-JP" sz="1200" dirty="0" smtClean="0">
+              <a:rPr lang="ja-JP" altLang="en-US" sz="1200" dirty="0">
                 <a:solidFill>
                   <a:schemeClr val="tx1"/>
                 </a:solidFill>
                 <a:latin typeface="Meiryo UI" panose="020B0604030504040204" pitchFamily="50" charset="-128"/>
                 <a:ea typeface="Meiryo UI" panose="020B0604030504040204" pitchFamily="50" charset="-128"/>
               </a:rPr>
-              <a:t>1111</a:t>
+              <a:t>ﾐﾂﾋﾞｼﾕ</a:t>
+            </a:r>
+            <a:r>
+              <a:rPr lang="en-US" altLang="ja-JP" sz="1200" dirty="0">
+                <a:solidFill>
+                  <a:schemeClr val="tx1"/>
+                </a:solidFill>
+                <a:latin typeface="Meiryo UI" panose="020B0604030504040204" pitchFamily="50" charset="-128"/>
+                <a:ea typeface="Meiryo UI" panose="020B0604030504040204" pitchFamily="50" charset="-128"/>
+              </a:rPr>
+              <a:t>-</a:t>
+            </a:r>
+            <a:r>
+              <a:rPr lang="ja-JP" altLang="en-US" sz="1200" dirty="0">
+                <a:solidFill>
+                  <a:schemeClr val="tx1"/>
+                </a:solidFill>
+                <a:latin typeface="Meiryo UI" panose="020B0604030504040204" pitchFamily="50" charset="-128"/>
+                <a:ea typeface="Meiryo UI" panose="020B0604030504040204" pitchFamily="50" charset="-128"/>
+              </a:rPr>
+              <a:t>ｴﾌｼﾞｴｲ</a:t>
             </a:r>
             <a:endParaRPr kumimoji="1" lang="ja-JP" altLang="en-US" sz="1200" dirty="0">
               <a:solidFill>
@@ -5954,9 +7683,7 @@
           </a:prstGeom>
           <a:noFill/>
           <a:ln>
-            <a:solidFill>
-              <a:schemeClr val="tx1"/>
-            </a:solidFill>
+            <a:noFill/>
           </a:ln>
         </p:spPr>
         <p:style>
@@ -5980,14 +7707,14 @@
           <a:lstStyle/>
           <a:p>
             <a:r>
-              <a:rPr kumimoji="1" lang="en-US" altLang="ja-JP" sz="1200" dirty="0" smtClean="0">
+              <a:rPr lang="ja-JP" altLang="en-US" sz="1200" dirty="0">
                 <a:solidFill>
                   <a:schemeClr val="tx1"/>
                 </a:solidFill>
                 <a:latin typeface="Meiryo UI" panose="020B0604030504040204" pitchFamily="50" charset="-128"/>
                 <a:ea typeface="Meiryo UI" panose="020B0604030504040204" pitchFamily="50" charset="-128"/>
               </a:rPr>
-              <a:t>1111</a:t>
+              <a:t>ﾅﾂｸﾞﾓ</a:t>
             </a:r>
             <a:endParaRPr kumimoji="1" lang="ja-JP" altLang="en-US" sz="1200" dirty="0">
               <a:solidFill>
@@ -6069,7 +7796,7 @@
         <p:spPr>
           <a:xfrm>
             <a:off x="2572328" y="3930382"/>
-            <a:ext cx="320501" cy="216551"/>
+            <a:ext cx="894079" cy="216551"/>
           </a:xfrm>
           <a:prstGeom prst="rect">
             <a:avLst/>
@@ -6110,6 +7837,16 @@
                 <a:ea typeface="Meiryo UI" panose="020B0604030504040204" pitchFamily="50" charset="-128"/>
               </a:rPr>
               <a:t>1</a:t>
+            </a:r>
+            <a:r>
+              <a:rPr kumimoji="1" lang="ja-JP" altLang="en-US" sz="1200" dirty="0" smtClean="0">
+                <a:solidFill>
+                  <a:schemeClr val="tx1"/>
+                </a:solidFill>
+                <a:latin typeface="Meiryo UI" panose="020B0604030504040204" pitchFamily="50" charset="-128"/>
+                <a:ea typeface="Meiryo UI" panose="020B0604030504040204" pitchFamily="50" charset="-128"/>
+              </a:rPr>
+              <a:t>：普通▽</a:t>
             </a:r>
             <a:endParaRPr kumimoji="1" lang="ja-JP" altLang="en-US" sz="1200" dirty="0">
               <a:solidFill>
@@ -6320,7 +8057,7 @@
                 <a:latin typeface="Meiryo UI" panose="020B0604030504040204" pitchFamily="50" charset="-128"/>
                 <a:ea typeface="Meiryo UI" panose="020B0604030504040204" pitchFamily="50" charset="-128"/>
               </a:rPr>
-              <a:t>支店コード</a:t>
+              <a:t>支店カナ</a:t>
             </a:r>
             <a:endParaRPr kumimoji="1" lang="en-US" altLang="ja-JP" sz="1200" dirty="0" smtClean="0">
               <a:latin typeface="Meiryo UI" panose="020B0604030504040204" pitchFamily="50" charset="-128"/>
@@ -6590,108 +8327,6 @@
       </p:sp>
       <p:sp>
         <p:nvSpPr>
-          <p:cNvPr id="51" name="正方形/長方形 50"/>
-          <p:cNvSpPr/>
-          <p:nvPr/>
-        </p:nvSpPr>
-        <p:spPr>
-          <a:xfrm>
-            <a:off x="6697057" y="3191767"/>
-            <a:ext cx="1989976" cy="216551"/>
-          </a:xfrm>
-          <a:prstGeom prst="rect">
-            <a:avLst/>
-          </a:prstGeom>
-          <a:noFill/>
-          <a:ln>
-            <a:solidFill>
-              <a:schemeClr val="tx1"/>
-            </a:solidFill>
-          </a:ln>
-        </p:spPr>
-        <p:style>
-          <a:lnRef idx="2">
-            <a:schemeClr val="accent1">
-              <a:shade val="50000"/>
-            </a:schemeClr>
-          </a:lnRef>
-          <a:fillRef idx="1">
-            <a:schemeClr val="accent1"/>
-          </a:fillRef>
-          <a:effectRef idx="0">
-            <a:schemeClr val="accent1"/>
-          </a:effectRef>
-          <a:fontRef idx="minor">
-            <a:schemeClr val="lt1"/>
-          </a:fontRef>
-        </p:style>
-        <p:txBody>
-          <a:bodyPr rtlCol="0" anchor="ctr"/>
-          <a:lstStyle/>
-          <a:p>
-            <a:endParaRPr kumimoji="1" lang="ja-JP" altLang="en-US" sz="1200" dirty="0">
-              <a:solidFill>
-                <a:schemeClr val="tx1"/>
-              </a:solidFill>
-              <a:latin typeface="Meiryo UI" panose="020B0604030504040204" pitchFamily="50" charset="-128"/>
-              <a:ea typeface="Meiryo UI" panose="020B0604030504040204" pitchFamily="50" charset="-128"/>
-            </a:endParaRPr>
-          </a:p>
-        </p:txBody>
-      </p:sp>
-      <p:sp>
-        <p:nvSpPr>
-          <p:cNvPr id="52" name="正方形/長方形 51"/>
-          <p:cNvSpPr/>
-          <p:nvPr/>
-        </p:nvSpPr>
-        <p:spPr>
-          <a:xfrm>
-            <a:off x="6682973" y="3570156"/>
-            <a:ext cx="1989976" cy="216551"/>
-          </a:xfrm>
-          <a:prstGeom prst="rect">
-            <a:avLst/>
-          </a:prstGeom>
-          <a:noFill/>
-          <a:ln>
-            <a:solidFill>
-              <a:schemeClr val="tx1"/>
-            </a:solidFill>
-          </a:ln>
-        </p:spPr>
-        <p:style>
-          <a:lnRef idx="2">
-            <a:schemeClr val="accent1">
-              <a:shade val="50000"/>
-            </a:schemeClr>
-          </a:lnRef>
-          <a:fillRef idx="1">
-            <a:schemeClr val="accent1"/>
-          </a:fillRef>
-          <a:effectRef idx="0">
-            <a:schemeClr val="accent1"/>
-          </a:effectRef>
-          <a:fontRef idx="minor">
-            <a:schemeClr val="lt1"/>
-          </a:fontRef>
-        </p:style>
-        <p:txBody>
-          <a:bodyPr rtlCol="0" anchor="ctr"/>
-          <a:lstStyle/>
-          <a:p>
-            <a:endParaRPr kumimoji="1" lang="ja-JP" altLang="en-US" sz="1200" dirty="0">
-              <a:solidFill>
-                <a:schemeClr val="tx1"/>
-              </a:solidFill>
-              <a:latin typeface="Meiryo UI" panose="020B0604030504040204" pitchFamily="50" charset="-128"/>
-              <a:ea typeface="Meiryo UI" panose="020B0604030504040204" pitchFamily="50" charset="-128"/>
-            </a:endParaRPr>
-          </a:p>
-        </p:txBody>
-      </p:sp>
-      <p:sp>
-        <p:nvSpPr>
           <p:cNvPr id="53" name="正方形/長方形 52"/>
           <p:cNvSpPr/>
           <p:nvPr/>
@@ -6700,57 +8335,6 @@
           <a:xfrm>
             <a:off x="6682973" y="4256332"/>
             <a:ext cx="894079" cy="216551"/>
-          </a:xfrm>
-          <a:prstGeom prst="rect">
-            <a:avLst/>
-          </a:prstGeom>
-          <a:noFill/>
-          <a:ln>
-            <a:solidFill>
-              <a:schemeClr val="tx1"/>
-            </a:solidFill>
-          </a:ln>
-        </p:spPr>
-        <p:style>
-          <a:lnRef idx="2">
-            <a:schemeClr val="accent1">
-              <a:shade val="50000"/>
-            </a:schemeClr>
-          </a:lnRef>
-          <a:fillRef idx="1">
-            <a:schemeClr val="accent1"/>
-          </a:fillRef>
-          <a:effectRef idx="0">
-            <a:schemeClr val="accent1"/>
-          </a:effectRef>
-          <a:fontRef idx="minor">
-            <a:schemeClr val="lt1"/>
-          </a:fontRef>
-        </p:style>
-        <p:txBody>
-          <a:bodyPr rtlCol="0" anchor="ctr"/>
-          <a:lstStyle/>
-          <a:p>
-            <a:endParaRPr kumimoji="1" lang="ja-JP" altLang="en-US" sz="1200" dirty="0">
-              <a:solidFill>
-                <a:schemeClr val="tx1"/>
-              </a:solidFill>
-              <a:latin typeface="Meiryo UI" panose="020B0604030504040204" pitchFamily="50" charset="-128"/>
-              <a:ea typeface="Meiryo UI" panose="020B0604030504040204" pitchFamily="50" charset="-128"/>
-            </a:endParaRPr>
-          </a:p>
-        </p:txBody>
-      </p:sp>
-      <p:sp>
-        <p:nvSpPr>
-          <p:cNvPr id="54" name="正方形/長方形 53"/>
-          <p:cNvSpPr/>
-          <p:nvPr/>
-        </p:nvSpPr>
-        <p:spPr>
-          <a:xfrm>
-            <a:off x="6682973" y="3930382"/>
-            <a:ext cx="320501" cy="216551"/>
           </a:xfrm>
           <a:prstGeom prst="rect">
             <a:avLst/>
@@ -6898,10 +8482,621 @@
           </a:p>
         </p:txBody>
       </p:sp>
+      <p:sp>
+        <p:nvSpPr>
+          <p:cNvPr id="7" name="正方形/長方形 6"/>
+          <p:cNvSpPr/>
+          <p:nvPr/>
+        </p:nvSpPr>
+        <p:spPr>
+          <a:xfrm>
+            <a:off x="9253914" y="850990"/>
+            <a:ext cx="2666537" cy="946843"/>
+          </a:xfrm>
+          <a:prstGeom prst="rect">
+            <a:avLst/>
+          </a:prstGeom>
+          <a:noFill/>
+          <a:ln>
+            <a:solidFill>
+              <a:schemeClr val="tx1"/>
+            </a:solidFill>
+          </a:ln>
+        </p:spPr>
+        <p:style>
+          <a:lnRef idx="2">
+            <a:schemeClr val="accent1">
+              <a:shade val="50000"/>
+            </a:schemeClr>
+          </a:lnRef>
+          <a:fillRef idx="1">
+            <a:schemeClr val="accent1"/>
+          </a:fillRef>
+          <a:effectRef idx="0">
+            <a:schemeClr val="accent1"/>
+          </a:effectRef>
+          <a:fontRef idx="minor">
+            <a:schemeClr val="lt1"/>
+          </a:fontRef>
+        </p:style>
+        <p:txBody>
+          <a:bodyPr rtlCol="0" anchor="t" anchorCtr="0"/>
+          <a:lstStyle/>
+          <a:p>
+            <a:r>
+              <a:rPr kumimoji="1" lang="en-US" altLang="ja-JP" sz="1100" dirty="0" smtClean="0">
+                <a:solidFill>
+                  <a:schemeClr val="tx1"/>
+                </a:solidFill>
+                <a:latin typeface="Meiryo UI" panose="020B0604030504040204" pitchFamily="50" charset="-128"/>
+                <a:ea typeface="Meiryo UI" panose="020B0604030504040204" pitchFamily="50" charset="-128"/>
+              </a:rPr>
+              <a:t>【</a:t>
+            </a:r>
+            <a:r>
+              <a:rPr kumimoji="1" lang="ja-JP" altLang="en-US" sz="1100" dirty="0" smtClean="0">
+                <a:solidFill>
+                  <a:schemeClr val="tx1"/>
+                </a:solidFill>
+                <a:latin typeface="Meiryo UI" panose="020B0604030504040204" pitchFamily="50" charset="-128"/>
+                <a:ea typeface="Meiryo UI" panose="020B0604030504040204" pitchFamily="50" charset="-128"/>
+              </a:rPr>
+              <a:t>対象レコード</a:t>
+            </a:r>
+            <a:r>
+              <a:rPr kumimoji="1" lang="en-US" altLang="ja-JP" sz="1100" dirty="0" smtClean="0">
+                <a:solidFill>
+                  <a:schemeClr val="tx1"/>
+                </a:solidFill>
+                <a:latin typeface="Meiryo UI" panose="020B0604030504040204" pitchFamily="50" charset="-128"/>
+                <a:ea typeface="Meiryo UI" panose="020B0604030504040204" pitchFamily="50" charset="-128"/>
+              </a:rPr>
+              <a:t>】</a:t>
+            </a:r>
+          </a:p>
+          <a:p>
+            <a:r>
+              <a:rPr lang="ja-JP" altLang="en-US" sz="1100" dirty="0" smtClean="0">
+                <a:solidFill>
+                  <a:schemeClr val="tx1"/>
+                </a:solidFill>
+                <a:latin typeface="Meiryo UI" panose="020B0604030504040204" pitchFamily="50" charset="-128"/>
+                <a:ea typeface="Meiryo UI" panose="020B0604030504040204" pitchFamily="50" charset="-128"/>
+              </a:rPr>
+              <a:t>給与マスター</a:t>
+            </a:r>
+            <a:r>
+              <a:rPr lang="en-US" altLang="ja-JP" sz="1100" dirty="0" smtClean="0">
+                <a:solidFill>
+                  <a:schemeClr val="tx1"/>
+                </a:solidFill>
+                <a:latin typeface="Meiryo UI" panose="020B0604030504040204" pitchFamily="50" charset="-128"/>
+                <a:ea typeface="Meiryo UI" panose="020B0604030504040204" pitchFamily="50" charset="-128"/>
+              </a:rPr>
+              <a:t>.</a:t>
+            </a:r>
+            <a:r>
+              <a:rPr lang="ja-JP" altLang="en-US" sz="1100" dirty="0" smtClean="0">
+                <a:solidFill>
+                  <a:schemeClr val="tx1"/>
+                </a:solidFill>
+                <a:latin typeface="Meiryo UI" panose="020B0604030504040204" pitchFamily="50" charset="-128"/>
+                <a:ea typeface="Meiryo UI" panose="020B0604030504040204" pitchFamily="50" charset="-128"/>
+              </a:rPr>
+              <a:t>状態コード</a:t>
+            </a:r>
+            <a:r>
+              <a:rPr lang="en-US" altLang="ja-JP" sz="1100" dirty="0" smtClean="0">
+                <a:solidFill>
+                  <a:schemeClr val="tx1"/>
+                </a:solidFill>
+                <a:latin typeface="Meiryo UI" panose="020B0604030504040204" pitchFamily="50" charset="-128"/>
+                <a:ea typeface="Meiryo UI" panose="020B0604030504040204" pitchFamily="50" charset="-128"/>
+              </a:rPr>
+              <a:t>=</a:t>
+            </a:r>
+            <a:r>
+              <a:rPr lang="ja-JP" altLang="en-US" sz="1100" dirty="0" smtClean="0">
+                <a:solidFill>
+                  <a:schemeClr val="tx1"/>
+                </a:solidFill>
+                <a:latin typeface="Meiryo UI" panose="020B0604030504040204" pitchFamily="50" charset="-128"/>
+                <a:ea typeface="Meiryo UI" panose="020B0604030504040204" pitchFamily="50" charset="-128"/>
+              </a:rPr>
+              <a:t>空白</a:t>
+            </a:r>
+            <a:endParaRPr lang="en-US" altLang="ja-JP" sz="1100" dirty="0" smtClean="0">
+              <a:solidFill>
+                <a:schemeClr val="tx1"/>
+              </a:solidFill>
+              <a:latin typeface="Meiryo UI" panose="020B0604030504040204" pitchFamily="50" charset="-128"/>
+              <a:ea typeface="Meiryo UI" panose="020B0604030504040204" pitchFamily="50" charset="-128"/>
+            </a:endParaRPr>
+          </a:p>
+          <a:p>
+            <a:r>
+              <a:rPr lang="en-US" altLang="ja-JP" sz="1100" dirty="0" smtClean="0">
+                <a:solidFill>
+                  <a:schemeClr val="tx1"/>
+                </a:solidFill>
+                <a:latin typeface="Meiryo UI" panose="020B0604030504040204" pitchFamily="50" charset="-128"/>
+                <a:ea typeface="Meiryo UI" panose="020B0604030504040204" pitchFamily="50" charset="-128"/>
+              </a:rPr>
+              <a:t>AND</a:t>
+            </a:r>
+          </a:p>
+          <a:p>
+            <a:r>
+              <a:rPr kumimoji="1" lang="ja-JP" altLang="en-US" sz="1100" dirty="0" smtClean="0">
+                <a:solidFill>
+                  <a:schemeClr val="tx1"/>
+                </a:solidFill>
+                <a:latin typeface="Meiryo UI" panose="020B0604030504040204" pitchFamily="50" charset="-128"/>
+                <a:ea typeface="Meiryo UI" panose="020B0604030504040204" pitchFamily="50" charset="-128"/>
+              </a:rPr>
+              <a:t>給与振込口座マスター</a:t>
+            </a:r>
+            <a:r>
+              <a:rPr kumimoji="1" lang="en-US" altLang="ja-JP" sz="1100" dirty="0" smtClean="0">
+                <a:solidFill>
+                  <a:schemeClr val="tx1"/>
+                </a:solidFill>
+                <a:latin typeface="Meiryo UI" panose="020B0604030504040204" pitchFamily="50" charset="-128"/>
+                <a:ea typeface="Meiryo UI" panose="020B0604030504040204" pitchFamily="50" charset="-128"/>
+              </a:rPr>
+              <a:t>.</a:t>
+            </a:r>
+            <a:r>
+              <a:rPr kumimoji="1" lang="ja-JP" altLang="en-US" sz="1100" dirty="0" smtClean="0">
+                <a:solidFill>
+                  <a:schemeClr val="tx1"/>
+                </a:solidFill>
+                <a:latin typeface="Meiryo UI" panose="020B0604030504040204" pitchFamily="50" charset="-128"/>
+                <a:ea typeface="Meiryo UI" panose="020B0604030504040204" pitchFamily="50" charset="-128"/>
+              </a:rPr>
+              <a:t>削除日付</a:t>
+            </a:r>
+            <a:r>
+              <a:rPr kumimoji="1" lang="en-US" altLang="ja-JP" sz="1100" dirty="0" smtClean="0">
+                <a:solidFill>
+                  <a:schemeClr val="tx1"/>
+                </a:solidFill>
+                <a:latin typeface="Meiryo UI" panose="020B0604030504040204" pitchFamily="50" charset="-128"/>
+                <a:ea typeface="Meiryo UI" panose="020B0604030504040204" pitchFamily="50" charset="-128"/>
+              </a:rPr>
+              <a:t>=</a:t>
+            </a:r>
+            <a:r>
+              <a:rPr kumimoji="1" lang="ja-JP" altLang="en-US" sz="1100" dirty="0" smtClean="0">
+                <a:solidFill>
+                  <a:schemeClr val="tx1"/>
+                </a:solidFill>
+                <a:latin typeface="Meiryo UI" panose="020B0604030504040204" pitchFamily="50" charset="-128"/>
+                <a:ea typeface="Meiryo UI" panose="020B0604030504040204" pitchFamily="50" charset="-128"/>
+              </a:rPr>
+              <a:t>空白</a:t>
+            </a:r>
+            <a:endParaRPr kumimoji="1" lang="ja-JP" altLang="en-US" sz="1100" dirty="0">
+              <a:solidFill>
+                <a:schemeClr val="tx1"/>
+              </a:solidFill>
+              <a:latin typeface="Meiryo UI" panose="020B0604030504040204" pitchFamily="50" charset="-128"/>
+              <a:ea typeface="Meiryo UI" panose="020B0604030504040204" pitchFamily="50" charset="-128"/>
+            </a:endParaRPr>
+          </a:p>
+        </p:txBody>
+      </p:sp>
+      <p:sp>
+        <p:nvSpPr>
+          <p:cNvPr id="42" name="正方形/長方形 41"/>
+          <p:cNvSpPr/>
+          <p:nvPr/>
+        </p:nvSpPr>
+        <p:spPr>
+          <a:xfrm>
+            <a:off x="6676970" y="4158189"/>
+            <a:ext cx="900082" cy="424095"/>
+          </a:xfrm>
+          <a:prstGeom prst="rect">
+            <a:avLst/>
+          </a:prstGeom>
+          <a:solidFill>
+            <a:schemeClr val="bg1"/>
+          </a:solidFill>
+          <a:ln>
+            <a:solidFill>
+              <a:schemeClr val="tx1"/>
+            </a:solidFill>
+          </a:ln>
+        </p:spPr>
+        <p:style>
+          <a:lnRef idx="2">
+            <a:schemeClr val="accent1">
+              <a:shade val="50000"/>
+            </a:schemeClr>
+          </a:lnRef>
+          <a:fillRef idx="1">
+            <a:schemeClr val="accent1"/>
+          </a:fillRef>
+          <a:effectRef idx="0">
+            <a:schemeClr val="accent1"/>
+          </a:effectRef>
+          <a:fontRef idx="minor">
+            <a:schemeClr val="lt1"/>
+          </a:fontRef>
+        </p:style>
+        <p:txBody>
+          <a:bodyPr rtlCol="0" anchor="ctr"/>
+          <a:lstStyle/>
+          <a:p>
+            <a:r>
+              <a:rPr kumimoji="1" lang="en-US" altLang="ja-JP" sz="1200" dirty="0" smtClean="0">
+                <a:solidFill>
+                  <a:schemeClr val="tx1"/>
+                </a:solidFill>
+                <a:latin typeface="Meiryo UI" panose="020B0604030504040204" pitchFamily="50" charset="-128"/>
+                <a:ea typeface="Meiryo UI" panose="020B0604030504040204" pitchFamily="50" charset="-128"/>
+              </a:rPr>
+              <a:t>1</a:t>
+            </a:r>
+            <a:r>
+              <a:rPr kumimoji="1" lang="ja-JP" altLang="en-US" sz="1200" dirty="0" smtClean="0">
+                <a:solidFill>
+                  <a:schemeClr val="tx1"/>
+                </a:solidFill>
+                <a:latin typeface="Meiryo UI" panose="020B0604030504040204" pitchFamily="50" charset="-128"/>
+                <a:ea typeface="Meiryo UI" panose="020B0604030504040204" pitchFamily="50" charset="-128"/>
+              </a:rPr>
+              <a:t>：普通</a:t>
+            </a:r>
+            <a:endParaRPr kumimoji="1" lang="en-US" altLang="ja-JP" sz="1200" dirty="0" smtClean="0">
+              <a:solidFill>
+                <a:schemeClr val="tx1"/>
+              </a:solidFill>
+              <a:latin typeface="Meiryo UI" panose="020B0604030504040204" pitchFamily="50" charset="-128"/>
+              <a:ea typeface="Meiryo UI" panose="020B0604030504040204" pitchFamily="50" charset="-128"/>
+            </a:endParaRPr>
+          </a:p>
+          <a:p>
+            <a:r>
+              <a:rPr lang="en-US" altLang="ja-JP" sz="1200" dirty="0" smtClean="0">
+                <a:solidFill>
+                  <a:schemeClr val="tx1"/>
+                </a:solidFill>
+                <a:latin typeface="Meiryo UI" panose="020B0604030504040204" pitchFamily="50" charset="-128"/>
+                <a:ea typeface="Meiryo UI" panose="020B0604030504040204" pitchFamily="50" charset="-128"/>
+              </a:rPr>
+              <a:t>2</a:t>
+            </a:r>
+            <a:r>
+              <a:rPr lang="ja-JP" altLang="en-US" sz="1200" dirty="0" smtClean="0">
+                <a:solidFill>
+                  <a:schemeClr val="tx1"/>
+                </a:solidFill>
+                <a:latin typeface="Meiryo UI" panose="020B0604030504040204" pitchFamily="50" charset="-128"/>
+                <a:ea typeface="Meiryo UI" panose="020B0604030504040204" pitchFamily="50" charset="-128"/>
+              </a:rPr>
+              <a:t>：当座</a:t>
+            </a:r>
+            <a:endParaRPr kumimoji="1" lang="ja-JP" altLang="en-US" sz="1200" dirty="0">
+              <a:solidFill>
+                <a:schemeClr val="tx1"/>
+              </a:solidFill>
+              <a:latin typeface="Meiryo UI" panose="020B0604030504040204" pitchFamily="50" charset="-128"/>
+              <a:ea typeface="Meiryo UI" panose="020B0604030504040204" pitchFamily="50" charset="-128"/>
+            </a:endParaRPr>
+          </a:p>
+        </p:txBody>
+      </p:sp>
+      <p:sp>
+        <p:nvSpPr>
+          <p:cNvPr id="57" name="正方形/長方形 56"/>
+          <p:cNvSpPr/>
+          <p:nvPr/>
+        </p:nvSpPr>
+        <p:spPr>
+          <a:xfrm>
+            <a:off x="6676970" y="3934522"/>
+            <a:ext cx="900082" cy="216551"/>
+          </a:xfrm>
+          <a:prstGeom prst="rect">
+            <a:avLst/>
+          </a:prstGeom>
+          <a:noFill/>
+          <a:ln>
+            <a:solidFill>
+              <a:schemeClr val="tx1"/>
+            </a:solidFill>
+          </a:ln>
+        </p:spPr>
+        <p:style>
+          <a:lnRef idx="2">
+            <a:schemeClr val="accent1">
+              <a:shade val="50000"/>
+            </a:schemeClr>
+          </a:lnRef>
+          <a:fillRef idx="1">
+            <a:schemeClr val="accent1"/>
+          </a:fillRef>
+          <a:effectRef idx="0">
+            <a:schemeClr val="accent1"/>
+          </a:effectRef>
+          <a:fontRef idx="minor">
+            <a:schemeClr val="lt1"/>
+          </a:fontRef>
+        </p:style>
+        <p:txBody>
+          <a:bodyPr rtlCol="0" anchor="ctr"/>
+          <a:lstStyle/>
+          <a:p>
+            <a:r>
+              <a:rPr kumimoji="1" lang="ja-JP" altLang="en-US" sz="1200" dirty="0" smtClean="0">
+                <a:solidFill>
+                  <a:schemeClr val="tx1"/>
+                </a:solidFill>
+                <a:latin typeface="Meiryo UI" panose="020B0604030504040204" pitchFamily="50" charset="-128"/>
+                <a:ea typeface="Meiryo UI" panose="020B0604030504040204" pitchFamily="50" charset="-128"/>
+              </a:rPr>
+              <a:t> 　　　　　▽</a:t>
+            </a:r>
+            <a:endParaRPr kumimoji="1" lang="ja-JP" altLang="en-US" sz="1200" dirty="0">
+              <a:solidFill>
+                <a:schemeClr val="tx1"/>
+              </a:solidFill>
+              <a:latin typeface="Meiryo UI" panose="020B0604030504040204" pitchFamily="50" charset="-128"/>
+              <a:ea typeface="Meiryo UI" panose="020B0604030504040204" pitchFamily="50" charset="-128"/>
+            </a:endParaRPr>
+          </a:p>
+        </p:txBody>
+      </p:sp>
+      <p:sp>
+        <p:nvSpPr>
+          <p:cNvPr id="58" name="正方形/長方形 57"/>
+          <p:cNvSpPr/>
+          <p:nvPr/>
+        </p:nvSpPr>
+        <p:spPr>
+          <a:xfrm>
+            <a:off x="3521828" y="2825347"/>
+            <a:ext cx="498766" cy="216551"/>
+          </a:xfrm>
+          <a:prstGeom prst="rect">
+            <a:avLst/>
+          </a:prstGeom>
+          <a:noFill/>
+          <a:ln>
+            <a:solidFill>
+              <a:schemeClr val="tx1"/>
+            </a:solidFill>
+          </a:ln>
+        </p:spPr>
+        <p:style>
+          <a:lnRef idx="2">
+            <a:schemeClr val="accent1">
+              <a:shade val="50000"/>
+            </a:schemeClr>
+          </a:lnRef>
+          <a:fillRef idx="1">
+            <a:schemeClr val="accent1"/>
+          </a:fillRef>
+          <a:effectRef idx="0">
+            <a:schemeClr val="accent1"/>
+          </a:effectRef>
+          <a:fontRef idx="minor">
+            <a:schemeClr val="lt1"/>
+          </a:fontRef>
+        </p:style>
+        <p:txBody>
+          <a:bodyPr rtlCol="0" anchor="ctr"/>
+          <a:lstStyle/>
+          <a:p>
+            <a:r>
+              <a:rPr kumimoji="1" lang="ja-JP" altLang="en-US" sz="1200" dirty="0" smtClean="0">
+                <a:solidFill>
+                  <a:schemeClr val="tx1"/>
+                </a:solidFill>
+                <a:latin typeface="Meiryo UI" panose="020B0604030504040204" pitchFamily="50" charset="-128"/>
+                <a:ea typeface="Meiryo UI" panose="020B0604030504040204" pitchFamily="50" charset="-128"/>
+              </a:rPr>
+              <a:t>検索</a:t>
+            </a:r>
+            <a:endParaRPr kumimoji="1" lang="ja-JP" altLang="en-US" sz="1200" dirty="0">
+              <a:solidFill>
+                <a:schemeClr val="tx1"/>
+              </a:solidFill>
+              <a:latin typeface="Meiryo UI" panose="020B0604030504040204" pitchFamily="50" charset="-128"/>
+              <a:ea typeface="Meiryo UI" panose="020B0604030504040204" pitchFamily="50" charset="-128"/>
+            </a:endParaRPr>
+          </a:p>
+        </p:txBody>
+      </p:sp>
+      <p:sp>
+        <p:nvSpPr>
+          <p:cNvPr id="59" name="正方形/長方形 58"/>
+          <p:cNvSpPr/>
+          <p:nvPr/>
+        </p:nvSpPr>
+        <p:spPr>
+          <a:xfrm>
+            <a:off x="7360917" y="2822407"/>
+            <a:ext cx="498766" cy="216551"/>
+          </a:xfrm>
+          <a:prstGeom prst="rect">
+            <a:avLst/>
+          </a:prstGeom>
+          <a:noFill/>
+          <a:ln>
+            <a:solidFill>
+              <a:schemeClr val="tx1"/>
+            </a:solidFill>
+          </a:ln>
+        </p:spPr>
+        <p:style>
+          <a:lnRef idx="2">
+            <a:schemeClr val="accent1">
+              <a:shade val="50000"/>
+            </a:schemeClr>
+          </a:lnRef>
+          <a:fillRef idx="1">
+            <a:schemeClr val="accent1"/>
+          </a:fillRef>
+          <a:effectRef idx="0">
+            <a:schemeClr val="accent1"/>
+          </a:effectRef>
+          <a:fontRef idx="minor">
+            <a:schemeClr val="lt1"/>
+          </a:fontRef>
+        </p:style>
+        <p:txBody>
+          <a:bodyPr rtlCol="0" anchor="ctr"/>
+          <a:lstStyle/>
+          <a:p>
+            <a:r>
+              <a:rPr kumimoji="1" lang="ja-JP" altLang="en-US" sz="1200" dirty="0" smtClean="0">
+                <a:solidFill>
+                  <a:schemeClr val="tx1"/>
+                </a:solidFill>
+                <a:latin typeface="Meiryo UI" panose="020B0604030504040204" pitchFamily="50" charset="-128"/>
+                <a:ea typeface="Meiryo UI" panose="020B0604030504040204" pitchFamily="50" charset="-128"/>
+              </a:rPr>
+              <a:t>検索</a:t>
+            </a:r>
+            <a:endParaRPr kumimoji="1" lang="ja-JP" altLang="en-US" sz="1200" dirty="0">
+              <a:solidFill>
+                <a:schemeClr val="tx1"/>
+              </a:solidFill>
+              <a:latin typeface="Meiryo UI" panose="020B0604030504040204" pitchFamily="50" charset="-128"/>
+              <a:ea typeface="Meiryo UI" panose="020B0604030504040204" pitchFamily="50" charset="-128"/>
+            </a:endParaRPr>
+          </a:p>
+        </p:txBody>
+      </p:sp>
+      <p:sp>
+        <p:nvSpPr>
+          <p:cNvPr id="60" name="正方形/長方形 59"/>
+          <p:cNvSpPr/>
+          <p:nvPr/>
+        </p:nvSpPr>
+        <p:spPr>
+          <a:xfrm>
+            <a:off x="3254429" y="4615901"/>
+            <a:ext cx="498766" cy="216551"/>
+          </a:xfrm>
+          <a:prstGeom prst="rect">
+            <a:avLst/>
+          </a:prstGeom>
+          <a:noFill/>
+          <a:ln>
+            <a:solidFill>
+              <a:schemeClr val="tx1"/>
+            </a:solidFill>
+          </a:ln>
+        </p:spPr>
+        <p:style>
+          <a:lnRef idx="2">
+            <a:schemeClr val="accent1">
+              <a:shade val="50000"/>
+            </a:schemeClr>
+          </a:lnRef>
+          <a:fillRef idx="1">
+            <a:schemeClr val="accent1"/>
+          </a:fillRef>
+          <a:effectRef idx="0">
+            <a:schemeClr val="accent1"/>
+          </a:effectRef>
+          <a:fontRef idx="minor">
+            <a:schemeClr val="lt1"/>
+          </a:fontRef>
+        </p:style>
+        <p:txBody>
+          <a:bodyPr rtlCol="0" anchor="ctr"/>
+          <a:lstStyle/>
+          <a:p>
+            <a:r>
+              <a:rPr kumimoji="1" lang="ja-JP" altLang="en-US" sz="1200" dirty="0" smtClean="0">
+                <a:solidFill>
+                  <a:schemeClr val="tx1"/>
+                </a:solidFill>
+                <a:latin typeface="Meiryo UI" panose="020B0604030504040204" pitchFamily="50" charset="-128"/>
+                <a:ea typeface="Meiryo UI" panose="020B0604030504040204" pitchFamily="50" charset="-128"/>
+              </a:rPr>
+              <a:t>検索</a:t>
+            </a:r>
+            <a:endParaRPr kumimoji="1" lang="ja-JP" altLang="en-US" sz="1200" dirty="0">
+              <a:solidFill>
+                <a:schemeClr val="tx1"/>
+              </a:solidFill>
+              <a:latin typeface="Meiryo UI" panose="020B0604030504040204" pitchFamily="50" charset="-128"/>
+              <a:ea typeface="Meiryo UI" panose="020B0604030504040204" pitchFamily="50" charset="-128"/>
+            </a:endParaRPr>
+          </a:p>
+        </p:txBody>
+      </p:sp>
+      <p:sp>
+        <p:nvSpPr>
+          <p:cNvPr id="61" name="正方形/長方形 60"/>
+          <p:cNvSpPr/>
+          <p:nvPr/>
+        </p:nvSpPr>
+        <p:spPr>
+          <a:xfrm>
+            <a:off x="7360917" y="4608835"/>
+            <a:ext cx="498766" cy="216551"/>
+          </a:xfrm>
+          <a:prstGeom prst="rect">
+            <a:avLst/>
+          </a:prstGeom>
+          <a:noFill/>
+          <a:ln>
+            <a:solidFill>
+              <a:schemeClr val="tx1"/>
+            </a:solidFill>
+          </a:ln>
+        </p:spPr>
+        <p:style>
+          <a:lnRef idx="2">
+            <a:schemeClr val="accent1">
+              <a:shade val="50000"/>
+            </a:schemeClr>
+          </a:lnRef>
+          <a:fillRef idx="1">
+            <a:schemeClr val="accent1"/>
+          </a:fillRef>
+          <a:effectRef idx="0">
+            <a:schemeClr val="accent1"/>
+          </a:effectRef>
+          <a:fontRef idx="minor">
+            <a:schemeClr val="lt1"/>
+          </a:fontRef>
+        </p:style>
+        <p:txBody>
+          <a:bodyPr rtlCol="0" anchor="ctr"/>
+          <a:lstStyle/>
+          <a:p>
+            <a:r>
+              <a:rPr kumimoji="1" lang="ja-JP" altLang="en-US" sz="1200" dirty="0" smtClean="0">
+                <a:solidFill>
+                  <a:schemeClr val="tx1"/>
+                </a:solidFill>
+                <a:latin typeface="Meiryo UI" panose="020B0604030504040204" pitchFamily="50" charset="-128"/>
+                <a:ea typeface="Meiryo UI" panose="020B0604030504040204" pitchFamily="50" charset="-128"/>
+              </a:rPr>
+              <a:t>検索</a:t>
+            </a:r>
+            <a:endParaRPr kumimoji="1" lang="ja-JP" altLang="en-US" sz="1200" dirty="0">
+              <a:solidFill>
+                <a:schemeClr val="tx1"/>
+              </a:solidFill>
+              <a:latin typeface="Meiryo UI" panose="020B0604030504040204" pitchFamily="50" charset="-128"/>
+              <a:ea typeface="Meiryo UI" panose="020B0604030504040204" pitchFamily="50" charset="-128"/>
+            </a:endParaRPr>
+          </a:p>
+        </p:txBody>
+      </p:sp>
     </p:spTree>
     <p:extLst>
       <p:ext uri="{BB962C8B-B14F-4D97-AF65-F5344CB8AC3E}">
-        <p14:creationId xmlns:p14="http://schemas.microsoft.com/office/powerpoint/2010/main" val="2824467641"/>
+        <p14:creationId xmlns:p14="http://schemas.microsoft.com/office/powerpoint/2010/main" val="2376546394"/>
       </p:ext>
     </p:extLst>
   </p:cSld>
@@ -6911,7 +9106,7 @@
 </p:sld>
 </file>
 
-<file path=ppt/slides/slide3.xml><?xml version="1.0" encoding="utf-8"?>
+<file path=ppt/slides/slide4.xml><?xml version="1.0" encoding="utf-8"?>
 <p:sld xmlns:a="http://schemas.openxmlformats.org/drawingml/2006/main" xmlns:r="http://schemas.openxmlformats.org/officeDocument/2006/relationships" xmlns:p="http://schemas.openxmlformats.org/presentationml/2006/main">
   <p:cSld>
     <p:spTree>
@@ -6955,14 +9150,14 @@
                 <a:latin typeface="Meiryo UI" panose="020B0604030504040204" pitchFamily="50" charset="-128"/>
                 <a:ea typeface="Meiryo UI" panose="020B0604030504040204" pitchFamily="50" charset="-128"/>
               </a:rPr>
-              <a:t>3.</a:t>
+              <a:t>4.</a:t>
             </a:r>
             <a:r>
               <a:rPr lang="ja-JP" altLang="en-US" sz="1600" dirty="0" smtClean="0">
                 <a:latin typeface="Meiryo UI" panose="020B0604030504040204" pitchFamily="50" charset="-128"/>
                 <a:ea typeface="Meiryo UI" panose="020B0604030504040204" pitchFamily="50" charset="-128"/>
               </a:rPr>
-              <a:t> 削除画面</a:t>
+              <a:t>削除画面</a:t>
             </a:r>
             <a:endParaRPr lang="ja-JP" altLang="en-US" sz="1600" dirty="0">
               <a:latin typeface="Meiryo UI" panose="020B0604030504040204" pitchFamily="50" charset="-128"/>
@@ -7135,7 +9330,7 @@
           <a:p>
             <a:fld id="{E23E62CB-AE02-499E-8DF1-609F7D77B994}" type="datetime1">
               <a:rPr kumimoji="1" lang="ja-JP" altLang="en-US" smtClean="0"/>
-              <a:t>2020/12/25</a:t>
+              <a:t>2020/12/28</a:t>
             </a:fld>
             <a:endParaRPr kumimoji="1" lang="ja-JP" altLang="en-US" dirty="0"/>
           </a:p>
@@ -7158,7 +9353,7 @@
           <a:p>
             <a:fld id="{E0A911C0-B298-4FD6-9CB7-F1EE1E13C81F}" type="slidenum">
               <a:rPr kumimoji="1" lang="ja-JP" altLang="en-US" smtClean="0"/>
-              <a:t>3</a:t>
+              <a:t>4</a:t>
             </a:fld>
             <a:endParaRPr kumimoji="1" lang="ja-JP" altLang="en-US" dirty="0"/>
           </a:p>
@@ -7363,14 +9558,31 @@
                 <a:latin typeface="Meiryo UI" panose="020B0604030504040204" pitchFamily="50" charset="-128"/>
                 <a:ea typeface="Meiryo UI" panose="020B0604030504040204" pitchFamily="50" charset="-128"/>
               </a:rPr>
-              <a:t>テスト　一郎</a:t>
+              <a:t>テスト　</a:t>
+            </a:r>
+            <a:r>
+              <a:rPr kumimoji="1" lang="ja-JP" altLang="en-US" sz="1200" dirty="0" smtClean="0">
+                <a:solidFill>
+                  <a:schemeClr val="tx1"/>
+                </a:solidFill>
+                <a:latin typeface="Meiryo UI" panose="020B0604030504040204" pitchFamily="50" charset="-128"/>
+                <a:ea typeface="Meiryo UI" panose="020B0604030504040204" pitchFamily="50" charset="-128"/>
+              </a:rPr>
+              <a:t>イチロウ</a:t>
             </a:r>
             <a:r>
               <a:rPr kumimoji="1" lang="ja-JP" altLang="en-US" sz="1050" dirty="0" smtClean="0">
                 <a:latin typeface="Meiryo UI" panose="020B0604030504040204" pitchFamily="50" charset="-128"/>
                 <a:ea typeface="Meiryo UI" panose="020B0604030504040204" pitchFamily="50" charset="-128"/>
               </a:rPr>
-              <a:t>社員コード</a:t>
+              <a:t>社員</a:t>
+            </a:r>
+            <a:r>
+              <a:rPr kumimoji="1" lang="ja-JP" altLang="en-US" sz="1050" dirty="0" smtClean="0">
+                <a:latin typeface="Meiryo UI" panose="020B0604030504040204" pitchFamily="50" charset="-128"/>
+                <a:ea typeface="Meiryo UI" panose="020B0604030504040204" pitchFamily="50" charset="-128"/>
+              </a:rPr>
+              <a:t>コード</a:t>
             </a:r>
             <a:endParaRPr kumimoji="1" lang="ja-JP" altLang="en-US" sz="1050" dirty="0">
               <a:latin typeface="Meiryo UI" panose="020B0604030504040204" pitchFamily="50" charset="-128"/>
@@ -7627,7 +9839,7 @@
                 <a:latin typeface="Meiryo UI" panose="020B0604030504040204" pitchFamily="50" charset="-128"/>
                 <a:ea typeface="Meiryo UI" panose="020B0604030504040204" pitchFamily="50" charset="-128"/>
               </a:rPr>
-              <a:t>支店コード</a:t>
+              <a:t>支店カナ</a:t>
             </a:r>
             <a:endParaRPr kumimoji="1" lang="en-US" altLang="ja-JP" sz="1200" dirty="0" smtClean="0">
               <a:latin typeface="Meiryo UI" panose="020B0604030504040204" pitchFamily="50" charset="-128"/>
@@ -7853,7 +10065,7 @@
         <p:spPr>
           <a:xfrm>
             <a:off x="2572330" y="2822408"/>
-            <a:ext cx="619757" cy="216551"/>
+            <a:ext cx="931485" cy="216551"/>
           </a:xfrm>
           <a:prstGeom prst="rect">
             <a:avLst/>
@@ -7884,14 +10096,14 @@
           <a:lstStyle/>
           <a:p>
             <a:r>
-              <a:rPr kumimoji="1" lang="en-US" altLang="ja-JP" sz="1200" dirty="0" smtClean="0">
+              <a:rPr lang="en-US" altLang="ja-JP" sz="1200" dirty="0">
                 <a:solidFill>
                   <a:schemeClr val="tx1"/>
                 </a:solidFill>
                 <a:latin typeface="Meiryo UI" panose="020B0604030504040204" pitchFamily="50" charset="-128"/>
                 <a:ea typeface="Meiryo UI" panose="020B0604030504040204" pitchFamily="50" charset="-128"/>
               </a:rPr>
-              <a:t>1111</a:t>
+              <a:t>0005869</a:t>
             </a:r>
             <a:endParaRPr kumimoji="1" lang="ja-JP" altLang="en-US" sz="1200" dirty="0">
               <a:solidFill>
@@ -7943,14 +10155,34 @@
           <a:lstStyle/>
           <a:p>
             <a:r>
-              <a:rPr kumimoji="1" lang="en-US" altLang="ja-JP" sz="1200" dirty="0" smtClean="0">
+              <a:rPr lang="ja-JP" altLang="en-US" sz="1200" dirty="0">
                 <a:solidFill>
                   <a:schemeClr val="tx1"/>
                 </a:solidFill>
                 <a:latin typeface="Meiryo UI" panose="020B0604030504040204" pitchFamily="50" charset="-128"/>
                 <a:ea typeface="Meiryo UI" panose="020B0604030504040204" pitchFamily="50" charset="-128"/>
               </a:rPr>
-              <a:t>1111</a:t>
+              <a:t>ﾐﾂﾋﾞｼﾕ</a:t>
+            </a:r>
+            <a:r>
+              <a:rPr lang="en-US" altLang="ja-JP" sz="1200" dirty="0">
+                <a:solidFill>
+                  <a:schemeClr val="tx1"/>
+                </a:solidFill>
+                <a:latin typeface="Meiryo UI" panose="020B0604030504040204" pitchFamily="50" charset="-128"/>
+                <a:ea typeface="Meiryo UI" panose="020B0604030504040204" pitchFamily="50" charset="-128"/>
+              </a:rPr>
+              <a:t>-</a:t>
+            </a:r>
+            <a:r>
+              <a:rPr lang="ja-JP" altLang="en-US" sz="1200" dirty="0">
+                <a:solidFill>
+                  <a:schemeClr val="tx1"/>
+                </a:solidFill>
+                <a:latin typeface="Meiryo UI" panose="020B0604030504040204" pitchFamily="50" charset="-128"/>
+                <a:ea typeface="Meiryo UI" panose="020B0604030504040204" pitchFamily="50" charset="-128"/>
+              </a:rPr>
+              <a:t>ｴﾌｼﾞｴｲ</a:t>
             </a:r>
             <a:endParaRPr kumimoji="1" lang="ja-JP" altLang="en-US" sz="1200" dirty="0">
               <a:solidFill>
@@ -8002,14 +10234,14 @@
           <a:lstStyle/>
           <a:p>
             <a:r>
-              <a:rPr kumimoji="1" lang="en-US" altLang="ja-JP" sz="1200" dirty="0" smtClean="0">
+              <a:rPr lang="ja-JP" altLang="en-US" sz="1200" dirty="0">
                 <a:solidFill>
                   <a:schemeClr val="tx1"/>
                 </a:solidFill>
                 <a:latin typeface="Meiryo UI" panose="020B0604030504040204" pitchFamily="50" charset="-128"/>
                 <a:ea typeface="Meiryo UI" panose="020B0604030504040204" pitchFamily="50" charset="-128"/>
               </a:rPr>
-              <a:t>1111</a:t>
+              <a:t>ﾅﾂｸﾞﾓ</a:t>
             </a:r>
             <a:endParaRPr kumimoji="1" lang="ja-JP" altLang="en-US" sz="1200" dirty="0">
               <a:solidFill>
@@ -8089,7 +10321,7 @@
         <p:spPr>
           <a:xfrm>
             <a:off x="2572328" y="3930382"/>
-            <a:ext cx="320501" cy="216551"/>
+            <a:ext cx="544945" cy="216551"/>
           </a:xfrm>
           <a:prstGeom prst="rect">
             <a:avLst/>
@@ -8120,14 +10352,14 @@
           <a:lstStyle/>
           <a:p>
             <a:r>
-              <a:rPr kumimoji="1" lang="en-US" altLang="ja-JP" sz="1200" dirty="0" smtClean="0">
+              <a:rPr kumimoji="1" lang="ja-JP" altLang="en-US" sz="1200" dirty="0" smtClean="0">
                 <a:solidFill>
                   <a:schemeClr val="tx1"/>
                 </a:solidFill>
                 <a:latin typeface="Meiryo UI" panose="020B0604030504040204" pitchFamily="50" charset="-128"/>
                 <a:ea typeface="Meiryo UI" panose="020B0604030504040204" pitchFamily="50" charset="-128"/>
               </a:rPr>
-              <a:t>1</a:t>
+              <a:t>普通</a:t>
             </a:r>
             <a:endParaRPr kumimoji="1" lang="ja-JP" altLang="en-US" sz="1200" dirty="0">
               <a:solidFill>
@@ -8336,7 +10568,7 @@
                 <a:latin typeface="Meiryo UI" panose="020B0604030504040204" pitchFamily="50" charset="-128"/>
                 <a:ea typeface="Meiryo UI" panose="020B0604030504040204" pitchFamily="50" charset="-128"/>
               </a:rPr>
-              <a:t>支店コード</a:t>
+              <a:t>支店カナ</a:t>
             </a:r>
             <a:endParaRPr kumimoji="1" lang="en-US" altLang="ja-JP" sz="1200" dirty="0" smtClean="0">
               <a:latin typeface="Meiryo UI" panose="020B0604030504040204" pitchFamily="50" charset="-128"/>
@@ -8890,16 +11122,196 @@
           <a:p>
             <a:pPr algn="ctr"/>
             <a:r>
-              <a:rPr lang="ja-JP" altLang="en-US" dirty="0">
+              <a:rPr kumimoji="1" lang="ja-JP" altLang="en-US" dirty="0" smtClean="0">
                 <a:solidFill>
                   <a:schemeClr val="tx1"/>
                 </a:solidFill>
                 <a:latin typeface="Meiryo UI" panose="020B0604030504040204" pitchFamily="50" charset="-128"/>
                 <a:ea typeface="Meiryo UI" panose="020B0604030504040204" pitchFamily="50" charset="-128"/>
               </a:rPr>
-              <a:t>登録</a:t>
-            </a:r>
-            <a:endParaRPr kumimoji="1" lang="ja-JP" altLang="en-US" dirty="0" smtClean="0">
+              <a:t>削除</a:t>
+            </a:r>
+          </a:p>
+        </p:txBody>
+      </p:sp>
+      <p:sp>
+        <p:nvSpPr>
+          <p:cNvPr id="42" name="正方形/長方形 41"/>
+          <p:cNvSpPr/>
+          <p:nvPr/>
+        </p:nvSpPr>
+        <p:spPr>
+          <a:xfrm>
+            <a:off x="9253914" y="850990"/>
+            <a:ext cx="2666537" cy="946843"/>
+          </a:xfrm>
+          <a:prstGeom prst="rect">
+            <a:avLst/>
+          </a:prstGeom>
+          <a:noFill/>
+          <a:ln>
+            <a:solidFill>
+              <a:schemeClr val="tx1"/>
+            </a:solidFill>
+          </a:ln>
+        </p:spPr>
+        <p:style>
+          <a:lnRef idx="2">
+            <a:schemeClr val="accent1">
+              <a:shade val="50000"/>
+            </a:schemeClr>
+          </a:lnRef>
+          <a:fillRef idx="1">
+            <a:schemeClr val="accent1"/>
+          </a:fillRef>
+          <a:effectRef idx="0">
+            <a:schemeClr val="accent1"/>
+          </a:effectRef>
+          <a:fontRef idx="minor">
+            <a:schemeClr val="lt1"/>
+          </a:fontRef>
+        </p:style>
+        <p:txBody>
+          <a:bodyPr rtlCol="0" anchor="t" anchorCtr="0"/>
+          <a:lstStyle/>
+          <a:p>
+            <a:r>
+              <a:rPr kumimoji="1" lang="en-US" altLang="ja-JP" sz="1100" dirty="0" smtClean="0">
+                <a:solidFill>
+                  <a:schemeClr val="tx1"/>
+                </a:solidFill>
+                <a:latin typeface="Meiryo UI" panose="020B0604030504040204" pitchFamily="50" charset="-128"/>
+                <a:ea typeface="Meiryo UI" panose="020B0604030504040204" pitchFamily="50" charset="-128"/>
+              </a:rPr>
+              <a:t>【</a:t>
+            </a:r>
+            <a:r>
+              <a:rPr kumimoji="1" lang="ja-JP" altLang="en-US" sz="1100" dirty="0" smtClean="0">
+                <a:solidFill>
+                  <a:schemeClr val="tx1"/>
+                </a:solidFill>
+                <a:latin typeface="Meiryo UI" panose="020B0604030504040204" pitchFamily="50" charset="-128"/>
+                <a:ea typeface="Meiryo UI" panose="020B0604030504040204" pitchFamily="50" charset="-128"/>
+              </a:rPr>
+              <a:t>対象レコード</a:t>
+            </a:r>
+            <a:r>
+              <a:rPr kumimoji="1" lang="en-US" altLang="ja-JP" sz="1100" dirty="0" smtClean="0">
+                <a:solidFill>
+                  <a:schemeClr val="tx1"/>
+                </a:solidFill>
+                <a:latin typeface="Meiryo UI" panose="020B0604030504040204" pitchFamily="50" charset="-128"/>
+                <a:ea typeface="Meiryo UI" panose="020B0604030504040204" pitchFamily="50" charset="-128"/>
+              </a:rPr>
+              <a:t>】</a:t>
+            </a:r>
+          </a:p>
+          <a:p>
+            <a:r>
+              <a:rPr lang="ja-JP" altLang="en-US" sz="1100" dirty="0" smtClean="0">
+                <a:solidFill>
+                  <a:schemeClr val="tx1"/>
+                </a:solidFill>
+                <a:latin typeface="Meiryo UI" panose="020B0604030504040204" pitchFamily="50" charset="-128"/>
+                <a:ea typeface="Meiryo UI" panose="020B0604030504040204" pitchFamily="50" charset="-128"/>
+              </a:rPr>
+              <a:t>給与マスター</a:t>
+            </a:r>
+            <a:r>
+              <a:rPr lang="en-US" altLang="ja-JP" sz="1100" dirty="0" smtClean="0">
+                <a:solidFill>
+                  <a:schemeClr val="tx1"/>
+                </a:solidFill>
+                <a:latin typeface="Meiryo UI" panose="020B0604030504040204" pitchFamily="50" charset="-128"/>
+                <a:ea typeface="Meiryo UI" panose="020B0604030504040204" pitchFamily="50" charset="-128"/>
+              </a:rPr>
+              <a:t>.</a:t>
+            </a:r>
+            <a:r>
+              <a:rPr lang="ja-JP" altLang="en-US" sz="1100" dirty="0" smtClean="0">
+                <a:solidFill>
+                  <a:schemeClr val="tx1"/>
+                </a:solidFill>
+                <a:latin typeface="Meiryo UI" panose="020B0604030504040204" pitchFamily="50" charset="-128"/>
+                <a:ea typeface="Meiryo UI" panose="020B0604030504040204" pitchFamily="50" charset="-128"/>
+              </a:rPr>
+              <a:t>状態コード</a:t>
+            </a:r>
+            <a:r>
+              <a:rPr lang="en-US" altLang="ja-JP" sz="1100" dirty="0" smtClean="0">
+                <a:solidFill>
+                  <a:schemeClr val="tx1"/>
+                </a:solidFill>
+                <a:latin typeface="Meiryo UI" panose="020B0604030504040204" pitchFamily="50" charset="-128"/>
+                <a:ea typeface="Meiryo UI" panose="020B0604030504040204" pitchFamily="50" charset="-128"/>
+              </a:rPr>
+              <a:t>=”D”</a:t>
+            </a:r>
+          </a:p>
+          <a:p>
+            <a:r>
+              <a:rPr lang="en-US" altLang="ja-JP" sz="1100" dirty="0" smtClean="0">
+                <a:solidFill>
+                  <a:schemeClr val="tx1"/>
+                </a:solidFill>
+                <a:latin typeface="Meiryo UI" panose="020B0604030504040204" pitchFamily="50" charset="-128"/>
+                <a:ea typeface="Meiryo UI" panose="020B0604030504040204" pitchFamily="50" charset="-128"/>
+              </a:rPr>
+              <a:t>AND</a:t>
+            </a:r>
+          </a:p>
+          <a:p>
+            <a:r>
+              <a:rPr kumimoji="1" lang="ja-JP" altLang="en-US" sz="1100" dirty="0" smtClean="0">
+                <a:solidFill>
+                  <a:schemeClr val="tx1"/>
+                </a:solidFill>
+                <a:latin typeface="Meiryo UI" panose="020B0604030504040204" pitchFamily="50" charset="-128"/>
+                <a:ea typeface="Meiryo UI" panose="020B0604030504040204" pitchFamily="50" charset="-128"/>
+              </a:rPr>
+              <a:t>給与振込口座マスター</a:t>
+            </a:r>
+            <a:r>
+              <a:rPr kumimoji="1" lang="en-US" altLang="ja-JP" sz="1100" dirty="0" smtClean="0">
+                <a:solidFill>
+                  <a:schemeClr val="tx1"/>
+                </a:solidFill>
+                <a:latin typeface="Meiryo UI" panose="020B0604030504040204" pitchFamily="50" charset="-128"/>
+                <a:ea typeface="Meiryo UI" panose="020B0604030504040204" pitchFamily="50" charset="-128"/>
+              </a:rPr>
+              <a:t>.</a:t>
+            </a:r>
+            <a:r>
+              <a:rPr kumimoji="1" lang="ja-JP" altLang="en-US" sz="1100" dirty="0" smtClean="0">
+                <a:solidFill>
+                  <a:schemeClr val="tx1"/>
+                </a:solidFill>
+                <a:latin typeface="Meiryo UI" panose="020B0604030504040204" pitchFamily="50" charset="-128"/>
+                <a:ea typeface="Meiryo UI" panose="020B0604030504040204" pitchFamily="50" charset="-128"/>
+              </a:rPr>
+              <a:t>削除日付</a:t>
+            </a:r>
+            <a:r>
+              <a:rPr kumimoji="1" lang="en-US" altLang="ja-JP" sz="1100" dirty="0" smtClean="0">
+                <a:solidFill>
+                  <a:schemeClr val="tx1"/>
+                </a:solidFill>
+                <a:latin typeface="Meiryo UI" panose="020B0604030504040204" pitchFamily="50" charset="-128"/>
+                <a:ea typeface="Meiryo UI" panose="020B0604030504040204" pitchFamily="50" charset="-128"/>
+              </a:rPr>
+              <a:t>=</a:t>
+            </a:r>
+            <a:r>
+              <a:rPr kumimoji="1" lang="ja-JP" altLang="en-US" sz="1100" dirty="0" smtClean="0">
+                <a:solidFill>
+                  <a:schemeClr val="tx1"/>
+                </a:solidFill>
+                <a:latin typeface="Meiryo UI" panose="020B0604030504040204" pitchFamily="50" charset="-128"/>
+                <a:ea typeface="Meiryo UI" panose="020B0604030504040204" pitchFamily="50" charset="-128"/>
+              </a:rPr>
+              <a:t>空白</a:t>
+            </a:r>
+            <a:endParaRPr kumimoji="1" lang="ja-JP" altLang="en-US" sz="1100" dirty="0">
               <a:solidFill>
                 <a:schemeClr val="tx1"/>
               </a:solidFill>
@@ -8922,7 +11334,7 @@
 </p:sld>
 </file>
 
-<file path=ppt/slides/slide4.xml><?xml version="1.0" encoding="utf-8"?>
+<file path=ppt/slides/slide5.xml><?xml version="1.0" encoding="utf-8"?>
 <p:sld xmlns:a="http://schemas.openxmlformats.org/drawingml/2006/main" xmlns:r="http://schemas.openxmlformats.org/officeDocument/2006/relationships" xmlns:p="http://schemas.openxmlformats.org/presentationml/2006/main">
   <p:cSld>
     <p:spTree>
@@ -8966,14 +11378,14 @@
                 <a:latin typeface="Meiryo UI" panose="020B0604030504040204" pitchFamily="50" charset="-128"/>
                 <a:ea typeface="Meiryo UI" panose="020B0604030504040204" pitchFamily="50" charset="-128"/>
               </a:rPr>
-              <a:t>4.</a:t>
+              <a:t>5.</a:t>
             </a:r>
             <a:r>
               <a:rPr lang="ja-JP" altLang="en-US" sz="1600" dirty="0" smtClean="0">
                 <a:latin typeface="Meiryo UI" panose="020B0604030504040204" pitchFamily="50" charset="-128"/>
                 <a:ea typeface="Meiryo UI" panose="020B0604030504040204" pitchFamily="50" charset="-128"/>
               </a:rPr>
-              <a:t> 閲覧画面</a:t>
+              <a:t>閲覧画面</a:t>
             </a:r>
             <a:endParaRPr lang="ja-JP" altLang="en-US" sz="1600" dirty="0">
               <a:latin typeface="Meiryo UI" panose="020B0604030504040204" pitchFamily="50" charset="-128"/>
@@ -9146,7 +11558,7 @@
           <a:p>
             <a:fld id="{E23E62CB-AE02-499E-8DF1-609F7D77B994}" type="datetime1">
               <a:rPr kumimoji="1" lang="ja-JP" altLang="en-US" smtClean="0"/>
-              <a:t>2020/12/25</a:t>
+              <a:t>2020/12/28</a:t>
             </a:fld>
             <a:endParaRPr kumimoji="1" lang="ja-JP" altLang="en-US" dirty="0"/>
           </a:p>
@@ -9169,7 +11581,7 @@
           <a:p>
             <a:fld id="{E0A911C0-B298-4FD6-9CB7-F1EE1E13C81F}" type="slidenum">
               <a:rPr kumimoji="1" lang="ja-JP" altLang="en-US" smtClean="0"/>
-              <a:t>4</a:t>
+              <a:t>5</a:t>
             </a:fld>
             <a:endParaRPr kumimoji="1" lang="ja-JP" altLang="en-US" dirty="0"/>
           </a:p>
@@ -9374,14 +11786,31 @@
                 <a:latin typeface="Meiryo UI" panose="020B0604030504040204" pitchFamily="50" charset="-128"/>
                 <a:ea typeface="Meiryo UI" panose="020B0604030504040204" pitchFamily="50" charset="-128"/>
               </a:rPr>
-              <a:t>テスト　一郎</a:t>
+              <a:t>テスト　</a:t>
+            </a:r>
+            <a:r>
+              <a:rPr kumimoji="1" lang="ja-JP" altLang="en-US" sz="1200" dirty="0" smtClean="0">
+                <a:solidFill>
+                  <a:schemeClr val="tx1"/>
+                </a:solidFill>
+                <a:latin typeface="Meiryo UI" panose="020B0604030504040204" pitchFamily="50" charset="-128"/>
+                <a:ea typeface="Meiryo UI" panose="020B0604030504040204" pitchFamily="50" charset="-128"/>
+              </a:rPr>
+              <a:t>イチロウ</a:t>
             </a:r>
             <a:r>
               <a:rPr kumimoji="1" lang="ja-JP" altLang="en-US" sz="1050" dirty="0" smtClean="0">
                 <a:latin typeface="Meiryo UI" panose="020B0604030504040204" pitchFamily="50" charset="-128"/>
                 <a:ea typeface="Meiryo UI" panose="020B0604030504040204" pitchFamily="50" charset="-128"/>
               </a:rPr>
-              <a:t>社員コード</a:t>
+              <a:t>社員</a:t>
+            </a:r>
+            <a:r>
+              <a:rPr kumimoji="1" lang="ja-JP" altLang="en-US" sz="1050" dirty="0" smtClean="0">
+                <a:latin typeface="Meiryo UI" panose="020B0604030504040204" pitchFamily="50" charset="-128"/>
+                <a:ea typeface="Meiryo UI" panose="020B0604030504040204" pitchFamily="50" charset="-128"/>
+              </a:rPr>
+              <a:t>コード</a:t>
             </a:r>
             <a:endParaRPr kumimoji="1" lang="ja-JP" altLang="en-US" sz="1050" dirty="0">
               <a:latin typeface="Meiryo UI" panose="020B0604030504040204" pitchFamily="50" charset="-128"/>
@@ -9638,9 +12067,16 @@
                 <a:latin typeface="Meiryo UI" panose="020B0604030504040204" pitchFamily="50" charset="-128"/>
                 <a:ea typeface="Meiryo UI" panose="020B0604030504040204" pitchFamily="50" charset="-128"/>
               </a:rPr>
-              <a:t>支店コード</a:t>
-            </a:r>
-            <a:endParaRPr kumimoji="1" lang="en-US" altLang="ja-JP" sz="1200" dirty="0" smtClean="0">
+              <a:t>支店</a:t>
+            </a:r>
+            <a:r>
+              <a:rPr lang="ja-JP" altLang="en-US" sz="1200" dirty="0">
+                <a:latin typeface="Meiryo UI" panose="020B0604030504040204" pitchFamily="50" charset="-128"/>
+                <a:ea typeface="Meiryo UI" panose="020B0604030504040204" pitchFamily="50" charset="-128"/>
+              </a:rPr>
+              <a:t>カナ</a:t>
+            </a:r>
+            <a:endParaRPr kumimoji="1" lang="ja-JP" altLang="en-US" sz="1200" dirty="0" smtClean="0">
               <a:latin typeface="Meiryo UI" panose="020B0604030504040204" pitchFamily="50" charset="-128"/>
               <a:ea typeface="Meiryo UI" panose="020B0604030504040204" pitchFamily="50" charset="-128"/>
             </a:endParaRPr>
@@ -9864,7 +12300,7 @@
         <p:spPr>
           <a:xfrm>
             <a:off x="2572330" y="2822408"/>
-            <a:ext cx="619757" cy="216551"/>
+            <a:ext cx="894077" cy="216551"/>
           </a:xfrm>
           <a:prstGeom prst="rect">
             <a:avLst/>
@@ -9895,14 +12331,14 @@
           <a:lstStyle/>
           <a:p>
             <a:r>
-              <a:rPr kumimoji="1" lang="en-US" altLang="ja-JP" sz="1200" dirty="0" smtClean="0">
+              <a:rPr lang="en-US" altLang="ja-JP" sz="1200" dirty="0">
                 <a:solidFill>
                   <a:schemeClr val="tx1"/>
                 </a:solidFill>
                 <a:latin typeface="Meiryo UI" panose="020B0604030504040204" pitchFamily="50" charset="-128"/>
                 <a:ea typeface="Meiryo UI" panose="020B0604030504040204" pitchFamily="50" charset="-128"/>
               </a:rPr>
-              <a:t>1111</a:t>
+              <a:t>0005869</a:t>
             </a:r>
             <a:endParaRPr kumimoji="1" lang="ja-JP" altLang="en-US" sz="1200" dirty="0">
               <a:solidFill>
@@ -9954,14 +12390,34 @@
           <a:lstStyle/>
           <a:p>
             <a:r>
-              <a:rPr kumimoji="1" lang="en-US" altLang="ja-JP" sz="1200" dirty="0" smtClean="0">
+              <a:rPr lang="ja-JP" altLang="en-US" sz="1200" dirty="0">
                 <a:solidFill>
                   <a:schemeClr val="tx1"/>
                 </a:solidFill>
                 <a:latin typeface="Meiryo UI" panose="020B0604030504040204" pitchFamily="50" charset="-128"/>
                 <a:ea typeface="Meiryo UI" panose="020B0604030504040204" pitchFamily="50" charset="-128"/>
               </a:rPr>
-              <a:t>1111</a:t>
+              <a:t>ﾐﾂﾋﾞｼﾕ</a:t>
+            </a:r>
+            <a:r>
+              <a:rPr lang="en-US" altLang="ja-JP" sz="1200" dirty="0">
+                <a:solidFill>
+                  <a:schemeClr val="tx1"/>
+                </a:solidFill>
+                <a:latin typeface="Meiryo UI" panose="020B0604030504040204" pitchFamily="50" charset="-128"/>
+                <a:ea typeface="Meiryo UI" panose="020B0604030504040204" pitchFamily="50" charset="-128"/>
+              </a:rPr>
+              <a:t>-</a:t>
+            </a:r>
+            <a:r>
+              <a:rPr lang="ja-JP" altLang="en-US" sz="1200" dirty="0">
+                <a:solidFill>
+                  <a:schemeClr val="tx1"/>
+                </a:solidFill>
+                <a:latin typeface="Meiryo UI" panose="020B0604030504040204" pitchFamily="50" charset="-128"/>
+                <a:ea typeface="Meiryo UI" panose="020B0604030504040204" pitchFamily="50" charset="-128"/>
+              </a:rPr>
+              <a:t>ｴﾌｼﾞｴｲ</a:t>
             </a:r>
             <a:endParaRPr kumimoji="1" lang="ja-JP" altLang="en-US" sz="1200" dirty="0">
               <a:solidFill>
@@ -10013,14 +12469,14 @@
           <a:lstStyle/>
           <a:p>
             <a:r>
-              <a:rPr kumimoji="1" lang="en-US" altLang="ja-JP" sz="1200" dirty="0" smtClean="0">
+              <a:rPr lang="ja-JP" altLang="en-US" sz="1200" dirty="0">
                 <a:solidFill>
                   <a:schemeClr val="tx1"/>
                 </a:solidFill>
                 <a:latin typeface="Meiryo UI" panose="020B0604030504040204" pitchFamily="50" charset="-128"/>
                 <a:ea typeface="Meiryo UI" panose="020B0604030504040204" pitchFamily="50" charset="-128"/>
               </a:rPr>
-              <a:t>1111</a:t>
+              <a:t>ﾅﾂｸﾞﾓ</a:t>
             </a:r>
             <a:endParaRPr kumimoji="1" lang="ja-JP" altLang="en-US" sz="1200" dirty="0">
               <a:solidFill>
@@ -10100,7 +12556,7 @@
         <p:spPr>
           <a:xfrm>
             <a:off x="2572328" y="3930382"/>
-            <a:ext cx="320501" cy="216551"/>
+            <a:ext cx="528319" cy="216551"/>
           </a:xfrm>
           <a:prstGeom prst="rect">
             <a:avLst/>
@@ -10131,14 +12587,14 @@
           <a:lstStyle/>
           <a:p>
             <a:r>
-              <a:rPr kumimoji="1" lang="en-US" altLang="ja-JP" sz="1200" dirty="0" smtClean="0">
+              <a:rPr kumimoji="1" lang="ja-JP" altLang="en-US" sz="1200" dirty="0" smtClean="0">
                 <a:solidFill>
                   <a:schemeClr val="tx1"/>
                 </a:solidFill>
                 <a:latin typeface="Meiryo UI" panose="020B0604030504040204" pitchFamily="50" charset="-128"/>
                 <a:ea typeface="Meiryo UI" panose="020B0604030504040204" pitchFamily="50" charset="-128"/>
               </a:rPr>
-              <a:t>1</a:t>
+              <a:t>普通</a:t>
             </a:r>
             <a:endParaRPr kumimoji="1" lang="ja-JP" altLang="en-US" sz="1200" dirty="0">
               <a:solidFill>
@@ -10347,7 +12803,7 @@
                 <a:latin typeface="Meiryo UI" panose="020B0604030504040204" pitchFamily="50" charset="-128"/>
                 <a:ea typeface="Meiryo UI" panose="020B0604030504040204" pitchFamily="50" charset="-128"/>
               </a:rPr>
-              <a:t>支店コード</a:t>
+              <a:t>支店カナ</a:t>
             </a:r>
             <a:endParaRPr kumimoji="1" lang="en-US" altLang="ja-JP" sz="1200" dirty="0" smtClean="0">
               <a:latin typeface="Meiryo UI" panose="020B0604030504040204" pitchFamily="50" charset="-128"/>
@@ -10858,6 +13314,139 @@
           </a:p>
         </p:txBody>
       </p:sp>
+      <p:sp>
+        <p:nvSpPr>
+          <p:cNvPr id="40" name="正方形/長方形 39"/>
+          <p:cNvSpPr/>
+          <p:nvPr/>
+        </p:nvSpPr>
+        <p:spPr>
+          <a:xfrm>
+            <a:off x="9253914" y="850990"/>
+            <a:ext cx="2666537" cy="946843"/>
+          </a:xfrm>
+          <a:prstGeom prst="rect">
+            <a:avLst/>
+          </a:prstGeom>
+          <a:noFill/>
+          <a:ln>
+            <a:solidFill>
+              <a:schemeClr val="tx1"/>
+            </a:solidFill>
+          </a:ln>
+        </p:spPr>
+        <p:style>
+          <a:lnRef idx="2">
+            <a:schemeClr val="accent1">
+              <a:shade val="50000"/>
+            </a:schemeClr>
+          </a:lnRef>
+          <a:fillRef idx="1">
+            <a:schemeClr val="accent1"/>
+          </a:fillRef>
+          <a:effectRef idx="0">
+            <a:schemeClr val="accent1"/>
+          </a:effectRef>
+          <a:fontRef idx="minor">
+            <a:schemeClr val="lt1"/>
+          </a:fontRef>
+        </p:style>
+        <p:txBody>
+          <a:bodyPr rtlCol="0" anchor="t" anchorCtr="0"/>
+          <a:lstStyle/>
+          <a:p>
+            <a:r>
+              <a:rPr kumimoji="1" lang="en-US" altLang="ja-JP" sz="1100" dirty="0" smtClean="0">
+                <a:solidFill>
+                  <a:schemeClr val="tx1"/>
+                </a:solidFill>
+                <a:latin typeface="Meiryo UI" panose="020B0604030504040204" pitchFamily="50" charset="-128"/>
+                <a:ea typeface="Meiryo UI" panose="020B0604030504040204" pitchFamily="50" charset="-128"/>
+              </a:rPr>
+              <a:t>【</a:t>
+            </a:r>
+            <a:r>
+              <a:rPr kumimoji="1" lang="ja-JP" altLang="en-US" sz="1100" dirty="0" smtClean="0">
+                <a:solidFill>
+                  <a:schemeClr val="tx1"/>
+                </a:solidFill>
+                <a:latin typeface="Meiryo UI" panose="020B0604030504040204" pitchFamily="50" charset="-128"/>
+                <a:ea typeface="Meiryo UI" panose="020B0604030504040204" pitchFamily="50" charset="-128"/>
+              </a:rPr>
+              <a:t>対象レコード</a:t>
+            </a:r>
+            <a:r>
+              <a:rPr kumimoji="1" lang="en-US" altLang="ja-JP" sz="1100" dirty="0" smtClean="0">
+                <a:solidFill>
+                  <a:schemeClr val="tx1"/>
+                </a:solidFill>
+                <a:latin typeface="Meiryo UI" panose="020B0604030504040204" pitchFamily="50" charset="-128"/>
+                <a:ea typeface="Meiryo UI" panose="020B0604030504040204" pitchFamily="50" charset="-128"/>
+              </a:rPr>
+              <a:t>】</a:t>
+            </a:r>
+          </a:p>
+          <a:p>
+            <a:r>
+              <a:rPr lang="ja-JP" altLang="en-US" sz="1100" dirty="0">
+                <a:solidFill>
+                  <a:schemeClr val="tx1"/>
+                </a:solidFill>
+                <a:latin typeface="Meiryo UI" panose="020B0604030504040204" pitchFamily="50" charset="-128"/>
+                <a:ea typeface="Meiryo UI" panose="020B0604030504040204" pitchFamily="50" charset="-128"/>
+              </a:rPr>
+              <a:t>給与振込口座マスター</a:t>
+            </a:r>
+            <a:r>
+              <a:rPr lang="en-US" altLang="ja-JP" sz="1100" dirty="0">
+                <a:solidFill>
+                  <a:schemeClr val="tx1"/>
+                </a:solidFill>
+                <a:latin typeface="Meiryo UI" panose="020B0604030504040204" pitchFamily="50" charset="-128"/>
+                <a:ea typeface="Meiryo UI" panose="020B0604030504040204" pitchFamily="50" charset="-128"/>
+              </a:rPr>
+              <a:t>.</a:t>
+            </a:r>
+            <a:r>
+              <a:rPr lang="ja-JP" altLang="en-US" sz="1100" dirty="0">
+                <a:solidFill>
+                  <a:schemeClr val="tx1"/>
+                </a:solidFill>
+                <a:latin typeface="Meiryo UI" panose="020B0604030504040204" pitchFamily="50" charset="-128"/>
+                <a:ea typeface="Meiryo UI" panose="020B0604030504040204" pitchFamily="50" charset="-128"/>
+              </a:rPr>
+              <a:t>削除日付</a:t>
+            </a:r>
+            <a:r>
+              <a:rPr lang="en-US" altLang="ja-JP" sz="1100" dirty="0">
+                <a:solidFill>
+                  <a:schemeClr val="tx1"/>
+                </a:solidFill>
+                <a:latin typeface="Meiryo UI" panose="020B0604030504040204" pitchFamily="50" charset="-128"/>
+                <a:ea typeface="Meiryo UI" panose="020B0604030504040204" pitchFamily="50" charset="-128"/>
+              </a:rPr>
+              <a:t>=</a:t>
+            </a:r>
+            <a:r>
+              <a:rPr lang="ja-JP" altLang="en-US" sz="1100" dirty="0" smtClean="0">
+                <a:solidFill>
+                  <a:schemeClr val="tx1"/>
+                </a:solidFill>
+                <a:latin typeface="Meiryo UI" panose="020B0604030504040204" pitchFamily="50" charset="-128"/>
+                <a:ea typeface="Meiryo UI" panose="020B0604030504040204" pitchFamily="50" charset="-128"/>
+              </a:rPr>
+              <a:t>空白</a:t>
+            </a:r>
+            <a:endParaRPr lang="ja-JP" altLang="en-US" sz="1100" dirty="0">
+              <a:solidFill>
+                <a:schemeClr val="tx1"/>
+              </a:solidFill>
+              <a:latin typeface="Meiryo UI" panose="020B0604030504040204" pitchFamily="50" charset="-128"/>
+              <a:ea typeface="Meiryo UI" panose="020B0604030504040204" pitchFamily="50" charset="-128"/>
+            </a:endParaRPr>
+          </a:p>
+        </p:txBody>
+      </p:sp>
     </p:spTree>
     <p:extLst>
       <p:ext uri="{BB962C8B-B14F-4D97-AF65-F5344CB8AC3E}">
@@ -10871,7 +13460,7 @@
 </p:sld>
 </file>
 
-<file path=ppt/slides/slide5.xml><?xml version="1.0" encoding="utf-8"?>
+<file path=ppt/slides/slide6.xml><?xml version="1.0" encoding="utf-8"?>
 <p:sld xmlns:a="http://schemas.openxmlformats.org/drawingml/2006/main" xmlns:r="http://schemas.openxmlformats.org/officeDocument/2006/relationships" xmlns:p="http://schemas.openxmlformats.org/presentationml/2006/main">
   <p:cSld>
     <p:spTree>
@@ -10915,14 +13504,14 @@
                 <a:latin typeface="Meiryo UI" panose="020B0604030504040204" pitchFamily="50" charset="-128"/>
                 <a:ea typeface="Meiryo UI" panose="020B0604030504040204" pitchFamily="50" charset="-128"/>
               </a:rPr>
-              <a:t>5.</a:t>
+              <a:t>6.</a:t>
             </a:r>
             <a:r>
               <a:rPr lang="ja-JP" altLang="en-US" sz="1600" dirty="0" smtClean="0">
                 <a:latin typeface="Meiryo UI" panose="020B0604030504040204" pitchFamily="50" charset="-128"/>
                 <a:ea typeface="Meiryo UI" panose="020B0604030504040204" pitchFamily="50" charset="-128"/>
               </a:rPr>
-              <a:t>給与振込口座一覧 画面</a:t>
+              <a:t>給与振込口座一覧画面</a:t>
             </a:r>
             <a:endParaRPr lang="ja-JP" altLang="en-US" sz="1600" dirty="0">
               <a:latin typeface="Meiryo UI" panose="020B0604030504040204" pitchFamily="50" charset="-128"/>
@@ -11101,7 +13690,7 @@
           <a:p>
             <a:fld id="{E23E62CB-AE02-499E-8DF1-609F7D77B994}" type="datetime1">
               <a:rPr kumimoji="1" lang="ja-JP" altLang="en-US" smtClean="0"/>
-              <a:t>2020/12/25</a:t>
+              <a:t>2020/12/28</a:t>
             </a:fld>
             <a:endParaRPr kumimoji="1" lang="ja-JP" altLang="en-US" dirty="0"/>
           </a:p>
@@ -11124,7 +13713,7 @@
           <a:p>
             <a:fld id="{E0A911C0-B298-4FD6-9CB7-F1EE1E13C81F}" type="slidenum">
               <a:rPr kumimoji="1" lang="ja-JP" altLang="en-US" smtClean="0"/>
-              <a:t>5</a:t>
+              <a:t>6</a:t>
             </a:fld>
             <a:endParaRPr kumimoji="1" lang="ja-JP" altLang="en-US" dirty="0"/>
           </a:p>
@@ -11139,7 +13728,7 @@
           <p:nvPr>
             <p:extLst>
               <p:ext uri="{D42A27DB-BD31-4B8C-83A1-F6EECF244321}">
-                <p14:modId xmlns:p14="http://schemas.microsoft.com/office/powerpoint/2010/main" val="822033872"/>
+                <p14:modId xmlns:p14="http://schemas.microsoft.com/office/powerpoint/2010/main" val="2801789104"/>
               </p:ext>
             </p:extLst>
           </p:nvPr>
@@ -11155,63 +13744,70 @@
                 <a:tableStyleId>{073A0DAA-6AF3-43AB-8588-CEC1D06C72B9}</a:tableStyleId>
               </a:tblPr>
               <a:tblGrid>
-                <a:gridCol w="516778">
+                <a:gridCol w="508465">
                   <a:extLst>
                     <a:ext uri="{9D8B030D-6E8A-4147-A177-3AD203B41FA5}">
                       <a16:colId xmlns:a16="http://schemas.microsoft.com/office/drawing/2014/main" val="3096675292"/>
                     </a:ext>
                   </a:extLst>
                 </a:gridCol>
-                <a:gridCol w="839585">
+                <a:gridCol w="856211">
                   <a:extLst>
                     <a:ext uri="{9D8B030D-6E8A-4147-A177-3AD203B41FA5}">
                       <a16:colId xmlns:a16="http://schemas.microsoft.com/office/drawing/2014/main" val="3285164545"/>
                     </a:ext>
                   </a:extLst>
                 </a:gridCol>
-                <a:gridCol w="2144684">
+                <a:gridCol w="1379912">
                   <a:extLst>
                     <a:ext uri="{9D8B030D-6E8A-4147-A177-3AD203B41FA5}">
                       <a16:colId xmlns:a16="http://schemas.microsoft.com/office/drawing/2014/main" val="889585061"/>
                     </a:ext>
                   </a:extLst>
                 </a:gridCol>
-                <a:gridCol w="1122218">
+                <a:gridCol w="1163782">
                   <a:extLst>
                     <a:ext uri="{9D8B030D-6E8A-4147-A177-3AD203B41FA5}">
                       <a16:colId xmlns:a16="http://schemas.microsoft.com/office/drawing/2014/main" val="1259357946"/>
                     </a:ext>
                   </a:extLst>
                 </a:gridCol>
-                <a:gridCol w="1030778">
+                <a:gridCol w="1113906">
                   <a:extLst>
                     <a:ext uri="{9D8B030D-6E8A-4147-A177-3AD203B41FA5}">
                       <a16:colId xmlns:a16="http://schemas.microsoft.com/office/drawing/2014/main" val="1690966431"/>
                     </a:ext>
                   </a:extLst>
                 </a:gridCol>
-                <a:gridCol w="739833">
+                <a:gridCol w="1064029">
                   <a:extLst>
                     <a:ext uri="{9D8B030D-6E8A-4147-A177-3AD203B41FA5}">
                       <a16:colId xmlns:a16="http://schemas.microsoft.com/office/drawing/2014/main" val="2120910868"/>
                     </a:ext>
                   </a:extLst>
                 </a:gridCol>
-                <a:gridCol w="920483">
+                <a:gridCol w="532014">
+                  <a:extLst>
+                    <a:ext uri="{9D8B030D-6E8A-4147-A177-3AD203B41FA5}">
+                      <a16:colId xmlns:a16="http://schemas.microsoft.com/office/drawing/2014/main" val="1404504379"/>
+                    </a:ext>
+                  </a:extLst>
+                </a:gridCol>
+                <a:gridCol w="914400">
                   <a:extLst>
                     <a:ext uri="{9D8B030D-6E8A-4147-A177-3AD203B41FA5}">
                       <a16:colId xmlns:a16="http://schemas.microsoft.com/office/drawing/2014/main" val="1697014033"/>
                     </a:ext>
                   </a:extLst>
                 </a:gridCol>
-                <a:gridCol w="1048519">
+                <a:gridCol w="923573">
                   <a:extLst>
                     <a:ext uri="{9D8B030D-6E8A-4147-A177-3AD203B41FA5}">
                       <a16:colId xmlns:a16="http://schemas.microsoft.com/office/drawing/2014/main" val="3111744223"/>
                     </a:ext>
                   </a:extLst>
                 </a:gridCol>
-                <a:gridCol w="1048519">
+                <a:gridCol w="955105">
                   <a:extLst>
                     <a:ext uri="{9D8B030D-6E8A-4147-A177-3AD203B41FA5}">
                       <a16:colId xmlns:a16="http://schemas.microsoft.com/office/drawing/2014/main" val="130618225"/>
@@ -11610,6 +14206,57 @@
                     <a:bodyPr/>
                     <a:lstStyle/>
                     <a:p>
+                      <a:endParaRPr kumimoji="1" lang="ja-JP" altLang="en-US" sz="1200" dirty="0">
+                        <a:latin typeface="Meiryo UI" panose="020B0604030504040204" pitchFamily="50" charset="-128"/>
+                        <a:ea typeface="Meiryo UI" panose="020B0604030504040204" pitchFamily="50" charset="-128"/>
+                      </a:endParaRPr>
+                    </a:p>
+                  </a:txBody>
+                  <a:tcPr>
+                    <a:lnL w="12700" cap="flat" cmpd="sng" algn="ctr">
+                      <a:solidFill>
+                        <a:schemeClr val="tx1"/>
+                      </a:solidFill>
+                      <a:prstDash val="solid"/>
+                      <a:round/>
+                      <a:headEnd type="none" w="med" len="med"/>
+                      <a:tailEnd type="none" w="med" len="med"/>
+                    </a:lnL>
+                    <a:lnR w="12700" cap="flat" cmpd="sng" algn="ctr">
+                      <a:solidFill>
+                        <a:schemeClr val="tx1"/>
+                      </a:solidFill>
+                      <a:prstDash val="solid"/>
+                      <a:round/>
+                      <a:headEnd type="none" w="med" len="med"/>
+                      <a:tailEnd type="none" w="med" len="med"/>
+                    </a:lnR>
+                    <a:lnT w="12700" cap="flat" cmpd="sng" algn="ctr">
+                      <a:solidFill>
+                        <a:schemeClr val="tx1"/>
+                      </a:solidFill>
+                      <a:prstDash val="solid"/>
+                      <a:round/>
+                      <a:headEnd type="none" w="med" len="med"/>
+                      <a:tailEnd type="none" w="med" len="med"/>
+                    </a:lnT>
+                    <a:lnB w="12700" cap="flat" cmpd="sng" algn="ctr">
+                      <a:solidFill>
+                        <a:schemeClr val="tx1"/>
+                      </a:solidFill>
+                      <a:prstDash val="solid"/>
+                      <a:round/>
+                      <a:headEnd type="none" w="med" len="med"/>
+                      <a:tailEnd type="none" w="med" len="med"/>
+                    </a:lnB>
+                    <a:noFill/>
+                  </a:tcPr>
+                </a:tc>
+                <a:tc>
+                  <a:txBody>
+                    <a:bodyPr/>
+                    <a:lstStyle/>
+                    <a:p>
                       <a:r>
                         <a:rPr kumimoji="1" lang="ja-JP" altLang="en-US" sz="1200" dirty="0" smtClean="0">
                           <a:latin typeface="Meiryo UI" panose="020B0604030504040204" pitchFamily="50" charset="-128"/>
@@ -12015,6 +14662,64 @@
                           <a:ea typeface="Meiryo UI" panose="020B0604030504040204" pitchFamily="50" charset="-128"/>
                         </a:rPr>
                         <a:t>ﾏﾂﾊﾞﾁｮｳ</a:t>
+                      </a:r>
+                      <a:endParaRPr kumimoji="1" lang="ja-JP" altLang="en-US" sz="1200" dirty="0">
+                        <a:latin typeface="Meiryo UI" panose="020B0604030504040204" pitchFamily="50" charset="-128"/>
+                        <a:ea typeface="Meiryo UI" panose="020B0604030504040204" pitchFamily="50" charset="-128"/>
+                      </a:endParaRPr>
+                    </a:p>
+                  </a:txBody>
+                  <a:tcPr>
+                    <a:lnL w="12700" cap="flat" cmpd="sng" algn="ctr">
+                      <a:solidFill>
+                        <a:schemeClr val="tx1"/>
+                      </a:solidFill>
+                      <a:prstDash val="solid"/>
+                      <a:round/>
+                      <a:headEnd type="none" w="med" len="med"/>
+                      <a:tailEnd type="none" w="med" len="med"/>
+                    </a:lnL>
+                    <a:lnR w="12700" cap="flat" cmpd="sng" algn="ctr">
+                      <a:solidFill>
+                        <a:schemeClr val="tx1"/>
+                      </a:solidFill>
+                      <a:prstDash val="solid"/>
+                      <a:round/>
+                      <a:headEnd type="none" w="med" len="med"/>
+                      <a:tailEnd type="none" w="med" len="med"/>
+                    </a:lnR>
+                    <a:lnT w="12700" cap="flat" cmpd="sng" algn="ctr">
+                      <a:solidFill>
+                        <a:schemeClr val="tx1"/>
+                      </a:solidFill>
+                      <a:prstDash val="solid"/>
+                      <a:round/>
+                      <a:headEnd type="none" w="med" len="med"/>
+                      <a:tailEnd type="none" w="med" len="med"/>
+                    </a:lnT>
+                    <a:lnB w="12700" cap="flat" cmpd="sng" algn="ctr">
+                      <a:solidFill>
+                        <a:schemeClr val="tx1"/>
+                      </a:solidFill>
+                      <a:prstDash val="solid"/>
+                      <a:round/>
+                      <a:headEnd type="none" w="med" len="med"/>
+                      <a:tailEnd type="none" w="med" len="med"/>
+                    </a:lnB>
+                    <a:noFill/>
+                  </a:tcPr>
+                </a:tc>
+                <a:tc>
+                  <a:txBody>
+                    <a:bodyPr/>
+                    <a:lstStyle/>
+                    <a:p>
+                      <a:r>
+                        <a:rPr kumimoji="1" lang="ja-JP" altLang="en-US" sz="1200" dirty="0" smtClean="0">
+                          <a:latin typeface="Meiryo UI" panose="020B0604030504040204" pitchFamily="50" charset="-128"/>
+                          <a:ea typeface="Meiryo UI" panose="020B0604030504040204" pitchFamily="50" charset="-128"/>
+                        </a:rPr>
+                        <a:t>普通</a:t>
                       </a:r>
                       <a:endParaRPr kumimoji="1" lang="ja-JP" altLang="en-US" sz="1200" dirty="0">
                         <a:latin typeface="Meiryo UI" panose="020B0604030504040204" pitchFamily="50" charset="-128"/>
@@ -12583,6 +15288,64 @@
                     <a:lstStyle/>
                     <a:p>
                       <a:r>
+                        <a:rPr kumimoji="1" lang="ja-JP" altLang="en-US" sz="1200" smtClean="0">
+                          <a:latin typeface="Meiryo UI" panose="020B0604030504040204" pitchFamily="50" charset="-128"/>
+                          <a:ea typeface="Meiryo UI" panose="020B0604030504040204" pitchFamily="50" charset="-128"/>
+                        </a:rPr>
+                        <a:t>普通</a:t>
+                      </a:r>
+                      <a:endParaRPr kumimoji="1" lang="ja-JP" altLang="en-US" sz="1200" dirty="0">
+                        <a:latin typeface="Meiryo UI" panose="020B0604030504040204" pitchFamily="50" charset="-128"/>
+                        <a:ea typeface="Meiryo UI" panose="020B0604030504040204" pitchFamily="50" charset="-128"/>
+                      </a:endParaRPr>
+                    </a:p>
+                  </a:txBody>
+                  <a:tcPr>
+                    <a:lnL w="12700" cap="flat" cmpd="sng" algn="ctr">
+                      <a:solidFill>
+                        <a:schemeClr val="tx1"/>
+                      </a:solidFill>
+                      <a:prstDash val="solid"/>
+                      <a:round/>
+                      <a:headEnd type="none" w="med" len="med"/>
+                      <a:tailEnd type="none" w="med" len="med"/>
+                    </a:lnL>
+                    <a:lnR w="12700" cap="flat" cmpd="sng" algn="ctr">
+                      <a:solidFill>
+                        <a:schemeClr val="tx1"/>
+                      </a:solidFill>
+                      <a:prstDash val="solid"/>
+                      <a:round/>
+                      <a:headEnd type="none" w="med" len="med"/>
+                      <a:tailEnd type="none" w="med" len="med"/>
+                    </a:lnR>
+                    <a:lnT w="12700" cap="flat" cmpd="sng" algn="ctr">
+                      <a:solidFill>
+                        <a:schemeClr val="tx1"/>
+                      </a:solidFill>
+                      <a:prstDash val="solid"/>
+                      <a:round/>
+                      <a:headEnd type="none" w="med" len="med"/>
+                      <a:tailEnd type="none" w="med" len="med"/>
+                    </a:lnT>
+                    <a:lnB w="12700" cap="flat" cmpd="sng" algn="ctr">
+                      <a:solidFill>
+                        <a:schemeClr val="tx1"/>
+                      </a:solidFill>
+                      <a:prstDash val="solid"/>
+                      <a:round/>
+                      <a:headEnd type="none" w="med" len="med"/>
+                      <a:tailEnd type="none" w="med" len="med"/>
+                    </a:lnB>
+                    <a:noFill/>
+                  </a:tcPr>
+                </a:tc>
+                <a:tc>
+                  <a:txBody>
+                    <a:bodyPr/>
+                    <a:lstStyle/>
+                    <a:p>
+                      <a:r>
                         <a:rPr kumimoji="1" lang="en-US" altLang="ja-JP" sz="1200" dirty="0" smtClean="0">
                           <a:latin typeface="Meiryo UI" panose="020B0604030504040204" pitchFamily="50" charset="-128"/>
                           <a:ea typeface="Meiryo UI" panose="020B0604030504040204" pitchFamily="50" charset="-128"/>
@@ -13203,6 +15966,57 @@
                     <a:noFill/>
                   </a:tcPr>
                 </a:tc>
+                <a:tc>
+                  <a:txBody>
+                    <a:bodyPr/>
+                    <a:lstStyle/>
+                    <a:p>
+                      <a:endParaRPr kumimoji="1" lang="ja-JP" altLang="en-US" sz="1200" dirty="0">
+                        <a:latin typeface="Meiryo UI" panose="020B0604030504040204" pitchFamily="50" charset="-128"/>
+                        <a:ea typeface="Meiryo UI" panose="020B0604030504040204" pitchFamily="50" charset="-128"/>
+                      </a:endParaRPr>
+                    </a:p>
+                  </a:txBody>
+                  <a:tcPr>
+                    <a:lnL w="12700" cap="flat" cmpd="sng" algn="ctr">
+                      <a:solidFill>
+                        <a:schemeClr val="tx1"/>
+                      </a:solidFill>
+                      <a:prstDash val="solid"/>
+                      <a:round/>
+                      <a:headEnd type="none" w="med" len="med"/>
+                      <a:tailEnd type="none" w="med" len="med"/>
+                    </a:lnL>
+                    <a:lnR w="12700" cap="flat" cmpd="sng" algn="ctr">
+                      <a:solidFill>
+                        <a:schemeClr val="tx1"/>
+                      </a:solidFill>
+                      <a:prstDash val="solid"/>
+                      <a:round/>
+                      <a:headEnd type="none" w="med" len="med"/>
+                      <a:tailEnd type="none" w="med" len="med"/>
+                    </a:lnR>
+                    <a:lnT w="12700" cap="flat" cmpd="sng" algn="ctr">
+                      <a:solidFill>
+                        <a:schemeClr val="tx1"/>
+                      </a:solidFill>
+                      <a:prstDash val="solid"/>
+                      <a:round/>
+                      <a:headEnd type="none" w="med" len="med"/>
+                      <a:tailEnd type="none" w="med" len="med"/>
+                    </a:lnT>
+                    <a:lnB w="12700" cap="flat" cmpd="sng" algn="ctr">
+                      <a:solidFill>
+                        <a:schemeClr val="tx1"/>
+                      </a:solidFill>
+                      <a:prstDash val="solid"/>
+                      <a:round/>
+                      <a:headEnd type="none" w="med" len="med"/>
+                      <a:tailEnd type="none" w="med" len="med"/>
+                    </a:lnB>
+                    <a:noFill/>
+                  </a:tcPr>
+                </a:tc>
                 <a:extLst>
                   <a:ext uri="{0D108BD9-81ED-4DB2-BD59-A6C34878D82A}">
                     <a16:rowId xmlns:a16="http://schemas.microsoft.com/office/drawing/2014/main" val="1757143786"/>
@@ -13267,6 +16081,57 @@
                     <a:lstStyle/>
                     <a:p>
                       <a:endParaRPr kumimoji="1" lang="ja-JP" altLang="en-US" sz="1200">
+                        <a:latin typeface="Meiryo UI" panose="020B0604030504040204" pitchFamily="50" charset="-128"/>
+                        <a:ea typeface="Meiryo UI" panose="020B0604030504040204" pitchFamily="50" charset="-128"/>
+                      </a:endParaRPr>
+                    </a:p>
+                  </a:txBody>
+                  <a:tcPr>
+                    <a:lnL w="12700" cap="flat" cmpd="sng" algn="ctr">
+                      <a:solidFill>
+                        <a:schemeClr val="tx1"/>
+                      </a:solidFill>
+                      <a:prstDash val="solid"/>
+                      <a:round/>
+                      <a:headEnd type="none" w="med" len="med"/>
+                      <a:tailEnd type="none" w="med" len="med"/>
+                    </a:lnL>
+                    <a:lnR w="12700" cap="flat" cmpd="sng" algn="ctr">
+                      <a:solidFill>
+                        <a:schemeClr val="tx1"/>
+                      </a:solidFill>
+                      <a:prstDash val="solid"/>
+                      <a:round/>
+                      <a:headEnd type="none" w="med" len="med"/>
+                      <a:tailEnd type="none" w="med" len="med"/>
+                    </a:lnR>
+                    <a:lnT w="12700" cap="flat" cmpd="sng" algn="ctr">
+                      <a:solidFill>
+                        <a:schemeClr val="tx1"/>
+                      </a:solidFill>
+                      <a:prstDash val="solid"/>
+                      <a:round/>
+                      <a:headEnd type="none" w="med" len="med"/>
+                      <a:tailEnd type="none" w="med" len="med"/>
+                    </a:lnT>
+                    <a:lnB w="12700" cap="flat" cmpd="sng" algn="ctr">
+                      <a:solidFill>
+                        <a:schemeClr val="tx1"/>
+                      </a:solidFill>
+                      <a:prstDash val="solid"/>
+                      <a:round/>
+                      <a:headEnd type="none" w="med" len="med"/>
+                      <a:tailEnd type="none" w="med" len="med"/>
+                    </a:lnB>
+                    <a:noFill/>
+                  </a:tcPr>
+                </a:tc>
+                <a:tc>
+                  <a:txBody>
+                    <a:bodyPr/>
+                    <a:lstStyle/>
+                    <a:p>
+                      <a:endParaRPr kumimoji="1" lang="ja-JP" altLang="en-US" sz="1200" dirty="0">
                         <a:latin typeface="Meiryo UI" panose="020B0604030504040204" pitchFamily="50" charset="-128"/>
                         <a:ea typeface="Meiryo UI" panose="020B0604030504040204" pitchFamily="50" charset="-128"/>
                       </a:endParaRPr>
@@ -14135,6 +17000,57 @@
                     <a:noFill/>
                   </a:tcPr>
                 </a:tc>
+                <a:tc>
+                  <a:txBody>
+                    <a:bodyPr/>
+                    <a:lstStyle/>
+                    <a:p>
+                      <a:endParaRPr kumimoji="1" lang="ja-JP" altLang="en-US" sz="1200" dirty="0">
+                        <a:latin typeface="Meiryo UI" panose="020B0604030504040204" pitchFamily="50" charset="-128"/>
+                        <a:ea typeface="Meiryo UI" panose="020B0604030504040204" pitchFamily="50" charset="-128"/>
+                      </a:endParaRPr>
+                    </a:p>
+                  </a:txBody>
+                  <a:tcPr>
+                    <a:lnL w="12700" cap="flat" cmpd="sng" algn="ctr">
+                      <a:solidFill>
+                        <a:schemeClr val="tx1"/>
+                      </a:solidFill>
+                      <a:prstDash val="solid"/>
+                      <a:round/>
+                      <a:headEnd type="none" w="med" len="med"/>
+                      <a:tailEnd type="none" w="med" len="med"/>
+                    </a:lnL>
+                    <a:lnR w="12700" cap="flat" cmpd="sng" algn="ctr">
+                      <a:solidFill>
+                        <a:schemeClr val="tx1"/>
+                      </a:solidFill>
+                      <a:prstDash val="solid"/>
+                      <a:round/>
+                      <a:headEnd type="none" w="med" len="med"/>
+                      <a:tailEnd type="none" w="med" len="med"/>
+                    </a:lnR>
+                    <a:lnT w="12700" cap="flat" cmpd="sng" algn="ctr">
+                      <a:solidFill>
+                        <a:schemeClr val="tx1"/>
+                      </a:solidFill>
+                      <a:prstDash val="solid"/>
+                      <a:round/>
+                      <a:headEnd type="none" w="med" len="med"/>
+                      <a:tailEnd type="none" w="med" len="med"/>
+                    </a:lnT>
+                    <a:lnB w="12700" cap="flat" cmpd="sng" algn="ctr">
+                      <a:solidFill>
+                        <a:schemeClr val="tx1"/>
+                      </a:solidFill>
+                      <a:prstDash val="solid"/>
+                      <a:round/>
+                      <a:headEnd type="none" w="med" len="med"/>
+                      <a:tailEnd type="none" w="med" len="med"/>
+                    </a:lnB>
+                    <a:noFill/>
+                  </a:tcPr>
+                </a:tc>
                 <a:extLst>
                   <a:ext uri="{0D108BD9-81ED-4DB2-BD59-A6C34878D82A}">
                     <a16:rowId xmlns:a16="http://schemas.microsoft.com/office/drawing/2014/main" val="668920587"/>
@@ -14199,6 +17115,57 @@
                     <a:lstStyle/>
                     <a:p>
                       <a:endParaRPr kumimoji="1" lang="ja-JP" altLang="en-US" sz="1200">
+                        <a:latin typeface="Meiryo UI" panose="020B0604030504040204" pitchFamily="50" charset="-128"/>
+                        <a:ea typeface="Meiryo UI" panose="020B0604030504040204" pitchFamily="50" charset="-128"/>
+                      </a:endParaRPr>
+                    </a:p>
+                  </a:txBody>
+                  <a:tcPr>
+                    <a:lnL w="12700" cap="flat" cmpd="sng" algn="ctr">
+                      <a:solidFill>
+                        <a:schemeClr val="tx1"/>
+                      </a:solidFill>
+                      <a:prstDash val="solid"/>
+                      <a:round/>
+                      <a:headEnd type="none" w="med" len="med"/>
+                      <a:tailEnd type="none" w="med" len="med"/>
+                    </a:lnL>
+                    <a:lnR w="12700" cap="flat" cmpd="sng" algn="ctr">
+                      <a:solidFill>
+                        <a:schemeClr val="tx1"/>
+                      </a:solidFill>
+                      <a:prstDash val="solid"/>
+                      <a:round/>
+                      <a:headEnd type="none" w="med" len="med"/>
+                      <a:tailEnd type="none" w="med" len="med"/>
+                    </a:lnR>
+                    <a:lnT w="12700" cap="flat" cmpd="sng" algn="ctr">
+                      <a:solidFill>
+                        <a:schemeClr val="tx1"/>
+                      </a:solidFill>
+                      <a:prstDash val="solid"/>
+                      <a:round/>
+                      <a:headEnd type="none" w="med" len="med"/>
+                      <a:tailEnd type="none" w="med" len="med"/>
+                    </a:lnT>
+                    <a:lnB w="12700" cap="flat" cmpd="sng" algn="ctr">
+                      <a:solidFill>
+                        <a:schemeClr val="tx1"/>
+                      </a:solidFill>
+                      <a:prstDash val="solid"/>
+                      <a:round/>
+                      <a:headEnd type="none" w="med" len="med"/>
+                      <a:tailEnd type="none" w="med" len="med"/>
+                    </a:lnB>
+                    <a:noFill/>
+                  </a:tcPr>
+                </a:tc>
+                <a:tc>
+                  <a:txBody>
+                    <a:bodyPr/>
+                    <a:lstStyle/>
+                    <a:p>
+                      <a:endParaRPr kumimoji="1" lang="ja-JP" altLang="en-US" sz="1200" dirty="0">
                         <a:latin typeface="Meiryo UI" panose="020B0604030504040204" pitchFamily="50" charset="-128"/>
                         <a:ea typeface="Meiryo UI" panose="020B0604030504040204" pitchFamily="50" charset="-128"/>
                       </a:endParaRPr>
@@ -14664,7 +17631,58 @@
                     <a:bodyPr/>
                     <a:lstStyle/>
                     <a:p>
-                      <a:endParaRPr kumimoji="1" lang="ja-JP" altLang="en-US" sz="1200">
+                      <a:endParaRPr kumimoji="1" lang="ja-JP" altLang="en-US" sz="1200" dirty="0">
+                        <a:latin typeface="Meiryo UI" panose="020B0604030504040204" pitchFamily="50" charset="-128"/>
+                        <a:ea typeface="Meiryo UI" panose="020B0604030504040204" pitchFamily="50" charset="-128"/>
+                      </a:endParaRPr>
+                    </a:p>
+                  </a:txBody>
+                  <a:tcPr>
+                    <a:lnL w="12700" cap="flat" cmpd="sng" algn="ctr">
+                      <a:solidFill>
+                        <a:schemeClr val="tx1"/>
+                      </a:solidFill>
+                      <a:prstDash val="solid"/>
+                      <a:round/>
+                      <a:headEnd type="none" w="med" len="med"/>
+                      <a:tailEnd type="none" w="med" len="med"/>
+                    </a:lnL>
+                    <a:lnR w="12700" cap="flat" cmpd="sng" algn="ctr">
+                      <a:solidFill>
+                        <a:schemeClr val="tx1"/>
+                      </a:solidFill>
+                      <a:prstDash val="solid"/>
+                      <a:round/>
+                      <a:headEnd type="none" w="med" len="med"/>
+                      <a:tailEnd type="none" w="med" len="med"/>
+                    </a:lnR>
+                    <a:lnT w="12700" cap="flat" cmpd="sng" algn="ctr">
+                      <a:solidFill>
+                        <a:schemeClr val="tx1"/>
+                      </a:solidFill>
+                      <a:prstDash val="solid"/>
+                      <a:round/>
+                      <a:headEnd type="none" w="med" len="med"/>
+                      <a:tailEnd type="none" w="med" len="med"/>
+                    </a:lnT>
+                    <a:lnB w="12700" cap="flat" cmpd="sng" algn="ctr">
+                      <a:solidFill>
+                        <a:schemeClr val="tx1"/>
+                      </a:solidFill>
+                      <a:prstDash val="solid"/>
+                      <a:round/>
+                      <a:headEnd type="none" w="med" len="med"/>
+                      <a:tailEnd type="none" w="med" len="med"/>
+                    </a:lnB>
+                    <a:noFill/>
+                  </a:tcPr>
+                </a:tc>
+                <a:tc>
+                  <a:txBody>
+                    <a:bodyPr/>
+                    <a:lstStyle/>
+                    <a:p>
+                      <a:endParaRPr kumimoji="1" lang="ja-JP" altLang="en-US" sz="1200" dirty="0">
                         <a:latin typeface="Meiryo UI" panose="020B0604030504040204" pitchFamily="50" charset="-128"/>
                         <a:ea typeface="Meiryo UI" panose="020B0604030504040204" pitchFamily="50" charset="-128"/>
                       </a:endParaRPr>
@@ -15533,6 +18551,57 @@
                     <a:noFill/>
                   </a:tcPr>
                 </a:tc>
+                <a:tc>
+                  <a:txBody>
+                    <a:bodyPr/>
+                    <a:lstStyle/>
+                    <a:p>
+                      <a:endParaRPr kumimoji="1" lang="ja-JP" altLang="en-US" sz="1200" dirty="0">
+                        <a:latin typeface="Meiryo UI" panose="020B0604030504040204" pitchFamily="50" charset="-128"/>
+                        <a:ea typeface="Meiryo UI" panose="020B0604030504040204" pitchFamily="50" charset="-128"/>
+                      </a:endParaRPr>
+                    </a:p>
+                  </a:txBody>
+                  <a:tcPr>
+                    <a:lnL w="12700" cap="flat" cmpd="sng" algn="ctr">
+                      <a:solidFill>
+                        <a:schemeClr val="tx1"/>
+                      </a:solidFill>
+                      <a:prstDash val="solid"/>
+                      <a:round/>
+                      <a:headEnd type="none" w="med" len="med"/>
+                      <a:tailEnd type="none" w="med" len="med"/>
+                    </a:lnL>
+                    <a:lnR w="12700" cap="flat" cmpd="sng" algn="ctr">
+                      <a:solidFill>
+                        <a:schemeClr val="tx1"/>
+                      </a:solidFill>
+                      <a:prstDash val="solid"/>
+                      <a:round/>
+                      <a:headEnd type="none" w="med" len="med"/>
+                      <a:tailEnd type="none" w="med" len="med"/>
+                    </a:lnR>
+                    <a:lnT w="12700" cap="flat" cmpd="sng" algn="ctr">
+                      <a:solidFill>
+                        <a:schemeClr val="tx1"/>
+                      </a:solidFill>
+                      <a:prstDash val="solid"/>
+                      <a:round/>
+                      <a:headEnd type="none" w="med" len="med"/>
+                      <a:tailEnd type="none" w="med" len="med"/>
+                    </a:lnT>
+                    <a:lnB w="12700" cap="flat" cmpd="sng" algn="ctr">
+                      <a:solidFill>
+                        <a:schemeClr val="tx1"/>
+                      </a:solidFill>
+                      <a:prstDash val="solid"/>
+                      <a:round/>
+                      <a:headEnd type="none" w="med" len="med"/>
+                      <a:tailEnd type="none" w="med" len="med"/>
+                    </a:lnB>
+                    <a:noFill/>
+                  </a:tcPr>
+                </a:tc>
                 <a:extLst>
                   <a:ext uri="{0D108BD9-81ED-4DB2-BD59-A6C34878D82A}">
                     <a16:rowId xmlns:a16="http://schemas.microsoft.com/office/drawing/2014/main" val="972637536"/>
@@ -15597,6 +18666,57 @@
                     <a:lstStyle/>
                     <a:p>
                       <a:endParaRPr kumimoji="1" lang="ja-JP" altLang="en-US" sz="1200">
+                        <a:latin typeface="Meiryo UI" panose="020B0604030504040204" pitchFamily="50" charset="-128"/>
+                        <a:ea typeface="Meiryo UI" panose="020B0604030504040204" pitchFamily="50" charset="-128"/>
+                      </a:endParaRPr>
+                    </a:p>
+                  </a:txBody>
+                  <a:tcPr>
+                    <a:lnL w="12700" cap="flat" cmpd="sng" algn="ctr">
+                      <a:solidFill>
+                        <a:schemeClr val="tx1"/>
+                      </a:solidFill>
+                      <a:prstDash val="solid"/>
+                      <a:round/>
+                      <a:headEnd type="none" w="med" len="med"/>
+                      <a:tailEnd type="none" w="med" len="med"/>
+                    </a:lnL>
+                    <a:lnR w="12700" cap="flat" cmpd="sng" algn="ctr">
+                      <a:solidFill>
+                        <a:schemeClr val="tx1"/>
+                      </a:solidFill>
+                      <a:prstDash val="solid"/>
+                      <a:round/>
+                      <a:headEnd type="none" w="med" len="med"/>
+                      <a:tailEnd type="none" w="med" len="med"/>
+                    </a:lnR>
+                    <a:lnT w="12700" cap="flat" cmpd="sng" algn="ctr">
+                      <a:solidFill>
+                        <a:schemeClr val="tx1"/>
+                      </a:solidFill>
+                      <a:prstDash val="solid"/>
+                      <a:round/>
+                      <a:headEnd type="none" w="med" len="med"/>
+                      <a:tailEnd type="none" w="med" len="med"/>
+                    </a:lnT>
+                    <a:lnB w="12700" cap="flat" cmpd="sng" algn="ctr">
+                      <a:solidFill>
+                        <a:schemeClr val="tx1"/>
+                      </a:solidFill>
+                      <a:prstDash val="solid"/>
+                      <a:round/>
+                      <a:headEnd type="none" w="med" len="med"/>
+                      <a:tailEnd type="none" w="med" len="med"/>
+                    </a:lnB>
+                    <a:noFill/>
+                  </a:tcPr>
+                </a:tc>
+                <a:tc>
+                  <a:txBody>
+                    <a:bodyPr/>
+                    <a:lstStyle/>
+                    <a:p>
+                      <a:endParaRPr kumimoji="1" lang="ja-JP" altLang="en-US" sz="1200" dirty="0">
                         <a:latin typeface="Meiryo UI" panose="020B0604030504040204" pitchFamily="50" charset="-128"/>
                         <a:ea typeface="Meiryo UI" panose="020B0604030504040204" pitchFamily="50" charset="-128"/>
                       </a:endParaRPr>
@@ -16465,6 +19585,57 @@
                     <a:noFill/>
                   </a:tcPr>
                 </a:tc>
+                <a:tc>
+                  <a:txBody>
+                    <a:bodyPr/>
+                    <a:lstStyle/>
+                    <a:p>
+                      <a:endParaRPr kumimoji="1" lang="ja-JP" altLang="en-US" sz="1200" dirty="0">
+                        <a:latin typeface="Meiryo UI" panose="020B0604030504040204" pitchFamily="50" charset="-128"/>
+                        <a:ea typeface="Meiryo UI" panose="020B0604030504040204" pitchFamily="50" charset="-128"/>
+                      </a:endParaRPr>
+                    </a:p>
+                  </a:txBody>
+                  <a:tcPr>
+                    <a:lnL w="12700" cap="flat" cmpd="sng" algn="ctr">
+                      <a:solidFill>
+                        <a:schemeClr val="tx1"/>
+                      </a:solidFill>
+                      <a:prstDash val="solid"/>
+                      <a:round/>
+                      <a:headEnd type="none" w="med" len="med"/>
+                      <a:tailEnd type="none" w="med" len="med"/>
+                    </a:lnL>
+                    <a:lnR w="12700" cap="flat" cmpd="sng" algn="ctr">
+                      <a:solidFill>
+                        <a:schemeClr val="tx1"/>
+                      </a:solidFill>
+                      <a:prstDash val="solid"/>
+                      <a:round/>
+                      <a:headEnd type="none" w="med" len="med"/>
+                      <a:tailEnd type="none" w="med" len="med"/>
+                    </a:lnR>
+                    <a:lnT w="12700" cap="flat" cmpd="sng" algn="ctr">
+                      <a:solidFill>
+                        <a:schemeClr val="tx1"/>
+                      </a:solidFill>
+                      <a:prstDash val="solid"/>
+                      <a:round/>
+                      <a:headEnd type="none" w="med" len="med"/>
+                      <a:tailEnd type="none" w="med" len="med"/>
+                    </a:lnT>
+                    <a:lnB w="12700" cap="flat" cmpd="sng" algn="ctr">
+                      <a:solidFill>
+                        <a:schemeClr val="tx1"/>
+                      </a:solidFill>
+                      <a:prstDash val="solid"/>
+                      <a:round/>
+                      <a:headEnd type="none" w="med" len="med"/>
+                      <a:tailEnd type="none" w="med" len="med"/>
+                    </a:lnB>
+                    <a:noFill/>
+                  </a:tcPr>
+                </a:tc>
                 <a:extLst>
                   <a:ext uri="{0D108BD9-81ED-4DB2-BD59-A6C34878D82A}">
                     <a16:rowId xmlns:a16="http://schemas.microsoft.com/office/drawing/2014/main" val="1717973562"/>
@@ -16475,10 +19646,5501 @@
           </a:graphicData>
         </a:graphic>
       </p:graphicFrame>
+      <p:sp>
+        <p:nvSpPr>
+          <p:cNvPr id="12" name="正方形/長方形 11"/>
+          <p:cNvSpPr/>
+          <p:nvPr/>
+        </p:nvSpPr>
+        <p:spPr>
+          <a:xfrm>
+            <a:off x="10547462" y="1150245"/>
+            <a:ext cx="1559871" cy="1135755"/>
+          </a:xfrm>
+          <a:prstGeom prst="rect">
+            <a:avLst/>
+          </a:prstGeom>
+          <a:noFill/>
+          <a:ln>
+            <a:solidFill>
+              <a:schemeClr val="tx1"/>
+            </a:solidFill>
+          </a:ln>
+        </p:spPr>
+        <p:style>
+          <a:lnRef idx="2">
+            <a:schemeClr val="accent1">
+              <a:shade val="50000"/>
+            </a:schemeClr>
+          </a:lnRef>
+          <a:fillRef idx="1">
+            <a:schemeClr val="accent1"/>
+          </a:fillRef>
+          <a:effectRef idx="0">
+            <a:schemeClr val="accent1"/>
+          </a:effectRef>
+          <a:fontRef idx="minor">
+            <a:schemeClr val="lt1"/>
+          </a:fontRef>
+        </p:style>
+        <p:txBody>
+          <a:bodyPr rtlCol="0" anchor="t" anchorCtr="0"/>
+          <a:lstStyle/>
+          <a:p>
+            <a:r>
+              <a:rPr kumimoji="1" lang="en-US" altLang="ja-JP" sz="1100" dirty="0" smtClean="0">
+                <a:solidFill>
+                  <a:schemeClr val="tx1"/>
+                </a:solidFill>
+                <a:latin typeface="Meiryo UI" panose="020B0604030504040204" pitchFamily="50" charset="-128"/>
+                <a:ea typeface="Meiryo UI" panose="020B0604030504040204" pitchFamily="50" charset="-128"/>
+              </a:rPr>
+              <a:t>【</a:t>
+            </a:r>
+            <a:r>
+              <a:rPr kumimoji="1" lang="ja-JP" altLang="en-US" sz="1100" dirty="0" smtClean="0">
+                <a:solidFill>
+                  <a:schemeClr val="tx1"/>
+                </a:solidFill>
+                <a:latin typeface="Meiryo UI" panose="020B0604030504040204" pitchFamily="50" charset="-128"/>
+                <a:ea typeface="Meiryo UI" panose="020B0604030504040204" pitchFamily="50" charset="-128"/>
+              </a:rPr>
+              <a:t>対象レコード</a:t>
+            </a:r>
+            <a:r>
+              <a:rPr kumimoji="1" lang="en-US" altLang="ja-JP" sz="1100" dirty="0" smtClean="0">
+                <a:solidFill>
+                  <a:schemeClr val="tx1"/>
+                </a:solidFill>
+                <a:latin typeface="Meiryo UI" panose="020B0604030504040204" pitchFamily="50" charset="-128"/>
+                <a:ea typeface="Meiryo UI" panose="020B0604030504040204" pitchFamily="50" charset="-128"/>
+              </a:rPr>
+              <a:t>】</a:t>
+            </a:r>
+          </a:p>
+          <a:p>
+            <a:r>
+              <a:rPr lang="ja-JP" altLang="en-US" sz="1100" dirty="0" smtClean="0">
+                <a:solidFill>
+                  <a:schemeClr val="tx1"/>
+                </a:solidFill>
+                <a:latin typeface="Meiryo UI" panose="020B0604030504040204" pitchFamily="50" charset="-128"/>
+                <a:ea typeface="Meiryo UI" panose="020B0604030504040204" pitchFamily="50" charset="-128"/>
+              </a:rPr>
+              <a:t>給与</a:t>
+            </a:r>
+            <a:r>
+              <a:rPr lang="ja-JP" altLang="en-US" sz="1100" dirty="0">
+                <a:solidFill>
+                  <a:schemeClr val="tx1"/>
+                </a:solidFill>
+                <a:latin typeface="Meiryo UI" panose="020B0604030504040204" pitchFamily="50" charset="-128"/>
+                <a:ea typeface="Meiryo UI" panose="020B0604030504040204" pitchFamily="50" charset="-128"/>
+              </a:rPr>
+              <a:t>振込口座マスター</a:t>
+            </a:r>
+            <a:r>
+              <a:rPr lang="en-US" altLang="ja-JP" sz="1100" dirty="0">
+                <a:solidFill>
+                  <a:schemeClr val="tx1"/>
+                </a:solidFill>
+                <a:latin typeface="Meiryo UI" panose="020B0604030504040204" pitchFamily="50" charset="-128"/>
+                <a:ea typeface="Meiryo UI" panose="020B0604030504040204" pitchFamily="50" charset="-128"/>
+              </a:rPr>
+              <a:t>.</a:t>
+            </a:r>
+            <a:r>
+              <a:rPr lang="ja-JP" altLang="en-US" sz="1100" dirty="0">
+                <a:solidFill>
+                  <a:schemeClr val="tx1"/>
+                </a:solidFill>
+                <a:latin typeface="Meiryo UI" panose="020B0604030504040204" pitchFamily="50" charset="-128"/>
+                <a:ea typeface="Meiryo UI" panose="020B0604030504040204" pitchFamily="50" charset="-128"/>
+              </a:rPr>
+              <a:t>削除日付</a:t>
+            </a:r>
+            <a:r>
+              <a:rPr lang="en-US" altLang="ja-JP" sz="1100" dirty="0">
+                <a:solidFill>
+                  <a:schemeClr val="tx1"/>
+                </a:solidFill>
+                <a:latin typeface="Meiryo UI" panose="020B0604030504040204" pitchFamily="50" charset="-128"/>
+                <a:ea typeface="Meiryo UI" panose="020B0604030504040204" pitchFamily="50" charset="-128"/>
+              </a:rPr>
+              <a:t>=</a:t>
+            </a:r>
+            <a:r>
+              <a:rPr lang="ja-JP" altLang="en-US" sz="1100" dirty="0">
+                <a:solidFill>
+                  <a:schemeClr val="tx1"/>
+                </a:solidFill>
+                <a:latin typeface="Meiryo UI" panose="020B0604030504040204" pitchFamily="50" charset="-128"/>
+                <a:ea typeface="Meiryo UI" panose="020B0604030504040204" pitchFamily="50" charset="-128"/>
+              </a:rPr>
+              <a:t>空白</a:t>
+            </a:r>
+          </a:p>
+          <a:p>
+            <a:endParaRPr kumimoji="1" lang="en-US" altLang="ja-JP" sz="1100" dirty="0" smtClean="0">
+              <a:latin typeface="Meiryo UI" panose="020B0604030504040204" pitchFamily="50" charset="-128"/>
+              <a:ea typeface="Meiryo UI" panose="020B0604030504040204" pitchFamily="50" charset="-128"/>
+            </a:endParaRPr>
+          </a:p>
+        </p:txBody>
+      </p:sp>
+      <p:sp>
+        <p:nvSpPr>
+          <p:cNvPr id="11" name="正方形/長方形 10"/>
+          <p:cNvSpPr/>
+          <p:nvPr/>
+        </p:nvSpPr>
+        <p:spPr>
+          <a:xfrm>
+            <a:off x="7258404" y="5547906"/>
+            <a:ext cx="1438101" cy="399011"/>
+          </a:xfrm>
+          <a:prstGeom prst="rect">
+            <a:avLst/>
+          </a:prstGeom>
+          <a:noFill/>
+          <a:ln w="19050">
+            <a:solidFill>
+              <a:schemeClr val="tx1"/>
+            </a:solidFill>
+          </a:ln>
+        </p:spPr>
+        <p:style>
+          <a:lnRef idx="2">
+            <a:schemeClr val="accent1">
+              <a:shade val="50000"/>
+            </a:schemeClr>
+          </a:lnRef>
+          <a:fillRef idx="1">
+            <a:schemeClr val="accent1"/>
+          </a:fillRef>
+          <a:effectRef idx="0">
+            <a:schemeClr val="accent1"/>
+          </a:effectRef>
+          <a:fontRef idx="minor">
+            <a:schemeClr val="lt1"/>
+          </a:fontRef>
+        </p:style>
+        <p:txBody>
+          <a:bodyPr rtlCol="0" anchor="ctr"/>
+          <a:lstStyle/>
+          <a:p>
+            <a:pPr algn="ctr"/>
+            <a:r>
+              <a:rPr kumimoji="1" lang="ja-JP" altLang="en-US" dirty="0" smtClean="0">
+                <a:solidFill>
+                  <a:schemeClr val="tx1"/>
+                </a:solidFill>
+                <a:latin typeface="Meiryo UI" panose="020B0604030504040204" pitchFamily="50" charset="-128"/>
+                <a:ea typeface="Meiryo UI" panose="020B0604030504040204" pitchFamily="50" charset="-128"/>
+              </a:rPr>
+              <a:t>印刷</a:t>
+            </a:r>
+          </a:p>
+        </p:txBody>
+      </p:sp>
     </p:spTree>
     <p:extLst>
       <p:ext uri="{BB962C8B-B14F-4D97-AF65-F5344CB8AC3E}">
         <p14:creationId xmlns:p14="http://schemas.microsoft.com/office/powerpoint/2010/main" val="3927822635"/>
+      </p:ext>
+    </p:extLst>
+  </p:cSld>
+  <p:clrMapOvr>
+    <a:masterClrMapping/>
+  </p:clrMapOvr>
+</p:sld>
+</file>
+
+<file path=ppt/slides/slide7.xml><?xml version="1.0" encoding="utf-8"?>
+<p:sld xmlns:a="http://schemas.openxmlformats.org/drawingml/2006/main" xmlns:r="http://schemas.openxmlformats.org/officeDocument/2006/relationships" xmlns:p="http://schemas.openxmlformats.org/presentationml/2006/main">
+  <p:cSld>
+    <p:spTree>
+      <p:nvGrpSpPr>
+        <p:cNvPr id="1" name=""/>
+        <p:cNvGrpSpPr/>
+        <p:nvPr/>
+      </p:nvGrpSpPr>
+      <p:grpSpPr>
+        <a:xfrm>
+          <a:off x="0" y="0"/>
+          <a:ext cx="0" cy="0"/>
+          <a:chOff x="0" y="0"/>
+          <a:chExt cx="0" cy="0"/>
+        </a:xfrm>
+      </p:grpSpPr>
+      <p:sp>
+        <p:nvSpPr>
+          <p:cNvPr id="3" name="サブタイトル 2"/>
+          <p:cNvSpPr>
+            <a:spLocks noGrp="1"/>
+          </p:cNvSpPr>
+          <p:nvPr>
+            <p:ph idx="1"/>
+          </p:nvPr>
+        </p:nvSpPr>
+        <p:spPr>
+          <a:xfrm>
+            <a:off x="440575" y="714894"/>
+            <a:ext cx="11305309" cy="5569527"/>
+          </a:xfrm>
+        </p:spPr>
+        <p:txBody>
+          <a:bodyPr>
+            <a:normAutofit/>
+          </a:bodyPr>
+          <a:lstStyle/>
+          <a:p>
+            <a:r>
+              <a:rPr lang="en-US" altLang="ja-JP" sz="1600" dirty="0" smtClean="0">
+                <a:latin typeface="Meiryo UI" panose="020B0604030504040204" pitchFamily="50" charset="-128"/>
+                <a:ea typeface="Meiryo UI" panose="020B0604030504040204" pitchFamily="50" charset="-128"/>
+              </a:rPr>
+              <a:t>7.</a:t>
+            </a:r>
+            <a:r>
+              <a:rPr lang="ja-JP" altLang="en-US" sz="1600" dirty="0" smtClean="0">
+                <a:latin typeface="Meiryo UI" panose="020B0604030504040204" pitchFamily="50" charset="-128"/>
+                <a:ea typeface="Meiryo UI" panose="020B0604030504040204" pitchFamily="50" charset="-128"/>
+              </a:rPr>
+              <a:t>一括削除画面</a:t>
+            </a:r>
+            <a:endParaRPr lang="ja-JP" altLang="en-US" sz="1600" dirty="0">
+              <a:latin typeface="Meiryo UI" panose="020B0604030504040204" pitchFamily="50" charset="-128"/>
+              <a:ea typeface="Meiryo UI" panose="020B0604030504040204" pitchFamily="50" charset="-128"/>
+            </a:endParaRPr>
+          </a:p>
+        </p:txBody>
+      </p:sp>
+      <p:sp>
+        <p:nvSpPr>
+          <p:cNvPr id="4" name="正方形/長方形 3"/>
+          <p:cNvSpPr/>
+          <p:nvPr/>
+        </p:nvSpPr>
+        <p:spPr>
+          <a:xfrm>
+            <a:off x="723207" y="1150245"/>
+            <a:ext cx="8578735" cy="4901420"/>
+          </a:xfrm>
+          <a:prstGeom prst="rect">
+            <a:avLst/>
+          </a:prstGeom>
+          <a:noFill/>
+          <a:ln>
+            <a:solidFill>
+              <a:schemeClr val="tx1"/>
+            </a:solidFill>
+          </a:ln>
+        </p:spPr>
+        <p:style>
+          <a:lnRef idx="2">
+            <a:schemeClr val="accent1">
+              <a:shade val="50000"/>
+            </a:schemeClr>
+          </a:lnRef>
+          <a:fillRef idx="1">
+            <a:schemeClr val="accent1"/>
+          </a:fillRef>
+          <a:effectRef idx="0">
+            <a:schemeClr val="accent1"/>
+          </a:effectRef>
+          <a:fontRef idx="minor">
+            <a:schemeClr val="lt1"/>
+          </a:fontRef>
+        </p:style>
+        <p:txBody>
+          <a:bodyPr rtlCol="0" anchor="ctr"/>
+          <a:lstStyle/>
+          <a:p>
+            <a:pPr algn="ctr"/>
+            <a:endParaRPr kumimoji="1" lang="ja-JP" altLang="en-US">
+              <a:latin typeface="Meiryo UI" panose="020B0604030504040204" pitchFamily="50" charset="-128"/>
+              <a:ea typeface="Meiryo UI" panose="020B0604030504040204" pitchFamily="50" charset="-128"/>
+            </a:endParaRPr>
+          </a:p>
+        </p:txBody>
+      </p:sp>
+      <p:sp>
+        <p:nvSpPr>
+          <p:cNvPr id="5" name="正方形/長方形 4"/>
+          <p:cNvSpPr/>
+          <p:nvPr/>
+        </p:nvSpPr>
+        <p:spPr>
+          <a:xfrm>
+            <a:off x="731522" y="1150245"/>
+            <a:ext cx="8570420" cy="371591"/>
+          </a:xfrm>
+          <a:prstGeom prst="rect">
+            <a:avLst/>
+          </a:prstGeom>
+        </p:spPr>
+        <p:style>
+          <a:lnRef idx="2">
+            <a:schemeClr val="accent1">
+              <a:shade val="50000"/>
+            </a:schemeClr>
+          </a:lnRef>
+          <a:fillRef idx="1">
+            <a:schemeClr val="accent1"/>
+          </a:fillRef>
+          <a:effectRef idx="0">
+            <a:schemeClr val="accent1"/>
+          </a:effectRef>
+          <a:fontRef idx="minor">
+            <a:schemeClr val="lt1"/>
+          </a:fontRef>
+        </p:style>
+        <p:txBody>
+          <a:bodyPr rtlCol="0" anchor="ctr"/>
+          <a:lstStyle/>
+          <a:p>
+            <a:r>
+              <a:rPr lang="ja-JP" altLang="en-US" sz="1600" dirty="0" smtClean="0">
+                <a:latin typeface="Meiryo UI" panose="020B0604030504040204" pitchFamily="50" charset="-128"/>
+                <a:ea typeface="Meiryo UI" panose="020B0604030504040204" pitchFamily="50" charset="-128"/>
+              </a:rPr>
+              <a:t>給与振込口座一括削除</a:t>
+            </a:r>
+            <a:endParaRPr kumimoji="1" lang="ja-JP" altLang="en-US" sz="1600" dirty="0">
+              <a:latin typeface="Meiryo UI" panose="020B0604030504040204" pitchFamily="50" charset="-128"/>
+              <a:ea typeface="Meiryo UI" panose="020B0604030504040204" pitchFamily="50" charset="-128"/>
+            </a:endParaRPr>
+          </a:p>
+        </p:txBody>
+      </p:sp>
+      <p:sp>
+        <p:nvSpPr>
+          <p:cNvPr id="8" name="正方形/長方形 7"/>
+          <p:cNvSpPr/>
+          <p:nvPr/>
+        </p:nvSpPr>
+        <p:spPr>
+          <a:xfrm>
+            <a:off x="7722524" y="5514655"/>
+            <a:ext cx="1438101" cy="399011"/>
+          </a:xfrm>
+          <a:prstGeom prst="rect">
+            <a:avLst/>
+          </a:prstGeom>
+          <a:noFill/>
+          <a:ln w="19050">
+            <a:solidFill>
+              <a:schemeClr val="tx1"/>
+            </a:solidFill>
+          </a:ln>
+        </p:spPr>
+        <p:style>
+          <a:lnRef idx="2">
+            <a:schemeClr val="accent1">
+              <a:shade val="50000"/>
+            </a:schemeClr>
+          </a:lnRef>
+          <a:fillRef idx="1">
+            <a:schemeClr val="accent1"/>
+          </a:fillRef>
+          <a:effectRef idx="0">
+            <a:schemeClr val="accent1"/>
+          </a:effectRef>
+          <a:fontRef idx="minor">
+            <a:schemeClr val="lt1"/>
+          </a:fontRef>
+        </p:style>
+        <p:txBody>
+          <a:bodyPr rtlCol="0" anchor="ctr"/>
+          <a:lstStyle/>
+          <a:p>
+            <a:pPr algn="ctr"/>
+            <a:r>
+              <a:rPr kumimoji="1" lang="ja-JP" altLang="en-US" dirty="0" smtClean="0">
+                <a:solidFill>
+                  <a:schemeClr val="tx1"/>
+                </a:solidFill>
+                <a:latin typeface="Meiryo UI" panose="020B0604030504040204" pitchFamily="50" charset="-128"/>
+                <a:ea typeface="Meiryo UI" panose="020B0604030504040204" pitchFamily="50" charset="-128"/>
+              </a:rPr>
+              <a:t>閉じる</a:t>
+            </a:r>
+          </a:p>
+        </p:txBody>
+      </p:sp>
+      <p:sp>
+        <p:nvSpPr>
+          <p:cNvPr id="15" name="日付プレースホルダー 14"/>
+          <p:cNvSpPr>
+            <a:spLocks noGrp="1"/>
+          </p:cNvSpPr>
+          <p:nvPr>
+            <p:ph type="dt" sz="half" idx="10"/>
+          </p:nvPr>
+        </p:nvSpPr>
+        <p:spPr/>
+        <p:txBody>
+          <a:bodyPr/>
+          <a:lstStyle/>
+          <a:p>
+            <a:fld id="{E23E62CB-AE02-499E-8DF1-609F7D77B994}" type="datetime1">
+              <a:rPr kumimoji="1" lang="ja-JP" altLang="en-US" smtClean="0"/>
+              <a:t>2020/12/28</a:t>
+            </a:fld>
+            <a:endParaRPr kumimoji="1" lang="ja-JP" altLang="en-US" dirty="0"/>
+          </a:p>
+        </p:txBody>
+      </p:sp>
+      <p:sp>
+        <p:nvSpPr>
+          <p:cNvPr id="17" name="スライド番号プレースホルダー 16"/>
+          <p:cNvSpPr>
+            <a:spLocks noGrp="1"/>
+          </p:cNvSpPr>
+          <p:nvPr>
+            <p:ph type="sldNum" sz="quarter" idx="12"/>
+          </p:nvPr>
+        </p:nvSpPr>
+        <p:spPr/>
+        <p:txBody>
+          <a:bodyPr/>
+          <a:lstStyle/>
+          <a:p>
+            <a:fld id="{E0A911C0-B298-4FD6-9CB7-F1EE1E13C81F}" type="slidenum">
+              <a:rPr kumimoji="1" lang="ja-JP" altLang="en-US" smtClean="0"/>
+              <a:t>7</a:t>
+            </a:fld>
+            <a:endParaRPr kumimoji="1" lang="ja-JP" altLang="en-US" dirty="0"/>
+          </a:p>
+        </p:txBody>
+      </p:sp>
+      <p:graphicFrame>
+        <p:nvGraphicFramePr>
+          <p:cNvPr id="10" name="表 9"/>
+          <p:cNvGraphicFramePr>
+            <a:graphicFrameLocks noGrp="1"/>
+          </p:cNvGraphicFramePr>
+          <p:nvPr>
+            <p:extLst>
+              <p:ext uri="{D42A27DB-BD31-4B8C-83A1-F6EECF244321}">
+                <p14:modId xmlns:p14="http://schemas.microsoft.com/office/powerpoint/2010/main" val="3678640252"/>
+              </p:ext>
+            </p:extLst>
+          </p:nvPr>
+        </p:nvGraphicFramePr>
+        <p:xfrm>
+          <a:off x="838198" y="1732134"/>
+          <a:ext cx="8322427" cy="3408250"/>
+        </p:xfrm>
+        <a:graphic>
+          <a:graphicData uri="http://schemas.openxmlformats.org/drawingml/2006/table">
+            <a:tbl>
+              <a:tblPr>
+                <a:tableStyleId>{073A0DAA-6AF3-43AB-8588-CEC1D06C72B9}</a:tableStyleId>
+              </a:tblPr>
+              <a:tblGrid>
+                <a:gridCol w="932413">
+                  <a:extLst>
+                    <a:ext uri="{9D8B030D-6E8A-4147-A177-3AD203B41FA5}">
+                      <a16:colId xmlns:a16="http://schemas.microsoft.com/office/drawing/2014/main" val="3285164545"/>
+                    </a:ext>
+                  </a:extLst>
+                </a:gridCol>
+                <a:gridCol w="1834777">
+                  <a:extLst>
+                    <a:ext uri="{9D8B030D-6E8A-4147-A177-3AD203B41FA5}">
+                      <a16:colId xmlns:a16="http://schemas.microsoft.com/office/drawing/2014/main" val="889585061"/>
+                    </a:ext>
+                  </a:extLst>
+                </a:gridCol>
+                <a:gridCol w="1174430">
+                  <a:extLst>
+                    <a:ext uri="{9D8B030D-6E8A-4147-A177-3AD203B41FA5}">
+                      <a16:colId xmlns:a16="http://schemas.microsoft.com/office/drawing/2014/main" val="1259357946"/>
+                    </a:ext>
+                  </a:extLst>
+                </a:gridCol>
+                <a:gridCol w="914400">
+                  <a:extLst>
+                    <a:ext uri="{9D8B030D-6E8A-4147-A177-3AD203B41FA5}">
+                      <a16:colId xmlns:a16="http://schemas.microsoft.com/office/drawing/2014/main" val="1690966431"/>
+                    </a:ext>
+                  </a:extLst>
+                </a:gridCol>
+                <a:gridCol w="798022">
+                  <a:extLst>
+                    <a:ext uri="{9D8B030D-6E8A-4147-A177-3AD203B41FA5}">
+                      <a16:colId xmlns:a16="http://schemas.microsoft.com/office/drawing/2014/main" val="2120910868"/>
+                    </a:ext>
+                  </a:extLst>
+                </a:gridCol>
+                <a:gridCol w="340822">
+                  <a:extLst>
+                    <a:ext uri="{9D8B030D-6E8A-4147-A177-3AD203B41FA5}">
+                      <a16:colId xmlns:a16="http://schemas.microsoft.com/office/drawing/2014/main" val="1697014033"/>
+                    </a:ext>
+                  </a:extLst>
+                </a:gridCol>
+                <a:gridCol w="881149">
+                  <a:extLst>
+                    <a:ext uri="{9D8B030D-6E8A-4147-A177-3AD203B41FA5}">
+                      <a16:colId xmlns:a16="http://schemas.microsoft.com/office/drawing/2014/main" val="3111744223"/>
+                    </a:ext>
+                  </a:extLst>
+                </a:gridCol>
+                <a:gridCol w="1446414">
+                  <a:extLst>
+                    <a:ext uri="{9D8B030D-6E8A-4147-A177-3AD203B41FA5}">
+                      <a16:colId xmlns:a16="http://schemas.microsoft.com/office/drawing/2014/main" val="130618225"/>
+                    </a:ext>
+                  </a:extLst>
+                </a:gridCol>
+              </a:tblGrid>
+              <a:tr h="252083">
+                <a:tc>
+                  <a:txBody>
+                    <a:bodyPr/>
+                    <a:lstStyle/>
+                    <a:p>
+                      <a:r>
+                        <a:rPr kumimoji="1" lang="ja-JP" altLang="en-US" sz="1200" dirty="0" smtClean="0">
+                          <a:latin typeface="Meiryo UI" panose="020B0604030504040204" pitchFamily="50" charset="-128"/>
+                          <a:ea typeface="Meiryo UI" panose="020B0604030504040204" pitchFamily="50" charset="-128"/>
+                        </a:rPr>
+                        <a:t>社員コード</a:t>
+                      </a:r>
+                      <a:endParaRPr kumimoji="1" lang="ja-JP" altLang="en-US" sz="1200" dirty="0">
+                        <a:latin typeface="Meiryo UI" panose="020B0604030504040204" pitchFamily="50" charset="-128"/>
+                        <a:ea typeface="Meiryo UI" panose="020B0604030504040204" pitchFamily="50" charset="-128"/>
+                      </a:endParaRPr>
+                    </a:p>
+                  </a:txBody>
+                  <a:tcPr>
+                    <a:lnL w="12700" cap="flat" cmpd="sng" algn="ctr">
+                      <a:solidFill>
+                        <a:schemeClr val="tx1"/>
+                      </a:solidFill>
+                      <a:prstDash val="solid"/>
+                      <a:round/>
+                      <a:headEnd type="none" w="med" len="med"/>
+                      <a:tailEnd type="none" w="med" len="med"/>
+                    </a:lnL>
+                    <a:lnR w="12700" cap="flat" cmpd="sng" algn="ctr">
+                      <a:solidFill>
+                        <a:schemeClr val="tx1"/>
+                      </a:solidFill>
+                      <a:prstDash val="solid"/>
+                      <a:round/>
+                      <a:headEnd type="none" w="med" len="med"/>
+                      <a:tailEnd type="none" w="med" len="med"/>
+                    </a:lnR>
+                    <a:lnT w="12700" cap="flat" cmpd="sng" algn="ctr">
+                      <a:solidFill>
+                        <a:schemeClr val="tx1"/>
+                      </a:solidFill>
+                      <a:prstDash val="solid"/>
+                      <a:round/>
+                      <a:headEnd type="none" w="med" len="med"/>
+                      <a:tailEnd type="none" w="med" len="med"/>
+                    </a:lnT>
+                    <a:lnB w="12700" cap="flat" cmpd="sng" algn="ctr">
+                      <a:solidFill>
+                        <a:schemeClr val="tx1"/>
+                      </a:solidFill>
+                      <a:prstDash val="solid"/>
+                      <a:round/>
+                      <a:headEnd type="none" w="med" len="med"/>
+                      <a:tailEnd type="none" w="med" len="med"/>
+                    </a:lnB>
+                    <a:noFill/>
+                  </a:tcPr>
+                </a:tc>
+                <a:tc>
+                  <a:txBody>
+                    <a:bodyPr/>
+                    <a:lstStyle/>
+                    <a:p>
+                      <a:r>
+                        <a:rPr kumimoji="1" lang="ja-JP" altLang="en-US" sz="1200" dirty="0" smtClean="0">
+                          <a:latin typeface="Meiryo UI" panose="020B0604030504040204" pitchFamily="50" charset="-128"/>
+                          <a:ea typeface="Meiryo UI" panose="020B0604030504040204" pitchFamily="50" charset="-128"/>
+                        </a:rPr>
+                        <a:t>社員カナ（名義）</a:t>
+                      </a:r>
+                      <a:endParaRPr kumimoji="1" lang="ja-JP" altLang="en-US" sz="1200" dirty="0">
+                        <a:latin typeface="Meiryo UI" panose="020B0604030504040204" pitchFamily="50" charset="-128"/>
+                        <a:ea typeface="Meiryo UI" panose="020B0604030504040204" pitchFamily="50" charset="-128"/>
+                      </a:endParaRPr>
+                    </a:p>
+                  </a:txBody>
+                  <a:tcPr>
+                    <a:lnL w="12700" cap="flat" cmpd="sng" algn="ctr">
+                      <a:solidFill>
+                        <a:schemeClr val="tx1"/>
+                      </a:solidFill>
+                      <a:prstDash val="solid"/>
+                      <a:round/>
+                      <a:headEnd type="none" w="med" len="med"/>
+                      <a:tailEnd type="none" w="med" len="med"/>
+                    </a:lnL>
+                    <a:lnR w="12700" cap="flat" cmpd="sng" algn="ctr">
+                      <a:solidFill>
+                        <a:schemeClr val="tx1"/>
+                      </a:solidFill>
+                      <a:prstDash val="solid"/>
+                      <a:round/>
+                      <a:headEnd type="none" w="med" len="med"/>
+                      <a:tailEnd type="none" w="med" len="med"/>
+                    </a:lnR>
+                    <a:lnT w="12700" cap="flat" cmpd="sng" algn="ctr">
+                      <a:solidFill>
+                        <a:schemeClr val="tx1"/>
+                      </a:solidFill>
+                      <a:prstDash val="solid"/>
+                      <a:round/>
+                      <a:headEnd type="none" w="med" len="med"/>
+                      <a:tailEnd type="none" w="med" len="med"/>
+                    </a:lnT>
+                    <a:lnB w="12700" cap="flat" cmpd="sng" algn="ctr">
+                      <a:solidFill>
+                        <a:schemeClr val="tx1"/>
+                      </a:solidFill>
+                      <a:prstDash val="solid"/>
+                      <a:round/>
+                      <a:headEnd type="none" w="med" len="med"/>
+                      <a:tailEnd type="none" w="med" len="med"/>
+                    </a:lnB>
+                    <a:noFill/>
+                  </a:tcPr>
+                </a:tc>
+                <a:tc>
+                  <a:txBody>
+                    <a:bodyPr/>
+                    <a:lstStyle/>
+                    <a:p>
+                      <a:r>
+                        <a:rPr kumimoji="1" lang="ja-JP" altLang="en-US" sz="1200" dirty="0" smtClean="0">
+                          <a:latin typeface="Meiryo UI" panose="020B0604030504040204" pitchFamily="50" charset="-128"/>
+                          <a:ea typeface="Meiryo UI" panose="020B0604030504040204" pitchFamily="50" charset="-128"/>
+                        </a:rPr>
+                        <a:t>給与振込口座</a:t>
+                      </a:r>
+                      <a:endParaRPr kumimoji="1" lang="ja-JP" altLang="en-US" sz="1200" dirty="0">
+                        <a:latin typeface="Meiryo UI" panose="020B0604030504040204" pitchFamily="50" charset="-128"/>
+                        <a:ea typeface="Meiryo UI" panose="020B0604030504040204" pitchFamily="50" charset="-128"/>
+                      </a:endParaRPr>
+                    </a:p>
+                  </a:txBody>
+                  <a:tcPr>
+                    <a:lnL w="12700" cap="flat" cmpd="sng" algn="ctr">
+                      <a:solidFill>
+                        <a:schemeClr val="tx1"/>
+                      </a:solidFill>
+                      <a:prstDash val="solid"/>
+                      <a:round/>
+                      <a:headEnd type="none" w="med" len="med"/>
+                      <a:tailEnd type="none" w="med" len="med"/>
+                    </a:lnL>
+                    <a:lnR w="12700" cap="flat" cmpd="sng" algn="ctr">
+                      <a:solidFill>
+                        <a:schemeClr val="tx1"/>
+                      </a:solidFill>
+                      <a:prstDash val="solid"/>
+                      <a:round/>
+                      <a:headEnd type="none" w="med" len="med"/>
+                      <a:tailEnd type="none" w="med" len="med"/>
+                    </a:lnR>
+                    <a:lnT w="12700" cap="flat" cmpd="sng" algn="ctr">
+                      <a:solidFill>
+                        <a:schemeClr val="tx1"/>
+                      </a:solidFill>
+                      <a:prstDash val="solid"/>
+                      <a:round/>
+                      <a:headEnd type="none" w="med" len="med"/>
+                      <a:tailEnd type="none" w="med" len="med"/>
+                    </a:lnT>
+                    <a:lnB w="12700" cap="flat" cmpd="sng" algn="ctr">
+                      <a:solidFill>
+                        <a:schemeClr val="tx1"/>
+                      </a:solidFill>
+                      <a:prstDash val="solid"/>
+                      <a:round/>
+                      <a:headEnd type="none" w="med" len="med"/>
+                      <a:tailEnd type="none" w="med" len="med"/>
+                    </a:lnB>
+                    <a:noFill/>
+                  </a:tcPr>
+                </a:tc>
+                <a:tc>
+                  <a:txBody>
+                    <a:bodyPr/>
+                    <a:lstStyle/>
+                    <a:p>
+                      <a:endParaRPr kumimoji="1" lang="ja-JP" altLang="en-US" sz="1200" dirty="0">
+                        <a:latin typeface="Meiryo UI" panose="020B0604030504040204" pitchFamily="50" charset="-128"/>
+                        <a:ea typeface="Meiryo UI" panose="020B0604030504040204" pitchFamily="50" charset="-128"/>
+                      </a:endParaRPr>
+                    </a:p>
+                  </a:txBody>
+                  <a:tcPr>
+                    <a:lnL w="12700" cap="flat" cmpd="sng" algn="ctr">
+                      <a:solidFill>
+                        <a:schemeClr val="tx1"/>
+                      </a:solidFill>
+                      <a:prstDash val="solid"/>
+                      <a:round/>
+                      <a:headEnd type="none" w="med" len="med"/>
+                      <a:tailEnd type="none" w="med" len="med"/>
+                    </a:lnL>
+                    <a:lnR w="12700" cap="flat" cmpd="sng" algn="ctr">
+                      <a:solidFill>
+                        <a:schemeClr val="tx1"/>
+                      </a:solidFill>
+                      <a:prstDash val="solid"/>
+                      <a:round/>
+                      <a:headEnd type="none" w="med" len="med"/>
+                      <a:tailEnd type="none" w="med" len="med"/>
+                    </a:lnR>
+                    <a:lnT w="12700" cap="flat" cmpd="sng" algn="ctr">
+                      <a:solidFill>
+                        <a:schemeClr val="tx1"/>
+                      </a:solidFill>
+                      <a:prstDash val="solid"/>
+                      <a:round/>
+                      <a:headEnd type="none" w="med" len="med"/>
+                      <a:tailEnd type="none" w="med" len="med"/>
+                    </a:lnT>
+                    <a:lnB w="12700" cap="flat" cmpd="sng" algn="ctr">
+                      <a:solidFill>
+                        <a:schemeClr val="tx1"/>
+                      </a:solidFill>
+                      <a:prstDash val="solid"/>
+                      <a:round/>
+                      <a:headEnd type="none" w="med" len="med"/>
+                      <a:tailEnd type="none" w="med" len="med"/>
+                    </a:lnB>
+                    <a:noFill/>
+                  </a:tcPr>
+                </a:tc>
+                <a:tc>
+                  <a:txBody>
+                    <a:bodyPr/>
+                    <a:lstStyle/>
+                    <a:p>
+                      <a:endParaRPr kumimoji="1" lang="ja-JP" altLang="en-US" sz="1200" dirty="0">
+                        <a:latin typeface="Meiryo UI" panose="020B0604030504040204" pitchFamily="50" charset="-128"/>
+                        <a:ea typeface="Meiryo UI" panose="020B0604030504040204" pitchFamily="50" charset="-128"/>
+                      </a:endParaRPr>
+                    </a:p>
+                  </a:txBody>
+                  <a:tcPr>
+                    <a:lnL w="12700" cap="flat" cmpd="sng" algn="ctr">
+                      <a:solidFill>
+                        <a:schemeClr val="tx1"/>
+                      </a:solidFill>
+                      <a:prstDash val="solid"/>
+                      <a:round/>
+                      <a:headEnd type="none" w="med" len="med"/>
+                      <a:tailEnd type="none" w="med" len="med"/>
+                    </a:lnL>
+                    <a:lnR w="12700" cap="flat" cmpd="sng" algn="ctr">
+                      <a:solidFill>
+                        <a:schemeClr val="tx1"/>
+                      </a:solidFill>
+                      <a:prstDash val="solid"/>
+                      <a:round/>
+                      <a:headEnd type="none" w="med" len="med"/>
+                      <a:tailEnd type="none" w="med" len="med"/>
+                    </a:lnR>
+                    <a:lnT w="12700" cap="flat" cmpd="sng" algn="ctr">
+                      <a:solidFill>
+                        <a:schemeClr val="tx1"/>
+                      </a:solidFill>
+                      <a:prstDash val="solid"/>
+                      <a:round/>
+                      <a:headEnd type="none" w="med" len="med"/>
+                      <a:tailEnd type="none" w="med" len="med"/>
+                    </a:lnT>
+                    <a:lnB w="12700" cap="flat" cmpd="sng" algn="ctr">
+                      <a:solidFill>
+                        <a:schemeClr val="tx1"/>
+                      </a:solidFill>
+                      <a:prstDash val="solid"/>
+                      <a:round/>
+                      <a:headEnd type="none" w="med" len="med"/>
+                      <a:tailEnd type="none" w="med" len="med"/>
+                    </a:lnB>
+                    <a:noFill/>
+                  </a:tcPr>
+                </a:tc>
+                <a:tc>
+                  <a:txBody>
+                    <a:bodyPr/>
+                    <a:lstStyle/>
+                    <a:p>
+                      <a:endParaRPr kumimoji="1" lang="ja-JP" altLang="en-US" sz="1200" dirty="0">
+                        <a:latin typeface="Meiryo UI" panose="020B0604030504040204" pitchFamily="50" charset="-128"/>
+                        <a:ea typeface="Meiryo UI" panose="020B0604030504040204" pitchFamily="50" charset="-128"/>
+                      </a:endParaRPr>
+                    </a:p>
+                  </a:txBody>
+                  <a:tcPr>
+                    <a:lnL w="12700" cap="flat" cmpd="sng" algn="ctr">
+                      <a:solidFill>
+                        <a:schemeClr val="tx1"/>
+                      </a:solidFill>
+                      <a:prstDash val="solid"/>
+                      <a:round/>
+                      <a:headEnd type="none" w="med" len="med"/>
+                      <a:tailEnd type="none" w="med" len="med"/>
+                    </a:lnL>
+                    <a:lnR w="12700" cap="flat" cmpd="sng" algn="ctr">
+                      <a:solidFill>
+                        <a:schemeClr val="tx1"/>
+                      </a:solidFill>
+                      <a:prstDash val="solid"/>
+                      <a:round/>
+                      <a:headEnd type="none" w="med" len="med"/>
+                      <a:tailEnd type="none" w="med" len="med"/>
+                    </a:lnR>
+                    <a:lnT w="12700" cap="flat" cmpd="sng" algn="ctr">
+                      <a:solidFill>
+                        <a:schemeClr val="tx1"/>
+                      </a:solidFill>
+                      <a:prstDash val="solid"/>
+                      <a:round/>
+                      <a:headEnd type="none" w="med" len="med"/>
+                      <a:tailEnd type="none" w="med" len="med"/>
+                    </a:lnT>
+                    <a:lnB w="12700" cap="flat" cmpd="sng" algn="ctr">
+                      <a:solidFill>
+                        <a:schemeClr val="tx1"/>
+                      </a:solidFill>
+                      <a:prstDash val="solid"/>
+                      <a:round/>
+                      <a:headEnd type="none" w="med" len="med"/>
+                      <a:tailEnd type="none" w="med" len="med"/>
+                    </a:lnB>
+                    <a:noFill/>
+                  </a:tcPr>
+                </a:tc>
+                <a:tc>
+                  <a:txBody>
+                    <a:bodyPr/>
+                    <a:lstStyle/>
+                    <a:p>
+                      <a:endParaRPr kumimoji="1" lang="ja-JP" altLang="en-US" sz="1200" dirty="0">
+                        <a:latin typeface="Meiryo UI" panose="020B0604030504040204" pitchFamily="50" charset="-128"/>
+                        <a:ea typeface="Meiryo UI" panose="020B0604030504040204" pitchFamily="50" charset="-128"/>
+                      </a:endParaRPr>
+                    </a:p>
+                  </a:txBody>
+                  <a:tcPr>
+                    <a:lnL w="12700" cap="flat" cmpd="sng" algn="ctr">
+                      <a:solidFill>
+                        <a:schemeClr val="tx1"/>
+                      </a:solidFill>
+                      <a:prstDash val="solid"/>
+                      <a:round/>
+                      <a:headEnd type="none" w="med" len="med"/>
+                      <a:tailEnd type="none" w="med" len="med"/>
+                    </a:lnL>
+                    <a:lnR w="12700" cap="flat" cmpd="sng" algn="ctr">
+                      <a:solidFill>
+                        <a:schemeClr val="tx1"/>
+                      </a:solidFill>
+                      <a:prstDash val="solid"/>
+                      <a:round/>
+                      <a:headEnd type="none" w="med" len="med"/>
+                      <a:tailEnd type="none" w="med" len="med"/>
+                    </a:lnR>
+                    <a:lnT w="12700" cap="flat" cmpd="sng" algn="ctr">
+                      <a:solidFill>
+                        <a:schemeClr val="tx1"/>
+                      </a:solidFill>
+                      <a:prstDash val="solid"/>
+                      <a:round/>
+                      <a:headEnd type="none" w="med" len="med"/>
+                      <a:tailEnd type="none" w="med" len="med"/>
+                    </a:lnT>
+                    <a:lnB w="12700" cap="flat" cmpd="sng" algn="ctr">
+                      <a:solidFill>
+                        <a:schemeClr val="tx1"/>
+                      </a:solidFill>
+                      <a:prstDash val="solid"/>
+                      <a:round/>
+                      <a:headEnd type="none" w="med" len="med"/>
+                      <a:tailEnd type="none" w="med" len="med"/>
+                    </a:lnB>
+                    <a:noFill/>
+                  </a:tcPr>
+                </a:tc>
+                <a:tc>
+                  <a:txBody>
+                    <a:bodyPr/>
+                    <a:lstStyle/>
+                    <a:p>
+                      <a:r>
+                        <a:rPr kumimoji="1" lang="ja-JP" altLang="en-US" sz="1200" dirty="0" smtClean="0">
+                          <a:latin typeface="Meiryo UI" panose="020B0604030504040204" pitchFamily="50" charset="-128"/>
+                          <a:ea typeface="Meiryo UI" panose="020B0604030504040204" pitchFamily="50" charset="-128"/>
+                        </a:rPr>
+                        <a:t>削除日付</a:t>
+                      </a:r>
+                      <a:endParaRPr kumimoji="1" lang="ja-JP" altLang="en-US" sz="1200" dirty="0">
+                        <a:latin typeface="Meiryo UI" panose="020B0604030504040204" pitchFamily="50" charset="-128"/>
+                        <a:ea typeface="Meiryo UI" panose="020B0604030504040204" pitchFamily="50" charset="-128"/>
+                      </a:endParaRPr>
+                    </a:p>
+                  </a:txBody>
+                  <a:tcPr>
+                    <a:lnL w="12700" cap="flat" cmpd="sng" algn="ctr">
+                      <a:solidFill>
+                        <a:schemeClr val="tx1"/>
+                      </a:solidFill>
+                      <a:prstDash val="solid"/>
+                      <a:round/>
+                      <a:headEnd type="none" w="med" len="med"/>
+                      <a:tailEnd type="none" w="med" len="med"/>
+                    </a:lnL>
+                    <a:lnR w="12700" cap="flat" cmpd="sng" algn="ctr">
+                      <a:solidFill>
+                        <a:schemeClr val="tx1"/>
+                      </a:solidFill>
+                      <a:prstDash val="solid"/>
+                      <a:round/>
+                      <a:headEnd type="none" w="med" len="med"/>
+                      <a:tailEnd type="none" w="med" len="med"/>
+                    </a:lnR>
+                    <a:lnT w="12700" cap="flat" cmpd="sng" algn="ctr">
+                      <a:solidFill>
+                        <a:schemeClr val="tx1"/>
+                      </a:solidFill>
+                      <a:prstDash val="solid"/>
+                      <a:round/>
+                      <a:headEnd type="none" w="med" len="med"/>
+                      <a:tailEnd type="none" w="med" len="med"/>
+                    </a:lnT>
+                    <a:lnB w="12700" cap="flat" cmpd="sng" algn="ctr">
+                      <a:solidFill>
+                        <a:schemeClr val="tx1"/>
+                      </a:solidFill>
+                      <a:prstDash val="solid"/>
+                      <a:round/>
+                      <a:headEnd type="none" w="med" len="med"/>
+                      <a:tailEnd type="none" w="med" len="med"/>
+                    </a:lnB>
+                    <a:noFill/>
+                  </a:tcPr>
+                </a:tc>
+                <a:extLst>
+                  <a:ext uri="{0D108BD9-81ED-4DB2-BD59-A6C34878D82A}">
+                    <a16:rowId xmlns:a16="http://schemas.microsoft.com/office/drawing/2014/main" val="4078267585"/>
+                  </a:ext>
+                </a:extLst>
+              </a:tr>
+              <a:tr h="313393">
+                <a:tc>
+                  <a:txBody>
+                    <a:bodyPr/>
+                    <a:lstStyle/>
+                    <a:p>
+                      <a:r>
+                        <a:rPr kumimoji="1" lang="en-US" altLang="ja-JP" sz="1200" dirty="0" smtClean="0">
+                          <a:latin typeface="Meiryo UI" panose="020B0604030504040204" pitchFamily="50" charset="-128"/>
+                          <a:ea typeface="Meiryo UI" panose="020B0604030504040204" pitchFamily="50" charset="-128"/>
+                        </a:rPr>
+                        <a:t>000002</a:t>
+                      </a:r>
+                      <a:endParaRPr kumimoji="1" lang="ja-JP" altLang="en-US" sz="1200" dirty="0">
+                        <a:latin typeface="Meiryo UI" panose="020B0604030504040204" pitchFamily="50" charset="-128"/>
+                        <a:ea typeface="Meiryo UI" panose="020B0604030504040204" pitchFamily="50" charset="-128"/>
+                      </a:endParaRPr>
+                    </a:p>
+                  </a:txBody>
+                  <a:tcPr>
+                    <a:lnL w="12700" cap="flat" cmpd="sng" algn="ctr">
+                      <a:solidFill>
+                        <a:schemeClr val="tx1"/>
+                      </a:solidFill>
+                      <a:prstDash val="solid"/>
+                      <a:round/>
+                      <a:headEnd type="none" w="med" len="med"/>
+                      <a:tailEnd type="none" w="med" len="med"/>
+                    </a:lnL>
+                    <a:lnR w="12700" cap="flat" cmpd="sng" algn="ctr">
+                      <a:solidFill>
+                        <a:schemeClr val="tx1"/>
+                      </a:solidFill>
+                      <a:prstDash val="solid"/>
+                      <a:round/>
+                      <a:headEnd type="none" w="med" len="med"/>
+                      <a:tailEnd type="none" w="med" len="med"/>
+                    </a:lnR>
+                    <a:lnT w="12700" cap="flat" cmpd="sng" algn="ctr">
+                      <a:solidFill>
+                        <a:schemeClr val="tx1"/>
+                      </a:solidFill>
+                      <a:prstDash val="solid"/>
+                      <a:round/>
+                      <a:headEnd type="none" w="med" len="med"/>
+                      <a:tailEnd type="none" w="med" len="med"/>
+                    </a:lnT>
+                    <a:lnB w="12700" cap="flat" cmpd="sng" algn="ctr">
+                      <a:solidFill>
+                        <a:schemeClr val="tx1"/>
+                      </a:solidFill>
+                      <a:prstDash val="solid"/>
+                      <a:round/>
+                      <a:headEnd type="none" w="med" len="med"/>
+                      <a:tailEnd type="none" w="med" len="med"/>
+                    </a:lnB>
+                    <a:noFill/>
+                  </a:tcPr>
+                </a:tc>
+                <a:tc>
+                  <a:txBody>
+                    <a:bodyPr/>
+                    <a:lstStyle/>
+                    <a:p>
+                      <a:r>
+                        <a:rPr kumimoji="1" lang="ja-JP" altLang="en-US" sz="1200" dirty="0" smtClean="0">
+                          <a:latin typeface="Meiryo UI" panose="020B0604030504040204" pitchFamily="50" charset="-128"/>
+                          <a:ea typeface="Meiryo UI" panose="020B0604030504040204" pitchFamily="50" charset="-128"/>
+                        </a:rPr>
+                        <a:t>ﾃｽﾄ　ｻﾌﾞﾛｳ</a:t>
+                      </a:r>
+                      <a:endParaRPr kumimoji="1" lang="ja-JP" altLang="en-US" sz="1200" dirty="0">
+                        <a:latin typeface="Meiryo UI" panose="020B0604030504040204" pitchFamily="50" charset="-128"/>
+                        <a:ea typeface="Meiryo UI" panose="020B0604030504040204" pitchFamily="50" charset="-128"/>
+                      </a:endParaRPr>
+                    </a:p>
+                  </a:txBody>
+                  <a:tcPr>
+                    <a:lnL w="12700" cap="flat" cmpd="sng" algn="ctr">
+                      <a:solidFill>
+                        <a:schemeClr val="tx1"/>
+                      </a:solidFill>
+                      <a:prstDash val="solid"/>
+                      <a:round/>
+                      <a:headEnd type="none" w="med" len="med"/>
+                      <a:tailEnd type="none" w="med" len="med"/>
+                    </a:lnL>
+                    <a:lnR w="12700" cap="flat" cmpd="sng" algn="ctr">
+                      <a:solidFill>
+                        <a:schemeClr val="tx1"/>
+                      </a:solidFill>
+                      <a:prstDash val="solid"/>
+                      <a:round/>
+                      <a:headEnd type="none" w="med" len="med"/>
+                      <a:tailEnd type="none" w="med" len="med"/>
+                    </a:lnR>
+                    <a:lnT w="12700" cap="flat" cmpd="sng" algn="ctr">
+                      <a:solidFill>
+                        <a:schemeClr val="tx1"/>
+                      </a:solidFill>
+                      <a:prstDash val="solid"/>
+                      <a:round/>
+                      <a:headEnd type="none" w="med" len="med"/>
+                      <a:tailEnd type="none" w="med" len="med"/>
+                    </a:lnT>
+                    <a:lnB w="12700" cap="flat" cmpd="sng" algn="ctr">
+                      <a:solidFill>
+                        <a:schemeClr val="tx1"/>
+                      </a:solidFill>
+                      <a:prstDash val="solid"/>
+                      <a:round/>
+                      <a:headEnd type="none" w="med" len="med"/>
+                      <a:tailEnd type="none" w="med" len="med"/>
+                    </a:lnB>
+                    <a:noFill/>
+                  </a:tcPr>
+                </a:tc>
+                <a:tc>
+                  <a:txBody>
+                    <a:bodyPr/>
+                    <a:lstStyle/>
+                    <a:p>
+                      <a:r>
+                        <a:rPr kumimoji="1" lang="en-US" altLang="ja-JP" sz="1200" dirty="0" smtClean="0">
+                          <a:latin typeface="Meiryo UI" panose="020B0604030504040204" pitchFamily="50" charset="-128"/>
+                          <a:ea typeface="Meiryo UI" panose="020B0604030504040204" pitchFamily="50" charset="-128"/>
+                        </a:rPr>
+                        <a:t>0542221</a:t>
+                      </a:r>
+                      <a:endParaRPr kumimoji="1" lang="ja-JP" altLang="en-US" sz="1200" dirty="0">
+                        <a:latin typeface="Meiryo UI" panose="020B0604030504040204" pitchFamily="50" charset="-128"/>
+                        <a:ea typeface="Meiryo UI" panose="020B0604030504040204" pitchFamily="50" charset="-128"/>
+                      </a:endParaRPr>
+                    </a:p>
+                  </a:txBody>
+                  <a:tcPr>
+                    <a:lnL w="12700" cap="flat" cmpd="sng" algn="ctr">
+                      <a:solidFill>
+                        <a:schemeClr val="tx1"/>
+                      </a:solidFill>
+                      <a:prstDash val="solid"/>
+                      <a:round/>
+                      <a:headEnd type="none" w="med" len="med"/>
+                      <a:tailEnd type="none" w="med" len="med"/>
+                    </a:lnL>
+                    <a:lnR w="12700" cap="flat" cmpd="sng" algn="ctr">
+                      <a:solidFill>
+                        <a:schemeClr val="tx1"/>
+                      </a:solidFill>
+                      <a:prstDash val="solid"/>
+                      <a:round/>
+                      <a:headEnd type="none" w="med" len="med"/>
+                      <a:tailEnd type="none" w="med" len="med"/>
+                    </a:lnR>
+                    <a:lnT w="12700" cap="flat" cmpd="sng" algn="ctr">
+                      <a:solidFill>
+                        <a:schemeClr val="tx1"/>
+                      </a:solidFill>
+                      <a:prstDash val="solid"/>
+                      <a:round/>
+                      <a:headEnd type="none" w="med" len="med"/>
+                      <a:tailEnd type="none" w="med" len="med"/>
+                    </a:lnT>
+                    <a:lnB w="12700" cap="flat" cmpd="sng" algn="ctr">
+                      <a:solidFill>
+                        <a:schemeClr val="tx1"/>
+                      </a:solidFill>
+                      <a:prstDash val="solid"/>
+                      <a:round/>
+                      <a:headEnd type="none" w="med" len="med"/>
+                      <a:tailEnd type="none" w="med" len="med"/>
+                    </a:lnB>
+                    <a:noFill/>
+                  </a:tcPr>
+                </a:tc>
+                <a:tc>
+                  <a:txBody>
+                    <a:bodyPr/>
+                    <a:lstStyle/>
+                    <a:p>
+                      <a:r>
+                        <a:rPr kumimoji="1" lang="ja-JP" altLang="en-US" sz="1200" dirty="0" smtClean="0">
+                          <a:latin typeface="Meiryo UI" panose="020B0604030504040204" pitchFamily="50" charset="-128"/>
+                          <a:ea typeface="Meiryo UI" panose="020B0604030504040204" pitchFamily="50" charset="-128"/>
+                        </a:rPr>
+                        <a:t>アイチ</a:t>
+                      </a:r>
+                      <a:endParaRPr kumimoji="1" lang="ja-JP" altLang="en-US" sz="1200" dirty="0">
+                        <a:latin typeface="Meiryo UI" panose="020B0604030504040204" pitchFamily="50" charset="-128"/>
+                        <a:ea typeface="Meiryo UI" panose="020B0604030504040204" pitchFamily="50" charset="-128"/>
+                      </a:endParaRPr>
+                    </a:p>
+                  </a:txBody>
+                  <a:tcPr>
+                    <a:lnL w="12700" cap="flat" cmpd="sng" algn="ctr">
+                      <a:solidFill>
+                        <a:schemeClr val="tx1"/>
+                      </a:solidFill>
+                      <a:prstDash val="solid"/>
+                      <a:round/>
+                      <a:headEnd type="none" w="med" len="med"/>
+                      <a:tailEnd type="none" w="med" len="med"/>
+                    </a:lnL>
+                    <a:lnR w="12700" cap="flat" cmpd="sng" algn="ctr">
+                      <a:solidFill>
+                        <a:schemeClr val="tx1"/>
+                      </a:solidFill>
+                      <a:prstDash val="solid"/>
+                      <a:round/>
+                      <a:headEnd type="none" w="med" len="med"/>
+                      <a:tailEnd type="none" w="med" len="med"/>
+                    </a:lnR>
+                    <a:lnT w="12700" cap="flat" cmpd="sng" algn="ctr">
+                      <a:solidFill>
+                        <a:schemeClr val="tx1"/>
+                      </a:solidFill>
+                      <a:prstDash val="solid"/>
+                      <a:round/>
+                      <a:headEnd type="none" w="med" len="med"/>
+                      <a:tailEnd type="none" w="med" len="med"/>
+                    </a:lnT>
+                    <a:lnB w="12700" cap="flat" cmpd="sng" algn="ctr">
+                      <a:solidFill>
+                        <a:schemeClr val="tx1"/>
+                      </a:solidFill>
+                      <a:prstDash val="solid"/>
+                      <a:round/>
+                      <a:headEnd type="none" w="med" len="med"/>
+                      <a:tailEnd type="none" w="med" len="med"/>
+                    </a:lnB>
+                    <a:noFill/>
+                  </a:tcPr>
+                </a:tc>
+                <a:tc>
+                  <a:txBody>
+                    <a:bodyPr/>
+                    <a:lstStyle/>
+                    <a:p>
+                      <a:r>
+                        <a:rPr kumimoji="1" lang="ja-JP" altLang="en-US" sz="1200" dirty="0" smtClean="0">
+                          <a:latin typeface="Meiryo UI" panose="020B0604030504040204" pitchFamily="50" charset="-128"/>
+                          <a:ea typeface="Meiryo UI" panose="020B0604030504040204" pitchFamily="50" charset="-128"/>
+                        </a:rPr>
+                        <a:t>ﾏﾂﾊﾞﾁｮｳ</a:t>
+                      </a:r>
+                      <a:endParaRPr kumimoji="1" lang="ja-JP" altLang="en-US" sz="1200" dirty="0">
+                        <a:latin typeface="Meiryo UI" panose="020B0604030504040204" pitchFamily="50" charset="-128"/>
+                        <a:ea typeface="Meiryo UI" panose="020B0604030504040204" pitchFamily="50" charset="-128"/>
+                      </a:endParaRPr>
+                    </a:p>
+                  </a:txBody>
+                  <a:tcPr>
+                    <a:lnL w="12700" cap="flat" cmpd="sng" algn="ctr">
+                      <a:solidFill>
+                        <a:schemeClr val="tx1"/>
+                      </a:solidFill>
+                      <a:prstDash val="solid"/>
+                      <a:round/>
+                      <a:headEnd type="none" w="med" len="med"/>
+                      <a:tailEnd type="none" w="med" len="med"/>
+                    </a:lnL>
+                    <a:lnR w="12700" cap="flat" cmpd="sng" algn="ctr">
+                      <a:solidFill>
+                        <a:schemeClr val="tx1"/>
+                      </a:solidFill>
+                      <a:prstDash val="solid"/>
+                      <a:round/>
+                      <a:headEnd type="none" w="med" len="med"/>
+                      <a:tailEnd type="none" w="med" len="med"/>
+                    </a:lnR>
+                    <a:lnT w="12700" cap="flat" cmpd="sng" algn="ctr">
+                      <a:solidFill>
+                        <a:schemeClr val="tx1"/>
+                      </a:solidFill>
+                      <a:prstDash val="solid"/>
+                      <a:round/>
+                      <a:headEnd type="none" w="med" len="med"/>
+                      <a:tailEnd type="none" w="med" len="med"/>
+                    </a:lnT>
+                    <a:lnB w="12700" cap="flat" cmpd="sng" algn="ctr">
+                      <a:solidFill>
+                        <a:schemeClr val="tx1"/>
+                      </a:solidFill>
+                      <a:prstDash val="solid"/>
+                      <a:round/>
+                      <a:headEnd type="none" w="med" len="med"/>
+                      <a:tailEnd type="none" w="med" len="med"/>
+                    </a:lnB>
+                    <a:noFill/>
+                  </a:tcPr>
+                </a:tc>
+                <a:tc>
+                  <a:txBody>
+                    <a:bodyPr/>
+                    <a:lstStyle/>
+                    <a:p>
+                      <a:r>
+                        <a:rPr kumimoji="1" lang="en-US" altLang="ja-JP" sz="1200" dirty="0" smtClean="0">
+                          <a:latin typeface="Meiryo UI" panose="020B0604030504040204" pitchFamily="50" charset="-128"/>
+                          <a:ea typeface="Meiryo UI" panose="020B0604030504040204" pitchFamily="50" charset="-128"/>
+                        </a:rPr>
+                        <a:t>1</a:t>
+                      </a:r>
+                      <a:endParaRPr kumimoji="1" lang="ja-JP" altLang="en-US" sz="1200" dirty="0">
+                        <a:latin typeface="Meiryo UI" panose="020B0604030504040204" pitchFamily="50" charset="-128"/>
+                        <a:ea typeface="Meiryo UI" panose="020B0604030504040204" pitchFamily="50" charset="-128"/>
+                      </a:endParaRPr>
+                    </a:p>
+                  </a:txBody>
+                  <a:tcPr>
+                    <a:lnL w="12700" cap="flat" cmpd="sng" algn="ctr">
+                      <a:solidFill>
+                        <a:schemeClr val="tx1"/>
+                      </a:solidFill>
+                      <a:prstDash val="solid"/>
+                      <a:round/>
+                      <a:headEnd type="none" w="med" len="med"/>
+                      <a:tailEnd type="none" w="med" len="med"/>
+                    </a:lnL>
+                    <a:lnR w="12700" cap="flat" cmpd="sng" algn="ctr">
+                      <a:solidFill>
+                        <a:schemeClr val="tx1"/>
+                      </a:solidFill>
+                      <a:prstDash val="solid"/>
+                      <a:round/>
+                      <a:headEnd type="none" w="med" len="med"/>
+                      <a:tailEnd type="none" w="med" len="med"/>
+                    </a:lnR>
+                    <a:lnT w="12700" cap="flat" cmpd="sng" algn="ctr">
+                      <a:solidFill>
+                        <a:schemeClr val="tx1"/>
+                      </a:solidFill>
+                      <a:prstDash val="solid"/>
+                      <a:round/>
+                      <a:headEnd type="none" w="med" len="med"/>
+                      <a:tailEnd type="none" w="med" len="med"/>
+                    </a:lnT>
+                    <a:lnB w="12700" cap="flat" cmpd="sng" algn="ctr">
+                      <a:solidFill>
+                        <a:schemeClr val="tx1"/>
+                      </a:solidFill>
+                      <a:prstDash val="solid"/>
+                      <a:round/>
+                      <a:headEnd type="none" w="med" len="med"/>
+                      <a:tailEnd type="none" w="med" len="med"/>
+                    </a:lnB>
+                    <a:noFill/>
+                  </a:tcPr>
+                </a:tc>
+                <a:tc>
+                  <a:txBody>
+                    <a:bodyPr/>
+                    <a:lstStyle/>
+                    <a:p>
+                      <a:pPr marL="0" marR="0" lvl="0" indent="0" algn="l" defTabSz="914400" rtl="0" eaLnBrk="1" fontAlgn="auto" latinLnBrk="0" hangingPunct="1">
+                        <a:lnSpc>
+                          <a:spcPct val="100000"/>
+                        </a:lnSpc>
+                        <a:spcBef>
+                          <a:spcPts val="0"/>
+                        </a:spcBef>
+                        <a:spcAft>
+                          <a:spcPts val="0"/>
+                        </a:spcAft>
+                        <a:buClrTx/>
+                        <a:buSzTx/>
+                        <a:buFontTx/>
+                        <a:buNone/>
+                        <a:tabLst/>
+                        <a:defRPr/>
+                      </a:pPr>
+                      <a:r>
+                        <a:rPr kumimoji="1" lang="en-US" altLang="ja-JP" sz="1200" dirty="0" smtClean="0">
+                          <a:latin typeface="Meiryo UI" panose="020B0604030504040204" pitchFamily="50" charset="-128"/>
+                          <a:ea typeface="Meiryo UI" panose="020B0604030504040204" pitchFamily="50" charset="-128"/>
+                        </a:rPr>
+                        <a:t>1234567</a:t>
+                      </a:r>
+                      <a:endParaRPr kumimoji="1" lang="ja-JP" altLang="en-US" sz="1200" dirty="0" smtClean="0">
+                        <a:latin typeface="Meiryo UI" panose="020B0604030504040204" pitchFamily="50" charset="-128"/>
+                        <a:ea typeface="Meiryo UI" panose="020B0604030504040204" pitchFamily="50" charset="-128"/>
+                      </a:endParaRPr>
+                    </a:p>
+                  </a:txBody>
+                  <a:tcPr>
+                    <a:lnL w="12700" cap="flat" cmpd="sng" algn="ctr">
+                      <a:solidFill>
+                        <a:schemeClr val="tx1"/>
+                      </a:solidFill>
+                      <a:prstDash val="solid"/>
+                      <a:round/>
+                      <a:headEnd type="none" w="med" len="med"/>
+                      <a:tailEnd type="none" w="med" len="med"/>
+                    </a:lnL>
+                    <a:lnR w="12700" cap="flat" cmpd="sng" algn="ctr">
+                      <a:solidFill>
+                        <a:schemeClr val="tx1"/>
+                      </a:solidFill>
+                      <a:prstDash val="solid"/>
+                      <a:round/>
+                      <a:headEnd type="none" w="med" len="med"/>
+                      <a:tailEnd type="none" w="med" len="med"/>
+                    </a:lnR>
+                    <a:lnT w="12700" cap="flat" cmpd="sng" algn="ctr">
+                      <a:solidFill>
+                        <a:schemeClr val="tx1"/>
+                      </a:solidFill>
+                      <a:prstDash val="solid"/>
+                      <a:round/>
+                      <a:headEnd type="none" w="med" len="med"/>
+                      <a:tailEnd type="none" w="med" len="med"/>
+                    </a:lnT>
+                    <a:lnB w="12700" cap="flat" cmpd="sng" algn="ctr">
+                      <a:solidFill>
+                        <a:schemeClr val="tx1"/>
+                      </a:solidFill>
+                      <a:prstDash val="solid"/>
+                      <a:round/>
+                      <a:headEnd type="none" w="med" len="med"/>
+                      <a:tailEnd type="none" w="med" len="med"/>
+                    </a:lnB>
+                    <a:noFill/>
+                  </a:tcPr>
+                </a:tc>
+                <a:tc>
+                  <a:txBody>
+                    <a:bodyPr/>
+                    <a:lstStyle/>
+                    <a:p>
+                      <a:r>
+                        <a:rPr kumimoji="1" lang="en-US" altLang="ja-JP" sz="1200" dirty="0" smtClean="0">
+                          <a:latin typeface="Meiryo UI" panose="020B0604030504040204" pitchFamily="50" charset="-128"/>
+                          <a:ea typeface="Meiryo UI" panose="020B0604030504040204" pitchFamily="50" charset="-128"/>
+                        </a:rPr>
+                        <a:t>2020/04/01</a:t>
+                      </a:r>
+                      <a:endParaRPr kumimoji="1" lang="ja-JP" altLang="en-US" sz="1200" dirty="0">
+                        <a:latin typeface="Meiryo UI" panose="020B0604030504040204" pitchFamily="50" charset="-128"/>
+                        <a:ea typeface="Meiryo UI" panose="020B0604030504040204" pitchFamily="50" charset="-128"/>
+                      </a:endParaRPr>
+                    </a:p>
+                  </a:txBody>
+                  <a:tcPr>
+                    <a:lnL w="12700" cap="flat" cmpd="sng" algn="ctr">
+                      <a:solidFill>
+                        <a:schemeClr val="tx1"/>
+                      </a:solidFill>
+                      <a:prstDash val="solid"/>
+                      <a:round/>
+                      <a:headEnd type="none" w="med" len="med"/>
+                      <a:tailEnd type="none" w="med" len="med"/>
+                    </a:lnL>
+                    <a:lnR w="12700" cap="flat" cmpd="sng" algn="ctr">
+                      <a:solidFill>
+                        <a:schemeClr val="tx1"/>
+                      </a:solidFill>
+                      <a:prstDash val="solid"/>
+                      <a:round/>
+                      <a:headEnd type="none" w="med" len="med"/>
+                      <a:tailEnd type="none" w="med" len="med"/>
+                    </a:lnR>
+                    <a:lnT w="12700" cap="flat" cmpd="sng" algn="ctr">
+                      <a:solidFill>
+                        <a:schemeClr val="tx1"/>
+                      </a:solidFill>
+                      <a:prstDash val="solid"/>
+                      <a:round/>
+                      <a:headEnd type="none" w="med" len="med"/>
+                      <a:tailEnd type="none" w="med" len="med"/>
+                    </a:lnT>
+                    <a:lnB w="12700" cap="flat" cmpd="sng" algn="ctr">
+                      <a:solidFill>
+                        <a:schemeClr val="tx1"/>
+                      </a:solidFill>
+                      <a:prstDash val="solid"/>
+                      <a:round/>
+                      <a:headEnd type="none" w="med" len="med"/>
+                      <a:tailEnd type="none" w="med" len="med"/>
+                    </a:lnB>
+                    <a:noFill/>
+                  </a:tcPr>
+                </a:tc>
+                <a:extLst>
+                  <a:ext uri="{0D108BD9-81ED-4DB2-BD59-A6C34878D82A}">
+                    <a16:rowId xmlns:a16="http://schemas.microsoft.com/office/drawing/2014/main" val="3554411009"/>
+                  </a:ext>
+                </a:extLst>
+              </a:tr>
+              <a:tr h="313393">
+                <a:tc>
+                  <a:txBody>
+                    <a:bodyPr/>
+                    <a:lstStyle/>
+                    <a:p>
+                      <a:r>
+                        <a:rPr kumimoji="1" lang="en-US" altLang="ja-JP" sz="1200" dirty="0" smtClean="0">
+                          <a:latin typeface="Meiryo UI" panose="020B0604030504040204" pitchFamily="50" charset="-128"/>
+                          <a:ea typeface="Meiryo UI" panose="020B0604030504040204" pitchFamily="50" charset="-128"/>
+                        </a:rPr>
+                        <a:t>999997</a:t>
+                      </a:r>
+                      <a:endParaRPr kumimoji="1" lang="ja-JP" altLang="en-US" sz="1200" dirty="0">
+                        <a:latin typeface="Meiryo UI" panose="020B0604030504040204" pitchFamily="50" charset="-128"/>
+                        <a:ea typeface="Meiryo UI" panose="020B0604030504040204" pitchFamily="50" charset="-128"/>
+                      </a:endParaRPr>
+                    </a:p>
+                  </a:txBody>
+                  <a:tcPr>
+                    <a:lnL w="12700" cap="flat" cmpd="sng" algn="ctr">
+                      <a:solidFill>
+                        <a:schemeClr val="tx1"/>
+                      </a:solidFill>
+                      <a:prstDash val="solid"/>
+                      <a:round/>
+                      <a:headEnd type="none" w="med" len="med"/>
+                      <a:tailEnd type="none" w="med" len="med"/>
+                    </a:lnL>
+                    <a:lnR w="12700" cap="flat" cmpd="sng" algn="ctr">
+                      <a:solidFill>
+                        <a:schemeClr val="tx1"/>
+                      </a:solidFill>
+                      <a:prstDash val="solid"/>
+                      <a:round/>
+                      <a:headEnd type="none" w="med" len="med"/>
+                      <a:tailEnd type="none" w="med" len="med"/>
+                    </a:lnR>
+                    <a:lnT w="12700" cap="flat" cmpd="sng" algn="ctr">
+                      <a:solidFill>
+                        <a:schemeClr val="tx1"/>
+                      </a:solidFill>
+                      <a:prstDash val="solid"/>
+                      <a:round/>
+                      <a:headEnd type="none" w="med" len="med"/>
+                      <a:tailEnd type="none" w="med" len="med"/>
+                    </a:lnT>
+                    <a:lnB w="12700" cap="flat" cmpd="sng" algn="ctr">
+                      <a:solidFill>
+                        <a:schemeClr val="tx1"/>
+                      </a:solidFill>
+                      <a:prstDash val="solid"/>
+                      <a:round/>
+                      <a:headEnd type="none" w="med" len="med"/>
+                      <a:tailEnd type="none" w="med" len="med"/>
+                    </a:lnB>
+                    <a:noFill/>
+                  </a:tcPr>
+                </a:tc>
+                <a:tc>
+                  <a:txBody>
+                    <a:bodyPr/>
+                    <a:lstStyle/>
+                    <a:p>
+                      <a:r>
+                        <a:rPr kumimoji="1" lang="ja-JP" altLang="en-US" sz="1200" dirty="0" smtClean="0">
+                          <a:latin typeface="Meiryo UI" panose="020B0604030504040204" pitchFamily="50" charset="-128"/>
+                          <a:ea typeface="Meiryo UI" panose="020B0604030504040204" pitchFamily="50" charset="-128"/>
+                        </a:rPr>
+                        <a:t>ﾃｽﾄ　ｼﾛｳ</a:t>
+                      </a:r>
+                      <a:endParaRPr kumimoji="1" lang="ja-JP" altLang="en-US" sz="1200" dirty="0">
+                        <a:latin typeface="Meiryo UI" panose="020B0604030504040204" pitchFamily="50" charset="-128"/>
+                        <a:ea typeface="Meiryo UI" panose="020B0604030504040204" pitchFamily="50" charset="-128"/>
+                      </a:endParaRPr>
+                    </a:p>
+                  </a:txBody>
+                  <a:tcPr>
+                    <a:lnL w="12700" cap="flat" cmpd="sng" algn="ctr">
+                      <a:solidFill>
+                        <a:schemeClr val="tx1"/>
+                      </a:solidFill>
+                      <a:prstDash val="solid"/>
+                      <a:round/>
+                      <a:headEnd type="none" w="med" len="med"/>
+                      <a:tailEnd type="none" w="med" len="med"/>
+                    </a:lnL>
+                    <a:lnR w="12700" cap="flat" cmpd="sng" algn="ctr">
+                      <a:solidFill>
+                        <a:schemeClr val="tx1"/>
+                      </a:solidFill>
+                      <a:prstDash val="solid"/>
+                      <a:round/>
+                      <a:headEnd type="none" w="med" len="med"/>
+                      <a:tailEnd type="none" w="med" len="med"/>
+                    </a:lnR>
+                    <a:lnT w="12700" cap="flat" cmpd="sng" algn="ctr">
+                      <a:solidFill>
+                        <a:schemeClr val="tx1"/>
+                      </a:solidFill>
+                      <a:prstDash val="solid"/>
+                      <a:round/>
+                      <a:headEnd type="none" w="med" len="med"/>
+                      <a:tailEnd type="none" w="med" len="med"/>
+                    </a:lnT>
+                    <a:lnB w="12700" cap="flat" cmpd="sng" algn="ctr">
+                      <a:solidFill>
+                        <a:schemeClr val="tx1"/>
+                      </a:solidFill>
+                      <a:prstDash val="solid"/>
+                      <a:round/>
+                      <a:headEnd type="none" w="med" len="med"/>
+                      <a:tailEnd type="none" w="med" len="med"/>
+                    </a:lnB>
+                    <a:noFill/>
+                  </a:tcPr>
+                </a:tc>
+                <a:tc>
+                  <a:txBody>
+                    <a:bodyPr/>
+                    <a:lstStyle/>
+                    <a:p>
+                      <a:r>
+                        <a:rPr kumimoji="1" lang="en-US" altLang="ja-JP" sz="1200" dirty="0" smtClean="0">
+                          <a:latin typeface="Meiryo UI" panose="020B0604030504040204" pitchFamily="50" charset="-128"/>
+                          <a:ea typeface="Meiryo UI" panose="020B0604030504040204" pitchFamily="50" charset="-128"/>
+                        </a:rPr>
+                        <a:t>0009547</a:t>
+                      </a:r>
+                      <a:endParaRPr kumimoji="1" lang="ja-JP" altLang="en-US" sz="1200" dirty="0">
+                        <a:latin typeface="Meiryo UI" panose="020B0604030504040204" pitchFamily="50" charset="-128"/>
+                        <a:ea typeface="Meiryo UI" panose="020B0604030504040204" pitchFamily="50" charset="-128"/>
+                      </a:endParaRPr>
+                    </a:p>
+                  </a:txBody>
+                  <a:tcPr>
+                    <a:lnL w="12700" cap="flat" cmpd="sng" algn="ctr">
+                      <a:solidFill>
+                        <a:schemeClr val="tx1"/>
+                      </a:solidFill>
+                      <a:prstDash val="solid"/>
+                      <a:round/>
+                      <a:headEnd type="none" w="med" len="med"/>
+                      <a:tailEnd type="none" w="med" len="med"/>
+                    </a:lnL>
+                    <a:lnR w="12700" cap="flat" cmpd="sng" algn="ctr">
+                      <a:solidFill>
+                        <a:schemeClr val="tx1"/>
+                      </a:solidFill>
+                      <a:prstDash val="solid"/>
+                      <a:round/>
+                      <a:headEnd type="none" w="med" len="med"/>
+                      <a:tailEnd type="none" w="med" len="med"/>
+                    </a:lnR>
+                    <a:lnT w="12700" cap="flat" cmpd="sng" algn="ctr">
+                      <a:solidFill>
+                        <a:schemeClr val="tx1"/>
+                      </a:solidFill>
+                      <a:prstDash val="solid"/>
+                      <a:round/>
+                      <a:headEnd type="none" w="med" len="med"/>
+                      <a:tailEnd type="none" w="med" len="med"/>
+                    </a:lnT>
+                    <a:lnB w="12700" cap="flat" cmpd="sng" algn="ctr">
+                      <a:solidFill>
+                        <a:schemeClr val="tx1"/>
+                      </a:solidFill>
+                      <a:prstDash val="solid"/>
+                      <a:round/>
+                      <a:headEnd type="none" w="med" len="med"/>
+                      <a:tailEnd type="none" w="med" len="med"/>
+                    </a:lnB>
+                    <a:noFill/>
+                  </a:tcPr>
+                </a:tc>
+                <a:tc>
+                  <a:txBody>
+                    <a:bodyPr/>
+                    <a:lstStyle/>
+                    <a:p>
+                      <a:r>
+                        <a:rPr kumimoji="1" lang="ja-JP" altLang="en-US" sz="1200" dirty="0" smtClean="0">
+                          <a:latin typeface="Meiryo UI" panose="020B0604030504040204" pitchFamily="50" charset="-128"/>
+                          <a:ea typeface="Meiryo UI" panose="020B0604030504040204" pitchFamily="50" charset="-128"/>
+                        </a:rPr>
+                        <a:t>ﾐﾂｲｽﾐﾄﾓ</a:t>
+                      </a:r>
+                      <a:endParaRPr kumimoji="1" lang="ja-JP" altLang="en-US" sz="1200" dirty="0">
+                        <a:latin typeface="Meiryo UI" panose="020B0604030504040204" pitchFamily="50" charset="-128"/>
+                        <a:ea typeface="Meiryo UI" panose="020B0604030504040204" pitchFamily="50" charset="-128"/>
+                      </a:endParaRPr>
+                    </a:p>
+                  </a:txBody>
+                  <a:tcPr>
+                    <a:lnL w="12700" cap="flat" cmpd="sng" algn="ctr">
+                      <a:solidFill>
+                        <a:schemeClr val="tx1"/>
+                      </a:solidFill>
+                      <a:prstDash val="solid"/>
+                      <a:round/>
+                      <a:headEnd type="none" w="med" len="med"/>
+                      <a:tailEnd type="none" w="med" len="med"/>
+                    </a:lnL>
+                    <a:lnR w="12700" cap="flat" cmpd="sng" algn="ctr">
+                      <a:solidFill>
+                        <a:schemeClr val="tx1"/>
+                      </a:solidFill>
+                      <a:prstDash val="solid"/>
+                      <a:round/>
+                      <a:headEnd type="none" w="med" len="med"/>
+                      <a:tailEnd type="none" w="med" len="med"/>
+                    </a:lnR>
+                    <a:lnT w="12700" cap="flat" cmpd="sng" algn="ctr">
+                      <a:solidFill>
+                        <a:schemeClr val="tx1"/>
+                      </a:solidFill>
+                      <a:prstDash val="solid"/>
+                      <a:round/>
+                      <a:headEnd type="none" w="med" len="med"/>
+                      <a:tailEnd type="none" w="med" len="med"/>
+                    </a:lnT>
+                    <a:lnB w="12700" cap="flat" cmpd="sng" algn="ctr">
+                      <a:solidFill>
+                        <a:schemeClr val="tx1"/>
+                      </a:solidFill>
+                      <a:prstDash val="solid"/>
+                      <a:round/>
+                      <a:headEnd type="none" w="med" len="med"/>
+                      <a:tailEnd type="none" w="med" len="med"/>
+                    </a:lnB>
+                    <a:noFill/>
+                  </a:tcPr>
+                </a:tc>
+                <a:tc>
+                  <a:txBody>
+                    <a:bodyPr/>
+                    <a:lstStyle/>
+                    <a:p>
+                      <a:r>
+                        <a:rPr kumimoji="1" lang="ja-JP" altLang="en-US" sz="1200" dirty="0" smtClean="0">
+                          <a:latin typeface="Meiryo UI" panose="020B0604030504040204" pitchFamily="50" charset="-128"/>
+                          <a:ea typeface="Meiryo UI" panose="020B0604030504040204" pitchFamily="50" charset="-128"/>
+                        </a:rPr>
+                        <a:t>ﾅﾘﾀ</a:t>
+                      </a:r>
+                      <a:endParaRPr kumimoji="1" lang="ja-JP" altLang="en-US" sz="1200" dirty="0">
+                        <a:latin typeface="Meiryo UI" panose="020B0604030504040204" pitchFamily="50" charset="-128"/>
+                        <a:ea typeface="Meiryo UI" panose="020B0604030504040204" pitchFamily="50" charset="-128"/>
+                      </a:endParaRPr>
+                    </a:p>
+                  </a:txBody>
+                  <a:tcPr>
+                    <a:lnL w="12700" cap="flat" cmpd="sng" algn="ctr">
+                      <a:solidFill>
+                        <a:schemeClr val="tx1"/>
+                      </a:solidFill>
+                      <a:prstDash val="solid"/>
+                      <a:round/>
+                      <a:headEnd type="none" w="med" len="med"/>
+                      <a:tailEnd type="none" w="med" len="med"/>
+                    </a:lnL>
+                    <a:lnR w="12700" cap="flat" cmpd="sng" algn="ctr">
+                      <a:solidFill>
+                        <a:schemeClr val="tx1"/>
+                      </a:solidFill>
+                      <a:prstDash val="solid"/>
+                      <a:round/>
+                      <a:headEnd type="none" w="med" len="med"/>
+                      <a:tailEnd type="none" w="med" len="med"/>
+                    </a:lnR>
+                    <a:lnT w="12700" cap="flat" cmpd="sng" algn="ctr">
+                      <a:solidFill>
+                        <a:schemeClr val="tx1"/>
+                      </a:solidFill>
+                      <a:prstDash val="solid"/>
+                      <a:round/>
+                      <a:headEnd type="none" w="med" len="med"/>
+                      <a:tailEnd type="none" w="med" len="med"/>
+                    </a:lnT>
+                    <a:lnB w="12700" cap="flat" cmpd="sng" algn="ctr">
+                      <a:solidFill>
+                        <a:schemeClr val="tx1"/>
+                      </a:solidFill>
+                      <a:prstDash val="solid"/>
+                      <a:round/>
+                      <a:headEnd type="none" w="med" len="med"/>
+                      <a:tailEnd type="none" w="med" len="med"/>
+                    </a:lnB>
+                    <a:noFill/>
+                  </a:tcPr>
+                </a:tc>
+                <a:tc>
+                  <a:txBody>
+                    <a:bodyPr/>
+                    <a:lstStyle/>
+                    <a:p>
+                      <a:r>
+                        <a:rPr kumimoji="1" lang="en-US" altLang="ja-JP" sz="1200" dirty="0" smtClean="0">
+                          <a:latin typeface="Meiryo UI" panose="020B0604030504040204" pitchFamily="50" charset="-128"/>
+                          <a:ea typeface="Meiryo UI" panose="020B0604030504040204" pitchFamily="50" charset="-128"/>
+                        </a:rPr>
+                        <a:t>1</a:t>
+                      </a:r>
+                      <a:endParaRPr kumimoji="1" lang="ja-JP" altLang="en-US" sz="1200" dirty="0">
+                        <a:latin typeface="Meiryo UI" panose="020B0604030504040204" pitchFamily="50" charset="-128"/>
+                        <a:ea typeface="Meiryo UI" panose="020B0604030504040204" pitchFamily="50" charset="-128"/>
+                      </a:endParaRPr>
+                    </a:p>
+                  </a:txBody>
+                  <a:tcPr>
+                    <a:lnL w="12700" cap="flat" cmpd="sng" algn="ctr">
+                      <a:solidFill>
+                        <a:schemeClr val="tx1"/>
+                      </a:solidFill>
+                      <a:prstDash val="solid"/>
+                      <a:round/>
+                      <a:headEnd type="none" w="med" len="med"/>
+                      <a:tailEnd type="none" w="med" len="med"/>
+                    </a:lnL>
+                    <a:lnR w="12700" cap="flat" cmpd="sng" algn="ctr">
+                      <a:solidFill>
+                        <a:schemeClr val="tx1"/>
+                      </a:solidFill>
+                      <a:prstDash val="solid"/>
+                      <a:round/>
+                      <a:headEnd type="none" w="med" len="med"/>
+                      <a:tailEnd type="none" w="med" len="med"/>
+                    </a:lnR>
+                    <a:lnT w="12700" cap="flat" cmpd="sng" algn="ctr">
+                      <a:solidFill>
+                        <a:schemeClr val="tx1"/>
+                      </a:solidFill>
+                      <a:prstDash val="solid"/>
+                      <a:round/>
+                      <a:headEnd type="none" w="med" len="med"/>
+                      <a:tailEnd type="none" w="med" len="med"/>
+                    </a:lnT>
+                    <a:lnB w="12700" cap="flat" cmpd="sng" algn="ctr">
+                      <a:solidFill>
+                        <a:schemeClr val="tx1"/>
+                      </a:solidFill>
+                      <a:prstDash val="solid"/>
+                      <a:round/>
+                      <a:headEnd type="none" w="med" len="med"/>
+                      <a:tailEnd type="none" w="med" len="med"/>
+                    </a:lnB>
+                    <a:noFill/>
+                  </a:tcPr>
+                </a:tc>
+                <a:tc>
+                  <a:txBody>
+                    <a:bodyPr/>
+                    <a:lstStyle/>
+                    <a:p>
+                      <a:r>
+                        <a:rPr kumimoji="1" lang="en-US" altLang="ja-JP" sz="1200" dirty="0" smtClean="0">
+                          <a:latin typeface="Meiryo UI" panose="020B0604030504040204" pitchFamily="50" charset="-128"/>
+                          <a:ea typeface="Meiryo UI" panose="020B0604030504040204" pitchFamily="50" charset="-128"/>
+                        </a:rPr>
+                        <a:t>9876543</a:t>
+                      </a:r>
+                      <a:endParaRPr kumimoji="1" lang="ja-JP" altLang="en-US" sz="1200" dirty="0">
+                        <a:latin typeface="Meiryo UI" panose="020B0604030504040204" pitchFamily="50" charset="-128"/>
+                        <a:ea typeface="Meiryo UI" panose="020B0604030504040204" pitchFamily="50" charset="-128"/>
+                      </a:endParaRPr>
+                    </a:p>
+                  </a:txBody>
+                  <a:tcPr>
+                    <a:lnL w="12700" cap="flat" cmpd="sng" algn="ctr">
+                      <a:solidFill>
+                        <a:schemeClr val="tx1"/>
+                      </a:solidFill>
+                      <a:prstDash val="solid"/>
+                      <a:round/>
+                      <a:headEnd type="none" w="med" len="med"/>
+                      <a:tailEnd type="none" w="med" len="med"/>
+                    </a:lnL>
+                    <a:lnR w="12700" cap="flat" cmpd="sng" algn="ctr">
+                      <a:solidFill>
+                        <a:schemeClr val="tx1"/>
+                      </a:solidFill>
+                      <a:prstDash val="solid"/>
+                      <a:round/>
+                      <a:headEnd type="none" w="med" len="med"/>
+                      <a:tailEnd type="none" w="med" len="med"/>
+                    </a:lnR>
+                    <a:lnT w="12700" cap="flat" cmpd="sng" algn="ctr">
+                      <a:solidFill>
+                        <a:schemeClr val="tx1"/>
+                      </a:solidFill>
+                      <a:prstDash val="solid"/>
+                      <a:round/>
+                      <a:headEnd type="none" w="med" len="med"/>
+                      <a:tailEnd type="none" w="med" len="med"/>
+                    </a:lnT>
+                    <a:lnB w="12700" cap="flat" cmpd="sng" algn="ctr">
+                      <a:solidFill>
+                        <a:schemeClr val="tx1"/>
+                      </a:solidFill>
+                      <a:prstDash val="solid"/>
+                      <a:round/>
+                      <a:headEnd type="none" w="med" len="med"/>
+                      <a:tailEnd type="none" w="med" len="med"/>
+                    </a:lnB>
+                    <a:noFill/>
+                  </a:tcPr>
+                </a:tc>
+                <a:tc>
+                  <a:txBody>
+                    <a:bodyPr/>
+                    <a:lstStyle/>
+                    <a:p>
+                      <a:r>
+                        <a:rPr kumimoji="1" lang="en-US" altLang="ja-JP" sz="1200" dirty="0" smtClean="0">
+                          <a:latin typeface="Meiryo UI" panose="020B0604030504040204" pitchFamily="50" charset="-128"/>
+                          <a:ea typeface="Meiryo UI" panose="020B0604030504040204" pitchFamily="50" charset="-128"/>
+                        </a:rPr>
+                        <a:t>2020/12/20</a:t>
+                      </a:r>
+                      <a:endParaRPr kumimoji="1" lang="ja-JP" altLang="en-US" sz="1200" dirty="0">
+                        <a:latin typeface="Meiryo UI" panose="020B0604030504040204" pitchFamily="50" charset="-128"/>
+                        <a:ea typeface="Meiryo UI" panose="020B0604030504040204" pitchFamily="50" charset="-128"/>
+                      </a:endParaRPr>
+                    </a:p>
+                  </a:txBody>
+                  <a:tcPr>
+                    <a:lnL w="12700" cap="flat" cmpd="sng" algn="ctr">
+                      <a:solidFill>
+                        <a:schemeClr val="tx1"/>
+                      </a:solidFill>
+                      <a:prstDash val="solid"/>
+                      <a:round/>
+                      <a:headEnd type="none" w="med" len="med"/>
+                      <a:tailEnd type="none" w="med" len="med"/>
+                    </a:lnL>
+                    <a:lnR w="12700" cap="flat" cmpd="sng" algn="ctr">
+                      <a:solidFill>
+                        <a:schemeClr val="tx1"/>
+                      </a:solidFill>
+                      <a:prstDash val="solid"/>
+                      <a:round/>
+                      <a:headEnd type="none" w="med" len="med"/>
+                      <a:tailEnd type="none" w="med" len="med"/>
+                    </a:lnR>
+                    <a:lnT w="12700" cap="flat" cmpd="sng" algn="ctr">
+                      <a:solidFill>
+                        <a:schemeClr val="tx1"/>
+                      </a:solidFill>
+                      <a:prstDash val="solid"/>
+                      <a:round/>
+                      <a:headEnd type="none" w="med" len="med"/>
+                      <a:tailEnd type="none" w="med" len="med"/>
+                    </a:lnT>
+                    <a:lnB w="12700" cap="flat" cmpd="sng" algn="ctr">
+                      <a:solidFill>
+                        <a:schemeClr val="tx1"/>
+                      </a:solidFill>
+                      <a:prstDash val="solid"/>
+                      <a:round/>
+                      <a:headEnd type="none" w="med" len="med"/>
+                      <a:tailEnd type="none" w="med" len="med"/>
+                    </a:lnB>
+                    <a:noFill/>
+                  </a:tcPr>
+                </a:tc>
+                <a:extLst>
+                  <a:ext uri="{0D108BD9-81ED-4DB2-BD59-A6C34878D82A}">
+                    <a16:rowId xmlns:a16="http://schemas.microsoft.com/office/drawing/2014/main" val="1800246411"/>
+                  </a:ext>
+                </a:extLst>
+              </a:tr>
+              <a:tr h="313393">
+                <a:tc>
+                  <a:txBody>
+                    <a:bodyPr/>
+                    <a:lstStyle/>
+                    <a:p>
+                      <a:endParaRPr kumimoji="1" lang="ja-JP" altLang="en-US" sz="1200">
+                        <a:latin typeface="Meiryo UI" panose="020B0604030504040204" pitchFamily="50" charset="-128"/>
+                        <a:ea typeface="Meiryo UI" panose="020B0604030504040204" pitchFamily="50" charset="-128"/>
+                      </a:endParaRPr>
+                    </a:p>
+                  </a:txBody>
+                  <a:tcPr>
+                    <a:lnL w="12700" cap="flat" cmpd="sng" algn="ctr">
+                      <a:solidFill>
+                        <a:schemeClr val="tx1"/>
+                      </a:solidFill>
+                      <a:prstDash val="solid"/>
+                      <a:round/>
+                      <a:headEnd type="none" w="med" len="med"/>
+                      <a:tailEnd type="none" w="med" len="med"/>
+                    </a:lnL>
+                    <a:lnR w="12700" cap="flat" cmpd="sng" algn="ctr">
+                      <a:solidFill>
+                        <a:schemeClr val="tx1"/>
+                      </a:solidFill>
+                      <a:prstDash val="solid"/>
+                      <a:round/>
+                      <a:headEnd type="none" w="med" len="med"/>
+                      <a:tailEnd type="none" w="med" len="med"/>
+                    </a:lnR>
+                    <a:lnT w="12700" cap="flat" cmpd="sng" algn="ctr">
+                      <a:solidFill>
+                        <a:schemeClr val="tx1"/>
+                      </a:solidFill>
+                      <a:prstDash val="solid"/>
+                      <a:round/>
+                      <a:headEnd type="none" w="med" len="med"/>
+                      <a:tailEnd type="none" w="med" len="med"/>
+                    </a:lnT>
+                    <a:lnB w="12700" cap="flat" cmpd="sng" algn="ctr">
+                      <a:solidFill>
+                        <a:schemeClr val="tx1"/>
+                      </a:solidFill>
+                      <a:prstDash val="solid"/>
+                      <a:round/>
+                      <a:headEnd type="none" w="med" len="med"/>
+                      <a:tailEnd type="none" w="med" len="med"/>
+                    </a:lnB>
+                    <a:noFill/>
+                  </a:tcPr>
+                </a:tc>
+                <a:tc>
+                  <a:txBody>
+                    <a:bodyPr/>
+                    <a:lstStyle/>
+                    <a:p>
+                      <a:endParaRPr kumimoji="1" lang="ja-JP" altLang="en-US" sz="1200" dirty="0">
+                        <a:latin typeface="Meiryo UI" panose="020B0604030504040204" pitchFamily="50" charset="-128"/>
+                        <a:ea typeface="Meiryo UI" panose="020B0604030504040204" pitchFamily="50" charset="-128"/>
+                      </a:endParaRPr>
+                    </a:p>
+                  </a:txBody>
+                  <a:tcPr>
+                    <a:lnL w="12700" cap="flat" cmpd="sng" algn="ctr">
+                      <a:solidFill>
+                        <a:schemeClr val="tx1"/>
+                      </a:solidFill>
+                      <a:prstDash val="solid"/>
+                      <a:round/>
+                      <a:headEnd type="none" w="med" len="med"/>
+                      <a:tailEnd type="none" w="med" len="med"/>
+                    </a:lnL>
+                    <a:lnR w="12700" cap="flat" cmpd="sng" algn="ctr">
+                      <a:solidFill>
+                        <a:schemeClr val="tx1"/>
+                      </a:solidFill>
+                      <a:prstDash val="solid"/>
+                      <a:round/>
+                      <a:headEnd type="none" w="med" len="med"/>
+                      <a:tailEnd type="none" w="med" len="med"/>
+                    </a:lnR>
+                    <a:lnT w="12700" cap="flat" cmpd="sng" algn="ctr">
+                      <a:solidFill>
+                        <a:schemeClr val="tx1"/>
+                      </a:solidFill>
+                      <a:prstDash val="solid"/>
+                      <a:round/>
+                      <a:headEnd type="none" w="med" len="med"/>
+                      <a:tailEnd type="none" w="med" len="med"/>
+                    </a:lnT>
+                    <a:lnB w="12700" cap="flat" cmpd="sng" algn="ctr">
+                      <a:solidFill>
+                        <a:schemeClr val="tx1"/>
+                      </a:solidFill>
+                      <a:prstDash val="solid"/>
+                      <a:round/>
+                      <a:headEnd type="none" w="med" len="med"/>
+                      <a:tailEnd type="none" w="med" len="med"/>
+                    </a:lnB>
+                    <a:noFill/>
+                  </a:tcPr>
+                </a:tc>
+                <a:tc>
+                  <a:txBody>
+                    <a:bodyPr/>
+                    <a:lstStyle/>
+                    <a:p>
+                      <a:endParaRPr kumimoji="1" lang="ja-JP" altLang="en-US" sz="1200" dirty="0">
+                        <a:latin typeface="Meiryo UI" panose="020B0604030504040204" pitchFamily="50" charset="-128"/>
+                        <a:ea typeface="Meiryo UI" panose="020B0604030504040204" pitchFamily="50" charset="-128"/>
+                      </a:endParaRPr>
+                    </a:p>
+                  </a:txBody>
+                  <a:tcPr>
+                    <a:lnL w="12700" cap="flat" cmpd="sng" algn="ctr">
+                      <a:solidFill>
+                        <a:schemeClr val="tx1"/>
+                      </a:solidFill>
+                      <a:prstDash val="solid"/>
+                      <a:round/>
+                      <a:headEnd type="none" w="med" len="med"/>
+                      <a:tailEnd type="none" w="med" len="med"/>
+                    </a:lnL>
+                    <a:lnR w="12700" cap="flat" cmpd="sng" algn="ctr">
+                      <a:solidFill>
+                        <a:schemeClr val="tx1"/>
+                      </a:solidFill>
+                      <a:prstDash val="solid"/>
+                      <a:round/>
+                      <a:headEnd type="none" w="med" len="med"/>
+                      <a:tailEnd type="none" w="med" len="med"/>
+                    </a:lnR>
+                    <a:lnT w="12700" cap="flat" cmpd="sng" algn="ctr">
+                      <a:solidFill>
+                        <a:schemeClr val="tx1"/>
+                      </a:solidFill>
+                      <a:prstDash val="solid"/>
+                      <a:round/>
+                      <a:headEnd type="none" w="med" len="med"/>
+                      <a:tailEnd type="none" w="med" len="med"/>
+                    </a:lnT>
+                    <a:lnB w="12700" cap="flat" cmpd="sng" algn="ctr">
+                      <a:solidFill>
+                        <a:schemeClr val="tx1"/>
+                      </a:solidFill>
+                      <a:prstDash val="solid"/>
+                      <a:round/>
+                      <a:headEnd type="none" w="med" len="med"/>
+                      <a:tailEnd type="none" w="med" len="med"/>
+                    </a:lnB>
+                    <a:noFill/>
+                  </a:tcPr>
+                </a:tc>
+                <a:tc>
+                  <a:txBody>
+                    <a:bodyPr/>
+                    <a:lstStyle/>
+                    <a:p>
+                      <a:endParaRPr kumimoji="1" lang="ja-JP" altLang="en-US" sz="1200" dirty="0">
+                        <a:latin typeface="Meiryo UI" panose="020B0604030504040204" pitchFamily="50" charset="-128"/>
+                        <a:ea typeface="Meiryo UI" panose="020B0604030504040204" pitchFamily="50" charset="-128"/>
+                      </a:endParaRPr>
+                    </a:p>
+                  </a:txBody>
+                  <a:tcPr>
+                    <a:lnL w="12700" cap="flat" cmpd="sng" algn="ctr">
+                      <a:solidFill>
+                        <a:schemeClr val="tx1"/>
+                      </a:solidFill>
+                      <a:prstDash val="solid"/>
+                      <a:round/>
+                      <a:headEnd type="none" w="med" len="med"/>
+                      <a:tailEnd type="none" w="med" len="med"/>
+                    </a:lnL>
+                    <a:lnR w="12700" cap="flat" cmpd="sng" algn="ctr">
+                      <a:solidFill>
+                        <a:schemeClr val="tx1"/>
+                      </a:solidFill>
+                      <a:prstDash val="solid"/>
+                      <a:round/>
+                      <a:headEnd type="none" w="med" len="med"/>
+                      <a:tailEnd type="none" w="med" len="med"/>
+                    </a:lnR>
+                    <a:lnT w="12700" cap="flat" cmpd="sng" algn="ctr">
+                      <a:solidFill>
+                        <a:schemeClr val="tx1"/>
+                      </a:solidFill>
+                      <a:prstDash val="solid"/>
+                      <a:round/>
+                      <a:headEnd type="none" w="med" len="med"/>
+                      <a:tailEnd type="none" w="med" len="med"/>
+                    </a:lnT>
+                    <a:lnB w="12700" cap="flat" cmpd="sng" algn="ctr">
+                      <a:solidFill>
+                        <a:schemeClr val="tx1"/>
+                      </a:solidFill>
+                      <a:prstDash val="solid"/>
+                      <a:round/>
+                      <a:headEnd type="none" w="med" len="med"/>
+                      <a:tailEnd type="none" w="med" len="med"/>
+                    </a:lnB>
+                    <a:noFill/>
+                  </a:tcPr>
+                </a:tc>
+                <a:tc>
+                  <a:txBody>
+                    <a:bodyPr/>
+                    <a:lstStyle/>
+                    <a:p>
+                      <a:endParaRPr kumimoji="1" lang="ja-JP" altLang="en-US" sz="1200" dirty="0">
+                        <a:latin typeface="Meiryo UI" panose="020B0604030504040204" pitchFamily="50" charset="-128"/>
+                        <a:ea typeface="Meiryo UI" panose="020B0604030504040204" pitchFamily="50" charset="-128"/>
+                      </a:endParaRPr>
+                    </a:p>
+                  </a:txBody>
+                  <a:tcPr>
+                    <a:lnL w="12700" cap="flat" cmpd="sng" algn="ctr">
+                      <a:solidFill>
+                        <a:schemeClr val="tx1"/>
+                      </a:solidFill>
+                      <a:prstDash val="solid"/>
+                      <a:round/>
+                      <a:headEnd type="none" w="med" len="med"/>
+                      <a:tailEnd type="none" w="med" len="med"/>
+                    </a:lnL>
+                    <a:lnR w="12700" cap="flat" cmpd="sng" algn="ctr">
+                      <a:solidFill>
+                        <a:schemeClr val="tx1"/>
+                      </a:solidFill>
+                      <a:prstDash val="solid"/>
+                      <a:round/>
+                      <a:headEnd type="none" w="med" len="med"/>
+                      <a:tailEnd type="none" w="med" len="med"/>
+                    </a:lnR>
+                    <a:lnT w="12700" cap="flat" cmpd="sng" algn="ctr">
+                      <a:solidFill>
+                        <a:schemeClr val="tx1"/>
+                      </a:solidFill>
+                      <a:prstDash val="solid"/>
+                      <a:round/>
+                      <a:headEnd type="none" w="med" len="med"/>
+                      <a:tailEnd type="none" w="med" len="med"/>
+                    </a:lnT>
+                    <a:lnB w="12700" cap="flat" cmpd="sng" algn="ctr">
+                      <a:solidFill>
+                        <a:schemeClr val="tx1"/>
+                      </a:solidFill>
+                      <a:prstDash val="solid"/>
+                      <a:round/>
+                      <a:headEnd type="none" w="med" len="med"/>
+                      <a:tailEnd type="none" w="med" len="med"/>
+                    </a:lnB>
+                    <a:noFill/>
+                  </a:tcPr>
+                </a:tc>
+                <a:tc>
+                  <a:txBody>
+                    <a:bodyPr/>
+                    <a:lstStyle/>
+                    <a:p>
+                      <a:endParaRPr kumimoji="1" lang="ja-JP" altLang="en-US" sz="1200" dirty="0">
+                        <a:latin typeface="Meiryo UI" panose="020B0604030504040204" pitchFamily="50" charset="-128"/>
+                        <a:ea typeface="Meiryo UI" panose="020B0604030504040204" pitchFamily="50" charset="-128"/>
+                      </a:endParaRPr>
+                    </a:p>
+                  </a:txBody>
+                  <a:tcPr>
+                    <a:lnL w="12700" cap="flat" cmpd="sng" algn="ctr">
+                      <a:solidFill>
+                        <a:schemeClr val="tx1"/>
+                      </a:solidFill>
+                      <a:prstDash val="solid"/>
+                      <a:round/>
+                      <a:headEnd type="none" w="med" len="med"/>
+                      <a:tailEnd type="none" w="med" len="med"/>
+                    </a:lnL>
+                    <a:lnR w="12700" cap="flat" cmpd="sng" algn="ctr">
+                      <a:solidFill>
+                        <a:schemeClr val="tx1"/>
+                      </a:solidFill>
+                      <a:prstDash val="solid"/>
+                      <a:round/>
+                      <a:headEnd type="none" w="med" len="med"/>
+                      <a:tailEnd type="none" w="med" len="med"/>
+                    </a:lnR>
+                    <a:lnT w="12700" cap="flat" cmpd="sng" algn="ctr">
+                      <a:solidFill>
+                        <a:schemeClr val="tx1"/>
+                      </a:solidFill>
+                      <a:prstDash val="solid"/>
+                      <a:round/>
+                      <a:headEnd type="none" w="med" len="med"/>
+                      <a:tailEnd type="none" w="med" len="med"/>
+                    </a:lnT>
+                    <a:lnB w="12700" cap="flat" cmpd="sng" algn="ctr">
+                      <a:solidFill>
+                        <a:schemeClr val="tx1"/>
+                      </a:solidFill>
+                      <a:prstDash val="solid"/>
+                      <a:round/>
+                      <a:headEnd type="none" w="med" len="med"/>
+                      <a:tailEnd type="none" w="med" len="med"/>
+                    </a:lnB>
+                    <a:noFill/>
+                  </a:tcPr>
+                </a:tc>
+                <a:tc>
+                  <a:txBody>
+                    <a:bodyPr/>
+                    <a:lstStyle/>
+                    <a:p>
+                      <a:endParaRPr kumimoji="1" lang="ja-JP" altLang="en-US" sz="1200" dirty="0">
+                        <a:latin typeface="Meiryo UI" panose="020B0604030504040204" pitchFamily="50" charset="-128"/>
+                        <a:ea typeface="Meiryo UI" panose="020B0604030504040204" pitchFamily="50" charset="-128"/>
+                      </a:endParaRPr>
+                    </a:p>
+                  </a:txBody>
+                  <a:tcPr>
+                    <a:lnL w="12700" cap="flat" cmpd="sng" algn="ctr">
+                      <a:solidFill>
+                        <a:schemeClr val="tx1"/>
+                      </a:solidFill>
+                      <a:prstDash val="solid"/>
+                      <a:round/>
+                      <a:headEnd type="none" w="med" len="med"/>
+                      <a:tailEnd type="none" w="med" len="med"/>
+                    </a:lnL>
+                    <a:lnR w="12700" cap="flat" cmpd="sng" algn="ctr">
+                      <a:solidFill>
+                        <a:schemeClr val="tx1"/>
+                      </a:solidFill>
+                      <a:prstDash val="solid"/>
+                      <a:round/>
+                      <a:headEnd type="none" w="med" len="med"/>
+                      <a:tailEnd type="none" w="med" len="med"/>
+                    </a:lnR>
+                    <a:lnT w="12700" cap="flat" cmpd="sng" algn="ctr">
+                      <a:solidFill>
+                        <a:schemeClr val="tx1"/>
+                      </a:solidFill>
+                      <a:prstDash val="solid"/>
+                      <a:round/>
+                      <a:headEnd type="none" w="med" len="med"/>
+                      <a:tailEnd type="none" w="med" len="med"/>
+                    </a:lnT>
+                    <a:lnB w="12700" cap="flat" cmpd="sng" algn="ctr">
+                      <a:solidFill>
+                        <a:schemeClr val="tx1"/>
+                      </a:solidFill>
+                      <a:prstDash val="solid"/>
+                      <a:round/>
+                      <a:headEnd type="none" w="med" len="med"/>
+                      <a:tailEnd type="none" w="med" len="med"/>
+                    </a:lnB>
+                    <a:noFill/>
+                  </a:tcPr>
+                </a:tc>
+                <a:tc>
+                  <a:txBody>
+                    <a:bodyPr/>
+                    <a:lstStyle/>
+                    <a:p>
+                      <a:endParaRPr kumimoji="1" lang="ja-JP" altLang="en-US" sz="1200" dirty="0">
+                        <a:latin typeface="Meiryo UI" panose="020B0604030504040204" pitchFamily="50" charset="-128"/>
+                        <a:ea typeface="Meiryo UI" panose="020B0604030504040204" pitchFamily="50" charset="-128"/>
+                      </a:endParaRPr>
+                    </a:p>
+                  </a:txBody>
+                  <a:tcPr>
+                    <a:lnL w="12700" cap="flat" cmpd="sng" algn="ctr">
+                      <a:solidFill>
+                        <a:schemeClr val="tx1"/>
+                      </a:solidFill>
+                      <a:prstDash val="solid"/>
+                      <a:round/>
+                      <a:headEnd type="none" w="med" len="med"/>
+                      <a:tailEnd type="none" w="med" len="med"/>
+                    </a:lnL>
+                    <a:lnR w="12700" cap="flat" cmpd="sng" algn="ctr">
+                      <a:solidFill>
+                        <a:schemeClr val="tx1"/>
+                      </a:solidFill>
+                      <a:prstDash val="solid"/>
+                      <a:round/>
+                      <a:headEnd type="none" w="med" len="med"/>
+                      <a:tailEnd type="none" w="med" len="med"/>
+                    </a:lnR>
+                    <a:lnT w="12700" cap="flat" cmpd="sng" algn="ctr">
+                      <a:solidFill>
+                        <a:schemeClr val="tx1"/>
+                      </a:solidFill>
+                      <a:prstDash val="solid"/>
+                      <a:round/>
+                      <a:headEnd type="none" w="med" len="med"/>
+                      <a:tailEnd type="none" w="med" len="med"/>
+                    </a:lnT>
+                    <a:lnB w="12700" cap="flat" cmpd="sng" algn="ctr">
+                      <a:solidFill>
+                        <a:schemeClr val="tx1"/>
+                      </a:solidFill>
+                      <a:prstDash val="solid"/>
+                      <a:round/>
+                      <a:headEnd type="none" w="med" len="med"/>
+                      <a:tailEnd type="none" w="med" len="med"/>
+                    </a:lnB>
+                    <a:noFill/>
+                  </a:tcPr>
+                </a:tc>
+                <a:extLst>
+                  <a:ext uri="{0D108BD9-81ED-4DB2-BD59-A6C34878D82A}">
+                    <a16:rowId xmlns:a16="http://schemas.microsoft.com/office/drawing/2014/main" val="1757143786"/>
+                  </a:ext>
+                </a:extLst>
+              </a:tr>
+              <a:tr h="313393">
+                <a:tc>
+                  <a:txBody>
+                    <a:bodyPr/>
+                    <a:lstStyle/>
+                    <a:p>
+                      <a:endParaRPr kumimoji="1" lang="ja-JP" altLang="en-US" sz="1200">
+                        <a:latin typeface="Meiryo UI" panose="020B0604030504040204" pitchFamily="50" charset="-128"/>
+                        <a:ea typeface="Meiryo UI" panose="020B0604030504040204" pitchFamily="50" charset="-128"/>
+                      </a:endParaRPr>
+                    </a:p>
+                  </a:txBody>
+                  <a:tcPr>
+                    <a:lnL w="12700" cap="flat" cmpd="sng" algn="ctr">
+                      <a:solidFill>
+                        <a:schemeClr val="tx1"/>
+                      </a:solidFill>
+                      <a:prstDash val="solid"/>
+                      <a:round/>
+                      <a:headEnd type="none" w="med" len="med"/>
+                      <a:tailEnd type="none" w="med" len="med"/>
+                    </a:lnL>
+                    <a:lnR w="12700" cap="flat" cmpd="sng" algn="ctr">
+                      <a:solidFill>
+                        <a:schemeClr val="tx1"/>
+                      </a:solidFill>
+                      <a:prstDash val="solid"/>
+                      <a:round/>
+                      <a:headEnd type="none" w="med" len="med"/>
+                      <a:tailEnd type="none" w="med" len="med"/>
+                    </a:lnR>
+                    <a:lnT w="12700" cap="flat" cmpd="sng" algn="ctr">
+                      <a:solidFill>
+                        <a:schemeClr val="tx1"/>
+                      </a:solidFill>
+                      <a:prstDash val="solid"/>
+                      <a:round/>
+                      <a:headEnd type="none" w="med" len="med"/>
+                      <a:tailEnd type="none" w="med" len="med"/>
+                    </a:lnT>
+                    <a:lnB w="12700" cap="flat" cmpd="sng" algn="ctr">
+                      <a:solidFill>
+                        <a:schemeClr val="tx1"/>
+                      </a:solidFill>
+                      <a:prstDash val="solid"/>
+                      <a:round/>
+                      <a:headEnd type="none" w="med" len="med"/>
+                      <a:tailEnd type="none" w="med" len="med"/>
+                    </a:lnB>
+                    <a:noFill/>
+                  </a:tcPr>
+                </a:tc>
+                <a:tc>
+                  <a:txBody>
+                    <a:bodyPr/>
+                    <a:lstStyle/>
+                    <a:p>
+                      <a:endParaRPr kumimoji="1" lang="ja-JP" altLang="en-US" sz="1200" dirty="0">
+                        <a:latin typeface="Meiryo UI" panose="020B0604030504040204" pitchFamily="50" charset="-128"/>
+                        <a:ea typeface="Meiryo UI" panose="020B0604030504040204" pitchFamily="50" charset="-128"/>
+                      </a:endParaRPr>
+                    </a:p>
+                  </a:txBody>
+                  <a:tcPr>
+                    <a:lnL w="12700" cap="flat" cmpd="sng" algn="ctr">
+                      <a:solidFill>
+                        <a:schemeClr val="tx1"/>
+                      </a:solidFill>
+                      <a:prstDash val="solid"/>
+                      <a:round/>
+                      <a:headEnd type="none" w="med" len="med"/>
+                      <a:tailEnd type="none" w="med" len="med"/>
+                    </a:lnL>
+                    <a:lnR w="12700" cap="flat" cmpd="sng" algn="ctr">
+                      <a:solidFill>
+                        <a:schemeClr val="tx1"/>
+                      </a:solidFill>
+                      <a:prstDash val="solid"/>
+                      <a:round/>
+                      <a:headEnd type="none" w="med" len="med"/>
+                      <a:tailEnd type="none" w="med" len="med"/>
+                    </a:lnR>
+                    <a:lnT w="12700" cap="flat" cmpd="sng" algn="ctr">
+                      <a:solidFill>
+                        <a:schemeClr val="tx1"/>
+                      </a:solidFill>
+                      <a:prstDash val="solid"/>
+                      <a:round/>
+                      <a:headEnd type="none" w="med" len="med"/>
+                      <a:tailEnd type="none" w="med" len="med"/>
+                    </a:lnT>
+                    <a:lnB w="12700" cap="flat" cmpd="sng" algn="ctr">
+                      <a:solidFill>
+                        <a:schemeClr val="tx1"/>
+                      </a:solidFill>
+                      <a:prstDash val="solid"/>
+                      <a:round/>
+                      <a:headEnd type="none" w="med" len="med"/>
+                      <a:tailEnd type="none" w="med" len="med"/>
+                    </a:lnB>
+                    <a:noFill/>
+                  </a:tcPr>
+                </a:tc>
+                <a:tc>
+                  <a:txBody>
+                    <a:bodyPr/>
+                    <a:lstStyle/>
+                    <a:p>
+                      <a:endParaRPr kumimoji="1" lang="ja-JP" altLang="en-US" sz="1200" dirty="0">
+                        <a:latin typeface="Meiryo UI" panose="020B0604030504040204" pitchFamily="50" charset="-128"/>
+                        <a:ea typeface="Meiryo UI" panose="020B0604030504040204" pitchFamily="50" charset="-128"/>
+                      </a:endParaRPr>
+                    </a:p>
+                  </a:txBody>
+                  <a:tcPr>
+                    <a:lnL w="12700" cap="flat" cmpd="sng" algn="ctr">
+                      <a:solidFill>
+                        <a:schemeClr val="tx1"/>
+                      </a:solidFill>
+                      <a:prstDash val="solid"/>
+                      <a:round/>
+                      <a:headEnd type="none" w="med" len="med"/>
+                      <a:tailEnd type="none" w="med" len="med"/>
+                    </a:lnL>
+                    <a:lnR w="12700" cap="flat" cmpd="sng" algn="ctr">
+                      <a:solidFill>
+                        <a:schemeClr val="tx1"/>
+                      </a:solidFill>
+                      <a:prstDash val="solid"/>
+                      <a:round/>
+                      <a:headEnd type="none" w="med" len="med"/>
+                      <a:tailEnd type="none" w="med" len="med"/>
+                    </a:lnR>
+                    <a:lnT w="12700" cap="flat" cmpd="sng" algn="ctr">
+                      <a:solidFill>
+                        <a:schemeClr val="tx1"/>
+                      </a:solidFill>
+                      <a:prstDash val="solid"/>
+                      <a:round/>
+                      <a:headEnd type="none" w="med" len="med"/>
+                      <a:tailEnd type="none" w="med" len="med"/>
+                    </a:lnT>
+                    <a:lnB w="12700" cap="flat" cmpd="sng" algn="ctr">
+                      <a:solidFill>
+                        <a:schemeClr val="tx1"/>
+                      </a:solidFill>
+                      <a:prstDash val="solid"/>
+                      <a:round/>
+                      <a:headEnd type="none" w="med" len="med"/>
+                      <a:tailEnd type="none" w="med" len="med"/>
+                    </a:lnB>
+                    <a:noFill/>
+                  </a:tcPr>
+                </a:tc>
+                <a:tc>
+                  <a:txBody>
+                    <a:bodyPr/>
+                    <a:lstStyle/>
+                    <a:p>
+                      <a:endParaRPr kumimoji="1" lang="ja-JP" altLang="en-US" sz="1200" dirty="0">
+                        <a:latin typeface="Meiryo UI" panose="020B0604030504040204" pitchFamily="50" charset="-128"/>
+                        <a:ea typeface="Meiryo UI" panose="020B0604030504040204" pitchFamily="50" charset="-128"/>
+                      </a:endParaRPr>
+                    </a:p>
+                  </a:txBody>
+                  <a:tcPr>
+                    <a:lnL w="12700" cap="flat" cmpd="sng" algn="ctr">
+                      <a:solidFill>
+                        <a:schemeClr val="tx1"/>
+                      </a:solidFill>
+                      <a:prstDash val="solid"/>
+                      <a:round/>
+                      <a:headEnd type="none" w="med" len="med"/>
+                      <a:tailEnd type="none" w="med" len="med"/>
+                    </a:lnL>
+                    <a:lnR w="12700" cap="flat" cmpd="sng" algn="ctr">
+                      <a:solidFill>
+                        <a:schemeClr val="tx1"/>
+                      </a:solidFill>
+                      <a:prstDash val="solid"/>
+                      <a:round/>
+                      <a:headEnd type="none" w="med" len="med"/>
+                      <a:tailEnd type="none" w="med" len="med"/>
+                    </a:lnR>
+                    <a:lnT w="12700" cap="flat" cmpd="sng" algn="ctr">
+                      <a:solidFill>
+                        <a:schemeClr val="tx1"/>
+                      </a:solidFill>
+                      <a:prstDash val="solid"/>
+                      <a:round/>
+                      <a:headEnd type="none" w="med" len="med"/>
+                      <a:tailEnd type="none" w="med" len="med"/>
+                    </a:lnT>
+                    <a:lnB w="12700" cap="flat" cmpd="sng" algn="ctr">
+                      <a:solidFill>
+                        <a:schemeClr val="tx1"/>
+                      </a:solidFill>
+                      <a:prstDash val="solid"/>
+                      <a:round/>
+                      <a:headEnd type="none" w="med" len="med"/>
+                      <a:tailEnd type="none" w="med" len="med"/>
+                    </a:lnB>
+                    <a:noFill/>
+                  </a:tcPr>
+                </a:tc>
+                <a:tc>
+                  <a:txBody>
+                    <a:bodyPr/>
+                    <a:lstStyle/>
+                    <a:p>
+                      <a:endParaRPr kumimoji="1" lang="ja-JP" altLang="en-US" sz="1200" dirty="0">
+                        <a:latin typeface="Meiryo UI" panose="020B0604030504040204" pitchFamily="50" charset="-128"/>
+                        <a:ea typeface="Meiryo UI" panose="020B0604030504040204" pitchFamily="50" charset="-128"/>
+                      </a:endParaRPr>
+                    </a:p>
+                  </a:txBody>
+                  <a:tcPr>
+                    <a:lnL w="12700" cap="flat" cmpd="sng" algn="ctr">
+                      <a:solidFill>
+                        <a:schemeClr val="tx1"/>
+                      </a:solidFill>
+                      <a:prstDash val="solid"/>
+                      <a:round/>
+                      <a:headEnd type="none" w="med" len="med"/>
+                      <a:tailEnd type="none" w="med" len="med"/>
+                    </a:lnL>
+                    <a:lnR w="12700" cap="flat" cmpd="sng" algn="ctr">
+                      <a:solidFill>
+                        <a:schemeClr val="tx1"/>
+                      </a:solidFill>
+                      <a:prstDash val="solid"/>
+                      <a:round/>
+                      <a:headEnd type="none" w="med" len="med"/>
+                      <a:tailEnd type="none" w="med" len="med"/>
+                    </a:lnR>
+                    <a:lnT w="12700" cap="flat" cmpd="sng" algn="ctr">
+                      <a:solidFill>
+                        <a:schemeClr val="tx1"/>
+                      </a:solidFill>
+                      <a:prstDash val="solid"/>
+                      <a:round/>
+                      <a:headEnd type="none" w="med" len="med"/>
+                      <a:tailEnd type="none" w="med" len="med"/>
+                    </a:lnT>
+                    <a:lnB w="12700" cap="flat" cmpd="sng" algn="ctr">
+                      <a:solidFill>
+                        <a:schemeClr val="tx1"/>
+                      </a:solidFill>
+                      <a:prstDash val="solid"/>
+                      <a:round/>
+                      <a:headEnd type="none" w="med" len="med"/>
+                      <a:tailEnd type="none" w="med" len="med"/>
+                    </a:lnB>
+                    <a:noFill/>
+                  </a:tcPr>
+                </a:tc>
+                <a:tc>
+                  <a:txBody>
+                    <a:bodyPr/>
+                    <a:lstStyle/>
+                    <a:p>
+                      <a:endParaRPr kumimoji="1" lang="ja-JP" altLang="en-US" sz="1200" dirty="0">
+                        <a:latin typeface="Meiryo UI" panose="020B0604030504040204" pitchFamily="50" charset="-128"/>
+                        <a:ea typeface="Meiryo UI" panose="020B0604030504040204" pitchFamily="50" charset="-128"/>
+                      </a:endParaRPr>
+                    </a:p>
+                  </a:txBody>
+                  <a:tcPr>
+                    <a:lnL w="12700" cap="flat" cmpd="sng" algn="ctr">
+                      <a:solidFill>
+                        <a:schemeClr val="tx1"/>
+                      </a:solidFill>
+                      <a:prstDash val="solid"/>
+                      <a:round/>
+                      <a:headEnd type="none" w="med" len="med"/>
+                      <a:tailEnd type="none" w="med" len="med"/>
+                    </a:lnL>
+                    <a:lnR w="12700" cap="flat" cmpd="sng" algn="ctr">
+                      <a:solidFill>
+                        <a:schemeClr val="tx1"/>
+                      </a:solidFill>
+                      <a:prstDash val="solid"/>
+                      <a:round/>
+                      <a:headEnd type="none" w="med" len="med"/>
+                      <a:tailEnd type="none" w="med" len="med"/>
+                    </a:lnR>
+                    <a:lnT w="12700" cap="flat" cmpd="sng" algn="ctr">
+                      <a:solidFill>
+                        <a:schemeClr val="tx1"/>
+                      </a:solidFill>
+                      <a:prstDash val="solid"/>
+                      <a:round/>
+                      <a:headEnd type="none" w="med" len="med"/>
+                      <a:tailEnd type="none" w="med" len="med"/>
+                    </a:lnT>
+                    <a:lnB w="12700" cap="flat" cmpd="sng" algn="ctr">
+                      <a:solidFill>
+                        <a:schemeClr val="tx1"/>
+                      </a:solidFill>
+                      <a:prstDash val="solid"/>
+                      <a:round/>
+                      <a:headEnd type="none" w="med" len="med"/>
+                      <a:tailEnd type="none" w="med" len="med"/>
+                    </a:lnB>
+                    <a:noFill/>
+                  </a:tcPr>
+                </a:tc>
+                <a:tc>
+                  <a:txBody>
+                    <a:bodyPr/>
+                    <a:lstStyle/>
+                    <a:p>
+                      <a:endParaRPr kumimoji="1" lang="ja-JP" altLang="en-US" sz="1200" dirty="0">
+                        <a:latin typeface="Meiryo UI" panose="020B0604030504040204" pitchFamily="50" charset="-128"/>
+                        <a:ea typeface="Meiryo UI" panose="020B0604030504040204" pitchFamily="50" charset="-128"/>
+                      </a:endParaRPr>
+                    </a:p>
+                  </a:txBody>
+                  <a:tcPr>
+                    <a:lnL w="12700" cap="flat" cmpd="sng" algn="ctr">
+                      <a:solidFill>
+                        <a:schemeClr val="tx1"/>
+                      </a:solidFill>
+                      <a:prstDash val="solid"/>
+                      <a:round/>
+                      <a:headEnd type="none" w="med" len="med"/>
+                      <a:tailEnd type="none" w="med" len="med"/>
+                    </a:lnL>
+                    <a:lnR w="12700" cap="flat" cmpd="sng" algn="ctr">
+                      <a:solidFill>
+                        <a:schemeClr val="tx1"/>
+                      </a:solidFill>
+                      <a:prstDash val="solid"/>
+                      <a:round/>
+                      <a:headEnd type="none" w="med" len="med"/>
+                      <a:tailEnd type="none" w="med" len="med"/>
+                    </a:lnR>
+                    <a:lnT w="12700" cap="flat" cmpd="sng" algn="ctr">
+                      <a:solidFill>
+                        <a:schemeClr val="tx1"/>
+                      </a:solidFill>
+                      <a:prstDash val="solid"/>
+                      <a:round/>
+                      <a:headEnd type="none" w="med" len="med"/>
+                      <a:tailEnd type="none" w="med" len="med"/>
+                    </a:lnT>
+                    <a:lnB w="12700" cap="flat" cmpd="sng" algn="ctr">
+                      <a:solidFill>
+                        <a:schemeClr val="tx1"/>
+                      </a:solidFill>
+                      <a:prstDash val="solid"/>
+                      <a:round/>
+                      <a:headEnd type="none" w="med" len="med"/>
+                      <a:tailEnd type="none" w="med" len="med"/>
+                    </a:lnB>
+                    <a:noFill/>
+                  </a:tcPr>
+                </a:tc>
+                <a:tc>
+                  <a:txBody>
+                    <a:bodyPr/>
+                    <a:lstStyle/>
+                    <a:p>
+                      <a:endParaRPr kumimoji="1" lang="ja-JP" altLang="en-US" sz="1200" dirty="0">
+                        <a:latin typeface="Meiryo UI" panose="020B0604030504040204" pitchFamily="50" charset="-128"/>
+                        <a:ea typeface="Meiryo UI" panose="020B0604030504040204" pitchFamily="50" charset="-128"/>
+                      </a:endParaRPr>
+                    </a:p>
+                  </a:txBody>
+                  <a:tcPr>
+                    <a:lnL w="12700" cap="flat" cmpd="sng" algn="ctr">
+                      <a:solidFill>
+                        <a:schemeClr val="tx1"/>
+                      </a:solidFill>
+                      <a:prstDash val="solid"/>
+                      <a:round/>
+                      <a:headEnd type="none" w="med" len="med"/>
+                      <a:tailEnd type="none" w="med" len="med"/>
+                    </a:lnL>
+                    <a:lnR w="12700" cap="flat" cmpd="sng" algn="ctr">
+                      <a:solidFill>
+                        <a:schemeClr val="tx1"/>
+                      </a:solidFill>
+                      <a:prstDash val="solid"/>
+                      <a:round/>
+                      <a:headEnd type="none" w="med" len="med"/>
+                      <a:tailEnd type="none" w="med" len="med"/>
+                    </a:lnR>
+                    <a:lnT w="12700" cap="flat" cmpd="sng" algn="ctr">
+                      <a:solidFill>
+                        <a:schemeClr val="tx1"/>
+                      </a:solidFill>
+                      <a:prstDash val="solid"/>
+                      <a:round/>
+                      <a:headEnd type="none" w="med" len="med"/>
+                      <a:tailEnd type="none" w="med" len="med"/>
+                    </a:lnT>
+                    <a:lnB w="12700" cap="flat" cmpd="sng" algn="ctr">
+                      <a:solidFill>
+                        <a:schemeClr val="tx1"/>
+                      </a:solidFill>
+                      <a:prstDash val="solid"/>
+                      <a:round/>
+                      <a:headEnd type="none" w="med" len="med"/>
+                      <a:tailEnd type="none" w="med" len="med"/>
+                    </a:lnB>
+                    <a:noFill/>
+                  </a:tcPr>
+                </a:tc>
+                <a:extLst>
+                  <a:ext uri="{0D108BD9-81ED-4DB2-BD59-A6C34878D82A}">
+                    <a16:rowId xmlns:a16="http://schemas.microsoft.com/office/drawing/2014/main" val="3981695430"/>
+                  </a:ext>
+                </a:extLst>
+              </a:tr>
+              <a:tr h="313393">
+                <a:tc>
+                  <a:txBody>
+                    <a:bodyPr/>
+                    <a:lstStyle/>
+                    <a:p>
+                      <a:endParaRPr kumimoji="1" lang="ja-JP" altLang="en-US" sz="1200">
+                        <a:latin typeface="Meiryo UI" panose="020B0604030504040204" pitchFamily="50" charset="-128"/>
+                        <a:ea typeface="Meiryo UI" panose="020B0604030504040204" pitchFamily="50" charset="-128"/>
+                      </a:endParaRPr>
+                    </a:p>
+                  </a:txBody>
+                  <a:tcPr>
+                    <a:lnL w="12700" cap="flat" cmpd="sng" algn="ctr">
+                      <a:solidFill>
+                        <a:schemeClr val="tx1"/>
+                      </a:solidFill>
+                      <a:prstDash val="solid"/>
+                      <a:round/>
+                      <a:headEnd type="none" w="med" len="med"/>
+                      <a:tailEnd type="none" w="med" len="med"/>
+                    </a:lnL>
+                    <a:lnR w="12700" cap="flat" cmpd="sng" algn="ctr">
+                      <a:solidFill>
+                        <a:schemeClr val="tx1"/>
+                      </a:solidFill>
+                      <a:prstDash val="solid"/>
+                      <a:round/>
+                      <a:headEnd type="none" w="med" len="med"/>
+                      <a:tailEnd type="none" w="med" len="med"/>
+                    </a:lnR>
+                    <a:lnT w="12700" cap="flat" cmpd="sng" algn="ctr">
+                      <a:solidFill>
+                        <a:schemeClr val="tx1"/>
+                      </a:solidFill>
+                      <a:prstDash val="solid"/>
+                      <a:round/>
+                      <a:headEnd type="none" w="med" len="med"/>
+                      <a:tailEnd type="none" w="med" len="med"/>
+                    </a:lnT>
+                    <a:lnB w="12700" cap="flat" cmpd="sng" algn="ctr">
+                      <a:solidFill>
+                        <a:schemeClr val="tx1"/>
+                      </a:solidFill>
+                      <a:prstDash val="solid"/>
+                      <a:round/>
+                      <a:headEnd type="none" w="med" len="med"/>
+                      <a:tailEnd type="none" w="med" len="med"/>
+                    </a:lnB>
+                    <a:noFill/>
+                  </a:tcPr>
+                </a:tc>
+                <a:tc>
+                  <a:txBody>
+                    <a:bodyPr/>
+                    <a:lstStyle/>
+                    <a:p>
+                      <a:endParaRPr kumimoji="1" lang="ja-JP" altLang="en-US" sz="1200" dirty="0">
+                        <a:latin typeface="Meiryo UI" panose="020B0604030504040204" pitchFamily="50" charset="-128"/>
+                        <a:ea typeface="Meiryo UI" panose="020B0604030504040204" pitchFamily="50" charset="-128"/>
+                      </a:endParaRPr>
+                    </a:p>
+                  </a:txBody>
+                  <a:tcPr>
+                    <a:lnL w="12700" cap="flat" cmpd="sng" algn="ctr">
+                      <a:solidFill>
+                        <a:schemeClr val="tx1"/>
+                      </a:solidFill>
+                      <a:prstDash val="solid"/>
+                      <a:round/>
+                      <a:headEnd type="none" w="med" len="med"/>
+                      <a:tailEnd type="none" w="med" len="med"/>
+                    </a:lnL>
+                    <a:lnR w="12700" cap="flat" cmpd="sng" algn="ctr">
+                      <a:solidFill>
+                        <a:schemeClr val="tx1"/>
+                      </a:solidFill>
+                      <a:prstDash val="solid"/>
+                      <a:round/>
+                      <a:headEnd type="none" w="med" len="med"/>
+                      <a:tailEnd type="none" w="med" len="med"/>
+                    </a:lnR>
+                    <a:lnT w="12700" cap="flat" cmpd="sng" algn="ctr">
+                      <a:solidFill>
+                        <a:schemeClr val="tx1"/>
+                      </a:solidFill>
+                      <a:prstDash val="solid"/>
+                      <a:round/>
+                      <a:headEnd type="none" w="med" len="med"/>
+                      <a:tailEnd type="none" w="med" len="med"/>
+                    </a:lnT>
+                    <a:lnB w="12700" cap="flat" cmpd="sng" algn="ctr">
+                      <a:solidFill>
+                        <a:schemeClr val="tx1"/>
+                      </a:solidFill>
+                      <a:prstDash val="solid"/>
+                      <a:round/>
+                      <a:headEnd type="none" w="med" len="med"/>
+                      <a:tailEnd type="none" w="med" len="med"/>
+                    </a:lnB>
+                    <a:noFill/>
+                  </a:tcPr>
+                </a:tc>
+                <a:tc>
+                  <a:txBody>
+                    <a:bodyPr/>
+                    <a:lstStyle/>
+                    <a:p>
+                      <a:endParaRPr kumimoji="1" lang="ja-JP" altLang="en-US" sz="1200" dirty="0">
+                        <a:latin typeface="Meiryo UI" panose="020B0604030504040204" pitchFamily="50" charset="-128"/>
+                        <a:ea typeface="Meiryo UI" panose="020B0604030504040204" pitchFamily="50" charset="-128"/>
+                      </a:endParaRPr>
+                    </a:p>
+                  </a:txBody>
+                  <a:tcPr>
+                    <a:lnL w="12700" cap="flat" cmpd="sng" algn="ctr">
+                      <a:solidFill>
+                        <a:schemeClr val="tx1"/>
+                      </a:solidFill>
+                      <a:prstDash val="solid"/>
+                      <a:round/>
+                      <a:headEnd type="none" w="med" len="med"/>
+                      <a:tailEnd type="none" w="med" len="med"/>
+                    </a:lnL>
+                    <a:lnR w="12700" cap="flat" cmpd="sng" algn="ctr">
+                      <a:solidFill>
+                        <a:schemeClr val="tx1"/>
+                      </a:solidFill>
+                      <a:prstDash val="solid"/>
+                      <a:round/>
+                      <a:headEnd type="none" w="med" len="med"/>
+                      <a:tailEnd type="none" w="med" len="med"/>
+                    </a:lnR>
+                    <a:lnT w="12700" cap="flat" cmpd="sng" algn="ctr">
+                      <a:solidFill>
+                        <a:schemeClr val="tx1"/>
+                      </a:solidFill>
+                      <a:prstDash val="solid"/>
+                      <a:round/>
+                      <a:headEnd type="none" w="med" len="med"/>
+                      <a:tailEnd type="none" w="med" len="med"/>
+                    </a:lnT>
+                    <a:lnB w="12700" cap="flat" cmpd="sng" algn="ctr">
+                      <a:solidFill>
+                        <a:schemeClr val="tx1"/>
+                      </a:solidFill>
+                      <a:prstDash val="solid"/>
+                      <a:round/>
+                      <a:headEnd type="none" w="med" len="med"/>
+                      <a:tailEnd type="none" w="med" len="med"/>
+                    </a:lnB>
+                    <a:noFill/>
+                  </a:tcPr>
+                </a:tc>
+                <a:tc>
+                  <a:txBody>
+                    <a:bodyPr/>
+                    <a:lstStyle/>
+                    <a:p>
+                      <a:endParaRPr kumimoji="1" lang="ja-JP" altLang="en-US" sz="1200" dirty="0">
+                        <a:latin typeface="Meiryo UI" panose="020B0604030504040204" pitchFamily="50" charset="-128"/>
+                        <a:ea typeface="Meiryo UI" panose="020B0604030504040204" pitchFamily="50" charset="-128"/>
+                      </a:endParaRPr>
+                    </a:p>
+                  </a:txBody>
+                  <a:tcPr>
+                    <a:lnL w="12700" cap="flat" cmpd="sng" algn="ctr">
+                      <a:solidFill>
+                        <a:schemeClr val="tx1"/>
+                      </a:solidFill>
+                      <a:prstDash val="solid"/>
+                      <a:round/>
+                      <a:headEnd type="none" w="med" len="med"/>
+                      <a:tailEnd type="none" w="med" len="med"/>
+                    </a:lnL>
+                    <a:lnR w="12700" cap="flat" cmpd="sng" algn="ctr">
+                      <a:solidFill>
+                        <a:schemeClr val="tx1"/>
+                      </a:solidFill>
+                      <a:prstDash val="solid"/>
+                      <a:round/>
+                      <a:headEnd type="none" w="med" len="med"/>
+                      <a:tailEnd type="none" w="med" len="med"/>
+                    </a:lnR>
+                    <a:lnT w="12700" cap="flat" cmpd="sng" algn="ctr">
+                      <a:solidFill>
+                        <a:schemeClr val="tx1"/>
+                      </a:solidFill>
+                      <a:prstDash val="solid"/>
+                      <a:round/>
+                      <a:headEnd type="none" w="med" len="med"/>
+                      <a:tailEnd type="none" w="med" len="med"/>
+                    </a:lnT>
+                    <a:lnB w="12700" cap="flat" cmpd="sng" algn="ctr">
+                      <a:solidFill>
+                        <a:schemeClr val="tx1"/>
+                      </a:solidFill>
+                      <a:prstDash val="solid"/>
+                      <a:round/>
+                      <a:headEnd type="none" w="med" len="med"/>
+                      <a:tailEnd type="none" w="med" len="med"/>
+                    </a:lnB>
+                    <a:noFill/>
+                  </a:tcPr>
+                </a:tc>
+                <a:tc>
+                  <a:txBody>
+                    <a:bodyPr/>
+                    <a:lstStyle/>
+                    <a:p>
+                      <a:endParaRPr kumimoji="1" lang="ja-JP" altLang="en-US" sz="1200" dirty="0">
+                        <a:latin typeface="Meiryo UI" panose="020B0604030504040204" pitchFamily="50" charset="-128"/>
+                        <a:ea typeface="Meiryo UI" panose="020B0604030504040204" pitchFamily="50" charset="-128"/>
+                      </a:endParaRPr>
+                    </a:p>
+                  </a:txBody>
+                  <a:tcPr>
+                    <a:lnL w="12700" cap="flat" cmpd="sng" algn="ctr">
+                      <a:solidFill>
+                        <a:schemeClr val="tx1"/>
+                      </a:solidFill>
+                      <a:prstDash val="solid"/>
+                      <a:round/>
+                      <a:headEnd type="none" w="med" len="med"/>
+                      <a:tailEnd type="none" w="med" len="med"/>
+                    </a:lnL>
+                    <a:lnR w="12700" cap="flat" cmpd="sng" algn="ctr">
+                      <a:solidFill>
+                        <a:schemeClr val="tx1"/>
+                      </a:solidFill>
+                      <a:prstDash val="solid"/>
+                      <a:round/>
+                      <a:headEnd type="none" w="med" len="med"/>
+                      <a:tailEnd type="none" w="med" len="med"/>
+                    </a:lnR>
+                    <a:lnT w="12700" cap="flat" cmpd="sng" algn="ctr">
+                      <a:solidFill>
+                        <a:schemeClr val="tx1"/>
+                      </a:solidFill>
+                      <a:prstDash val="solid"/>
+                      <a:round/>
+                      <a:headEnd type="none" w="med" len="med"/>
+                      <a:tailEnd type="none" w="med" len="med"/>
+                    </a:lnT>
+                    <a:lnB w="12700" cap="flat" cmpd="sng" algn="ctr">
+                      <a:solidFill>
+                        <a:schemeClr val="tx1"/>
+                      </a:solidFill>
+                      <a:prstDash val="solid"/>
+                      <a:round/>
+                      <a:headEnd type="none" w="med" len="med"/>
+                      <a:tailEnd type="none" w="med" len="med"/>
+                    </a:lnB>
+                    <a:noFill/>
+                  </a:tcPr>
+                </a:tc>
+                <a:tc>
+                  <a:txBody>
+                    <a:bodyPr/>
+                    <a:lstStyle/>
+                    <a:p>
+                      <a:endParaRPr kumimoji="1" lang="ja-JP" altLang="en-US" sz="1200" dirty="0">
+                        <a:latin typeface="Meiryo UI" panose="020B0604030504040204" pitchFamily="50" charset="-128"/>
+                        <a:ea typeface="Meiryo UI" panose="020B0604030504040204" pitchFamily="50" charset="-128"/>
+                      </a:endParaRPr>
+                    </a:p>
+                  </a:txBody>
+                  <a:tcPr>
+                    <a:lnL w="12700" cap="flat" cmpd="sng" algn="ctr">
+                      <a:solidFill>
+                        <a:schemeClr val="tx1"/>
+                      </a:solidFill>
+                      <a:prstDash val="solid"/>
+                      <a:round/>
+                      <a:headEnd type="none" w="med" len="med"/>
+                      <a:tailEnd type="none" w="med" len="med"/>
+                    </a:lnL>
+                    <a:lnR w="12700" cap="flat" cmpd="sng" algn="ctr">
+                      <a:solidFill>
+                        <a:schemeClr val="tx1"/>
+                      </a:solidFill>
+                      <a:prstDash val="solid"/>
+                      <a:round/>
+                      <a:headEnd type="none" w="med" len="med"/>
+                      <a:tailEnd type="none" w="med" len="med"/>
+                    </a:lnR>
+                    <a:lnT w="12700" cap="flat" cmpd="sng" algn="ctr">
+                      <a:solidFill>
+                        <a:schemeClr val="tx1"/>
+                      </a:solidFill>
+                      <a:prstDash val="solid"/>
+                      <a:round/>
+                      <a:headEnd type="none" w="med" len="med"/>
+                      <a:tailEnd type="none" w="med" len="med"/>
+                    </a:lnT>
+                    <a:lnB w="12700" cap="flat" cmpd="sng" algn="ctr">
+                      <a:solidFill>
+                        <a:schemeClr val="tx1"/>
+                      </a:solidFill>
+                      <a:prstDash val="solid"/>
+                      <a:round/>
+                      <a:headEnd type="none" w="med" len="med"/>
+                      <a:tailEnd type="none" w="med" len="med"/>
+                    </a:lnB>
+                    <a:noFill/>
+                  </a:tcPr>
+                </a:tc>
+                <a:tc>
+                  <a:txBody>
+                    <a:bodyPr/>
+                    <a:lstStyle/>
+                    <a:p>
+                      <a:endParaRPr kumimoji="1" lang="ja-JP" altLang="en-US" sz="1200" dirty="0">
+                        <a:latin typeface="Meiryo UI" panose="020B0604030504040204" pitchFamily="50" charset="-128"/>
+                        <a:ea typeface="Meiryo UI" panose="020B0604030504040204" pitchFamily="50" charset="-128"/>
+                      </a:endParaRPr>
+                    </a:p>
+                  </a:txBody>
+                  <a:tcPr>
+                    <a:lnL w="12700" cap="flat" cmpd="sng" algn="ctr">
+                      <a:solidFill>
+                        <a:schemeClr val="tx1"/>
+                      </a:solidFill>
+                      <a:prstDash val="solid"/>
+                      <a:round/>
+                      <a:headEnd type="none" w="med" len="med"/>
+                      <a:tailEnd type="none" w="med" len="med"/>
+                    </a:lnL>
+                    <a:lnR w="12700" cap="flat" cmpd="sng" algn="ctr">
+                      <a:solidFill>
+                        <a:schemeClr val="tx1"/>
+                      </a:solidFill>
+                      <a:prstDash val="solid"/>
+                      <a:round/>
+                      <a:headEnd type="none" w="med" len="med"/>
+                      <a:tailEnd type="none" w="med" len="med"/>
+                    </a:lnR>
+                    <a:lnT w="12700" cap="flat" cmpd="sng" algn="ctr">
+                      <a:solidFill>
+                        <a:schemeClr val="tx1"/>
+                      </a:solidFill>
+                      <a:prstDash val="solid"/>
+                      <a:round/>
+                      <a:headEnd type="none" w="med" len="med"/>
+                      <a:tailEnd type="none" w="med" len="med"/>
+                    </a:lnT>
+                    <a:lnB w="12700" cap="flat" cmpd="sng" algn="ctr">
+                      <a:solidFill>
+                        <a:schemeClr val="tx1"/>
+                      </a:solidFill>
+                      <a:prstDash val="solid"/>
+                      <a:round/>
+                      <a:headEnd type="none" w="med" len="med"/>
+                      <a:tailEnd type="none" w="med" len="med"/>
+                    </a:lnB>
+                    <a:noFill/>
+                  </a:tcPr>
+                </a:tc>
+                <a:tc>
+                  <a:txBody>
+                    <a:bodyPr/>
+                    <a:lstStyle/>
+                    <a:p>
+                      <a:endParaRPr kumimoji="1" lang="ja-JP" altLang="en-US" sz="1200" dirty="0">
+                        <a:latin typeface="Meiryo UI" panose="020B0604030504040204" pitchFamily="50" charset="-128"/>
+                        <a:ea typeface="Meiryo UI" panose="020B0604030504040204" pitchFamily="50" charset="-128"/>
+                      </a:endParaRPr>
+                    </a:p>
+                  </a:txBody>
+                  <a:tcPr>
+                    <a:lnL w="12700" cap="flat" cmpd="sng" algn="ctr">
+                      <a:solidFill>
+                        <a:schemeClr val="tx1"/>
+                      </a:solidFill>
+                      <a:prstDash val="solid"/>
+                      <a:round/>
+                      <a:headEnd type="none" w="med" len="med"/>
+                      <a:tailEnd type="none" w="med" len="med"/>
+                    </a:lnL>
+                    <a:lnR w="12700" cap="flat" cmpd="sng" algn="ctr">
+                      <a:solidFill>
+                        <a:schemeClr val="tx1"/>
+                      </a:solidFill>
+                      <a:prstDash val="solid"/>
+                      <a:round/>
+                      <a:headEnd type="none" w="med" len="med"/>
+                      <a:tailEnd type="none" w="med" len="med"/>
+                    </a:lnR>
+                    <a:lnT w="12700" cap="flat" cmpd="sng" algn="ctr">
+                      <a:solidFill>
+                        <a:schemeClr val="tx1"/>
+                      </a:solidFill>
+                      <a:prstDash val="solid"/>
+                      <a:round/>
+                      <a:headEnd type="none" w="med" len="med"/>
+                      <a:tailEnd type="none" w="med" len="med"/>
+                    </a:lnT>
+                    <a:lnB w="12700" cap="flat" cmpd="sng" algn="ctr">
+                      <a:solidFill>
+                        <a:schemeClr val="tx1"/>
+                      </a:solidFill>
+                      <a:prstDash val="solid"/>
+                      <a:round/>
+                      <a:headEnd type="none" w="med" len="med"/>
+                      <a:tailEnd type="none" w="med" len="med"/>
+                    </a:lnB>
+                    <a:noFill/>
+                  </a:tcPr>
+                </a:tc>
+                <a:extLst>
+                  <a:ext uri="{0D108BD9-81ED-4DB2-BD59-A6C34878D82A}">
+                    <a16:rowId xmlns:a16="http://schemas.microsoft.com/office/drawing/2014/main" val="668920587"/>
+                  </a:ext>
+                </a:extLst>
+              </a:tr>
+              <a:tr h="313393">
+                <a:tc>
+                  <a:txBody>
+                    <a:bodyPr/>
+                    <a:lstStyle/>
+                    <a:p>
+                      <a:endParaRPr kumimoji="1" lang="ja-JP" altLang="en-US" sz="1200">
+                        <a:latin typeface="Meiryo UI" panose="020B0604030504040204" pitchFamily="50" charset="-128"/>
+                        <a:ea typeface="Meiryo UI" panose="020B0604030504040204" pitchFamily="50" charset="-128"/>
+                      </a:endParaRPr>
+                    </a:p>
+                  </a:txBody>
+                  <a:tcPr>
+                    <a:lnL w="12700" cap="flat" cmpd="sng" algn="ctr">
+                      <a:solidFill>
+                        <a:schemeClr val="tx1"/>
+                      </a:solidFill>
+                      <a:prstDash val="solid"/>
+                      <a:round/>
+                      <a:headEnd type="none" w="med" len="med"/>
+                      <a:tailEnd type="none" w="med" len="med"/>
+                    </a:lnL>
+                    <a:lnR w="12700" cap="flat" cmpd="sng" algn="ctr">
+                      <a:solidFill>
+                        <a:schemeClr val="tx1"/>
+                      </a:solidFill>
+                      <a:prstDash val="solid"/>
+                      <a:round/>
+                      <a:headEnd type="none" w="med" len="med"/>
+                      <a:tailEnd type="none" w="med" len="med"/>
+                    </a:lnR>
+                    <a:lnT w="12700" cap="flat" cmpd="sng" algn="ctr">
+                      <a:solidFill>
+                        <a:schemeClr val="tx1"/>
+                      </a:solidFill>
+                      <a:prstDash val="solid"/>
+                      <a:round/>
+                      <a:headEnd type="none" w="med" len="med"/>
+                      <a:tailEnd type="none" w="med" len="med"/>
+                    </a:lnT>
+                    <a:lnB w="12700" cap="flat" cmpd="sng" algn="ctr">
+                      <a:solidFill>
+                        <a:schemeClr val="tx1"/>
+                      </a:solidFill>
+                      <a:prstDash val="solid"/>
+                      <a:round/>
+                      <a:headEnd type="none" w="med" len="med"/>
+                      <a:tailEnd type="none" w="med" len="med"/>
+                    </a:lnB>
+                    <a:noFill/>
+                  </a:tcPr>
+                </a:tc>
+                <a:tc>
+                  <a:txBody>
+                    <a:bodyPr/>
+                    <a:lstStyle/>
+                    <a:p>
+                      <a:endParaRPr kumimoji="1" lang="ja-JP" altLang="en-US" sz="1200" dirty="0">
+                        <a:latin typeface="Meiryo UI" panose="020B0604030504040204" pitchFamily="50" charset="-128"/>
+                        <a:ea typeface="Meiryo UI" panose="020B0604030504040204" pitchFamily="50" charset="-128"/>
+                      </a:endParaRPr>
+                    </a:p>
+                  </a:txBody>
+                  <a:tcPr>
+                    <a:lnL w="12700" cap="flat" cmpd="sng" algn="ctr">
+                      <a:solidFill>
+                        <a:schemeClr val="tx1"/>
+                      </a:solidFill>
+                      <a:prstDash val="solid"/>
+                      <a:round/>
+                      <a:headEnd type="none" w="med" len="med"/>
+                      <a:tailEnd type="none" w="med" len="med"/>
+                    </a:lnL>
+                    <a:lnR w="12700" cap="flat" cmpd="sng" algn="ctr">
+                      <a:solidFill>
+                        <a:schemeClr val="tx1"/>
+                      </a:solidFill>
+                      <a:prstDash val="solid"/>
+                      <a:round/>
+                      <a:headEnd type="none" w="med" len="med"/>
+                      <a:tailEnd type="none" w="med" len="med"/>
+                    </a:lnR>
+                    <a:lnT w="12700" cap="flat" cmpd="sng" algn="ctr">
+                      <a:solidFill>
+                        <a:schemeClr val="tx1"/>
+                      </a:solidFill>
+                      <a:prstDash val="solid"/>
+                      <a:round/>
+                      <a:headEnd type="none" w="med" len="med"/>
+                      <a:tailEnd type="none" w="med" len="med"/>
+                    </a:lnT>
+                    <a:lnB w="12700" cap="flat" cmpd="sng" algn="ctr">
+                      <a:solidFill>
+                        <a:schemeClr val="tx1"/>
+                      </a:solidFill>
+                      <a:prstDash val="solid"/>
+                      <a:round/>
+                      <a:headEnd type="none" w="med" len="med"/>
+                      <a:tailEnd type="none" w="med" len="med"/>
+                    </a:lnB>
+                    <a:noFill/>
+                  </a:tcPr>
+                </a:tc>
+                <a:tc>
+                  <a:txBody>
+                    <a:bodyPr/>
+                    <a:lstStyle/>
+                    <a:p>
+                      <a:endParaRPr kumimoji="1" lang="ja-JP" altLang="en-US" sz="1200" dirty="0">
+                        <a:latin typeface="Meiryo UI" panose="020B0604030504040204" pitchFamily="50" charset="-128"/>
+                        <a:ea typeface="Meiryo UI" panose="020B0604030504040204" pitchFamily="50" charset="-128"/>
+                      </a:endParaRPr>
+                    </a:p>
+                  </a:txBody>
+                  <a:tcPr>
+                    <a:lnL w="12700" cap="flat" cmpd="sng" algn="ctr">
+                      <a:solidFill>
+                        <a:schemeClr val="tx1"/>
+                      </a:solidFill>
+                      <a:prstDash val="solid"/>
+                      <a:round/>
+                      <a:headEnd type="none" w="med" len="med"/>
+                      <a:tailEnd type="none" w="med" len="med"/>
+                    </a:lnL>
+                    <a:lnR w="12700" cap="flat" cmpd="sng" algn="ctr">
+                      <a:solidFill>
+                        <a:schemeClr val="tx1"/>
+                      </a:solidFill>
+                      <a:prstDash val="solid"/>
+                      <a:round/>
+                      <a:headEnd type="none" w="med" len="med"/>
+                      <a:tailEnd type="none" w="med" len="med"/>
+                    </a:lnR>
+                    <a:lnT w="12700" cap="flat" cmpd="sng" algn="ctr">
+                      <a:solidFill>
+                        <a:schemeClr val="tx1"/>
+                      </a:solidFill>
+                      <a:prstDash val="solid"/>
+                      <a:round/>
+                      <a:headEnd type="none" w="med" len="med"/>
+                      <a:tailEnd type="none" w="med" len="med"/>
+                    </a:lnT>
+                    <a:lnB w="12700" cap="flat" cmpd="sng" algn="ctr">
+                      <a:solidFill>
+                        <a:schemeClr val="tx1"/>
+                      </a:solidFill>
+                      <a:prstDash val="solid"/>
+                      <a:round/>
+                      <a:headEnd type="none" w="med" len="med"/>
+                      <a:tailEnd type="none" w="med" len="med"/>
+                    </a:lnB>
+                    <a:noFill/>
+                  </a:tcPr>
+                </a:tc>
+                <a:tc>
+                  <a:txBody>
+                    <a:bodyPr/>
+                    <a:lstStyle/>
+                    <a:p>
+                      <a:endParaRPr kumimoji="1" lang="ja-JP" altLang="en-US" sz="1200" dirty="0">
+                        <a:latin typeface="Meiryo UI" panose="020B0604030504040204" pitchFamily="50" charset="-128"/>
+                        <a:ea typeface="Meiryo UI" panose="020B0604030504040204" pitchFamily="50" charset="-128"/>
+                      </a:endParaRPr>
+                    </a:p>
+                  </a:txBody>
+                  <a:tcPr>
+                    <a:lnL w="12700" cap="flat" cmpd="sng" algn="ctr">
+                      <a:solidFill>
+                        <a:schemeClr val="tx1"/>
+                      </a:solidFill>
+                      <a:prstDash val="solid"/>
+                      <a:round/>
+                      <a:headEnd type="none" w="med" len="med"/>
+                      <a:tailEnd type="none" w="med" len="med"/>
+                    </a:lnL>
+                    <a:lnR w="12700" cap="flat" cmpd="sng" algn="ctr">
+                      <a:solidFill>
+                        <a:schemeClr val="tx1"/>
+                      </a:solidFill>
+                      <a:prstDash val="solid"/>
+                      <a:round/>
+                      <a:headEnd type="none" w="med" len="med"/>
+                      <a:tailEnd type="none" w="med" len="med"/>
+                    </a:lnR>
+                    <a:lnT w="12700" cap="flat" cmpd="sng" algn="ctr">
+                      <a:solidFill>
+                        <a:schemeClr val="tx1"/>
+                      </a:solidFill>
+                      <a:prstDash val="solid"/>
+                      <a:round/>
+                      <a:headEnd type="none" w="med" len="med"/>
+                      <a:tailEnd type="none" w="med" len="med"/>
+                    </a:lnT>
+                    <a:lnB w="12700" cap="flat" cmpd="sng" algn="ctr">
+                      <a:solidFill>
+                        <a:schemeClr val="tx1"/>
+                      </a:solidFill>
+                      <a:prstDash val="solid"/>
+                      <a:round/>
+                      <a:headEnd type="none" w="med" len="med"/>
+                      <a:tailEnd type="none" w="med" len="med"/>
+                    </a:lnB>
+                    <a:noFill/>
+                  </a:tcPr>
+                </a:tc>
+                <a:tc>
+                  <a:txBody>
+                    <a:bodyPr/>
+                    <a:lstStyle/>
+                    <a:p>
+                      <a:endParaRPr kumimoji="1" lang="ja-JP" altLang="en-US" sz="1200" dirty="0">
+                        <a:latin typeface="Meiryo UI" panose="020B0604030504040204" pitchFamily="50" charset="-128"/>
+                        <a:ea typeface="Meiryo UI" panose="020B0604030504040204" pitchFamily="50" charset="-128"/>
+                      </a:endParaRPr>
+                    </a:p>
+                  </a:txBody>
+                  <a:tcPr>
+                    <a:lnL w="12700" cap="flat" cmpd="sng" algn="ctr">
+                      <a:solidFill>
+                        <a:schemeClr val="tx1"/>
+                      </a:solidFill>
+                      <a:prstDash val="solid"/>
+                      <a:round/>
+                      <a:headEnd type="none" w="med" len="med"/>
+                      <a:tailEnd type="none" w="med" len="med"/>
+                    </a:lnL>
+                    <a:lnR w="12700" cap="flat" cmpd="sng" algn="ctr">
+                      <a:solidFill>
+                        <a:schemeClr val="tx1"/>
+                      </a:solidFill>
+                      <a:prstDash val="solid"/>
+                      <a:round/>
+                      <a:headEnd type="none" w="med" len="med"/>
+                      <a:tailEnd type="none" w="med" len="med"/>
+                    </a:lnR>
+                    <a:lnT w="12700" cap="flat" cmpd="sng" algn="ctr">
+                      <a:solidFill>
+                        <a:schemeClr val="tx1"/>
+                      </a:solidFill>
+                      <a:prstDash val="solid"/>
+                      <a:round/>
+                      <a:headEnd type="none" w="med" len="med"/>
+                      <a:tailEnd type="none" w="med" len="med"/>
+                    </a:lnT>
+                    <a:lnB w="12700" cap="flat" cmpd="sng" algn="ctr">
+                      <a:solidFill>
+                        <a:schemeClr val="tx1"/>
+                      </a:solidFill>
+                      <a:prstDash val="solid"/>
+                      <a:round/>
+                      <a:headEnd type="none" w="med" len="med"/>
+                      <a:tailEnd type="none" w="med" len="med"/>
+                    </a:lnB>
+                    <a:noFill/>
+                  </a:tcPr>
+                </a:tc>
+                <a:tc>
+                  <a:txBody>
+                    <a:bodyPr/>
+                    <a:lstStyle/>
+                    <a:p>
+                      <a:endParaRPr kumimoji="1" lang="ja-JP" altLang="en-US" sz="1200" dirty="0">
+                        <a:latin typeface="Meiryo UI" panose="020B0604030504040204" pitchFamily="50" charset="-128"/>
+                        <a:ea typeface="Meiryo UI" panose="020B0604030504040204" pitchFamily="50" charset="-128"/>
+                      </a:endParaRPr>
+                    </a:p>
+                  </a:txBody>
+                  <a:tcPr>
+                    <a:lnL w="12700" cap="flat" cmpd="sng" algn="ctr">
+                      <a:solidFill>
+                        <a:schemeClr val="tx1"/>
+                      </a:solidFill>
+                      <a:prstDash val="solid"/>
+                      <a:round/>
+                      <a:headEnd type="none" w="med" len="med"/>
+                      <a:tailEnd type="none" w="med" len="med"/>
+                    </a:lnL>
+                    <a:lnR w="12700" cap="flat" cmpd="sng" algn="ctr">
+                      <a:solidFill>
+                        <a:schemeClr val="tx1"/>
+                      </a:solidFill>
+                      <a:prstDash val="solid"/>
+                      <a:round/>
+                      <a:headEnd type="none" w="med" len="med"/>
+                      <a:tailEnd type="none" w="med" len="med"/>
+                    </a:lnR>
+                    <a:lnT w="12700" cap="flat" cmpd="sng" algn="ctr">
+                      <a:solidFill>
+                        <a:schemeClr val="tx1"/>
+                      </a:solidFill>
+                      <a:prstDash val="solid"/>
+                      <a:round/>
+                      <a:headEnd type="none" w="med" len="med"/>
+                      <a:tailEnd type="none" w="med" len="med"/>
+                    </a:lnT>
+                    <a:lnB w="12700" cap="flat" cmpd="sng" algn="ctr">
+                      <a:solidFill>
+                        <a:schemeClr val="tx1"/>
+                      </a:solidFill>
+                      <a:prstDash val="solid"/>
+                      <a:round/>
+                      <a:headEnd type="none" w="med" len="med"/>
+                      <a:tailEnd type="none" w="med" len="med"/>
+                    </a:lnB>
+                    <a:noFill/>
+                  </a:tcPr>
+                </a:tc>
+                <a:tc>
+                  <a:txBody>
+                    <a:bodyPr/>
+                    <a:lstStyle/>
+                    <a:p>
+                      <a:endParaRPr kumimoji="1" lang="ja-JP" altLang="en-US" sz="1200" dirty="0">
+                        <a:latin typeface="Meiryo UI" panose="020B0604030504040204" pitchFamily="50" charset="-128"/>
+                        <a:ea typeface="Meiryo UI" panose="020B0604030504040204" pitchFamily="50" charset="-128"/>
+                      </a:endParaRPr>
+                    </a:p>
+                  </a:txBody>
+                  <a:tcPr>
+                    <a:lnL w="12700" cap="flat" cmpd="sng" algn="ctr">
+                      <a:solidFill>
+                        <a:schemeClr val="tx1"/>
+                      </a:solidFill>
+                      <a:prstDash val="solid"/>
+                      <a:round/>
+                      <a:headEnd type="none" w="med" len="med"/>
+                      <a:tailEnd type="none" w="med" len="med"/>
+                    </a:lnL>
+                    <a:lnR w="12700" cap="flat" cmpd="sng" algn="ctr">
+                      <a:solidFill>
+                        <a:schemeClr val="tx1"/>
+                      </a:solidFill>
+                      <a:prstDash val="solid"/>
+                      <a:round/>
+                      <a:headEnd type="none" w="med" len="med"/>
+                      <a:tailEnd type="none" w="med" len="med"/>
+                    </a:lnR>
+                    <a:lnT w="12700" cap="flat" cmpd="sng" algn="ctr">
+                      <a:solidFill>
+                        <a:schemeClr val="tx1"/>
+                      </a:solidFill>
+                      <a:prstDash val="solid"/>
+                      <a:round/>
+                      <a:headEnd type="none" w="med" len="med"/>
+                      <a:tailEnd type="none" w="med" len="med"/>
+                    </a:lnT>
+                    <a:lnB w="12700" cap="flat" cmpd="sng" algn="ctr">
+                      <a:solidFill>
+                        <a:schemeClr val="tx1"/>
+                      </a:solidFill>
+                      <a:prstDash val="solid"/>
+                      <a:round/>
+                      <a:headEnd type="none" w="med" len="med"/>
+                      <a:tailEnd type="none" w="med" len="med"/>
+                    </a:lnB>
+                    <a:noFill/>
+                  </a:tcPr>
+                </a:tc>
+                <a:tc>
+                  <a:txBody>
+                    <a:bodyPr/>
+                    <a:lstStyle/>
+                    <a:p>
+                      <a:endParaRPr kumimoji="1" lang="ja-JP" altLang="en-US" sz="1200" dirty="0">
+                        <a:latin typeface="Meiryo UI" panose="020B0604030504040204" pitchFamily="50" charset="-128"/>
+                        <a:ea typeface="Meiryo UI" panose="020B0604030504040204" pitchFamily="50" charset="-128"/>
+                      </a:endParaRPr>
+                    </a:p>
+                  </a:txBody>
+                  <a:tcPr>
+                    <a:lnL w="12700" cap="flat" cmpd="sng" algn="ctr">
+                      <a:solidFill>
+                        <a:schemeClr val="tx1"/>
+                      </a:solidFill>
+                      <a:prstDash val="solid"/>
+                      <a:round/>
+                      <a:headEnd type="none" w="med" len="med"/>
+                      <a:tailEnd type="none" w="med" len="med"/>
+                    </a:lnL>
+                    <a:lnR w="12700" cap="flat" cmpd="sng" algn="ctr">
+                      <a:solidFill>
+                        <a:schemeClr val="tx1"/>
+                      </a:solidFill>
+                      <a:prstDash val="solid"/>
+                      <a:round/>
+                      <a:headEnd type="none" w="med" len="med"/>
+                      <a:tailEnd type="none" w="med" len="med"/>
+                    </a:lnR>
+                    <a:lnT w="12700" cap="flat" cmpd="sng" algn="ctr">
+                      <a:solidFill>
+                        <a:schemeClr val="tx1"/>
+                      </a:solidFill>
+                      <a:prstDash val="solid"/>
+                      <a:round/>
+                      <a:headEnd type="none" w="med" len="med"/>
+                      <a:tailEnd type="none" w="med" len="med"/>
+                    </a:lnT>
+                    <a:lnB w="12700" cap="flat" cmpd="sng" algn="ctr">
+                      <a:solidFill>
+                        <a:schemeClr val="tx1"/>
+                      </a:solidFill>
+                      <a:prstDash val="solid"/>
+                      <a:round/>
+                      <a:headEnd type="none" w="med" len="med"/>
+                      <a:tailEnd type="none" w="med" len="med"/>
+                    </a:lnB>
+                    <a:noFill/>
+                  </a:tcPr>
+                </a:tc>
+                <a:extLst>
+                  <a:ext uri="{0D108BD9-81ED-4DB2-BD59-A6C34878D82A}">
+                    <a16:rowId xmlns:a16="http://schemas.microsoft.com/office/drawing/2014/main" val="3735267535"/>
+                  </a:ext>
+                </a:extLst>
+              </a:tr>
+              <a:tr h="313393">
+                <a:tc>
+                  <a:txBody>
+                    <a:bodyPr/>
+                    <a:lstStyle/>
+                    <a:p>
+                      <a:endParaRPr kumimoji="1" lang="ja-JP" altLang="en-US" sz="1200" dirty="0">
+                        <a:latin typeface="Meiryo UI" panose="020B0604030504040204" pitchFamily="50" charset="-128"/>
+                        <a:ea typeface="Meiryo UI" panose="020B0604030504040204" pitchFamily="50" charset="-128"/>
+                      </a:endParaRPr>
+                    </a:p>
+                  </a:txBody>
+                  <a:tcPr>
+                    <a:lnL w="12700" cap="flat" cmpd="sng" algn="ctr">
+                      <a:solidFill>
+                        <a:schemeClr val="tx1"/>
+                      </a:solidFill>
+                      <a:prstDash val="solid"/>
+                      <a:round/>
+                      <a:headEnd type="none" w="med" len="med"/>
+                      <a:tailEnd type="none" w="med" len="med"/>
+                    </a:lnL>
+                    <a:lnR w="12700" cap="flat" cmpd="sng" algn="ctr">
+                      <a:solidFill>
+                        <a:schemeClr val="tx1"/>
+                      </a:solidFill>
+                      <a:prstDash val="solid"/>
+                      <a:round/>
+                      <a:headEnd type="none" w="med" len="med"/>
+                      <a:tailEnd type="none" w="med" len="med"/>
+                    </a:lnR>
+                    <a:lnT w="12700" cap="flat" cmpd="sng" algn="ctr">
+                      <a:solidFill>
+                        <a:schemeClr val="tx1"/>
+                      </a:solidFill>
+                      <a:prstDash val="solid"/>
+                      <a:round/>
+                      <a:headEnd type="none" w="med" len="med"/>
+                      <a:tailEnd type="none" w="med" len="med"/>
+                    </a:lnT>
+                    <a:lnB w="12700" cap="flat" cmpd="sng" algn="ctr">
+                      <a:solidFill>
+                        <a:schemeClr val="tx1"/>
+                      </a:solidFill>
+                      <a:prstDash val="solid"/>
+                      <a:round/>
+                      <a:headEnd type="none" w="med" len="med"/>
+                      <a:tailEnd type="none" w="med" len="med"/>
+                    </a:lnB>
+                    <a:noFill/>
+                  </a:tcPr>
+                </a:tc>
+                <a:tc>
+                  <a:txBody>
+                    <a:bodyPr/>
+                    <a:lstStyle/>
+                    <a:p>
+                      <a:endParaRPr kumimoji="1" lang="ja-JP" altLang="en-US" sz="1200" dirty="0">
+                        <a:latin typeface="Meiryo UI" panose="020B0604030504040204" pitchFamily="50" charset="-128"/>
+                        <a:ea typeface="Meiryo UI" panose="020B0604030504040204" pitchFamily="50" charset="-128"/>
+                      </a:endParaRPr>
+                    </a:p>
+                  </a:txBody>
+                  <a:tcPr>
+                    <a:lnL w="12700" cap="flat" cmpd="sng" algn="ctr">
+                      <a:solidFill>
+                        <a:schemeClr val="tx1"/>
+                      </a:solidFill>
+                      <a:prstDash val="solid"/>
+                      <a:round/>
+                      <a:headEnd type="none" w="med" len="med"/>
+                      <a:tailEnd type="none" w="med" len="med"/>
+                    </a:lnL>
+                    <a:lnR w="12700" cap="flat" cmpd="sng" algn="ctr">
+                      <a:solidFill>
+                        <a:schemeClr val="tx1"/>
+                      </a:solidFill>
+                      <a:prstDash val="solid"/>
+                      <a:round/>
+                      <a:headEnd type="none" w="med" len="med"/>
+                      <a:tailEnd type="none" w="med" len="med"/>
+                    </a:lnR>
+                    <a:lnT w="12700" cap="flat" cmpd="sng" algn="ctr">
+                      <a:solidFill>
+                        <a:schemeClr val="tx1"/>
+                      </a:solidFill>
+                      <a:prstDash val="solid"/>
+                      <a:round/>
+                      <a:headEnd type="none" w="med" len="med"/>
+                      <a:tailEnd type="none" w="med" len="med"/>
+                    </a:lnT>
+                    <a:lnB w="12700" cap="flat" cmpd="sng" algn="ctr">
+                      <a:solidFill>
+                        <a:schemeClr val="tx1"/>
+                      </a:solidFill>
+                      <a:prstDash val="solid"/>
+                      <a:round/>
+                      <a:headEnd type="none" w="med" len="med"/>
+                      <a:tailEnd type="none" w="med" len="med"/>
+                    </a:lnB>
+                    <a:noFill/>
+                  </a:tcPr>
+                </a:tc>
+                <a:tc>
+                  <a:txBody>
+                    <a:bodyPr/>
+                    <a:lstStyle/>
+                    <a:p>
+                      <a:endParaRPr kumimoji="1" lang="ja-JP" altLang="en-US" sz="1200" dirty="0">
+                        <a:latin typeface="Meiryo UI" panose="020B0604030504040204" pitchFamily="50" charset="-128"/>
+                        <a:ea typeface="Meiryo UI" panose="020B0604030504040204" pitchFamily="50" charset="-128"/>
+                      </a:endParaRPr>
+                    </a:p>
+                  </a:txBody>
+                  <a:tcPr>
+                    <a:lnL w="12700" cap="flat" cmpd="sng" algn="ctr">
+                      <a:solidFill>
+                        <a:schemeClr val="tx1"/>
+                      </a:solidFill>
+                      <a:prstDash val="solid"/>
+                      <a:round/>
+                      <a:headEnd type="none" w="med" len="med"/>
+                      <a:tailEnd type="none" w="med" len="med"/>
+                    </a:lnL>
+                    <a:lnR w="12700" cap="flat" cmpd="sng" algn="ctr">
+                      <a:solidFill>
+                        <a:schemeClr val="tx1"/>
+                      </a:solidFill>
+                      <a:prstDash val="solid"/>
+                      <a:round/>
+                      <a:headEnd type="none" w="med" len="med"/>
+                      <a:tailEnd type="none" w="med" len="med"/>
+                    </a:lnR>
+                    <a:lnT w="12700" cap="flat" cmpd="sng" algn="ctr">
+                      <a:solidFill>
+                        <a:schemeClr val="tx1"/>
+                      </a:solidFill>
+                      <a:prstDash val="solid"/>
+                      <a:round/>
+                      <a:headEnd type="none" w="med" len="med"/>
+                      <a:tailEnd type="none" w="med" len="med"/>
+                    </a:lnT>
+                    <a:lnB w="12700" cap="flat" cmpd="sng" algn="ctr">
+                      <a:solidFill>
+                        <a:schemeClr val="tx1"/>
+                      </a:solidFill>
+                      <a:prstDash val="solid"/>
+                      <a:round/>
+                      <a:headEnd type="none" w="med" len="med"/>
+                      <a:tailEnd type="none" w="med" len="med"/>
+                    </a:lnB>
+                    <a:noFill/>
+                  </a:tcPr>
+                </a:tc>
+                <a:tc>
+                  <a:txBody>
+                    <a:bodyPr/>
+                    <a:lstStyle/>
+                    <a:p>
+                      <a:endParaRPr kumimoji="1" lang="ja-JP" altLang="en-US" sz="1200" dirty="0">
+                        <a:latin typeface="Meiryo UI" panose="020B0604030504040204" pitchFamily="50" charset="-128"/>
+                        <a:ea typeface="Meiryo UI" panose="020B0604030504040204" pitchFamily="50" charset="-128"/>
+                      </a:endParaRPr>
+                    </a:p>
+                  </a:txBody>
+                  <a:tcPr>
+                    <a:lnL w="12700" cap="flat" cmpd="sng" algn="ctr">
+                      <a:solidFill>
+                        <a:schemeClr val="tx1"/>
+                      </a:solidFill>
+                      <a:prstDash val="solid"/>
+                      <a:round/>
+                      <a:headEnd type="none" w="med" len="med"/>
+                      <a:tailEnd type="none" w="med" len="med"/>
+                    </a:lnL>
+                    <a:lnR w="12700" cap="flat" cmpd="sng" algn="ctr">
+                      <a:solidFill>
+                        <a:schemeClr val="tx1"/>
+                      </a:solidFill>
+                      <a:prstDash val="solid"/>
+                      <a:round/>
+                      <a:headEnd type="none" w="med" len="med"/>
+                      <a:tailEnd type="none" w="med" len="med"/>
+                    </a:lnR>
+                    <a:lnT w="12700" cap="flat" cmpd="sng" algn="ctr">
+                      <a:solidFill>
+                        <a:schemeClr val="tx1"/>
+                      </a:solidFill>
+                      <a:prstDash val="solid"/>
+                      <a:round/>
+                      <a:headEnd type="none" w="med" len="med"/>
+                      <a:tailEnd type="none" w="med" len="med"/>
+                    </a:lnT>
+                    <a:lnB w="12700" cap="flat" cmpd="sng" algn="ctr">
+                      <a:solidFill>
+                        <a:schemeClr val="tx1"/>
+                      </a:solidFill>
+                      <a:prstDash val="solid"/>
+                      <a:round/>
+                      <a:headEnd type="none" w="med" len="med"/>
+                      <a:tailEnd type="none" w="med" len="med"/>
+                    </a:lnB>
+                    <a:noFill/>
+                  </a:tcPr>
+                </a:tc>
+                <a:tc>
+                  <a:txBody>
+                    <a:bodyPr/>
+                    <a:lstStyle/>
+                    <a:p>
+                      <a:endParaRPr kumimoji="1" lang="ja-JP" altLang="en-US" sz="1200" dirty="0">
+                        <a:latin typeface="Meiryo UI" panose="020B0604030504040204" pitchFamily="50" charset="-128"/>
+                        <a:ea typeface="Meiryo UI" panose="020B0604030504040204" pitchFamily="50" charset="-128"/>
+                      </a:endParaRPr>
+                    </a:p>
+                  </a:txBody>
+                  <a:tcPr>
+                    <a:lnL w="12700" cap="flat" cmpd="sng" algn="ctr">
+                      <a:solidFill>
+                        <a:schemeClr val="tx1"/>
+                      </a:solidFill>
+                      <a:prstDash val="solid"/>
+                      <a:round/>
+                      <a:headEnd type="none" w="med" len="med"/>
+                      <a:tailEnd type="none" w="med" len="med"/>
+                    </a:lnL>
+                    <a:lnR w="12700" cap="flat" cmpd="sng" algn="ctr">
+                      <a:solidFill>
+                        <a:schemeClr val="tx1"/>
+                      </a:solidFill>
+                      <a:prstDash val="solid"/>
+                      <a:round/>
+                      <a:headEnd type="none" w="med" len="med"/>
+                      <a:tailEnd type="none" w="med" len="med"/>
+                    </a:lnR>
+                    <a:lnT w="12700" cap="flat" cmpd="sng" algn="ctr">
+                      <a:solidFill>
+                        <a:schemeClr val="tx1"/>
+                      </a:solidFill>
+                      <a:prstDash val="solid"/>
+                      <a:round/>
+                      <a:headEnd type="none" w="med" len="med"/>
+                      <a:tailEnd type="none" w="med" len="med"/>
+                    </a:lnT>
+                    <a:lnB w="12700" cap="flat" cmpd="sng" algn="ctr">
+                      <a:solidFill>
+                        <a:schemeClr val="tx1"/>
+                      </a:solidFill>
+                      <a:prstDash val="solid"/>
+                      <a:round/>
+                      <a:headEnd type="none" w="med" len="med"/>
+                      <a:tailEnd type="none" w="med" len="med"/>
+                    </a:lnB>
+                    <a:noFill/>
+                  </a:tcPr>
+                </a:tc>
+                <a:tc>
+                  <a:txBody>
+                    <a:bodyPr/>
+                    <a:lstStyle/>
+                    <a:p>
+                      <a:endParaRPr kumimoji="1" lang="ja-JP" altLang="en-US" sz="1200" dirty="0">
+                        <a:latin typeface="Meiryo UI" panose="020B0604030504040204" pitchFamily="50" charset="-128"/>
+                        <a:ea typeface="Meiryo UI" panose="020B0604030504040204" pitchFamily="50" charset="-128"/>
+                      </a:endParaRPr>
+                    </a:p>
+                  </a:txBody>
+                  <a:tcPr>
+                    <a:lnL w="12700" cap="flat" cmpd="sng" algn="ctr">
+                      <a:solidFill>
+                        <a:schemeClr val="tx1"/>
+                      </a:solidFill>
+                      <a:prstDash val="solid"/>
+                      <a:round/>
+                      <a:headEnd type="none" w="med" len="med"/>
+                      <a:tailEnd type="none" w="med" len="med"/>
+                    </a:lnL>
+                    <a:lnR w="12700" cap="flat" cmpd="sng" algn="ctr">
+                      <a:solidFill>
+                        <a:schemeClr val="tx1"/>
+                      </a:solidFill>
+                      <a:prstDash val="solid"/>
+                      <a:round/>
+                      <a:headEnd type="none" w="med" len="med"/>
+                      <a:tailEnd type="none" w="med" len="med"/>
+                    </a:lnR>
+                    <a:lnT w="12700" cap="flat" cmpd="sng" algn="ctr">
+                      <a:solidFill>
+                        <a:schemeClr val="tx1"/>
+                      </a:solidFill>
+                      <a:prstDash val="solid"/>
+                      <a:round/>
+                      <a:headEnd type="none" w="med" len="med"/>
+                      <a:tailEnd type="none" w="med" len="med"/>
+                    </a:lnT>
+                    <a:lnB w="12700" cap="flat" cmpd="sng" algn="ctr">
+                      <a:solidFill>
+                        <a:schemeClr val="tx1"/>
+                      </a:solidFill>
+                      <a:prstDash val="solid"/>
+                      <a:round/>
+                      <a:headEnd type="none" w="med" len="med"/>
+                      <a:tailEnd type="none" w="med" len="med"/>
+                    </a:lnB>
+                    <a:noFill/>
+                  </a:tcPr>
+                </a:tc>
+                <a:tc>
+                  <a:txBody>
+                    <a:bodyPr/>
+                    <a:lstStyle/>
+                    <a:p>
+                      <a:endParaRPr kumimoji="1" lang="ja-JP" altLang="en-US" sz="1200" dirty="0">
+                        <a:latin typeface="Meiryo UI" panose="020B0604030504040204" pitchFamily="50" charset="-128"/>
+                        <a:ea typeface="Meiryo UI" panose="020B0604030504040204" pitchFamily="50" charset="-128"/>
+                      </a:endParaRPr>
+                    </a:p>
+                  </a:txBody>
+                  <a:tcPr>
+                    <a:lnL w="12700" cap="flat" cmpd="sng" algn="ctr">
+                      <a:solidFill>
+                        <a:schemeClr val="tx1"/>
+                      </a:solidFill>
+                      <a:prstDash val="solid"/>
+                      <a:round/>
+                      <a:headEnd type="none" w="med" len="med"/>
+                      <a:tailEnd type="none" w="med" len="med"/>
+                    </a:lnL>
+                    <a:lnR w="12700" cap="flat" cmpd="sng" algn="ctr">
+                      <a:solidFill>
+                        <a:schemeClr val="tx1"/>
+                      </a:solidFill>
+                      <a:prstDash val="solid"/>
+                      <a:round/>
+                      <a:headEnd type="none" w="med" len="med"/>
+                      <a:tailEnd type="none" w="med" len="med"/>
+                    </a:lnR>
+                    <a:lnT w="12700" cap="flat" cmpd="sng" algn="ctr">
+                      <a:solidFill>
+                        <a:schemeClr val="tx1"/>
+                      </a:solidFill>
+                      <a:prstDash val="solid"/>
+                      <a:round/>
+                      <a:headEnd type="none" w="med" len="med"/>
+                      <a:tailEnd type="none" w="med" len="med"/>
+                    </a:lnT>
+                    <a:lnB w="12700" cap="flat" cmpd="sng" algn="ctr">
+                      <a:solidFill>
+                        <a:schemeClr val="tx1"/>
+                      </a:solidFill>
+                      <a:prstDash val="solid"/>
+                      <a:round/>
+                      <a:headEnd type="none" w="med" len="med"/>
+                      <a:tailEnd type="none" w="med" len="med"/>
+                    </a:lnB>
+                    <a:noFill/>
+                  </a:tcPr>
+                </a:tc>
+                <a:tc>
+                  <a:txBody>
+                    <a:bodyPr/>
+                    <a:lstStyle/>
+                    <a:p>
+                      <a:endParaRPr kumimoji="1" lang="ja-JP" altLang="en-US" sz="1200" dirty="0">
+                        <a:latin typeface="Meiryo UI" panose="020B0604030504040204" pitchFamily="50" charset="-128"/>
+                        <a:ea typeface="Meiryo UI" panose="020B0604030504040204" pitchFamily="50" charset="-128"/>
+                      </a:endParaRPr>
+                    </a:p>
+                  </a:txBody>
+                  <a:tcPr>
+                    <a:lnL w="12700" cap="flat" cmpd="sng" algn="ctr">
+                      <a:solidFill>
+                        <a:schemeClr val="tx1"/>
+                      </a:solidFill>
+                      <a:prstDash val="solid"/>
+                      <a:round/>
+                      <a:headEnd type="none" w="med" len="med"/>
+                      <a:tailEnd type="none" w="med" len="med"/>
+                    </a:lnL>
+                    <a:lnR w="12700" cap="flat" cmpd="sng" algn="ctr">
+                      <a:solidFill>
+                        <a:schemeClr val="tx1"/>
+                      </a:solidFill>
+                      <a:prstDash val="solid"/>
+                      <a:round/>
+                      <a:headEnd type="none" w="med" len="med"/>
+                      <a:tailEnd type="none" w="med" len="med"/>
+                    </a:lnR>
+                    <a:lnT w="12700" cap="flat" cmpd="sng" algn="ctr">
+                      <a:solidFill>
+                        <a:schemeClr val="tx1"/>
+                      </a:solidFill>
+                      <a:prstDash val="solid"/>
+                      <a:round/>
+                      <a:headEnd type="none" w="med" len="med"/>
+                      <a:tailEnd type="none" w="med" len="med"/>
+                    </a:lnT>
+                    <a:lnB w="12700" cap="flat" cmpd="sng" algn="ctr">
+                      <a:solidFill>
+                        <a:schemeClr val="tx1"/>
+                      </a:solidFill>
+                      <a:prstDash val="solid"/>
+                      <a:round/>
+                      <a:headEnd type="none" w="med" len="med"/>
+                      <a:tailEnd type="none" w="med" len="med"/>
+                    </a:lnB>
+                    <a:noFill/>
+                  </a:tcPr>
+                </a:tc>
+                <a:extLst>
+                  <a:ext uri="{0D108BD9-81ED-4DB2-BD59-A6C34878D82A}">
+                    <a16:rowId xmlns:a16="http://schemas.microsoft.com/office/drawing/2014/main" val="411822011"/>
+                  </a:ext>
+                </a:extLst>
+              </a:tr>
+              <a:tr h="313393">
+                <a:tc>
+                  <a:txBody>
+                    <a:bodyPr/>
+                    <a:lstStyle/>
+                    <a:p>
+                      <a:endParaRPr kumimoji="1" lang="ja-JP" altLang="en-US" sz="1200">
+                        <a:latin typeface="Meiryo UI" panose="020B0604030504040204" pitchFamily="50" charset="-128"/>
+                        <a:ea typeface="Meiryo UI" panose="020B0604030504040204" pitchFamily="50" charset="-128"/>
+                      </a:endParaRPr>
+                    </a:p>
+                  </a:txBody>
+                  <a:tcPr>
+                    <a:lnL w="12700" cap="flat" cmpd="sng" algn="ctr">
+                      <a:solidFill>
+                        <a:schemeClr val="tx1"/>
+                      </a:solidFill>
+                      <a:prstDash val="solid"/>
+                      <a:round/>
+                      <a:headEnd type="none" w="med" len="med"/>
+                      <a:tailEnd type="none" w="med" len="med"/>
+                    </a:lnL>
+                    <a:lnR w="12700" cap="flat" cmpd="sng" algn="ctr">
+                      <a:solidFill>
+                        <a:schemeClr val="tx1"/>
+                      </a:solidFill>
+                      <a:prstDash val="solid"/>
+                      <a:round/>
+                      <a:headEnd type="none" w="med" len="med"/>
+                      <a:tailEnd type="none" w="med" len="med"/>
+                    </a:lnR>
+                    <a:lnT w="12700" cap="flat" cmpd="sng" algn="ctr">
+                      <a:solidFill>
+                        <a:schemeClr val="tx1"/>
+                      </a:solidFill>
+                      <a:prstDash val="solid"/>
+                      <a:round/>
+                      <a:headEnd type="none" w="med" len="med"/>
+                      <a:tailEnd type="none" w="med" len="med"/>
+                    </a:lnT>
+                    <a:lnB w="12700" cap="flat" cmpd="sng" algn="ctr">
+                      <a:solidFill>
+                        <a:schemeClr val="tx1"/>
+                      </a:solidFill>
+                      <a:prstDash val="solid"/>
+                      <a:round/>
+                      <a:headEnd type="none" w="med" len="med"/>
+                      <a:tailEnd type="none" w="med" len="med"/>
+                    </a:lnB>
+                    <a:noFill/>
+                  </a:tcPr>
+                </a:tc>
+                <a:tc>
+                  <a:txBody>
+                    <a:bodyPr/>
+                    <a:lstStyle/>
+                    <a:p>
+                      <a:endParaRPr kumimoji="1" lang="ja-JP" altLang="en-US" sz="1200" dirty="0">
+                        <a:latin typeface="Meiryo UI" panose="020B0604030504040204" pitchFamily="50" charset="-128"/>
+                        <a:ea typeface="Meiryo UI" panose="020B0604030504040204" pitchFamily="50" charset="-128"/>
+                      </a:endParaRPr>
+                    </a:p>
+                  </a:txBody>
+                  <a:tcPr>
+                    <a:lnL w="12700" cap="flat" cmpd="sng" algn="ctr">
+                      <a:solidFill>
+                        <a:schemeClr val="tx1"/>
+                      </a:solidFill>
+                      <a:prstDash val="solid"/>
+                      <a:round/>
+                      <a:headEnd type="none" w="med" len="med"/>
+                      <a:tailEnd type="none" w="med" len="med"/>
+                    </a:lnL>
+                    <a:lnR w="12700" cap="flat" cmpd="sng" algn="ctr">
+                      <a:solidFill>
+                        <a:schemeClr val="tx1"/>
+                      </a:solidFill>
+                      <a:prstDash val="solid"/>
+                      <a:round/>
+                      <a:headEnd type="none" w="med" len="med"/>
+                      <a:tailEnd type="none" w="med" len="med"/>
+                    </a:lnR>
+                    <a:lnT w="12700" cap="flat" cmpd="sng" algn="ctr">
+                      <a:solidFill>
+                        <a:schemeClr val="tx1"/>
+                      </a:solidFill>
+                      <a:prstDash val="solid"/>
+                      <a:round/>
+                      <a:headEnd type="none" w="med" len="med"/>
+                      <a:tailEnd type="none" w="med" len="med"/>
+                    </a:lnT>
+                    <a:lnB w="12700" cap="flat" cmpd="sng" algn="ctr">
+                      <a:solidFill>
+                        <a:schemeClr val="tx1"/>
+                      </a:solidFill>
+                      <a:prstDash val="solid"/>
+                      <a:round/>
+                      <a:headEnd type="none" w="med" len="med"/>
+                      <a:tailEnd type="none" w="med" len="med"/>
+                    </a:lnB>
+                    <a:noFill/>
+                  </a:tcPr>
+                </a:tc>
+                <a:tc>
+                  <a:txBody>
+                    <a:bodyPr/>
+                    <a:lstStyle/>
+                    <a:p>
+                      <a:endParaRPr kumimoji="1" lang="ja-JP" altLang="en-US" sz="1200" dirty="0">
+                        <a:latin typeface="Meiryo UI" panose="020B0604030504040204" pitchFamily="50" charset="-128"/>
+                        <a:ea typeface="Meiryo UI" panose="020B0604030504040204" pitchFamily="50" charset="-128"/>
+                      </a:endParaRPr>
+                    </a:p>
+                  </a:txBody>
+                  <a:tcPr>
+                    <a:lnL w="12700" cap="flat" cmpd="sng" algn="ctr">
+                      <a:solidFill>
+                        <a:schemeClr val="tx1"/>
+                      </a:solidFill>
+                      <a:prstDash val="solid"/>
+                      <a:round/>
+                      <a:headEnd type="none" w="med" len="med"/>
+                      <a:tailEnd type="none" w="med" len="med"/>
+                    </a:lnL>
+                    <a:lnR w="12700" cap="flat" cmpd="sng" algn="ctr">
+                      <a:solidFill>
+                        <a:schemeClr val="tx1"/>
+                      </a:solidFill>
+                      <a:prstDash val="solid"/>
+                      <a:round/>
+                      <a:headEnd type="none" w="med" len="med"/>
+                      <a:tailEnd type="none" w="med" len="med"/>
+                    </a:lnR>
+                    <a:lnT w="12700" cap="flat" cmpd="sng" algn="ctr">
+                      <a:solidFill>
+                        <a:schemeClr val="tx1"/>
+                      </a:solidFill>
+                      <a:prstDash val="solid"/>
+                      <a:round/>
+                      <a:headEnd type="none" w="med" len="med"/>
+                      <a:tailEnd type="none" w="med" len="med"/>
+                    </a:lnT>
+                    <a:lnB w="12700" cap="flat" cmpd="sng" algn="ctr">
+                      <a:solidFill>
+                        <a:schemeClr val="tx1"/>
+                      </a:solidFill>
+                      <a:prstDash val="solid"/>
+                      <a:round/>
+                      <a:headEnd type="none" w="med" len="med"/>
+                      <a:tailEnd type="none" w="med" len="med"/>
+                    </a:lnB>
+                    <a:noFill/>
+                  </a:tcPr>
+                </a:tc>
+                <a:tc>
+                  <a:txBody>
+                    <a:bodyPr/>
+                    <a:lstStyle/>
+                    <a:p>
+                      <a:endParaRPr kumimoji="1" lang="ja-JP" altLang="en-US" sz="1200" dirty="0">
+                        <a:latin typeface="Meiryo UI" panose="020B0604030504040204" pitchFamily="50" charset="-128"/>
+                        <a:ea typeface="Meiryo UI" panose="020B0604030504040204" pitchFamily="50" charset="-128"/>
+                      </a:endParaRPr>
+                    </a:p>
+                  </a:txBody>
+                  <a:tcPr>
+                    <a:lnL w="12700" cap="flat" cmpd="sng" algn="ctr">
+                      <a:solidFill>
+                        <a:schemeClr val="tx1"/>
+                      </a:solidFill>
+                      <a:prstDash val="solid"/>
+                      <a:round/>
+                      <a:headEnd type="none" w="med" len="med"/>
+                      <a:tailEnd type="none" w="med" len="med"/>
+                    </a:lnL>
+                    <a:lnR w="12700" cap="flat" cmpd="sng" algn="ctr">
+                      <a:solidFill>
+                        <a:schemeClr val="tx1"/>
+                      </a:solidFill>
+                      <a:prstDash val="solid"/>
+                      <a:round/>
+                      <a:headEnd type="none" w="med" len="med"/>
+                      <a:tailEnd type="none" w="med" len="med"/>
+                    </a:lnR>
+                    <a:lnT w="12700" cap="flat" cmpd="sng" algn="ctr">
+                      <a:solidFill>
+                        <a:schemeClr val="tx1"/>
+                      </a:solidFill>
+                      <a:prstDash val="solid"/>
+                      <a:round/>
+                      <a:headEnd type="none" w="med" len="med"/>
+                      <a:tailEnd type="none" w="med" len="med"/>
+                    </a:lnT>
+                    <a:lnB w="12700" cap="flat" cmpd="sng" algn="ctr">
+                      <a:solidFill>
+                        <a:schemeClr val="tx1"/>
+                      </a:solidFill>
+                      <a:prstDash val="solid"/>
+                      <a:round/>
+                      <a:headEnd type="none" w="med" len="med"/>
+                      <a:tailEnd type="none" w="med" len="med"/>
+                    </a:lnB>
+                    <a:noFill/>
+                  </a:tcPr>
+                </a:tc>
+                <a:tc>
+                  <a:txBody>
+                    <a:bodyPr/>
+                    <a:lstStyle/>
+                    <a:p>
+                      <a:endParaRPr kumimoji="1" lang="ja-JP" altLang="en-US" sz="1200" dirty="0">
+                        <a:latin typeface="Meiryo UI" panose="020B0604030504040204" pitchFamily="50" charset="-128"/>
+                        <a:ea typeface="Meiryo UI" panose="020B0604030504040204" pitchFamily="50" charset="-128"/>
+                      </a:endParaRPr>
+                    </a:p>
+                  </a:txBody>
+                  <a:tcPr>
+                    <a:lnL w="12700" cap="flat" cmpd="sng" algn="ctr">
+                      <a:solidFill>
+                        <a:schemeClr val="tx1"/>
+                      </a:solidFill>
+                      <a:prstDash val="solid"/>
+                      <a:round/>
+                      <a:headEnd type="none" w="med" len="med"/>
+                      <a:tailEnd type="none" w="med" len="med"/>
+                    </a:lnL>
+                    <a:lnR w="12700" cap="flat" cmpd="sng" algn="ctr">
+                      <a:solidFill>
+                        <a:schemeClr val="tx1"/>
+                      </a:solidFill>
+                      <a:prstDash val="solid"/>
+                      <a:round/>
+                      <a:headEnd type="none" w="med" len="med"/>
+                      <a:tailEnd type="none" w="med" len="med"/>
+                    </a:lnR>
+                    <a:lnT w="12700" cap="flat" cmpd="sng" algn="ctr">
+                      <a:solidFill>
+                        <a:schemeClr val="tx1"/>
+                      </a:solidFill>
+                      <a:prstDash val="solid"/>
+                      <a:round/>
+                      <a:headEnd type="none" w="med" len="med"/>
+                      <a:tailEnd type="none" w="med" len="med"/>
+                    </a:lnT>
+                    <a:lnB w="12700" cap="flat" cmpd="sng" algn="ctr">
+                      <a:solidFill>
+                        <a:schemeClr val="tx1"/>
+                      </a:solidFill>
+                      <a:prstDash val="solid"/>
+                      <a:round/>
+                      <a:headEnd type="none" w="med" len="med"/>
+                      <a:tailEnd type="none" w="med" len="med"/>
+                    </a:lnB>
+                    <a:noFill/>
+                  </a:tcPr>
+                </a:tc>
+                <a:tc>
+                  <a:txBody>
+                    <a:bodyPr/>
+                    <a:lstStyle/>
+                    <a:p>
+                      <a:endParaRPr kumimoji="1" lang="ja-JP" altLang="en-US" sz="1200" dirty="0">
+                        <a:latin typeface="Meiryo UI" panose="020B0604030504040204" pitchFamily="50" charset="-128"/>
+                        <a:ea typeface="Meiryo UI" panose="020B0604030504040204" pitchFamily="50" charset="-128"/>
+                      </a:endParaRPr>
+                    </a:p>
+                  </a:txBody>
+                  <a:tcPr>
+                    <a:lnL w="12700" cap="flat" cmpd="sng" algn="ctr">
+                      <a:solidFill>
+                        <a:schemeClr val="tx1"/>
+                      </a:solidFill>
+                      <a:prstDash val="solid"/>
+                      <a:round/>
+                      <a:headEnd type="none" w="med" len="med"/>
+                      <a:tailEnd type="none" w="med" len="med"/>
+                    </a:lnL>
+                    <a:lnR w="12700" cap="flat" cmpd="sng" algn="ctr">
+                      <a:solidFill>
+                        <a:schemeClr val="tx1"/>
+                      </a:solidFill>
+                      <a:prstDash val="solid"/>
+                      <a:round/>
+                      <a:headEnd type="none" w="med" len="med"/>
+                      <a:tailEnd type="none" w="med" len="med"/>
+                    </a:lnR>
+                    <a:lnT w="12700" cap="flat" cmpd="sng" algn="ctr">
+                      <a:solidFill>
+                        <a:schemeClr val="tx1"/>
+                      </a:solidFill>
+                      <a:prstDash val="solid"/>
+                      <a:round/>
+                      <a:headEnd type="none" w="med" len="med"/>
+                      <a:tailEnd type="none" w="med" len="med"/>
+                    </a:lnT>
+                    <a:lnB w="12700" cap="flat" cmpd="sng" algn="ctr">
+                      <a:solidFill>
+                        <a:schemeClr val="tx1"/>
+                      </a:solidFill>
+                      <a:prstDash val="solid"/>
+                      <a:round/>
+                      <a:headEnd type="none" w="med" len="med"/>
+                      <a:tailEnd type="none" w="med" len="med"/>
+                    </a:lnB>
+                    <a:noFill/>
+                  </a:tcPr>
+                </a:tc>
+                <a:tc>
+                  <a:txBody>
+                    <a:bodyPr/>
+                    <a:lstStyle/>
+                    <a:p>
+                      <a:endParaRPr kumimoji="1" lang="ja-JP" altLang="en-US" sz="1200" dirty="0">
+                        <a:latin typeface="Meiryo UI" panose="020B0604030504040204" pitchFamily="50" charset="-128"/>
+                        <a:ea typeface="Meiryo UI" panose="020B0604030504040204" pitchFamily="50" charset="-128"/>
+                      </a:endParaRPr>
+                    </a:p>
+                  </a:txBody>
+                  <a:tcPr>
+                    <a:lnL w="12700" cap="flat" cmpd="sng" algn="ctr">
+                      <a:solidFill>
+                        <a:schemeClr val="tx1"/>
+                      </a:solidFill>
+                      <a:prstDash val="solid"/>
+                      <a:round/>
+                      <a:headEnd type="none" w="med" len="med"/>
+                      <a:tailEnd type="none" w="med" len="med"/>
+                    </a:lnL>
+                    <a:lnR w="12700" cap="flat" cmpd="sng" algn="ctr">
+                      <a:solidFill>
+                        <a:schemeClr val="tx1"/>
+                      </a:solidFill>
+                      <a:prstDash val="solid"/>
+                      <a:round/>
+                      <a:headEnd type="none" w="med" len="med"/>
+                      <a:tailEnd type="none" w="med" len="med"/>
+                    </a:lnR>
+                    <a:lnT w="12700" cap="flat" cmpd="sng" algn="ctr">
+                      <a:solidFill>
+                        <a:schemeClr val="tx1"/>
+                      </a:solidFill>
+                      <a:prstDash val="solid"/>
+                      <a:round/>
+                      <a:headEnd type="none" w="med" len="med"/>
+                      <a:tailEnd type="none" w="med" len="med"/>
+                    </a:lnT>
+                    <a:lnB w="12700" cap="flat" cmpd="sng" algn="ctr">
+                      <a:solidFill>
+                        <a:schemeClr val="tx1"/>
+                      </a:solidFill>
+                      <a:prstDash val="solid"/>
+                      <a:round/>
+                      <a:headEnd type="none" w="med" len="med"/>
+                      <a:tailEnd type="none" w="med" len="med"/>
+                    </a:lnB>
+                    <a:noFill/>
+                  </a:tcPr>
+                </a:tc>
+                <a:tc>
+                  <a:txBody>
+                    <a:bodyPr/>
+                    <a:lstStyle/>
+                    <a:p>
+                      <a:endParaRPr kumimoji="1" lang="ja-JP" altLang="en-US" sz="1200" dirty="0">
+                        <a:latin typeface="Meiryo UI" panose="020B0604030504040204" pitchFamily="50" charset="-128"/>
+                        <a:ea typeface="Meiryo UI" panose="020B0604030504040204" pitchFamily="50" charset="-128"/>
+                      </a:endParaRPr>
+                    </a:p>
+                  </a:txBody>
+                  <a:tcPr>
+                    <a:lnL w="12700" cap="flat" cmpd="sng" algn="ctr">
+                      <a:solidFill>
+                        <a:schemeClr val="tx1"/>
+                      </a:solidFill>
+                      <a:prstDash val="solid"/>
+                      <a:round/>
+                      <a:headEnd type="none" w="med" len="med"/>
+                      <a:tailEnd type="none" w="med" len="med"/>
+                    </a:lnL>
+                    <a:lnR w="12700" cap="flat" cmpd="sng" algn="ctr">
+                      <a:solidFill>
+                        <a:schemeClr val="tx1"/>
+                      </a:solidFill>
+                      <a:prstDash val="solid"/>
+                      <a:round/>
+                      <a:headEnd type="none" w="med" len="med"/>
+                      <a:tailEnd type="none" w="med" len="med"/>
+                    </a:lnR>
+                    <a:lnT w="12700" cap="flat" cmpd="sng" algn="ctr">
+                      <a:solidFill>
+                        <a:schemeClr val="tx1"/>
+                      </a:solidFill>
+                      <a:prstDash val="solid"/>
+                      <a:round/>
+                      <a:headEnd type="none" w="med" len="med"/>
+                      <a:tailEnd type="none" w="med" len="med"/>
+                    </a:lnT>
+                    <a:lnB w="12700" cap="flat" cmpd="sng" algn="ctr">
+                      <a:solidFill>
+                        <a:schemeClr val="tx1"/>
+                      </a:solidFill>
+                      <a:prstDash val="solid"/>
+                      <a:round/>
+                      <a:headEnd type="none" w="med" len="med"/>
+                      <a:tailEnd type="none" w="med" len="med"/>
+                    </a:lnB>
+                    <a:noFill/>
+                  </a:tcPr>
+                </a:tc>
+                <a:extLst>
+                  <a:ext uri="{0D108BD9-81ED-4DB2-BD59-A6C34878D82A}">
+                    <a16:rowId xmlns:a16="http://schemas.microsoft.com/office/drawing/2014/main" val="972637536"/>
+                  </a:ext>
+                </a:extLst>
+              </a:tr>
+              <a:tr h="313393">
+                <a:tc>
+                  <a:txBody>
+                    <a:bodyPr/>
+                    <a:lstStyle/>
+                    <a:p>
+                      <a:endParaRPr kumimoji="1" lang="ja-JP" altLang="en-US" sz="1200">
+                        <a:latin typeface="Meiryo UI" panose="020B0604030504040204" pitchFamily="50" charset="-128"/>
+                        <a:ea typeface="Meiryo UI" panose="020B0604030504040204" pitchFamily="50" charset="-128"/>
+                      </a:endParaRPr>
+                    </a:p>
+                  </a:txBody>
+                  <a:tcPr>
+                    <a:lnL w="12700" cap="flat" cmpd="sng" algn="ctr">
+                      <a:solidFill>
+                        <a:schemeClr val="tx1"/>
+                      </a:solidFill>
+                      <a:prstDash val="solid"/>
+                      <a:round/>
+                      <a:headEnd type="none" w="med" len="med"/>
+                      <a:tailEnd type="none" w="med" len="med"/>
+                    </a:lnL>
+                    <a:lnR w="12700" cap="flat" cmpd="sng" algn="ctr">
+                      <a:solidFill>
+                        <a:schemeClr val="tx1"/>
+                      </a:solidFill>
+                      <a:prstDash val="solid"/>
+                      <a:round/>
+                      <a:headEnd type="none" w="med" len="med"/>
+                      <a:tailEnd type="none" w="med" len="med"/>
+                    </a:lnR>
+                    <a:lnT w="12700" cap="flat" cmpd="sng" algn="ctr">
+                      <a:solidFill>
+                        <a:schemeClr val="tx1"/>
+                      </a:solidFill>
+                      <a:prstDash val="solid"/>
+                      <a:round/>
+                      <a:headEnd type="none" w="med" len="med"/>
+                      <a:tailEnd type="none" w="med" len="med"/>
+                    </a:lnT>
+                    <a:lnB w="12700" cap="flat" cmpd="sng" algn="ctr">
+                      <a:solidFill>
+                        <a:schemeClr val="tx1"/>
+                      </a:solidFill>
+                      <a:prstDash val="solid"/>
+                      <a:round/>
+                      <a:headEnd type="none" w="med" len="med"/>
+                      <a:tailEnd type="none" w="med" len="med"/>
+                    </a:lnB>
+                    <a:noFill/>
+                  </a:tcPr>
+                </a:tc>
+                <a:tc>
+                  <a:txBody>
+                    <a:bodyPr/>
+                    <a:lstStyle/>
+                    <a:p>
+                      <a:endParaRPr kumimoji="1" lang="ja-JP" altLang="en-US" sz="1200" dirty="0">
+                        <a:latin typeface="Meiryo UI" panose="020B0604030504040204" pitchFamily="50" charset="-128"/>
+                        <a:ea typeface="Meiryo UI" panose="020B0604030504040204" pitchFamily="50" charset="-128"/>
+                      </a:endParaRPr>
+                    </a:p>
+                  </a:txBody>
+                  <a:tcPr>
+                    <a:lnL w="12700" cap="flat" cmpd="sng" algn="ctr">
+                      <a:solidFill>
+                        <a:schemeClr val="tx1"/>
+                      </a:solidFill>
+                      <a:prstDash val="solid"/>
+                      <a:round/>
+                      <a:headEnd type="none" w="med" len="med"/>
+                      <a:tailEnd type="none" w="med" len="med"/>
+                    </a:lnL>
+                    <a:lnR w="12700" cap="flat" cmpd="sng" algn="ctr">
+                      <a:solidFill>
+                        <a:schemeClr val="tx1"/>
+                      </a:solidFill>
+                      <a:prstDash val="solid"/>
+                      <a:round/>
+                      <a:headEnd type="none" w="med" len="med"/>
+                      <a:tailEnd type="none" w="med" len="med"/>
+                    </a:lnR>
+                    <a:lnT w="12700" cap="flat" cmpd="sng" algn="ctr">
+                      <a:solidFill>
+                        <a:schemeClr val="tx1"/>
+                      </a:solidFill>
+                      <a:prstDash val="solid"/>
+                      <a:round/>
+                      <a:headEnd type="none" w="med" len="med"/>
+                      <a:tailEnd type="none" w="med" len="med"/>
+                    </a:lnT>
+                    <a:lnB w="12700" cap="flat" cmpd="sng" algn="ctr">
+                      <a:solidFill>
+                        <a:schemeClr val="tx1"/>
+                      </a:solidFill>
+                      <a:prstDash val="solid"/>
+                      <a:round/>
+                      <a:headEnd type="none" w="med" len="med"/>
+                      <a:tailEnd type="none" w="med" len="med"/>
+                    </a:lnB>
+                    <a:noFill/>
+                  </a:tcPr>
+                </a:tc>
+                <a:tc>
+                  <a:txBody>
+                    <a:bodyPr/>
+                    <a:lstStyle/>
+                    <a:p>
+                      <a:endParaRPr kumimoji="1" lang="ja-JP" altLang="en-US" sz="1200" dirty="0">
+                        <a:latin typeface="Meiryo UI" panose="020B0604030504040204" pitchFamily="50" charset="-128"/>
+                        <a:ea typeface="Meiryo UI" panose="020B0604030504040204" pitchFamily="50" charset="-128"/>
+                      </a:endParaRPr>
+                    </a:p>
+                  </a:txBody>
+                  <a:tcPr>
+                    <a:lnL w="12700" cap="flat" cmpd="sng" algn="ctr">
+                      <a:solidFill>
+                        <a:schemeClr val="tx1"/>
+                      </a:solidFill>
+                      <a:prstDash val="solid"/>
+                      <a:round/>
+                      <a:headEnd type="none" w="med" len="med"/>
+                      <a:tailEnd type="none" w="med" len="med"/>
+                    </a:lnL>
+                    <a:lnR w="12700" cap="flat" cmpd="sng" algn="ctr">
+                      <a:solidFill>
+                        <a:schemeClr val="tx1"/>
+                      </a:solidFill>
+                      <a:prstDash val="solid"/>
+                      <a:round/>
+                      <a:headEnd type="none" w="med" len="med"/>
+                      <a:tailEnd type="none" w="med" len="med"/>
+                    </a:lnR>
+                    <a:lnT w="12700" cap="flat" cmpd="sng" algn="ctr">
+                      <a:solidFill>
+                        <a:schemeClr val="tx1"/>
+                      </a:solidFill>
+                      <a:prstDash val="solid"/>
+                      <a:round/>
+                      <a:headEnd type="none" w="med" len="med"/>
+                      <a:tailEnd type="none" w="med" len="med"/>
+                    </a:lnT>
+                    <a:lnB w="12700" cap="flat" cmpd="sng" algn="ctr">
+                      <a:solidFill>
+                        <a:schemeClr val="tx1"/>
+                      </a:solidFill>
+                      <a:prstDash val="solid"/>
+                      <a:round/>
+                      <a:headEnd type="none" w="med" len="med"/>
+                      <a:tailEnd type="none" w="med" len="med"/>
+                    </a:lnB>
+                    <a:noFill/>
+                  </a:tcPr>
+                </a:tc>
+                <a:tc>
+                  <a:txBody>
+                    <a:bodyPr/>
+                    <a:lstStyle/>
+                    <a:p>
+                      <a:endParaRPr kumimoji="1" lang="ja-JP" altLang="en-US" sz="1200" dirty="0">
+                        <a:latin typeface="Meiryo UI" panose="020B0604030504040204" pitchFamily="50" charset="-128"/>
+                        <a:ea typeface="Meiryo UI" panose="020B0604030504040204" pitchFamily="50" charset="-128"/>
+                      </a:endParaRPr>
+                    </a:p>
+                  </a:txBody>
+                  <a:tcPr>
+                    <a:lnL w="12700" cap="flat" cmpd="sng" algn="ctr">
+                      <a:solidFill>
+                        <a:schemeClr val="tx1"/>
+                      </a:solidFill>
+                      <a:prstDash val="solid"/>
+                      <a:round/>
+                      <a:headEnd type="none" w="med" len="med"/>
+                      <a:tailEnd type="none" w="med" len="med"/>
+                    </a:lnL>
+                    <a:lnR w="12700" cap="flat" cmpd="sng" algn="ctr">
+                      <a:solidFill>
+                        <a:schemeClr val="tx1"/>
+                      </a:solidFill>
+                      <a:prstDash val="solid"/>
+                      <a:round/>
+                      <a:headEnd type="none" w="med" len="med"/>
+                      <a:tailEnd type="none" w="med" len="med"/>
+                    </a:lnR>
+                    <a:lnT w="12700" cap="flat" cmpd="sng" algn="ctr">
+                      <a:solidFill>
+                        <a:schemeClr val="tx1"/>
+                      </a:solidFill>
+                      <a:prstDash val="solid"/>
+                      <a:round/>
+                      <a:headEnd type="none" w="med" len="med"/>
+                      <a:tailEnd type="none" w="med" len="med"/>
+                    </a:lnT>
+                    <a:lnB w="12700" cap="flat" cmpd="sng" algn="ctr">
+                      <a:solidFill>
+                        <a:schemeClr val="tx1"/>
+                      </a:solidFill>
+                      <a:prstDash val="solid"/>
+                      <a:round/>
+                      <a:headEnd type="none" w="med" len="med"/>
+                      <a:tailEnd type="none" w="med" len="med"/>
+                    </a:lnB>
+                    <a:noFill/>
+                  </a:tcPr>
+                </a:tc>
+                <a:tc>
+                  <a:txBody>
+                    <a:bodyPr/>
+                    <a:lstStyle/>
+                    <a:p>
+                      <a:endParaRPr kumimoji="1" lang="ja-JP" altLang="en-US" sz="1200" dirty="0">
+                        <a:latin typeface="Meiryo UI" panose="020B0604030504040204" pitchFamily="50" charset="-128"/>
+                        <a:ea typeface="Meiryo UI" panose="020B0604030504040204" pitchFamily="50" charset="-128"/>
+                      </a:endParaRPr>
+                    </a:p>
+                  </a:txBody>
+                  <a:tcPr>
+                    <a:lnL w="12700" cap="flat" cmpd="sng" algn="ctr">
+                      <a:solidFill>
+                        <a:schemeClr val="tx1"/>
+                      </a:solidFill>
+                      <a:prstDash val="solid"/>
+                      <a:round/>
+                      <a:headEnd type="none" w="med" len="med"/>
+                      <a:tailEnd type="none" w="med" len="med"/>
+                    </a:lnL>
+                    <a:lnR w="12700" cap="flat" cmpd="sng" algn="ctr">
+                      <a:solidFill>
+                        <a:schemeClr val="tx1"/>
+                      </a:solidFill>
+                      <a:prstDash val="solid"/>
+                      <a:round/>
+                      <a:headEnd type="none" w="med" len="med"/>
+                      <a:tailEnd type="none" w="med" len="med"/>
+                    </a:lnR>
+                    <a:lnT w="12700" cap="flat" cmpd="sng" algn="ctr">
+                      <a:solidFill>
+                        <a:schemeClr val="tx1"/>
+                      </a:solidFill>
+                      <a:prstDash val="solid"/>
+                      <a:round/>
+                      <a:headEnd type="none" w="med" len="med"/>
+                      <a:tailEnd type="none" w="med" len="med"/>
+                    </a:lnT>
+                    <a:lnB w="12700" cap="flat" cmpd="sng" algn="ctr">
+                      <a:solidFill>
+                        <a:schemeClr val="tx1"/>
+                      </a:solidFill>
+                      <a:prstDash val="solid"/>
+                      <a:round/>
+                      <a:headEnd type="none" w="med" len="med"/>
+                      <a:tailEnd type="none" w="med" len="med"/>
+                    </a:lnB>
+                    <a:noFill/>
+                  </a:tcPr>
+                </a:tc>
+                <a:tc>
+                  <a:txBody>
+                    <a:bodyPr/>
+                    <a:lstStyle/>
+                    <a:p>
+                      <a:endParaRPr kumimoji="1" lang="ja-JP" altLang="en-US" sz="1200" dirty="0">
+                        <a:latin typeface="Meiryo UI" panose="020B0604030504040204" pitchFamily="50" charset="-128"/>
+                        <a:ea typeface="Meiryo UI" panose="020B0604030504040204" pitchFamily="50" charset="-128"/>
+                      </a:endParaRPr>
+                    </a:p>
+                  </a:txBody>
+                  <a:tcPr>
+                    <a:lnL w="12700" cap="flat" cmpd="sng" algn="ctr">
+                      <a:solidFill>
+                        <a:schemeClr val="tx1"/>
+                      </a:solidFill>
+                      <a:prstDash val="solid"/>
+                      <a:round/>
+                      <a:headEnd type="none" w="med" len="med"/>
+                      <a:tailEnd type="none" w="med" len="med"/>
+                    </a:lnL>
+                    <a:lnR w="12700" cap="flat" cmpd="sng" algn="ctr">
+                      <a:solidFill>
+                        <a:schemeClr val="tx1"/>
+                      </a:solidFill>
+                      <a:prstDash val="solid"/>
+                      <a:round/>
+                      <a:headEnd type="none" w="med" len="med"/>
+                      <a:tailEnd type="none" w="med" len="med"/>
+                    </a:lnR>
+                    <a:lnT w="12700" cap="flat" cmpd="sng" algn="ctr">
+                      <a:solidFill>
+                        <a:schemeClr val="tx1"/>
+                      </a:solidFill>
+                      <a:prstDash val="solid"/>
+                      <a:round/>
+                      <a:headEnd type="none" w="med" len="med"/>
+                      <a:tailEnd type="none" w="med" len="med"/>
+                    </a:lnT>
+                    <a:lnB w="12700" cap="flat" cmpd="sng" algn="ctr">
+                      <a:solidFill>
+                        <a:schemeClr val="tx1"/>
+                      </a:solidFill>
+                      <a:prstDash val="solid"/>
+                      <a:round/>
+                      <a:headEnd type="none" w="med" len="med"/>
+                      <a:tailEnd type="none" w="med" len="med"/>
+                    </a:lnB>
+                    <a:noFill/>
+                  </a:tcPr>
+                </a:tc>
+                <a:tc>
+                  <a:txBody>
+                    <a:bodyPr/>
+                    <a:lstStyle/>
+                    <a:p>
+                      <a:endParaRPr kumimoji="1" lang="ja-JP" altLang="en-US" sz="1200" dirty="0">
+                        <a:latin typeface="Meiryo UI" panose="020B0604030504040204" pitchFamily="50" charset="-128"/>
+                        <a:ea typeface="Meiryo UI" panose="020B0604030504040204" pitchFamily="50" charset="-128"/>
+                      </a:endParaRPr>
+                    </a:p>
+                  </a:txBody>
+                  <a:tcPr>
+                    <a:lnL w="12700" cap="flat" cmpd="sng" algn="ctr">
+                      <a:solidFill>
+                        <a:schemeClr val="tx1"/>
+                      </a:solidFill>
+                      <a:prstDash val="solid"/>
+                      <a:round/>
+                      <a:headEnd type="none" w="med" len="med"/>
+                      <a:tailEnd type="none" w="med" len="med"/>
+                    </a:lnL>
+                    <a:lnR w="12700" cap="flat" cmpd="sng" algn="ctr">
+                      <a:solidFill>
+                        <a:schemeClr val="tx1"/>
+                      </a:solidFill>
+                      <a:prstDash val="solid"/>
+                      <a:round/>
+                      <a:headEnd type="none" w="med" len="med"/>
+                      <a:tailEnd type="none" w="med" len="med"/>
+                    </a:lnR>
+                    <a:lnT w="12700" cap="flat" cmpd="sng" algn="ctr">
+                      <a:solidFill>
+                        <a:schemeClr val="tx1"/>
+                      </a:solidFill>
+                      <a:prstDash val="solid"/>
+                      <a:round/>
+                      <a:headEnd type="none" w="med" len="med"/>
+                      <a:tailEnd type="none" w="med" len="med"/>
+                    </a:lnT>
+                    <a:lnB w="12700" cap="flat" cmpd="sng" algn="ctr">
+                      <a:solidFill>
+                        <a:schemeClr val="tx1"/>
+                      </a:solidFill>
+                      <a:prstDash val="solid"/>
+                      <a:round/>
+                      <a:headEnd type="none" w="med" len="med"/>
+                      <a:tailEnd type="none" w="med" len="med"/>
+                    </a:lnB>
+                    <a:noFill/>
+                  </a:tcPr>
+                </a:tc>
+                <a:tc>
+                  <a:txBody>
+                    <a:bodyPr/>
+                    <a:lstStyle/>
+                    <a:p>
+                      <a:endParaRPr kumimoji="1" lang="ja-JP" altLang="en-US" sz="1200" dirty="0">
+                        <a:latin typeface="Meiryo UI" panose="020B0604030504040204" pitchFamily="50" charset="-128"/>
+                        <a:ea typeface="Meiryo UI" panose="020B0604030504040204" pitchFamily="50" charset="-128"/>
+                      </a:endParaRPr>
+                    </a:p>
+                  </a:txBody>
+                  <a:tcPr>
+                    <a:lnL w="12700" cap="flat" cmpd="sng" algn="ctr">
+                      <a:solidFill>
+                        <a:schemeClr val="tx1"/>
+                      </a:solidFill>
+                      <a:prstDash val="solid"/>
+                      <a:round/>
+                      <a:headEnd type="none" w="med" len="med"/>
+                      <a:tailEnd type="none" w="med" len="med"/>
+                    </a:lnL>
+                    <a:lnR w="12700" cap="flat" cmpd="sng" algn="ctr">
+                      <a:solidFill>
+                        <a:schemeClr val="tx1"/>
+                      </a:solidFill>
+                      <a:prstDash val="solid"/>
+                      <a:round/>
+                      <a:headEnd type="none" w="med" len="med"/>
+                      <a:tailEnd type="none" w="med" len="med"/>
+                    </a:lnR>
+                    <a:lnT w="12700" cap="flat" cmpd="sng" algn="ctr">
+                      <a:solidFill>
+                        <a:schemeClr val="tx1"/>
+                      </a:solidFill>
+                      <a:prstDash val="solid"/>
+                      <a:round/>
+                      <a:headEnd type="none" w="med" len="med"/>
+                      <a:tailEnd type="none" w="med" len="med"/>
+                    </a:lnT>
+                    <a:lnB w="12700" cap="flat" cmpd="sng" algn="ctr">
+                      <a:solidFill>
+                        <a:schemeClr val="tx1"/>
+                      </a:solidFill>
+                      <a:prstDash val="solid"/>
+                      <a:round/>
+                      <a:headEnd type="none" w="med" len="med"/>
+                      <a:tailEnd type="none" w="med" len="med"/>
+                    </a:lnB>
+                    <a:noFill/>
+                  </a:tcPr>
+                </a:tc>
+                <a:extLst>
+                  <a:ext uri="{0D108BD9-81ED-4DB2-BD59-A6C34878D82A}">
+                    <a16:rowId xmlns:a16="http://schemas.microsoft.com/office/drawing/2014/main" val="2591016551"/>
+                  </a:ext>
+                </a:extLst>
+              </a:tr>
+              <a:tr h="313393">
+                <a:tc>
+                  <a:txBody>
+                    <a:bodyPr/>
+                    <a:lstStyle/>
+                    <a:p>
+                      <a:endParaRPr kumimoji="1" lang="ja-JP" altLang="en-US" sz="1200">
+                        <a:latin typeface="Meiryo UI" panose="020B0604030504040204" pitchFamily="50" charset="-128"/>
+                        <a:ea typeface="Meiryo UI" panose="020B0604030504040204" pitchFamily="50" charset="-128"/>
+                      </a:endParaRPr>
+                    </a:p>
+                  </a:txBody>
+                  <a:tcPr>
+                    <a:lnL w="12700" cap="flat" cmpd="sng" algn="ctr">
+                      <a:solidFill>
+                        <a:schemeClr val="tx1"/>
+                      </a:solidFill>
+                      <a:prstDash val="solid"/>
+                      <a:round/>
+                      <a:headEnd type="none" w="med" len="med"/>
+                      <a:tailEnd type="none" w="med" len="med"/>
+                    </a:lnL>
+                    <a:lnR w="12700" cap="flat" cmpd="sng" algn="ctr">
+                      <a:solidFill>
+                        <a:schemeClr val="tx1"/>
+                      </a:solidFill>
+                      <a:prstDash val="solid"/>
+                      <a:round/>
+                      <a:headEnd type="none" w="med" len="med"/>
+                      <a:tailEnd type="none" w="med" len="med"/>
+                    </a:lnR>
+                    <a:lnT w="12700" cap="flat" cmpd="sng" algn="ctr">
+                      <a:solidFill>
+                        <a:schemeClr val="tx1"/>
+                      </a:solidFill>
+                      <a:prstDash val="solid"/>
+                      <a:round/>
+                      <a:headEnd type="none" w="med" len="med"/>
+                      <a:tailEnd type="none" w="med" len="med"/>
+                    </a:lnT>
+                    <a:lnB w="12700" cap="flat" cmpd="sng" algn="ctr">
+                      <a:solidFill>
+                        <a:schemeClr val="tx1"/>
+                      </a:solidFill>
+                      <a:prstDash val="solid"/>
+                      <a:round/>
+                      <a:headEnd type="none" w="med" len="med"/>
+                      <a:tailEnd type="none" w="med" len="med"/>
+                    </a:lnB>
+                    <a:noFill/>
+                  </a:tcPr>
+                </a:tc>
+                <a:tc>
+                  <a:txBody>
+                    <a:bodyPr/>
+                    <a:lstStyle/>
+                    <a:p>
+                      <a:endParaRPr kumimoji="1" lang="ja-JP" altLang="en-US" sz="1200" dirty="0">
+                        <a:latin typeface="Meiryo UI" panose="020B0604030504040204" pitchFamily="50" charset="-128"/>
+                        <a:ea typeface="Meiryo UI" panose="020B0604030504040204" pitchFamily="50" charset="-128"/>
+                      </a:endParaRPr>
+                    </a:p>
+                  </a:txBody>
+                  <a:tcPr>
+                    <a:lnL w="12700" cap="flat" cmpd="sng" algn="ctr">
+                      <a:solidFill>
+                        <a:schemeClr val="tx1"/>
+                      </a:solidFill>
+                      <a:prstDash val="solid"/>
+                      <a:round/>
+                      <a:headEnd type="none" w="med" len="med"/>
+                      <a:tailEnd type="none" w="med" len="med"/>
+                    </a:lnL>
+                    <a:lnR w="12700" cap="flat" cmpd="sng" algn="ctr">
+                      <a:solidFill>
+                        <a:schemeClr val="tx1"/>
+                      </a:solidFill>
+                      <a:prstDash val="solid"/>
+                      <a:round/>
+                      <a:headEnd type="none" w="med" len="med"/>
+                      <a:tailEnd type="none" w="med" len="med"/>
+                    </a:lnR>
+                    <a:lnT w="12700" cap="flat" cmpd="sng" algn="ctr">
+                      <a:solidFill>
+                        <a:schemeClr val="tx1"/>
+                      </a:solidFill>
+                      <a:prstDash val="solid"/>
+                      <a:round/>
+                      <a:headEnd type="none" w="med" len="med"/>
+                      <a:tailEnd type="none" w="med" len="med"/>
+                    </a:lnT>
+                    <a:lnB w="12700" cap="flat" cmpd="sng" algn="ctr">
+                      <a:solidFill>
+                        <a:schemeClr val="tx1"/>
+                      </a:solidFill>
+                      <a:prstDash val="solid"/>
+                      <a:round/>
+                      <a:headEnd type="none" w="med" len="med"/>
+                      <a:tailEnd type="none" w="med" len="med"/>
+                    </a:lnB>
+                    <a:noFill/>
+                  </a:tcPr>
+                </a:tc>
+                <a:tc>
+                  <a:txBody>
+                    <a:bodyPr/>
+                    <a:lstStyle/>
+                    <a:p>
+                      <a:endParaRPr kumimoji="1" lang="ja-JP" altLang="en-US" sz="1200" dirty="0">
+                        <a:latin typeface="Meiryo UI" panose="020B0604030504040204" pitchFamily="50" charset="-128"/>
+                        <a:ea typeface="Meiryo UI" panose="020B0604030504040204" pitchFamily="50" charset="-128"/>
+                      </a:endParaRPr>
+                    </a:p>
+                  </a:txBody>
+                  <a:tcPr>
+                    <a:lnL w="12700" cap="flat" cmpd="sng" algn="ctr">
+                      <a:solidFill>
+                        <a:schemeClr val="tx1"/>
+                      </a:solidFill>
+                      <a:prstDash val="solid"/>
+                      <a:round/>
+                      <a:headEnd type="none" w="med" len="med"/>
+                      <a:tailEnd type="none" w="med" len="med"/>
+                    </a:lnL>
+                    <a:lnR w="12700" cap="flat" cmpd="sng" algn="ctr">
+                      <a:solidFill>
+                        <a:schemeClr val="tx1"/>
+                      </a:solidFill>
+                      <a:prstDash val="solid"/>
+                      <a:round/>
+                      <a:headEnd type="none" w="med" len="med"/>
+                      <a:tailEnd type="none" w="med" len="med"/>
+                    </a:lnR>
+                    <a:lnT w="12700" cap="flat" cmpd="sng" algn="ctr">
+                      <a:solidFill>
+                        <a:schemeClr val="tx1"/>
+                      </a:solidFill>
+                      <a:prstDash val="solid"/>
+                      <a:round/>
+                      <a:headEnd type="none" w="med" len="med"/>
+                      <a:tailEnd type="none" w="med" len="med"/>
+                    </a:lnT>
+                    <a:lnB w="12700" cap="flat" cmpd="sng" algn="ctr">
+                      <a:solidFill>
+                        <a:schemeClr val="tx1"/>
+                      </a:solidFill>
+                      <a:prstDash val="solid"/>
+                      <a:round/>
+                      <a:headEnd type="none" w="med" len="med"/>
+                      <a:tailEnd type="none" w="med" len="med"/>
+                    </a:lnB>
+                    <a:noFill/>
+                  </a:tcPr>
+                </a:tc>
+                <a:tc>
+                  <a:txBody>
+                    <a:bodyPr/>
+                    <a:lstStyle/>
+                    <a:p>
+                      <a:endParaRPr kumimoji="1" lang="ja-JP" altLang="en-US" sz="1200" dirty="0">
+                        <a:latin typeface="Meiryo UI" panose="020B0604030504040204" pitchFamily="50" charset="-128"/>
+                        <a:ea typeface="Meiryo UI" panose="020B0604030504040204" pitchFamily="50" charset="-128"/>
+                      </a:endParaRPr>
+                    </a:p>
+                  </a:txBody>
+                  <a:tcPr>
+                    <a:lnL w="12700" cap="flat" cmpd="sng" algn="ctr">
+                      <a:solidFill>
+                        <a:schemeClr val="tx1"/>
+                      </a:solidFill>
+                      <a:prstDash val="solid"/>
+                      <a:round/>
+                      <a:headEnd type="none" w="med" len="med"/>
+                      <a:tailEnd type="none" w="med" len="med"/>
+                    </a:lnL>
+                    <a:lnR w="12700" cap="flat" cmpd="sng" algn="ctr">
+                      <a:solidFill>
+                        <a:schemeClr val="tx1"/>
+                      </a:solidFill>
+                      <a:prstDash val="solid"/>
+                      <a:round/>
+                      <a:headEnd type="none" w="med" len="med"/>
+                      <a:tailEnd type="none" w="med" len="med"/>
+                    </a:lnR>
+                    <a:lnT w="12700" cap="flat" cmpd="sng" algn="ctr">
+                      <a:solidFill>
+                        <a:schemeClr val="tx1"/>
+                      </a:solidFill>
+                      <a:prstDash val="solid"/>
+                      <a:round/>
+                      <a:headEnd type="none" w="med" len="med"/>
+                      <a:tailEnd type="none" w="med" len="med"/>
+                    </a:lnT>
+                    <a:lnB w="12700" cap="flat" cmpd="sng" algn="ctr">
+                      <a:solidFill>
+                        <a:schemeClr val="tx1"/>
+                      </a:solidFill>
+                      <a:prstDash val="solid"/>
+                      <a:round/>
+                      <a:headEnd type="none" w="med" len="med"/>
+                      <a:tailEnd type="none" w="med" len="med"/>
+                    </a:lnB>
+                    <a:noFill/>
+                  </a:tcPr>
+                </a:tc>
+                <a:tc>
+                  <a:txBody>
+                    <a:bodyPr/>
+                    <a:lstStyle/>
+                    <a:p>
+                      <a:endParaRPr kumimoji="1" lang="ja-JP" altLang="en-US" sz="1200" dirty="0">
+                        <a:latin typeface="Meiryo UI" panose="020B0604030504040204" pitchFamily="50" charset="-128"/>
+                        <a:ea typeface="Meiryo UI" panose="020B0604030504040204" pitchFamily="50" charset="-128"/>
+                      </a:endParaRPr>
+                    </a:p>
+                  </a:txBody>
+                  <a:tcPr>
+                    <a:lnL w="12700" cap="flat" cmpd="sng" algn="ctr">
+                      <a:solidFill>
+                        <a:schemeClr val="tx1"/>
+                      </a:solidFill>
+                      <a:prstDash val="solid"/>
+                      <a:round/>
+                      <a:headEnd type="none" w="med" len="med"/>
+                      <a:tailEnd type="none" w="med" len="med"/>
+                    </a:lnL>
+                    <a:lnR w="12700" cap="flat" cmpd="sng" algn="ctr">
+                      <a:solidFill>
+                        <a:schemeClr val="tx1"/>
+                      </a:solidFill>
+                      <a:prstDash val="solid"/>
+                      <a:round/>
+                      <a:headEnd type="none" w="med" len="med"/>
+                      <a:tailEnd type="none" w="med" len="med"/>
+                    </a:lnR>
+                    <a:lnT w="12700" cap="flat" cmpd="sng" algn="ctr">
+                      <a:solidFill>
+                        <a:schemeClr val="tx1"/>
+                      </a:solidFill>
+                      <a:prstDash val="solid"/>
+                      <a:round/>
+                      <a:headEnd type="none" w="med" len="med"/>
+                      <a:tailEnd type="none" w="med" len="med"/>
+                    </a:lnT>
+                    <a:lnB w="12700" cap="flat" cmpd="sng" algn="ctr">
+                      <a:solidFill>
+                        <a:schemeClr val="tx1"/>
+                      </a:solidFill>
+                      <a:prstDash val="solid"/>
+                      <a:round/>
+                      <a:headEnd type="none" w="med" len="med"/>
+                      <a:tailEnd type="none" w="med" len="med"/>
+                    </a:lnB>
+                    <a:noFill/>
+                  </a:tcPr>
+                </a:tc>
+                <a:tc>
+                  <a:txBody>
+                    <a:bodyPr/>
+                    <a:lstStyle/>
+                    <a:p>
+                      <a:endParaRPr kumimoji="1" lang="ja-JP" altLang="en-US" sz="1200" dirty="0">
+                        <a:latin typeface="Meiryo UI" panose="020B0604030504040204" pitchFamily="50" charset="-128"/>
+                        <a:ea typeface="Meiryo UI" panose="020B0604030504040204" pitchFamily="50" charset="-128"/>
+                      </a:endParaRPr>
+                    </a:p>
+                  </a:txBody>
+                  <a:tcPr>
+                    <a:lnL w="12700" cap="flat" cmpd="sng" algn="ctr">
+                      <a:solidFill>
+                        <a:schemeClr val="tx1"/>
+                      </a:solidFill>
+                      <a:prstDash val="solid"/>
+                      <a:round/>
+                      <a:headEnd type="none" w="med" len="med"/>
+                      <a:tailEnd type="none" w="med" len="med"/>
+                    </a:lnL>
+                    <a:lnR w="12700" cap="flat" cmpd="sng" algn="ctr">
+                      <a:solidFill>
+                        <a:schemeClr val="tx1"/>
+                      </a:solidFill>
+                      <a:prstDash val="solid"/>
+                      <a:round/>
+                      <a:headEnd type="none" w="med" len="med"/>
+                      <a:tailEnd type="none" w="med" len="med"/>
+                    </a:lnR>
+                    <a:lnT w="12700" cap="flat" cmpd="sng" algn="ctr">
+                      <a:solidFill>
+                        <a:schemeClr val="tx1"/>
+                      </a:solidFill>
+                      <a:prstDash val="solid"/>
+                      <a:round/>
+                      <a:headEnd type="none" w="med" len="med"/>
+                      <a:tailEnd type="none" w="med" len="med"/>
+                    </a:lnT>
+                    <a:lnB w="12700" cap="flat" cmpd="sng" algn="ctr">
+                      <a:solidFill>
+                        <a:schemeClr val="tx1"/>
+                      </a:solidFill>
+                      <a:prstDash val="solid"/>
+                      <a:round/>
+                      <a:headEnd type="none" w="med" len="med"/>
+                      <a:tailEnd type="none" w="med" len="med"/>
+                    </a:lnB>
+                    <a:noFill/>
+                  </a:tcPr>
+                </a:tc>
+                <a:tc>
+                  <a:txBody>
+                    <a:bodyPr/>
+                    <a:lstStyle/>
+                    <a:p>
+                      <a:endParaRPr kumimoji="1" lang="ja-JP" altLang="en-US" sz="1200" dirty="0">
+                        <a:latin typeface="Meiryo UI" panose="020B0604030504040204" pitchFamily="50" charset="-128"/>
+                        <a:ea typeface="Meiryo UI" panose="020B0604030504040204" pitchFamily="50" charset="-128"/>
+                      </a:endParaRPr>
+                    </a:p>
+                  </a:txBody>
+                  <a:tcPr>
+                    <a:lnL w="12700" cap="flat" cmpd="sng" algn="ctr">
+                      <a:solidFill>
+                        <a:schemeClr val="tx1"/>
+                      </a:solidFill>
+                      <a:prstDash val="solid"/>
+                      <a:round/>
+                      <a:headEnd type="none" w="med" len="med"/>
+                      <a:tailEnd type="none" w="med" len="med"/>
+                    </a:lnL>
+                    <a:lnR w="12700" cap="flat" cmpd="sng" algn="ctr">
+                      <a:solidFill>
+                        <a:schemeClr val="tx1"/>
+                      </a:solidFill>
+                      <a:prstDash val="solid"/>
+                      <a:round/>
+                      <a:headEnd type="none" w="med" len="med"/>
+                      <a:tailEnd type="none" w="med" len="med"/>
+                    </a:lnR>
+                    <a:lnT w="12700" cap="flat" cmpd="sng" algn="ctr">
+                      <a:solidFill>
+                        <a:schemeClr val="tx1"/>
+                      </a:solidFill>
+                      <a:prstDash val="solid"/>
+                      <a:round/>
+                      <a:headEnd type="none" w="med" len="med"/>
+                      <a:tailEnd type="none" w="med" len="med"/>
+                    </a:lnT>
+                    <a:lnB w="12700" cap="flat" cmpd="sng" algn="ctr">
+                      <a:solidFill>
+                        <a:schemeClr val="tx1"/>
+                      </a:solidFill>
+                      <a:prstDash val="solid"/>
+                      <a:round/>
+                      <a:headEnd type="none" w="med" len="med"/>
+                      <a:tailEnd type="none" w="med" len="med"/>
+                    </a:lnB>
+                    <a:noFill/>
+                  </a:tcPr>
+                </a:tc>
+                <a:tc>
+                  <a:txBody>
+                    <a:bodyPr/>
+                    <a:lstStyle/>
+                    <a:p>
+                      <a:endParaRPr kumimoji="1" lang="ja-JP" altLang="en-US" sz="1200" dirty="0">
+                        <a:latin typeface="Meiryo UI" panose="020B0604030504040204" pitchFamily="50" charset="-128"/>
+                        <a:ea typeface="Meiryo UI" panose="020B0604030504040204" pitchFamily="50" charset="-128"/>
+                      </a:endParaRPr>
+                    </a:p>
+                  </a:txBody>
+                  <a:tcPr>
+                    <a:lnL w="12700" cap="flat" cmpd="sng" algn="ctr">
+                      <a:solidFill>
+                        <a:schemeClr val="tx1"/>
+                      </a:solidFill>
+                      <a:prstDash val="solid"/>
+                      <a:round/>
+                      <a:headEnd type="none" w="med" len="med"/>
+                      <a:tailEnd type="none" w="med" len="med"/>
+                    </a:lnL>
+                    <a:lnR w="12700" cap="flat" cmpd="sng" algn="ctr">
+                      <a:solidFill>
+                        <a:schemeClr val="tx1"/>
+                      </a:solidFill>
+                      <a:prstDash val="solid"/>
+                      <a:round/>
+                      <a:headEnd type="none" w="med" len="med"/>
+                      <a:tailEnd type="none" w="med" len="med"/>
+                    </a:lnR>
+                    <a:lnT w="12700" cap="flat" cmpd="sng" algn="ctr">
+                      <a:solidFill>
+                        <a:schemeClr val="tx1"/>
+                      </a:solidFill>
+                      <a:prstDash val="solid"/>
+                      <a:round/>
+                      <a:headEnd type="none" w="med" len="med"/>
+                      <a:tailEnd type="none" w="med" len="med"/>
+                    </a:lnT>
+                    <a:lnB w="12700" cap="flat" cmpd="sng" algn="ctr">
+                      <a:solidFill>
+                        <a:schemeClr val="tx1"/>
+                      </a:solidFill>
+                      <a:prstDash val="solid"/>
+                      <a:round/>
+                      <a:headEnd type="none" w="med" len="med"/>
+                      <a:tailEnd type="none" w="med" len="med"/>
+                    </a:lnB>
+                    <a:noFill/>
+                  </a:tcPr>
+                </a:tc>
+                <a:extLst>
+                  <a:ext uri="{0D108BD9-81ED-4DB2-BD59-A6C34878D82A}">
+                    <a16:rowId xmlns:a16="http://schemas.microsoft.com/office/drawing/2014/main" val="1717973562"/>
+                  </a:ext>
+                </a:extLst>
+              </a:tr>
+            </a:tbl>
+          </a:graphicData>
+        </a:graphic>
+      </p:graphicFrame>
+      <p:sp>
+        <p:nvSpPr>
+          <p:cNvPr id="12" name="正方形/長方形 11"/>
+          <p:cNvSpPr/>
+          <p:nvPr/>
+        </p:nvSpPr>
+        <p:spPr>
+          <a:xfrm>
+            <a:off x="9476510" y="1150245"/>
+            <a:ext cx="2630824" cy="1135755"/>
+          </a:xfrm>
+          <a:prstGeom prst="rect">
+            <a:avLst/>
+          </a:prstGeom>
+          <a:noFill/>
+          <a:ln>
+            <a:solidFill>
+              <a:schemeClr val="tx1"/>
+            </a:solidFill>
+          </a:ln>
+        </p:spPr>
+        <p:style>
+          <a:lnRef idx="2">
+            <a:schemeClr val="accent1">
+              <a:shade val="50000"/>
+            </a:schemeClr>
+          </a:lnRef>
+          <a:fillRef idx="1">
+            <a:schemeClr val="accent1"/>
+          </a:fillRef>
+          <a:effectRef idx="0">
+            <a:schemeClr val="accent1"/>
+          </a:effectRef>
+          <a:fontRef idx="minor">
+            <a:schemeClr val="lt1"/>
+          </a:fontRef>
+        </p:style>
+        <p:txBody>
+          <a:bodyPr rtlCol="0" anchor="t" anchorCtr="0"/>
+          <a:lstStyle/>
+          <a:p>
+            <a:r>
+              <a:rPr kumimoji="1" lang="en-US" altLang="ja-JP" sz="1100" dirty="0" smtClean="0">
+                <a:solidFill>
+                  <a:schemeClr val="tx1"/>
+                </a:solidFill>
+                <a:latin typeface="Meiryo UI" panose="020B0604030504040204" pitchFamily="50" charset="-128"/>
+                <a:ea typeface="Meiryo UI" panose="020B0604030504040204" pitchFamily="50" charset="-128"/>
+              </a:rPr>
+              <a:t>【</a:t>
+            </a:r>
+            <a:r>
+              <a:rPr kumimoji="1" lang="ja-JP" altLang="en-US" sz="1100" dirty="0" smtClean="0">
+                <a:solidFill>
+                  <a:schemeClr val="tx1"/>
+                </a:solidFill>
+                <a:latin typeface="Meiryo UI" panose="020B0604030504040204" pitchFamily="50" charset="-128"/>
+                <a:ea typeface="Meiryo UI" panose="020B0604030504040204" pitchFamily="50" charset="-128"/>
+              </a:rPr>
+              <a:t>対象レコード</a:t>
+            </a:r>
+            <a:r>
+              <a:rPr kumimoji="1" lang="en-US" altLang="ja-JP" sz="1100" dirty="0" smtClean="0">
+                <a:solidFill>
+                  <a:schemeClr val="tx1"/>
+                </a:solidFill>
+                <a:latin typeface="Meiryo UI" panose="020B0604030504040204" pitchFamily="50" charset="-128"/>
+                <a:ea typeface="Meiryo UI" panose="020B0604030504040204" pitchFamily="50" charset="-128"/>
+              </a:rPr>
+              <a:t>】</a:t>
+            </a:r>
+          </a:p>
+          <a:p>
+            <a:r>
+              <a:rPr lang="ja-JP" altLang="en-US" sz="1100" dirty="0" smtClean="0">
+                <a:solidFill>
+                  <a:schemeClr val="tx1"/>
+                </a:solidFill>
+                <a:latin typeface="Meiryo UI" panose="020B0604030504040204" pitchFamily="50" charset="-128"/>
+                <a:ea typeface="Meiryo UI" panose="020B0604030504040204" pitchFamily="50" charset="-128"/>
+              </a:rPr>
+              <a:t>給与</a:t>
+            </a:r>
+            <a:r>
+              <a:rPr lang="ja-JP" altLang="en-US" sz="1100" dirty="0">
+                <a:solidFill>
+                  <a:schemeClr val="tx1"/>
+                </a:solidFill>
+                <a:latin typeface="Meiryo UI" panose="020B0604030504040204" pitchFamily="50" charset="-128"/>
+                <a:ea typeface="Meiryo UI" panose="020B0604030504040204" pitchFamily="50" charset="-128"/>
+              </a:rPr>
+              <a:t>振込口座マスター</a:t>
+            </a:r>
+            <a:r>
+              <a:rPr lang="en-US" altLang="ja-JP" sz="1100" dirty="0">
+                <a:solidFill>
+                  <a:schemeClr val="tx1"/>
+                </a:solidFill>
+                <a:latin typeface="Meiryo UI" panose="020B0604030504040204" pitchFamily="50" charset="-128"/>
+                <a:ea typeface="Meiryo UI" panose="020B0604030504040204" pitchFamily="50" charset="-128"/>
+              </a:rPr>
+              <a:t>.</a:t>
+            </a:r>
+            <a:r>
+              <a:rPr lang="ja-JP" altLang="en-US" sz="1100" dirty="0">
+                <a:solidFill>
+                  <a:schemeClr val="tx1"/>
+                </a:solidFill>
+                <a:latin typeface="Meiryo UI" panose="020B0604030504040204" pitchFamily="50" charset="-128"/>
+                <a:ea typeface="Meiryo UI" panose="020B0604030504040204" pitchFamily="50" charset="-128"/>
+              </a:rPr>
+              <a:t>削除</a:t>
+            </a:r>
+            <a:r>
+              <a:rPr lang="ja-JP" altLang="en-US" sz="1100" dirty="0" smtClean="0">
+                <a:solidFill>
+                  <a:schemeClr val="tx1"/>
+                </a:solidFill>
+                <a:latin typeface="Meiryo UI" panose="020B0604030504040204" pitchFamily="50" charset="-128"/>
+                <a:ea typeface="Meiryo UI" panose="020B0604030504040204" pitchFamily="50" charset="-128"/>
+              </a:rPr>
+              <a:t>日付</a:t>
+            </a:r>
+            <a:r>
+              <a:rPr lang="en-US" altLang="ja-JP" sz="1100" dirty="0" smtClean="0">
+                <a:solidFill>
+                  <a:schemeClr val="tx1"/>
+                </a:solidFill>
+                <a:latin typeface="Meiryo UI" panose="020B0604030504040204" pitchFamily="50" charset="-128"/>
+                <a:ea typeface="Meiryo UI" panose="020B0604030504040204" pitchFamily="50" charset="-128"/>
+              </a:rPr>
+              <a:t>&lt;&gt;</a:t>
+            </a:r>
+            <a:r>
+              <a:rPr lang="ja-JP" altLang="en-US" sz="1100" dirty="0" smtClean="0">
+                <a:solidFill>
+                  <a:schemeClr val="tx1"/>
+                </a:solidFill>
+                <a:latin typeface="Meiryo UI" panose="020B0604030504040204" pitchFamily="50" charset="-128"/>
+                <a:ea typeface="Meiryo UI" panose="020B0604030504040204" pitchFamily="50" charset="-128"/>
+              </a:rPr>
+              <a:t>空白</a:t>
+            </a:r>
+            <a:endParaRPr lang="ja-JP" altLang="en-US" sz="1100" dirty="0">
+              <a:solidFill>
+                <a:schemeClr val="tx1"/>
+              </a:solidFill>
+              <a:latin typeface="Meiryo UI" panose="020B0604030504040204" pitchFamily="50" charset="-128"/>
+              <a:ea typeface="Meiryo UI" panose="020B0604030504040204" pitchFamily="50" charset="-128"/>
+            </a:endParaRPr>
+          </a:p>
+          <a:p>
+            <a:endParaRPr kumimoji="1" lang="en-US" altLang="ja-JP" sz="1100" dirty="0" smtClean="0">
+              <a:latin typeface="Meiryo UI" panose="020B0604030504040204" pitchFamily="50" charset="-128"/>
+              <a:ea typeface="Meiryo UI" panose="020B0604030504040204" pitchFamily="50" charset="-128"/>
+            </a:endParaRPr>
+          </a:p>
+        </p:txBody>
+      </p:sp>
+      <p:sp>
+        <p:nvSpPr>
+          <p:cNvPr id="11" name="正方形/長方形 10"/>
+          <p:cNvSpPr/>
+          <p:nvPr/>
+        </p:nvSpPr>
+        <p:spPr>
+          <a:xfrm>
+            <a:off x="6093229" y="5511946"/>
+            <a:ext cx="1438101" cy="399011"/>
+          </a:xfrm>
+          <a:prstGeom prst="rect">
+            <a:avLst/>
+          </a:prstGeom>
+          <a:noFill/>
+          <a:ln w="19050">
+            <a:solidFill>
+              <a:schemeClr val="tx1"/>
+            </a:solidFill>
+          </a:ln>
+        </p:spPr>
+        <p:style>
+          <a:lnRef idx="2">
+            <a:schemeClr val="accent1">
+              <a:shade val="50000"/>
+            </a:schemeClr>
+          </a:lnRef>
+          <a:fillRef idx="1">
+            <a:schemeClr val="accent1"/>
+          </a:fillRef>
+          <a:effectRef idx="0">
+            <a:schemeClr val="accent1"/>
+          </a:effectRef>
+          <a:fontRef idx="minor">
+            <a:schemeClr val="lt1"/>
+          </a:fontRef>
+        </p:style>
+        <p:txBody>
+          <a:bodyPr rtlCol="0" anchor="ctr"/>
+          <a:lstStyle/>
+          <a:p>
+            <a:pPr algn="ctr"/>
+            <a:r>
+              <a:rPr kumimoji="1" lang="ja-JP" altLang="en-US" dirty="0" smtClean="0">
+                <a:solidFill>
+                  <a:schemeClr val="tx1"/>
+                </a:solidFill>
+                <a:latin typeface="Meiryo UI" panose="020B0604030504040204" pitchFamily="50" charset="-128"/>
+                <a:ea typeface="Meiryo UI" panose="020B0604030504040204" pitchFamily="50" charset="-128"/>
+              </a:rPr>
+              <a:t>削除</a:t>
+            </a:r>
+          </a:p>
+        </p:txBody>
+      </p:sp>
+    </p:spTree>
+    <p:extLst>
+      <p:ext uri="{BB962C8B-B14F-4D97-AF65-F5344CB8AC3E}">
+        <p14:creationId xmlns:p14="http://schemas.microsoft.com/office/powerpoint/2010/main" val="49837359"/>
       </p:ext>
     </p:extLst>
   </p:cSld>

--- a/Doc/2.UI/経理DB/画面イメージ（経理DB）.pptx
+++ b/Doc/2.UI/経理DB/画面イメージ（経理DB）.pptx
@@ -6646,7 +6646,7 @@
         <p:spPr>
           <a:xfrm>
             <a:off x="723207" y="850990"/>
-            <a:ext cx="8370917" cy="5009492"/>
+            <a:ext cx="8370917" cy="4851541"/>
           </a:xfrm>
           <a:prstGeom prst="rect">
             <a:avLst/>
@@ -6832,102 +6832,13 @@
       </p:sp>
       <p:sp>
         <p:nvSpPr>
-          <p:cNvPr id="13" name="正方形/長方形 12"/>
-          <p:cNvSpPr/>
-          <p:nvPr/>
-        </p:nvSpPr>
-        <p:spPr>
-          <a:xfrm>
-            <a:off x="2495666" y="1441381"/>
-            <a:ext cx="827579" cy="216551"/>
-          </a:xfrm>
-          <a:prstGeom prst="rect">
-            <a:avLst/>
-          </a:prstGeom>
-          <a:noFill/>
-          <a:ln>
-            <a:solidFill>
-              <a:schemeClr val="tx1"/>
-            </a:solidFill>
-          </a:ln>
-        </p:spPr>
-        <p:style>
-          <a:lnRef idx="2">
-            <a:schemeClr val="accent1">
-              <a:shade val="50000"/>
-            </a:schemeClr>
-          </a:lnRef>
-          <a:fillRef idx="1">
-            <a:schemeClr val="accent1"/>
-          </a:fillRef>
-          <a:effectRef idx="0">
-            <a:schemeClr val="accent1"/>
-          </a:effectRef>
-          <a:fontRef idx="minor">
-            <a:schemeClr val="lt1"/>
-          </a:fontRef>
-        </p:style>
-        <p:txBody>
-          <a:bodyPr rtlCol="0" anchor="ctr"/>
-          <a:lstStyle/>
-          <a:p>
-            <a:pPr algn="ctr"/>
-            <a:r>
-              <a:rPr lang="en-US" altLang="ja-JP" sz="1200" dirty="0" smtClean="0">
-                <a:solidFill>
-                  <a:schemeClr val="tx1"/>
-                </a:solidFill>
-                <a:latin typeface="Meiryo UI" panose="020B0604030504040204" pitchFamily="50" charset="-128"/>
-                <a:ea typeface="Meiryo UI" panose="020B0604030504040204" pitchFamily="50" charset="-128"/>
-              </a:rPr>
-              <a:t>123456</a:t>
-            </a:r>
-            <a:endParaRPr kumimoji="1" lang="ja-JP" altLang="en-US" sz="1200" dirty="0">
-              <a:latin typeface="Meiryo UI" panose="020B0604030504040204" pitchFamily="50" charset="-128"/>
-              <a:ea typeface="Meiryo UI" panose="020B0604030504040204" pitchFamily="50" charset="-128"/>
-            </a:endParaRPr>
-          </a:p>
-        </p:txBody>
-      </p:sp>
-      <p:cxnSp>
-        <p:nvCxnSpPr>
-          <p:cNvPr id="11" name="直線コネクタ 10"/>
-          <p:cNvCxnSpPr/>
-          <p:nvPr/>
-        </p:nvCxnSpPr>
-        <p:spPr>
-          <a:xfrm>
-            <a:off x="838200" y="1862054"/>
-            <a:ext cx="8077200" cy="33256"/>
-          </a:xfrm>
-          <a:prstGeom prst="line">
-            <a:avLst/>
-          </a:prstGeom>
-        </p:spPr>
-        <p:style>
-          <a:lnRef idx="1">
-            <a:schemeClr val="dk1"/>
-          </a:lnRef>
-          <a:fillRef idx="0">
-            <a:schemeClr val="dk1"/>
-          </a:fillRef>
-          <a:effectRef idx="0">
-            <a:schemeClr val="dk1"/>
-          </a:effectRef>
-          <a:fontRef idx="minor">
-            <a:schemeClr val="tx1"/>
-          </a:fontRef>
-        </p:style>
-      </p:cxnSp>
-      <p:sp>
-        <p:nvSpPr>
           <p:cNvPr id="18" name="正方形/長方形 17"/>
           <p:cNvSpPr/>
           <p:nvPr/>
         </p:nvSpPr>
         <p:spPr>
           <a:xfrm>
-            <a:off x="1005840" y="2075624"/>
+            <a:off x="1005840" y="1851173"/>
             <a:ext cx="1330036" cy="216551"/>
           </a:xfrm>
           <a:prstGeom prst="rect">
@@ -6990,7 +6901,7 @@
         </p:nvSpPr>
         <p:spPr>
           <a:xfrm>
-            <a:off x="2412536" y="2076654"/>
+            <a:off x="2412536" y="1852203"/>
             <a:ext cx="1989976" cy="216551"/>
           </a:xfrm>
           <a:prstGeom prst="rect">
@@ -7029,82 +6940,16 @@
                 <a:latin typeface="Meiryo UI" panose="020B0604030504040204" pitchFamily="50" charset="-128"/>
                 <a:ea typeface="Meiryo UI" panose="020B0604030504040204" pitchFamily="50" charset="-128"/>
               </a:rPr>
-              <a:t>テスト　</a:t>
-            </a:r>
-            <a:r>
-              <a:rPr kumimoji="1" lang="ja-JP" altLang="en-US" sz="1200" dirty="0" smtClean="0">
-                <a:solidFill>
-                  <a:schemeClr val="tx1"/>
-                </a:solidFill>
-                <a:latin typeface="Meiryo UI" panose="020B0604030504040204" pitchFamily="50" charset="-128"/>
-                <a:ea typeface="Meiryo UI" panose="020B0604030504040204" pitchFamily="50" charset="-128"/>
-              </a:rPr>
-              <a:t>イチロウ</a:t>
+              <a:t>テスト　イチロウ</a:t>
             </a:r>
             <a:r>
               <a:rPr kumimoji="1" lang="ja-JP" altLang="en-US" sz="1050" dirty="0" smtClean="0">
                 <a:latin typeface="Meiryo UI" panose="020B0604030504040204" pitchFamily="50" charset="-128"/>
                 <a:ea typeface="Meiryo UI" panose="020B0604030504040204" pitchFamily="50" charset="-128"/>
               </a:rPr>
-              <a:t>社員</a:t>
-            </a:r>
-            <a:r>
-              <a:rPr kumimoji="1" lang="ja-JP" altLang="en-US" sz="1050" dirty="0" smtClean="0">
-                <a:latin typeface="Meiryo UI" panose="020B0604030504040204" pitchFamily="50" charset="-128"/>
-                <a:ea typeface="Meiryo UI" panose="020B0604030504040204" pitchFamily="50" charset="-128"/>
-              </a:rPr>
-              <a:t>コード</a:t>
+              <a:t>社員コード</a:t>
             </a:r>
             <a:endParaRPr kumimoji="1" lang="ja-JP" altLang="en-US" sz="1050" dirty="0">
-              <a:latin typeface="Meiryo UI" panose="020B0604030504040204" pitchFamily="50" charset="-128"/>
-              <a:ea typeface="Meiryo UI" panose="020B0604030504040204" pitchFamily="50" charset="-128"/>
-            </a:endParaRPr>
-          </a:p>
-        </p:txBody>
-      </p:sp>
-      <p:sp>
-        <p:nvSpPr>
-          <p:cNvPr id="21" name="正方形/長方形 20"/>
-          <p:cNvSpPr/>
-          <p:nvPr/>
-        </p:nvSpPr>
-        <p:spPr>
-          <a:xfrm>
-            <a:off x="1124066" y="2836759"/>
-            <a:ext cx="1330036" cy="216551"/>
-          </a:xfrm>
-          <a:prstGeom prst="rect">
-            <a:avLst/>
-          </a:prstGeom>
-        </p:spPr>
-        <p:style>
-          <a:lnRef idx="2">
-            <a:schemeClr val="accent1">
-              <a:shade val="50000"/>
-            </a:schemeClr>
-          </a:lnRef>
-          <a:fillRef idx="1">
-            <a:schemeClr val="accent1"/>
-          </a:fillRef>
-          <a:effectRef idx="0">
-            <a:schemeClr val="accent1"/>
-          </a:effectRef>
-          <a:fontRef idx="minor">
-            <a:schemeClr val="lt1"/>
-          </a:fontRef>
-        </p:style>
-        <p:txBody>
-          <a:bodyPr rtlCol="0" anchor="ctr"/>
-          <a:lstStyle/>
-          <a:p>
-            <a:r>
-              <a:rPr kumimoji="1" lang="ja-JP" altLang="en-US" sz="1200" dirty="0" smtClean="0">
-                <a:latin typeface="Meiryo UI" panose="020B0604030504040204" pitchFamily="50" charset="-128"/>
-                <a:ea typeface="Meiryo UI" panose="020B0604030504040204" pitchFamily="50" charset="-128"/>
-              </a:rPr>
-              <a:t>銀行コード</a:t>
-            </a:r>
-            <a:endParaRPr kumimoji="1" lang="en-US" altLang="ja-JP" sz="1200" dirty="0" smtClean="0">
               <a:latin typeface="Meiryo UI" panose="020B0604030504040204" pitchFamily="50" charset="-128"/>
               <a:ea typeface="Meiryo UI" panose="020B0604030504040204" pitchFamily="50" charset="-128"/>
             </a:endParaRPr>
@@ -7119,7 +6964,7 @@
         </p:nvSpPr>
         <p:spPr>
           <a:xfrm>
-            <a:off x="7492539" y="5303845"/>
+            <a:off x="7492539" y="5079394"/>
             <a:ext cx="1438101" cy="399011"/>
           </a:xfrm>
           <a:prstGeom prst="rect">
@@ -7163,1165 +7008,6 @@
               </a:rPr>
               <a:t>閉じる</a:t>
             </a:r>
-          </a:p>
-        </p:txBody>
-      </p:sp>
-      <p:sp>
-        <p:nvSpPr>
-          <p:cNvPr id="20" name="正方形/長方形 19"/>
-          <p:cNvSpPr/>
-          <p:nvPr/>
-        </p:nvSpPr>
-        <p:spPr>
-          <a:xfrm>
-            <a:off x="7477299" y="1398822"/>
-            <a:ext cx="1438101" cy="399011"/>
-          </a:xfrm>
-          <a:prstGeom prst="rect">
-            <a:avLst/>
-          </a:prstGeom>
-          <a:noFill/>
-          <a:ln w="19050">
-            <a:solidFill>
-              <a:schemeClr val="tx1"/>
-            </a:solidFill>
-          </a:ln>
-        </p:spPr>
-        <p:style>
-          <a:lnRef idx="2">
-            <a:schemeClr val="accent1">
-              <a:shade val="50000"/>
-            </a:schemeClr>
-          </a:lnRef>
-          <a:fillRef idx="1">
-            <a:schemeClr val="accent1"/>
-          </a:fillRef>
-          <a:effectRef idx="0">
-            <a:schemeClr val="accent1"/>
-          </a:effectRef>
-          <a:fontRef idx="minor">
-            <a:schemeClr val="lt1"/>
-          </a:fontRef>
-        </p:style>
-        <p:txBody>
-          <a:bodyPr rtlCol="0" anchor="ctr"/>
-          <a:lstStyle/>
-          <a:p>
-            <a:pPr algn="ctr"/>
-            <a:r>
-              <a:rPr kumimoji="1" lang="ja-JP" altLang="en-US" dirty="0" smtClean="0">
-                <a:solidFill>
-                  <a:schemeClr val="tx1"/>
-                </a:solidFill>
-                <a:latin typeface="Meiryo UI" panose="020B0604030504040204" pitchFamily="50" charset="-128"/>
-                <a:ea typeface="Meiryo UI" panose="020B0604030504040204" pitchFamily="50" charset="-128"/>
-              </a:rPr>
-              <a:t>検索</a:t>
-            </a:r>
-          </a:p>
-        </p:txBody>
-      </p:sp>
-      <p:sp>
-        <p:nvSpPr>
-          <p:cNvPr id="22" name="正方形/長方形 21"/>
-          <p:cNvSpPr/>
-          <p:nvPr/>
-        </p:nvSpPr>
-        <p:spPr>
-          <a:xfrm>
-            <a:off x="1124065" y="3187637"/>
-            <a:ext cx="1330036" cy="216551"/>
-          </a:xfrm>
-          <a:prstGeom prst="rect">
-            <a:avLst/>
-          </a:prstGeom>
-        </p:spPr>
-        <p:style>
-          <a:lnRef idx="2">
-            <a:schemeClr val="accent1">
-              <a:shade val="50000"/>
-            </a:schemeClr>
-          </a:lnRef>
-          <a:fillRef idx="1">
-            <a:schemeClr val="accent1"/>
-          </a:fillRef>
-          <a:effectRef idx="0">
-            <a:schemeClr val="accent1"/>
-          </a:effectRef>
-          <a:fontRef idx="minor">
-            <a:schemeClr val="lt1"/>
-          </a:fontRef>
-        </p:style>
-        <p:txBody>
-          <a:bodyPr rtlCol="0" anchor="ctr"/>
-          <a:lstStyle/>
-          <a:p>
-            <a:r>
-              <a:rPr kumimoji="1" lang="ja-JP" altLang="en-US" sz="1200" dirty="0" smtClean="0">
-                <a:latin typeface="Meiryo UI" panose="020B0604030504040204" pitchFamily="50" charset="-128"/>
-                <a:ea typeface="Meiryo UI" panose="020B0604030504040204" pitchFamily="50" charset="-128"/>
-              </a:rPr>
-              <a:t>銀行カナ</a:t>
-            </a:r>
-            <a:endParaRPr kumimoji="1" lang="en-US" altLang="ja-JP" sz="1200" dirty="0" smtClean="0">
-              <a:latin typeface="Meiryo UI" panose="020B0604030504040204" pitchFamily="50" charset="-128"/>
-              <a:ea typeface="Meiryo UI" panose="020B0604030504040204" pitchFamily="50" charset="-128"/>
-            </a:endParaRPr>
-          </a:p>
-        </p:txBody>
-      </p:sp>
-      <p:sp>
-        <p:nvSpPr>
-          <p:cNvPr id="23" name="正方形/長方形 22"/>
-          <p:cNvSpPr/>
-          <p:nvPr/>
-        </p:nvSpPr>
-        <p:spPr>
-          <a:xfrm>
-            <a:off x="1124065" y="3543869"/>
-            <a:ext cx="1330036" cy="216551"/>
-          </a:xfrm>
-          <a:prstGeom prst="rect">
-            <a:avLst/>
-          </a:prstGeom>
-        </p:spPr>
-        <p:style>
-          <a:lnRef idx="2">
-            <a:schemeClr val="accent1">
-              <a:shade val="50000"/>
-            </a:schemeClr>
-          </a:lnRef>
-          <a:fillRef idx="1">
-            <a:schemeClr val="accent1"/>
-          </a:fillRef>
-          <a:effectRef idx="0">
-            <a:schemeClr val="accent1"/>
-          </a:effectRef>
-          <a:fontRef idx="minor">
-            <a:schemeClr val="lt1"/>
-          </a:fontRef>
-        </p:style>
-        <p:txBody>
-          <a:bodyPr rtlCol="0" anchor="ctr"/>
-          <a:lstStyle/>
-          <a:p>
-            <a:r>
-              <a:rPr kumimoji="1" lang="ja-JP" altLang="en-US" sz="1200" dirty="0" smtClean="0">
-                <a:latin typeface="Meiryo UI" panose="020B0604030504040204" pitchFamily="50" charset="-128"/>
-                <a:ea typeface="Meiryo UI" panose="020B0604030504040204" pitchFamily="50" charset="-128"/>
-              </a:rPr>
-              <a:t>支店カナ</a:t>
-            </a:r>
-            <a:endParaRPr kumimoji="1" lang="en-US" altLang="ja-JP" sz="1200" dirty="0" smtClean="0">
-              <a:latin typeface="Meiryo UI" panose="020B0604030504040204" pitchFamily="50" charset="-128"/>
-              <a:ea typeface="Meiryo UI" panose="020B0604030504040204" pitchFamily="50" charset="-128"/>
-            </a:endParaRPr>
-          </a:p>
-        </p:txBody>
-      </p:sp>
-      <p:sp>
-        <p:nvSpPr>
-          <p:cNvPr id="24" name="正方形/長方形 23"/>
-          <p:cNvSpPr/>
-          <p:nvPr/>
-        </p:nvSpPr>
-        <p:spPr>
-          <a:xfrm>
-            <a:off x="1124065" y="3900101"/>
-            <a:ext cx="1330036" cy="216551"/>
-          </a:xfrm>
-          <a:prstGeom prst="rect">
-            <a:avLst/>
-          </a:prstGeom>
-        </p:spPr>
-        <p:style>
-          <a:lnRef idx="2">
-            <a:schemeClr val="accent1">
-              <a:shade val="50000"/>
-            </a:schemeClr>
-          </a:lnRef>
-          <a:fillRef idx="1">
-            <a:schemeClr val="accent1"/>
-          </a:fillRef>
-          <a:effectRef idx="0">
-            <a:schemeClr val="accent1"/>
-          </a:effectRef>
-          <a:fontRef idx="minor">
-            <a:schemeClr val="lt1"/>
-          </a:fontRef>
-        </p:style>
-        <p:txBody>
-          <a:bodyPr rtlCol="0" anchor="ctr"/>
-          <a:lstStyle/>
-          <a:p>
-            <a:r>
-              <a:rPr kumimoji="1" lang="ja-JP" altLang="en-US" sz="1200" dirty="0" smtClean="0">
-                <a:latin typeface="Meiryo UI" panose="020B0604030504040204" pitchFamily="50" charset="-128"/>
-                <a:ea typeface="Meiryo UI" panose="020B0604030504040204" pitchFamily="50" charset="-128"/>
-              </a:rPr>
-              <a:t>種別コード</a:t>
-            </a:r>
-            <a:endParaRPr kumimoji="1" lang="en-US" altLang="ja-JP" sz="1200" dirty="0" smtClean="0">
-              <a:latin typeface="Meiryo UI" panose="020B0604030504040204" pitchFamily="50" charset="-128"/>
-              <a:ea typeface="Meiryo UI" panose="020B0604030504040204" pitchFamily="50" charset="-128"/>
-            </a:endParaRPr>
-          </a:p>
-        </p:txBody>
-      </p:sp>
-      <p:sp>
-        <p:nvSpPr>
-          <p:cNvPr id="25" name="正方形/長方形 24"/>
-          <p:cNvSpPr/>
-          <p:nvPr/>
-        </p:nvSpPr>
-        <p:spPr>
-          <a:xfrm>
-            <a:off x="1124065" y="4256333"/>
-            <a:ext cx="1330036" cy="216551"/>
-          </a:xfrm>
-          <a:prstGeom prst="rect">
-            <a:avLst/>
-          </a:prstGeom>
-        </p:spPr>
-        <p:style>
-          <a:lnRef idx="2">
-            <a:schemeClr val="accent1">
-              <a:shade val="50000"/>
-            </a:schemeClr>
-          </a:lnRef>
-          <a:fillRef idx="1">
-            <a:schemeClr val="accent1"/>
-          </a:fillRef>
-          <a:effectRef idx="0">
-            <a:schemeClr val="accent1"/>
-          </a:effectRef>
-          <a:fontRef idx="minor">
-            <a:schemeClr val="lt1"/>
-          </a:fontRef>
-        </p:style>
-        <p:txBody>
-          <a:bodyPr rtlCol="0" anchor="ctr"/>
-          <a:lstStyle/>
-          <a:p>
-            <a:r>
-              <a:rPr kumimoji="1" lang="ja-JP" altLang="en-US" sz="1200" dirty="0" smtClean="0">
-                <a:latin typeface="Meiryo UI" panose="020B0604030504040204" pitchFamily="50" charset="-128"/>
-                <a:ea typeface="Meiryo UI" panose="020B0604030504040204" pitchFamily="50" charset="-128"/>
-              </a:rPr>
-              <a:t>口座番号</a:t>
-            </a:r>
-            <a:endParaRPr kumimoji="1" lang="en-US" altLang="ja-JP" sz="1200" dirty="0" smtClean="0">
-              <a:latin typeface="Meiryo UI" panose="020B0604030504040204" pitchFamily="50" charset="-128"/>
-              <a:ea typeface="Meiryo UI" panose="020B0604030504040204" pitchFamily="50" charset="-128"/>
-            </a:endParaRPr>
-          </a:p>
-        </p:txBody>
-      </p:sp>
-      <p:sp>
-        <p:nvSpPr>
-          <p:cNvPr id="26" name="正方形/長方形 25"/>
-          <p:cNvSpPr/>
-          <p:nvPr/>
-        </p:nvSpPr>
-        <p:spPr>
-          <a:xfrm>
-            <a:off x="1124065" y="4612565"/>
-            <a:ext cx="1330036" cy="216551"/>
-          </a:xfrm>
-          <a:prstGeom prst="rect">
-            <a:avLst/>
-          </a:prstGeom>
-        </p:spPr>
-        <p:style>
-          <a:lnRef idx="2">
-            <a:schemeClr val="accent1">
-              <a:shade val="50000"/>
-            </a:schemeClr>
-          </a:lnRef>
-          <a:fillRef idx="1">
-            <a:schemeClr val="accent1"/>
-          </a:fillRef>
-          <a:effectRef idx="0">
-            <a:schemeClr val="accent1"/>
-          </a:effectRef>
-          <a:fontRef idx="minor">
-            <a:schemeClr val="lt1"/>
-          </a:fontRef>
-        </p:style>
-        <p:txBody>
-          <a:bodyPr rtlCol="0" anchor="ctr"/>
-          <a:lstStyle/>
-          <a:p>
-            <a:r>
-              <a:rPr lang="ja-JP" altLang="en-US" sz="1200" dirty="0" smtClean="0">
-                <a:latin typeface="Meiryo UI" panose="020B0604030504040204" pitchFamily="50" charset="-128"/>
-                <a:ea typeface="Meiryo UI" panose="020B0604030504040204" pitchFamily="50" charset="-128"/>
-              </a:rPr>
-              <a:t>取扱銀行</a:t>
-            </a:r>
-            <a:endParaRPr kumimoji="1" lang="en-US" altLang="ja-JP" sz="1200" dirty="0" smtClean="0">
-              <a:latin typeface="Meiryo UI" panose="020B0604030504040204" pitchFamily="50" charset="-128"/>
-              <a:ea typeface="Meiryo UI" panose="020B0604030504040204" pitchFamily="50" charset="-128"/>
-            </a:endParaRPr>
-          </a:p>
-        </p:txBody>
-      </p:sp>
-      <p:sp>
-        <p:nvSpPr>
-          <p:cNvPr id="2" name="正方形/長方形 1"/>
-          <p:cNvSpPr/>
-          <p:nvPr/>
-        </p:nvSpPr>
-        <p:spPr>
-          <a:xfrm>
-            <a:off x="1005838" y="2534778"/>
-            <a:ext cx="3798917" cy="2552619"/>
-          </a:xfrm>
-          <a:prstGeom prst="rect">
-            <a:avLst/>
-          </a:prstGeom>
-          <a:noFill/>
-          <a:ln w="19050">
-            <a:solidFill>
-              <a:schemeClr val="tx1"/>
-            </a:solidFill>
-          </a:ln>
-        </p:spPr>
-        <p:style>
-          <a:lnRef idx="2">
-            <a:schemeClr val="accent1">
-              <a:shade val="50000"/>
-            </a:schemeClr>
-          </a:lnRef>
-          <a:fillRef idx="1">
-            <a:schemeClr val="accent1"/>
-          </a:fillRef>
-          <a:effectRef idx="0">
-            <a:schemeClr val="accent1"/>
-          </a:effectRef>
-          <a:fontRef idx="minor">
-            <a:schemeClr val="lt1"/>
-          </a:fontRef>
-        </p:style>
-        <p:txBody>
-          <a:bodyPr rtlCol="0" anchor="t" anchorCtr="0"/>
-          <a:lstStyle/>
-          <a:p>
-            <a:r>
-              <a:rPr kumimoji="1" lang="ja-JP" altLang="en-US" sz="1200" dirty="0" smtClean="0">
-                <a:solidFill>
-                  <a:schemeClr val="tx1"/>
-                </a:solidFill>
-                <a:latin typeface="Meiryo UI" panose="020B0604030504040204" pitchFamily="50" charset="-128"/>
-                <a:ea typeface="Meiryo UI" panose="020B0604030504040204" pitchFamily="50" charset="-128"/>
-              </a:rPr>
-              <a:t>銀行情報</a:t>
-            </a:r>
-            <a:endParaRPr kumimoji="1" lang="ja-JP" altLang="en-US" sz="1200" dirty="0">
-              <a:solidFill>
-                <a:schemeClr val="tx1"/>
-              </a:solidFill>
-              <a:latin typeface="Meiryo UI" panose="020B0604030504040204" pitchFamily="50" charset="-128"/>
-              <a:ea typeface="Meiryo UI" panose="020B0604030504040204" pitchFamily="50" charset="-128"/>
-            </a:endParaRPr>
-          </a:p>
-        </p:txBody>
-      </p:sp>
-      <p:sp>
-        <p:nvSpPr>
-          <p:cNvPr id="35" name="正方形/長方形 34"/>
-          <p:cNvSpPr/>
-          <p:nvPr/>
-        </p:nvSpPr>
-        <p:spPr>
-          <a:xfrm>
-            <a:off x="2572330" y="2822408"/>
-            <a:ext cx="894077" cy="216551"/>
-          </a:xfrm>
-          <a:prstGeom prst="rect">
-            <a:avLst/>
-          </a:prstGeom>
-          <a:noFill/>
-          <a:ln>
-            <a:solidFill>
-              <a:schemeClr val="tx1"/>
-            </a:solidFill>
-          </a:ln>
-        </p:spPr>
-        <p:style>
-          <a:lnRef idx="2">
-            <a:schemeClr val="accent1">
-              <a:shade val="50000"/>
-            </a:schemeClr>
-          </a:lnRef>
-          <a:fillRef idx="1">
-            <a:schemeClr val="accent1"/>
-          </a:fillRef>
-          <a:effectRef idx="0">
-            <a:schemeClr val="accent1"/>
-          </a:effectRef>
-          <a:fontRef idx="minor">
-            <a:schemeClr val="lt1"/>
-          </a:fontRef>
-        </p:style>
-        <p:txBody>
-          <a:bodyPr rtlCol="0" anchor="ctr"/>
-          <a:lstStyle/>
-          <a:p>
-            <a:r>
-              <a:rPr lang="en-US" altLang="ja-JP" sz="1200" dirty="0">
-                <a:solidFill>
-                  <a:schemeClr val="tx1"/>
-                </a:solidFill>
-                <a:latin typeface="Meiryo UI" panose="020B0604030504040204" pitchFamily="50" charset="-128"/>
-                <a:ea typeface="Meiryo UI" panose="020B0604030504040204" pitchFamily="50" charset="-128"/>
-              </a:rPr>
-              <a:t>0005869</a:t>
-            </a:r>
-            <a:endParaRPr kumimoji="1" lang="ja-JP" altLang="en-US" sz="1200" dirty="0">
-              <a:solidFill>
-                <a:schemeClr val="tx1"/>
-              </a:solidFill>
-              <a:latin typeface="Meiryo UI" panose="020B0604030504040204" pitchFamily="50" charset="-128"/>
-              <a:ea typeface="Meiryo UI" panose="020B0604030504040204" pitchFamily="50" charset="-128"/>
-            </a:endParaRPr>
-          </a:p>
-        </p:txBody>
-      </p:sp>
-      <p:sp>
-        <p:nvSpPr>
-          <p:cNvPr id="36" name="正方形/長方形 35"/>
-          <p:cNvSpPr/>
-          <p:nvPr/>
-        </p:nvSpPr>
-        <p:spPr>
-          <a:xfrm>
-            <a:off x="2586412" y="3191767"/>
-            <a:ext cx="1989976" cy="216551"/>
-          </a:xfrm>
-          <a:prstGeom prst="rect">
-            <a:avLst/>
-          </a:prstGeom>
-          <a:noFill/>
-          <a:ln>
-            <a:noFill/>
-          </a:ln>
-        </p:spPr>
-        <p:style>
-          <a:lnRef idx="2">
-            <a:schemeClr val="accent1">
-              <a:shade val="50000"/>
-            </a:schemeClr>
-          </a:lnRef>
-          <a:fillRef idx="1">
-            <a:schemeClr val="accent1"/>
-          </a:fillRef>
-          <a:effectRef idx="0">
-            <a:schemeClr val="accent1"/>
-          </a:effectRef>
-          <a:fontRef idx="minor">
-            <a:schemeClr val="lt1"/>
-          </a:fontRef>
-        </p:style>
-        <p:txBody>
-          <a:bodyPr rtlCol="0" anchor="ctr"/>
-          <a:lstStyle/>
-          <a:p>
-            <a:r>
-              <a:rPr lang="ja-JP" altLang="en-US" sz="1200" dirty="0">
-                <a:solidFill>
-                  <a:schemeClr val="tx1"/>
-                </a:solidFill>
-                <a:latin typeface="Meiryo UI" panose="020B0604030504040204" pitchFamily="50" charset="-128"/>
-                <a:ea typeface="Meiryo UI" panose="020B0604030504040204" pitchFamily="50" charset="-128"/>
-              </a:rPr>
-              <a:t>ﾐﾂﾋﾞｼﾕ</a:t>
-            </a:r>
-            <a:r>
-              <a:rPr lang="en-US" altLang="ja-JP" sz="1200" dirty="0">
-                <a:solidFill>
-                  <a:schemeClr val="tx1"/>
-                </a:solidFill>
-                <a:latin typeface="Meiryo UI" panose="020B0604030504040204" pitchFamily="50" charset="-128"/>
-                <a:ea typeface="Meiryo UI" panose="020B0604030504040204" pitchFamily="50" charset="-128"/>
-              </a:rPr>
-              <a:t>-</a:t>
-            </a:r>
-            <a:r>
-              <a:rPr lang="ja-JP" altLang="en-US" sz="1200" dirty="0">
-                <a:solidFill>
-                  <a:schemeClr val="tx1"/>
-                </a:solidFill>
-                <a:latin typeface="Meiryo UI" panose="020B0604030504040204" pitchFamily="50" charset="-128"/>
-                <a:ea typeface="Meiryo UI" panose="020B0604030504040204" pitchFamily="50" charset="-128"/>
-              </a:rPr>
-              <a:t>ｴﾌｼﾞｴｲ</a:t>
-            </a:r>
-            <a:endParaRPr kumimoji="1" lang="ja-JP" altLang="en-US" sz="1200" dirty="0">
-              <a:solidFill>
-                <a:schemeClr val="tx1"/>
-              </a:solidFill>
-              <a:latin typeface="Meiryo UI" panose="020B0604030504040204" pitchFamily="50" charset="-128"/>
-              <a:ea typeface="Meiryo UI" panose="020B0604030504040204" pitchFamily="50" charset="-128"/>
-            </a:endParaRPr>
-          </a:p>
-        </p:txBody>
-      </p:sp>
-      <p:sp>
-        <p:nvSpPr>
-          <p:cNvPr id="37" name="正方形/長方形 36"/>
-          <p:cNvSpPr/>
-          <p:nvPr/>
-        </p:nvSpPr>
-        <p:spPr>
-          <a:xfrm>
-            <a:off x="2572328" y="3570156"/>
-            <a:ext cx="1989976" cy="216551"/>
-          </a:xfrm>
-          <a:prstGeom prst="rect">
-            <a:avLst/>
-          </a:prstGeom>
-          <a:noFill/>
-          <a:ln>
-            <a:noFill/>
-          </a:ln>
-        </p:spPr>
-        <p:style>
-          <a:lnRef idx="2">
-            <a:schemeClr val="accent1">
-              <a:shade val="50000"/>
-            </a:schemeClr>
-          </a:lnRef>
-          <a:fillRef idx="1">
-            <a:schemeClr val="accent1"/>
-          </a:fillRef>
-          <a:effectRef idx="0">
-            <a:schemeClr val="accent1"/>
-          </a:effectRef>
-          <a:fontRef idx="minor">
-            <a:schemeClr val="lt1"/>
-          </a:fontRef>
-        </p:style>
-        <p:txBody>
-          <a:bodyPr rtlCol="0" anchor="ctr"/>
-          <a:lstStyle/>
-          <a:p>
-            <a:r>
-              <a:rPr lang="ja-JP" altLang="en-US" sz="1200" dirty="0">
-                <a:solidFill>
-                  <a:schemeClr val="tx1"/>
-                </a:solidFill>
-                <a:latin typeface="Meiryo UI" panose="020B0604030504040204" pitchFamily="50" charset="-128"/>
-                <a:ea typeface="Meiryo UI" panose="020B0604030504040204" pitchFamily="50" charset="-128"/>
-              </a:rPr>
-              <a:t>ﾅﾂｸﾞﾓ</a:t>
-            </a:r>
-            <a:endParaRPr kumimoji="1" lang="ja-JP" altLang="en-US" sz="1200" dirty="0">
-              <a:solidFill>
-                <a:schemeClr val="tx1"/>
-              </a:solidFill>
-              <a:latin typeface="Meiryo UI" panose="020B0604030504040204" pitchFamily="50" charset="-128"/>
-              <a:ea typeface="Meiryo UI" panose="020B0604030504040204" pitchFamily="50" charset="-128"/>
-            </a:endParaRPr>
-          </a:p>
-        </p:txBody>
-      </p:sp>
-      <p:sp>
-        <p:nvSpPr>
-          <p:cNvPr id="38" name="正方形/長方形 37"/>
-          <p:cNvSpPr/>
-          <p:nvPr/>
-        </p:nvSpPr>
-        <p:spPr>
-          <a:xfrm>
-            <a:off x="2572328" y="4256332"/>
-            <a:ext cx="894079" cy="216551"/>
-          </a:xfrm>
-          <a:prstGeom prst="rect">
-            <a:avLst/>
-          </a:prstGeom>
-          <a:noFill/>
-          <a:ln>
-            <a:solidFill>
-              <a:schemeClr val="tx1"/>
-            </a:solidFill>
-          </a:ln>
-        </p:spPr>
-        <p:style>
-          <a:lnRef idx="2">
-            <a:schemeClr val="accent1">
-              <a:shade val="50000"/>
-            </a:schemeClr>
-          </a:lnRef>
-          <a:fillRef idx="1">
-            <a:schemeClr val="accent1"/>
-          </a:fillRef>
-          <a:effectRef idx="0">
-            <a:schemeClr val="accent1"/>
-          </a:effectRef>
-          <a:fontRef idx="minor">
-            <a:schemeClr val="lt1"/>
-          </a:fontRef>
-        </p:style>
-        <p:txBody>
-          <a:bodyPr rtlCol="0" anchor="ctr"/>
-          <a:lstStyle/>
-          <a:p>
-            <a:r>
-              <a:rPr kumimoji="1" lang="en-US" altLang="ja-JP" sz="1200" dirty="0" smtClean="0">
-                <a:solidFill>
-                  <a:schemeClr val="tx1"/>
-                </a:solidFill>
-                <a:latin typeface="Meiryo UI" panose="020B0604030504040204" pitchFamily="50" charset="-128"/>
-                <a:ea typeface="Meiryo UI" panose="020B0604030504040204" pitchFamily="50" charset="-128"/>
-              </a:rPr>
-              <a:t>1234567</a:t>
-            </a:r>
-            <a:endParaRPr kumimoji="1" lang="ja-JP" altLang="en-US" sz="1200" dirty="0">
-              <a:solidFill>
-                <a:schemeClr val="tx1"/>
-              </a:solidFill>
-              <a:latin typeface="Meiryo UI" panose="020B0604030504040204" pitchFamily="50" charset="-128"/>
-              <a:ea typeface="Meiryo UI" panose="020B0604030504040204" pitchFamily="50" charset="-128"/>
-            </a:endParaRPr>
-          </a:p>
-        </p:txBody>
-      </p:sp>
-      <p:sp>
-        <p:nvSpPr>
-          <p:cNvPr id="39" name="正方形/長方形 38"/>
-          <p:cNvSpPr/>
-          <p:nvPr/>
-        </p:nvSpPr>
-        <p:spPr>
-          <a:xfrm>
-            <a:off x="2572328" y="3930382"/>
-            <a:ext cx="894079" cy="216551"/>
-          </a:xfrm>
-          <a:prstGeom prst="rect">
-            <a:avLst/>
-          </a:prstGeom>
-          <a:noFill/>
-          <a:ln>
-            <a:solidFill>
-              <a:schemeClr val="tx1"/>
-            </a:solidFill>
-          </a:ln>
-        </p:spPr>
-        <p:style>
-          <a:lnRef idx="2">
-            <a:schemeClr val="accent1">
-              <a:shade val="50000"/>
-            </a:schemeClr>
-          </a:lnRef>
-          <a:fillRef idx="1">
-            <a:schemeClr val="accent1"/>
-          </a:fillRef>
-          <a:effectRef idx="0">
-            <a:schemeClr val="accent1"/>
-          </a:effectRef>
-          <a:fontRef idx="minor">
-            <a:schemeClr val="lt1"/>
-          </a:fontRef>
-        </p:style>
-        <p:txBody>
-          <a:bodyPr rtlCol="0" anchor="ctr"/>
-          <a:lstStyle/>
-          <a:p>
-            <a:r>
-              <a:rPr kumimoji="1" lang="en-US" altLang="ja-JP" sz="1200" dirty="0" smtClean="0">
-                <a:solidFill>
-                  <a:schemeClr val="tx1"/>
-                </a:solidFill>
-                <a:latin typeface="Meiryo UI" panose="020B0604030504040204" pitchFamily="50" charset="-128"/>
-                <a:ea typeface="Meiryo UI" panose="020B0604030504040204" pitchFamily="50" charset="-128"/>
-              </a:rPr>
-              <a:t>1</a:t>
-            </a:r>
-            <a:r>
-              <a:rPr kumimoji="1" lang="ja-JP" altLang="en-US" sz="1200" dirty="0" smtClean="0">
-                <a:solidFill>
-                  <a:schemeClr val="tx1"/>
-                </a:solidFill>
-                <a:latin typeface="Meiryo UI" panose="020B0604030504040204" pitchFamily="50" charset="-128"/>
-                <a:ea typeface="Meiryo UI" panose="020B0604030504040204" pitchFamily="50" charset="-128"/>
-              </a:rPr>
-              <a:t>：普通▽</a:t>
-            </a:r>
-            <a:endParaRPr kumimoji="1" lang="ja-JP" altLang="en-US" sz="1200" dirty="0">
-              <a:solidFill>
-                <a:schemeClr val="tx1"/>
-              </a:solidFill>
-              <a:latin typeface="Meiryo UI" panose="020B0604030504040204" pitchFamily="50" charset="-128"/>
-              <a:ea typeface="Meiryo UI" panose="020B0604030504040204" pitchFamily="50" charset="-128"/>
-            </a:endParaRPr>
-          </a:p>
-        </p:txBody>
-      </p:sp>
-      <p:sp>
-        <p:nvSpPr>
-          <p:cNvPr id="41" name="正方形/長方形 40"/>
-          <p:cNvSpPr/>
-          <p:nvPr/>
-        </p:nvSpPr>
-        <p:spPr>
-          <a:xfrm>
-            <a:off x="2572327" y="4612565"/>
-            <a:ext cx="619757" cy="216551"/>
-          </a:xfrm>
-          <a:prstGeom prst="rect">
-            <a:avLst/>
-          </a:prstGeom>
-          <a:noFill/>
-          <a:ln>
-            <a:solidFill>
-              <a:schemeClr val="tx1"/>
-            </a:solidFill>
-          </a:ln>
-        </p:spPr>
-        <p:style>
-          <a:lnRef idx="2">
-            <a:schemeClr val="accent1">
-              <a:shade val="50000"/>
-            </a:schemeClr>
-          </a:lnRef>
-          <a:fillRef idx="1">
-            <a:schemeClr val="accent1"/>
-          </a:fillRef>
-          <a:effectRef idx="0">
-            <a:schemeClr val="accent1"/>
-          </a:effectRef>
-          <a:fontRef idx="minor">
-            <a:schemeClr val="lt1"/>
-          </a:fontRef>
-        </p:style>
-        <p:txBody>
-          <a:bodyPr rtlCol="0" anchor="ctr"/>
-          <a:lstStyle/>
-          <a:p>
-            <a:r>
-              <a:rPr kumimoji="1" lang="en-US" altLang="ja-JP" sz="1200" dirty="0" smtClean="0">
-                <a:solidFill>
-                  <a:schemeClr val="tx1"/>
-                </a:solidFill>
-                <a:latin typeface="Meiryo UI" panose="020B0604030504040204" pitchFamily="50" charset="-128"/>
-                <a:ea typeface="Meiryo UI" panose="020B0604030504040204" pitchFamily="50" charset="-128"/>
-              </a:rPr>
-              <a:t>0001</a:t>
-            </a:r>
-            <a:endParaRPr kumimoji="1" lang="ja-JP" altLang="en-US" sz="1200" dirty="0">
-              <a:solidFill>
-                <a:schemeClr val="tx1"/>
-              </a:solidFill>
-              <a:latin typeface="Meiryo UI" panose="020B0604030504040204" pitchFamily="50" charset="-128"/>
-              <a:ea typeface="Meiryo UI" panose="020B0604030504040204" pitchFamily="50" charset="-128"/>
-            </a:endParaRPr>
-          </a:p>
-        </p:txBody>
-      </p:sp>
-      <p:sp>
-        <p:nvSpPr>
-          <p:cNvPr id="43" name="正方形/長方形 42"/>
-          <p:cNvSpPr/>
-          <p:nvPr/>
-        </p:nvSpPr>
-        <p:spPr>
-          <a:xfrm>
-            <a:off x="5234711" y="2836759"/>
-            <a:ext cx="1330036" cy="216551"/>
-          </a:xfrm>
-          <a:prstGeom prst="rect">
-            <a:avLst/>
-          </a:prstGeom>
-        </p:spPr>
-        <p:style>
-          <a:lnRef idx="2">
-            <a:schemeClr val="accent1">
-              <a:shade val="50000"/>
-            </a:schemeClr>
-          </a:lnRef>
-          <a:fillRef idx="1">
-            <a:schemeClr val="accent1"/>
-          </a:fillRef>
-          <a:effectRef idx="0">
-            <a:schemeClr val="accent1"/>
-          </a:effectRef>
-          <a:fontRef idx="minor">
-            <a:schemeClr val="lt1"/>
-          </a:fontRef>
-        </p:style>
-        <p:txBody>
-          <a:bodyPr rtlCol="0" anchor="ctr"/>
-          <a:lstStyle/>
-          <a:p>
-            <a:r>
-              <a:rPr kumimoji="1" lang="ja-JP" altLang="en-US" sz="1200" dirty="0" smtClean="0">
-                <a:latin typeface="Meiryo UI" panose="020B0604030504040204" pitchFamily="50" charset="-128"/>
-                <a:ea typeface="Meiryo UI" panose="020B0604030504040204" pitchFamily="50" charset="-128"/>
-              </a:rPr>
-              <a:t>銀行コード</a:t>
-            </a:r>
-            <a:endParaRPr kumimoji="1" lang="en-US" altLang="ja-JP" sz="1200" dirty="0" smtClean="0">
-              <a:latin typeface="Meiryo UI" panose="020B0604030504040204" pitchFamily="50" charset="-128"/>
-              <a:ea typeface="Meiryo UI" panose="020B0604030504040204" pitchFamily="50" charset="-128"/>
-            </a:endParaRPr>
-          </a:p>
-        </p:txBody>
-      </p:sp>
-      <p:sp>
-        <p:nvSpPr>
-          <p:cNvPr id="44" name="正方形/長方形 43"/>
-          <p:cNvSpPr/>
-          <p:nvPr/>
-        </p:nvSpPr>
-        <p:spPr>
-          <a:xfrm>
-            <a:off x="5234710" y="3187637"/>
-            <a:ext cx="1330036" cy="216551"/>
-          </a:xfrm>
-          <a:prstGeom prst="rect">
-            <a:avLst/>
-          </a:prstGeom>
-        </p:spPr>
-        <p:style>
-          <a:lnRef idx="2">
-            <a:schemeClr val="accent1">
-              <a:shade val="50000"/>
-            </a:schemeClr>
-          </a:lnRef>
-          <a:fillRef idx="1">
-            <a:schemeClr val="accent1"/>
-          </a:fillRef>
-          <a:effectRef idx="0">
-            <a:schemeClr val="accent1"/>
-          </a:effectRef>
-          <a:fontRef idx="minor">
-            <a:schemeClr val="lt1"/>
-          </a:fontRef>
-        </p:style>
-        <p:txBody>
-          <a:bodyPr rtlCol="0" anchor="ctr"/>
-          <a:lstStyle/>
-          <a:p>
-            <a:r>
-              <a:rPr kumimoji="1" lang="ja-JP" altLang="en-US" sz="1200" dirty="0" smtClean="0">
-                <a:latin typeface="Meiryo UI" panose="020B0604030504040204" pitchFamily="50" charset="-128"/>
-                <a:ea typeface="Meiryo UI" panose="020B0604030504040204" pitchFamily="50" charset="-128"/>
-              </a:rPr>
-              <a:t>銀行カナ</a:t>
-            </a:r>
-            <a:endParaRPr kumimoji="1" lang="en-US" altLang="ja-JP" sz="1200" dirty="0" smtClean="0">
-              <a:latin typeface="Meiryo UI" panose="020B0604030504040204" pitchFamily="50" charset="-128"/>
-              <a:ea typeface="Meiryo UI" panose="020B0604030504040204" pitchFamily="50" charset="-128"/>
-            </a:endParaRPr>
-          </a:p>
-        </p:txBody>
-      </p:sp>
-      <p:sp>
-        <p:nvSpPr>
-          <p:cNvPr id="45" name="正方形/長方形 44"/>
-          <p:cNvSpPr/>
-          <p:nvPr/>
-        </p:nvSpPr>
-        <p:spPr>
-          <a:xfrm>
-            <a:off x="5234710" y="3543869"/>
-            <a:ext cx="1330036" cy="216551"/>
-          </a:xfrm>
-          <a:prstGeom prst="rect">
-            <a:avLst/>
-          </a:prstGeom>
-        </p:spPr>
-        <p:style>
-          <a:lnRef idx="2">
-            <a:schemeClr val="accent1">
-              <a:shade val="50000"/>
-            </a:schemeClr>
-          </a:lnRef>
-          <a:fillRef idx="1">
-            <a:schemeClr val="accent1"/>
-          </a:fillRef>
-          <a:effectRef idx="0">
-            <a:schemeClr val="accent1"/>
-          </a:effectRef>
-          <a:fontRef idx="minor">
-            <a:schemeClr val="lt1"/>
-          </a:fontRef>
-        </p:style>
-        <p:txBody>
-          <a:bodyPr rtlCol="0" anchor="ctr"/>
-          <a:lstStyle/>
-          <a:p>
-            <a:r>
-              <a:rPr kumimoji="1" lang="ja-JP" altLang="en-US" sz="1200" dirty="0" smtClean="0">
-                <a:latin typeface="Meiryo UI" panose="020B0604030504040204" pitchFamily="50" charset="-128"/>
-                <a:ea typeface="Meiryo UI" panose="020B0604030504040204" pitchFamily="50" charset="-128"/>
-              </a:rPr>
-              <a:t>支店カナ</a:t>
-            </a:r>
-            <a:endParaRPr kumimoji="1" lang="en-US" altLang="ja-JP" sz="1200" dirty="0" smtClean="0">
-              <a:latin typeface="Meiryo UI" panose="020B0604030504040204" pitchFamily="50" charset="-128"/>
-              <a:ea typeface="Meiryo UI" panose="020B0604030504040204" pitchFamily="50" charset="-128"/>
-            </a:endParaRPr>
-          </a:p>
-        </p:txBody>
-      </p:sp>
-      <p:sp>
-        <p:nvSpPr>
-          <p:cNvPr id="46" name="正方形/長方形 45"/>
-          <p:cNvSpPr/>
-          <p:nvPr/>
-        </p:nvSpPr>
-        <p:spPr>
-          <a:xfrm>
-            <a:off x="5234710" y="3900101"/>
-            <a:ext cx="1330036" cy="216551"/>
-          </a:xfrm>
-          <a:prstGeom prst="rect">
-            <a:avLst/>
-          </a:prstGeom>
-        </p:spPr>
-        <p:style>
-          <a:lnRef idx="2">
-            <a:schemeClr val="accent1">
-              <a:shade val="50000"/>
-            </a:schemeClr>
-          </a:lnRef>
-          <a:fillRef idx="1">
-            <a:schemeClr val="accent1"/>
-          </a:fillRef>
-          <a:effectRef idx="0">
-            <a:schemeClr val="accent1"/>
-          </a:effectRef>
-          <a:fontRef idx="minor">
-            <a:schemeClr val="lt1"/>
-          </a:fontRef>
-        </p:style>
-        <p:txBody>
-          <a:bodyPr rtlCol="0" anchor="ctr"/>
-          <a:lstStyle/>
-          <a:p>
-            <a:r>
-              <a:rPr kumimoji="1" lang="ja-JP" altLang="en-US" sz="1200" dirty="0" smtClean="0">
-                <a:latin typeface="Meiryo UI" panose="020B0604030504040204" pitchFamily="50" charset="-128"/>
-                <a:ea typeface="Meiryo UI" panose="020B0604030504040204" pitchFamily="50" charset="-128"/>
-              </a:rPr>
-              <a:t>種別コード</a:t>
-            </a:r>
-            <a:endParaRPr kumimoji="1" lang="en-US" altLang="ja-JP" sz="1200" dirty="0" smtClean="0">
-              <a:latin typeface="Meiryo UI" panose="020B0604030504040204" pitchFamily="50" charset="-128"/>
-              <a:ea typeface="Meiryo UI" panose="020B0604030504040204" pitchFamily="50" charset="-128"/>
-            </a:endParaRPr>
-          </a:p>
-        </p:txBody>
-      </p:sp>
-      <p:sp>
-        <p:nvSpPr>
-          <p:cNvPr id="47" name="正方形/長方形 46"/>
-          <p:cNvSpPr/>
-          <p:nvPr/>
-        </p:nvSpPr>
-        <p:spPr>
-          <a:xfrm>
-            <a:off x="5234710" y="4256333"/>
-            <a:ext cx="1330036" cy="216551"/>
-          </a:xfrm>
-          <a:prstGeom prst="rect">
-            <a:avLst/>
-          </a:prstGeom>
-        </p:spPr>
-        <p:style>
-          <a:lnRef idx="2">
-            <a:schemeClr val="accent1">
-              <a:shade val="50000"/>
-            </a:schemeClr>
-          </a:lnRef>
-          <a:fillRef idx="1">
-            <a:schemeClr val="accent1"/>
-          </a:fillRef>
-          <a:effectRef idx="0">
-            <a:schemeClr val="accent1"/>
-          </a:effectRef>
-          <a:fontRef idx="minor">
-            <a:schemeClr val="lt1"/>
-          </a:fontRef>
-        </p:style>
-        <p:txBody>
-          <a:bodyPr rtlCol="0" anchor="ctr"/>
-          <a:lstStyle/>
-          <a:p>
-            <a:r>
-              <a:rPr kumimoji="1" lang="ja-JP" altLang="en-US" sz="1200" dirty="0" smtClean="0">
-                <a:latin typeface="Meiryo UI" panose="020B0604030504040204" pitchFamily="50" charset="-128"/>
-                <a:ea typeface="Meiryo UI" panose="020B0604030504040204" pitchFamily="50" charset="-128"/>
-              </a:rPr>
-              <a:t>口座番号</a:t>
-            </a:r>
-            <a:endParaRPr kumimoji="1" lang="en-US" altLang="ja-JP" sz="1200" dirty="0" smtClean="0">
-              <a:latin typeface="Meiryo UI" panose="020B0604030504040204" pitchFamily="50" charset="-128"/>
-              <a:ea typeface="Meiryo UI" panose="020B0604030504040204" pitchFamily="50" charset="-128"/>
-            </a:endParaRPr>
-          </a:p>
-        </p:txBody>
-      </p:sp>
-      <p:sp>
-        <p:nvSpPr>
-          <p:cNvPr id="48" name="正方形/長方形 47"/>
-          <p:cNvSpPr/>
-          <p:nvPr/>
-        </p:nvSpPr>
-        <p:spPr>
-          <a:xfrm>
-            <a:off x="5234710" y="4612565"/>
-            <a:ext cx="1330036" cy="216551"/>
-          </a:xfrm>
-          <a:prstGeom prst="rect">
-            <a:avLst/>
-          </a:prstGeom>
-        </p:spPr>
-        <p:style>
-          <a:lnRef idx="2">
-            <a:schemeClr val="accent1">
-              <a:shade val="50000"/>
-            </a:schemeClr>
-          </a:lnRef>
-          <a:fillRef idx="1">
-            <a:schemeClr val="accent1"/>
-          </a:fillRef>
-          <a:effectRef idx="0">
-            <a:schemeClr val="accent1"/>
-          </a:effectRef>
-          <a:fontRef idx="minor">
-            <a:schemeClr val="lt1"/>
-          </a:fontRef>
-        </p:style>
-        <p:txBody>
-          <a:bodyPr rtlCol="0" anchor="ctr"/>
-          <a:lstStyle/>
-          <a:p>
-            <a:r>
-              <a:rPr lang="ja-JP" altLang="en-US" sz="1200" dirty="0" smtClean="0">
-                <a:latin typeface="Meiryo UI" panose="020B0604030504040204" pitchFamily="50" charset="-128"/>
-                <a:ea typeface="Meiryo UI" panose="020B0604030504040204" pitchFamily="50" charset="-128"/>
-              </a:rPr>
-              <a:t>取扱銀行</a:t>
-            </a:r>
-            <a:endParaRPr kumimoji="1" lang="en-US" altLang="ja-JP" sz="1200" dirty="0" smtClean="0">
-              <a:latin typeface="Meiryo UI" panose="020B0604030504040204" pitchFamily="50" charset="-128"/>
-              <a:ea typeface="Meiryo UI" panose="020B0604030504040204" pitchFamily="50" charset="-128"/>
-            </a:endParaRPr>
-          </a:p>
-        </p:txBody>
-      </p:sp>
-      <p:sp>
-        <p:nvSpPr>
-          <p:cNvPr id="49" name="正方形/長方形 48"/>
-          <p:cNvSpPr/>
-          <p:nvPr/>
-        </p:nvSpPr>
-        <p:spPr>
-          <a:xfrm>
-            <a:off x="5116483" y="2534778"/>
-            <a:ext cx="3798917" cy="2552619"/>
-          </a:xfrm>
-          <a:prstGeom prst="rect">
-            <a:avLst/>
-          </a:prstGeom>
-          <a:noFill/>
-          <a:ln w="19050">
-            <a:solidFill>
-              <a:schemeClr val="tx1"/>
-            </a:solidFill>
-          </a:ln>
-        </p:spPr>
-        <p:style>
-          <a:lnRef idx="2">
-            <a:schemeClr val="accent1">
-              <a:shade val="50000"/>
-            </a:schemeClr>
-          </a:lnRef>
-          <a:fillRef idx="1">
-            <a:schemeClr val="accent1"/>
-          </a:fillRef>
-          <a:effectRef idx="0">
-            <a:schemeClr val="accent1"/>
-          </a:effectRef>
-          <a:fontRef idx="minor">
-            <a:schemeClr val="lt1"/>
-          </a:fontRef>
-        </p:style>
-        <p:txBody>
-          <a:bodyPr rtlCol="0" anchor="t" anchorCtr="0"/>
-          <a:lstStyle/>
-          <a:p>
-            <a:r>
-              <a:rPr kumimoji="1" lang="ja-JP" altLang="en-US" sz="1200" dirty="0" smtClean="0">
-                <a:solidFill>
-                  <a:schemeClr val="tx1"/>
-                </a:solidFill>
-                <a:latin typeface="Meiryo UI" panose="020B0604030504040204" pitchFamily="50" charset="-128"/>
-                <a:ea typeface="Meiryo UI" panose="020B0604030504040204" pitchFamily="50" charset="-128"/>
-              </a:rPr>
-              <a:t>預金銀行情報</a:t>
-            </a:r>
-            <a:endParaRPr kumimoji="1" lang="ja-JP" altLang="en-US" sz="1200" dirty="0">
-              <a:solidFill>
-                <a:schemeClr val="tx1"/>
-              </a:solidFill>
-              <a:latin typeface="Meiryo UI" panose="020B0604030504040204" pitchFamily="50" charset="-128"/>
-              <a:ea typeface="Meiryo UI" panose="020B0604030504040204" pitchFamily="50" charset="-128"/>
-            </a:endParaRPr>
-          </a:p>
-        </p:txBody>
-      </p:sp>
-      <p:sp>
-        <p:nvSpPr>
-          <p:cNvPr id="50" name="正方形/長方形 49"/>
-          <p:cNvSpPr/>
-          <p:nvPr/>
-        </p:nvSpPr>
-        <p:spPr>
-          <a:xfrm>
-            <a:off x="6682975" y="2822408"/>
-            <a:ext cx="619757" cy="216551"/>
-          </a:xfrm>
-          <a:prstGeom prst="rect">
-            <a:avLst/>
-          </a:prstGeom>
-          <a:noFill/>
-          <a:ln>
-            <a:solidFill>
-              <a:schemeClr val="tx1"/>
-            </a:solidFill>
-          </a:ln>
-        </p:spPr>
-        <p:style>
-          <a:lnRef idx="2">
-            <a:schemeClr val="accent1">
-              <a:shade val="50000"/>
-            </a:schemeClr>
-          </a:lnRef>
-          <a:fillRef idx="1">
-            <a:schemeClr val="accent1"/>
-          </a:fillRef>
-          <a:effectRef idx="0">
-            <a:schemeClr val="accent1"/>
-          </a:effectRef>
-          <a:fontRef idx="minor">
-            <a:schemeClr val="lt1"/>
-          </a:fontRef>
-        </p:style>
-        <p:txBody>
-          <a:bodyPr rtlCol="0" anchor="ctr"/>
-          <a:lstStyle/>
-          <a:p>
-            <a:endParaRPr kumimoji="1" lang="ja-JP" altLang="en-US" sz="1200" dirty="0">
-              <a:solidFill>
-                <a:schemeClr val="tx1"/>
-              </a:solidFill>
-              <a:latin typeface="Meiryo UI" panose="020B0604030504040204" pitchFamily="50" charset="-128"/>
-              <a:ea typeface="Meiryo UI" panose="020B0604030504040204" pitchFamily="50" charset="-128"/>
-            </a:endParaRPr>
           </a:p>
         </p:txBody>
       </p:sp>
@@ -8378,64 +7064,13 @@
       </p:sp>
       <p:sp>
         <p:nvSpPr>
-          <p:cNvPr id="55" name="正方形/長方形 54"/>
-          <p:cNvSpPr/>
-          <p:nvPr/>
-        </p:nvSpPr>
-        <p:spPr>
-          <a:xfrm>
-            <a:off x="6682972" y="4612565"/>
-            <a:ext cx="619757" cy="216551"/>
-          </a:xfrm>
-          <a:prstGeom prst="rect">
-            <a:avLst/>
-          </a:prstGeom>
-          <a:noFill/>
-          <a:ln>
-            <a:solidFill>
-              <a:schemeClr val="tx1"/>
-            </a:solidFill>
-          </a:ln>
-        </p:spPr>
-        <p:style>
-          <a:lnRef idx="2">
-            <a:schemeClr val="accent1">
-              <a:shade val="50000"/>
-            </a:schemeClr>
-          </a:lnRef>
-          <a:fillRef idx="1">
-            <a:schemeClr val="accent1"/>
-          </a:fillRef>
-          <a:effectRef idx="0">
-            <a:schemeClr val="accent1"/>
-          </a:effectRef>
-          <a:fontRef idx="minor">
-            <a:schemeClr val="lt1"/>
-          </a:fontRef>
-        </p:style>
-        <p:txBody>
-          <a:bodyPr rtlCol="0" anchor="ctr"/>
-          <a:lstStyle/>
-          <a:p>
-            <a:endParaRPr kumimoji="1" lang="ja-JP" altLang="en-US" sz="1200" dirty="0">
-              <a:solidFill>
-                <a:schemeClr val="tx1"/>
-              </a:solidFill>
-              <a:latin typeface="Meiryo UI" panose="020B0604030504040204" pitchFamily="50" charset="-128"/>
-              <a:ea typeface="Meiryo UI" panose="020B0604030504040204" pitchFamily="50" charset="-128"/>
-            </a:endParaRPr>
-          </a:p>
-        </p:txBody>
-      </p:sp>
-      <p:sp>
-        <p:nvSpPr>
           <p:cNvPr id="56" name="正方形/長方形 55"/>
           <p:cNvSpPr/>
           <p:nvPr/>
         </p:nvSpPr>
         <p:spPr>
           <a:xfrm>
-            <a:off x="5913122" y="5294748"/>
+            <a:off x="5913122" y="5070297"/>
             <a:ext cx="1438101" cy="399011"/>
           </a:xfrm>
           <a:prstGeom prst="rect">
@@ -8686,27 +7321,1664 @@
           </a:p>
         </p:txBody>
       </p:sp>
+      <p:grpSp>
+        <p:nvGrpSpPr>
+          <p:cNvPr id="8" name="グループ化 7"/>
+          <p:cNvGrpSpPr/>
+          <p:nvPr/>
+        </p:nvGrpSpPr>
+        <p:grpSpPr>
+          <a:xfrm>
+            <a:off x="1005838" y="2310327"/>
+            <a:ext cx="3798917" cy="2552619"/>
+            <a:chOff x="1005838" y="2534778"/>
+            <a:chExt cx="3798917" cy="2552619"/>
+          </a:xfrm>
+        </p:grpSpPr>
+        <p:sp>
+          <p:nvSpPr>
+            <p:cNvPr id="21" name="正方形/長方形 20"/>
+            <p:cNvSpPr/>
+            <p:nvPr/>
+          </p:nvSpPr>
+          <p:spPr>
+            <a:xfrm>
+              <a:off x="1124066" y="2836759"/>
+              <a:ext cx="1330036" cy="216551"/>
+            </a:xfrm>
+            <a:prstGeom prst="rect">
+              <a:avLst/>
+            </a:prstGeom>
+          </p:spPr>
+          <p:style>
+            <a:lnRef idx="2">
+              <a:schemeClr val="accent1">
+                <a:shade val="50000"/>
+              </a:schemeClr>
+            </a:lnRef>
+            <a:fillRef idx="1">
+              <a:schemeClr val="accent1"/>
+            </a:fillRef>
+            <a:effectRef idx="0">
+              <a:schemeClr val="accent1"/>
+            </a:effectRef>
+            <a:fontRef idx="minor">
+              <a:schemeClr val="lt1"/>
+            </a:fontRef>
+          </p:style>
+          <p:txBody>
+            <a:bodyPr rtlCol="0" anchor="ctr"/>
+            <a:lstStyle/>
+            <a:p>
+              <a:r>
+                <a:rPr kumimoji="1" lang="ja-JP" altLang="en-US" sz="1200" dirty="0" smtClean="0">
+                  <a:latin typeface="Meiryo UI" panose="020B0604030504040204" pitchFamily="50" charset="-128"/>
+                  <a:ea typeface="Meiryo UI" panose="020B0604030504040204" pitchFamily="50" charset="-128"/>
+                </a:rPr>
+                <a:t>銀行コード</a:t>
+              </a:r>
+              <a:endParaRPr kumimoji="1" lang="en-US" altLang="ja-JP" sz="1200" dirty="0" smtClean="0">
+                <a:latin typeface="Meiryo UI" panose="020B0604030504040204" pitchFamily="50" charset="-128"/>
+                <a:ea typeface="Meiryo UI" panose="020B0604030504040204" pitchFamily="50" charset="-128"/>
+              </a:endParaRPr>
+            </a:p>
+          </p:txBody>
+        </p:sp>
+        <p:sp>
+          <p:nvSpPr>
+            <p:cNvPr id="22" name="正方形/長方形 21"/>
+            <p:cNvSpPr/>
+            <p:nvPr/>
+          </p:nvSpPr>
+          <p:spPr>
+            <a:xfrm>
+              <a:off x="1124065" y="3187637"/>
+              <a:ext cx="1330036" cy="216551"/>
+            </a:xfrm>
+            <a:prstGeom prst="rect">
+              <a:avLst/>
+            </a:prstGeom>
+          </p:spPr>
+          <p:style>
+            <a:lnRef idx="2">
+              <a:schemeClr val="accent1">
+                <a:shade val="50000"/>
+              </a:schemeClr>
+            </a:lnRef>
+            <a:fillRef idx="1">
+              <a:schemeClr val="accent1"/>
+            </a:fillRef>
+            <a:effectRef idx="0">
+              <a:schemeClr val="accent1"/>
+            </a:effectRef>
+            <a:fontRef idx="minor">
+              <a:schemeClr val="lt1"/>
+            </a:fontRef>
+          </p:style>
+          <p:txBody>
+            <a:bodyPr rtlCol="0" anchor="ctr"/>
+            <a:lstStyle/>
+            <a:p>
+              <a:r>
+                <a:rPr kumimoji="1" lang="ja-JP" altLang="en-US" sz="1200" dirty="0" smtClean="0">
+                  <a:latin typeface="Meiryo UI" panose="020B0604030504040204" pitchFamily="50" charset="-128"/>
+                  <a:ea typeface="Meiryo UI" panose="020B0604030504040204" pitchFamily="50" charset="-128"/>
+                </a:rPr>
+                <a:t>銀行カナ</a:t>
+              </a:r>
+              <a:endParaRPr kumimoji="1" lang="en-US" altLang="ja-JP" sz="1200" dirty="0" smtClean="0">
+                <a:latin typeface="Meiryo UI" panose="020B0604030504040204" pitchFamily="50" charset="-128"/>
+                <a:ea typeface="Meiryo UI" panose="020B0604030504040204" pitchFamily="50" charset="-128"/>
+              </a:endParaRPr>
+            </a:p>
+          </p:txBody>
+        </p:sp>
+        <p:sp>
+          <p:nvSpPr>
+            <p:cNvPr id="23" name="正方形/長方形 22"/>
+            <p:cNvSpPr/>
+            <p:nvPr/>
+          </p:nvSpPr>
+          <p:spPr>
+            <a:xfrm>
+              <a:off x="1124065" y="3543869"/>
+              <a:ext cx="1330036" cy="216551"/>
+            </a:xfrm>
+            <a:prstGeom prst="rect">
+              <a:avLst/>
+            </a:prstGeom>
+          </p:spPr>
+          <p:style>
+            <a:lnRef idx="2">
+              <a:schemeClr val="accent1">
+                <a:shade val="50000"/>
+              </a:schemeClr>
+            </a:lnRef>
+            <a:fillRef idx="1">
+              <a:schemeClr val="accent1"/>
+            </a:fillRef>
+            <a:effectRef idx="0">
+              <a:schemeClr val="accent1"/>
+            </a:effectRef>
+            <a:fontRef idx="minor">
+              <a:schemeClr val="lt1"/>
+            </a:fontRef>
+          </p:style>
+          <p:txBody>
+            <a:bodyPr rtlCol="0" anchor="ctr"/>
+            <a:lstStyle/>
+            <a:p>
+              <a:r>
+                <a:rPr kumimoji="1" lang="ja-JP" altLang="en-US" sz="1200" dirty="0" smtClean="0">
+                  <a:latin typeface="Meiryo UI" panose="020B0604030504040204" pitchFamily="50" charset="-128"/>
+                  <a:ea typeface="Meiryo UI" panose="020B0604030504040204" pitchFamily="50" charset="-128"/>
+                </a:rPr>
+                <a:t>支店カナ</a:t>
+              </a:r>
+              <a:endParaRPr kumimoji="1" lang="en-US" altLang="ja-JP" sz="1200" dirty="0" smtClean="0">
+                <a:latin typeface="Meiryo UI" panose="020B0604030504040204" pitchFamily="50" charset="-128"/>
+                <a:ea typeface="Meiryo UI" panose="020B0604030504040204" pitchFamily="50" charset="-128"/>
+              </a:endParaRPr>
+            </a:p>
+          </p:txBody>
+        </p:sp>
+        <p:sp>
+          <p:nvSpPr>
+            <p:cNvPr id="24" name="正方形/長方形 23"/>
+            <p:cNvSpPr/>
+            <p:nvPr/>
+          </p:nvSpPr>
+          <p:spPr>
+            <a:xfrm>
+              <a:off x="1124065" y="3900101"/>
+              <a:ext cx="1330036" cy="216551"/>
+            </a:xfrm>
+            <a:prstGeom prst="rect">
+              <a:avLst/>
+            </a:prstGeom>
+          </p:spPr>
+          <p:style>
+            <a:lnRef idx="2">
+              <a:schemeClr val="accent1">
+                <a:shade val="50000"/>
+              </a:schemeClr>
+            </a:lnRef>
+            <a:fillRef idx="1">
+              <a:schemeClr val="accent1"/>
+            </a:fillRef>
+            <a:effectRef idx="0">
+              <a:schemeClr val="accent1"/>
+            </a:effectRef>
+            <a:fontRef idx="minor">
+              <a:schemeClr val="lt1"/>
+            </a:fontRef>
+          </p:style>
+          <p:txBody>
+            <a:bodyPr rtlCol="0" anchor="ctr"/>
+            <a:lstStyle/>
+            <a:p>
+              <a:r>
+                <a:rPr kumimoji="1" lang="ja-JP" altLang="en-US" sz="1200" dirty="0" smtClean="0">
+                  <a:latin typeface="Meiryo UI" panose="020B0604030504040204" pitchFamily="50" charset="-128"/>
+                  <a:ea typeface="Meiryo UI" panose="020B0604030504040204" pitchFamily="50" charset="-128"/>
+                </a:rPr>
+                <a:t>種別コード</a:t>
+              </a:r>
+              <a:endParaRPr kumimoji="1" lang="en-US" altLang="ja-JP" sz="1200" dirty="0" smtClean="0">
+                <a:latin typeface="Meiryo UI" panose="020B0604030504040204" pitchFamily="50" charset="-128"/>
+                <a:ea typeface="Meiryo UI" panose="020B0604030504040204" pitchFamily="50" charset="-128"/>
+              </a:endParaRPr>
+            </a:p>
+          </p:txBody>
+        </p:sp>
+        <p:sp>
+          <p:nvSpPr>
+            <p:cNvPr id="25" name="正方形/長方形 24"/>
+            <p:cNvSpPr/>
+            <p:nvPr/>
+          </p:nvSpPr>
+          <p:spPr>
+            <a:xfrm>
+              <a:off x="1124065" y="4256333"/>
+              <a:ext cx="1330036" cy="216551"/>
+            </a:xfrm>
+            <a:prstGeom prst="rect">
+              <a:avLst/>
+            </a:prstGeom>
+          </p:spPr>
+          <p:style>
+            <a:lnRef idx="2">
+              <a:schemeClr val="accent1">
+                <a:shade val="50000"/>
+              </a:schemeClr>
+            </a:lnRef>
+            <a:fillRef idx="1">
+              <a:schemeClr val="accent1"/>
+            </a:fillRef>
+            <a:effectRef idx="0">
+              <a:schemeClr val="accent1"/>
+            </a:effectRef>
+            <a:fontRef idx="minor">
+              <a:schemeClr val="lt1"/>
+            </a:fontRef>
+          </p:style>
+          <p:txBody>
+            <a:bodyPr rtlCol="0" anchor="ctr"/>
+            <a:lstStyle/>
+            <a:p>
+              <a:r>
+                <a:rPr kumimoji="1" lang="ja-JP" altLang="en-US" sz="1200" dirty="0" smtClean="0">
+                  <a:latin typeface="Meiryo UI" panose="020B0604030504040204" pitchFamily="50" charset="-128"/>
+                  <a:ea typeface="Meiryo UI" panose="020B0604030504040204" pitchFamily="50" charset="-128"/>
+                </a:rPr>
+                <a:t>口座番号</a:t>
+              </a:r>
+              <a:endParaRPr kumimoji="1" lang="en-US" altLang="ja-JP" sz="1200" dirty="0" smtClean="0">
+                <a:latin typeface="Meiryo UI" panose="020B0604030504040204" pitchFamily="50" charset="-128"/>
+                <a:ea typeface="Meiryo UI" panose="020B0604030504040204" pitchFamily="50" charset="-128"/>
+              </a:endParaRPr>
+            </a:p>
+          </p:txBody>
+        </p:sp>
+        <p:sp>
+          <p:nvSpPr>
+            <p:cNvPr id="26" name="正方形/長方形 25"/>
+            <p:cNvSpPr/>
+            <p:nvPr/>
+          </p:nvSpPr>
+          <p:spPr>
+            <a:xfrm>
+              <a:off x="1124065" y="4612565"/>
+              <a:ext cx="1330036" cy="216551"/>
+            </a:xfrm>
+            <a:prstGeom prst="rect">
+              <a:avLst/>
+            </a:prstGeom>
+          </p:spPr>
+          <p:style>
+            <a:lnRef idx="2">
+              <a:schemeClr val="accent1">
+                <a:shade val="50000"/>
+              </a:schemeClr>
+            </a:lnRef>
+            <a:fillRef idx="1">
+              <a:schemeClr val="accent1"/>
+            </a:fillRef>
+            <a:effectRef idx="0">
+              <a:schemeClr val="accent1"/>
+            </a:effectRef>
+            <a:fontRef idx="minor">
+              <a:schemeClr val="lt1"/>
+            </a:fontRef>
+          </p:style>
+          <p:txBody>
+            <a:bodyPr rtlCol="0" anchor="ctr"/>
+            <a:lstStyle/>
+            <a:p>
+              <a:r>
+                <a:rPr lang="ja-JP" altLang="en-US" sz="1200" dirty="0" smtClean="0">
+                  <a:latin typeface="Meiryo UI" panose="020B0604030504040204" pitchFamily="50" charset="-128"/>
+                  <a:ea typeface="Meiryo UI" panose="020B0604030504040204" pitchFamily="50" charset="-128"/>
+                </a:rPr>
+                <a:t>取扱銀行</a:t>
+              </a:r>
+              <a:endParaRPr kumimoji="1" lang="en-US" altLang="ja-JP" sz="1200" dirty="0" smtClean="0">
+                <a:latin typeface="Meiryo UI" panose="020B0604030504040204" pitchFamily="50" charset="-128"/>
+                <a:ea typeface="Meiryo UI" panose="020B0604030504040204" pitchFamily="50" charset="-128"/>
+              </a:endParaRPr>
+            </a:p>
+          </p:txBody>
+        </p:sp>
+        <p:sp>
+          <p:nvSpPr>
+            <p:cNvPr id="2" name="正方形/長方形 1"/>
+            <p:cNvSpPr/>
+            <p:nvPr/>
+          </p:nvSpPr>
+          <p:spPr>
+            <a:xfrm>
+              <a:off x="1005838" y="2534778"/>
+              <a:ext cx="3798917" cy="2552619"/>
+            </a:xfrm>
+            <a:prstGeom prst="rect">
+              <a:avLst/>
+            </a:prstGeom>
+            <a:noFill/>
+            <a:ln w="19050">
+              <a:solidFill>
+                <a:schemeClr val="tx1"/>
+              </a:solidFill>
+            </a:ln>
+          </p:spPr>
+          <p:style>
+            <a:lnRef idx="2">
+              <a:schemeClr val="accent1">
+                <a:shade val="50000"/>
+              </a:schemeClr>
+            </a:lnRef>
+            <a:fillRef idx="1">
+              <a:schemeClr val="accent1"/>
+            </a:fillRef>
+            <a:effectRef idx="0">
+              <a:schemeClr val="accent1"/>
+            </a:effectRef>
+            <a:fontRef idx="minor">
+              <a:schemeClr val="lt1"/>
+            </a:fontRef>
+          </p:style>
+          <p:txBody>
+            <a:bodyPr rtlCol="0" anchor="t" anchorCtr="0"/>
+            <a:lstStyle/>
+            <a:p>
+              <a:r>
+                <a:rPr kumimoji="1" lang="ja-JP" altLang="en-US" sz="1200" dirty="0" smtClean="0">
+                  <a:solidFill>
+                    <a:schemeClr val="tx1"/>
+                  </a:solidFill>
+                  <a:latin typeface="Meiryo UI" panose="020B0604030504040204" pitchFamily="50" charset="-128"/>
+                  <a:ea typeface="Meiryo UI" panose="020B0604030504040204" pitchFamily="50" charset="-128"/>
+                </a:rPr>
+                <a:t>銀行情報</a:t>
+              </a:r>
+              <a:endParaRPr kumimoji="1" lang="ja-JP" altLang="en-US" sz="1200" dirty="0">
+                <a:solidFill>
+                  <a:schemeClr val="tx1"/>
+                </a:solidFill>
+                <a:latin typeface="Meiryo UI" panose="020B0604030504040204" pitchFamily="50" charset="-128"/>
+                <a:ea typeface="Meiryo UI" panose="020B0604030504040204" pitchFamily="50" charset="-128"/>
+              </a:endParaRPr>
+            </a:p>
+          </p:txBody>
+        </p:sp>
+        <p:sp>
+          <p:nvSpPr>
+            <p:cNvPr id="35" name="正方形/長方形 34"/>
+            <p:cNvSpPr/>
+            <p:nvPr/>
+          </p:nvSpPr>
+          <p:spPr>
+            <a:xfrm>
+              <a:off x="2572330" y="2822408"/>
+              <a:ext cx="894077" cy="216551"/>
+            </a:xfrm>
+            <a:prstGeom prst="rect">
+              <a:avLst/>
+            </a:prstGeom>
+            <a:noFill/>
+            <a:ln>
+              <a:solidFill>
+                <a:schemeClr val="tx1"/>
+              </a:solidFill>
+            </a:ln>
+          </p:spPr>
+          <p:style>
+            <a:lnRef idx="2">
+              <a:schemeClr val="accent1">
+                <a:shade val="50000"/>
+              </a:schemeClr>
+            </a:lnRef>
+            <a:fillRef idx="1">
+              <a:schemeClr val="accent1"/>
+            </a:fillRef>
+            <a:effectRef idx="0">
+              <a:schemeClr val="accent1"/>
+            </a:effectRef>
+            <a:fontRef idx="minor">
+              <a:schemeClr val="lt1"/>
+            </a:fontRef>
+          </p:style>
+          <p:txBody>
+            <a:bodyPr rtlCol="0" anchor="ctr"/>
+            <a:lstStyle/>
+            <a:p>
+              <a:r>
+                <a:rPr lang="en-US" altLang="ja-JP" sz="1200" dirty="0">
+                  <a:solidFill>
+                    <a:schemeClr val="tx1"/>
+                  </a:solidFill>
+                  <a:latin typeface="Meiryo UI" panose="020B0604030504040204" pitchFamily="50" charset="-128"/>
+                  <a:ea typeface="Meiryo UI" panose="020B0604030504040204" pitchFamily="50" charset="-128"/>
+                </a:rPr>
+                <a:t>0005869</a:t>
+              </a:r>
+              <a:endParaRPr kumimoji="1" lang="ja-JP" altLang="en-US" sz="1200" dirty="0">
+                <a:solidFill>
+                  <a:schemeClr val="tx1"/>
+                </a:solidFill>
+                <a:latin typeface="Meiryo UI" panose="020B0604030504040204" pitchFamily="50" charset="-128"/>
+                <a:ea typeface="Meiryo UI" panose="020B0604030504040204" pitchFamily="50" charset="-128"/>
+              </a:endParaRPr>
+            </a:p>
+          </p:txBody>
+        </p:sp>
+        <p:sp>
+          <p:nvSpPr>
+            <p:cNvPr id="36" name="正方形/長方形 35"/>
+            <p:cNvSpPr/>
+            <p:nvPr/>
+          </p:nvSpPr>
+          <p:spPr>
+            <a:xfrm>
+              <a:off x="2586412" y="3191767"/>
+              <a:ext cx="1989976" cy="216551"/>
+            </a:xfrm>
+            <a:prstGeom prst="rect">
+              <a:avLst/>
+            </a:prstGeom>
+            <a:noFill/>
+            <a:ln>
+              <a:noFill/>
+            </a:ln>
+          </p:spPr>
+          <p:style>
+            <a:lnRef idx="2">
+              <a:schemeClr val="accent1">
+                <a:shade val="50000"/>
+              </a:schemeClr>
+            </a:lnRef>
+            <a:fillRef idx="1">
+              <a:schemeClr val="accent1"/>
+            </a:fillRef>
+            <a:effectRef idx="0">
+              <a:schemeClr val="accent1"/>
+            </a:effectRef>
+            <a:fontRef idx="minor">
+              <a:schemeClr val="lt1"/>
+            </a:fontRef>
+          </p:style>
+          <p:txBody>
+            <a:bodyPr rtlCol="0" anchor="ctr"/>
+            <a:lstStyle/>
+            <a:p>
+              <a:r>
+                <a:rPr lang="ja-JP" altLang="en-US" sz="1200" dirty="0">
+                  <a:solidFill>
+                    <a:schemeClr val="tx1"/>
+                  </a:solidFill>
+                  <a:latin typeface="Meiryo UI" panose="020B0604030504040204" pitchFamily="50" charset="-128"/>
+                  <a:ea typeface="Meiryo UI" panose="020B0604030504040204" pitchFamily="50" charset="-128"/>
+                </a:rPr>
+                <a:t>ﾐﾂﾋﾞｼﾕ</a:t>
+              </a:r>
+              <a:r>
+                <a:rPr lang="en-US" altLang="ja-JP" sz="1200" dirty="0">
+                  <a:solidFill>
+                    <a:schemeClr val="tx1"/>
+                  </a:solidFill>
+                  <a:latin typeface="Meiryo UI" panose="020B0604030504040204" pitchFamily="50" charset="-128"/>
+                  <a:ea typeface="Meiryo UI" panose="020B0604030504040204" pitchFamily="50" charset="-128"/>
+                </a:rPr>
+                <a:t>-</a:t>
+              </a:r>
+              <a:r>
+                <a:rPr lang="ja-JP" altLang="en-US" sz="1200" dirty="0">
+                  <a:solidFill>
+                    <a:schemeClr val="tx1"/>
+                  </a:solidFill>
+                  <a:latin typeface="Meiryo UI" panose="020B0604030504040204" pitchFamily="50" charset="-128"/>
+                  <a:ea typeface="Meiryo UI" panose="020B0604030504040204" pitchFamily="50" charset="-128"/>
+                </a:rPr>
+                <a:t>ｴﾌｼﾞｴｲ</a:t>
+              </a:r>
+              <a:endParaRPr kumimoji="1" lang="ja-JP" altLang="en-US" sz="1200" dirty="0">
+                <a:solidFill>
+                  <a:schemeClr val="tx1"/>
+                </a:solidFill>
+                <a:latin typeface="Meiryo UI" panose="020B0604030504040204" pitchFamily="50" charset="-128"/>
+                <a:ea typeface="Meiryo UI" panose="020B0604030504040204" pitchFamily="50" charset="-128"/>
+              </a:endParaRPr>
+            </a:p>
+          </p:txBody>
+        </p:sp>
+        <p:sp>
+          <p:nvSpPr>
+            <p:cNvPr id="37" name="正方形/長方形 36"/>
+            <p:cNvSpPr/>
+            <p:nvPr/>
+          </p:nvSpPr>
+          <p:spPr>
+            <a:xfrm>
+              <a:off x="2572328" y="3570156"/>
+              <a:ext cx="1989976" cy="216551"/>
+            </a:xfrm>
+            <a:prstGeom prst="rect">
+              <a:avLst/>
+            </a:prstGeom>
+            <a:noFill/>
+            <a:ln>
+              <a:noFill/>
+            </a:ln>
+          </p:spPr>
+          <p:style>
+            <a:lnRef idx="2">
+              <a:schemeClr val="accent1">
+                <a:shade val="50000"/>
+              </a:schemeClr>
+            </a:lnRef>
+            <a:fillRef idx="1">
+              <a:schemeClr val="accent1"/>
+            </a:fillRef>
+            <a:effectRef idx="0">
+              <a:schemeClr val="accent1"/>
+            </a:effectRef>
+            <a:fontRef idx="minor">
+              <a:schemeClr val="lt1"/>
+            </a:fontRef>
+          </p:style>
+          <p:txBody>
+            <a:bodyPr rtlCol="0" anchor="ctr"/>
+            <a:lstStyle/>
+            <a:p>
+              <a:r>
+                <a:rPr lang="ja-JP" altLang="en-US" sz="1200" dirty="0">
+                  <a:solidFill>
+                    <a:schemeClr val="tx1"/>
+                  </a:solidFill>
+                  <a:latin typeface="Meiryo UI" panose="020B0604030504040204" pitchFamily="50" charset="-128"/>
+                  <a:ea typeface="Meiryo UI" panose="020B0604030504040204" pitchFamily="50" charset="-128"/>
+                </a:rPr>
+                <a:t>ﾅﾂｸﾞﾓ</a:t>
+              </a:r>
+              <a:endParaRPr kumimoji="1" lang="ja-JP" altLang="en-US" sz="1200" dirty="0">
+                <a:solidFill>
+                  <a:schemeClr val="tx1"/>
+                </a:solidFill>
+                <a:latin typeface="Meiryo UI" panose="020B0604030504040204" pitchFamily="50" charset="-128"/>
+                <a:ea typeface="Meiryo UI" panose="020B0604030504040204" pitchFamily="50" charset="-128"/>
+              </a:endParaRPr>
+            </a:p>
+          </p:txBody>
+        </p:sp>
+        <p:sp>
+          <p:nvSpPr>
+            <p:cNvPr id="38" name="正方形/長方形 37"/>
+            <p:cNvSpPr/>
+            <p:nvPr/>
+          </p:nvSpPr>
+          <p:spPr>
+            <a:xfrm>
+              <a:off x="2572328" y="4256332"/>
+              <a:ext cx="894079" cy="216551"/>
+            </a:xfrm>
+            <a:prstGeom prst="rect">
+              <a:avLst/>
+            </a:prstGeom>
+            <a:noFill/>
+            <a:ln>
+              <a:solidFill>
+                <a:schemeClr val="tx1"/>
+              </a:solidFill>
+            </a:ln>
+          </p:spPr>
+          <p:style>
+            <a:lnRef idx="2">
+              <a:schemeClr val="accent1">
+                <a:shade val="50000"/>
+              </a:schemeClr>
+            </a:lnRef>
+            <a:fillRef idx="1">
+              <a:schemeClr val="accent1"/>
+            </a:fillRef>
+            <a:effectRef idx="0">
+              <a:schemeClr val="accent1"/>
+            </a:effectRef>
+            <a:fontRef idx="minor">
+              <a:schemeClr val="lt1"/>
+            </a:fontRef>
+          </p:style>
+          <p:txBody>
+            <a:bodyPr rtlCol="0" anchor="ctr"/>
+            <a:lstStyle/>
+            <a:p>
+              <a:r>
+                <a:rPr kumimoji="1" lang="en-US" altLang="ja-JP" sz="1200" dirty="0" smtClean="0">
+                  <a:solidFill>
+                    <a:schemeClr val="tx1"/>
+                  </a:solidFill>
+                  <a:latin typeface="Meiryo UI" panose="020B0604030504040204" pitchFamily="50" charset="-128"/>
+                  <a:ea typeface="Meiryo UI" panose="020B0604030504040204" pitchFamily="50" charset="-128"/>
+                </a:rPr>
+                <a:t>1234567</a:t>
+              </a:r>
+              <a:endParaRPr kumimoji="1" lang="ja-JP" altLang="en-US" sz="1200" dirty="0">
+                <a:solidFill>
+                  <a:schemeClr val="tx1"/>
+                </a:solidFill>
+                <a:latin typeface="Meiryo UI" panose="020B0604030504040204" pitchFamily="50" charset="-128"/>
+                <a:ea typeface="Meiryo UI" panose="020B0604030504040204" pitchFamily="50" charset="-128"/>
+              </a:endParaRPr>
+            </a:p>
+          </p:txBody>
+        </p:sp>
+        <p:sp>
+          <p:nvSpPr>
+            <p:cNvPr id="39" name="正方形/長方形 38"/>
+            <p:cNvSpPr/>
+            <p:nvPr/>
+          </p:nvSpPr>
+          <p:spPr>
+            <a:xfrm>
+              <a:off x="2572328" y="3930382"/>
+              <a:ext cx="894079" cy="216551"/>
+            </a:xfrm>
+            <a:prstGeom prst="rect">
+              <a:avLst/>
+            </a:prstGeom>
+            <a:noFill/>
+            <a:ln>
+              <a:solidFill>
+                <a:schemeClr val="tx1"/>
+              </a:solidFill>
+            </a:ln>
+          </p:spPr>
+          <p:style>
+            <a:lnRef idx="2">
+              <a:schemeClr val="accent1">
+                <a:shade val="50000"/>
+              </a:schemeClr>
+            </a:lnRef>
+            <a:fillRef idx="1">
+              <a:schemeClr val="accent1"/>
+            </a:fillRef>
+            <a:effectRef idx="0">
+              <a:schemeClr val="accent1"/>
+            </a:effectRef>
+            <a:fontRef idx="minor">
+              <a:schemeClr val="lt1"/>
+            </a:fontRef>
+          </p:style>
+          <p:txBody>
+            <a:bodyPr rtlCol="0" anchor="ctr"/>
+            <a:lstStyle/>
+            <a:p>
+              <a:r>
+                <a:rPr kumimoji="1" lang="en-US" altLang="ja-JP" sz="1200" dirty="0" smtClean="0">
+                  <a:solidFill>
+                    <a:schemeClr val="tx1"/>
+                  </a:solidFill>
+                  <a:latin typeface="Meiryo UI" panose="020B0604030504040204" pitchFamily="50" charset="-128"/>
+                  <a:ea typeface="Meiryo UI" panose="020B0604030504040204" pitchFamily="50" charset="-128"/>
+                </a:rPr>
+                <a:t>1</a:t>
+              </a:r>
+              <a:r>
+                <a:rPr kumimoji="1" lang="ja-JP" altLang="en-US" sz="1200" dirty="0" smtClean="0">
+                  <a:solidFill>
+                    <a:schemeClr val="tx1"/>
+                  </a:solidFill>
+                  <a:latin typeface="Meiryo UI" panose="020B0604030504040204" pitchFamily="50" charset="-128"/>
+                  <a:ea typeface="Meiryo UI" panose="020B0604030504040204" pitchFamily="50" charset="-128"/>
+                </a:rPr>
+                <a:t>：普通▽</a:t>
+              </a:r>
+              <a:endParaRPr kumimoji="1" lang="ja-JP" altLang="en-US" sz="1200" dirty="0">
+                <a:solidFill>
+                  <a:schemeClr val="tx1"/>
+                </a:solidFill>
+                <a:latin typeface="Meiryo UI" panose="020B0604030504040204" pitchFamily="50" charset="-128"/>
+                <a:ea typeface="Meiryo UI" panose="020B0604030504040204" pitchFamily="50" charset="-128"/>
+              </a:endParaRPr>
+            </a:p>
+          </p:txBody>
+        </p:sp>
+        <p:sp>
+          <p:nvSpPr>
+            <p:cNvPr id="41" name="正方形/長方形 40"/>
+            <p:cNvSpPr/>
+            <p:nvPr/>
+          </p:nvSpPr>
+          <p:spPr>
+            <a:xfrm>
+              <a:off x="2572327" y="4612565"/>
+              <a:ext cx="619757" cy="216551"/>
+            </a:xfrm>
+            <a:prstGeom prst="rect">
+              <a:avLst/>
+            </a:prstGeom>
+            <a:noFill/>
+            <a:ln>
+              <a:solidFill>
+                <a:schemeClr val="tx1"/>
+              </a:solidFill>
+            </a:ln>
+          </p:spPr>
+          <p:style>
+            <a:lnRef idx="2">
+              <a:schemeClr val="accent1">
+                <a:shade val="50000"/>
+              </a:schemeClr>
+            </a:lnRef>
+            <a:fillRef idx="1">
+              <a:schemeClr val="accent1"/>
+            </a:fillRef>
+            <a:effectRef idx="0">
+              <a:schemeClr val="accent1"/>
+            </a:effectRef>
+            <a:fontRef idx="minor">
+              <a:schemeClr val="lt1"/>
+            </a:fontRef>
+          </p:style>
+          <p:txBody>
+            <a:bodyPr rtlCol="0" anchor="ctr"/>
+            <a:lstStyle/>
+            <a:p>
+              <a:r>
+                <a:rPr kumimoji="1" lang="en-US" altLang="ja-JP" sz="1200" dirty="0" smtClean="0">
+                  <a:solidFill>
+                    <a:schemeClr val="tx1"/>
+                  </a:solidFill>
+                  <a:latin typeface="Meiryo UI" panose="020B0604030504040204" pitchFamily="50" charset="-128"/>
+                  <a:ea typeface="Meiryo UI" panose="020B0604030504040204" pitchFamily="50" charset="-128"/>
+                </a:rPr>
+                <a:t>0001</a:t>
+              </a:r>
+              <a:endParaRPr kumimoji="1" lang="ja-JP" altLang="en-US" sz="1200" dirty="0">
+                <a:solidFill>
+                  <a:schemeClr val="tx1"/>
+                </a:solidFill>
+                <a:latin typeface="Meiryo UI" panose="020B0604030504040204" pitchFamily="50" charset="-128"/>
+                <a:ea typeface="Meiryo UI" panose="020B0604030504040204" pitchFamily="50" charset="-128"/>
+              </a:endParaRPr>
+            </a:p>
+          </p:txBody>
+        </p:sp>
+        <p:sp>
+          <p:nvSpPr>
+            <p:cNvPr id="58" name="正方形/長方形 57"/>
+            <p:cNvSpPr/>
+            <p:nvPr/>
+          </p:nvSpPr>
+          <p:spPr>
+            <a:xfrm>
+              <a:off x="3521828" y="2825347"/>
+              <a:ext cx="498766" cy="216551"/>
+            </a:xfrm>
+            <a:prstGeom prst="rect">
+              <a:avLst/>
+            </a:prstGeom>
+            <a:noFill/>
+            <a:ln>
+              <a:solidFill>
+                <a:schemeClr val="tx1"/>
+              </a:solidFill>
+            </a:ln>
+          </p:spPr>
+          <p:style>
+            <a:lnRef idx="2">
+              <a:schemeClr val="accent1">
+                <a:shade val="50000"/>
+              </a:schemeClr>
+            </a:lnRef>
+            <a:fillRef idx="1">
+              <a:schemeClr val="accent1"/>
+            </a:fillRef>
+            <a:effectRef idx="0">
+              <a:schemeClr val="accent1"/>
+            </a:effectRef>
+            <a:fontRef idx="minor">
+              <a:schemeClr val="lt1"/>
+            </a:fontRef>
+          </p:style>
+          <p:txBody>
+            <a:bodyPr rtlCol="0" anchor="ctr"/>
+            <a:lstStyle/>
+            <a:p>
+              <a:r>
+                <a:rPr kumimoji="1" lang="ja-JP" altLang="en-US" sz="1200" dirty="0" smtClean="0">
+                  <a:solidFill>
+                    <a:schemeClr val="tx1"/>
+                  </a:solidFill>
+                  <a:latin typeface="Meiryo UI" panose="020B0604030504040204" pitchFamily="50" charset="-128"/>
+                  <a:ea typeface="Meiryo UI" panose="020B0604030504040204" pitchFamily="50" charset="-128"/>
+                </a:rPr>
+                <a:t>検索</a:t>
+              </a:r>
+              <a:endParaRPr kumimoji="1" lang="ja-JP" altLang="en-US" sz="1200" dirty="0">
+                <a:solidFill>
+                  <a:schemeClr val="tx1"/>
+                </a:solidFill>
+                <a:latin typeface="Meiryo UI" panose="020B0604030504040204" pitchFamily="50" charset="-128"/>
+                <a:ea typeface="Meiryo UI" panose="020B0604030504040204" pitchFamily="50" charset="-128"/>
+              </a:endParaRPr>
+            </a:p>
+          </p:txBody>
+        </p:sp>
+        <p:sp>
+          <p:nvSpPr>
+            <p:cNvPr id="60" name="正方形/長方形 59"/>
+            <p:cNvSpPr/>
+            <p:nvPr/>
+          </p:nvSpPr>
+          <p:spPr>
+            <a:xfrm>
+              <a:off x="3254429" y="4615901"/>
+              <a:ext cx="498766" cy="216551"/>
+            </a:xfrm>
+            <a:prstGeom prst="rect">
+              <a:avLst/>
+            </a:prstGeom>
+            <a:noFill/>
+            <a:ln>
+              <a:solidFill>
+                <a:schemeClr val="tx1"/>
+              </a:solidFill>
+            </a:ln>
+          </p:spPr>
+          <p:style>
+            <a:lnRef idx="2">
+              <a:schemeClr val="accent1">
+                <a:shade val="50000"/>
+              </a:schemeClr>
+            </a:lnRef>
+            <a:fillRef idx="1">
+              <a:schemeClr val="accent1"/>
+            </a:fillRef>
+            <a:effectRef idx="0">
+              <a:schemeClr val="accent1"/>
+            </a:effectRef>
+            <a:fontRef idx="minor">
+              <a:schemeClr val="lt1"/>
+            </a:fontRef>
+          </p:style>
+          <p:txBody>
+            <a:bodyPr rtlCol="0" anchor="ctr"/>
+            <a:lstStyle/>
+            <a:p>
+              <a:r>
+                <a:rPr kumimoji="1" lang="ja-JP" altLang="en-US" sz="1200" dirty="0" smtClean="0">
+                  <a:solidFill>
+                    <a:schemeClr val="tx1"/>
+                  </a:solidFill>
+                  <a:latin typeface="Meiryo UI" panose="020B0604030504040204" pitchFamily="50" charset="-128"/>
+                  <a:ea typeface="Meiryo UI" panose="020B0604030504040204" pitchFamily="50" charset="-128"/>
+                </a:rPr>
+                <a:t>検索</a:t>
+              </a:r>
+              <a:endParaRPr kumimoji="1" lang="ja-JP" altLang="en-US" sz="1200" dirty="0">
+                <a:solidFill>
+                  <a:schemeClr val="tx1"/>
+                </a:solidFill>
+                <a:latin typeface="Meiryo UI" panose="020B0604030504040204" pitchFamily="50" charset="-128"/>
+                <a:ea typeface="Meiryo UI" panose="020B0604030504040204" pitchFamily="50" charset="-128"/>
+              </a:endParaRPr>
+            </a:p>
+          </p:txBody>
+        </p:sp>
+      </p:grpSp>
+      <p:grpSp>
+        <p:nvGrpSpPr>
+          <p:cNvPr id="9" name="グループ化 8"/>
+          <p:cNvGrpSpPr/>
+          <p:nvPr/>
+        </p:nvGrpSpPr>
+        <p:grpSpPr>
+          <a:xfrm>
+            <a:off x="5116483" y="2310327"/>
+            <a:ext cx="3798917" cy="2552619"/>
+            <a:chOff x="5116483" y="2534778"/>
+            <a:chExt cx="3798917" cy="2552619"/>
+          </a:xfrm>
+        </p:grpSpPr>
+        <p:sp>
+          <p:nvSpPr>
+            <p:cNvPr id="43" name="正方形/長方形 42"/>
+            <p:cNvSpPr/>
+            <p:nvPr/>
+          </p:nvSpPr>
+          <p:spPr>
+            <a:xfrm>
+              <a:off x="5234711" y="2836759"/>
+              <a:ext cx="1330036" cy="216551"/>
+            </a:xfrm>
+            <a:prstGeom prst="rect">
+              <a:avLst/>
+            </a:prstGeom>
+          </p:spPr>
+          <p:style>
+            <a:lnRef idx="2">
+              <a:schemeClr val="accent1">
+                <a:shade val="50000"/>
+              </a:schemeClr>
+            </a:lnRef>
+            <a:fillRef idx="1">
+              <a:schemeClr val="accent1"/>
+            </a:fillRef>
+            <a:effectRef idx="0">
+              <a:schemeClr val="accent1"/>
+            </a:effectRef>
+            <a:fontRef idx="minor">
+              <a:schemeClr val="lt1"/>
+            </a:fontRef>
+          </p:style>
+          <p:txBody>
+            <a:bodyPr rtlCol="0" anchor="ctr"/>
+            <a:lstStyle/>
+            <a:p>
+              <a:r>
+                <a:rPr kumimoji="1" lang="ja-JP" altLang="en-US" sz="1200" dirty="0" smtClean="0">
+                  <a:latin typeface="Meiryo UI" panose="020B0604030504040204" pitchFamily="50" charset="-128"/>
+                  <a:ea typeface="Meiryo UI" panose="020B0604030504040204" pitchFamily="50" charset="-128"/>
+                </a:rPr>
+                <a:t>銀行コード</a:t>
+              </a:r>
+              <a:endParaRPr kumimoji="1" lang="en-US" altLang="ja-JP" sz="1200" dirty="0" smtClean="0">
+                <a:latin typeface="Meiryo UI" panose="020B0604030504040204" pitchFamily="50" charset="-128"/>
+                <a:ea typeface="Meiryo UI" panose="020B0604030504040204" pitchFamily="50" charset="-128"/>
+              </a:endParaRPr>
+            </a:p>
+          </p:txBody>
+        </p:sp>
+        <p:sp>
+          <p:nvSpPr>
+            <p:cNvPr id="44" name="正方形/長方形 43"/>
+            <p:cNvSpPr/>
+            <p:nvPr/>
+          </p:nvSpPr>
+          <p:spPr>
+            <a:xfrm>
+              <a:off x="5234710" y="3187637"/>
+              <a:ext cx="1330036" cy="216551"/>
+            </a:xfrm>
+            <a:prstGeom prst="rect">
+              <a:avLst/>
+            </a:prstGeom>
+          </p:spPr>
+          <p:style>
+            <a:lnRef idx="2">
+              <a:schemeClr val="accent1">
+                <a:shade val="50000"/>
+              </a:schemeClr>
+            </a:lnRef>
+            <a:fillRef idx="1">
+              <a:schemeClr val="accent1"/>
+            </a:fillRef>
+            <a:effectRef idx="0">
+              <a:schemeClr val="accent1"/>
+            </a:effectRef>
+            <a:fontRef idx="minor">
+              <a:schemeClr val="lt1"/>
+            </a:fontRef>
+          </p:style>
+          <p:txBody>
+            <a:bodyPr rtlCol="0" anchor="ctr"/>
+            <a:lstStyle/>
+            <a:p>
+              <a:r>
+                <a:rPr kumimoji="1" lang="ja-JP" altLang="en-US" sz="1200" dirty="0" smtClean="0">
+                  <a:latin typeface="Meiryo UI" panose="020B0604030504040204" pitchFamily="50" charset="-128"/>
+                  <a:ea typeface="Meiryo UI" panose="020B0604030504040204" pitchFamily="50" charset="-128"/>
+                </a:rPr>
+                <a:t>銀行カナ</a:t>
+              </a:r>
+              <a:endParaRPr kumimoji="1" lang="en-US" altLang="ja-JP" sz="1200" dirty="0" smtClean="0">
+                <a:latin typeface="Meiryo UI" panose="020B0604030504040204" pitchFamily="50" charset="-128"/>
+                <a:ea typeface="Meiryo UI" panose="020B0604030504040204" pitchFamily="50" charset="-128"/>
+              </a:endParaRPr>
+            </a:p>
+          </p:txBody>
+        </p:sp>
+        <p:sp>
+          <p:nvSpPr>
+            <p:cNvPr id="45" name="正方形/長方形 44"/>
+            <p:cNvSpPr/>
+            <p:nvPr/>
+          </p:nvSpPr>
+          <p:spPr>
+            <a:xfrm>
+              <a:off x="5234710" y="3543869"/>
+              <a:ext cx="1330036" cy="216551"/>
+            </a:xfrm>
+            <a:prstGeom prst="rect">
+              <a:avLst/>
+            </a:prstGeom>
+          </p:spPr>
+          <p:style>
+            <a:lnRef idx="2">
+              <a:schemeClr val="accent1">
+                <a:shade val="50000"/>
+              </a:schemeClr>
+            </a:lnRef>
+            <a:fillRef idx="1">
+              <a:schemeClr val="accent1"/>
+            </a:fillRef>
+            <a:effectRef idx="0">
+              <a:schemeClr val="accent1"/>
+            </a:effectRef>
+            <a:fontRef idx="minor">
+              <a:schemeClr val="lt1"/>
+            </a:fontRef>
+          </p:style>
+          <p:txBody>
+            <a:bodyPr rtlCol="0" anchor="ctr"/>
+            <a:lstStyle/>
+            <a:p>
+              <a:r>
+                <a:rPr kumimoji="1" lang="ja-JP" altLang="en-US" sz="1200" dirty="0" smtClean="0">
+                  <a:latin typeface="Meiryo UI" panose="020B0604030504040204" pitchFamily="50" charset="-128"/>
+                  <a:ea typeface="Meiryo UI" panose="020B0604030504040204" pitchFamily="50" charset="-128"/>
+                </a:rPr>
+                <a:t>支店カナ</a:t>
+              </a:r>
+              <a:endParaRPr kumimoji="1" lang="en-US" altLang="ja-JP" sz="1200" dirty="0" smtClean="0">
+                <a:latin typeface="Meiryo UI" panose="020B0604030504040204" pitchFamily="50" charset="-128"/>
+                <a:ea typeface="Meiryo UI" panose="020B0604030504040204" pitchFamily="50" charset="-128"/>
+              </a:endParaRPr>
+            </a:p>
+          </p:txBody>
+        </p:sp>
+        <p:sp>
+          <p:nvSpPr>
+            <p:cNvPr id="46" name="正方形/長方形 45"/>
+            <p:cNvSpPr/>
+            <p:nvPr/>
+          </p:nvSpPr>
+          <p:spPr>
+            <a:xfrm>
+              <a:off x="5234710" y="3900101"/>
+              <a:ext cx="1330036" cy="216551"/>
+            </a:xfrm>
+            <a:prstGeom prst="rect">
+              <a:avLst/>
+            </a:prstGeom>
+          </p:spPr>
+          <p:style>
+            <a:lnRef idx="2">
+              <a:schemeClr val="accent1">
+                <a:shade val="50000"/>
+              </a:schemeClr>
+            </a:lnRef>
+            <a:fillRef idx="1">
+              <a:schemeClr val="accent1"/>
+            </a:fillRef>
+            <a:effectRef idx="0">
+              <a:schemeClr val="accent1"/>
+            </a:effectRef>
+            <a:fontRef idx="minor">
+              <a:schemeClr val="lt1"/>
+            </a:fontRef>
+          </p:style>
+          <p:txBody>
+            <a:bodyPr rtlCol="0" anchor="ctr"/>
+            <a:lstStyle/>
+            <a:p>
+              <a:r>
+                <a:rPr kumimoji="1" lang="ja-JP" altLang="en-US" sz="1200" dirty="0" smtClean="0">
+                  <a:latin typeface="Meiryo UI" panose="020B0604030504040204" pitchFamily="50" charset="-128"/>
+                  <a:ea typeface="Meiryo UI" panose="020B0604030504040204" pitchFamily="50" charset="-128"/>
+                </a:rPr>
+                <a:t>種別コード</a:t>
+              </a:r>
+              <a:endParaRPr kumimoji="1" lang="en-US" altLang="ja-JP" sz="1200" dirty="0" smtClean="0">
+                <a:latin typeface="Meiryo UI" panose="020B0604030504040204" pitchFamily="50" charset="-128"/>
+                <a:ea typeface="Meiryo UI" panose="020B0604030504040204" pitchFamily="50" charset="-128"/>
+              </a:endParaRPr>
+            </a:p>
+          </p:txBody>
+        </p:sp>
+        <p:sp>
+          <p:nvSpPr>
+            <p:cNvPr id="47" name="正方形/長方形 46"/>
+            <p:cNvSpPr/>
+            <p:nvPr/>
+          </p:nvSpPr>
+          <p:spPr>
+            <a:xfrm>
+              <a:off x="5234710" y="4256333"/>
+              <a:ext cx="1330036" cy="216551"/>
+            </a:xfrm>
+            <a:prstGeom prst="rect">
+              <a:avLst/>
+            </a:prstGeom>
+          </p:spPr>
+          <p:style>
+            <a:lnRef idx="2">
+              <a:schemeClr val="accent1">
+                <a:shade val="50000"/>
+              </a:schemeClr>
+            </a:lnRef>
+            <a:fillRef idx="1">
+              <a:schemeClr val="accent1"/>
+            </a:fillRef>
+            <a:effectRef idx="0">
+              <a:schemeClr val="accent1"/>
+            </a:effectRef>
+            <a:fontRef idx="minor">
+              <a:schemeClr val="lt1"/>
+            </a:fontRef>
+          </p:style>
+          <p:txBody>
+            <a:bodyPr rtlCol="0" anchor="ctr"/>
+            <a:lstStyle/>
+            <a:p>
+              <a:r>
+                <a:rPr kumimoji="1" lang="ja-JP" altLang="en-US" sz="1200" dirty="0" smtClean="0">
+                  <a:latin typeface="Meiryo UI" panose="020B0604030504040204" pitchFamily="50" charset="-128"/>
+                  <a:ea typeface="Meiryo UI" panose="020B0604030504040204" pitchFamily="50" charset="-128"/>
+                </a:rPr>
+                <a:t>口座番号</a:t>
+              </a:r>
+              <a:endParaRPr kumimoji="1" lang="en-US" altLang="ja-JP" sz="1200" dirty="0" smtClean="0">
+                <a:latin typeface="Meiryo UI" panose="020B0604030504040204" pitchFamily="50" charset="-128"/>
+                <a:ea typeface="Meiryo UI" panose="020B0604030504040204" pitchFamily="50" charset="-128"/>
+              </a:endParaRPr>
+            </a:p>
+          </p:txBody>
+        </p:sp>
+        <p:sp>
+          <p:nvSpPr>
+            <p:cNvPr id="48" name="正方形/長方形 47"/>
+            <p:cNvSpPr/>
+            <p:nvPr/>
+          </p:nvSpPr>
+          <p:spPr>
+            <a:xfrm>
+              <a:off x="5234710" y="4612565"/>
+              <a:ext cx="1330036" cy="216551"/>
+            </a:xfrm>
+            <a:prstGeom prst="rect">
+              <a:avLst/>
+            </a:prstGeom>
+          </p:spPr>
+          <p:style>
+            <a:lnRef idx="2">
+              <a:schemeClr val="accent1">
+                <a:shade val="50000"/>
+              </a:schemeClr>
+            </a:lnRef>
+            <a:fillRef idx="1">
+              <a:schemeClr val="accent1"/>
+            </a:fillRef>
+            <a:effectRef idx="0">
+              <a:schemeClr val="accent1"/>
+            </a:effectRef>
+            <a:fontRef idx="minor">
+              <a:schemeClr val="lt1"/>
+            </a:fontRef>
+          </p:style>
+          <p:txBody>
+            <a:bodyPr rtlCol="0" anchor="ctr"/>
+            <a:lstStyle/>
+            <a:p>
+              <a:r>
+                <a:rPr lang="ja-JP" altLang="en-US" sz="1200" dirty="0" smtClean="0">
+                  <a:latin typeface="Meiryo UI" panose="020B0604030504040204" pitchFamily="50" charset="-128"/>
+                  <a:ea typeface="Meiryo UI" panose="020B0604030504040204" pitchFamily="50" charset="-128"/>
+                </a:rPr>
+                <a:t>取扱銀行</a:t>
+              </a:r>
+              <a:endParaRPr kumimoji="1" lang="en-US" altLang="ja-JP" sz="1200" dirty="0" smtClean="0">
+                <a:latin typeface="Meiryo UI" panose="020B0604030504040204" pitchFamily="50" charset="-128"/>
+                <a:ea typeface="Meiryo UI" panose="020B0604030504040204" pitchFamily="50" charset="-128"/>
+              </a:endParaRPr>
+            </a:p>
+          </p:txBody>
+        </p:sp>
+        <p:sp>
+          <p:nvSpPr>
+            <p:cNvPr id="49" name="正方形/長方形 48"/>
+            <p:cNvSpPr/>
+            <p:nvPr/>
+          </p:nvSpPr>
+          <p:spPr>
+            <a:xfrm>
+              <a:off x="5116483" y="2534778"/>
+              <a:ext cx="3798917" cy="2552619"/>
+            </a:xfrm>
+            <a:prstGeom prst="rect">
+              <a:avLst/>
+            </a:prstGeom>
+            <a:noFill/>
+            <a:ln w="19050">
+              <a:solidFill>
+                <a:schemeClr val="tx1"/>
+              </a:solidFill>
+            </a:ln>
+          </p:spPr>
+          <p:style>
+            <a:lnRef idx="2">
+              <a:schemeClr val="accent1">
+                <a:shade val="50000"/>
+              </a:schemeClr>
+            </a:lnRef>
+            <a:fillRef idx="1">
+              <a:schemeClr val="accent1"/>
+            </a:fillRef>
+            <a:effectRef idx="0">
+              <a:schemeClr val="accent1"/>
+            </a:effectRef>
+            <a:fontRef idx="minor">
+              <a:schemeClr val="lt1"/>
+            </a:fontRef>
+          </p:style>
+          <p:txBody>
+            <a:bodyPr rtlCol="0" anchor="t" anchorCtr="0"/>
+            <a:lstStyle/>
+            <a:p>
+              <a:r>
+                <a:rPr kumimoji="1" lang="ja-JP" altLang="en-US" sz="1200" dirty="0" smtClean="0">
+                  <a:solidFill>
+                    <a:schemeClr val="tx1"/>
+                  </a:solidFill>
+                  <a:latin typeface="Meiryo UI" panose="020B0604030504040204" pitchFamily="50" charset="-128"/>
+                  <a:ea typeface="Meiryo UI" panose="020B0604030504040204" pitchFamily="50" charset="-128"/>
+                </a:rPr>
+                <a:t>預金銀行情報</a:t>
+              </a:r>
+              <a:endParaRPr kumimoji="1" lang="ja-JP" altLang="en-US" sz="1200" dirty="0">
+                <a:solidFill>
+                  <a:schemeClr val="tx1"/>
+                </a:solidFill>
+                <a:latin typeface="Meiryo UI" panose="020B0604030504040204" pitchFamily="50" charset="-128"/>
+                <a:ea typeface="Meiryo UI" panose="020B0604030504040204" pitchFamily="50" charset="-128"/>
+              </a:endParaRPr>
+            </a:p>
+          </p:txBody>
+        </p:sp>
+        <p:sp>
+          <p:nvSpPr>
+            <p:cNvPr id="50" name="正方形/長方形 49"/>
+            <p:cNvSpPr/>
+            <p:nvPr/>
+          </p:nvSpPr>
+          <p:spPr>
+            <a:xfrm>
+              <a:off x="6682975" y="2822408"/>
+              <a:ext cx="619757" cy="216551"/>
+            </a:xfrm>
+            <a:prstGeom prst="rect">
+              <a:avLst/>
+            </a:prstGeom>
+            <a:noFill/>
+            <a:ln>
+              <a:solidFill>
+                <a:schemeClr val="tx1"/>
+              </a:solidFill>
+            </a:ln>
+          </p:spPr>
+          <p:style>
+            <a:lnRef idx="2">
+              <a:schemeClr val="accent1">
+                <a:shade val="50000"/>
+              </a:schemeClr>
+            </a:lnRef>
+            <a:fillRef idx="1">
+              <a:schemeClr val="accent1"/>
+            </a:fillRef>
+            <a:effectRef idx="0">
+              <a:schemeClr val="accent1"/>
+            </a:effectRef>
+            <a:fontRef idx="minor">
+              <a:schemeClr val="lt1"/>
+            </a:fontRef>
+          </p:style>
+          <p:txBody>
+            <a:bodyPr rtlCol="0" anchor="ctr"/>
+            <a:lstStyle/>
+            <a:p>
+              <a:endParaRPr kumimoji="1" lang="ja-JP" altLang="en-US" sz="1200" dirty="0">
+                <a:solidFill>
+                  <a:schemeClr val="tx1"/>
+                </a:solidFill>
+                <a:latin typeface="Meiryo UI" panose="020B0604030504040204" pitchFamily="50" charset="-128"/>
+                <a:ea typeface="Meiryo UI" panose="020B0604030504040204" pitchFamily="50" charset="-128"/>
+              </a:endParaRPr>
+            </a:p>
+          </p:txBody>
+        </p:sp>
+        <p:sp>
+          <p:nvSpPr>
+            <p:cNvPr id="55" name="正方形/長方形 54"/>
+            <p:cNvSpPr/>
+            <p:nvPr/>
+          </p:nvSpPr>
+          <p:spPr>
+            <a:xfrm>
+              <a:off x="6682972" y="4612565"/>
+              <a:ext cx="619757" cy="216551"/>
+            </a:xfrm>
+            <a:prstGeom prst="rect">
+              <a:avLst/>
+            </a:prstGeom>
+            <a:noFill/>
+            <a:ln>
+              <a:solidFill>
+                <a:schemeClr val="tx1"/>
+              </a:solidFill>
+            </a:ln>
+          </p:spPr>
+          <p:style>
+            <a:lnRef idx="2">
+              <a:schemeClr val="accent1">
+                <a:shade val="50000"/>
+              </a:schemeClr>
+            </a:lnRef>
+            <a:fillRef idx="1">
+              <a:schemeClr val="accent1"/>
+            </a:fillRef>
+            <a:effectRef idx="0">
+              <a:schemeClr val="accent1"/>
+            </a:effectRef>
+            <a:fontRef idx="minor">
+              <a:schemeClr val="lt1"/>
+            </a:fontRef>
+          </p:style>
+          <p:txBody>
+            <a:bodyPr rtlCol="0" anchor="ctr"/>
+            <a:lstStyle/>
+            <a:p>
+              <a:endParaRPr kumimoji="1" lang="ja-JP" altLang="en-US" sz="1200" dirty="0">
+                <a:solidFill>
+                  <a:schemeClr val="tx1"/>
+                </a:solidFill>
+                <a:latin typeface="Meiryo UI" panose="020B0604030504040204" pitchFamily="50" charset="-128"/>
+                <a:ea typeface="Meiryo UI" panose="020B0604030504040204" pitchFamily="50" charset="-128"/>
+              </a:endParaRPr>
+            </a:p>
+          </p:txBody>
+        </p:sp>
+        <p:sp>
+          <p:nvSpPr>
+            <p:cNvPr id="42" name="正方形/長方形 41"/>
+            <p:cNvSpPr/>
+            <p:nvPr/>
+          </p:nvSpPr>
+          <p:spPr>
+            <a:xfrm>
+              <a:off x="6676970" y="4158189"/>
+              <a:ext cx="900082" cy="424095"/>
+            </a:xfrm>
+            <a:prstGeom prst="rect">
+              <a:avLst/>
+            </a:prstGeom>
+            <a:solidFill>
+              <a:schemeClr val="bg1"/>
+            </a:solidFill>
+            <a:ln>
+              <a:solidFill>
+                <a:schemeClr val="tx1"/>
+              </a:solidFill>
+            </a:ln>
+          </p:spPr>
+          <p:style>
+            <a:lnRef idx="2">
+              <a:schemeClr val="accent1">
+                <a:shade val="50000"/>
+              </a:schemeClr>
+            </a:lnRef>
+            <a:fillRef idx="1">
+              <a:schemeClr val="accent1"/>
+            </a:fillRef>
+            <a:effectRef idx="0">
+              <a:schemeClr val="accent1"/>
+            </a:effectRef>
+            <a:fontRef idx="minor">
+              <a:schemeClr val="lt1"/>
+            </a:fontRef>
+          </p:style>
+          <p:txBody>
+            <a:bodyPr rtlCol="0" anchor="ctr"/>
+            <a:lstStyle/>
+            <a:p>
+              <a:r>
+                <a:rPr kumimoji="1" lang="en-US" altLang="ja-JP" sz="1200" dirty="0" smtClean="0">
+                  <a:solidFill>
+                    <a:schemeClr val="tx1"/>
+                  </a:solidFill>
+                  <a:latin typeface="Meiryo UI" panose="020B0604030504040204" pitchFamily="50" charset="-128"/>
+                  <a:ea typeface="Meiryo UI" panose="020B0604030504040204" pitchFamily="50" charset="-128"/>
+                </a:rPr>
+                <a:t>1</a:t>
+              </a:r>
+              <a:r>
+                <a:rPr kumimoji="1" lang="ja-JP" altLang="en-US" sz="1200" dirty="0" smtClean="0">
+                  <a:solidFill>
+                    <a:schemeClr val="tx1"/>
+                  </a:solidFill>
+                  <a:latin typeface="Meiryo UI" panose="020B0604030504040204" pitchFamily="50" charset="-128"/>
+                  <a:ea typeface="Meiryo UI" panose="020B0604030504040204" pitchFamily="50" charset="-128"/>
+                </a:rPr>
+                <a:t>：普通</a:t>
+              </a:r>
+              <a:endParaRPr kumimoji="1" lang="en-US" altLang="ja-JP" sz="1200" dirty="0" smtClean="0">
+                <a:solidFill>
+                  <a:schemeClr val="tx1"/>
+                </a:solidFill>
+                <a:latin typeface="Meiryo UI" panose="020B0604030504040204" pitchFamily="50" charset="-128"/>
+                <a:ea typeface="Meiryo UI" panose="020B0604030504040204" pitchFamily="50" charset="-128"/>
+              </a:endParaRPr>
+            </a:p>
+            <a:p>
+              <a:r>
+                <a:rPr lang="en-US" altLang="ja-JP" sz="1200" dirty="0" smtClean="0">
+                  <a:solidFill>
+                    <a:schemeClr val="tx1"/>
+                  </a:solidFill>
+                  <a:latin typeface="Meiryo UI" panose="020B0604030504040204" pitchFamily="50" charset="-128"/>
+                  <a:ea typeface="Meiryo UI" panose="020B0604030504040204" pitchFamily="50" charset="-128"/>
+                </a:rPr>
+                <a:t>2</a:t>
+              </a:r>
+              <a:r>
+                <a:rPr lang="ja-JP" altLang="en-US" sz="1200" dirty="0" smtClean="0">
+                  <a:solidFill>
+                    <a:schemeClr val="tx1"/>
+                  </a:solidFill>
+                  <a:latin typeface="Meiryo UI" panose="020B0604030504040204" pitchFamily="50" charset="-128"/>
+                  <a:ea typeface="Meiryo UI" panose="020B0604030504040204" pitchFamily="50" charset="-128"/>
+                </a:rPr>
+                <a:t>：当座</a:t>
+              </a:r>
+              <a:endParaRPr kumimoji="1" lang="ja-JP" altLang="en-US" sz="1200" dirty="0">
+                <a:solidFill>
+                  <a:schemeClr val="tx1"/>
+                </a:solidFill>
+                <a:latin typeface="Meiryo UI" panose="020B0604030504040204" pitchFamily="50" charset="-128"/>
+                <a:ea typeface="Meiryo UI" panose="020B0604030504040204" pitchFamily="50" charset="-128"/>
+              </a:endParaRPr>
+            </a:p>
+          </p:txBody>
+        </p:sp>
+        <p:sp>
+          <p:nvSpPr>
+            <p:cNvPr id="57" name="正方形/長方形 56"/>
+            <p:cNvSpPr/>
+            <p:nvPr/>
+          </p:nvSpPr>
+          <p:spPr>
+            <a:xfrm>
+              <a:off x="6676970" y="3934522"/>
+              <a:ext cx="900082" cy="216551"/>
+            </a:xfrm>
+            <a:prstGeom prst="rect">
+              <a:avLst/>
+            </a:prstGeom>
+            <a:noFill/>
+            <a:ln>
+              <a:solidFill>
+                <a:schemeClr val="tx1"/>
+              </a:solidFill>
+            </a:ln>
+          </p:spPr>
+          <p:style>
+            <a:lnRef idx="2">
+              <a:schemeClr val="accent1">
+                <a:shade val="50000"/>
+              </a:schemeClr>
+            </a:lnRef>
+            <a:fillRef idx="1">
+              <a:schemeClr val="accent1"/>
+            </a:fillRef>
+            <a:effectRef idx="0">
+              <a:schemeClr val="accent1"/>
+            </a:effectRef>
+            <a:fontRef idx="minor">
+              <a:schemeClr val="lt1"/>
+            </a:fontRef>
+          </p:style>
+          <p:txBody>
+            <a:bodyPr rtlCol="0" anchor="ctr"/>
+            <a:lstStyle/>
+            <a:p>
+              <a:r>
+                <a:rPr kumimoji="1" lang="ja-JP" altLang="en-US" sz="1200" dirty="0" smtClean="0">
+                  <a:solidFill>
+                    <a:schemeClr val="tx1"/>
+                  </a:solidFill>
+                  <a:latin typeface="Meiryo UI" panose="020B0604030504040204" pitchFamily="50" charset="-128"/>
+                  <a:ea typeface="Meiryo UI" panose="020B0604030504040204" pitchFamily="50" charset="-128"/>
+                </a:rPr>
+                <a:t> 　　　　　▽</a:t>
+              </a:r>
+              <a:endParaRPr kumimoji="1" lang="ja-JP" altLang="en-US" sz="1200" dirty="0">
+                <a:solidFill>
+                  <a:schemeClr val="tx1"/>
+                </a:solidFill>
+                <a:latin typeface="Meiryo UI" panose="020B0604030504040204" pitchFamily="50" charset="-128"/>
+                <a:ea typeface="Meiryo UI" panose="020B0604030504040204" pitchFamily="50" charset="-128"/>
+              </a:endParaRPr>
+            </a:p>
+          </p:txBody>
+        </p:sp>
+        <p:sp>
+          <p:nvSpPr>
+            <p:cNvPr id="59" name="正方形/長方形 58"/>
+            <p:cNvSpPr/>
+            <p:nvPr/>
+          </p:nvSpPr>
+          <p:spPr>
+            <a:xfrm>
+              <a:off x="7360917" y="2822407"/>
+              <a:ext cx="498766" cy="216551"/>
+            </a:xfrm>
+            <a:prstGeom prst="rect">
+              <a:avLst/>
+            </a:prstGeom>
+            <a:noFill/>
+            <a:ln>
+              <a:solidFill>
+                <a:schemeClr val="tx1"/>
+              </a:solidFill>
+            </a:ln>
+          </p:spPr>
+          <p:style>
+            <a:lnRef idx="2">
+              <a:schemeClr val="accent1">
+                <a:shade val="50000"/>
+              </a:schemeClr>
+            </a:lnRef>
+            <a:fillRef idx="1">
+              <a:schemeClr val="accent1"/>
+            </a:fillRef>
+            <a:effectRef idx="0">
+              <a:schemeClr val="accent1"/>
+            </a:effectRef>
+            <a:fontRef idx="minor">
+              <a:schemeClr val="lt1"/>
+            </a:fontRef>
+          </p:style>
+          <p:txBody>
+            <a:bodyPr rtlCol="0" anchor="ctr"/>
+            <a:lstStyle/>
+            <a:p>
+              <a:r>
+                <a:rPr kumimoji="1" lang="ja-JP" altLang="en-US" sz="1200" dirty="0" smtClean="0">
+                  <a:solidFill>
+                    <a:schemeClr val="tx1"/>
+                  </a:solidFill>
+                  <a:latin typeface="Meiryo UI" panose="020B0604030504040204" pitchFamily="50" charset="-128"/>
+                  <a:ea typeface="Meiryo UI" panose="020B0604030504040204" pitchFamily="50" charset="-128"/>
+                </a:rPr>
+                <a:t>検索</a:t>
+              </a:r>
+              <a:endParaRPr kumimoji="1" lang="ja-JP" altLang="en-US" sz="1200" dirty="0">
+                <a:solidFill>
+                  <a:schemeClr val="tx1"/>
+                </a:solidFill>
+                <a:latin typeface="Meiryo UI" panose="020B0604030504040204" pitchFamily="50" charset="-128"/>
+                <a:ea typeface="Meiryo UI" panose="020B0604030504040204" pitchFamily="50" charset="-128"/>
+              </a:endParaRPr>
+            </a:p>
+          </p:txBody>
+        </p:sp>
+        <p:sp>
+          <p:nvSpPr>
+            <p:cNvPr id="61" name="正方形/長方形 60"/>
+            <p:cNvSpPr/>
+            <p:nvPr/>
+          </p:nvSpPr>
+          <p:spPr>
+            <a:xfrm>
+              <a:off x="7360917" y="4608835"/>
+              <a:ext cx="498766" cy="216551"/>
+            </a:xfrm>
+            <a:prstGeom prst="rect">
+              <a:avLst/>
+            </a:prstGeom>
+            <a:noFill/>
+            <a:ln>
+              <a:solidFill>
+                <a:schemeClr val="tx1"/>
+              </a:solidFill>
+            </a:ln>
+          </p:spPr>
+          <p:style>
+            <a:lnRef idx="2">
+              <a:schemeClr val="accent1">
+                <a:shade val="50000"/>
+              </a:schemeClr>
+            </a:lnRef>
+            <a:fillRef idx="1">
+              <a:schemeClr val="accent1"/>
+            </a:fillRef>
+            <a:effectRef idx="0">
+              <a:schemeClr val="accent1"/>
+            </a:effectRef>
+            <a:fontRef idx="minor">
+              <a:schemeClr val="lt1"/>
+            </a:fontRef>
+          </p:style>
+          <p:txBody>
+            <a:bodyPr rtlCol="0" anchor="ctr"/>
+            <a:lstStyle/>
+            <a:p>
+              <a:r>
+                <a:rPr kumimoji="1" lang="ja-JP" altLang="en-US" sz="1200" dirty="0" smtClean="0">
+                  <a:solidFill>
+                    <a:schemeClr val="tx1"/>
+                  </a:solidFill>
+                  <a:latin typeface="Meiryo UI" panose="020B0604030504040204" pitchFamily="50" charset="-128"/>
+                  <a:ea typeface="Meiryo UI" panose="020B0604030504040204" pitchFamily="50" charset="-128"/>
+                </a:rPr>
+                <a:t>検索</a:t>
+              </a:r>
+              <a:endParaRPr kumimoji="1" lang="ja-JP" altLang="en-US" sz="1200" dirty="0">
+                <a:solidFill>
+                  <a:schemeClr val="tx1"/>
+                </a:solidFill>
+                <a:latin typeface="Meiryo UI" panose="020B0604030504040204" pitchFamily="50" charset="-128"/>
+                <a:ea typeface="Meiryo UI" panose="020B0604030504040204" pitchFamily="50" charset="-128"/>
+              </a:endParaRPr>
+            </a:p>
+          </p:txBody>
+        </p:sp>
+      </p:grpSp>
       <p:sp>
         <p:nvSpPr>
-          <p:cNvPr id="42" name="正方形/長方形 41"/>
+          <p:cNvPr id="51" name="正方形/長方形 50"/>
           <p:cNvSpPr/>
           <p:nvPr/>
         </p:nvSpPr>
         <p:spPr>
           <a:xfrm>
-            <a:off x="6676970" y="4158189"/>
-            <a:ext cx="900082" cy="424095"/>
+            <a:off x="2454101" y="1440492"/>
+            <a:ext cx="1989976" cy="216551"/>
           </a:xfrm>
           <a:prstGeom prst="rect">
             <a:avLst/>
           </a:prstGeom>
-          <a:solidFill>
-            <a:schemeClr val="bg1"/>
-          </a:solidFill>
+          <a:noFill/>
           <a:ln>
-            <a:solidFill>
-              <a:schemeClr val="tx1"/>
-            </a:solidFill>
+            <a:noFill/>
           </a:ln>
         </p:spPr>
         <p:style>
@@ -8737,356 +9009,23 @@
                 <a:latin typeface="Meiryo UI" panose="020B0604030504040204" pitchFamily="50" charset="-128"/>
                 <a:ea typeface="Meiryo UI" panose="020B0604030504040204" pitchFamily="50" charset="-128"/>
               </a:rPr>
-              <a:t>1</a:t>
-            </a:r>
-            <a:r>
-              <a:rPr kumimoji="1" lang="ja-JP" altLang="en-US" sz="1200" dirty="0" smtClean="0">
-                <a:solidFill>
-                  <a:schemeClr val="tx1"/>
-                </a:solidFill>
+              <a:t>123456</a:t>
+            </a:r>
+            <a:r>
+              <a:rPr kumimoji="1" lang="ja-JP" altLang="en-US" sz="1050" dirty="0" smtClean="0">
                 <a:latin typeface="Meiryo UI" panose="020B0604030504040204" pitchFamily="50" charset="-128"/>
                 <a:ea typeface="Meiryo UI" panose="020B0604030504040204" pitchFamily="50" charset="-128"/>
               </a:rPr>
-              <a:t>：普通</a:t>
-            </a:r>
-            <a:endParaRPr kumimoji="1" lang="en-US" altLang="ja-JP" sz="1200" dirty="0" smtClean="0">
-              <a:solidFill>
-                <a:schemeClr val="tx1"/>
-              </a:solidFill>
-              <a:latin typeface="Meiryo UI" panose="020B0604030504040204" pitchFamily="50" charset="-128"/>
-              <a:ea typeface="Meiryo UI" panose="020B0604030504040204" pitchFamily="50" charset="-128"/>
-            </a:endParaRPr>
-          </a:p>
-          <a:p>
-            <a:r>
-              <a:rPr lang="en-US" altLang="ja-JP" sz="1200" dirty="0" smtClean="0">
-                <a:solidFill>
-                  <a:schemeClr val="tx1"/>
-                </a:solidFill>
+              <a:t>社員</a:t>
+            </a:r>
+            <a:r>
+              <a:rPr kumimoji="1" lang="ja-JP" altLang="en-US" sz="1050" dirty="0" smtClean="0">
                 <a:latin typeface="Meiryo UI" panose="020B0604030504040204" pitchFamily="50" charset="-128"/>
                 <a:ea typeface="Meiryo UI" panose="020B0604030504040204" pitchFamily="50" charset="-128"/>
               </a:rPr>
-              <a:t>2</a:t>
-            </a:r>
-            <a:r>
-              <a:rPr lang="ja-JP" altLang="en-US" sz="1200" dirty="0" smtClean="0">
-                <a:solidFill>
-                  <a:schemeClr val="tx1"/>
-                </a:solidFill>
-                <a:latin typeface="Meiryo UI" panose="020B0604030504040204" pitchFamily="50" charset="-128"/>
-                <a:ea typeface="Meiryo UI" panose="020B0604030504040204" pitchFamily="50" charset="-128"/>
-              </a:rPr>
-              <a:t>：当座</a:t>
-            </a:r>
-            <a:endParaRPr kumimoji="1" lang="ja-JP" altLang="en-US" sz="1200" dirty="0">
-              <a:solidFill>
-                <a:schemeClr val="tx1"/>
-              </a:solidFill>
-              <a:latin typeface="Meiryo UI" panose="020B0604030504040204" pitchFamily="50" charset="-128"/>
-              <a:ea typeface="Meiryo UI" panose="020B0604030504040204" pitchFamily="50" charset="-128"/>
-            </a:endParaRPr>
-          </a:p>
-        </p:txBody>
-      </p:sp>
-      <p:sp>
-        <p:nvSpPr>
-          <p:cNvPr id="57" name="正方形/長方形 56"/>
-          <p:cNvSpPr/>
-          <p:nvPr/>
-        </p:nvSpPr>
-        <p:spPr>
-          <a:xfrm>
-            <a:off x="6676970" y="3934522"/>
-            <a:ext cx="900082" cy="216551"/>
-          </a:xfrm>
-          <a:prstGeom prst="rect">
-            <a:avLst/>
-          </a:prstGeom>
-          <a:noFill/>
-          <a:ln>
-            <a:solidFill>
-              <a:schemeClr val="tx1"/>
-            </a:solidFill>
-          </a:ln>
-        </p:spPr>
-        <p:style>
-          <a:lnRef idx="2">
-            <a:schemeClr val="accent1">
-              <a:shade val="50000"/>
-            </a:schemeClr>
-          </a:lnRef>
-          <a:fillRef idx="1">
-            <a:schemeClr val="accent1"/>
-          </a:fillRef>
-          <a:effectRef idx="0">
-            <a:schemeClr val="accent1"/>
-          </a:effectRef>
-          <a:fontRef idx="minor">
-            <a:schemeClr val="lt1"/>
-          </a:fontRef>
-        </p:style>
-        <p:txBody>
-          <a:bodyPr rtlCol="0" anchor="ctr"/>
-          <a:lstStyle/>
-          <a:p>
-            <a:r>
-              <a:rPr kumimoji="1" lang="ja-JP" altLang="en-US" sz="1200" dirty="0" smtClean="0">
-                <a:solidFill>
-                  <a:schemeClr val="tx1"/>
-                </a:solidFill>
-                <a:latin typeface="Meiryo UI" panose="020B0604030504040204" pitchFamily="50" charset="-128"/>
-                <a:ea typeface="Meiryo UI" panose="020B0604030504040204" pitchFamily="50" charset="-128"/>
-              </a:rPr>
-              <a:t> 　　　　　▽</a:t>
-            </a:r>
-            <a:endParaRPr kumimoji="1" lang="ja-JP" altLang="en-US" sz="1200" dirty="0">
-              <a:solidFill>
-                <a:schemeClr val="tx1"/>
-              </a:solidFill>
-              <a:latin typeface="Meiryo UI" panose="020B0604030504040204" pitchFamily="50" charset="-128"/>
-              <a:ea typeface="Meiryo UI" panose="020B0604030504040204" pitchFamily="50" charset="-128"/>
-            </a:endParaRPr>
-          </a:p>
-        </p:txBody>
-      </p:sp>
-      <p:sp>
-        <p:nvSpPr>
-          <p:cNvPr id="58" name="正方形/長方形 57"/>
-          <p:cNvSpPr/>
-          <p:nvPr/>
-        </p:nvSpPr>
-        <p:spPr>
-          <a:xfrm>
-            <a:off x="3521828" y="2825347"/>
-            <a:ext cx="498766" cy="216551"/>
-          </a:xfrm>
-          <a:prstGeom prst="rect">
-            <a:avLst/>
-          </a:prstGeom>
-          <a:noFill/>
-          <a:ln>
-            <a:solidFill>
-              <a:schemeClr val="tx1"/>
-            </a:solidFill>
-          </a:ln>
-        </p:spPr>
-        <p:style>
-          <a:lnRef idx="2">
-            <a:schemeClr val="accent1">
-              <a:shade val="50000"/>
-            </a:schemeClr>
-          </a:lnRef>
-          <a:fillRef idx="1">
-            <a:schemeClr val="accent1"/>
-          </a:fillRef>
-          <a:effectRef idx="0">
-            <a:schemeClr val="accent1"/>
-          </a:effectRef>
-          <a:fontRef idx="minor">
-            <a:schemeClr val="lt1"/>
-          </a:fontRef>
-        </p:style>
-        <p:txBody>
-          <a:bodyPr rtlCol="0" anchor="ctr"/>
-          <a:lstStyle/>
-          <a:p>
-            <a:r>
-              <a:rPr kumimoji="1" lang="ja-JP" altLang="en-US" sz="1200" dirty="0" smtClean="0">
-                <a:solidFill>
-                  <a:schemeClr val="tx1"/>
-                </a:solidFill>
-                <a:latin typeface="Meiryo UI" panose="020B0604030504040204" pitchFamily="50" charset="-128"/>
-                <a:ea typeface="Meiryo UI" panose="020B0604030504040204" pitchFamily="50" charset="-128"/>
-              </a:rPr>
-              <a:t>検索</a:t>
-            </a:r>
-            <a:endParaRPr kumimoji="1" lang="ja-JP" altLang="en-US" sz="1200" dirty="0">
-              <a:solidFill>
-                <a:schemeClr val="tx1"/>
-              </a:solidFill>
-              <a:latin typeface="Meiryo UI" panose="020B0604030504040204" pitchFamily="50" charset="-128"/>
-              <a:ea typeface="Meiryo UI" panose="020B0604030504040204" pitchFamily="50" charset="-128"/>
-            </a:endParaRPr>
-          </a:p>
-        </p:txBody>
-      </p:sp>
-      <p:sp>
-        <p:nvSpPr>
-          <p:cNvPr id="59" name="正方形/長方形 58"/>
-          <p:cNvSpPr/>
-          <p:nvPr/>
-        </p:nvSpPr>
-        <p:spPr>
-          <a:xfrm>
-            <a:off x="7360917" y="2822407"/>
-            <a:ext cx="498766" cy="216551"/>
-          </a:xfrm>
-          <a:prstGeom prst="rect">
-            <a:avLst/>
-          </a:prstGeom>
-          <a:noFill/>
-          <a:ln>
-            <a:solidFill>
-              <a:schemeClr val="tx1"/>
-            </a:solidFill>
-          </a:ln>
-        </p:spPr>
-        <p:style>
-          <a:lnRef idx="2">
-            <a:schemeClr val="accent1">
-              <a:shade val="50000"/>
-            </a:schemeClr>
-          </a:lnRef>
-          <a:fillRef idx="1">
-            <a:schemeClr val="accent1"/>
-          </a:fillRef>
-          <a:effectRef idx="0">
-            <a:schemeClr val="accent1"/>
-          </a:effectRef>
-          <a:fontRef idx="minor">
-            <a:schemeClr val="lt1"/>
-          </a:fontRef>
-        </p:style>
-        <p:txBody>
-          <a:bodyPr rtlCol="0" anchor="ctr"/>
-          <a:lstStyle/>
-          <a:p>
-            <a:r>
-              <a:rPr kumimoji="1" lang="ja-JP" altLang="en-US" sz="1200" dirty="0" smtClean="0">
-                <a:solidFill>
-                  <a:schemeClr val="tx1"/>
-                </a:solidFill>
-                <a:latin typeface="Meiryo UI" panose="020B0604030504040204" pitchFamily="50" charset="-128"/>
-                <a:ea typeface="Meiryo UI" panose="020B0604030504040204" pitchFamily="50" charset="-128"/>
-              </a:rPr>
-              <a:t>検索</a:t>
-            </a:r>
-            <a:endParaRPr kumimoji="1" lang="ja-JP" altLang="en-US" sz="1200" dirty="0">
-              <a:solidFill>
-                <a:schemeClr val="tx1"/>
-              </a:solidFill>
-              <a:latin typeface="Meiryo UI" panose="020B0604030504040204" pitchFamily="50" charset="-128"/>
-              <a:ea typeface="Meiryo UI" panose="020B0604030504040204" pitchFamily="50" charset="-128"/>
-            </a:endParaRPr>
-          </a:p>
-        </p:txBody>
-      </p:sp>
-      <p:sp>
-        <p:nvSpPr>
-          <p:cNvPr id="60" name="正方形/長方形 59"/>
-          <p:cNvSpPr/>
-          <p:nvPr/>
-        </p:nvSpPr>
-        <p:spPr>
-          <a:xfrm>
-            <a:off x="3254429" y="4615901"/>
-            <a:ext cx="498766" cy="216551"/>
-          </a:xfrm>
-          <a:prstGeom prst="rect">
-            <a:avLst/>
-          </a:prstGeom>
-          <a:noFill/>
-          <a:ln>
-            <a:solidFill>
-              <a:schemeClr val="tx1"/>
-            </a:solidFill>
-          </a:ln>
-        </p:spPr>
-        <p:style>
-          <a:lnRef idx="2">
-            <a:schemeClr val="accent1">
-              <a:shade val="50000"/>
-            </a:schemeClr>
-          </a:lnRef>
-          <a:fillRef idx="1">
-            <a:schemeClr val="accent1"/>
-          </a:fillRef>
-          <a:effectRef idx="0">
-            <a:schemeClr val="accent1"/>
-          </a:effectRef>
-          <a:fontRef idx="minor">
-            <a:schemeClr val="lt1"/>
-          </a:fontRef>
-        </p:style>
-        <p:txBody>
-          <a:bodyPr rtlCol="0" anchor="ctr"/>
-          <a:lstStyle/>
-          <a:p>
-            <a:r>
-              <a:rPr kumimoji="1" lang="ja-JP" altLang="en-US" sz="1200" dirty="0" smtClean="0">
-                <a:solidFill>
-                  <a:schemeClr val="tx1"/>
-                </a:solidFill>
-                <a:latin typeface="Meiryo UI" panose="020B0604030504040204" pitchFamily="50" charset="-128"/>
-                <a:ea typeface="Meiryo UI" panose="020B0604030504040204" pitchFamily="50" charset="-128"/>
-              </a:rPr>
-              <a:t>検索</a:t>
-            </a:r>
-            <a:endParaRPr kumimoji="1" lang="ja-JP" altLang="en-US" sz="1200" dirty="0">
-              <a:solidFill>
-                <a:schemeClr val="tx1"/>
-              </a:solidFill>
-              <a:latin typeface="Meiryo UI" panose="020B0604030504040204" pitchFamily="50" charset="-128"/>
-              <a:ea typeface="Meiryo UI" panose="020B0604030504040204" pitchFamily="50" charset="-128"/>
-            </a:endParaRPr>
-          </a:p>
-        </p:txBody>
-      </p:sp>
-      <p:sp>
-        <p:nvSpPr>
-          <p:cNvPr id="61" name="正方形/長方形 60"/>
-          <p:cNvSpPr/>
-          <p:nvPr/>
-        </p:nvSpPr>
-        <p:spPr>
-          <a:xfrm>
-            <a:off x="7360917" y="4608835"/>
-            <a:ext cx="498766" cy="216551"/>
-          </a:xfrm>
-          <a:prstGeom prst="rect">
-            <a:avLst/>
-          </a:prstGeom>
-          <a:noFill/>
-          <a:ln>
-            <a:solidFill>
-              <a:schemeClr val="tx1"/>
-            </a:solidFill>
-          </a:ln>
-        </p:spPr>
-        <p:style>
-          <a:lnRef idx="2">
-            <a:schemeClr val="accent1">
-              <a:shade val="50000"/>
-            </a:schemeClr>
-          </a:lnRef>
-          <a:fillRef idx="1">
-            <a:schemeClr val="accent1"/>
-          </a:fillRef>
-          <a:effectRef idx="0">
-            <a:schemeClr val="accent1"/>
-          </a:effectRef>
-          <a:fontRef idx="minor">
-            <a:schemeClr val="lt1"/>
-          </a:fontRef>
-        </p:style>
-        <p:txBody>
-          <a:bodyPr rtlCol="0" anchor="ctr"/>
-          <a:lstStyle/>
-          <a:p>
-            <a:r>
-              <a:rPr kumimoji="1" lang="ja-JP" altLang="en-US" sz="1200" dirty="0" smtClean="0">
-                <a:solidFill>
-                  <a:schemeClr val="tx1"/>
-                </a:solidFill>
-                <a:latin typeface="Meiryo UI" panose="020B0604030504040204" pitchFamily="50" charset="-128"/>
-                <a:ea typeface="Meiryo UI" panose="020B0604030504040204" pitchFamily="50" charset="-128"/>
-              </a:rPr>
-              <a:t>検索</a:t>
-            </a:r>
-            <a:endParaRPr kumimoji="1" lang="ja-JP" altLang="en-US" sz="1200" dirty="0">
-              <a:solidFill>
-                <a:schemeClr val="tx1"/>
-              </a:solidFill>
+              <a:t>コード</a:t>
+            </a:r>
+            <a:endParaRPr kumimoji="1" lang="ja-JP" altLang="en-US" sz="1050" dirty="0">
               <a:latin typeface="Meiryo UI" panose="020B0604030504040204" pitchFamily="50" charset="-128"/>
               <a:ea typeface="Meiryo UI" panose="020B0604030504040204" pitchFamily="50" charset="-128"/>
             </a:endParaRPr>
@@ -9175,7 +9114,7 @@
         <p:spPr>
           <a:xfrm>
             <a:off x="723207" y="850990"/>
-            <a:ext cx="8370917" cy="5009492"/>
+            <a:ext cx="8370917" cy="4826603"/>
           </a:xfrm>
           <a:prstGeom prst="rect">
             <a:avLst/>
@@ -9361,102 +9300,13 @@
       </p:sp>
       <p:sp>
         <p:nvSpPr>
-          <p:cNvPr id="13" name="正方形/長方形 12"/>
-          <p:cNvSpPr/>
-          <p:nvPr/>
-        </p:nvSpPr>
-        <p:spPr>
-          <a:xfrm>
-            <a:off x="2495666" y="1441381"/>
-            <a:ext cx="827579" cy="216551"/>
-          </a:xfrm>
-          <a:prstGeom prst="rect">
-            <a:avLst/>
-          </a:prstGeom>
-          <a:noFill/>
-          <a:ln>
-            <a:solidFill>
-              <a:schemeClr val="tx1"/>
-            </a:solidFill>
-          </a:ln>
-        </p:spPr>
-        <p:style>
-          <a:lnRef idx="2">
-            <a:schemeClr val="accent1">
-              <a:shade val="50000"/>
-            </a:schemeClr>
-          </a:lnRef>
-          <a:fillRef idx="1">
-            <a:schemeClr val="accent1"/>
-          </a:fillRef>
-          <a:effectRef idx="0">
-            <a:schemeClr val="accent1"/>
-          </a:effectRef>
-          <a:fontRef idx="minor">
-            <a:schemeClr val="lt1"/>
-          </a:fontRef>
-        </p:style>
-        <p:txBody>
-          <a:bodyPr rtlCol="0" anchor="ctr"/>
-          <a:lstStyle/>
-          <a:p>
-            <a:pPr algn="ctr"/>
-            <a:r>
-              <a:rPr lang="en-US" altLang="ja-JP" sz="1200" dirty="0" smtClean="0">
-                <a:solidFill>
-                  <a:schemeClr val="tx1"/>
-                </a:solidFill>
-                <a:latin typeface="Meiryo UI" panose="020B0604030504040204" pitchFamily="50" charset="-128"/>
-                <a:ea typeface="Meiryo UI" panose="020B0604030504040204" pitchFamily="50" charset="-128"/>
-              </a:rPr>
-              <a:t>123456</a:t>
-            </a:r>
-            <a:endParaRPr kumimoji="1" lang="ja-JP" altLang="en-US" sz="1200" dirty="0">
-              <a:latin typeface="Meiryo UI" panose="020B0604030504040204" pitchFamily="50" charset="-128"/>
-              <a:ea typeface="Meiryo UI" panose="020B0604030504040204" pitchFamily="50" charset="-128"/>
-            </a:endParaRPr>
-          </a:p>
-        </p:txBody>
-      </p:sp>
-      <p:cxnSp>
-        <p:nvCxnSpPr>
-          <p:cNvPr id="11" name="直線コネクタ 10"/>
-          <p:cNvCxnSpPr/>
-          <p:nvPr/>
-        </p:nvCxnSpPr>
-        <p:spPr>
-          <a:xfrm>
-            <a:off x="838200" y="1862054"/>
-            <a:ext cx="8077200" cy="33256"/>
-          </a:xfrm>
-          <a:prstGeom prst="line">
-            <a:avLst/>
-          </a:prstGeom>
-        </p:spPr>
-        <p:style>
-          <a:lnRef idx="1">
-            <a:schemeClr val="dk1"/>
-          </a:lnRef>
-          <a:fillRef idx="0">
-            <a:schemeClr val="dk1"/>
-          </a:fillRef>
-          <a:effectRef idx="0">
-            <a:schemeClr val="dk1"/>
-          </a:effectRef>
-          <a:fontRef idx="minor">
-            <a:schemeClr val="tx1"/>
-          </a:fontRef>
-        </p:style>
-      </p:cxnSp>
-      <p:sp>
-        <p:nvSpPr>
           <p:cNvPr id="18" name="正方形/長方形 17"/>
           <p:cNvSpPr/>
           <p:nvPr/>
         </p:nvSpPr>
         <p:spPr>
           <a:xfrm>
-            <a:off x="1005840" y="2075624"/>
+            <a:off x="1005840" y="1876119"/>
             <a:ext cx="1330036" cy="216551"/>
           </a:xfrm>
           <a:prstGeom prst="rect">
@@ -9519,7 +9369,7 @@
         </p:nvSpPr>
         <p:spPr>
           <a:xfrm>
-            <a:off x="2412536" y="2076654"/>
+            <a:off x="2412536" y="1877149"/>
             <a:ext cx="1989976" cy="216551"/>
           </a:xfrm>
           <a:prstGeom prst="rect">
@@ -9558,82 +9408,16 @@
                 <a:latin typeface="Meiryo UI" panose="020B0604030504040204" pitchFamily="50" charset="-128"/>
                 <a:ea typeface="Meiryo UI" panose="020B0604030504040204" pitchFamily="50" charset="-128"/>
               </a:rPr>
-              <a:t>テスト　</a:t>
-            </a:r>
-            <a:r>
-              <a:rPr kumimoji="1" lang="ja-JP" altLang="en-US" sz="1200" dirty="0" smtClean="0">
-                <a:solidFill>
-                  <a:schemeClr val="tx1"/>
-                </a:solidFill>
-                <a:latin typeface="Meiryo UI" panose="020B0604030504040204" pitchFamily="50" charset="-128"/>
-                <a:ea typeface="Meiryo UI" panose="020B0604030504040204" pitchFamily="50" charset="-128"/>
-              </a:rPr>
-              <a:t>イチロウ</a:t>
+              <a:t>テスト　イチロウ</a:t>
             </a:r>
             <a:r>
               <a:rPr kumimoji="1" lang="ja-JP" altLang="en-US" sz="1050" dirty="0" smtClean="0">
                 <a:latin typeface="Meiryo UI" panose="020B0604030504040204" pitchFamily="50" charset="-128"/>
                 <a:ea typeface="Meiryo UI" panose="020B0604030504040204" pitchFamily="50" charset="-128"/>
               </a:rPr>
-              <a:t>社員</a:t>
-            </a:r>
-            <a:r>
-              <a:rPr kumimoji="1" lang="ja-JP" altLang="en-US" sz="1050" dirty="0" smtClean="0">
-                <a:latin typeface="Meiryo UI" panose="020B0604030504040204" pitchFamily="50" charset="-128"/>
-                <a:ea typeface="Meiryo UI" panose="020B0604030504040204" pitchFamily="50" charset="-128"/>
-              </a:rPr>
-              <a:t>コード</a:t>
+              <a:t>社員コード</a:t>
             </a:r>
             <a:endParaRPr kumimoji="1" lang="ja-JP" altLang="en-US" sz="1050" dirty="0">
-              <a:latin typeface="Meiryo UI" panose="020B0604030504040204" pitchFamily="50" charset="-128"/>
-              <a:ea typeface="Meiryo UI" panose="020B0604030504040204" pitchFamily="50" charset="-128"/>
-            </a:endParaRPr>
-          </a:p>
-        </p:txBody>
-      </p:sp>
-      <p:sp>
-        <p:nvSpPr>
-          <p:cNvPr id="21" name="正方形/長方形 20"/>
-          <p:cNvSpPr/>
-          <p:nvPr/>
-        </p:nvSpPr>
-        <p:spPr>
-          <a:xfrm>
-            <a:off x="1124066" y="2836759"/>
-            <a:ext cx="1330036" cy="216551"/>
-          </a:xfrm>
-          <a:prstGeom prst="rect">
-            <a:avLst/>
-          </a:prstGeom>
-        </p:spPr>
-        <p:style>
-          <a:lnRef idx="2">
-            <a:schemeClr val="accent1">
-              <a:shade val="50000"/>
-            </a:schemeClr>
-          </a:lnRef>
-          <a:fillRef idx="1">
-            <a:schemeClr val="accent1"/>
-          </a:fillRef>
-          <a:effectRef idx="0">
-            <a:schemeClr val="accent1"/>
-          </a:effectRef>
-          <a:fontRef idx="minor">
-            <a:schemeClr val="lt1"/>
-          </a:fontRef>
-        </p:style>
-        <p:txBody>
-          <a:bodyPr rtlCol="0" anchor="ctr"/>
-          <a:lstStyle/>
-          <a:p>
-            <a:r>
-              <a:rPr kumimoji="1" lang="ja-JP" altLang="en-US" sz="1200" dirty="0" smtClean="0">
-                <a:latin typeface="Meiryo UI" panose="020B0604030504040204" pitchFamily="50" charset="-128"/>
-                <a:ea typeface="Meiryo UI" panose="020B0604030504040204" pitchFamily="50" charset="-128"/>
-              </a:rPr>
-              <a:t>銀行コード</a:t>
-            </a:r>
-            <a:endParaRPr kumimoji="1" lang="en-US" altLang="ja-JP" sz="1200" dirty="0" smtClean="0">
               <a:latin typeface="Meiryo UI" panose="020B0604030504040204" pitchFamily="50" charset="-128"/>
               <a:ea typeface="Meiryo UI" panose="020B0604030504040204" pitchFamily="50" charset="-128"/>
             </a:endParaRPr>
@@ -9648,7 +9432,7 @@
         </p:nvSpPr>
         <p:spPr>
           <a:xfrm>
-            <a:off x="7492539" y="5303845"/>
+            <a:off x="7492539" y="5104340"/>
             <a:ext cx="1438101" cy="399011"/>
           </a:xfrm>
           <a:prstGeom prst="rect">
@@ -9695,1096 +9479,1120 @@
           </a:p>
         </p:txBody>
       </p:sp>
-      <p:sp>
-        <p:nvSpPr>
-          <p:cNvPr id="20" name="正方形/長方形 19"/>
-          <p:cNvSpPr/>
+      <p:grpSp>
+        <p:nvGrpSpPr>
+          <p:cNvPr id="7" name="グループ化 6"/>
+          <p:cNvGrpSpPr/>
           <p:nvPr/>
-        </p:nvSpPr>
-        <p:spPr>
+        </p:nvGrpSpPr>
+        <p:grpSpPr>
           <a:xfrm>
-            <a:off x="7477299" y="1398822"/>
-            <a:ext cx="1438101" cy="399011"/>
+            <a:off x="1005838" y="2335273"/>
+            <a:ext cx="3798917" cy="2552619"/>
+            <a:chOff x="1005838" y="2534778"/>
+            <a:chExt cx="3798917" cy="2552619"/>
           </a:xfrm>
-          <a:prstGeom prst="rect">
-            <a:avLst/>
-          </a:prstGeom>
-          <a:noFill/>
-          <a:ln w="19050">
-            <a:solidFill>
-              <a:schemeClr val="tx1"/>
-            </a:solidFill>
-          </a:ln>
-        </p:spPr>
-        <p:style>
-          <a:lnRef idx="2">
-            <a:schemeClr val="accent1">
-              <a:shade val="50000"/>
-            </a:schemeClr>
-          </a:lnRef>
-          <a:fillRef idx="1">
-            <a:schemeClr val="accent1"/>
-          </a:fillRef>
-          <a:effectRef idx="0">
-            <a:schemeClr val="accent1"/>
-          </a:effectRef>
-          <a:fontRef idx="minor">
-            <a:schemeClr val="lt1"/>
-          </a:fontRef>
-        </p:style>
-        <p:txBody>
-          <a:bodyPr rtlCol="0" anchor="ctr"/>
-          <a:lstStyle/>
-          <a:p>
-            <a:pPr algn="ctr"/>
-            <a:r>
-              <a:rPr kumimoji="1" lang="ja-JP" altLang="en-US" dirty="0" smtClean="0">
+        </p:grpSpPr>
+        <p:sp>
+          <p:nvSpPr>
+            <p:cNvPr id="21" name="正方形/長方形 20"/>
+            <p:cNvSpPr/>
+            <p:nvPr/>
+          </p:nvSpPr>
+          <p:spPr>
+            <a:xfrm>
+              <a:off x="1124066" y="2836759"/>
+              <a:ext cx="1330036" cy="216551"/>
+            </a:xfrm>
+            <a:prstGeom prst="rect">
+              <a:avLst/>
+            </a:prstGeom>
+          </p:spPr>
+          <p:style>
+            <a:lnRef idx="2">
+              <a:schemeClr val="accent1">
+                <a:shade val="50000"/>
+              </a:schemeClr>
+            </a:lnRef>
+            <a:fillRef idx="1">
+              <a:schemeClr val="accent1"/>
+            </a:fillRef>
+            <a:effectRef idx="0">
+              <a:schemeClr val="accent1"/>
+            </a:effectRef>
+            <a:fontRef idx="minor">
+              <a:schemeClr val="lt1"/>
+            </a:fontRef>
+          </p:style>
+          <p:txBody>
+            <a:bodyPr rtlCol="0" anchor="ctr"/>
+            <a:lstStyle/>
+            <a:p>
+              <a:r>
+                <a:rPr kumimoji="1" lang="ja-JP" altLang="en-US" sz="1200" dirty="0" smtClean="0">
+                  <a:latin typeface="Meiryo UI" panose="020B0604030504040204" pitchFamily="50" charset="-128"/>
+                  <a:ea typeface="Meiryo UI" panose="020B0604030504040204" pitchFamily="50" charset="-128"/>
+                </a:rPr>
+                <a:t>銀行コード</a:t>
+              </a:r>
+              <a:endParaRPr kumimoji="1" lang="en-US" altLang="ja-JP" sz="1200" dirty="0" smtClean="0">
+                <a:latin typeface="Meiryo UI" panose="020B0604030504040204" pitchFamily="50" charset="-128"/>
+                <a:ea typeface="Meiryo UI" panose="020B0604030504040204" pitchFamily="50" charset="-128"/>
+              </a:endParaRPr>
+            </a:p>
+          </p:txBody>
+        </p:sp>
+        <p:sp>
+          <p:nvSpPr>
+            <p:cNvPr id="22" name="正方形/長方形 21"/>
+            <p:cNvSpPr/>
+            <p:nvPr/>
+          </p:nvSpPr>
+          <p:spPr>
+            <a:xfrm>
+              <a:off x="1124065" y="3187637"/>
+              <a:ext cx="1330036" cy="216551"/>
+            </a:xfrm>
+            <a:prstGeom prst="rect">
+              <a:avLst/>
+            </a:prstGeom>
+          </p:spPr>
+          <p:style>
+            <a:lnRef idx="2">
+              <a:schemeClr val="accent1">
+                <a:shade val="50000"/>
+              </a:schemeClr>
+            </a:lnRef>
+            <a:fillRef idx="1">
+              <a:schemeClr val="accent1"/>
+            </a:fillRef>
+            <a:effectRef idx="0">
+              <a:schemeClr val="accent1"/>
+            </a:effectRef>
+            <a:fontRef idx="minor">
+              <a:schemeClr val="lt1"/>
+            </a:fontRef>
+          </p:style>
+          <p:txBody>
+            <a:bodyPr rtlCol="0" anchor="ctr"/>
+            <a:lstStyle/>
+            <a:p>
+              <a:r>
+                <a:rPr kumimoji="1" lang="ja-JP" altLang="en-US" sz="1200" dirty="0" smtClean="0">
+                  <a:latin typeface="Meiryo UI" panose="020B0604030504040204" pitchFamily="50" charset="-128"/>
+                  <a:ea typeface="Meiryo UI" panose="020B0604030504040204" pitchFamily="50" charset="-128"/>
+                </a:rPr>
+                <a:t>銀行カナ</a:t>
+              </a:r>
+              <a:endParaRPr kumimoji="1" lang="en-US" altLang="ja-JP" sz="1200" dirty="0" smtClean="0">
+                <a:latin typeface="Meiryo UI" panose="020B0604030504040204" pitchFamily="50" charset="-128"/>
+                <a:ea typeface="Meiryo UI" panose="020B0604030504040204" pitchFamily="50" charset="-128"/>
+              </a:endParaRPr>
+            </a:p>
+          </p:txBody>
+        </p:sp>
+        <p:sp>
+          <p:nvSpPr>
+            <p:cNvPr id="23" name="正方形/長方形 22"/>
+            <p:cNvSpPr/>
+            <p:nvPr/>
+          </p:nvSpPr>
+          <p:spPr>
+            <a:xfrm>
+              <a:off x="1124065" y="3543869"/>
+              <a:ext cx="1330036" cy="216551"/>
+            </a:xfrm>
+            <a:prstGeom prst="rect">
+              <a:avLst/>
+            </a:prstGeom>
+          </p:spPr>
+          <p:style>
+            <a:lnRef idx="2">
+              <a:schemeClr val="accent1">
+                <a:shade val="50000"/>
+              </a:schemeClr>
+            </a:lnRef>
+            <a:fillRef idx="1">
+              <a:schemeClr val="accent1"/>
+            </a:fillRef>
+            <a:effectRef idx="0">
+              <a:schemeClr val="accent1"/>
+            </a:effectRef>
+            <a:fontRef idx="minor">
+              <a:schemeClr val="lt1"/>
+            </a:fontRef>
+          </p:style>
+          <p:txBody>
+            <a:bodyPr rtlCol="0" anchor="ctr"/>
+            <a:lstStyle/>
+            <a:p>
+              <a:r>
+                <a:rPr kumimoji="1" lang="ja-JP" altLang="en-US" sz="1200" dirty="0" smtClean="0">
+                  <a:latin typeface="Meiryo UI" panose="020B0604030504040204" pitchFamily="50" charset="-128"/>
+                  <a:ea typeface="Meiryo UI" panose="020B0604030504040204" pitchFamily="50" charset="-128"/>
+                </a:rPr>
+                <a:t>支店カナ</a:t>
+              </a:r>
+              <a:endParaRPr kumimoji="1" lang="en-US" altLang="ja-JP" sz="1200" dirty="0" smtClean="0">
+                <a:latin typeface="Meiryo UI" panose="020B0604030504040204" pitchFamily="50" charset="-128"/>
+                <a:ea typeface="Meiryo UI" panose="020B0604030504040204" pitchFamily="50" charset="-128"/>
+              </a:endParaRPr>
+            </a:p>
+          </p:txBody>
+        </p:sp>
+        <p:sp>
+          <p:nvSpPr>
+            <p:cNvPr id="24" name="正方形/長方形 23"/>
+            <p:cNvSpPr/>
+            <p:nvPr/>
+          </p:nvSpPr>
+          <p:spPr>
+            <a:xfrm>
+              <a:off x="1124065" y="3900101"/>
+              <a:ext cx="1330036" cy="216551"/>
+            </a:xfrm>
+            <a:prstGeom prst="rect">
+              <a:avLst/>
+            </a:prstGeom>
+          </p:spPr>
+          <p:style>
+            <a:lnRef idx="2">
+              <a:schemeClr val="accent1">
+                <a:shade val="50000"/>
+              </a:schemeClr>
+            </a:lnRef>
+            <a:fillRef idx="1">
+              <a:schemeClr val="accent1"/>
+            </a:fillRef>
+            <a:effectRef idx="0">
+              <a:schemeClr val="accent1"/>
+            </a:effectRef>
+            <a:fontRef idx="minor">
+              <a:schemeClr val="lt1"/>
+            </a:fontRef>
+          </p:style>
+          <p:txBody>
+            <a:bodyPr rtlCol="0" anchor="ctr"/>
+            <a:lstStyle/>
+            <a:p>
+              <a:r>
+                <a:rPr kumimoji="1" lang="ja-JP" altLang="en-US" sz="1200" dirty="0" smtClean="0">
+                  <a:latin typeface="Meiryo UI" panose="020B0604030504040204" pitchFamily="50" charset="-128"/>
+                  <a:ea typeface="Meiryo UI" panose="020B0604030504040204" pitchFamily="50" charset="-128"/>
+                </a:rPr>
+                <a:t>種別コード</a:t>
+              </a:r>
+              <a:endParaRPr kumimoji="1" lang="en-US" altLang="ja-JP" sz="1200" dirty="0" smtClean="0">
+                <a:latin typeface="Meiryo UI" panose="020B0604030504040204" pitchFamily="50" charset="-128"/>
+                <a:ea typeface="Meiryo UI" panose="020B0604030504040204" pitchFamily="50" charset="-128"/>
+              </a:endParaRPr>
+            </a:p>
+          </p:txBody>
+        </p:sp>
+        <p:sp>
+          <p:nvSpPr>
+            <p:cNvPr id="25" name="正方形/長方形 24"/>
+            <p:cNvSpPr/>
+            <p:nvPr/>
+          </p:nvSpPr>
+          <p:spPr>
+            <a:xfrm>
+              <a:off x="1124065" y="4256333"/>
+              <a:ext cx="1330036" cy="216551"/>
+            </a:xfrm>
+            <a:prstGeom prst="rect">
+              <a:avLst/>
+            </a:prstGeom>
+          </p:spPr>
+          <p:style>
+            <a:lnRef idx="2">
+              <a:schemeClr val="accent1">
+                <a:shade val="50000"/>
+              </a:schemeClr>
+            </a:lnRef>
+            <a:fillRef idx="1">
+              <a:schemeClr val="accent1"/>
+            </a:fillRef>
+            <a:effectRef idx="0">
+              <a:schemeClr val="accent1"/>
+            </a:effectRef>
+            <a:fontRef idx="minor">
+              <a:schemeClr val="lt1"/>
+            </a:fontRef>
+          </p:style>
+          <p:txBody>
+            <a:bodyPr rtlCol="0" anchor="ctr"/>
+            <a:lstStyle/>
+            <a:p>
+              <a:r>
+                <a:rPr kumimoji="1" lang="ja-JP" altLang="en-US" sz="1200" dirty="0" smtClean="0">
+                  <a:latin typeface="Meiryo UI" panose="020B0604030504040204" pitchFamily="50" charset="-128"/>
+                  <a:ea typeface="Meiryo UI" panose="020B0604030504040204" pitchFamily="50" charset="-128"/>
+                </a:rPr>
+                <a:t>口座番号</a:t>
+              </a:r>
+              <a:endParaRPr kumimoji="1" lang="en-US" altLang="ja-JP" sz="1200" dirty="0" smtClean="0">
+                <a:latin typeface="Meiryo UI" panose="020B0604030504040204" pitchFamily="50" charset="-128"/>
+                <a:ea typeface="Meiryo UI" panose="020B0604030504040204" pitchFamily="50" charset="-128"/>
+              </a:endParaRPr>
+            </a:p>
+          </p:txBody>
+        </p:sp>
+        <p:sp>
+          <p:nvSpPr>
+            <p:cNvPr id="26" name="正方形/長方形 25"/>
+            <p:cNvSpPr/>
+            <p:nvPr/>
+          </p:nvSpPr>
+          <p:spPr>
+            <a:xfrm>
+              <a:off x="1124065" y="4612565"/>
+              <a:ext cx="1330036" cy="216551"/>
+            </a:xfrm>
+            <a:prstGeom prst="rect">
+              <a:avLst/>
+            </a:prstGeom>
+          </p:spPr>
+          <p:style>
+            <a:lnRef idx="2">
+              <a:schemeClr val="accent1">
+                <a:shade val="50000"/>
+              </a:schemeClr>
+            </a:lnRef>
+            <a:fillRef idx="1">
+              <a:schemeClr val="accent1"/>
+            </a:fillRef>
+            <a:effectRef idx="0">
+              <a:schemeClr val="accent1"/>
+            </a:effectRef>
+            <a:fontRef idx="minor">
+              <a:schemeClr val="lt1"/>
+            </a:fontRef>
+          </p:style>
+          <p:txBody>
+            <a:bodyPr rtlCol="0" anchor="ctr"/>
+            <a:lstStyle/>
+            <a:p>
+              <a:r>
+                <a:rPr lang="ja-JP" altLang="en-US" sz="1200" dirty="0" smtClean="0">
+                  <a:latin typeface="Meiryo UI" panose="020B0604030504040204" pitchFamily="50" charset="-128"/>
+                  <a:ea typeface="Meiryo UI" panose="020B0604030504040204" pitchFamily="50" charset="-128"/>
+                </a:rPr>
+                <a:t>取扱銀行</a:t>
+              </a:r>
+              <a:endParaRPr kumimoji="1" lang="en-US" altLang="ja-JP" sz="1200" dirty="0" smtClean="0">
+                <a:latin typeface="Meiryo UI" panose="020B0604030504040204" pitchFamily="50" charset="-128"/>
+                <a:ea typeface="Meiryo UI" panose="020B0604030504040204" pitchFamily="50" charset="-128"/>
+              </a:endParaRPr>
+            </a:p>
+          </p:txBody>
+        </p:sp>
+        <p:sp>
+          <p:nvSpPr>
+            <p:cNvPr id="2" name="正方形/長方形 1"/>
+            <p:cNvSpPr/>
+            <p:nvPr/>
+          </p:nvSpPr>
+          <p:spPr>
+            <a:xfrm>
+              <a:off x="1005838" y="2534778"/>
+              <a:ext cx="3798917" cy="2552619"/>
+            </a:xfrm>
+            <a:prstGeom prst="rect">
+              <a:avLst/>
+            </a:prstGeom>
+            <a:noFill/>
+            <a:ln w="19050">
+              <a:solidFill>
+                <a:schemeClr val="tx1"/>
+              </a:solidFill>
+            </a:ln>
+          </p:spPr>
+          <p:style>
+            <a:lnRef idx="2">
+              <a:schemeClr val="accent1">
+                <a:shade val="50000"/>
+              </a:schemeClr>
+            </a:lnRef>
+            <a:fillRef idx="1">
+              <a:schemeClr val="accent1"/>
+            </a:fillRef>
+            <a:effectRef idx="0">
+              <a:schemeClr val="accent1"/>
+            </a:effectRef>
+            <a:fontRef idx="minor">
+              <a:schemeClr val="lt1"/>
+            </a:fontRef>
+          </p:style>
+          <p:txBody>
+            <a:bodyPr rtlCol="0" anchor="t" anchorCtr="0"/>
+            <a:lstStyle/>
+            <a:p>
+              <a:r>
+                <a:rPr kumimoji="1" lang="ja-JP" altLang="en-US" sz="1200" dirty="0" smtClean="0">
+                  <a:solidFill>
+                    <a:schemeClr val="tx1"/>
+                  </a:solidFill>
+                  <a:latin typeface="Meiryo UI" panose="020B0604030504040204" pitchFamily="50" charset="-128"/>
+                  <a:ea typeface="Meiryo UI" panose="020B0604030504040204" pitchFamily="50" charset="-128"/>
+                </a:rPr>
+                <a:t>銀行情報</a:t>
+              </a:r>
+              <a:endParaRPr kumimoji="1" lang="ja-JP" altLang="en-US" sz="1200" dirty="0">
                 <a:solidFill>
                   <a:schemeClr val="tx1"/>
                 </a:solidFill>
                 <a:latin typeface="Meiryo UI" panose="020B0604030504040204" pitchFamily="50" charset="-128"/>
                 <a:ea typeface="Meiryo UI" panose="020B0604030504040204" pitchFamily="50" charset="-128"/>
-              </a:rPr>
-              <a:t>検索</a:t>
-            </a:r>
-          </a:p>
-        </p:txBody>
-      </p:sp>
-      <p:sp>
-        <p:nvSpPr>
-          <p:cNvPr id="22" name="正方形/長方形 21"/>
-          <p:cNvSpPr/>
-          <p:nvPr/>
-        </p:nvSpPr>
-        <p:spPr>
-          <a:xfrm>
-            <a:off x="1124065" y="3187637"/>
-            <a:ext cx="1330036" cy="216551"/>
-          </a:xfrm>
-          <a:prstGeom prst="rect">
-            <a:avLst/>
-          </a:prstGeom>
-        </p:spPr>
-        <p:style>
-          <a:lnRef idx="2">
-            <a:schemeClr val="accent1">
-              <a:shade val="50000"/>
-            </a:schemeClr>
-          </a:lnRef>
-          <a:fillRef idx="1">
-            <a:schemeClr val="accent1"/>
-          </a:fillRef>
-          <a:effectRef idx="0">
-            <a:schemeClr val="accent1"/>
-          </a:effectRef>
-          <a:fontRef idx="minor">
-            <a:schemeClr val="lt1"/>
-          </a:fontRef>
-        </p:style>
-        <p:txBody>
-          <a:bodyPr rtlCol="0" anchor="ctr"/>
-          <a:lstStyle/>
-          <a:p>
-            <a:r>
-              <a:rPr kumimoji="1" lang="ja-JP" altLang="en-US" sz="1200" dirty="0" smtClean="0">
-                <a:latin typeface="Meiryo UI" panose="020B0604030504040204" pitchFamily="50" charset="-128"/>
-                <a:ea typeface="Meiryo UI" panose="020B0604030504040204" pitchFamily="50" charset="-128"/>
-              </a:rPr>
-              <a:t>銀行カナ</a:t>
-            </a:r>
-            <a:endParaRPr kumimoji="1" lang="en-US" altLang="ja-JP" sz="1200" dirty="0" smtClean="0">
-              <a:latin typeface="Meiryo UI" panose="020B0604030504040204" pitchFamily="50" charset="-128"/>
-              <a:ea typeface="Meiryo UI" panose="020B0604030504040204" pitchFamily="50" charset="-128"/>
-            </a:endParaRPr>
-          </a:p>
-        </p:txBody>
-      </p:sp>
-      <p:sp>
-        <p:nvSpPr>
-          <p:cNvPr id="23" name="正方形/長方形 22"/>
-          <p:cNvSpPr/>
-          <p:nvPr/>
-        </p:nvSpPr>
-        <p:spPr>
-          <a:xfrm>
-            <a:off x="1124065" y="3543869"/>
-            <a:ext cx="1330036" cy="216551"/>
-          </a:xfrm>
-          <a:prstGeom prst="rect">
-            <a:avLst/>
-          </a:prstGeom>
-        </p:spPr>
-        <p:style>
-          <a:lnRef idx="2">
-            <a:schemeClr val="accent1">
-              <a:shade val="50000"/>
-            </a:schemeClr>
-          </a:lnRef>
-          <a:fillRef idx="1">
-            <a:schemeClr val="accent1"/>
-          </a:fillRef>
-          <a:effectRef idx="0">
-            <a:schemeClr val="accent1"/>
-          </a:effectRef>
-          <a:fontRef idx="minor">
-            <a:schemeClr val="lt1"/>
-          </a:fontRef>
-        </p:style>
-        <p:txBody>
-          <a:bodyPr rtlCol="0" anchor="ctr"/>
-          <a:lstStyle/>
-          <a:p>
-            <a:r>
-              <a:rPr kumimoji="1" lang="ja-JP" altLang="en-US" sz="1200" dirty="0" smtClean="0">
-                <a:latin typeface="Meiryo UI" panose="020B0604030504040204" pitchFamily="50" charset="-128"/>
-                <a:ea typeface="Meiryo UI" panose="020B0604030504040204" pitchFamily="50" charset="-128"/>
-              </a:rPr>
-              <a:t>支店カナ</a:t>
-            </a:r>
-            <a:endParaRPr kumimoji="1" lang="en-US" altLang="ja-JP" sz="1200" dirty="0" smtClean="0">
-              <a:latin typeface="Meiryo UI" panose="020B0604030504040204" pitchFamily="50" charset="-128"/>
-              <a:ea typeface="Meiryo UI" panose="020B0604030504040204" pitchFamily="50" charset="-128"/>
-            </a:endParaRPr>
-          </a:p>
-        </p:txBody>
-      </p:sp>
-      <p:sp>
-        <p:nvSpPr>
-          <p:cNvPr id="24" name="正方形/長方形 23"/>
-          <p:cNvSpPr/>
-          <p:nvPr/>
-        </p:nvSpPr>
-        <p:spPr>
-          <a:xfrm>
-            <a:off x="1124065" y="3900101"/>
-            <a:ext cx="1330036" cy="216551"/>
-          </a:xfrm>
-          <a:prstGeom prst="rect">
-            <a:avLst/>
-          </a:prstGeom>
-        </p:spPr>
-        <p:style>
-          <a:lnRef idx="2">
-            <a:schemeClr val="accent1">
-              <a:shade val="50000"/>
-            </a:schemeClr>
-          </a:lnRef>
-          <a:fillRef idx="1">
-            <a:schemeClr val="accent1"/>
-          </a:fillRef>
-          <a:effectRef idx="0">
-            <a:schemeClr val="accent1"/>
-          </a:effectRef>
-          <a:fontRef idx="minor">
-            <a:schemeClr val="lt1"/>
-          </a:fontRef>
-        </p:style>
-        <p:txBody>
-          <a:bodyPr rtlCol="0" anchor="ctr"/>
-          <a:lstStyle/>
-          <a:p>
-            <a:r>
-              <a:rPr kumimoji="1" lang="ja-JP" altLang="en-US" sz="1200" dirty="0" smtClean="0">
-                <a:latin typeface="Meiryo UI" panose="020B0604030504040204" pitchFamily="50" charset="-128"/>
-                <a:ea typeface="Meiryo UI" panose="020B0604030504040204" pitchFamily="50" charset="-128"/>
-              </a:rPr>
-              <a:t>種別コード</a:t>
-            </a:r>
-            <a:endParaRPr kumimoji="1" lang="en-US" altLang="ja-JP" sz="1200" dirty="0" smtClean="0">
-              <a:latin typeface="Meiryo UI" panose="020B0604030504040204" pitchFamily="50" charset="-128"/>
-              <a:ea typeface="Meiryo UI" panose="020B0604030504040204" pitchFamily="50" charset="-128"/>
-            </a:endParaRPr>
-          </a:p>
-        </p:txBody>
-      </p:sp>
-      <p:sp>
-        <p:nvSpPr>
-          <p:cNvPr id="25" name="正方形/長方形 24"/>
-          <p:cNvSpPr/>
-          <p:nvPr/>
-        </p:nvSpPr>
-        <p:spPr>
-          <a:xfrm>
-            <a:off x="1124065" y="4256333"/>
-            <a:ext cx="1330036" cy="216551"/>
-          </a:xfrm>
-          <a:prstGeom prst="rect">
-            <a:avLst/>
-          </a:prstGeom>
-        </p:spPr>
-        <p:style>
-          <a:lnRef idx="2">
-            <a:schemeClr val="accent1">
-              <a:shade val="50000"/>
-            </a:schemeClr>
-          </a:lnRef>
-          <a:fillRef idx="1">
-            <a:schemeClr val="accent1"/>
-          </a:fillRef>
-          <a:effectRef idx="0">
-            <a:schemeClr val="accent1"/>
-          </a:effectRef>
-          <a:fontRef idx="minor">
-            <a:schemeClr val="lt1"/>
-          </a:fontRef>
-        </p:style>
-        <p:txBody>
-          <a:bodyPr rtlCol="0" anchor="ctr"/>
-          <a:lstStyle/>
-          <a:p>
-            <a:r>
-              <a:rPr kumimoji="1" lang="ja-JP" altLang="en-US" sz="1200" dirty="0" smtClean="0">
-                <a:latin typeface="Meiryo UI" panose="020B0604030504040204" pitchFamily="50" charset="-128"/>
-                <a:ea typeface="Meiryo UI" panose="020B0604030504040204" pitchFamily="50" charset="-128"/>
-              </a:rPr>
-              <a:t>口座番号</a:t>
-            </a:r>
-            <a:endParaRPr kumimoji="1" lang="en-US" altLang="ja-JP" sz="1200" dirty="0" smtClean="0">
-              <a:latin typeface="Meiryo UI" panose="020B0604030504040204" pitchFamily="50" charset="-128"/>
-              <a:ea typeface="Meiryo UI" panose="020B0604030504040204" pitchFamily="50" charset="-128"/>
-            </a:endParaRPr>
-          </a:p>
-        </p:txBody>
-      </p:sp>
-      <p:sp>
-        <p:nvSpPr>
-          <p:cNvPr id="26" name="正方形/長方形 25"/>
-          <p:cNvSpPr/>
-          <p:nvPr/>
-        </p:nvSpPr>
-        <p:spPr>
-          <a:xfrm>
-            <a:off x="1124065" y="4612565"/>
-            <a:ext cx="1330036" cy="216551"/>
-          </a:xfrm>
-          <a:prstGeom prst="rect">
-            <a:avLst/>
-          </a:prstGeom>
-        </p:spPr>
-        <p:style>
-          <a:lnRef idx="2">
-            <a:schemeClr val="accent1">
-              <a:shade val="50000"/>
-            </a:schemeClr>
-          </a:lnRef>
-          <a:fillRef idx="1">
-            <a:schemeClr val="accent1"/>
-          </a:fillRef>
-          <a:effectRef idx="0">
-            <a:schemeClr val="accent1"/>
-          </a:effectRef>
-          <a:fontRef idx="minor">
-            <a:schemeClr val="lt1"/>
-          </a:fontRef>
-        </p:style>
-        <p:txBody>
-          <a:bodyPr rtlCol="0" anchor="ctr"/>
-          <a:lstStyle/>
-          <a:p>
-            <a:r>
-              <a:rPr lang="ja-JP" altLang="en-US" sz="1200" dirty="0" smtClean="0">
-                <a:latin typeface="Meiryo UI" panose="020B0604030504040204" pitchFamily="50" charset="-128"/>
-                <a:ea typeface="Meiryo UI" panose="020B0604030504040204" pitchFamily="50" charset="-128"/>
-              </a:rPr>
-              <a:t>取扱銀行</a:t>
-            </a:r>
-            <a:endParaRPr kumimoji="1" lang="en-US" altLang="ja-JP" sz="1200" dirty="0" smtClean="0">
-              <a:latin typeface="Meiryo UI" panose="020B0604030504040204" pitchFamily="50" charset="-128"/>
-              <a:ea typeface="Meiryo UI" panose="020B0604030504040204" pitchFamily="50" charset="-128"/>
-            </a:endParaRPr>
-          </a:p>
-        </p:txBody>
-      </p:sp>
-      <p:sp>
-        <p:nvSpPr>
-          <p:cNvPr id="2" name="正方形/長方形 1"/>
-          <p:cNvSpPr/>
-          <p:nvPr/>
-        </p:nvSpPr>
-        <p:spPr>
-          <a:xfrm>
-            <a:off x="1005838" y="2534778"/>
-            <a:ext cx="3798917" cy="2552619"/>
-          </a:xfrm>
-          <a:prstGeom prst="rect">
-            <a:avLst/>
-          </a:prstGeom>
-          <a:noFill/>
-          <a:ln w="19050">
-            <a:solidFill>
-              <a:schemeClr val="tx1"/>
-            </a:solidFill>
-          </a:ln>
-        </p:spPr>
-        <p:style>
-          <a:lnRef idx="2">
-            <a:schemeClr val="accent1">
-              <a:shade val="50000"/>
-            </a:schemeClr>
-          </a:lnRef>
-          <a:fillRef idx="1">
-            <a:schemeClr val="accent1"/>
-          </a:fillRef>
-          <a:effectRef idx="0">
-            <a:schemeClr val="accent1"/>
-          </a:effectRef>
-          <a:fontRef idx="minor">
-            <a:schemeClr val="lt1"/>
-          </a:fontRef>
-        </p:style>
-        <p:txBody>
-          <a:bodyPr rtlCol="0" anchor="t" anchorCtr="0"/>
-          <a:lstStyle/>
-          <a:p>
-            <a:r>
-              <a:rPr kumimoji="1" lang="ja-JP" altLang="en-US" sz="1200" dirty="0" smtClean="0">
+              </a:endParaRPr>
+            </a:p>
+          </p:txBody>
+        </p:sp>
+        <p:sp>
+          <p:nvSpPr>
+            <p:cNvPr id="35" name="正方形/長方形 34"/>
+            <p:cNvSpPr/>
+            <p:nvPr/>
+          </p:nvSpPr>
+          <p:spPr>
+            <a:xfrm>
+              <a:off x="2572330" y="2822408"/>
+              <a:ext cx="931485" cy="216551"/>
+            </a:xfrm>
+            <a:prstGeom prst="rect">
+              <a:avLst/>
+            </a:prstGeom>
+            <a:noFill/>
+            <a:ln>
+              <a:noFill/>
+            </a:ln>
+          </p:spPr>
+          <p:style>
+            <a:lnRef idx="2">
+              <a:schemeClr val="accent1">
+                <a:shade val="50000"/>
+              </a:schemeClr>
+            </a:lnRef>
+            <a:fillRef idx="1">
+              <a:schemeClr val="accent1"/>
+            </a:fillRef>
+            <a:effectRef idx="0">
+              <a:schemeClr val="accent1"/>
+            </a:effectRef>
+            <a:fontRef idx="minor">
+              <a:schemeClr val="lt1"/>
+            </a:fontRef>
+          </p:style>
+          <p:txBody>
+            <a:bodyPr rtlCol="0" anchor="ctr"/>
+            <a:lstStyle/>
+            <a:p>
+              <a:r>
+                <a:rPr lang="en-US" altLang="ja-JP" sz="1200" dirty="0">
+                  <a:solidFill>
+                    <a:schemeClr val="tx1"/>
+                  </a:solidFill>
+                  <a:latin typeface="Meiryo UI" panose="020B0604030504040204" pitchFamily="50" charset="-128"/>
+                  <a:ea typeface="Meiryo UI" panose="020B0604030504040204" pitchFamily="50" charset="-128"/>
+                </a:rPr>
+                <a:t>0005869</a:t>
+              </a:r>
+              <a:endParaRPr kumimoji="1" lang="ja-JP" altLang="en-US" sz="1200" dirty="0">
                 <a:solidFill>
                   <a:schemeClr val="tx1"/>
                 </a:solidFill>
                 <a:latin typeface="Meiryo UI" panose="020B0604030504040204" pitchFamily="50" charset="-128"/>
                 <a:ea typeface="Meiryo UI" panose="020B0604030504040204" pitchFamily="50" charset="-128"/>
-              </a:rPr>
-              <a:t>銀行情報</a:t>
-            </a:r>
-            <a:endParaRPr kumimoji="1" lang="ja-JP" altLang="en-US" sz="1200" dirty="0">
-              <a:solidFill>
-                <a:schemeClr val="tx1"/>
-              </a:solidFill>
-              <a:latin typeface="Meiryo UI" panose="020B0604030504040204" pitchFamily="50" charset="-128"/>
-              <a:ea typeface="Meiryo UI" panose="020B0604030504040204" pitchFamily="50" charset="-128"/>
-            </a:endParaRPr>
-          </a:p>
-        </p:txBody>
-      </p:sp>
-      <p:sp>
-        <p:nvSpPr>
-          <p:cNvPr id="35" name="正方形/長方形 34"/>
-          <p:cNvSpPr/>
-          <p:nvPr/>
-        </p:nvSpPr>
-        <p:spPr>
-          <a:xfrm>
-            <a:off x="2572330" y="2822408"/>
-            <a:ext cx="931485" cy="216551"/>
-          </a:xfrm>
-          <a:prstGeom prst="rect">
-            <a:avLst/>
-          </a:prstGeom>
-          <a:noFill/>
-          <a:ln>
+              </a:endParaRPr>
+            </a:p>
+          </p:txBody>
+        </p:sp>
+        <p:sp>
+          <p:nvSpPr>
+            <p:cNvPr id="36" name="正方形/長方形 35"/>
+            <p:cNvSpPr/>
+            <p:nvPr/>
+          </p:nvSpPr>
+          <p:spPr>
+            <a:xfrm>
+              <a:off x="2586412" y="3191767"/>
+              <a:ext cx="1989976" cy="216551"/>
+            </a:xfrm>
+            <a:prstGeom prst="rect">
+              <a:avLst/>
+            </a:prstGeom>
             <a:noFill/>
-          </a:ln>
-        </p:spPr>
-        <p:style>
-          <a:lnRef idx="2">
-            <a:schemeClr val="accent1">
-              <a:shade val="50000"/>
-            </a:schemeClr>
-          </a:lnRef>
-          <a:fillRef idx="1">
-            <a:schemeClr val="accent1"/>
-          </a:fillRef>
-          <a:effectRef idx="0">
-            <a:schemeClr val="accent1"/>
-          </a:effectRef>
-          <a:fontRef idx="minor">
-            <a:schemeClr val="lt1"/>
-          </a:fontRef>
-        </p:style>
-        <p:txBody>
-          <a:bodyPr rtlCol="0" anchor="ctr"/>
-          <a:lstStyle/>
-          <a:p>
-            <a:r>
-              <a:rPr lang="en-US" altLang="ja-JP" sz="1200" dirty="0">
+            <a:ln>
+              <a:noFill/>
+            </a:ln>
+          </p:spPr>
+          <p:style>
+            <a:lnRef idx="2">
+              <a:schemeClr val="accent1">
+                <a:shade val="50000"/>
+              </a:schemeClr>
+            </a:lnRef>
+            <a:fillRef idx="1">
+              <a:schemeClr val="accent1"/>
+            </a:fillRef>
+            <a:effectRef idx="0">
+              <a:schemeClr val="accent1"/>
+            </a:effectRef>
+            <a:fontRef idx="minor">
+              <a:schemeClr val="lt1"/>
+            </a:fontRef>
+          </p:style>
+          <p:txBody>
+            <a:bodyPr rtlCol="0" anchor="ctr"/>
+            <a:lstStyle/>
+            <a:p>
+              <a:r>
+                <a:rPr lang="ja-JP" altLang="en-US" sz="1200" dirty="0">
+                  <a:solidFill>
+                    <a:schemeClr val="tx1"/>
+                  </a:solidFill>
+                  <a:latin typeface="Meiryo UI" panose="020B0604030504040204" pitchFamily="50" charset="-128"/>
+                  <a:ea typeface="Meiryo UI" panose="020B0604030504040204" pitchFamily="50" charset="-128"/>
+                </a:rPr>
+                <a:t>ﾐﾂﾋﾞｼﾕ</a:t>
+              </a:r>
+              <a:r>
+                <a:rPr lang="en-US" altLang="ja-JP" sz="1200" dirty="0">
+                  <a:solidFill>
+                    <a:schemeClr val="tx1"/>
+                  </a:solidFill>
+                  <a:latin typeface="Meiryo UI" panose="020B0604030504040204" pitchFamily="50" charset="-128"/>
+                  <a:ea typeface="Meiryo UI" panose="020B0604030504040204" pitchFamily="50" charset="-128"/>
+                </a:rPr>
+                <a:t>-</a:t>
+              </a:r>
+              <a:r>
+                <a:rPr lang="ja-JP" altLang="en-US" sz="1200" dirty="0">
+                  <a:solidFill>
+                    <a:schemeClr val="tx1"/>
+                  </a:solidFill>
+                  <a:latin typeface="Meiryo UI" panose="020B0604030504040204" pitchFamily="50" charset="-128"/>
+                  <a:ea typeface="Meiryo UI" panose="020B0604030504040204" pitchFamily="50" charset="-128"/>
+                </a:rPr>
+                <a:t>ｴﾌｼﾞｴｲ</a:t>
+              </a:r>
+              <a:endParaRPr kumimoji="1" lang="ja-JP" altLang="en-US" sz="1200" dirty="0">
                 <a:solidFill>
                   <a:schemeClr val="tx1"/>
                 </a:solidFill>
                 <a:latin typeface="Meiryo UI" panose="020B0604030504040204" pitchFamily="50" charset="-128"/>
                 <a:ea typeface="Meiryo UI" panose="020B0604030504040204" pitchFamily="50" charset="-128"/>
-              </a:rPr>
-              <a:t>0005869</a:t>
-            </a:r>
-            <a:endParaRPr kumimoji="1" lang="ja-JP" altLang="en-US" sz="1200" dirty="0">
-              <a:solidFill>
-                <a:schemeClr val="tx1"/>
-              </a:solidFill>
-              <a:latin typeface="Meiryo UI" panose="020B0604030504040204" pitchFamily="50" charset="-128"/>
-              <a:ea typeface="Meiryo UI" panose="020B0604030504040204" pitchFamily="50" charset="-128"/>
-            </a:endParaRPr>
-          </a:p>
-        </p:txBody>
-      </p:sp>
-      <p:sp>
-        <p:nvSpPr>
-          <p:cNvPr id="36" name="正方形/長方形 35"/>
-          <p:cNvSpPr/>
-          <p:nvPr/>
-        </p:nvSpPr>
-        <p:spPr>
-          <a:xfrm>
-            <a:off x="2586412" y="3191767"/>
-            <a:ext cx="1989976" cy="216551"/>
-          </a:xfrm>
-          <a:prstGeom prst="rect">
-            <a:avLst/>
-          </a:prstGeom>
-          <a:noFill/>
-          <a:ln>
+              </a:endParaRPr>
+            </a:p>
+          </p:txBody>
+        </p:sp>
+        <p:sp>
+          <p:nvSpPr>
+            <p:cNvPr id="37" name="正方形/長方形 36"/>
+            <p:cNvSpPr/>
+            <p:nvPr/>
+          </p:nvSpPr>
+          <p:spPr>
+            <a:xfrm>
+              <a:off x="2572328" y="3570156"/>
+              <a:ext cx="1989976" cy="216551"/>
+            </a:xfrm>
+            <a:prstGeom prst="rect">
+              <a:avLst/>
+            </a:prstGeom>
             <a:noFill/>
-          </a:ln>
-        </p:spPr>
-        <p:style>
-          <a:lnRef idx="2">
-            <a:schemeClr val="accent1">
-              <a:shade val="50000"/>
-            </a:schemeClr>
-          </a:lnRef>
-          <a:fillRef idx="1">
-            <a:schemeClr val="accent1"/>
-          </a:fillRef>
-          <a:effectRef idx="0">
-            <a:schemeClr val="accent1"/>
-          </a:effectRef>
-          <a:fontRef idx="minor">
-            <a:schemeClr val="lt1"/>
-          </a:fontRef>
-        </p:style>
-        <p:txBody>
-          <a:bodyPr rtlCol="0" anchor="ctr"/>
-          <a:lstStyle/>
-          <a:p>
-            <a:r>
-              <a:rPr lang="ja-JP" altLang="en-US" sz="1200" dirty="0">
+            <a:ln>
+              <a:noFill/>
+            </a:ln>
+          </p:spPr>
+          <p:style>
+            <a:lnRef idx="2">
+              <a:schemeClr val="accent1">
+                <a:shade val="50000"/>
+              </a:schemeClr>
+            </a:lnRef>
+            <a:fillRef idx="1">
+              <a:schemeClr val="accent1"/>
+            </a:fillRef>
+            <a:effectRef idx="0">
+              <a:schemeClr val="accent1"/>
+            </a:effectRef>
+            <a:fontRef idx="minor">
+              <a:schemeClr val="lt1"/>
+            </a:fontRef>
+          </p:style>
+          <p:txBody>
+            <a:bodyPr rtlCol="0" anchor="ctr"/>
+            <a:lstStyle/>
+            <a:p>
+              <a:r>
+                <a:rPr lang="ja-JP" altLang="en-US" sz="1200" dirty="0">
+                  <a:solidFill>
+                    <a:schemeClr val="tx1"/>
+                  </a:solidFill>
+                  <a:latin typeface="Meiryo UI" panose="020B0604030504040204" pitchFamily="50" charset="-128"/>
+                  <a:ea typeface="Meiryo UI" panose="020B0604030504040204" pitchFamily="50" charset="-128"/>
+                </a:rPr>
+                <a:t>ﾅﾂｸﾞﾓ</a:t>
+              </a:r>
+              <a:endParaRPr kumimoji="1" lang="ja-JP" altLang="en-US" sz="1200" dirty="0">
                 <a:solidFill>
                   <a:schemeClr val="tx1"/>
                 </a:solidFill>
                 <a:latin typeface="Meiryo UI" panose="020B0604030504040204" pitchFamily="50" charset="-128"/>
                 <a:ea typeface="Meiryo UI" panose="020B0604030504040204" pitchFamily="50" charset="-128"/>
-              </a:rPr>
-              <a:t>ﾐﾂﾋﾞｼﾕ</a:t>
-            </a:r>
-            <a:r>
-              <a:rPr lang="en-US" altLang="ja-JP" sz="1200" dirty="0">
+              </a:endParaRPr>
+            </a:p>
+          </p:txBody>
+        </p:sp>
+        <p:sp>
+          <p:nvSpPr>
+            <p:cNvPr id="38" name="正方形/長方形 37"/>
+            <p:cNvSpPr/>
+            <p:nvPr/>
+          </p:nvSpPr>
+          <p:spPr>
+            <a:xfrm>
+              <a:off x="2572328" y="4256332"/>
+              <a:ext cx="894079" cy="216551"/>
+            </a:xfrm>
+            <a:prstGeom prst="rect">
+              <a:avLst/>
+            </a:prstGeom>
+            <a:noFill/>
+            <a:ln>
+              <a:noFill/>
+            </a:ln>
+          </p:spPr>
+          <p:style>
+            <a:lnRef idx="2">
+              <a:schemeClr val="accent1">
+                <a:shade val="50000"/>
+              </a:schemeClr>
+            </a:lnRef>
+            <a:fillRef idx="1">
+              <a:schemeClr val="accent1"/>
+            </a:fillRef>
+            <a:effectRef idx="0">
+              <a:schemeClr val="accent1"/>
+            </a:effectRef>
+            <a:fontRef idx="minor">
+              <a:schemeClr val="lt1"/>
+            </a:fontRef>
+          </p:style>
+          <p:txBody>
+            <a:bodyPr rtlCol="0" anchor="ctr"/>
+            <a:lstStyle/>
+            <a:p>
+              <a:r>
+                <a:rPr kumimoji="1" lang="en-US" altLang="ja-JP" sz="1200" dirty="0" smtClean="0">
+                  <a:solidFill>
+                    <a:schemeClr val="tx1"/>
+                  </a:solidFill>
+                  <a:latin typeface="Meiryo UI" panose="020B0604030504040204" pitchFamily="50" charset="-128"/>
+                  <a:ea typeface="Meiryo UI" panose="020B0604030504040204" pitchFamily="50" charset="-128"/>
+                </a:rPr>
+                <a:t>1234567</a:t>
+              </a:r>
+              <a:endParaRPr kumimoji="1" lang="ja-JP" altLang="en-US" sz="1200" dirty="0">
                 <a:solidFill>
                   <a:schemeClr val="tx1"/>
                 </a:solidFill>
                 <a:latin typeface="Meiryo UI" panose="020B0604030504040204" pitchFamily="50" charset="-128"/>
                 <a:ea typeface="Meiryo UI" panose="020B0604030504040204" pitchFamily="50" charset="-128"/>
-              </a:rPr>
-              <a:t>-</a:t>
-            </a:r>
-            <a:r>
-              <a:rPr lang="ja-JP" altLang="en-US" sz="1200" dirty="0">
+              </a:endParaRPr>
+            </a:p>
+          </p:txBody>
+        </p:sp>
+        <p:sp>
+          <p:nvSpPr>
+            <p:cNvPr id="39" name="正方形/長方形 38"/>
+            <p:cNvSpPr/>
+            <p:nvPr/>
+          </p:nvSpPr>
+          <p:spPr>
+            <a:xfrm>
+              <a:off x="2572328" y="3930382"/>
+              <a:ext cx="544945" cy="216551"/>
+            </a:xfrm>
+            <a:prstGeom prst="rect">
+              <a:avLst/>
+            </a:prstGeom>
+            <a:noFill/>
+            <a:ln>
+              <a:noFill/>
+            </a:ln>
+          </p:spPr>
+          <p:style>
+            <a:lnRef idx="2">
+              <a:schemeClr val="accent1">
+                <a:shade val="50000"/>
+              </a:schemeClr>
+            </a:lnRef>
+            <a:fillRef idx="1">
+              <a:schemeClr val="accent1"/>
+            </a:fillRef>
+            <a:effectRef idx="0">
+              <a:schemeClr val="accent1"/>
+            </a:effectRef>
+            <a:fontRef idx="minor">
+              <a:schemeClr val="lt1"/>
+            </a:fontRef>
+          </p:style>
+          <p:txBody>
+            <a:bodyPr rtlCol="0" anchor="ctr"/>
+            <a:lstStyle/>
+            <a:p>
+              <a:r>
+                <a:rPr kumimoji="1" lang="ja-JP" altLang="en-US" sz="1200" dirty="0" smtClean="0">
+                  <a:solidFill>
+                    <a:schemeClr val="tx1"/>
+                  </a:solidFill>
+                  <a:latin typeface="Meiryo UI" panose="020B0604030504040204" pitchFamily="50" charset="-128"/>
+                  <a:ea typeface="Meiryo UI" panose="020B0604030504040204" pitchFamily="50" charset="-128"/>
+                </a:rPr>
+                <a:t>普通</a:t>
+              </a:r>
+              <a:endParaRPr kumimoji="1" lang="ja-JP" altLang="en-US" sz="1200" dirty="0">
                 <a:solidFill>
                   <a:schemeClr val="tx1"/>
                 </a:solidFill>
                 <a:latin typeface="Meiryo UI" panose="020B0604030504040204" pitchFamily="50" charset="-128"/>
                 <a:ea typeface="Meiryo UI" panose="020B0604030504040204" pitchFamily="50" charset="-128"/>
-              </a:rPr>
-              <a:t>ｴﾌｼﾞｴｲ</a:t>
-            </a:r>
-            <a:endParaRPr kumimoji="1" lang="ja-JP" altLang="en-US" sz="1200" dirty="0">
-              <a:solidFill>
-                <a:schemeClr val="tx1"/>
-              </a:solidFill>
-              <a:latin typeface="Meiryo UI" panose="020B0604030504040204" pitchFamily="50" charset="-128"/>
-              <a:ea typeface="Meiryo UI" panose="020B0604030504040204" pitchFamily="50" charset="-128"/>
-            </a:endParaRPr>
-          </a:p>
-        </p:txBody>
-      </p:sp>
-      <p:sp>
-        <p:nvSpPr>
-          <p:cNvPr id="37" name="正方形/長方形 36"/>
-          <p:cNvSpPr/>
-          <p:nvPr/>
-        </p:nvSpPr>
-        <p:spPr>
-          <a:xfrm>
-            <a:off x="2572328" y="3570156"/>
-            <a:ext cx="1989976" cy="216551"/>
-          </a:xfrm>
-          <a:prstGeom prst="rect">
-            <a:avLst/>
-          </a:prstGeom>
-          <a:noFill/>
-          <a:ln>
+              </a:endParaRPr>
+            </a:p>
+          </p:txBody>
+        </p:sp>
+        <p:sp>
+          <p:nvSpPr>
+            <p:cNvPr id="41" name="正方形/長方形 40"/>
+            <p:cNvSpPr/>
+            <p:nvPr/>
+          </p:nvSpPr>
+          <p:spPr>
+            <a:xfrm>
+              <a:off x="2572327" y="4612565"/>
+              <a:ext cx="619757" cy="216551"/>
+            </a:xfrm>
+            <a:prstGeom prst="rect">
+              <a:avLst/>
+            </a:prstGeom>
             <a:noFill/>
-          </a:ln>
-        </p:spPr>
-        <p:style>
-          <a:lnRef idx="2">
-            <a:schemeClr val="accent1">
-              <a:shade val="50000"/>
-            </a:schemeClr>
-          </a:lnRef>
-          <a:fillRef idx="1">
-            <a:schemeClr val="accent1"/>
-          </a:fillRef>
-          <a:effectRef idx="0">
-            <a:schemeClr val="accent1"/>
-          </a:effectRef>
-          <a:fontRef idx="minor">
-            <a:schemeClr val="lt1"/>
-          </a:fontRef>
-        </p:style>
-        <p:txBody>
-          <a:bodyPr rtlCol="0" anchor="ctr"/>
-          <a:lstStyle/>
-          <a:p>
-            <a:r>
-              <a:rPr lang="ja-JP" altLang="en-US" sz="1200" dirty="0">
+            <a:ln>
+              <a:noFill/>
+            </a:ln>
+          </p:spPr>
+          <p:style>
+            <a:lnRef idx="2">
+              <a:schemeClr val="accent1">
+                <a:shade val="50000"/>
+              </a:schemeClr>
+            </a:lnRef>
+            <a:fillRef idx="1">
+              <a:schemeClr val="accent1"/>
+            </a:fillRef>
+            <a:effectRef idx="0">
+              <a:schemeClr val="accent1"/>
+            </a:effectRef>
+            <a:fontRef idx="minor">
+              <a:schemeClr val="lt1"/>
+            </a:fontRef>
+          </p:style>
+          <p:txBody>
+            <a:bodyPr rtlCol="0" anchor="ctr"/>
+            <a:lstStyle/>
+            <a:p>
+              <a:r>
+                <a:rPr kumimoji="1" lang="en-US" altLang="ja-JP" sz="1200" dirty="0" smtClean="0">
+                  <a:solidFill>
+                    <a:schemeClr val="tx1"/>
+                  </a:solidFill>
+                  <a:latin typeface="Meiryo UI" panose="020B0604030504040204" pitchFamily="50" charset="-128"/>
+                  <a:ea typeface="Meiryo UI" panose="020B0604030504040204" pitchFamily="50" charset="-128"/>
+                </a:rPr>
+                <a:t>0001</a:t>
+              </a:r>
+              <a:endParaRPr kumimoji="1" lang="ja-JP" altLang="en-US" sz="1200" dirty="0">
                 <a:solidFill>
                   <a:schemeClr val="tx1"/>
                 </a:solidFill>
                 <a:latin typeface="Meiryo UI" panose="020B0604030504040204" pitchFamily="50" charset="-128"/>
                 <a:ea typeface="Meiryo UI" panose="020B0604030504040204" pitchFamily="50" charset="-128"/>
-              </a:rPr>
-              <a:t>ﾅﾂｸﾞﾓ</a:t>
-            </a:r>
-            <a:endParaRPr kumimoji="1" lang="ja-JP" altLang="en-US" sz="1200" dirty="0">
+              </a:endParaRPr>
+            </a:p>
+          </p:txBody>
+        </p:sp>
+      </p:grpSp>
+      <p:grpSp>
+        <p:nvGrpSpPr>
+          <p:cNvPr id="8" name="グループ化 7"/>
+          <p:cNvGrpSpPr/>
+          <p:nvPr/>
+        </p:nvGrpSpPr>
+        <p:grpSpPr>
+          <a:xfrm>
+            <a:off x="5116483" y="2335273"/>
+            <a:ext cx="3798917" cy="2552619"/>
+            <a:chOff x="5116483" y="2534778"/>
+            <a:chExt cx="3798917" cy="2552619"/>
+          </a:xfrm>
+        </p:grpSpPr>
+        <p:sp>
+          <p:nvSpPr>
+            <p:cNvPr id="43" name="正方形/長方形 42"/>
+            <p:cNvSpPr/>
+            <p:nvPr/>
+          </p:nvSpPr>
+          <p:spPr>
+            <a:xfrm>
+              <a:off x="5234711" y="2836759"/>
+              <a:ext cx="1330036" cy="216551"/>
+            </a:xfrm>
+            <a:prstGeom prst="rect">
+              <a:avLst/>
+            </a:prstGeom>
+          </p:spPr>
+          <p:style>
+            <a:lnRef idx="2">
+              <a:schemeClr val="accent1">
+                <a:shade val="50000"/>
+              </a:schemeClr>
+            </a:lnRef>
+            <a:fillRef idx="1">
+              <a:schemeClr val="accent1"/>
+            </a:fillRef>
+            <a:effectRef idx="0">
+              <a:schemeClr val="accent1"/>
+            </a:effectRef>
+            <a:fontRef idx="minor">
+              <a:schemeClr val="lt1"/>
+            </a:fontRef>
+          </p:style>
+          <p:txBody>
+            <a:bodyPr rtlCol="0" anchor="ctr"/>
+            <a:lstStyle/>
+            <a:p>
+              <a:r>
+                <a:rPr kumimoji="1" lang="ja-JP" altLang="en-US" sz="1200" dirty="0" smtClean="0">
+                  <a:latin typeface="Meiryo UI" panose="020B0604030504040204" pitchFamily="50" charset="-128"/>
+                  <a:ea typeface="Meiryo UI" panose="020B0604030504040204" pitchFamily="50" charset="-128"/>
+                </a:rPr>
+                <a:t>銀行コード</a:t>
+              </a:r>
+              <a:endParaRPr kumimoji="1" lang="en-US" altLang="ja-JP" sz="1200" dirty="0" smtClean="0">
+                <a:latin typeface="Meiryo UI" panose="020B0604030504040204" pitchFamily="50" charset="-128"/>
+                <a:ea typeface="Meiryo UI" panose="020B0604030504040204" pitchFamily="50" charset="-128"/>
+              </a:endParaRPr>
+            </a:p>
+          </p:txBody>
+        </p:sp>
+        <p:sp>
+          <p:nvSpPr>
+            <p:cNvPr id="44" name="正方形/長方形 43"/>
+            <p:cNvSpPr/>
+            <p:nvPr/>
+          </p:nvSpPr>
+          <p:spPr>
+            <a:xfrm>
+              <a:off x="5234710" y="3187637"/>
+              <a:ext cx="1330036" cy="216551"/>
+            </a:xfrm>
+            <a:prstGeom prst="rect">
+              <a:avLst/>
+            </a:prstGeom>
+          </p:spPr>
+          <p:style>
+            <a:lnRef idx="2">
+              <a:schemeClr val="accent1">
+                <a:shade val="50000"/>
+              </a:schemeClr>
+            </a:lnRef>
+            <a:fillRef idx="1">
+              <a:schemeClr val="accent1"/>
+            </a:fillRef>
+            <a:effectRef idx="0">
+              <a:schemeClr val="accent1"/>
+            </a:effectRef>
+            <a:fontRef idx="minor">
+              <a:schemeClr val="lt1"/>
+            </a:fontRef>
+          </p:style>
+          <p:txBody>
+            <a:bodyPr rtlCol="0" anchor="ctr"/>
+            <a:lstStyle/>
+            <a:p>
+              <a:r>
+                <a:rPr kumimoji="1" lang="ja-JP" altLang="en-US" sz="1200" dirty="0" smtClean="0">
+                  <a:latin typeface="Meiryo UI" panose="020B0604030504040204" pitchFamily="50" charset="-128"/>
+                  <a:ea typeface="Meiryo UI" panose="020B0604030504040204" pitchFamily="50" charset="-128"/>
+                </a:rPr>
+                <a:t>銀行カナ</a:t>
+              </a:r>
+              <a:endParaRPr kumimoji="1" lang="en-US" altLang="ja-JP" sz="1200" dirty="0" smtClean="0">
+                <a:latin typeface="Meiryo UI" panose="020B0604030504040204" pitchFamily="50" charset="-128"/>
+                <a:ea typeface="Meiryo UI" panose="020B0604030504040204" pitchFamily="50" charset="-128"/>
+              </a:endParaRPr>
+            </a:p>
+          </p:txBody>
+        </p:sp>
+        <p:sp>
+          <p:nvSpPr>
+            <p:cNvPr id="45" name="正方形/長方形 44"/>
+            <p:cNvSpPr/>
+            <p:nvPr/>
+          </p:nvSpPr>
+          <p:spPr>
+            <a:xfrm>
+              <a:off x="5234710" y="3543869"/>
+              <a:ext cx="1330036" cy="216551"/>
+            </a:xfrm>
+            <a:prstGeom prst="rect">
+              <a:avLst/>
+            </a:prstGeom>
+          </p:spPr>
+          <p:style>
+            <a:lnRef idx="2">
+              <a:schemeClr val="accent1">
+                <a:shade val="50000"/>
+              </a:schemeClr>
+            </a:lnRef>
+            <a:fillRef idx="1">
+              <a:schemeClr val="accent1"/>
+            </a:fillRef>
+            <a:effectRef idx="0">
+              <a:schemeClr val="accent1"/>
+            </a:effectRef>
+            <a:fontRef idx="minor">
+              <a:schemeClr val="lt1"/>
+            </a:fontRef>
+          </p:style>
+          <p:txBody>
+            <a:bodyPr rtlCol="0" anchor="ctr"/>
+            <a:lstStyle/>
+            <a:p>
+              <a:r>
+                <a:rPr kumimoji="1" lang="ja-JP" altLang="en-US" sz="1200" dirty="0" smtClean="0">
+                  <a:latin typeface="Meiryo UI" panose="020B0604030504040204" pitchFamily="50" charset="-128"/>
+                  <a:ea typeface="Meiryo UI" panose="020B0604030504040204" pitchFamily="50" charset="-128"/>
+                </a:rPr>
+                <a:t>支店カナ</a:t>
+              </a:r>
+              <a:endParaRPr kumimoji="1" lang="en-US" altLang="ja-JP" sz="1200" dirty="0" smtClean="0">
+                <a:latin typeface="Meiryo UI" panose="020B0604030504040204" pitchFamily="50" charset="-128"/>
+                <a:ea typeface="Meiryo UI" panose="020B0604030504040204" pitchFamily="50" charset="-128"/>
+              </a:endParaRPr>
+            </a:p>
+          </p:txBody>
+        </p:sp>
+        <p:sp>
+          <p:nvSpPr>
+            <p:cNvPr id="46" name="正方形/長方形 45"/>
+            <p:cNvSpPr/>
+            <p:nvPr/>
+          </p:nvSpPr>
+          <p:spPr>
+            <a:xfrm>
+              <a:off x="5234710" y="3900101"/>
+              <a:ext cx="1330036" cy="216551"/>
+            </a:xfrm>
+            <a:prstGeom prst="rect">
+              <a:avLst/>
+            </a:prstGeom>
+          </p:spPr>
+          <p:style>
+            <a:lnRef idx="2">
+              <a:schemeClr val="accent1">
+                <a:shade val="50000"/>
+              </a:schemeClr>
+            </a:lnRef>
+            <a:fillRef idx="1">
+              <a:schemeClr val="accent1"/>
+            </a:fillRef>
+            <a:effectRef idx="0">
+              <a:schemeClr val="accent1"/>
+            </a:effectRef>
+            <a:fontRef idx="minor">
+              <a:schemeClr val="lt1"/>
+            </a:fontRef>
+          </p:style>
+          <p:txBody>
+            <a:bodyPr rtlCol="0" anchor="ctr"/>
+            <a:lstStyle/>
+            <a:p>
+              <a:r>
+                <a:rPr kumimoji="1" lang="ja-JP" altLang="en-US" sz="1200" dirty="0" smtClean="0">
+                  <a:latin typeface="Meiryo UI" panose="020B0604030504040204" pitchFamily="50" charset="-128"/>
+                  <a:ea typeface="Meiryo UI" panose="020B0604030504040204" pitchFamily="50" charset="-128"/>
+                </a:rPr>
+                <a:t>種別コード</a:t>
+              </a:r>
+              <a:endParaRPr kumimoji="1" lang="en-US" altLang="ja-JP" sz="1200" dirty="0" smtClean="0">
+                <a:latin typeface="Meiryo UI" panose="020B0604030504040204" pitchFamily="50" charset="-128"/>
+                <a:ea typeface="Meiryo UI" panose="020B0604030504040204" pitchFamily="50" charset="-128"/>
+              </a:endParaRPr>
+            </a:p>
+          </p:txBody>
+        </p:sp>
+        <p:sp>
+          <p:nvSpPr>
+            <p:cNvPr id="47" name="正方形/長方形 46"/>
+            <p:cNvSpPr/>
+            <p:nvPr/>
+          </p:nvSpPr>
+          <p:spPr>
+            <a:xfrm>
+              <a:off x="5234710" y="4256333"/>
+              <a:ext cx="1330036" cy="216551"/>
+            </a:xfrm>
+            <a:prstGeom prst="rect">
+              <a:avLst/>
+            </a:prstGeom>
+          </p:spPr>
+          <p:style>
+            <a:lnRef idx="2">
+              <a:schemeClr val="accent1">
+                <a:shade val="50000"/>
+              </a:schemeClr>
+            </a:lnRef>
+            <a:fillRef idx="1">
+              <a:schemeClr val="accent1"/>
+            </a:fillRef>
+            <a:effectRef idx="0">
+              <a:schemeClr val="accent1"/>
+            </a:effectRef>
+            <a:fontRef idx="minor">
+              <a:schemeClr val="lt1"/>
+            </a:fontRef>
+          </p:style>
+          <p:txBody>
+            <a:bodyPr rtlCol="0" anchor="ctr"/>
+            <a:lstStyle/>
+            <a:p>
+              <a:r>
+                <a:rPr kumimoji="1" lang="ja-JP" altLang="en-US" sz="1200" dirty="0" smtClean="0">
+                  <a:latin typeface="Meiryo UI" panose="020B0604030504040204" pitchFamily="50" charset="-128"/>
+                  <a:ea typeface="Meiryo UI" panose="020B0604030504040204" pitchFamily="50" charset="-128"/>
+                </a:rPr>
+                <a:t>口座番号</a:t>
+              </a:r>
+              <a:endParaRPr kumimoji="1" lang="en-US" altLang="ja-JP" sz="1200" dirty="0" smtClean="0">
+                <a:latin typeface="Meiryo UI" panose="020B0604030504040204" pitchFamily="50" charset="-128"/>
+                <a:ea typeface="Meiryo UI" panose="020B0604030504040204" pitchFamily="50" charset="-128"/>
+              </a:endParaRPr>
+            </a:p>
+          </p:txBody>
+        </p:sp>
+        <p:sp>
+          <p:nvSpPr>
+            <p:cNvPr id="48" name="正方形/長方形 47"/>
+            <p:cNvSpPr/>
+            <p:nvPr/>
+          </p:nvSpPr>
+          <p:spPr>
+            <a:xfrm>
+              <a:off x="5234710" y="4612565"/>
+              <a:ext cx="1330036" cy="216551"/>
+            </a:xfrm>
+            <a:prstGeom prst="rect">
+              <a:avLst/>
+            </a:prstGeom>
+          </p:spPr>
+          <p:style>
+            <a:lnRef idx="2">
+              <a:schemeClr val="accent1">
+                <a:shade val="50000"/>
+              </a:schemeClr>
+            </a:lnRef>
+            <a:fillRef idx="1">
+              <a:schemeClr val="accent1"/>
+            </a:fillRef>
+            <a:effectRef idx="0">
+              <a:schemeClr val="accent1"/>
+            </a:effectRef>
+            <a:fontRef idx="minor">
+              <a:schemeClr val="lt1"/>
+            </a:fontRef>
+          </p:style>
+          <p:txBody>
+            <a:bodyPr rtlCol="0" anchor="ctr"/>
+            <a:lstStyle/>
+            <a:p>
+              <a:r>
+                <a:rPr lang="ja-JP" altLang="en-US" sz="1200" dirty="0" smtClean="0">
+                  <a:latin typeface="Meiryo UI" panose="020B0604030504040204" pitchFamily="50" charset="-128"/>
+                  <a:ea typeface="Meiryo UI" panose="020B0604030504040204" pitchFamily="50" charset="-128"/>
+                </a:rPr>
+                <a:t>取扱銀行</a:t>
+              </a:r>
+              <a:endParaRPr kumimoji="1" lang="en-US" altLang="ja-JP" sz="1200" dirty="0" smtClean="0">
+                <a:latin typeface="Meiryo UI" panose="020B0604030504040204" pitchFamily="50" charset="-128"/>
+                <a:ea typeface="Meiryo UI" panose="020B0604030504040204" pitchFamily="50" charset="-128"/>
+              </a:endParaRPr>
+            </a:p>
+          </p:txBody>
+        </p:sp>
+        <p:sp>
+          <p:nvSpPr>
+            <p:cNvPr id="49" name="正方形/長方形 48"/>
+            <p:cNvSpPr/>
+            <p:nvPr/>
+          </p:nvSpPr>
+          <p:spPr>
+            <a:xfrm>
+              <a:off x="5116483" y="2534778"/>
+              <a:ext cx="3798917" cy="2552619"/>
+            </a:xfrm>
+            <a:prstGeom prst="rect">
+              <a:avLst/>
+            </a:prstGeom>
+            <a:noFill/>
+            <a:ln w="19050">
               <a:solidFill>
                 <a:schemeClr val="tx1"/>
               </a:solidFill>
-              <a:latin typeface="Meiryo UI" panose="020B0604030504040204" pitchFamily="50" charset="-128"/>
-              <a:ea typeface="Meiryo UI" panose="020B0604030504040204" pitchFamily="50" charset="-128"/>
-            </a:endParaRPr>
-          </a:p>
-        </p:txBody>
-      </p:sp>
-      <p:sp>
-        <p:nvSpPr>
-          <p:cNvPr id="38" name="正方形/長方形 37"/>
-          <p:cNvSpPr/>
-          <p:nvPr/>
-        </p:nvSpPr>
-        <p:spPr>
-          <a:xfrm>
-            <a:off x="2572328" y="4256332"/>
-            <a:ext cx="894079" cy="216551"/>
-          </a:xfrm>
-          <a:prstGeom prst="rect">
-            <a:avLst/>
-          </a:prstGeom>
-          <a:noFill/>
-          <a:ln>
-            <a:noFill/>
-          </a:ln>
-        </p:spPr>
-        <p:style>
-          <a:lnRef idx="2">
-            <a:schemeClr val="accent1">
-              <a:shade val="50000"/>
-            </a:schemeClr>
-          </a:lnRef>
-          <a:fillRef idx="1">
-            <a:schemeClr val="accent1"/>
-          </a:fillRef>
-          <a:effectRef idx="0">
-            <a:schemeClr val="accent1"/>
-          </a:effectRef>
-          <a:fontRef idx="minor">
-            <a:schemeClr val="lt1"/>
-          </a:fontRef>
-        </p:style>
-        <p:txBody>
-          <a:bodyPr rtlCol="0" anchor="ctr"/>
-          <a:lstStyle/>
-          <a:p>
-            <a:r>
-              <a:rPr kumimoji="1" lang="en-US" altLang="ja-JP" sz="1200" dirty="0" smtClean="0">
+            </a:ln>
+          </p:spPr>
+          <p:style>
+            <a:lnRef idx="2">
+              <a:schemeClr val="accent1">
+                <a:shade val="50000"/>
+              </a:schemeClr>
+            </a:lnRef>
+            <a:fillRef idx="1">
+              <a:schemeClr val="accent1"/>
+            </a:fillRef>
+            <a:effectRef idx="0">
+              <a:schemeClr val="accent1"/>
+            </a:effectRef>
+            <a:fontRef idx="minor">
+              <a:schemeClr val="lt1"/>
+            </a:fontRef>
+          </p:style>
+          <p:txBody>
+            <a:bodyPr rtlCol="0" anchor="t" anchorCtr="0"/>
+            <a:lstStyle/>
+            <a:p>
+              <a:r>
+                <a:rPr kumimoji="1" lang="ja-JP" altLang="en-US" sz="1200" dirty="0" smtClean="0">
+                  <a:solidFill>
+                    <a:schemeClr val="tx1"/>
+                  </a:solidFill>
+                  <a:latin typeface="Meiryo UI" panose="020B0604030504040204" pitchFamily="50" charset="-128"/>
+                  <a:ea typeface="Meiryo UI" panose="020B0604030504040204" pitchFamily="50" charset="-128"/>
+                </a:rPr>
+                <a:t>預金銀行情報</a:t>
+              </a:r>
+              <a:endParaRPr kumimoji="1" lang="ja-JP" altLang="en-US" sz="1200" dirty="0">
                 <a:solidFill>
                   <a:schemeClr val="tx1"/>
                 </a:solidFill>
                 <a:latin typeface="Meiryo UI" panose="020B0604030504040204" pitchFamily="50" charset="-128"/>
                 <a:ea typeface="Meiryo UI" panose="020B0604030504040204" pitchFamily="50" charset="-128"/>
-              </a:rPr>
-              <a:t>1234567</a:t>
-            </a:r>
-            <a:endParaRPr kumimoji="1" lang="ja-JP" altLang="en-US" sz="1200" dirty="0">
-              <a:solidFill>
-                <a:schemeClr val="tx1"/>
-              </a:solidFill>
-              <a:latin typeface="Meiryo UI" panose="020B0604030504040204" pitchFamily="50" charset="-128"/>
-              <a:ea typeface="Meiryo UI" panose="020B0604030504040204" pitchFamily="50" charset="-128"/>
-            </a:endParaRPr>
-          </a:p>
-        </p:txBody>
-      </p:sp>
-      <p:sp>
-        <p:nvSpPr>
-          <p:cNvPr id="39" name="正方形/長方形 38"/>
-          <p:cNvSpPr/>
-          <p:nvPr/>
-        </p:nvSpPr>
-        <p:spPr>
-          <a:xfrm>
-            <a:off x="2572328" y="3930382"/>
-            <a:ext cx="544945" cy="216551"/>
-          </a:xfrm>
-          <a:prstGeom prst="rect">
-            <a:avLst/>
-          </a:prstGeom>
-          <a:noFill/>
-          <a:ln>
-            <a:noFill/>
-          </a:ln>
-        </p:spPr>
-        <p:style>
-          <a:lnRef idx="2">
-            <a:schemeClr val="accent1">
-              <a:shade val="50000"/>
-            </a:schemeClr>
-          </a:lnRef>
-          <a:fillRef idx="1">
-            <a:schemeClr val="accent1"/>
-          </a:fillRef>
-          <a:effectRef idx="0">
-            <a:schemeClr val="accent1"/>
-          </a:effectRef>
-          <a:fontRef idx="minor">
-            <a:schemeClr val="lt1"/>
-          </a:fontRef>
-        </p:style>
-        <p:txBody>
-          <a:bodyPr rtlCol="0" anchor="ctr"/>
-          <a:lstStyle/>
-          <a:p>
-            <a:r>
-              <a:rPr kumimoji="1" lang="ja-JP" altLang="en-US" sz="1200" dirty="0" smtClean="0">
-                <a:solidFill>
-                  <a:schemeClr val="tx1"/>
-                </a:solidFill>
-                <a:latin typeface="Meiryo UI" panose="020B0604030504040204" pitchFamily="50" charset="-128"/>
-                <a:ea typeface="Meiryo UI" panose="020B0604030504040204" pitchFamily="50" charset="-128"/>
-              </a:rPr>
-              <a:t>普通</a:t>
-            </a:r>
-            <a:endParaRPr kumimoji="1" lang="ja-JP" altLang="en-US" sz="1200" dirty="0">
-              <a:solidFill>
-                <a:schemeClr val="tx1"/>
-              </a:solidFill>
-              <a:latin typeface="Meiryo UI" panose="020B0604030504040204" pitchFamily="50" charset="-128"/>
-              <a:ea typeface="Meiryo UI" panose="020B0604030504040204" pitchFamily="50" charset="-128"/>
-            </a:endParaRPr>
-          </a:p>
-        </p:txBody>
-      </p:sp>
-      <p:sp>
-        <p:nvSpPr>
-          <p:cNvPr id="41" name="正方形/長方形 40"/>
-          <p:cNvSpPr/>
-          <p:nvPr/>
-        </p:nvSpPr>
-        <p:spPr>
-          <a:xfrm>
-            <a:off x="2572327" y="4612565"/>
-            <a:ext cx="619757" cy="216551"/>
-          </a:xfrm>
-          <a:prstGeom prst="rect">
-            <a:avLst/>
-          </a:prstGeom>
-          <a:noFill/>
-          <a:ln>
-            <a:noFill/>
-          </a:ln>
-        </p:spPr>
-        <p:style>
-          <a:lnRef idx="2">
-            <a:schemeClr val="accent1">
-              <a:shade val="50000"/>
-            </a:schemeClr>
-          </a:lnRef>
-          <a:fillRef idx="1">
-            <a:schemeClr val="accent1"/>
-          </a:fillRef>
-          <a:effectRef idx="0">
-            <a:schemeClr val="accent1"/>
-          </a:effectRef>
-          <a:fontRef idx="minor">
-            <a:schemeClr val="lt1"/>
-          </a:fontRef>
-        </p:style>
-        <p:txBody>
-          <a:bodyPr rtlCol="0" anchor="ctr"/>
-          <a:lstStyle/>
-          <a:p>
-            <a:r>
-              <a:rPr kumimoji="1" lang="en-US" altLang="ja-JP" sz="1200" dirty="0" smtClean="0">
-                <a:solidFill>
-                  <a:schemeClr val="tx1"/>
-                </a:solidFill>
-                <a:latin typeface="Meiryo UI" panose="020B0604030504040204" pitchFamily="50" charset="-128"/>
-                <a:ea typeface="Meiryo UI" panose="020B0604030504040204" pitchFamily="50" charset="-128"/>
-              </a:rPr>
-              <a:t>0001</a:t>
-            </a:r>
-            <a:endParaRPr kumimoji="1" lang="ja-JP" altLang="en-US" sz="1200" dirty="0">
-              <a:solidFill>
-                <a:schemeClr val="tx1"/>
-              </a:solidFill>
-              <a:latin typeface="Meiryo UI" panose="020B0604030504040204" pitchFamily="50" charset="-128"/>
-              <a:ea typeface="Meiryo UI" panose="020B0604030504040204" pitchFamily="50" charset="-128"/>
-            </a:endParaRPr>
-          </a:p>
-        </p:txBody>
-      </p:sp>
-      <p:sp>
-        <p:nvSpPr>
-          <p:cNvPr id="43" name="正方形/長方形 42"/>
-          <p:cNvSpPr/>
-          <p:nvPr/>
-        </p:nvSpPr>
-        <p:spPr>
-          <a:xfrm>
-            <a:off x="5234711" y="2836759"/>
-            <a:ext cx="1330036" cy="216551"/>
-          </a:xfrm>
-          <a:prstGeom prst="rect">
-            <a:avLst/>
-          </a:prstGeom>
-        </p:spPr>
-        <p:style>
-          <a:lnRef idx="2">
-            <a:schemeClr val="accent1">
-              <a:shade val="50000"/>
-            </a:schemeClr>
-          </a:lnRef>
-          <a:fillRef idx="1">
-            <a:schemeClr val="accent1"/>
-          </a:fillRef>
-          <a:effectRef idx="0">
-            <a:schemeClr val="accent1"/>
-          </a:effectRef>
-          <a:fontRef idx="minor">
-            <a:schemeClr val="lt1"/>
-          </a:fontRef>
-        </p:style>
-        <p:txBody>
-          <a:bodyPr rtlCol="0" anchor="ctr"/>
-          <a:lstStyle/>
-          <a:p>
-            <a:r>
-              <a:rPr kumimoji="1" lang="ja-JP" altLang="en-US" sz="1200" dirty="0" smtClean="0">
-                <a:latin typeface="Meiryo UI" panose="020B0604030504040204" pitchFamily="50" charset="-128"/>
-                <a:ea typeface="Meiryo UI" panose="020B0604030504040204" pitchFamily="50" charset="-128"/>
-              </a:rPr>
-              <a:t>銀行コード</a:t>
-            </a:r>
-            <a:endParaRPr kumimoji="1" lang="en-US" altLang="ja-JP" sz="1200" dirty="0" smtClean="0">
-              <a:latin typeface="Meiryo UI" panose="020B0604030504040204" pitchFamily="50" charset="-128"/>
-              <a:ea typeface="Meiryo UI" panose="020B0604030504040204" pitchFamily="50" charset="-128"/>
-            </a:endParaRPr>
-          </a:p>
-        </p:txBody>
-      </p:sp>
-      <p:sp>
-        <p:nvSpPr>
-          <p:cNvPr id="44" name="正方形/長方形 43"/>
-          <p:cNvSpPr/>
-          <p:nvPr/>
-        </p:nvSpPr>
-        <p:spPr>
-          <a:xfrm>
-            <a:off x="5234710" y="3187637"/>
-            <a:ext cx="1330036" cy="216551"/>
-          </a:xfrm>
-          <a:prstGeom prst="rect">
-            <a:avLst/>
-          </a:prstGeom>
-        </p:spPr>
-        <p:style>
-          <a:lnRef idx="2">
-            <a:schemeClr val="accent1">
-              <a:shade val="50000"/>
-            </a:schemeClr>
-          </a:lnRef>
-          <a:fillRef idx="1">
-            <a:schemeClr val="accent1"/>
-          </a:fillRef>
-          <a:effectRef idx="0">
-            <a:schemeClr val="accent1"/>
-          </a:effectRef>
-          <a:fontRef idx="minor">
-            <a:schemeClr val="lt1"/>
-          </a:fontRef>
-        </p:style>
-        <p:txBody>
-          <a:bodyPr rtlCol="0" anchor="ctr"/>
-          <a:lstStyle/>
-          <a:p>
-            <a:r>
-              <a:rPr kumimoji="1" lang="ja-JP" altLang="en-US" sz="1200" dirty="0" smtClean="0">
-                <a:latin typeface="Meiryo UI" panose="020B0604030504040204" pitchFamily="50" charset="-128"/>
-                <a:ea typeface="Meiryo UI" panose="020B0604030504040204" pitchFamily="50" charset="-128"/>
-              </a:rPr>
-              <a:t>銀行カナ</a:t>
-            </a:r>
-            <a:endParaRPr kumimoji="1" lang="en-US" altLang="ja-JP" sz="1200" dirty="0" smtClean="0">
-              <a:latin typeface="Meiryo UI" panose="020B0604030504040204" pitchFamily="50" charset="-128"/>
-              <a:ea typeface="Meiryo UI" panose="020B0604030504040204" pitchFamily="50" charset="-128"/>
-            </a:endParaRPr>
-          </a:p>
-        </p:txBody>
-      </p:sp>
-      <p:sp>
-        <p:nvSpPr>
-          <p:cNvPr id="45" name="正方形/長方形 44"/>
-          <p:cNvSpPr/>
-          <p:nvPr/>
-        </p:nvSpPr>
-        <p:spPr>
-          <a:xfrm>
-            <a:off x="5234710" y="3543869"/>
-            <a:ext cx="1330036" cy="216551"/>
-          </a:xfrm>
-          <a:prstGeom prst="rect">
-            <a:avLst/>
-          </a:prstGeom>
-        </p:spPr>
-        <p:style>
-          <a:lnRef idx="2">
-            <a:schemeClr val="accent1">
-              <a:shade val="50000"/>
-            </a:schemeClr>
-          </a:lnRef>
-          <a:fillRef idx="1">
-            <a:schemeClr val="accent1"/>
-          </a:fillRef>
-          <a:effectRef idx="0">
-            <a:schemeClr val="accent1"/>
-          </a:effectRef>
-          <a:fontRef idx="minor">
-            <a:schemeClr val="lt1"/>
-          </a:fontRef>
-        </p:style>
-        <p:txBody>
-          <a:bodyPr rtlCol="0" anchor="ctr"/>
-          <a:lstStyle/>
-          <a:p>
-            <a:r>
-              <a:rPr kumimoji="1" lang="ja-JP" altLang="en-US" sz="1200" dirty="0" smtClean="0">
-                <a:latin typeface="Meiryo UI" panose="020B0604030504040204" pitchFamily="50" charset="-128"/>
-                <a:ea typeface="Meiryo UI" panose="020B0604030504040204" pitchFamily="50" charset="-128"/>
-              </a:rPr>
-              <a:t>支店カナ</a:t>
-            </a:r>
-            <a:endParaRPr kumimoji="1" lang="en-US" altLang="ja-JP" sz="1200" dirty="0" smtClean="0">
-              <a:latin typeface="Meiryo UI" panose="020B0604030504040204" pitchFamily="50" charset="-128"/>
-              <a:ea typeface="Meiryo UI" panose="020B0604030504040204" pitchFamily="50" charset="-128"/>
-            </a:endParaRPr>
-          </a:p>
-        </p:txBody>
-      </p:sp>
-      <p:sp>
-        <p:nvSpPr>
-          <p:cNvPr id="46" name="正方形/長方形 45"/>
-          <p:cNvSpPr/>
-          <p:nvPr/>
-        </p:nvSpPr>
-        <p:spPr>
-          <a:xfrm>
-            <a:off x="5234710" y="3900101"/>
-            <a:ext cx="1330036" cy="216551"/>
-          </a:xfrm>
-          <a:prstGeom prst="rect">
-            <a:avLst/>
-          </a:prstGeom>
-        </p:spPr>
-        <p:style>
-          <a:lnRef idx="2">
-            <a:schemeClr val="accent1">
-              <a:shade val="50000"/>
-            </a:schemeClr>
-          </a:lnRef>
-          <a:fillRef idx="1">
-            <a:schemeClr val="accent1"/>
-          </a:fillRef>
-          <a:effectRef idx="0">
-            <a:schemeClr val="accent1"/>
-          </a:effectRef>
-          <a:fontRef idx="minor">
-            <a:schemeClr val="lt1"/>
-          </a:fontRef>
-        </p:style>
-        <p:txBody>
-          <a:bodyPr rtlCol="0" anchor="ctr"/>
-          <a:lstStyle/>
-          <a:p>
-            <a:r>
-              <a:rPr kumimoji="1" lang="ja-JP" altLang="en-US" sz="1200" dirty="0" smtClean="0">
-                <a:latin typeface="Meiryo UI" panose="020B0604030504040204" pitchFamily="50" charset="-128"/>
-                <a:ea typeface="Meiryo UI" panose="020B0604030504040204" pitchFamily="50" charset="-128"/>
-              </a:rPr>
-              <a:t>種別コード</a:t>
-            </a:r>
-            <a:endParaRPr kumimoji="1" lang="en-US" altLang="ja-JP" sz="1200" dirty="0" smtClean="0">
-              <a:latin typeface="Meiryo UI" panose="020B0604030504040204" pitchFamily="50" charset="-128"/>
-              <a:ea typeface="Meiryo UI" panose="020B0604030504040204" pitchFamily="50" charset="-128"/>
-            </a:endParaRPr>
-          </a:p>
-        </p:txBody>
-      </p:sp>
-      <p:sp>
-        <p:nvSpPr>
-          <p:cNvPr id="47" name="正方形/長方形 46"/>
-          <p:cNvSpPr/>
-          <p:nvPr/>
-        </p:nvSpPr>
-        <p:spPr>
-          <a:xfrm>
-            <a:off x="5234710" y="4256333"/>
-            <a:ext cx="1330036" cy="216551"/>
-          </a:xfrm>
-          <a:prstGeom prst="rect">
-            <a:avLst/>
-          </a:prstGeom>
-        </p:spPr>
-        <p:style>
-          <a:lnRef idx="2">
-            <a:schemeClr val="accent1">
-              <a:shade val="50000"/>
-            </a:schemeClr>
-          </a:lnRef>
-          <a:fillRef idx="1">
-            <a:schemeClr val="accent1"/>
-          </a:fillRef>
-          <a:effectRef idx="0">
-            <a:schemeClr val="accent1"/>
-          </a:effectRef>
-          <a:fontRef idx="minor">
-            <a:schemeClr val="lt1"/>
-          </a:fontRef>
-        </p:style>
-        <p:txBody>
-          <a:bodyPr rtlCol="0" anchor="ctr"/>
-          <a:lstStyle/>
-          <a:p>
-            <a:r>
-              <a:rPr kumimoji="1" lang="ja-JP" altLang="en-US" sz="1200" dirty="0" smtClean="0">
-                <a:latin typeface="Meiryo UI" panose="020B0604030504040204" pitchFamily="50" charset="-128"/>
-                <a:ea typeface="Meiryo UI" panose="020B0604030504040204" pitchFamily="50" charset="-128"/>
-              </a:rPr>
-              <a:t>口座番号</a:t>
-            </a:r>
-            <a:endParaRPr kumimoji="1" lang="en-US" altLang="ja-JP" sz="1200" dirty="0" smtClean="0">
-              <a:latin typeface="Meiryo UI" panose="020B0604030504040204" pitchFamily="50" charset="-128"/>
-              <a:ea typeface="Meiryo UI" panose="020B0604030504040204" pitchFamily="50" charset="-128"/>
-            </a:endParaRPr>
-          </a:p>
-        </p:txBody>
-      </p:sp>
-      <p:sp>
-        <p:nvSpPr>
-          <p:cNvPr id="48" name="正方形/長方形 47"/>
-          <p:cNvSpPr/>
-          <p:nvPr/>
-        </p:nvSpPr>
-        <p:spPr>
-          <a:xfrm>
-            <a:off x="5234710" y="4612565"/>
-            <a:ext cx="1330036" cy="216551"/>
-          </a:xfrm>
-          <a:prstGeom prst="rect">
-            <a:avLst/>
-          </a:prstGeom>
-        </p:spPr>
-        <p:style>
-          <a:lnRef idx="2">
-            <a:schemeClr val="accent1">
-              <a:shade val="50000"/>
-            </a:schemeClr>
-          </a:lnRef>
-          <a:fillRef idx="1">
-            <a:schemeClr val="accent1"/>
-          </a:fillRef>
-          <a:effectRef idx="0">
-            <a:schemeClr val="accent1"/>
-          </a:effectRef>
-          <a:fontRef idx="minor">
-            <a:schemeClr val="lt1"/>
-          </a:fontRef>
-        </p:style>
-        <p:txBody>
-          <a:bodyPr rtlCol="0" anchor="ctr"/>
-          <a:lstStyle/>
-          <a:p>
-            <a:r>
-              <a:rPr lang="ja-JP" altLang="en-US" sz="1200" dirty="0" smtClean="0">
-                <a:latin typeface="Meiryo UI" panose="020B0604030504040204" pitchFamily="50" charset="-128"/>
-                <a:ea typeface="Meiryo UI" panose="020B0604030504040204" pitchFamily="50" charset="-128"/>
-              </a:rPr>
-              <a:t>取扱銀行</a:t>
-            </a:r>
-            <a:endParaRPr kumimoji="1" lang="en-US" altLang="ja-JP" sz="1200" dirty="0" smtClean="0">
-              <a:latin typeface="Meiryo UI" panose="020B0604030504040204" pitchFamily="50" charset="-128"/>
-              <a:ea typeface="Meiryo UI" panose="020B0604030504040204" pitchFamily="50" charset="-128"/>
-            </a:endParaRPr>
-          </a:p>
-        </p:txBody>
-      </p:sp>
-      <p:sp>
-        <p:nvSpPr>
-          <p:cNvPr id="49" name="正方形/長方形 48"/>
-          <p:cNvSpPr/>
-          <p:nvPr/>
-        </p:nvSpPr>
-        <p:spPr>
-          <a:xfrm>
-            <a:off x="5116483" y="2534778"/>
-            <a:ext cx="3798917" cy="2552619"/>
-          </a:xfrm>
-          <a:prstGeom prst="rect">
-            <a:avLst/>
-          </a:prstGeom>
-          <a:noFill/>
-          <a:ln w="19050">
-            <a:solidFill>
-              <a:schemeClr val="tx1"/>
-            </a:solidFill>
-          </a:ln>
-        </p:spPr>
-        <p:style>
-          <a:lnRef idx="2">
-            <a:schemeClr val="accent1">
-              <a:shade val="50000"/>
-            </a:schemeClr>
-          </a:lnRef>
-          <a:fillRef idx="1">
-            <a:schemeClr val="accent1"/>
-          </a:fillRef>
-          <a:effectRef idx="0">
-            <a:schemeClr val="accent1"/>
-          </a:effectRef>
-          <a:fontRef idx="minor">
-            <a:schemeClr val="lt1"/>
-          </a:fontRef>
-        </p:style>
-        <p:txBody>
-          <a:bodyPr rtlCol="0" anchor="t" anchorCtr="0"/>
-          <a:lstStyle/>
-          <a:p>
-            <a:r>
-              <a:rPr kumimoji="1" lang="ja-JP" altLang="en-US" sz="1200" dirty="0" smtClean="0">
-                <a:solidFill>
-                  <a:schemeClr val="tx1"/>
-                </a:solidFill>
-                <a:latin typeface="Meiryo UI" panose="020B0604030504040204" pitchFamily="50" charset="-128"/>
-                <a:ea typeface="Meiryo UI" panose="020B0604030504040204" pitchFamily="50" charset="-128"/>
-              </a:rPr>
-              <a:t>預金銀行情報</a:t>
-            </a:r>
-            <a:endParaRPr kumimoji="1" lang="ja-JP" altLang="en-US" sz="1200" dirty="0">
-              <a:solidFill>
-                <a:schemeClr val="tx1"/>
-              </a:solidFill>
-              <a:latin typeface="Meiryo UI" panose="020B0604030504040204" pitchFamily="50" charset="-128"/>
-              <a:ea typeface="Meiryo UI" panose="020B0604030504040204" pitchFamily="50" charset="-128"/>
-            </a:endParaRPr>
-          </a:p>
-        </p:txBody>
-      </p:sp>
+              </a:endParaRPr>
+            </a:p>
+          </p:txBody>
+        </p:sp>
+      </p:grpSp>
       <p:sp>
         <p:nvSpPr>
           <p:cNvPr id="50" name="正方形/長方形 49"/>
@@ -11087,7 +10895,7 @@
         </p:nvSpPr>
         <p:spPr>
           <a:xfrm>
-            <a:off x="5913122" y="5294748"/>
+            <a:off x="5913122" y="5095243"/>
             <a:ext cx="1438101" cy="399011"/>
           </a:xfrm>
           <a:prstGeom prst="rect">
@@ -11315,6 +11123,62 @@
               <a:solidFill>
                 <a:schemeClr val="tx1"/>
               </a:solidFill>
+              <a:latin typeface="Meiryo UI" panose="020B0604030504040204" pitchFamily="50" charset="-128"/>
+              <a:ea typeface="Meiryo UI" panose="020B0604030504040204" pitchFamily="50" charset="-128"/>
+            </a:endParaRPr>
+          </a:p>
+        </p:txBody>
+      </p:sp>
+      <p:sp>
+        <p:nvSpPr>
+          <p:cNvPr id="57" name="正方形/長方形 56"/>
+          <p:cNvSpPr/>
+          <p:nvPr/>
+        </p:nvSpPr>
+        <p:spPr>
+          <a:xfrm>
+            <a:off x="2454101" y="1447174"/>
+            <a:ext cx="1989976" cy="216551"/>
+          </a:xfrm>
+          <a:prstGeom prst="rect">
+            <a:avLst/>
+          </a:prstGeom>
+          <a:noFill/>
+          <a:ln>
+            <a:noFill/>
+          </a:ln>
+        </p:spPr>
+        <p:style>
+          <a:lnRef idx="2">
+            <a:schemeClr val="accent1">
+              <a:shade val="50000"/>
+            </a:schemeClr>
+          </a:lnRef>
+          <a:fillRef idx="1">
+            <a:schemeClr val="accent1"/>
+          </a:fillRef>
+          <a:effectRef idx="0">
+            <a:schemeClr val="accent1"/>
+          </a:effectRef>
+          <a:fontRef idx="minor">
+            <a:schemeClr val="lt1"/>
+          </a:fontRef>
+        </p:style>
+        <p:txBody>
+          <a:bodyPr rtlCol="0" anchor="ctr"/>
+          <a:lstStyle/>
+          <a:p>
+            <a:r>
+              <a:rPr kumimoji="1" lang="en-US" altLang="ja-JP" sz="1200" dirty="0" smtClean="0">
+                <a:solidFill>
+                  <a:schemeClr val="tx1"/>
+                </a:solidFill>
+                <a:latin typeface="Meiryo UI" panose="020B0604030504040204" pitchFamily="50" charset="-128"/>
+                <a:ea typeface="Meiryo UI" panose="020B0604030504040204" pitchFamily="50" charset="-128"/>
+              </a:rPr>
+              <a:t>123456</a:t>
+            </a:r>
+            <a:endParaRPr kumimoji="1" lang="ja-JP" altLang="en-US" sz="1200" dirty="0">
               <a:latin typeface="Meiryo UI" panose="020B0604030504040204" pitchFamily="50" charset="-128"/>
               <a:ea typeface="Meiryo UI" panose="020B0604030504040204" pitchFamily="50" charset="-128"/>
             </a:endParaRPr>
@@ -11403,7 +11267,7 @@
         <p:spPr>
           <a:xfrm>
             <a:off x="723207" y="850990"/>
-            <a:ext cx="8370917" cy="5009492"/>
+            <a:ext cx="8370917" cy="4942981"/>
           </a:xfrm>
           <a:prstGeom prst="rect">
             <a:avLst/>
@@ -11589,102 +11453,13 @@
       </p:sp>
       <p:sp>
         <p:nvSpPr>
-          <p:cNvPr id="13" name="正方形/長方形 12"/>
-          <p:cNvSpPr/>
-          <p:nvPr/>
-        </p:nvSpPr>
-        <p:spPr>
-          <a:xfrm>
-            <a:off x="2495666" y="1441381"/>
-            <a:ext cx="827579" cy="216551"/>
-          </a:xfrm>
-          <a:prstGeom prst="rect">
-            <a:avLst/>
-          </a:prstGeom>
-          <a:noFill/>
-          <a:ln>
-            <a:solidFill>
-              <a:schemeClr val="tx1"/>
-            </a:solidFill>
-          </a:ln>
-        </p:spPr>
-        <p:style>
-          <a:lnRef idx="2">
-            <a:schemeClr val="accent1">
-              <a:shade val="50000"/>
-            </a:schemeClr>
-          </a:lnRef>
-          <a:fillRef idx="1">
-            <a:schemeClr val="accent1"/>
-          </a:fillRef>
-          <a:effectRef idx="0">
-            <a:schemeClr val="accent1"/>
-          </a:effectRef>
-          <a:fontRef idx="minor">
-            <a:schemeClr val="lt1"/>
-          </a:fontRef>
-        </p:style>
-        <p:txBody>
-          <a:bodyPr rtlCol="0" anchor="ctr"/>
-          <a:lstStyle/>
-          <a:p>
-            <a:pPr algn="ctr"/>
-            <a:r>
-              <a:rPr lang="en-US" altLang="ja-JP" sz="1200" dirty="0" smtClean="0">
-                <a:solidFill>
-                  <a:schemeClr val="tx1"/>
-                </a:solidFill>
-                <a:latin typeface="Meiryo UI" panose="020B0604030504040204" pitchFamily="50" charset="-128"/>
-                <a:ea typeface="Meiryo UI" panose="020B0604030504040204" pitchFamily="50" charset="-128"/>
-              </a:rPr>
-              <a:t>123456</a:t>
-            </a:r>
-            <a:endParaRPr kumimoji="1" lang="ja-JP" altLang="en-US" sz="1200" dirty="0">
-              <a:latin typeface="Meiryo UI" panose="020B0604030504040204" pitchFamily="50" charset="-128"/>
-              <a:ea typeface="Meiryo UI" panose="020B0604030504040204" pitchFamily="50" charset="-128"/>
-            </a:endParaRPr>
-          </a:p>
-        </p:txBody>
-      </p:sp>
-      <p:cxnSp>
-        <p:nvCxnSpPr>
-          <p:cNvPr id="11" name="直線コネクタ 10"/>
-          <p:cNvCxnSpPr/>
-          <p:nvPr/>
-        </p:nvCxnSpPr>
-        <p:spPr>
-          <a:xfrm>
-            <a:off x="838200" y="1862054"/>
-            <a:ext cx="8077200" cy="33256"/>
-          </a:xfrm>
-          <a:prstGeom prst="line">
-            <a:avLst/>
-          </a:prstGeom>
-        </p:spPr>
-        <p:style>
-          <a:lnRef idx="1">
-            <a:schemeClr val="dk1"/>
-          </a:lnRef>
-          <a:fillRef idx="0">
-            <a:schemeClr val="dk1"/>
-          </a:fillRef>
-          <a:effectRef idx="0">
-            <a:schemeClr val="dk1"/>
-          </a:effectRef>
-          <a:fontRef idx="minor">
-            <a:schemeClr val="tx1"/>
-          </a:fontRef>
-        </p:style>
-      </p:cxnSp>
-      <p:sp>
-        <p:nvSpPr>
           <p:cNvPr id="18" name="正方形/長方形 17"/>
           <p:cNvSpPr/>
           <p:nvPr/>
         </p:nvSpPr>
         <p:spPr>
           <a:xfrm>
-            <a:off x="1005840" y="2075624"/>
+            <a:off x="1005840" y="1901056"/>
             <a:ext cx="1330036" cy="216551"/>
           </a:xfrm>
           <a:prstGeom prst="rect">
@@ -11747,7 +11522,7 @@
         </p:nvSpPr>
         <p:spPr>
           <a:xfrm>
-            <a:off x="2412536" y="2076654"/>
+            <a:off x="2412536" y="1902086"/>
             <a:ext cx="1989976" cy="216551"/>
           </a:xfrm>
           <a:prstGeom prst="rect">
@@ -11786,82 +11561,16 @@
                 <a:latin typeface="Meiryo UI" panose="020B0604030504040204" pitchFamily="50" charset="-128"/>
                 <a:ea typeface="Meiryo UI" panose="020B0604030504040204" pitchFamily="50" charset="-128"/>
               </a:rPr>
-              <a:t>テスト　</a:t>
-            </a:r>
-            <a:r>
-              <a:rPr kumimoji="1" lang="ja-JP" altLang="en-US" sz="1200" dirty="0" smtClean="0">
-                <a:solidFill>
-                  <a:schemeClr val="tx1"/>
-                </a:solidFill>
-                <a:latin typeface="Meiryo UI" panose="020B0604030504040204" pitchFamily="50" charset="-128"/>
-                <a:ea typeface="Meiryo UI" panose="020B0604030504040204" pitchFamily="50" charset="-128"/>
-              </a:rPr>
-              <a:t>イチロウ</a:t>
+              <a:t>テスト　イチロウ</a:t>
             </a:r>
             <a:r>
               <a:rPr kumimoji="1" lang="ja-JP" altLang="en-US" sz="1050" dirty="0" smtClean="0">
                 <a:latin typeface="Meiryo UI" panose="020B0604030504040204" pitchFamily="50" charset="-128"/>
                 <a:ea typeface="Meiryo UI" panose="020B0604030504040204" pitchFamily="50" charset="-128"/>
               </a:rPr>
-              <a:t>社員</a:t>
-            </a:r>
-            <a:r>
-              <a:rPr kumimoji="1" lang="ja-JP" altLang="en-US" sz="1050" dirty="0" smtClean="0">
-                <a:latin typeface="Meiryo UI" panose="020B0604030504040204" pitchFamily="50" charset="-128"/>
-                <a:ea typeface="Meiryo UI" panose="020B0604030504040204" pitchFamily="50" charset="-128"/>
-              </a:rPr>
-              <a:t>コード</a:t>
+              <a:t>社員コード</a:t>
             </a:r>
             <a:endParaRPr kumimoji="1" lang="ja-JP" altLang="en-US" sz="1050" dirty="0">
-              <a:latin typeface="Meiryo UI" panose="020B0604030504040204" pitchFamily="50" charset="-128"/>
-              <a:ea typeface="Meiryo UI" panose="020B0604030504040204" pitchFamily="50" charset="-128"/>
-            </a:endParaRPr>
-          </a:p>
-        </p:txBody>
-      </p:sp>
-      <p:sp>
-        <p:nvSpPr>
-          <p:cNvPr id="21" name="正方形/長方形 20"/>
-          <p:cNvSpPr/>
-          <p:nvPr/>
-        </p:nvSpPr>
-        <p:spPr>
-          <a:xfrm>
-            <a:off x="1124066" y="2836759"/>
-            <a:ext cx="1330036" cy="216551"/>
-          </a:xfrm>
-          <a:prstGeom prst="rect">
-            <a:avLst/>
-          </a:prstGeom>
-        </p:spPr>
-        <p:style>
-          <a:lnRef idx="2">
-            <a:schemeClr val="accent1">
-              <a:shade val="50000"/>
-            </a:schemeClr>
-          </a:lnRef>
-          <a:fillRef idx="1">
-            <a:schemeClr val="accent1"/>
-          </a:fillRef>
-          <a:effectRef idx="0">
-            <a:schemeClr val="accent1"/>
-          </a:effectRef>
-          <a:fontRef idx="minor">
-            <a:schemeClr val="lt1"/>
-          </a:fontRef>
-        </p:style>
-        <p:txBody>
-          <a:bodyPr rtlCol="0" anchor="ctr"/>
-          <a:lstStyle/>
-          <a:p>
-            <a:r>
-              <a:rPr kumimoji="1" lang="ja-JP" altLang="en-US" sz="1200" dirty="0" smtClean="0">
-                <a:latin typeface="Meiryo UI" panose="020B0604030504040204" pitchFamily="50" charset="-128"/>
-                <a:ea typeface="Meiryo UI" panose="020B0604030504040204" pitchFamily="50" charset="-128"/>
-              </a:rPr>
-              <a:t>銀行コード</a:t>
-            </a:r>
-            <a:endParaRPr kumimoji="1" lang="en-US" altLang="ja-JP" sz="1200" dirty="0" smtClean="0">
               <a:latin typeface="Meiryo UI" panose="020B0604030504040204" pitchFamily="50" charset="-128"/>
               <a:ea typeface="Meiryo UI" panose="020B0604030504040204" pitchFamily="50" charset="-128"/>
             </a:endParaRPr>
@@ -11876,7 +11585,7 @@
         </p:nvSpPr>
         <p:spPr>
           <a:xfrm>
-            <a:off x="7492539" y="5303845"/>
+            <a:off x="7492539" y="5220715"/>
             <a:ext cx="1438101" cy="399011"/>
           </a:xfrm>
           <a:prstGeom prst="rect">
@@ -11923,1103 +11632,1127 @@
           </a:p>
         </p:txBody>
       </p:sp>
-      <p:sp>
-        <p:nvSpPr>
-          <p:cNvPr id="20" name="正方形/長方形 19"/>
-          <p:cNvSpPr/>
+      <p:grpSp>
+        <p:nvGrpSpPr>
+          <p:cNvPr id="7" name="グループ化 6"/>
+          <p:cNvGrpSpPr/>
           <p:nvPr/>
-        </p:nvSpPr>
-        <p:spPr>
+        </p:nvGrpSpPr>
+        <p:grpSpPr>
           <a:xfrm>
-            <a:off x="7477299" y="1398822"/>
-            <a:ext cx="1438101" cy="399011"/>
+            <a:off x="1005838" y="2360210"/>
+            <a:ext cx="3798917" cy="2552619"/>
+            <a:chOff x="1005838" y="2534778"/>
+            <a:chExt cx="3798917" cy="2552619"/>
           </a:xfrm>
-          <a:prstGeom prst="rect">
-            <a:avLst/>
-          </a:prstGeom>
-          <a:noFill/>
-          <a:ln w="19050">
-            <a:solidFill>
-              <a:schemeClr val="tx1"/>
-            </a:solidFill>
-          </a:ln>
-        </p:spPr>
-        <p:style>
-          <a:lnRef idx="2">
-            <a:schemeClr val="accent1">
-              <a:shade val="50000"/>
-            </a:schemeClr>
-          </a:lnRef>
-          <a:fillRef idx="1">
-            <a:schemeClr val="accent1"/>
-          </a:fillRef>
-          <a:effectRef idx="0">
-            <a:schemeClr val="accent1"/>
-          </a:effectRef>
-          <a:fontRef idx="minor">
-            <a:schemeClr val="lt1"/>
-          </a:fontRef>
-        </p:style>
-        <p:txBody>
-          <a:bodyPr rtlCol="0" anchor="ctr"/>
-          <a:lstStyle/>
-          <a:p>
-            <a:pPr algn="ctr"/>
-            <a:r>
-              <a:rPr kumimoji="1" lang="ja-JP" altLang="en-US" dirty="0" smtClean="0">
+        </p:grpSpPr>
+        <p:sp>
+          <p:nvSpPr>
+            <p:cNvPr id="21" name="正方形/長方形 20"/>
+            <p:cNvSpPr/>
+            <p:nvPr/>
+          </p:nvSpPr>
+          <p:spPr>
+            <a:xfrm>
+              <a:off x="1124066" y="2836759"/>
+              <a:ext cx="1330036" cy="216551"/>
+            </a:xfrm>
+            <a:prstGeom prst="rect">
+              <a:avLst/>
+            </a:prstGeom>
+          </p:spPr>
+          <p:style>
+            <a:lnRef idx="2">
+              <a:schemeClr val="accent1">
+                <a:shade val="50000"/>
+              </a:schemeClr>
+            </a:lnRef>
+            <a:fillRef idx="1">
+              <a:schemeClr val="accent1"/>
+            </a:fillRef>
+            <a:effectRef idx="0">
+              <a:schemeClr val="accent1"/>
+            </a:effectRef>
+            <a:fontRef idx="minor">
+              <a:schemeClr val="lt1"/>
+            </a:fontRef>
+          </p:style>
+          <p:txBody>
+            <a:bodyPr rtlCol="0" anchor="ctr"/>
+            <a:lstStyle/>
+            <a:p>
+              <a:r>
+                <a:rPr kumimoji="1" lang="ja-JP" altLang="en-US" sz="1200" dirty="0" smtClean="0">
+                  <a:latin typeface="Meiryo UI" panose="020B0604030504040204" pitchFamily="50" charset="-128"/>
+                  <a:ea typeface="Meiryo UI" panose="020B0604030504040204" pitchFamily="50" charset="-128"/>
+                </a:rPr>
+                <a:t>銀行コード</a:t>
+              </a:r>
+              <a:endParaRPr kumimoji="1" lang="en-US" altLang="ja-JP" sz="1200" dirty="0" smtClean="0">
+                <a:latin typeface="Meiryo UI" panose="020B0604030504040204" pitchFamily="50" charset="-128"/>
+                <a:ea typeface="Meiryo UI" panose="020B0604030504040204" pitchFamily="50" charset="-128"/>
+              </a:endParaRPr>
+            </a:p>
+          </p:txBody>
+        </p:sp>
+        <p:sp>
+          <p:nvSpPr>
+            <p:cNvPr id="22" name="正方形/長方形 21"/>
+            <p:cNvSpPr/>
+            <p:nvPr/>
+          </p:nvSpPr>
+          <p:spPr>
+            <a:xfrm>
+              <a:off x="1124065" y="3187637"/>
+              <a:ext cx="1330036" cy="216551"/>
+            </a:xfrm>
+            <a:prstGeom prst="rect">
+              <a:avLst/>
+            </a:prstGeom>
+          </p:spPr>
+          <p:style>
+            <a:lnRef idx="2">
+              <a:schemeClr val="accent1">
+                <a:shade val="50000"/>
+              </a:schemeClr>
+            </a:lnRef>
+            <a:fillRef idx="1">
+              <a:schemeClr val="accent1"/>
+            </a:fillRef>
+            <a:effectRef idx="0">
+              <a:schemeClr val="accent1"/>
+            </a:effectRef>
+            <a:fontRef idx="minor">
+              <a:schemeClr val="lt1"/>
+            </a:fontRef>
+          </p:style>
+          <p:txBody>
+            <a:bodyPr rtlCol="0" anchor="ctr"/>
+            <a:lstStyle/>
+            <a:p>
+              <a:r>
+                <a:rPr kumimoji="1" lang="ja-JP" altLang="en-US" sz="1200" dirty="0" smtClean="0">
+                  <a:latin typeface="Meiryo UI" panose="020B0604030504040204" pitchFamily="50" charset="-128"/>
+                  <a:ea typeface="Meiryo UI" panose="020B0604030504040204" pitchFamily="50" charset="-128"/>
+                </a:rPr>
+                <a:t>銀行カナ</a:t>
+              </a:r>
+              <a:endParaRPr kumimoji="1" lang="en-US" altLang="ja-JP" sz="1200" dirty="0" smtClean="0">
+                <a:latin typeface="Meiryo UI" panose="020B0604030504040204" pitchFamily="50" charset="-128"/>
+                <a:ea typeface="Meiryo UI" panose="020B0604030504040204" pitchFamily="50" charset="-128"/>
+              </a:endParaRPr>
+            </a:p>
+          </p:txBody>
+        </p:sp>
+        <p:sp>
+          <p:nvSpPr>
+            <p:cNvPr id="23" name="正方形/長方形 22"/>
+            <p:cNvSpPr/>
+            <p:nvPr/>
+          </p:nvSpPr>
+          <p:spPr>
+            <a:xfrm>
+              <a:off x="1124065" y="3543869"/>
+              <a:ext cx="1330036" cy="216551"/>
+            </a:xfrm>
+            <a:prstGeom prst="rect">
+              <a:avLst/>
+            </a:prstGeom>
+          </p:spPr>
+          <p:style>
+            <a:lnRef idx="2">
+              <a:schemeClr val="accent1">
+                <a:shade val="50000"/>
+              </a:schemeClr>
+            </a:lnRef>
+            <a:fillRef idx="1">
+              <a:schemeClr val="accent1"/>
+            </a:fillRef>
+            <a:effectRef idx="0">
+              <a:schemeClr val="accent1"/>
+            </a:effectRef>
+            <a:fontRef idx="minor">
+              <a:schemeClr val="lt1"/>
+            </a:fontRef>
+          </p:style>
+          <p:txBody>
+            <a:bodyPr rtlCol="0" anchor="ctr"/>
+            <a:lstStyle/>
+            <a:p>
+              <a:r>
+                <a:rPr kumimoji="1" lang="ja-JP" altLang="en-US" sz="1200" dirty="0" smtClean="0">
+                  <a:latin typeface="Meiryo UI" panose="020B0604030504040204" pitchFamily="50" charset="-128"/>
+                  <a:ea typeface="Meiryo UI" panose="020B0604030504040204" pitchFamily="50" charset="-128"/>
+                </a:rPr>
+                <a:t>支店</a:t>
+              </a:r>
+              <a:r>
+                <a:rPr lang="ja-JP" altLang="en-US" sz="1200" dirty="0">
+                  <a:latin typeface="Meiryo UI" panose="020B0604030504040204" pitchFamily="50" charset="-128"/>
+                  <a:ea typeface="Meiryo UI" panose="020B0604030504040204" pitchFamily="50" charset="-128"/>
+                </a:rPr>
+                <a:t>カナ</a:t>
+              </a:r>
+              <a:endParaRPr kumimoji="1" lang="ja-JP" altLang="en-US" sz="1200" dirty="0" smtClean="0">
+                <a:latin typeface="Meiryo UI" panose="020B0604030504040204" pitchFamily="50" charset="-128"/>
+                <a:ea typeface="Meiryo UI" panose="020B0604030504040204" pitchFamily="50" charset="-128"/>
+              </a:endParaRPr>
+            </a:p>
+          </p:txBody>
+        </p:sp>
+        <p:sp>
+          <p:nvSpPr>
+            <p:cNvPr id="24" name="正方形/長方形 23"/>
+            <p:cNvSpPr/>
+            <p:nvPr/>
+          </p:nvSpPr>
+          <p:spPr>
+            <a:xfrm>
+              <a:off x="1124065" y="3900101"/>
+              <a:ext cx="1330036" cy="216551"/>
+            </a:xfrm>
+            <a:prstGeom prst="rect">
+              <a:avLst/>
+            </a:prstGeom>
+          </p:spPr>
+          <p:style>
+            <a:lnRef idx="2">
+              <a:schemeClr val="accent1">
+                <a:shade val="50000"/>
+              </a:schemeClr>
+            </a:lnRef>
+            <a:fillRef idx="1">
+              <a:schemeClr val="accent1"/>
+            </a:fillRef>
+            <a:effectRef idx="0">
+              <a:schemeClr val="accent1"/>
+            </a:effectRef>
+            <a:fontRef idx="minor">
+              <a:schemeClr val="lt1"/>
+            </a:fontRef>
+          </p:style>
+          <p:txBody>
+            <a:bodyPr rtlCol="0" anchor="ctr"/>
+            <a:lstStyle/>
+            <a:p>
+              <a:r>
+                <a:rPr kumimoji="1" lang="ja-JP" altLang="en-US" sz="1200" dirty="0" smtClean="0">
+                  <a:latin typeface="Meiryo UI" panose="020B0604030504040204" pitchFamily="50" charset="-128"/>
+                  <a:ea typeface="Meiryo UI" panose="020B0604030504040204" pitchFamily="50" charset="-128"/>
+                </a:rPr>
+                <a:t>種別コード</a:t>
+              </a:r>
+              <a:endParaRPr kumimoji="1" lang="en-US" altLang="ja-JP" sz="1200" dirty="0" smtClean="0">
+                <a:latin typeface="Meiryo UI" panose="020B0604030504040204" pitchFamily="50" charset="-128"/>
+                <a:ea typeface="Meiryo UI" panose="020B0604030504040204" pitchFamily="50" charset="-128"/>
+              </a:endParaRPr>
+            </a:p>
+          </p:txBody>
+        </p:sp>
+        <p:sp>
+          <p:nvSpPr>
+            <p:cNvPr id="25" name="正方形/長方形 24"/>
+            <p:cNvSpPr/>
+            <p:nvPr/>
+          </p:nvSpPr>
+          <p:spPr>
+            <a:xfrm>
+              <a:off x="1124065" y="4256333"/>
+              <a:ext cx="1330036" cy="216551"/>
+            </a:xfrm>
+            <a:prstGeom prst="rect">
+              <a:avLst/>
+            </a:prstGeom>
+          </p:spPr>
+          <p:style>
+            <a:lnRef idx="2">
+              <a:schemeClr val="accent1">
+                <a:shade val="50000"/>
+              </a:schemeClr>
+            </a:lnRef>
+            <a:fillRef idx="1">
+              <a:schemeClr val="accent1"/>
+            </a:fillRef>
+            <a:effectRef idx="0">
+              <a:schemeClr val="accent1"/>
+            </a:effectRef>
+            <a:fontRef idx="minor">
+              <a:schemeClr val="lt1"/>
+            </a:fontRef>
+          </p:style>
+          <p:txBody>
+            <a:bodyPr rtlCol="0" anchor="ctr"/>
+            <a:lstStyle/>
+            <a:p>
+              <a:r>
+                <a:rPr kumimoji="1" lang="ja-JP" altLang="en-US" sz="1200" dirty="0" smtClean="0">
+                  <a:latin typeface="Meiryo UI" panose="020B0604030504040204" pitchFamily="50" charset="-128"/>
+                  <a:ea typeface="Meiryo UI" panose="020B0604030504040204" pitchFamily="50" charset="-128"/>
+                </a:rPr>
+                <a:t>口座番号</a:t>
+              </a:r>
+              <a:endParaRPr kumimoji="1" lang="en-US" altLang="ja-JP" sz="1200" dirty="0" smtClean="0">
+                <a:latin typeface="Meiryo UI" panose="020B0604030504040204" pitchFamily="50" charset="-128"/>
+                <a:ea typeface="Meiryo UI" panose="020B0604030504040204" pitchFamily="50" charset="-128"/>
+              </a:endParaRPr>
+            </a:p>
+          </p:txBody>
+        </p:sp>
+        <p:sp>
+          <p:nvSpPr>
+            <p:cNvPr id="26" name="正方形/長方形 25"/>
+            <p:cNvSpPr/>
+            <p:nvPr/>
+          </p:nvSpPr>
+          <p:spPr>
+            <a:xfrm>
+              <a:off x="1124065" y="4612565"/>
+              <a:ext cx="1330036" cy="216551"/>
+            </a:xfrm>
+            <a:prstGeom prst="rect">
+              <a:avLst/>
+            </a:prstGeom>
+          </p:spPr>
+          <p:style>
+            <a:lnRef idx="2">
+              <a:schemeClr val="accent1">
+                <a:shade val="50000"/>
+              </a:schemeClr>
+            </a:lnRef>
+            <a:fillRef idx="1">
+              <a:schemeClr val="accent1"/>
+            </a:fillRef>
+            <a:effectRef idx="0">
+              <a:schemeClr val="accent1"/>
+            </a:effectRef>
+            <a:fontRef idx="minor">
+              <a:schemeClr val="lt1"/>
+            </a:fontRef>
+          </p:style>
+          <p:txBody>
+            <a:bodyPr rtlCol="0" anchor="ctr"/>
+            <a:lstStyle/>
+            <a:p>
+              <a:r>
+                <a:rPr lang="ja-JP" altLang="en-US" sz="1200" dirty="0" smtClean="0">
+                  <a:latin typeface="Meiryo UI" panose="020B0604030504040204" pitchFamily="50" charset="-128"/>
+                  <a:ea typeface="Meiryo UI" panose="020B0604030504040204" pitchFamily="50" charset="-128"/>
+                </a:rPr>
+                <a:t>取扱銀行</a:t>
+              </a:r>
+              <a:endParaRPr kumimoji="1" lang="en-US" altLang="ja-JP" sz="1200" dirty="0" smtClean="0">
+                <a:latin typeface="Meiryo UI" panose="020B0604030504040204" pitchFamily="50" charset="-128"/>
+                <a:ea typeface="Meiryo UI" panose="020B0604030504040204" pitchFamily="50" charset="-128"/>
+              </a:endParaRPr>
+            </a:p>
+          </p:txBody>
+        </p:sp>
+        <p:sp>
+          <p:nvSpPr>
+            <p:cNvPr id="2" name="正方形/長方形 1"/>
+            <p:cNvSpPr/>
+            <p:nvPr/>
+          </p:nvSpPr>
+          <p:spPr>
+            <a:xfrm>
+              <a:off x="1005838" y="2534778"/>
+              <a:ext cx="3798917" cy="2552619"/>
+            </a:xfrm>
+            <a:prstGeom prst="rect">
+              <a:avLst/>
+            </a:prstGeom>
+            <a:noFill/>
+            <a:ln w="19050">
+              <a:solidFill>
+                <a:schemeClr val="tx1"/>
+              </a:solidFill>
+            </a:ln>
+          </p:spPr>
+          <p:style>
+            <a:lnRef idx="2">
+              <a:schemeClr val="accent1">
+                <a:shade val="50000"/>
+              </a:schemeClr>
+            </a:lnRef>
+            <a:fillRef idx="1">
+              <a:schemeClr val="accent1"/>
+            </a:fillRef>
+            <a:effectRef idx="0">
+              <a:schemeClr val="accent1"/>
+            </a:effectRef>
+            <a:fontRef idx="minor">
+              <a:schemeClr val="lt1"/>
+            </a:fontRef>
+          </p:style>
+          <p:txBody>
+            <a:bodyPr rtlCol="0" anchor="t" anchorCtr="0"/>
+            <a:lstStyle/>
+            <a:p>
+              <a:r>
+                <a:rPr kumimoji="1" lang="ja-JP" altLang="en-US" sz="1200" dirty="0" smtClean="0">
+                  <a:solidFill>
+                    <a:schemeClr val="tx1"/>
+                  </a:solidFill>
+                  <a:latin typeface="Meiryo UI" panose="020B0604030504040204" pitchFamily="50" charset="-128"/>
+                  <a:ea typeface="Meiryo UI" panose="020B0604030504040204" pitchFamily="50" charset="-128"/>
+                </a:rPr>
+                <a:t>銀行情報</a:t>
+              </a:r>
+              <a:endParaRPr kumimoji="1" lang="ja-JP" altLang="en-US" sz="1200" dirty="0">
                 <a:solidFill>
                   <a:schemeClr val="tx1"/>
                 </a:solidFill>
                 <a:latin typeface="Meiryo UI" panose="020B0604030504040204" pitchFamily="50" charset="-128"/>
                 <a:ea typeface="Meiryo UI" panose="020B0604030504040204" pitchFamily="50" charset="-128"/>
-              </a:rPr>
-              <a:t>検索</a:t>
-            </a:r>
-          </a:p>
-        </p:txBody>
-      </p:sp>
-      <p:sp>
-        <p:nvSpPr>
-          <p:cNvPr id="22" name="正方形/長方形 21"/>
-          <p:cNvSpPr/>
-          <p:nvPr/>
-        </p:nvSpPr>
-        <p:spPr>
-          <a:xfrm>
-            <a:off x="1124065" y="3187637"/>
-            <a:ext cx="1330036" cy="216551"/>
-          </a:xfrm>
-          <a:prstGeom prst="rect">
-            <a:avLst/>
-          </a:prstGeom>
-        </p:spPr>
-        <p:style>
-          <a:lnRef idx="2">
-            <a:schemeClr val="accent1">
-              <a:shade val="50000"/>
-            </a:schemeClr>
-          </a:lnRef>
-          <a:fillRef idx="1">
-            <a:schemeClr val="accent1"/>
-          </a:fillRef>
-          <a:effectRef idx="0">
-            <a:schemeClr val="accent1"/>
-          </a:effectRef>
-          <a:fontRef idx="minor">
-            <a:schemeClr val="lt1"/>
-          </a:fontRef>
-        </p:style>
-        <p:txBody>
-          <a:bodyPr rtlCol="0" anchor="ctr"/>
-          <a:lstStyle/>
-          <a:p>
-            <a:r>
-              <a:rPr kumimoji="1" lang="ja-JP" altLang="en-US" sz="1200" dirty="0" smtClean="0">
-                <a:latin typeface="Meiryo UI" panose="020B0604030504040204" pitchFamily="50" charset="-128"/>
-                <a:ea typeface="Meiryo UI" panose="020B0604030504040204" pitchFamily="50" charset="-128"/>
-              </a:rPr>
-              <a:t>銀行カナ</a:t>
-            </a:r>
-            <a:endParaRPr kumimoji="1" lang="en-US" altLang="ja-JP" sz="1200" dirty="0" smtClean="0">
-              <a:latin typeface="Meiryo UI" panose="020B0604030504040204" pitchFamily="50" charset="-128"/>
-              <a:ea typeface="Meiryo UI" panose="020B0604030504040204" pitchFamily="50" charset="-128"/>
-            </a:endParaRPr>
-          </a:p>
-        </p:txBody>
-      </p:sp>
-      <p:sp>
-        <p:nvSpPr>
-          <p:cNvPr id="23" name="正方形/長方形 22"/>
-          <p:cNvSpPr/>
-          <p:nvPr/>
-        </p:nvSpPr>
-        <p:spPr>
-          <a:xfrm>
-            <a:off x="1124065" y="3543869"/>
-            <a:ext cx="1330036" cy="216551"/>
-          </a:xfrm>
-          <a:prstGeom prst="rect">
-            <a:avLst/>
-          </a:prstGeom>
-        </p:spPr>
-        <p:style>
-          <a:lnRef idx="2">
-            <a:schemeClr val="accent1">
-              <a:shade val="50000"/>
-            </a:schemeClr>
-          </a:lnRef>
-          <a:fillRef idx="1">
-            <a:schemeClr val="accent1"/>
-          </a:fillRef>
-          <a:effectRef idx="0">
-            <a:schemeClr val="accent1"/>
-          </a:effectRef>
-          <a:fontRef idx="minor">
-            <a:schemeClr val="lt1"/>
-          </a:fontRef>
-        </p:style>
-        <p:txBody>
-          <a:bodyPr rtlCol="0" anchor="ctr"/>
-          <a:lstStyle/>
-          <a:p>
-            <a:r>
-              <a:rPr kumimoji="1" lang="ja-JP" altLang="en-US" sz="1200" dirty="0" smtClean="0">
-                <a:latin typeface="Meiryo UI" panose="020B0604030504040204" pitchFamily="50" charset="-128"/>
-                <a:ea typeface="Meiryo UI" panose="020B0604030504040204" pitchFamily="50" charset="-128"/>
-              </a:rPr>
-              <a:t>支店</a:t>
-            </a:r>
-            <a:r>
-              <a:rPr lang="ja-JP" altLang="en-US" sz="1200" dirty="0">
-                <a:latin typeface="Meiryo UI" panose="020B0604030504040204" pitchFamily="50" charset="-128"/>
-                <a:ea typeface="Meiryo UI" panose="020B0604030504040204" pitchFamily="50" charset="-128"/>
-              </a:rPr>
-              <a:t>カナ</a:t>
-            </a:r>
-            <a:endParaRPr kumimoji="1" lang="ja-JP" altLang="en-US" sz="1200" dirty="0" smtClean="0">
-              <a:latin typeface="Meiryo UI" panose="020B0604030504040204" pitchFamily="50" charset="-128"/>
-              <a:ea typeface="Meiryo UI" panose="020B0604030504040204" pitchFamily="50" charset="-128"/>
-            </a:endParaRPr>
-          </a:p>
-        </p:txBody>
-      </p:sp>
-      <p:sp>
-        <p:nvSpPr>
-          <p:cNvPr id="24" name="正方形/長方形 23"/>
-          <p:cNvSpPr/>
-          <p:nvPr/>
-        </p:nvSpPr>
-        <p:spPr>
-          <a:xfrm>
-            <a:off x="1124065" y="3900101"/>
-            <a:ext cx="1330036" cy="216551"/>
-          </a:xfrm>
-          <a:prstGeom prst="rect">
-            <a:avLst/>
-          </a:prstGeom>
-        </p:spPr>
-        <p:style>
-          <a:lnRef idx="2">
-            <a:schemeClr val="accent1">
-              <a:shade val="50000"/>
-            </a:schemeClr>
-          </a:lnRef>
-          <a:fillRef idx="1">
-            <a:schemeClr val="accent1"/>
-          </a:fillRef>
-          <a:effectRef idx="0">
-            <a:schemeClr val="accent1"/>
-          </a:effectRef>
-          <a:fontRef idx="minor">
-            <a:schemeClr val="lt1"/>
-          </a:fontRef>
-        </p:style>
-        <p:txBody>
-          <a:bodyPr rtlCol="0" anchor="ctr"/>
-          <a:lstStyle/>
-          <a:p>
-            <a:r>
-              <a:rPr kumimoji="1" lang="ja-JP" altLang="en-US" sz="1200" dirty="0" smtClean="0">
-                <a:latin typeface="Meiryo UI" panose="020B0604030504040204" pitchFamily="50" charset="-128"/>
-                <a:ea typeface="Meiryo UI" panose="020B0604030504040204" pitchFamily="50" charset="-128"/>
-              </a:rPr>
-              <a:t>種別コード</a:t>
-            </a:r>
-            <a:endParaRPr kumimoji="1" lang="en-US" altLang="ja-JP" sz="1200" dirty="0" smtClean="0">
-              <a:latin typeface="Meiryo UI" panose="020B0604030504040204" pitchFamily="50" charset="-128"/>
-              <a:ea typeface="Meiryo UI" panose="020B0604030504040204" pitchFamily="50" charset="-128"/>
-            </a:endParaRPr>
-          </a:p>
-        </p:txBody>
-      </p:sp>
-      <p:sp>
-        <p:nvSpPr>
-          <p:cNvPr id="25" name="正方形/長方形 24"/>
-          <p:cNvSpPr/>
-          <p:nvPr/>
-        </p:nvSpPr>
-        <p:spPr>
-          <a:xfrm>
-            <a:off x="1124065" y="4256333"/>
-            <a:ext cx="1330036" cy="216551"/>
-          </a:xfrm>
-          <a:prstGeom prst="rect">
-            <a:avLst/>
-          </a:prstGeom>
-        </p:spPr>
-        <p:style>
-          <a:lnRef idx="2">
-            <a:schemeClr val="accent1">
-              <a:shade val="50000"/>
-            </a:schemeClr>
-          </a:lnRef>
-          <a:fillRef idx="1">
-            <a:schemeClr val="accent1"/>
-          </a:fillRef>
-          <a:effectRef idx="0">
-            <a:schemeClr val="accent1"/>
-          </a:effectRef>
-          <a:fontRef idx="minor">
-            <a:schemeClr val="lt1"/>
-          </a:fontRef>
-        </p:style>
-        <p:txBody>
-          <a:bodyPr rtlCol="0" anchor="ctr"/>
-          <a:lstStyle/>
-          <a:p>
-            <a:r>
-              <a:rPr kumimoji="1" lang="ja-JP" altLang="en-US" sz="1200" dirty="0" smtClean="0">
-                <a:latin typeface="Meiryo UI" panose="020B0604030504040204" pitchFamily="50" charset="-128"/>
-                <a:ea typeface="Meiryo UI" panose="020B0604030504040204" pitchFamily="50" charset="-128"/>
-              </a:rPr>
-              <a:t>口座番号</a:t>
-            </a:r>
-            <a:endParaRPr kumimoji="1" lang="en-US" altLang="ja-JP" sz="1200" dirty="0" smtClean="0">
-              <a:latin typeface="Meiryo UI" panose="020B0604030504040204" pitchFamily="50" charset="-128"/>
-              <a:ea typeface="Meiryo UI" panose="020B0604030504040204" pitchFamily="50" charset="-128"/>
-            </a:endParaRPr>
-          </a:p>
-        </p:txBody>
-      </p:sp>
-      <p:sp>
-        <p:nvSpPr>
-          <p:cNvPr id="26" name="正方形/長方形 25"/>
-          <p:cNvSpPr/>
-          <p:nvPr/>
-        </p:nvSpPr>
-        <p:spPr>
-          <a:xfrm>
-            <a:off x="1124065" y="4612565"/>
-            <a:ext cx="1330036" cy="216551"/>
-          </a:xfrm>
-          <a:prstGeom prst="rect">
-            <a:avLst/>
-          </a:prstGeom>
-        </p:spPr>
-        <p:style>
-          <a:lnRef idx="2">
-            <a:schemeClr val="accent1">
-              <a:shade val="50000"/>
-            </a:schemeClr>
-          </a:lnRef>
-          <a:fillRef idx="1">
-            <a:schemeClr val="accent1"/>
-          </a:fillRef>
-          <a:effectRef idx="0">
-            <a:schemeClr val="accent1"/>
-          </a:effectRef>
-          <a:fontRef idx="minor">
-            <a:schemeClr val="lt1"/>
-          </a:fontRef>
-        </p:style>
-        <p:txBody>
-          <a:bodyPr rtlCol="0" anchor="ctr"/>
-          <a:lstStyle/>
-          <a:p>
-            <a:r>
-              <a:rPr lang="ja-JP" altLang="en-US" sz="1200" dirty="0" smtClean="0">
-                <a:latin typeface="Meiryo UI" panose="020B0604030504040204" pitchFamily="50" charset="-128"/>
-                <a:ea typeface="Meiryo UI" panose="020B0604030504040204" pitchFamily="50" charset="-128"/>
-              </a:rPr>
-              <a:t>取扱銀行</a:t>
-            </a:r>
-            <a:endParaRPr kumimoji="1" lang="en-US" altLang="ja-JP" sz="1200" dirty="0" smtClean="0">
-              <a:latin typeface="Meiryo UI" panose="020B0604030504040204" pitchFamily="50" charset="-128"/>
-              <a:ea typeface="Meiryo UI" panose="020B0604030504040204" pitchFamily="50" charset="-128"/>
-            </a:endParaRPr>
-          </a:p>
-        </p:txBody>
-      </p:sp>
-      <p:sp>
-        <p:nvSpPr>
-          <p:cNvPr id="2" name="正方形/長方形 1"/>
-          <p:cNvSpPr/>
-          <p:nvPr/>
-        </p:nvSpPr>
-        <p:spPr>
-          <a:xfrm>
-            <a:off x="1005838" y="2534778"/>
-            <a:ext cx="3798917" cy="2552619"/>
-          </a:xfrm>
-          <a:prstGeom prst="rect">
-            <a:avLst/>
-          </a:prstGeom>
-          <a:noFill/>
-          <a:ln w="19050">
-            <a:solidFill>
-              <a:schemeClr val="tx1"/>
-            </a:solidFill>
-          </a:ln>
-        </p:spPr>
-        <p:style>
-          <a:lnRef idx="2">
-            <a:schemeClr val="accent1">
-              <a:shade val="50000"/>
-            </a:schemeClr>
-          </a:lnRef>
-          <a:fillRef idx="1">
-            <a:schemeClr val="accent1"/>
-          </a:fillRef>
-          <a:effectRef idx="0">
-            <a:schemeClr val="accent1"/>
-          </a:effectRef>
-          <a:fontRef idx="minor">
-            <a:schemeClr val="lt1"/>
-          </a:fontRef>
-        </p:style>
-        <p:txBody>
-          <a:bodyPr rtlCol="0" anchor="t" anchorCtr="0"/>
-          <a:lstStyle/>
-          <a:p>
-            <a:r>
-              <a:rPr kumimoji="1" lang="ja-JP" altLang="en-US" sz="1200" dirty="0" smtClean="0">
+              </a:endParaRPr>
+            </a:p>
+          </p:txBody>
+        </p:sp>
+        <p:sp>
+          <p:nvSpPr>
+            <p:cNvPr id="35" name="正方形/長方形 34"/>
+            <p:cNvSpPr/>
+            <p:nvPr/>
+          </p:nvSpPr>
+          <p:spPr>
+            <a:xfrm>
+              <a:off x="2572330" y="2822408"/>
+              <a:ext cx="894077" cy="216551"/>
+            </a:xfrm>
+            <a:prstGeom prst="rect">
+              <a:avLst/>
+            </a:prstGeom>
+            <a:noFill/>
+            <a:ln>
+              <a:noFill/>
+            </a:ln>
+          </p:spPr>
+          <p:style>
+            <a:lnRef idx="2">
+              <a:schemeClr val="accent1">
+                <a:shade val="50000"/>
+              </a:schemeClr>
+            </a:lnRef>
+            <a:fillRef idx="1">
+              <a:schemeClr val="accent1"/>
+            </a:fillRef>
+            <a:effectRef idx="0">
+              <a:schemeClr val="accent1"/>
+            </a:effectRef>
+            <a:fontRef idx="minor">
+              <a:schemeClr val="lt1"/>
+            </a:fontRef>
+          </p:style>
+          <p:txBody>
+            <a:bodyPr rtlCol="0" anchor="ctr"/>
+            <a:lstStyle/>
+            <a:p>
+              <a:r>
+                <a:rPr lang="en-US" altLang="ja-JP" sz="1200" dirty="0">
+                  <a:solidFill>
+                    <a:schemeClr val="tx1"/>
+                  </a:solidFill>
+                  <a:latin typeface="Meiryo UI" panose="020B0604030504040204" pitchFamily="50" charset="-128"/>
+                  <a:ea typeface="Meiryo UI" panose="020B0604030504040204" pitchFamily="50" charset="-128"/>
+                </a:rPr>
+                <a:t>0005869</a:t>
+              </a:r>
+              <a:endParaRPr kumimoji="1" lang="ja-JP" altLang="en-US" sz="1200" dirty="0">
                 <a:solidFill>
                   <a:schemeClr val="tx1"/>
                 </a:solidFill>
                 <a:latin typeface="Meiryo UI" panose="020B0604030504040204" pitchFamily="50" charset="-128"/>
                 <a:ea typeface="Meiryo UI" panose="020B0604030504040204" pitchFamily="50" charset="-128"/>
-              </a:rPr>
-              <a:t>銀行情報</a:t>
-            </a:r>
-            <a:endParaRPr kumimoji="1" lang="ja-JP" altLang="en-US" sz="1200" dirty="0">
-              <a:solidFill>
-                <a:schemeClr val="tx1"/>
-              </a:solidFill>
-              <a:latin typeface="Meiryo UI" panose="020B0604030504040204" pitchFamily="50" charset="-128"/>
-              <a:ea typeface="Meiryo UI" panose="020B0604030504040204" pitchFamily="50" charset="-128"/>
-            </a:endParaRPr>
-          </a:p>
-        </p:txBody>
-      </p:sp>
-      <p:sp>
-        <p:nvSpPr>
-          <p:cNvPr id="35" name="正方形/長方形 34"/>
-          <p:cNvSpPr/>
-          <p:nvPr/>
-        </p:nvSpPr>
-        <p:spPr>
-          <a:xfrm>
-            <a:off x="2572330" y="2822408"/>
-            <a:ext cx="894077" cy="216551"/>
-          </a:xfrm>
-          <a:prstGeom prst="rect">
-            <a:avLst/>
-          </a:prstGeom>
-          <a:noFill/>
-          <a:ln>
+              </a:endParaRPr>
+            </a:p>
+          </p:txBody>
+        </p:sp>
+        <p:sp>
+          <p:nvSpPr>
+            <p:cNvPr id="36" name="正方形/長方形 35"/>
+            <p:cNvSpPr/>
+            <p:nvPr/>
+          </p:nvSpPr>
+          <p:spPr>
+            <a:xfrm>
+              <a:off x="2586412" y="3191767"/>
+              <a:ext cx="1989976" cy="216551"/>
+            </a:xfrm>
+            <a:prstGeom prst="rect">
+              <a:avLst/>
+            </a:prstGeom>
             <a:noFill/>
-          </a:ln>
-        </p:spPr>
-        <p:style>
-          <a:lnRef idx="2">
-            <a:schemeClr val="accent1">
-              <a:shade val="50000"/>
-            </a:schemeClr>
-          </a:lnRef>
-          <a:fillRef idx="1">
-            <a:schemeClr val="accent1"/>
-          </a:fillRef>
-          <a:effectRef idx="0">
-            <a:schemeClr val="accent1"/>
-          </a:effectRef>
-          <a:fontRef idx="minor">
-            <a:schemeClr val="lt1"/>
-          </a:fontRef>
-        </p:style>
-        <p:txBody>
-          <a:bodyPr rtlCol="0" anchor="ctr"/>
-          <a:lstStyle/>
-          <a:p>
-            <a:r>
-              <a:rPr lang="en-US" altLang="ja-JP" sz="1200" dirty="0">
+            <a:ln>
+              <a:noFill/>
+            </a:ln>
+          </p:spPr>
+          <p:style>
+            <a:lnRef idx="2">
+              <a:schemeClr val="accent1">
+                <a:shade val="50000"/>
+              </a:schemeClr>
+            </a:lnRef>
+            <a:fillRef idx="1">
+              <a:schemeClr val="accent1"/>
+            </a:fillRef>
+            <a:effectRef idx="0">
+              <a:schemeClr val="accent1"/>
+            </a:effectRef>
+            <a:fontRef idx="minor">
+              <a:schemeClr val="lt1"/>
+            </a:fontRef>
+          </p:style>
+          <p:txBody>
+            <a:bodyPr rtlCol="0" anchor="ctr"/>
+            <a:lstStyle/>
+            <a:p>
+              <a:r>
+                <a:rPr lang="ja-JP" altLang="en-US" sz="1200" dirty="0">
+                  <a:solidFill>
+                    <a:schemeClr val="tx1"/>
+                  </a:solidFill>
+                  <a:latin typeface="Meiryo UI" panose="020B0604030504040204" pitchFamily="50" charset="-128"/>
+                  <a:ea typeface="Meiryo UI" panose="020B0604030504040204" pitchFamily="50" charset="-128"/>
+                </a:rPr>
+                <a:t>ﾐﾂﾋﾞｼﾕ</a:t>
+              </a:r>
+              <a:r>
+                <a:rPr lang="en-US" altLang="ja-JP" sz="1200" dirty="0">
+                  <a:solidFill>
+                    <a:schemeClr val="tx1"/>
+                  </a:solidFill>
+                  <a:latin typeface="Meiryo UI" panose="020B0604030504040204" pitchFamily="50" charset="-128"/>
+                  <a:ea typeface="Meiryo UI" panose="020B0604030504040204" pitchFamily="50" charset="-128"/>
+                </a:rPr>
+                <a:t>-</a:t>
+              </a:r>
+              <a:r>
+                <a:rPr lang="ja-JP" altLang="en-US" sz="1200" dirty="0">
+                  <a:solidFill>
+                    <a:schemeClr val="tx1"/>
+                  </a:solidFill>
+                  <a:latin typeface="Meiryo UI" panose="020B0604030504040204" pitchFamily="50" charset="-128"/>
+                  <a:ea typeface="Meiryo UI" panose="020B0604030504040204" pitchFamily="50" charset="-128"/>
+                </a:rPr>
+                <a:t>ｴﾌｼﾞｴｲ</a:t>
+              </a:r>
+              <a:endParaRPr kumimoji="1" lang="ja-JP" altLang="en-US" sz="1200" dirty="0">
                 <a:solidFill>
                   <a:schemeClr val="tx1"/>
                 </a:solidFill>
                 <a:latin typeface="Meiryo UI" panose="020B0604030504040204" pitchFamily="50" charset="-128"/>
                 <a:ea typeface="Meiryo UI" panose="020B0604030504040204" pitchFamily="50" charset="-128"/>
-              </a:rPr>
-              <a:t>0005869</a:t>
-            </a:r>
-            <a:endParaRPr kumimoji="1" lang="ja-JP" altLang="en-US" sz="1200" dirty="0">
-              <a:solidFill>
-                <a:schemeClr val="tx1"/>
-              </a:solidFill>
-              <a:latin typeface="Meiryo UI" panose="020B0604030504040204" pitchFamily="50" charset="-128"/>
-              <a:ea typeface="Meiryo UI" panose="020B0604030504040204" pitchFamily="50" charset="-128"/>
-            </a:endParaRPr>
-          </a:p>
-        </p:txBody>
-      </p:sp>
-      <p:sp>
-        <p:nvSpPr>
-          <p:cNvPr id="36" name="正方形/長方形 35"/>
-          <p:cNvSpPr/>
-          <p:nvPr/>
-        </p:nvSpPr>
-        <p:spPr>
-          <a:xfrm>
-            <a:off x="2586412" y="3191767"/>
-            <a:ext cx="1989976" cy="216551"/>
-          </a:xfrm>
-          <a:prstGeom prst="rect">
-            <a:avLst/>
-          </a:prstGeom>
-          <a:noFill/>
-          <a:ln>
+              </a:endParaRPr>
+            </a:p>
+          </p:txBody>
+        </p:sp>
+        <p:sp>
+          <p:nvSpPr>
+            <p:cNvPr id="37" name="正方形/長方形 36"/>
+            <p:cNvSpPr/>
+            <p:nvPr/>
+          </p:nvSpPr>
+          <p:spPr>
+            <a:xfrm>
+              <a:off x="2572328" y="3570156"/>
+              <a:ext cx="1989976" cy="216551"/>
+            </a:xfrm>
+            <a:prstGeom prst="rect">
+              <a:avLst/>
+            </a:prstGeom>
             <a:noFill/>
-          </a:ln>
-        </p:spPr>
-        <p:style>
-          <a:lnRef idx="2">
-            <a:schemeClr val="accent1">
-              <a:shade val="50000"/>
-            </a:schemeClr>
-          </a:lnRef>
-          <a:fillRef idx="1">
-            <a:schemeClr val="accent1"/>
-          </a:fillRef>
-          <a:effectRef idx="0">
-            <a:schemeClr val="accent1"/>
-          </a:effectRef>
-          <a:fontRef idx="minor">
-            <a:schemeClr val="lt1"/>
-          </a:fontRef>
-        </p:style>
-        <p:txBody>
-          <a:bodyPr rtlCol="0" anchor="ctr"/>
-          <a:lstStyle/>
-          <a:p>
-            <a:r>
-              <a:rPr lang="ja-JP" altLang="en-US" sz="1200" dirty="0">
+            <a:ln>
+              <a:noFill/>
+            </a:ln>
+          </p:spPr>
+          <p:style>
+            <a:lnRef idx="2">
+              <a:schemeClr val="accent1">
+                <a:shade val="50000"/>
+              </a:schemeClr>
+            </a:lnRef>
+            <a:fillRef idx="1">
+              <a:schemeClr val="accent1"/>
+            </a:fillRef>
+            <a:effectRef idx="0">
+              <a:schemeClr val="accent1"/>
+            </a:effectRef>
+            <a:fontRef idx="minor">
+              <a:schemeClr val="lt1"/>
+            </a:fontRef>
+          </p:style>
+          <p:txBody>
+            <a:bodyPr rtlCol="0" anchor="ctr"/>
+            <a:lstStyle/>
+            <a:p>
+              <a:r>
+                <a:rPr lang="ja-JP" altLang="en-US" sz="1200" dirty="0">
+                  <a:solidFill>
+                    <a:schemeClr val="tx1"/>
+                  </a:solidFill>
+                  <a:latin typeface="Meiryo UI" panose="020B0604030504040204" pitchFamily="50" charset="-128"/>
+                  <a:ea typeface="Meiryo UI" panose="020B0604030504040204" pitchFamily="50" charset="-128"/>
+                </a:rPr>
+                <a:t>ﾅﾂｸﾞﾓ</a:t>
+              </a:r>
+              <a:endParaRPr kumimoji="1" lang="ja-JP" altLang="en-US" sz="1200" dirty="0">
                 <a:solidFill>
                   <a:schemeClr val="tx1"/>
                 </a:solidFill>
                 <a:latin typeface="Meiryo UI" panose="020B0604030504040204" pitchFamily="50" charset="-128"/>
                 <a:ea typeface="Meiryo UI" panose="020B0604030504040204" pitchFamily="50" charset="-128"/>
-              </a:rPr>
-              <a:t>ﾐﾂﾋﾞｼﾕ</a:t>
-            </a:r>
-            <a:r>
-              <a:rPr lang="en-US" altLang="ja-JP" sz="1200" dirty="0">
+              </a:endParaRPr>
+            </a:p>
+          </p:txBody>
+        </p:sp>
+        <p:sp>
+          <p:nvSpPr>
+            <p:cNvPr id="38" name="正方形/長方形 37"/>
+            <p:cNvSpPr/>
+            <p:nvPr/>
+          </p:nvSpPr>
+          <p:spPr>
+            <a:xfrm>
+              <a:off x="2572328" y="4256332"/>
+              <a:ext cx="894079" cy="216551"/>
+            </a:xfrm>
+            <a:prstGeom prst="rect">
+              <a:avLst/>
+            </a:prstGeom>
+            <a:noFill/>
+            <a:ln>
+              <a:noFill/>
+            </a:ln>
+          </p:spPr>
+          <p:style>
+            <a:lnRef idx="2">
+              <a:schemeClr val="accent1">
+                <a:shade val="50000"/>
+              </a:schemeClr>
+            </a:lnRef>
+            <a:fillRef idx="1">
+              <a:schemeClr val="accent1"/>
+            </a:fillRef>
+            <a:effectRef idx="0">
+              <a:schemeClr val="accent1"/>
+            </a:effectRef>
+            <a:fontRef idx="minor">
+              <a:schemeClr val="lt1"/>
+            </a:fontRef>
+          </p:style>
+          <p:txBody>
+            <a:bodyPr rtlCol="0" anchor="ctr"/>
+            <a:lstStyle/>
+            <a:p>
+              <a:r>
+                <a:rPr kumimoji="1" lang="en-US" altLang="ja-JP" sz="1200" dirty="0" smtClean="0">
+                  <a:solidFill>
+                    <a:schemeClr val="tx1"/>
+                  </a:solidFill>
+                  <a:latin typeface="Meiryo UI" panose="020B0604030504040204" pitchFamily="50" charset="-128"/>
+                  <a:ea typeface="Meiryo UI" panose="020B0604030504040204" pitchFamily="50" charset="-128"/>
+                </a:rPr>
+                <a:t>1234567</a:t>
+              </a:r>
+              <a:endParaRPr kumimoji="1" lang="ja-JP" altLang="en-US" sz="1200" dirty="0">
                 <a:solidFill>
                   <a:schemeClr val="tx1"/>
                 </a:solidFill>
                 <a:latin typeface="Meiryo UI" panose="020B0604030504040204" pitchFamily="50" charset="-128"/>
                 <a:ea typeface="Meiryo UI" panose="020B0604030504040204" pitchFamily="50" charset="-128"/>
-              </a:rPr>
-              <a:t>-</a:t>
-            </a:r>
-            <a:r>
-              <a:rPr lang="ja-JP" altLang="en-US" sz="1200" dirty="0">
+              </a:endParaRPr>
+            </a:p>
+          </p:txBody>
+        </p:sp>
+        <p:sp>
+          <p:nvSpPr>
+            <p:cNvPr id="39" name="正方形/長方形 38"/>
+            <p:cNvSpPr/>
+            <p:nvPr/>
+          </p:nvSpPr>
+          <p:spPr>
+            <a:xfrm>
+              <a:off x="2572328" y="3930382"/>
+              <a:ext cx="528319" cy="216551"/>
+            </a:xfrm>
+            <a:prstGeom prst="rect">
+              <a:avLst/>
+            </a:prstGeom>
+            <a:noFill/>
+            <a:ln>
+              <a:noFill/>
+            </a:ln>
+          </p:spPr>
+          <p:style>
+            <a:lnRef idx="2">
+              <a:schemeClr val="accent1">
+                <a:shade val="50000"/>
+              </a:schemeClr>
+            </a:lnRef>
+            <a:fillRef idx="1">
+              <a:schemeClr val="accent1"/>
+            </a:fillRef>
+            <a:effectRef idx="0">
+              <a:schemeClr val="accent1"/>
+            </a:effectRef>
+            <a:fontRef idx="minor">
+              <a:schemeClr val="lt1"/>
+            </a:fontRef>
+          </p:style>
+          <p:txBody>
+            <a:bodyPr rtlCol="0" anchor="ctr"/>
+            <a:lstStyle/>
+            <a:p>
+              <a:r>
+                <a:rPr kumimoji="1" lang="ja-JP" altLang="en-US" sz="1200" dirty="0" smtClean="0">
+                  <a:solidFill>
+                    <a:schemeClr val="tx1"/>
+                  </a:solidFill>
+                  <a:latin typeface="Meiryo UI" panose="020B0604030504040204" pitchFamily="50" charset="-128"/>
+                  <a:ea typeface="Meiryo UI" panose="020B0604030504040204" pitchFamily="50" charset="-128"/>
+                </a:rPr>
+                <a:t>普通</a:t>
+              </a:r>
+              <a:endParaRPr kumimoji="1" lang="ja-JP" altLang="en-US" sz="1200" dirty="0">
                 <a:solidFill>
                   <a:schemeClr val="tx1"/>
                 </a:solidFill>
                 <a:latin typeface="Meiryo UI" panose="020B0604030504040204" pitchFamily="50" charset="-128"/>
                 <a:ea typeface="Meiryo UI" panose="020B0604030504040204" pitchFamily="50" charset="-128"/>
-              </a:rPr>
-              <a:t>ｴﾌｼﾞｴｲ</a:t>
-            </a:r>
-            <a:endParaRPr kumimoji="1" lang="ja-JP" altLang="en-US" sz="1200" dirty="0">
-              <a:solidFill>
-                <a:schemeClr val="tx1"/>
-              </a:solidFill>
-              <a:latin typeface="Meiryo UI" panose="020B0604030504040204" pitchFamily="50" charset="-128"/>
-              <a:ea typeface="Meiryo UI" panose="020B0604030504040204" pitchFamily="50" charset="-128"/>
-            </a:endParaRPr>
-          </a:p>
-        </p:txBody>
-      </p:sp>
-      <p:sp>
-        <p:nvSpPr>
-          <p:cNvPr id="37" name="正方形/長方形 36"/>
-          <p:cNvSpPr/>
-          <p:nvPr/>
-        </p:nvSpPr>
-        <p:spPr>
-          <a:xfrm>
-            <a:off x="2572328" y="3570156"/>
-            <a:ext cx="1989976" cy="216551"/>
-          </a:xfrm>
-          <a:prstGeom prst="rect">
-            <a:avLst/>
-          </a:prstGeom>
-          <a:noFill/>
-          <a:ln>
+              </a:endParaRPr>
+            </a:p>
+          </p:txBody>
+        </p:sp>
+        <p:sp>
+          <p:nvSpPr>
+            <p:cNvPr id="41" name="正方形/長方形 40"/>
+            <p:cNvSpPr/>
+            <p:nvPr/>
+          </p:nvSpPr>
+          <p:spPr>
+            <a:xfrm>
+              <a:off x="2572327" y="4612565"/>
+              <a:ext cx="619757" cy="216551"/>
+            </a:xfrm>
+            <a:prstGeom prst="rect">
+              <a:avLst/>
+            </a:prstGeom>
             <a:noFill/>
-          </a:ln>
-        </p:spPr>
-        <p:style>
-          <a:lnRef idx="2">
-            <a:schemeClr val="accent1">
-              <a:shade val="50000"/>
-            </a:schemeClr>
-          </a:lnRef>
-          <a:fillRef idx="1">
-            <a:schemeClr val="accent1"/>
-          </a:fillRef>
-          <a:effectRef idx="0">
-            <a:schemeClr val="accent1"/>
-          </a:effectRef>
-          <a:fontRef idx="minor">
-            <a:schemeClr val="lt1"/>
-          </a:fontRef>
-        </p:style>
-        <p:txBody>
-          <a:bodyPr rtlCol="0" anchor="ctr"/>
-          <a:lstStyle/>
-          <a:p>
-            <a:r>
-              <a:rPr lang="ja-JP" altLang="en-US" sz="1200" dirty="0">
+            <a:ln>
+              <a:noFill/>
+            </a:ln>
+          </p:spPr>
+          <p:style>
+            <a:lnRef idx="2">
+              <a:schemeClr val="accent1">
+                <a:shade val="50000"/>
+              </a:schemeClr>
+            </a:lnRef>
+            <a:fillRef idx="1">
+              <a:schemeClr val="accent1"/>
+            </a:fillRef>
+            <a:effectRef idx="0">
+              <a:schemeClr val="accent1"/>
+            </a:effectRef>
+            <a:fontRef idx="minor">
+              <a:schemeClr val="lt1"/>
+            </a:fontRef>
+          </p:style>
+          <p:txBody>
+            <a:bodyPr rtlCol="0" anchor="ctr"/>
+            <a:lstStyle/>
+            <a:p>
+              <a:r>
+                <a:rPr kumimoji="1" lang="en-US" altLang="ja-JP" sz="1200" dirty="0" smtClean="0">
+                  <a:solidFill>
+                    <a:schemeClr val="tx1"/>
+                  </a:solidFill>
+                  <a:latin typeface="Meiryo UI" panose="020B0604030504040204" pitchFamily="50" charset="-128"/>
+                  <a:ea typeface="Meiryo UI" panose="020B0604030504040204" pitchFamily="50" charset="-128"/>
+                </a:rPr>
+                <a:t>0001</a:t>
+              </a:r>
+              <a:endParaRPr kumimoji="1" lang="ja-JP" altLang="en-US" sz="1200" dirty="0">
                 <a:solidFill>
                   <a:schemeClr val="tx1"/>
                 </a:solidFill>
                 <a:latin typeface="Meiryo UI" panose="020B0604030504040204" pitchFamily="50" charset="-128"/>
                 <a:ea typeface="Meiryo UI" panose="020B0604030504040204" pitchFamily="50" charset="-128"/>
-              </a:rPr>
-              <a:t>ﾅﾂｸﾞﾓ</a:t>
-            </a:r>
-            <a:endParaRPr kumimoji="1" lang="ja-JP" altLang="en-US" sz="1200" dirty="0">
+              </a:endParaRPr>
+            </a:p>
+          </p:txBody>
+        </p:sp>
+      </p:grpSp>
+      <p:grpSp>
+        <p:nvGrpSpPr>
+          <p:cNvPr id="8" name="グループ化 7"/>
+          <p:cNvGrpSpPr/>
+          <p:nvPr/>
+        </p:nvGrpSpPr>
+        <p:grpSpPr>
+          <a:xfrm>
+            <a:off x="5116483" y="2360210"/>
+            <a:ext cx="3798917" cy="2552619"/>
+            <a:chOff x="5116483" y="2534778"/>
+            <a:chExt cx="3798917" cy="2552619"/>
+          </a:xfrm>
+        </p:grpSpPr>
+        <p:sp>
+          <p:nvSpPr>
+            <p:cNvPr id="43" name="正方形/長方形 42"/>
+            <p:cNvSpPr/>
+            <p:nvPr/>
+          </p:nvSpPr>
+          <p:spPr>
+            <a:xfrm>
+              <a:off x="5234711" y="2836759"/>
+              <a:ext cx="1330036" cy="216551"/>
+            </a:xfrm>
+            <a:prstGeom prst="rect">
+              <a:avLst/>
+            </a:prstGeom>
+          </p:spPr>
+          <p:style>
+            <a:lnRef idx="2">
+              <a:schemeClr val="accent1">
+                <a:shade val="50000"/>
+              </a:schemeClr>
+            </a:lnRef>
+            <a:fillRef idx="1">
+              <a:schemeClr val="accent1"/>
+            </a:fillRef>
+            <a:effectRef idx="0">
+              <a:schemeClr val="accent1"/>
+            </a:effectRef>
+            <a:fontRef idx="minor">
+              <a:schemeClr val="lt1"/>
+            </a:fontRef>
+          </p:style>
+          <p:txBody>
+            <a:bodyPr rtlCol="0" anchor="ctr"/>
+            <a:lstStyle/>
+            <a:p>
+              <a:r>
+                <a:rPr kumimoji="1" lang="ja-JP" altLang="en-US" sz="1200" dirty="0" smtClean="0">
+                  <a:latin typeface="Meiryo UI" panose="020B0604030504040204" pitchFamily="50" charset="-128"/>
+                  <a:ea typeface="Meiryo UI" panose="020B0604030504040204" pitchFamily="50" charset="-128"/>
+                </a:rPr>
+                <a:t>銀行コード</a:t>
+              </a:r>
+              <a:endParaRPr kumimoji="1" lang="en-US" altLang="ja-JP" sz="1200" dirty="0" smtClean="0">
+                <a:latin typeface="Meiryo UI" panose="020B0604030504040204" pitchFamily="50" charset="-128"/>
+                <a:ea typeface="Meiryo UI" panose="020B0604030504040204" pitchFamily="50" charset="-128"/>
+              </a:endParaRPr>
+            </a:p>
+          </p:txBody>
+        </p:sp>
+        <p:sp>
+          <p:nvSpPr>
+            <p:cNvPr id="44" name="正方形/長方形 43"/>
+            <p:cNvSpPr/>
+            <p:nvPr/>
+          </p:nvSpPr>
+          <p:spPr>
+            <a:xfrm>
+              <a:off x="5234710" y="3187637"/>
+              <a:ext cx="1330036" cy="216551"/>
+            </a:xfrm>
+            <a:prstGeom prst="rect">
+              <a:avLst/>
+            </a:prstGeom>
+          </p:spPr>
+          <p:style>
+            <a:lnRef idx="2">
+              <a:schemeClr val="accent1">
+                <a:shade val="50000"/>
+              </a:schemeClr>
+            </a:lnRef>
+            <a:fillRef idx="1">
+              <a:schemeClr val="accent1"/>
+            </a:fillRef>
+            <a:effectRef idx="0">
+              <a:schemeClr val="accent1"/>
+            </a:effectRef>
+            <a:fontRef idx="minor">
+              <a:schemeClr val="lt1"/>
+            </a:fontRef>
+          </p:style>
+          <p:txBody>
+            <a:bodyPr rtlCol="0" anchor="ctr"/>
+            <a:lstStyle/>
+            <a:p>
+              <a:r>
+                <a:rPr kumimoji="1" lang="ja-JP" altLang="en-US" sz="1200" dirty="0" smtClean="0">
+                  <a:latin typeface="Meiryo UI" panose="020B0604030504040204" pitchFamily="50" charset="-128"/>
+                  <a:ea typeface="Meiryo UI" panose="020B0604030504040204" pitchFamily="50" charset="-128"/>
+                </a:rPr>
+                <a:t>銀行カナ</a:t>
+              </a:r>
+              <a:endParaRPr kumimoji="1" lang="en-US" altLang="ja-JP" sz="1200" dirty="0" smtClean="0">
+                <a:latin typeface="Meiryo UI" panose="020B0604030504040204" pitchFamily="50" charset="-128"/>
+                <a:ea typeface="Meiryo UI" panose="020B0604030504040204" pitchFamily="50" charset="-128"/>
+              </a:endParaRPr>
+            </a:p>
+          </p:txBody>
+        </p:sp>
+        <p:sp>
+          <p:nvSpPr>
+            <p:cNvPr id="45" name="正方形/長方形 44"/>
+            <p:cNvSpPr/>
+            <p:nvPr/>
+          </p:nvSpPr>
+          <p:spPr>
+            <a:xfrm>
+              <a:off x="5234710" y="3543869"/>
+              <a:ext cx="1330036" cy="216551"/>
+            </a:xfrm>
+            <a:prstGeom prst="rect">
+              <a:avLst/>
+            </a:prstGeom>
+          </p:spPr>
+          <p:style>
+            <a:lnRef idx="2">
+              <a:schemeClr val="accent1">
+                <a:shade val="50000"/>
+              </a:schemeClr>
+            </a:lnRef>
+            <a:fillRef idx="1">
+              <a:schemeClr val="accent1"/>
+            </a:fillRef>
+            <a:effectRef idx="0">
+              <a:schemeClr val="accent1"/>
+            </a:effectRef>
+            <a:fontRef idx="minor">
+              <a:schemeClr val="lt1"/>
+            </a:fontRef>
+          </p:style>
+          <p:txBody>
+            <a:bodyPr rtlCol="0" anchor="ctr"/>
+            <a:lstStyle/>
+            <a:p>
+              <a:r>
+                <a:rPr kumimoji="1" lang="ja-JP" altLang="en-US" sz="1200" dirty="0" smtClean="0">
+                  <a:latin typeface="Meiryo UI" panose="020B0604030504040204" pitchFamily="50" charset="-128"/>
+                  <a:ea typeface="Meiryo UI" panose="020B0604030504040204" pitchFamily="50" charset="-128"/>
+                </a:rPr>
+                <a:t>支店カナ</a:t>
+              </a:r>
+              <a:endParaRPr kumimoji="1" lang="en-US" altLang="ja-JP" sz="1200" dirty="0" smtClean="0">
+                <a:latin typeface="Meiryo UI" panose="020B0604030504040204" pitchFamily="50" charset="-128"/>
+                <a:ea typeface="Meiryo UI" panose="020B0604030504040204" pitchFamily="50" charset="-128"/>
+              </a:endParaRPr>
+            </a:p>
+          </p:txBody>
+        </p:sp>
+        <p:sp>
+          <p:nvSpPr>
+            <p:cNvPr id="46" name="正方形/長方形 45"/>
+            <p:cNvSpPr/>
+            <p:nvPr/>
+          </p:nvSpPr>
+          <p:spPr>
+            <a:xfrm>
+              <a:off x="5234710" y="3900101"/>
+              <a:ext cx="1330036" cy="216551"/>
+            </a:xfrm>
+            <a:prstGeom prst="rect">
+              <a:avLst/>
+            </a:prstGeom>
+          </p:spPr>
+          <p:style>
+            <a:lnRef idx="2">
+              <a:schemeClr val="accent1">
+                <a:shade val="50000"/>
+              </a:schemeClr>
+            </a:lnRef>
+            <a:fillRef idx="1">
+              <a:schemeClr val="accent1"/>
+            </a:fillRef>
+            <a:effectRef idx="0">
+              <a:schemeClr val="accent1"/>
+            </a:effectRef>
+            <a:fontRef idx="minor">
+              <a:schemeClr val="lt1"/>
+            </a:fontRef>
+          </p:style>
+          <p:txBody>
+            <a:bodyPr rtlCol="0" anchor="ctr"/>
+            <a:lstStyle/>
+            <a:p>
+              <a:r>
+                <a:rPr kumimoji="1" lang="ja-JP" altLang="en-US" sz="1200" dirty="0" smtClean="0">
+                  <a:latin typeface="Meiryo UI" panose="020B0604030504040204" pitchFamily="50" charset="-128"/>
+                  <a:ea typeface="Meiryo UI" panose="020B0604030504040204" pitchFamily="50" charset="-128"/>
+                </a:rPr>
+                <a:t>種別コード</a:t>
+              </a:r>
+              <a:endParaRPr kumimoji="1" lang="en-US" altLang="ja-JP" sz="1200" dirty="0" smtClean="0">
+                <a:latin typeface="Meiryo UI" panose="020B0604030504040204" pitchFamily="50" charset="-128"/>
+                <a:ea typeface="Meiryo UI" panose="020B0604030504040204" pitchFamily="50" charset="-128"/>
+              </a:endParaRPr>
+            </a:p>
+          </p:txBody>
+        </p:sp>
+        <p:sp>
+          <p:nvSpPr>
+            <p:cNvPr id="47" name="正方形/長方形 46"/>
+            <p:cNvSpPr/>
+            <p:nvPr/>
+          </p:nvSpPr>
+          <p:spPr>
+            <a:xfrm>
+              <a:off x="5234710" y="4256333"/>
+              <a:ext cx="1330036" cy="216551"/>
+            </a:xfrm>
+            <a:prstGeom prst="rect">
+              <a:avLst/>
+            </a:prstGeom>
+          </p:spPr>
+          <p:style>
+            <a:lnRef idx="2">
+              <a:schemeClr val="accent1">
+                <a:shade val="50000"/>
+              </a:schemeClr>
+            </a:lnRef>
+            <a:fillRef idx="1">
+              <a:schemeClr val="accent1"/>
+            </a:fillRef>
+            <a:effectRef idx="0">
+              <a:schemeClr val="accent1"/>
+            </a:effectRef>
+            <a:fontRef idx="minor">
+              <a:schemeClr val="lt1"/>
+            </a:fontRef>
+          </p:style>
+          <p:txBody>
+            <a:bodyPr rtlCol="0" anchor="ctr"/>
+            <a:lstStyle/>
+            <a:p>
+              <a:r>
+                <a:rPr kumimoji="1" lang="ja-JP" altLang="en-US" sz="1200" dirty="0" smtClean="0">
+                  <a:latin typeface="Meiryo UI" panose="020B0604030504040204" pitchFamily="50" charset="-128"/>
+                  <a:ea typeface="Meiryo UI" panose="020B0604030504040204" pitchFamily="50" charset="-128"/>
+                </a:rPr>
+                <a:t>口座番号</a:t>
+              </a:r>
+              <a:endParaRPr kumimoji="1" lang="en-US" altLang="ja-JP" sz="1200" dirty="0" smtClean="0">
+                <a:latin typeface="Meiryo UI" panose="020B0604030504040204" pitchFamily="50" charset="-128"/>
+                <a:ea typeface="Meiryo UI" panose="020B0604030504040204" pitchFamily="50" charset="-128"/>
+              </a:endParaRPr>
+            </a:p>
+          </p:txBody>
+        </p:sp>
+        <p:sp>
+          <p:nvSpPr>
+            <p:cNvPr id="48" name="正方形/長方形 47"/>
+            <p:cNvSpPr/>
+            <p:nvPr/>
+          </p:nvSpPr>
+          <p:spPr>
+            <a:xfrm>
+              <a:off x="5234710" y="4612565"/>
+              <a:ext cx="1330036" cy="216551"/>
+            </a:xfrm>
+            <a:prstGeom prst="rect">
+              <a:avLst/>
+            </a:prstGeom>
+          </p:spPr>
+          <p:style>
+            <a:lnRef idx="2">
+              <a:schemeClr val="accent1">
+                <a:shade val="50000"/>
+              </a:schemeClr>
+            </a:lnRef>
+            <a:fillRef idx="1">
+              <a:schemeClr val="accent1"/>
+            </a:fillRef>
+            <a:effectRef idx="0">
+              <a:schemeClr val="accent1"/>
+            </a:effectRef>
+            <a:fontRef idx="minor">
+              <a:schemeClr val="lt1"/>
+            </a:fontRef>
+          </p:style>
+          <p:txBody>
+            <a:bodyPr rtlCol="0" anchor="ctr"/>
+            <a:lstStyle/>
+            <a:p>
+              <a:r>
+                <a:rPr lang="ja-JP" altLang="en-US" sz="1200" dirty="0" smtClean="0">
+                  <a:latin typeface="Meiryo UI" panose="020B0604030504040204" pitchFamily="50" charset="-128"/>
+                  <a:ea typeface="Meiryo UI" panose="020B0604030504040204" pitchFamily="50" charset="-128"/>
+                </a:rPr>
+                <a:t>取扱銀行</a:t>
+              </a:r>
+              <a:endParaRPr kumimoji="1" lang="en-US" altLang="ja-JP" sz="1200" dirty="0" smtClean="0">
+                <a:latin typeface="Meiryo UI" panose="020B0604030504040204" pitchFamily="50" charset="-128"/>
+                <a:ea typeface="Meiryo UI" panose="020B0604030504040204" pitchFamily="50" charset="-128"/>
+              </a:endParaRPr>
+            </a:p>
+          </p:txBody>
+        </p:sp>
+        <p:sp>
+          <p:nvSpPr>
+            <p:cNvPr id="49" name="正方形/長方形 48"/>
+            <p:cNvSpPr/>
+            <p:nvPr/>
+          </p:nvSpPr>
+          <p:spPr>
+            <a:xfrm>
+              <a:off x="5116483" y="2534778"/>
+              <a:ext cx="3798917" cy="2552619"/>
+            </a:xfrm>
+            <a:prstGeom prst="rect">
+              <a:avLst/>
+            </a:prstGeom>
+            <a:noFill/>
+            <a:ln w="19050">
               <a:solidFill>
                 <a:schemeClr val="tx1"/>
               </a:solidFill>
-              <a:latin typeface="Meiryo UI" panose="020B0604030504040204" pitchFamily="50" charset="-128"/>
-              <a:ea typeface="Meiryo UI" panose="020B0604030504040204" pitchFamily="50" charset="-128"/>
-            </a:endParaRPr>
-          </a:p>
-        </p:txBody>
-      </p:sp>
-      <p:sp>
-        <p:nvSpPr>
-          <p:cNvPr id="38" name="正方形/長方形 37"/>
-          <p:cNvSpPr/>
-          <p:nvPr/>
-        </p:nvSpPr>
-        <p:spPr>
-          <a:xfrm>
-            <a:off x="2572328" y="4256332"/>
-            <a:ext cx="894079" cy="216551"/>
-          </a:xfrm>
-          <a:prstGeom prst="rect">
-            <a:avLst/>
-          </a:prstGeom>
-          <a:noFill/>
-          <a:ln>
-            <a:noFill/>
-          </a:ln>
-        </p:spPr>
-        <p:style>
-          <a:lnRef idx="2">
-            <a:schemeClr val="accent1">
-              <a:shade val="50000"/>
-            </a:schemeClr>
-          </a:lnRef>
-          <a:fillRef idx="1">
-            <a:schemeClr val="accent1"/>
-          </a:fillRef>
-          <a:effectRef idx="0">
-            <a:schemeClr val="accent1"/>
-          </a:effectRef>
-          <a:fontRef idx="minor">
-            <a:schemeClr val="lt1"/>
-          </a:fontRef>
-        </p:style>
-        <p:txBody>
-          <a:bodyPr rtlCol="0" anchor="ctr"/>
-          <a:lstStyle/>
-          <a:p>
-            <a:r>
-              <a:rPr kumimoji="1" lang="en-US" altLang="ja-JP" sz="1200" dirty="0" smtClean="0">
+            </a:ln>
+          </p:spPr>
+          <p:style>
+            <a:lnRef idx="2">
+              <a:schemeClr val="accent1">
+                <a:shade val="50000"/>
+              </a:schemeClr>
+            </a:lnRef>
+            <a:fillRef idx="1">
+              <a:schemeClr val="accent1"/>
+            </a:fillRef>
+            <a:effectRef idx="0">
+              <a:schemeClr val="accent1"/>
+            </a:effectRef>
+            <a:fontRef idx="minor">
+              <a:schemeClr val="lt1"/>
+            </a:fontRef>
+          </p:style>
+          <p:txBody>
+            <a:bodyPr rtlCol="0" anchor="t" anchorCtr="0"/>
+            <a:lstStyle/>
+            <a:p>
+              <a:r>
+                <a:rPr kumimoji="1" lang="ja-JP" altLang="en-US" sz="1200" dirty="0" smtClean="0">
+                  <a:solidFill>
+                    <a:schemeClr val="tx1"/>
+                  </a:solidFill>
+                  <a:latin typeface="Meiryo UI" panose="020B0604030504040204" pitchFamily="50" charset="-128"/>
+                  <a:ea typeface="Meiryo UI" panose="020B0604030504040204" pitchFamily="50" charset="-128"/>
+                </a:rPr>
+                <a:t>預金銀行情報</a:t>
+              </a:r>
+              <a:endParaRPr kumimoji="1" lang="ja-JP" altLang="en-US" sz="1200" dirty="0">
                 <a:solidFill>
                   <a:schemeClr val="tx1"/>
                 </a:solidFill>
                 <a:latin typeface="Meiryo UI" panose="020B0604030504040204" pitchFamily="50" charset="-128"/>
                 <a:ea typeface="Meiryo UI" panose="020B0604030504040204" pitchFamily="50" charset="-128"/>
-              </a:rPr>
-              <a:t>1234567</a:t>
-            </a:r>
-            <a:endParaRPr kumimoji="1" lang="ja-JP" altLang="en-US" sz="1200" dirty="0">
-              <a:solidFill>
-                <a:schemeClr val="tx1"/>
-              </a:solidFill>
-              <a:latin typeface="Meiryo UI" panose="020B0604030504040204" pitchFamily="50" charset="-128"/>
-              <a:ea typeface="Meiryo UI" panose="020B0604030504040204" pitchFamily="50" charset="-128"/>
-            </a:endParaRPr>
-          </a:p>
-        </p:txBody>
-      </p:sp>
-      <p:sp>
-        <p:nvSpPr>
-          <p:cNvPr id="39" name="正方形/長方形 38"/>
-          <p:cNvSpPr/>
-          <p:nvPr/>
-        </p:nvSpPr>
-        <p:spPr>
-          <a:xfrm>
-            <a:off x="2572328" y="3930382"/>
-            <a:ext cx="528319" cy="216551"/>
-          </a:xfrm>
-          <a:prstGeom prst="rect">
-            <a:avLst/>
-          </a:prstGeom>
-          <a:noFill/>
-          <a:ln>
-            <a:noFill/>
-          </a:ln>
-        </p:spPr>
-        <p:style>
-          <a:lnRef idx="2">
-            <a:schemeClr val="accent1">
-              <a:shade val="50000"/>
-            </a:schemeClr>
-          </a:lnRef>
-          <a:fillRef idx="1">
-            <a:schemeClr val="accent1"/>
-          </a:fillRef>
-          <a:effectRef idx="0">
-            <a:schemeClr val="accent1"/>
-          </a:effectRef>
-          <a:fontRef idx="minor">
-            <a:schemeClr val="lt1"/>
-          </a:fontRef>
-        </p:style>
-        <p:txBody>
-          <a:bodyPr rtlCol="0" anchor="ctr"/>
-          <a:lstStyle/>
-          <a:p>
-            <a:r>
-              <a:rPr kumimoji="1" lang="ja-JP" altLang="en-US" sz="1200" dirty="0" smtClean="0">
-                <a:solidFill>
-                  <a:schemeClr val="tx1"/>
-                </a:solidFill>
-                <a:latin typeface="Meiryo UI" panose="020B0604030504040204" pitchFamily="50" charset="-128"/>
-                <a:ea typeface="Meiryo UI" panose="020B0604030504040204" pitchFamily="50" charset="-128"/>
-              </a:rPr>
-              <a:t>普通</a:t>
-            </a:r>
-            <a:endParaRPr kumimoji="1" lang="ja-JP" altLang="en-US" sz="1200" dirty="0">
-              <a:solidFill>
-                <a:schemeClr val="tx1"/>
-              </a:solidFill>
-              <a:latin typeface="Meiryo UI" panose="020B0604030504040204" pitchFamily="50" charset="-128"/>
-              <a:ea typeface="Meiryo UI" panose="020B0604030504040204" pitchFamily="50" charset="-128"/>
-            </a:endParaRPr>
-          </a:p>
-        </p:txBody>
-      </p:sp>
-      <p:sp>
-        <p:nvSpPr>
-          <p:cNvPr id="41" name="正方形/長方形 40"/>
-          <p:cNvSpPr/>
-          <p:nvPr/>
-        </p:nvSpPr>
-        <p:spPr>
-          <a:xfrm>
-            <a:off x="2572327" y="4612565"/>
-            <a:ext cx="619757" cy="216551"/>
-          </a:xfrm>
-          <a:prstGeom prst="rect">
-            <a:avLst/>
-          </a:prstGeom>
-          <a:noFill/>
-          <a:ln>
-            <a:noFill/>
-          </a:ln>
-        </p:spPr>
-        <p:style>
-          <a:lnRef idx="2">
-            <a:schemeClr val="accent1">
-              <a:shade val="50000"/>
-            </a:schemeClr>
-          </a:lnRef>
-          <a:fillRef idx="1">
-            <a:schemeClr val="accent1"/>
-          </a:fillRef>
-          <a:effectRef idx="0">
-            <a:schemeClr val="accent1"/>
-          </a:effectRef>
-          <a:fontRef idx="minor">
-            <a:schemeClr val="lt1"/>
-          </a:fontRef>
-        </p:style>
-        <p:txBody>
-          <a:bodyPr rtlCol="0" anchor="ctr"/>
-          <a:lstStyle/>
-          <a:p>
-            <a:r>
-              <a:rPr kumimoji="1" lang="en-US" altLang="ja-JP" sz="1200" dirty="0" smtClean="0">
-                <a:solidFill>
-                  <a:schemeClr val="tx1"/>
-                </a:solidFill>
-                <a:latin typeface="Meiryo UI" panose="020B0604030504040204" pitchFamily="50" charset="-128"/>
-                <a:ea typeface="Meiryo UI" panose="020B0604030504040204" pitchFamily="50" charset="-128"/>
-              </a:rPr>
-              <a:t>0001</a:t>
-            </a:r>
-            <a:endParaRPr kumimoji="1" lang="ja-JP" altLang="en-US" sz="1200" dirty="0">
-              <a:solidFill>
-                <a:schemeClr val="tx1"/>
-              </a:solidFill>
-              <a:latin typeface="Meiryo UI" panose="020B0604030504040204" pitchFamily="50" charset="-128"/>
-              <a:ea typeface="Meiryo UI" panose="020B0604030504040204" pitchFamily="50" charset="-128"/>
-            </a:endParaRPr>
-          </a:p>
-        </p:txBody>
-      </p:sp>
-      <p:sp>
-        <p:nvSpPr>
-          <p:cNvPr id="43" name="正方形/長方形 42"/>
-          <p:cNvSpPr/>
-          <p:nvPr/>
-        </p:nvSpPr>
-        <p:spPr>
-          <a:xfrm>
-            <a:off x="5234711" y="2836759"/>
-            <a:ext cx="1330036" cy="216551"/>
-          </a:xfrm>
-          <a:prstGeom prst="rect">
-            <a:avLst/>
-          </a:prstGeom>
-        </p:spPr>
-        <p:style>
-          <a:lnRef idx="2">
-            <a:schemeClr val="accent1">
-              <a:shade val="50000"/>
-            </a:schemeClr>
-          </a:lnRef>
-          <a:fillRef idx="1">
-            <a:schemeClr val="accent1"/>
-          </a:fillRef>
-          <a:effectRef idx="0">
-            <a:schemeClr val="accent1"/>
-          </a:effectRef>
-          <a:fontRef idx="minor">
-            <a:schemeClr val="lt1"/>
-          </a:fontRef>
-        </p:style>
-        <p:txBody>
-          <a:bodyPr rtlCol="0" anchor="ctr"/>
-          <a:lstStyle/>
-          <a:p>
-            <a:r>
-              <a:rPr kumimoji="1" lang="ja-JP" altLang="en-US" sz="1200" dirty="0" smtClean="0">
-                <a:latin typeface="Meiryo UI" panose="020B0604030504040204" pitchFamily="50" charset="-128"/>
-                <a:ea typeface="Meiryo UI" panose="020B0604030504040204" pitchFamily="50" charset="-128"/>
-              </a:rPr>
-              <a:t>銀行コード</a:t>
-            </a:r>
-            <a:endParaRPr kumimoji="1" lang="en-US" altLang="ja-JP" sz="1200" dirty="0" smtClean="0">
-              <a:latin typeface="Meiryo UI" panose="020B0604030504040204" pitchFamily="50" charset="-128"/>
-              <a:ea typeface="Meiryo UI" panose="020B0604030504040204" pitchFamily="50" charset="-128"/>
-            </a:endParaRPr>
-          </a:p>
-        </p:txBody>
-      </p:sp>
-      <p:sp>
-        <p:nvSpPr>
-          <p:cNvPr id="44" name="正方形/長方形 43"/>
-          <p:cNvSpPr/>
-          <p:nvPr/>
-        </p:nvSpPr>
-        <p:spPr>
-          <a:xfrm>
-            <a:off x="5234710" y="3187637"/>
-            <a:ext cx="1330036" cy="216551"/>
-          </a:xfrm>
-          <a:prstGeom prst="rect">
-            <a:avLst/>
-          </a:prstGeom>
-        </p:spPr>
-        <p:style>
-          <a:lnRef idx="2">
-            <a:schemeClr val="accent1">
-              <a:shade val="50000"/>
-            </a:schemeClr>
-          </a:lnRef>
-          <a:fillRef idx="1">
-            <a:schemeClr val="accent1"/>
-          </a:fillRef>
-          <a:effectRef idx="0">
-            <a:schemeClr val="accent1"/>
-          </a:effectRef>
-          <a:fontRef idx="minor">
-            <a:schemeClr val="lt1"/>
-          </a:fontRef>
-        </p:style>
-        <p:txBody>
-          <a:bodyPr rtlCol="0" anchor="ctr"/>
-          <a:lstStyle/>
-          <a:p>
-            <a:r>
-              <a:rPr kumimoji="1" lang="ja-JP" altLang="en-US" sz="1200" dirty="0" smtClean="0">
-                <a:latin typeface="Meiryo UI" panose="020B0604030504040204" pitchFamily="50" charset="-128"/>
-                <a:ea typeface="Meiryo UI" panose="020B0604030504040204" pitchFamily="50" charset="-128"/>
-              </a:rPr>
-              <a:t>銀行カナ</a:t>
-            </a:r>
-            <a:endParaRPr kumimoji="1" lang="en-US" altLang="ja-JP" sz="1200" dirty="0" smtClean="0">
-              <a:latin typeface="Meiryo UI" panose="020B0604030504040204" pitchFamily="50" charset="-128"/>
-              <a:ea typeface="Meiryo UI" panose="020B0604030504040204" pitchFamily="50" charset="-128"/>
-            </a:endParaRPr>
-          </a:p>
-        </p:txBody>
-      </p:sp>
-      <p:sp>
-        <p:nvSpPr>
-          <p:cNvPr id="45" name="正方形/長方形 44"/>
-          <p:cNvSpPr/>
-          <p:nvPr/>
-        </p:nvSpPr>
-        <p:spPr>
-          <a:xfrm>
-            <a:off x="5234710" y="3543869"/>
-            <a:ext cx="1330036" cy="216551"/>
-          </a:xfrm>
-          <a:prstGeom prst="rect">
-            <a:avLst/>
-          </a:prstGeom>
-        </p:spPr>
-        <p:style>
-          <a:lnRef idx="2">
-            <a:schemeClr val="accent1">
-              <a:shade val="50000"/>
-            </a:schemeClr>
-          </a:lnRef>
-          <a:fillRef idx="1">
-            <a:schemeClr val="accent1"/>
-          </a:fillRef>
-          <a:effectRef idx="0">
-            <a:schemeClr val="accent1"/>
-          </a:effectRef>
-          <a:fontRef idx="minor">
-            <a:schemeClr val="lt1"/>
-          </a:fontRef>
-        </p:style>
-        <p:txBody>
-          <a:bodyPr rtlCol="0" anchor="ctr"/>
-          <a:lstStyle/>
-          <a:p>
-            <a:r>
-              <a:rPr kumimoji="1" lang="ja-JP" altLang="en-US" sz="1200" dirty="0" smtClean="0">
-                <a:latin typeface="Meiryo UI" panose="020B0604030504040204" pitchFamily="50" charset="-128"/>
-                <a:ea typeface="Meiryo UI" panose="020B0604030504040204" pitchFamily="50" charset="-128"/>
-              </a:rPr>
-              <a:t>支店カナ</a:t>
-            </a:r>
-            <a:endParaRPr kumimoji="1" lang="en-US" altLang="ja-JP" sz="1200" dirty="0" smtClean="0">
-              <a:latin typeface="Meiryo UI" panose="020B0604030504040204" pitchFamily="50" charset="-128"/>
-              <a:ea typeface="Meiryo UI" panose="020B0604030504040204" pitchFamily="50" charset="-128"/>
-            </a:endParaRPr>
-          </a:p>
-        </p:txBody>
-      </p:sp>
-      <p:sp>
-        <p:nvSpPr>
-          <p:cNvPr id="46" name="正方形/長方形 45"/>
-          <p:cNvSpPr/>
-          <p:nvPr/>
-        </p:nvSpPr>
-        <p:spPr>
-          <a:xfrm>
-            <a:off x="5234710" y="3900101"/>
-            <a:ext cx="1330036" cy="216551"/>
-          </a:xfrm>
-          <a:prstGeom prst="rect">
-            <a:avLst/>
-          </a:prstGeom>
-        </p:spPr>
-        <p:style>
-          <a:lnRef idx="2">
-            <a:schemeClr val="accent1">
-              <a:shade val="50000"/>
-            </a:schemeClr>
-          </a:lnRef>
-          <a:fillRef idx="1">
-            <a:schemeClr val="accent1"/>
-          </a:fillRef>
-          <a:effectRef idx="0">
-            <a:schemeClr val="accent1"/>
-          </a:effectRef>
-          <a:fontRef idx="minor">
-            <a:schemeClr val="lt1"/>
-          </a:fontRef>
-        </p:style>
-        <p:txBody>
-          <a:bodyPr rtlCol="0" anchor="ctr"/>
-          <a:lstStyle/>
-          <a:p>
-            <a:r>
-              <a:rPr kumimoji="1" lang="ja-JP" altLang="en-US" sz="1200" dirty="0" smtClean="0">
-                <a:latin typeface="Meiryo UI" panose="020B0604030504040204" pitchFamily="50" charset="-128"/>
-                <a:ea typeface="Meiryo UI" panose="020B0604030504040204" pitchFamily="50" charset="-128"/>
-              </a:rPr>
-              <a:t>種別コード</a:t>
-            </a:r>
-            <a:endParaRPr kumimoji="1" lang="en-US" altLang="ja-JP" sz="1200" dirty="0" smtClean="0">
-              <a:latin typeface="Meiryo UI" panose="020B0604030504040204" pitchFamily="50" charset="-128"/>
-              <a:ea typeface="Meiryo UI" panose="020B0604030504040204" pitchFamily="50" charset="-128"/>
-            </a:endParaRPr>
-          </a:p>
-        </p:txBody>
-      </p:sp>
-      <p:sp>
-        <p:nvSpPr>
-          <p:cNvPr id="47" name="正方形/長方形 46"/>
-          <p:cNvSpPr/>
-          <p:nvPr/>
-        </p:nvSpPr>
-        <p:spPr>
-          <a:xfrm>
-            <a:off x="5234710" y="4256333"/>
-            <a:ext cx="1330036" cy="216551"/>
-          </a:xfrm>
-          <a:prstGeom prst="rect">
-            <a:avLst/>
-          </a:prstGeom>
-        </p:spPr>
-        <p:style>
-          <a:lnRef idx="2">
-            <a:schemeClr val="accent1">
-              <a:shade val="50000"/>
-            </a:schemeClr>
-          </a:lnRef>
-          <a:fillRef idx="1">
-            <a:schemeClr val="accent1"/>
-          </a:fillRef>
-          <a:effectRef idx="0">
-            <a:schemeClr val="accent1"/>
-          </a:effectRef>
-          <a:fontRef idx="minor">
-            <a:schemeClr val="lt1"/>
-          </a:fontRef>
-        </p:style>
-        <p:txBody>
-          <a:bodyPr rtlCol="0" anchor="ctr"/>
-          <a:lstStyle/>
-          <a:p>
-            <a:r>
-              <a:rPr kumimoji="1" lang="ja-JP" altLang="en-US" sz="1200" dirty="0" smtClean="0">
-                <a:latin typeface="Meiryo UI" panose="020B0604030504040204" pitchFamily="50" charset="-128"/>
-                <a:ea typeface="Meiryo UI" panose="020B0604030504040204" pitchFamily="50" charset="-128"/>
-              </a:rPr>
-              <a:t>口座番号</a:t>
-            </a:r>
-            <a:endParaRPr kumimoji="1" lang="en-US" altLang="ja-JP" sz="1200" dirty="0" smtClean="0">
-              <a:latin typeface="Meiryo UI" panose="020B0604030504040204" pitchFamily="50" charset="-128"/>
-              <a:ea typeface="Meiryo UI" panose="020B0604030504040204" pitchFamily="50" charset="-128"/>
-            </a:endParaRPr>
-          </a:p>
-        </p:txBody>
-      </p:sp>
-      <p:sp>
-        <p:nvSpPr>
-          <p:cNvPr id="48" name="正方形/長方形 47"/>
-          <p:cNvSpPr/>
-          <p:nvPr/>
-        </p:nvSpPr>
-        <p:spPr>
-          <a:xfrm>
-            <a:off x="5234710" y="4612565"/>
-            <a:ext cx="1330036" cy="216551"/>
-          </a:xfrm>
-          <a:prstGeom prst="rect">
-            <a:avLst/>
-          </a:prstGeom>
-        </p:spPr>
-        <p:style>
-          <a:lnRef idx="2">
-            <a:schemeClr val="accent1">
-              <a:shade val="50000"/>
-            </a:schemeClr>
-          </a:lnRef>
-          <a:fillRef idx="1">
-            <a:schemeClr val="accent1"/>
-          </a:fillRef>
-          <a:effectRef idx="0">
-            <a:schemeClr val="accent1"/>
-          </a:effectRef>
-          <a:fontRef idx="minor">
-            <a:schemeClr val="lt1"/>
-          </a:fontRef>
-        </p:style>
-        <p:txBody>
-          <a:bodyPr rtlCol="0" anchor="ctr"/>
-          <a:lstStyle/>
-          <a:p>
-            <a:r>
-              <a:rPr lang="ja-JP" altLang="en-US" sz="1200" dirty="0" smtClean="0">
-                <a:latin typeface="Meiryo UI" panose="020B0604030504040204" pitchFamily="50" charset="-128"/>
-                <a:ea typeface="Meiryo UI" panose="020B0604030504040204" pitchFamily="50" charset="-128"/>
-              </a:rPr>
-              <a:t>取扱銀行</a:t>
-            </a:r>
-            <a:endParaRPr kumimoji="1" lang="en-US" altLang="ja-JP" sz="1200" dirty="0" smtClean="0">
-              <a:latin typeface="Meiryo UI" panose="020B0604030504040204" pitchFamily="50" charset="-128"/>
-              <a:ea typeface="Meiryo UI" panose="020B0604030504040204" pitchFamily="50" charset="-128"/>
-            </a:endParaRPr>
-          </a:p>
-        </p:txBody>
-      </p:sp>
-      <p:sp>
-        <p:nvSpPr>
-          <p:cNvPr id="49" name="正方形/長方形 48"/>
-          <p:cNvSpPr/>
-          <p:nvPr/>
-        </p:nvSpPr>
-        <p:spPr>
-          <a:xfrm>
-            <a:off x="5116483" y="2534778"/>
-            <a:ext cx="3798917" cy="2552619"/>
-          </a:xfrm>
-          <a:prstGeom prst="rect">
-            <a:avLst/>
-          </a:prstGeom>
-          <a:noFill/>
-          <a:ln w="19050">
-            <a:solidFill>
-              <a:schemeClr val="tx1"/>
-            </a:solidFill>
-          </a:ln>
-        </p:spPr>
-        <p:style>
-          <a:lnRef idx="2">
-            <a:schemeClr val="accent1">
-              <a:shade val="50000"/>
-            </a:schemeClr>
-          </a:lnRef>
-          <a:fillRef idx="1">
-            <a:schemeClr val="accent1"/>
-          </a:fillRef>
-          <a:effectRef idx="0">
-            <a:schemeClr val="accent1"/>
-          </a:effectRef>
-          <a:fontRef idx="minor">
-            <a:schemeClr val="lt1"/>
-          </a:fontRef>
-        </p:style>
-        <p:txBody>
-          <a:bodyPr rtlCol="0" anchor="t" anchorCtr="0"/>
-          <a:lstStyle/>
-          <a:p>
-            <a:r>
-              <a:rPr kumimoji="1" lang="ja-JP" altLang="en-US" sz="1200" dirty="0" smtClean="0">
-                <a:solidFill>
-                  <a:schemeClr val="tx1"/>
-                </a:solidFill>
-                <a:latin typeface="Meiryo UI" panose="020B0604030504040204" pitchFamily="50" charset="-128"/>
-                <a:ea typeface="Meiryo UI" panose="020B0604030504040204" pitchFamily="50" charset="-128"/>
-              </a:rPr>
-              <a:t>預金銀行情報</a:t>
-            </a:r>
-            <a:endParaRPr kumimoji="1" lang="ja-JP" altLang="en-US" sz="1200" dirty="0">
-              <a:solidFill>
-                <a:schemeClr val="tx1"/>
-              </a:solidFill>
-              <a:latin typeface="Meiryo UI" panose="020B0604030504040204" pitchFamily="50" charset="-128"/>
-              <a:ea typeface="Meiryo UI" panose="020B0604030504040204" pitchFamily="50" charset="-128"/>
-            </a:endParaRPr>
-          </a:p>
-        </p:txBody>
-      </p:sp>
+              </a:endParaRPr>
+            </a:p>
+          </p:txBody>
+        </p:sp>
+      </p:grpSp>
       <p:sp>
         <p:nvSpPr>
           <p:cNvPr id="50" name="正方形/長方形 49"/>
@@ -13441,6 +13174,76 @@
               <a:solidFill>
                 <a:schemeClr val="tx1"/>
               </a:solidFill>
+              <a:latin typeface="Meiryo UI" panose="020B0604030504040204" pitchFamily="50" charset="-128"/>
+              <a:ea typeface="Meiryo UI" panose="020B0604030504040204" pitchFamily="50" charset="-128"/>
+            </a:endParaRPr>
+          </a:p>
+        </p:txBody>
+      </p:sp>
+      <p:sp>
+        <p:nvSpPr>
+          <p:cNvPr id="42" name="正方形/長方形 41"/>
+          <p:cNvSpPr/>
+          <p:nvPr/>
+        </p:nvSpPr>
+        <p:spPr>
+          <a:xfrm>
+            <a:off x="2412536" y="1440776"/>
+            <a:ext cx="1989976" cy="216551"/>
+          </a:xfrm>
+          <a:prstGeom prst="rect">
+            <a:avLst/>
+          </a:prstGeom>
+          <a:noFill/>
+          <a:ln>
+            <a:noFill/>
+          </a:ln>
+        </p:spPr>
+        <p:style>
+          <a:lnRef idx="2">
+            <a:schemeClr val="accent1">
+              <a:shade val="50000"/>
+            </a:schemeClr>
+          </a:lnRef>
+          <a:fillRef idx="1">
+            <a:schemeClr val="accent1"/>
+          </a:fillRef>
+          <a:effectRef idx="0">
+            <a:schemeClr val="accent1"/>
+          </a:effectRef>
+          <a:fontRef idx="minor">
+            <a:schemeClr val="lt1"/>
+          </a:fontRef>
+        </p:style>
+        <p:txBody>
+          <a:bodyPr rtlCol="0" anchor="ctr"/>
+          <a:lstStyle/>
+          <a:p>
+            <a:r>
+              <a:rPr kumimoji="1" lang="en-US" altLang="ja-JP" sz="1200" dirty="0" smtClean="0">
+                <a:solidFill>
+                  <a:schemeClr val="tx1"/>
+                </a:solidFill>
+                <a:latin typeface="Meiryo UI" panose="020B0604030504040204" pitchFamily="50" charset="-128"/>
+                <a:ea typeface="Meiryo UI" panose="020B0604030504040204" pitchFamily="50" charset="-128"/>
+              </a:rPr>
+              <a:t>123456</a:t>
+            </a:r>
+            <a:r>
+              <a:rPr kumimoji="1" lang="ja-JP" altLang="en-US" sz="1050" dirty="0" smtClean="0">
+                <a:latin typeface="Meiryo UI" panose="020B0604030504040204" pitchFamily="50" charset="-128"/>
+                <a:ea typeface="Meiryo UI" panose="020B0604030504040204" pitchFamily="50" charset="-128"/>
+              </a:rPr>
+              <a:t>社員</a:t>
+            </a:r>
+            <a:r>
+              <a:rPr kumimoji="1" lang="ja-JP" altLang="en-US" sz="1050" dirty="0" smtClean="0">
+                <a:latin typeface="Meiryo UI" panose="020B0604030504040204" pitchFamily="50" charset="-128"/>
+                <a:ea typeface="Meiryo UI" panose="020B0604030504040204" pitchFamily="50" charset="-128"/>
+              </a:rPr>
+              <a:t>コード</a:t>
+            </a:r>
+            <a:endParaRPr kumimoji="1" lang="ja-JP" altLang="en-US" sz="1050" dirty="0">
               <a:latin typeface="Meiryo UI" panose="020B0604030504040204" pitchFamily="50" charset="-128"/>
               <a:ea typeface="Meiryo UI" panose="020B0604030504040204" pitchFamily="50" charset="-128"/>
             </a:endParaRPr>

--- a/Doc/2.UI/経理DB/画面イメージ（経理DB）.pptx
+++ b/Doc/2.UI/経理DB/画面イメージ（経理DB）.pptx
@@ -20,7 +20,7 @@
     <p:sldId id="265" r:id="rId8"/>
   </p:sldIdLst>
   <p:sldSz cx="12192000" cy="6858000"/>
-  <p:notesSz cx="6858000" cy="9144000"/>
+  <p:notesSz cx="6807200" cy="9939338"/>
   <p:defaultTextStyle>
     <a:defPPr>
       <a:defRPr lang="ja-JP"/>
@@ -159,7 +159,7 @@
         <p:spPr>
           <a:xfrm>
             <a:off x="0" y="0"/>
-            <a:ext cx="2971800" cy="458788"/>
+            <a:ext cx="2949787" cy="498693"/>
           </a:xfrm>
           <a:prstGeom prst="rect">
             <a:avLst/>
@@ -189,8 +189,8 @@
         </p:nvSpPr>
         <p:spPr>
           <a:xfrm>
-            <a:off x="3884613" y="0"/>
-            <a:ext cx="2971800" cy="458788"/>
+            <a:off x="3855838" y="0"/>
+            <a:ext cx="2949787" cy="498693"/>
           </a:xfrm>
           <a:prstGeom prst="rect">
             <a:avLst/>
@@ -206,7 +206,7 @@
           <a:p>
             <a:fld id="{412B6505-7C8C-459C-98F8-EFB7D4D9088F}" type="datetimeFigureOut">
               <a:rPr kumimoji="1" lang="ja-JP" altLang="en-US" smtClean="0"/>
-              <a:t>2020/12/28</a:t>
+              <a:t>2021/1/4</a:t>
             </a:fld>
             <a:endParaRPr kumimoji="1" lang="ja-JP" altLang="en-US"/>
           </a:p>
@@ -224,8 +224,8 @@
         </p:nvSpPr>
         <p:spPr>
           <a:xfrm>
-            <a:off x="0" y="8685213"/>
-            <a:ext cx="2971800" cy="458787"/>
+            <a:off x="0" y="9440647"/>
+            <a:ext cx="2949787" cy="498692"/>
           </a:xfrm>
           <a:prstGeom prst="rect">
             <a:avLst/>
@@ -255,8 +255,8 @@
         </p:nvSpPr>
         <p:spPr>
           <a:xfrm>
-            <a:off x="3884613" y="8685213"/>
-            <a:ext cx="2971800" cy="458787"/>
+            <a:off x="3855838" y="9440647"/>
+            <a:ext cx="2949787" cy="498692"/>
           </a:xfrm>
           <a:prstGeom prst="rect">
             <a:avLst/>
@@ -325,7 +325,7 @@
         <p:spPr>
           <a:xfrm>
             <a:off x="0" y="0"/>
-            <a:ext cx="2971800" cy="458788"/>
+            <a:ext cx="2949787" cy="498693"/>
           </a:xfrm>
           <a:prstGeom prst="rect">
             <a:avLst/>
@@ -355,8 +355,8 @@
         </p:nvSpPr>
         <p:spPr>
           <a:xfrm>
-            <a:off x="3884613" y="0"/>
-            <a:ext cx="2971800" cy="458788"/>
+            <a:off x="3855838" y="0"/>
+            <a:ext cx="2949787" cy="498693"/>
           </a:xfrm>
           <a:prstGeom prst="rect">
             <a:avLst/>
@@ -372,7 +372,7 @@
           <a:p>
             <a:fld id="{2662E978-106B-4743-B577-3CB3BCB8D1B3}" type="datetimeFigureOut">
               <a:rPr kumimoji="1" lang="ja-JP" altLang="en-US" smtClean="0"/>
-              <a:t>2020/12/28</a:t>
+              <a:t>2021/1/4</a:t>
             </a:fld>
             <a:endParaRPr kumimoji="1" lang="ja-JP" altLang="en-US"/>
           </a:p>
@@ -390,8 +390,8 @@
         </p:nvSpPr>
         <p:spPr>
           <a:xfrm>
-            <a:off x="685800" y="1143000"/>
-            <a:ext cx="5486400" cy="3086100"/>
+            <a:off x="422275" y="1243013"/>
+            <a:ext cx="5962650" cy="3354387"/>
           </a:xfrm>
           <a:prstGeom prst="rect">
             <a:avLst/>
@@ -423,8 +423,8 @@
         </p:nvSpPr>
         <p:spPr>
           <a:xfrm>
-            <a:off x="685800" y="4400550"/>
-            <a:ext cx="5486400" cy="3600450"/>
+            <a:off x="680720" y="4783307"/>
+            <a:ext cx="5445760" cy="3913614"/>
           </a:xfrm>
           <a:prstGeom prst="rect">
             <a:avLst/>
@@ -515,8 +515,8 @@
         </p:nvSpPr>
         <p:spPr>
           <a:xfrm>
-            <a:off x="0" y="8685213"/>
-            <a:ext cx="2971800" cy="458787"/>
+            <a:off x="0" y="9440647"/>
+            <a:ext cx="2949787" cy="498692"/>
           </a:xfrm>
           <a:prstGeom prst="rect">
             <a:avLst/>
@@ -546,8 +546,8 @@
         </p:nvSpPr>
         <p:spPr>
           <a:xfrm>
-            <a:off x="3884613" y="8685213"/>
-            <a:ext cx="2971800" cy="458787"/>
+            <a:off x="3855838" y="9440647"/>
+            <a:ext cx="2949787" cy="498692"/>
           </a:xfrm>
           <a:prstGeom prst="rect">
             <a:avLst/>
@@ -804,7 +804,7 @@
           <a:p>
             <a:fld id="{53056207-1D9F-4767-A8DD-336DD35751C3}" type="datetimeFigureOut">
               <a:rPr kumimoji="1" lang="ja-JP" altLang="en-US" smtClean="0"/>
-              <a:t>2020/12/28</a:t>
+              <a:t>2021/1/4</a:t>
             </a:fld>
             <a:endParaRPr kumimoji="1" lang="ja-JP" altLang="en-US"/>
           </a:p>
@@ -1006,7 +1006,7 @@
           <a:p>
             <a:fld id="{53056207-1D9F-4767-A8DD-336DD35751C3}" type="datetimeFigureOut">
               <a:rPr kumimoji="1" lang="ja-JP" altLang="en-US" smtClean="0"/>
-              <a:t>2020/12/28</a:t>
+              <a:t>2021/1/4</a:t>
             </a:fld>
             <a:endParaRPr kumimoji="1" lang="ja-JP" altLang="en-US"/>
           </a:p>
@@ -1218,7 +1218,7 @@
           <a:p>
             <a:fld id="{53056207-1D9F-4767-A8DD-336DD35751C3}" type="datetimeFigureOut">
               <a:rPr kumimoji="1" lang="ja-JP" altLang="en-US" smtClean="0"/>
-              <a:t>2020/12/28</a:t>
+              <a:t>2021/1/4</a:t>
             </a:fld>
             <a:endParaRPr kumimoji="1" lang="ja-JP" altLang="en-US"/>
           </a:p>
@@ -1420,7 +1420,7 @@
           <a:p>
             <a:fld id="{53056207-1D9F-4767-A8DD-336DD35751C3}" type="datetimeFigureOut">
               <a:rPr kumimoji="1" lang="ja-JP" altLang="en-US" smtClean="0"/>
-              <a:t>2020/12/28</a:t>
+              <a:t>2021/1/4</a:t>
             </a:fld>
             <a:endParaRPr kumimoji="1" lang="ja-JP" altLang="en-US"/>
           </a:p>
@@ -1666,7 +1666,7 @@
           <a:p>
             <a:fld id="{53056207-1D9F-4767-A8DD-336DD35751C3}" type="datetimeFigureOut">
               <a:rPr kumimoji="1" lang="ja-JP" altLang="en-US" smtClean="0"/>
-              <a:t>2020/12/28</a:t>
+              <a:t>2021/1/4</a:t>
             </a:fld>
             <a:endParaRPr kumimoji="1" lang="ja-JP" altLang="en-US"/>
           </a:p>
@@ -1962,7 +1962,7 @@
           <a:p>
             <a:fld id="{53056207-1D9F-4767-A8DD-336DD35751C3}" type="datetimeFigureOut">
               <a:rPr kumimoji="1" lang="ja-JP" altLang="en-US" smtClean="0"/>
-              <a:t>2020/12/28</a:t>
+              <a:t>2021/1/4</a:t>
             </a:fld>
             <a:endParaRPr kumimoji="1" lang="ja-JP" altLang="en-US"/>
           </a:p>
@@ -2393,7 +2393,7 @@
           <a:p>
             <a:fld id="{53056207-1D9F-4767-A8DD-336DD35751C3}" type="datetimeFigureOut">
               <a:rPr kumimoji="1" lang="ja-JP" altLang="en-US" smtClean="0"/>
-              <a:t>2020/12/28</a:t>
+              <a:t>2021/1/4</a:t>
             </a:fld>
             <a:endParaRPr kumimoji="1" lang="ja-JP" altLang="en-US"/>
           </a:p>
@@ -2511,7 +2511,7 @@
           <a:p>
             <a:fld id="{53056207-1D9F-4767-A8DD-336DD35751C3}" type="datetimeFigureOut">
               <a:rPr kumimoji="1" lang="ja-JP" altLang="en-US" smtClean="0"/>
-              <a:t>2020/12/28</a:t>
+              <a:t>2021/1/4</a:t>
             </a:fld>
             <a:endParaRPr kumimoji="1" lang="ja-JP" altLang="en-US"/>
           </a:p>
@@ -2606,7 +2606,7 @@
           <a:p>
             <a:fld id="{53056207-1D9F-4767-A8DD-336DD35751C3}" type="datetimeFigureOut">
               <a:rPr kumimoji="1" lang="ja-JP" altLang="en-US" smtClean="0"/>
-              <a:t>2020/12/28</a:t>
+              <a:t>2021/1/4</a:t>
             </a:fld>
             <a:endParaRPr kumimoji="1" lang="ja-JP" altLang="en-US"/>
           </a:p>
@@ -2915,7 +2915,7 @@
           <a:p>
             <a:fld id="{53056207-1D9F-4767-A8DD-336DD35751C3}" type="datetimeFigureOut">
               <a:rPr kumimoji="1" lang="ja-JP" altLang="en-US" smtClean="0"/>
-              <a:t>2020/12/28</a:t>
+              <a:t>2021/1/4</a:t>
             </a:fld>
             <a:endParaRPr kumimoji="1" lang="ja-JP" altLang="en-US"/>
           </a:p>
@@ -3168,7 +3168,7 @@
           <a:p>
             <a:fld id="{53056207-1D9F-4767-A8DD-336DD35751C3}" type="datetimeFigureOut">
               <a:rPr kumimoji="1" lang="ja-JP" altLang="en-US" smtClean="0"/>
-              <a:t>2020/12/28</a:t>
+              <a:t>2021/1/4</a:t>
             </a:fld>
             <a:endParaRPr kumimoji="1" lang="ja-JP" altLang="en-US"/>
           </a:p>
@@ -3413,7 +3413,7 @@
           <a:p>
             <a:fld id="{53056207-1D9F-4767-A8DD-336DD35751C3}" type="datetimeFigureOut">
               <a:rPr kumimoji="1" lang="ja-JP" altLang="en-US" smtClean="0"/>
-              <a:t>2020/12/28</a:t>
+              <a:t>2021/1/4</a:t>
             </a:fld>
             <a:endParaRPr kumimoji="1" lang="ja-JP" altLang="en-US"/>
           </a:p>
@@ -4136,7 +4136,7 @@
           <a:p>
             <a:fld id="{E23E62CB-AE02-499E-8DF1-609F7D77B994}" type="datetime1">
               <a:rPr kumimoji="1" lang="ja-JP" altLang="en-US" smtClean="0"/>
-              <a:t>2020/12/28</a:t>
+              <a:t>2021/1/4</a:t>
             </a:fld>
             <a:endParaRPr kumimoji="1" lang="ja-JP" altLang="en-US" dirty="0"/>
           </a:p>
@@ -5251,7 +5251,7 @@
           <a:p>
             <a:fld id="{E23E62CB-AE02-499E-8DF1-609F7D77B994}" type="datetime1">
               <a:rPr kumimoji="1" lang="ja-JP" altLang="en-US" smtClean="0"/>
-              <a:t>2020/12/28</a:t>
+              <a:t>2021/1/4</a:t>
             </a:fld>
             <a:endParaRPr kumimoji="1" lang="ja-JP" altLang="en-US" dirty="0"/>
           </a:p>
@@ -6801,7 +6801,7 @@
           <a:p>
             <a:fld id="{E23E62CB-AE02-499E-8DF1-609F7D77B994}" type="datetime1">
               <a:rPr kumimoji="1" lang="ja-JP" altLang="en-US" smtClean="0"/>
-              <a:t>2020/12/28</a:t>
+              <a:t>2021/1/4</a:t>
             </a:fld>
             <a:endParaRPr kumimoji="1" lang="ja-JP" altLang="en-US" dirty="0"/>
           </a:p>
@@ -7013,57 +7013,6 @@
       </p:sp>
       <p:sp>
         <p:nvSpPr>
-          <p:cNvPr id="53" name="正方形/長方形 52"/>
-          <p:cNvSpPr/>
-          <p:nvPr/>
-        </p:nvSpPr>
-        <p:spPr>
-          <a:xfrm>
-            <a:off x="6682973" y="4256332"/>
-            <a:ext cx="894079" cy="216551"/>
-          </a:xfrm>
-          <a:prstGeom prst="rect">
-            <a:avLst/>
-          </a:prstGeom>
-          <a:noFill/>
-          <a:ln>
-            <a:solidFill>
-              <a:schemeClr val="tx1"/>
-            </a:solidFill>
-          </a:ln>
-        </p:spPr>
-        <p:style>
-          <a:lnRef idx="2">
-            <a:schemeClr val="accent1">
-              <a:shade val="50000"/>
-            </a:schemeClr>
-          </a:lnRef>
-          <a:fillRef idx="1">
-            <a:schemeClr val="accent1"/>
-          </a:fillRef>
-          <a:effectRef idx="0">
-            <a:schemeClr val="accent1"/>
-          </a:effectRef>
-          <a:fontRef idx="minor">
-            <a:schemeClr val="lt1"/>
-          </a:fontRef>
-        </p:style>
-        <p:txBody>
-          <a:bodyPr rtlCol="0" anchor="ctr"/>
-          <a:lstStyle/>
-          <a:p>
-            <a:endParaRPr kumimoji="1" lang="ja-JP" altLang="en-US" sz="1200" dirty="0">
-              <a:solidFill>
-                <a:schemeClr val="tx1"/>
-              </a:solidFill>
-              <a:latin typeface="Meiryo UI" panose="020B0604030504040204" pitchFamily="50" charset="-128"/>
-              <a:ea typeface="Meiryo UI" panose="020B0604030504040204" pitchFamily="50" charset="-128"/>
-            </a:endParaRPr>
-          </a:p>
-        </p:txBody>
-      </p:sp>
-      <p:sp>
-        <p:nvSpPr>
           <p:cNvPr id="56" name="正方形/長方形 55"/>
           <p:cNvSpPr/>
           <p:nvPr/>
@@ -7112,8 +7061,15 @@
                 <a:latin typeface="Meiryo UI" panose="020B0604030504040204" pitchFamily="50" charset="-128"/>
                 <a:ea typeface="Meiryo UI" panose="020B0604030504040204" pitchFamily="50" charset="-128"/>
               </a:rPr>
-              <a:t>登録</a:t>
-            </a:r>
+              <a:t>実行</a:t>
+            </a:r>
+            <a:endParaRPr kumimoji="1" lang="ja-JP" altLang="en-US" dirty="0" smtClean="0">
+              <a:solidFill>
+                <a:schemeClr val="tx1"/>
+              </a:solidFill>
+              <a:latin typeface="Meiryo UI" panose="020B0604030504040204" pitchFamily="50" charset="-128"/>
+              <a:ea typeface="Meiryo UI" panose="020B0604030504040204" pitchFamily="50" charset="-128"/>
+            </a:endParaRPr>
           </a:p>
         </p:txBody>
       </p:sp>
@@ -8131,7 +8087,7 @@
                   <a:latin typeface="Meiryo UI" panose="020B0604030504040204" pitchFamily="50" charset="-128"/>
                   <a:ea typeface="Meiryo UI" panose="020B0604030504040204" pitchFamily="50" charset="-128"/>
                 </a:rPr>
-                <a:t>検索</a:t>
+                <a:t>確認</a:t>
               </a:r>
               <a:endParaRPr kumimoji="1" lang="ja-JP" altLang="en-US" sz="1200" dirty="0">
                 <a:solidFill>
@@ -8192,7 +8148,7 @@
                   <a:latin typeface="Meiryo UI" panose="020B0604030504040204" pitchFamily="50" charset="-128"/>
                   <a:ea typeface="Meiryo UI" panose="020B0604030504040204" pitchFamily="50" charset="-128"/>
                 </a:rPr>
-                <a:t>検索</a:t>
+                <a:t>確認</a:t>
               </a:r>
               <a:endParaRPr kumimoji="1" lang="ja-JP" altLang="en-US" sz="1200" dirty="0">
                 <a:solidFill>
@@ -8678,108 +8634,6 @@
         </p:sp>
         <p:sp>
           <p:nvSpPr>
-            <p:cNvPr id="42" name="正方形/長方形 41"/>
-            <p:cNvSpPr/>
-            <p:nvPr/>
-          </p:nvSpPr>
-          <p:spPr>
-            <a:xfrm>
-              <a:off x="6676970" y="4158189"/>
-              <a:ext cx="900082" cy="424095"/>
-            </a:xfrm>
-            <a:prstGeom prst="rect">
-              <a:avLst/>
-            </a:prstGeom>
-            <a:solidFill>
-              <a:schemeClr val="bg1"/>
-            </a:solidFill>
-            <a:ln>
-              <a:solidFill>
-                <a:schemeClr val="tx1"/>
-              </a:solidFill>
-            </a:ln>
-          </p:spPr>
-          <p:style>
-            <a:lnRef idx="2">
-              <a:schemeClr val="accent1">
-                <a:shade val="50000"/>
-              </a:schemeClr>
-            </a:lnRef>
-            <a:fillRef idx="1">
-              <a:schemeClr val="accent1"/>
-            </a:fillRef>
-            <a:effectRef idx="0">
-              <a:schemeClr val="accent1"/>
-            </a:effectRef>
-            <a:fontRef idx="minor">
-              <a:schemeClr val="lt1"/>
-            </a:fontRef>
-          </p:style>
-          <p:txBody>
-            <a:bodyPr rtlCol="0" anchor="ctr"/>
-            <a:lstStyle/>
-            <a:p>
-              <a:r>
-                <a:rPr kumimoji="1" lang="en-US" altLang="ja-JP" sz="1200" dirty="0" smtClean="0">
-                  <a:solidFill>
-                    <a:schemeClr val="tx1"/>
-                  </a:solidFill>
-                  <a:latin typeface="Meiryo UI" panose="020B0604030504040204" pitchFamily="50" charset="-128"/>
-                  <a:ea typeface="Meiryo UI" panose="020B0604030504040204" pitchFamily="50" charset="-128"/>
-                </a:rPr>
-                <a:t>1</a:t>
-              </a:r>
-              <a:r>
-                <a:rPr kumimoji="1" lang="ja-JP" altLang="en-US" sz="1200" dirty="0" smtClean="0">
-                  <a:solidFill>
-                    <a:schemeClr val="tx1"/>
-                  </a:solidFill>
-                  <a:latin typeface="Meiryo UI" panose="020B0604030504040204" pitchFamily="50" charset="-128"/>
-                  <a:ea typeface="Meiryo UI" panose="020B0604030504040204" pitchFamily="50" charset="-128"/>
-                </a:rPr>
-                <a:t>：普通</a:t>
-              </a:r>
-              <a:endParaRPr kumimoji="1" lang="en-US" altLang="ja-JP" sz="1200" dirty="0" smtClean="0">
-                <a:solidFill>
-                  <a:schemeClr val="tx1"/>
-                </a:solidFill>
-                <a:latin typeface="Meiryo UI" panose="020B0604030504040204" pitchFamily="50" charset="-128"/>
-                <a:ea typeface="Meiryo UI" panose="020B0604030504040204" pitchFamily="50" charset="-128"/>
-              </a:endParaRPr>
-            </a:p>
-            <a:p>
-              <a:r>
-                <a:rPr lang="en-US" altLang="ja-JP" sz="1200" dirty="0" smtClean="0">
-                  <a:solidFill>
-                    <a:schemeClr val="tx1"/>
-                  </a:solidFill>
-                  <a:latin typeface="Meiryo UI" panose="020B0604030504040204" pitchFamily="50" charset="-128"/>
-                  <a:ea typeface="Meiryo UI" panose="020B0604030504040204" pitchFamily="50" charset="-128"/>
-                </a:rPr>
-                <a:t>2</a:t>
-              </a:r>
-              <a:r>
-                <a:rPr lang="ja-JP" altLang="en-US" sz="1200" dirty="0" smtClean="0">
-                  <a:solidFill>
-                    <a:schemeClr val="tx1"/>
-                  </a:solidFill>
-                  <a:latin typeface="Meiryo UI" panose="020B0604030504040204" pitchFamily="50" charset="-128"/>
-                  <a:ea typeface="Meiryo UI" panose="020B0604030504040204" pitchFamily="50" charset="-128"/>
-                </a:rPr>
-                <a:t>：当座</a:t>
-              </a:r>
-              <a:endParaRPr kumimoji="1" lang="ja-JP" altLang="en-US" sz="1200" dirty="0">
-                <a:solidFill>
-                  <a:schemeClr val="tx1"/>
-                </a:solidFill>
-                <a:latin typeface="Meiryo UI" panose="020B0604030504040204" pitchFamily="50" charset="-128"/>
-                <a:ea typeface="Meiryo UI" panose="020B0604030504040204" pitchFamily="50" charset="-128"/>
-              </a:endParaRPr>
-            </a:p>
-          </p:txBody>
-        </p:sp>
-        <p:sp>
-          <p:nvSpPr>
             <p:cNvPr id="57" name="正方形/長方形 56"/>
             <p:cNvSpPr/>
             <p:nvPr/>
@@ -8888,7 +8742,7 @@
                   <a:latin typeface="Meiryo UI" panose="020B0604030504040204" pitchFamily="50" charset="-128"/>
                   <a:ea typeface="Meiryo UI" panose="020B0604030504040204" pitchFamily="50" charset="-128"/>
                 </a:rPr>
-                <a:t>検索</a:t>
+                <a:t>確認</a:t>
               </a:r>
               <a:endParaRPr kumimoji="1" lang="ja-JP" altLang="en-US" sz="1200" dirty="0">
                 <a:solidFill>
@@ -8949,7 +8803,109 @@
                   <a:latin typeface="Meiryo UI" panose="020B0604030504040204" pitchFamily="50" charset="-128"/>
                   <a:ea typeface="Meiryo UI" panose="020B0604030504040204" pitchFamily="50" charset="-128"/>
                 </a:rPr>
-                <a:t>検索</a:t>
+                <a:t>確認</a:t>
+              </a:r>
+              <a:endParaRPr kumimoji="1" lang="ja-JP" altLang="en-US" sz="1200" dirty="0">
+                <a:solidFill>
+                  <a:schemeClr val="tx1"/>
+                </a:solidFill>
+                <a:latin typeface="Meiryo UI" panose="020B0604030504040204" pitchFamily="50" charset="-128"/>
+                <a:ea typeface="Meiryo UI" panose="020B0604030504040204" pitchFamily="50" charset="-128"/>
+              </a:endParaRPr>
+            </a:p>
+          </p:txBody>
+        </p:sp>
+        <p:sp>
+          <p:nvSpPr>
+            <p:cNvPr id="42" name="正方形/長方形 41"/>
+            <p:cNvSpPr/>
+            <p:nvPr/>
+          </p:nvSpPr>
+          <p:spPr>
+            <a:xfrm>
+              <a:off x="6676970" y="4158189"/>
+              <a:ext cx="900082" cy="424095"/>
+            </a:xfrm>
+            <a:prstGeom prst="rect">
+              <a:avLst/>
+            </a:prstGeom>
+            <a:solidFill>
+              <a:schemeClr val="bg1"/>
+            </a:solidFill>
+            <a:ln>
+              <a:solidFill>
+                <a:schemeClr val="tx1"/>
+              </a:solidFill>
+            </a:ln>
+          </p:spPr>
+          <p:style>
+            <a:lnRef idx="2">
+              <a:schemeClr val="accent1">
+                <a:shade val="50000"/>
+              </a:schemeClr>
+            </a:lnRef>
+            <a:fillRef idx="1">
+              <a:schemeClr val="accent1"/>
+            </a:fillRef>
+            <a:effectRef idx="0">
+              <a:schemeClr val="accent1"/>
+            </a:effectRef>
+            <a:fontRef idx="minor">
+              <a:schemeClr val="lt1"/>
+            </a:fontRef>
+          </p:style>
+          <p:txBody>
+            <a:bodyPr rtlCol="0" anchor="ctr"/>
+            <a:lstStyle/>
+            <a:p>
+              <a:r>
+                <a:rPr kumimoji="1" lang="en-US" altLang="ja-JP" sz="1200" dirty="0" smtClean="0">
+                  <a:solidFill>
+                    <a:schemeClr val="tx1"/>
+                  </a:solidFill>
+                  <a:latin typeface="Meiryo UI" panose="020B0604030504040204" pitchFamily="50" charset="-128"/>
+                  <a:ea typeface="Meiryo UI" panose="020B0604030504040204" pitchFamily="50" charset="-128"/>
+                </a:rPr>
+                <a:t>1</a:t>
+              </a:r>
+              <a:r>
+                <a:rPr kumimoji="1" lang="ja-JP" altLang="en-US" sz="1200" dirty="0" smtClean="0">
+                  <a:solidFill>
+                    <a:schemeClr val="tx1"/>
+                  </a:solidFill>
+                  <a:latin typeface="Meiryo UI" panose="020B0604030504040204" pitchFamily="50" charset="-128"/>
+                  <a:ea typeface="Meiryo UI" panose="020B0604030504040204" pitchFamily="50" charset="-128"/>
+                </a:rPr>
+                <a:t>：普通</a:t>
+              </a:r>
+              <a:endParaRPr kumimoji="1" lang="en-US" altLang="ja-JP" sz="1200" dirty="0" smtClean="0">
+                <a:solidFill>
+                  <a:schemeClr val="tx1"/>
+                </a:solidFill>
+                <a:latin typeface="Meiryo UI" panose="020B0604030504040204" pitchFamily="50" charset="-128"/>
+                <a:ea typeface="Meiryo UI" panose="020B0604030504040204" pitchFamily="50" charset="-128"/>
+              </a:endParaRPr>
+            </a:p>
+            <a:p>
+              <a:r>
+                <a:rPr lang="en-US" altLang="ja-JP" sz="1200" dirty="0" smtClean="0">
+                  <a:solidFill>
+                    <a:schemeClr val="tx1"/>
+                  </a:solidFill>
+                  <a:latin typeface="Meiryo UI" panose="020B0604030504040204" pitchFamily="50" charset="-128"/>
+                  <a:ea typeface="Meiryo UI" panose="020B0604030504040204" pitchFamily="50" charset="-128"/>
+                </a:rPr>
+                <a:t>2</a:t>
+              </a:r>
+              <a:r>
+                <a:rPr lang="ja-JP" altLang="en-US" sz="1200" dirty="0" smtClean="0">
+                  <a:solidFill>
+                    <a:schemeClr val="tx1"/>
+                  </a:solidFill>
+                  <a:latin typeface="Meiryo UI" panose="020B0604030504040204" pitchFamily="50" charset="-128"/>
+                  <a:ea typeface="Meiryo UI" panose="020B0604030504040204" pitchFamily="50" charset="-128"/>
+                </a:rPr>
+                <a:t>：当座</a:t>
               </a:r>
               <a:endParaRPr kumimoji="1" lang="ja-JP" altLang="en-US" sz="1200" dirty="0">
                 <a:solidFill>
@@ -9016,14 +8972,7 @@
                 <a:latin typeface="Meiryo UI" panose="020B0604030504040204" pitchFamily="50" charset="-128"/>
                 <a:ea typeface="Meiryo UI" panose="020B0604030504040204" pitchFamily="50" charset="-128"/>
               </a:rPr>
-              <a:t>社員</a:t>
-            </a:r>
-            <a:r>
-              <a:rPr kumimoji="1" lang="ja-JP" altLang="en-US" sz="1050" dirty="0" smtClean="0">
-                <a:latin typeface="Meiryo UI" panose="020B0604030504040204" pitchFamily="50" charset="-128"/>
-                <a:ea typeface="Meiryo UI" panose="020B0604030504040204" pitchFamily="50" charset="-128"/>
-              </a:rPr>
-              <a:t>コード</a:t>
+              <a:t>社員コード</a:t>
             </a:r>
             <a:endParaRPr kumimoji="1" lang="ja-JP" altLang="en-US" sz="1050" dirty="0">
               <a:latin typeface="Meiryo UI" panose="020B0604030504040204" pitchFamily="50" charset="-128"/>
@@ -9269,7 +9218,7 @@
           <a:p>
             <a:fld id="{E23E62CB-AE02-499E-8DF1-609F7D77B994}" type="datetime1">
               <a:rPr kumimoji="1" lang="ja-JP" altLang="en-US" smtClean="0"/>
-              <a:t>2020/12/28</a:t>
+              <a:t>2021/1/4</a:t>
             </a:fld>
             <a:endParaRPr kumimoji="1" lang="ja-JP" altLang="en-US" dirty="0"/>
           </a:p>
@@ -10930,15 +10879,22 @@
           <a:p>
             <a:pPr algn="ctr"/>
             <a:r>
-              <a:rPr kumimoji="1" lang="ja-JP" altLang="en-US" dirty="0" smtClean="0">
+              <a:rPr lang="ja-JP" altLang="en-US" dirty="0">
                 <a:solidFill>
                   <a:schemeClr val="tx1"/>
                 </a:solidFill>
                 <a:latin typeface="Meiryo UI" panose="020B0604030504040204" pitchFamily="50" charset="-128"/>
                 <a:ea typeface="Meiryo UI" panose="020B0604030504040204" pitchFamily="50" charset="-128"/>
               </a:rPr>
-              <a:t>削除</a:t>
-            </a:r>
+              <a:t>実行</a:t>
+            </a:r>
+            <a:endParaRPr kumimoji="1" lang="ja-JP" altLang="en-US" dirty="0" smtClean="0">
+              <a:solidFill>
+                <a:schemeClr val="tx1"/>
+              </a:solidFill>
+              <a:latin typeface="Meiryo UI" panose="020B0604030504040204" pitchFamily="50" charset="-128"/>
+              <a:ea typeface="Meiryo UI" panose="020B0604030504040204" pitchFamily="50" charset="-128"/>
+            </a:endParaRPr>
           </a:p>
         </p:txBody>
       </p:sp>
@@ -11422,7 +11378,7 @@
           <a:p>
             <a:fld id="{E23E62CB-AE02-499E-8DF1-609F7D77B994}" type="datetime1">
               <a:rPr kumimoji="1" lang="ja-JP" altLang="en-US" smtClean="0"/>
-              <a:t>2020/12/28</a:t>
+              <a:t>2021/1/4</a:t>
             </a:fld>
             <a:endParaRPr kumimoji="1" lang="ja-JP" altLang="en-US" dirty="0"/>
           </a:p>
@@ -13234,14 +13190,7 @@
                 <a:latin typeface="Meiryo UI" panose="020B0604030504040204" pitchFamily="50" charset="-128"/>
                 <a:ea typeface="Meiryo UI" panose="020B0604030504040204" pitchFamily="50" charset="-128"/>
               </a:rPr>
-              <a:t>社員</a:t>
-            </a:r>
-            <a:r>
-              <a:rPr kumimoji="1" lang="ja-JP" altLang="en-US" sz="1050" dirty="0" smtClean="0">
-                <a:latin typeface="Meiryo UI" panose="020B0604030504040204" pitchFamily="50" charset="-128"/>
-                <a:ea typeface="Meiryo UI" panose="020B0604030504040204" pitchFamily="50" charset="-128"/>
-              </a:rPr>
-              <a:t>コード</a:t>
+              <a:t>社員コード</a:t>
             </a:r>
             <a:endParaRPr kumimoji="1" lang="ja-JP" altLang="en-US" sz="1050" dirty="0">
               <a:latin typeface="Meiryo UI" panose="020B0604030504040204" pitchFamily="50" charset="-128"/>
@@ -13493,7 +13442,7 @@
           <a:p>
             <a:fld id="{E23E62CB-AE02-499E-8DF1-609F7D77B994}" type="datetime1">
               <a:rPr kumimoji="1" lang="ja-JP" altLang="en-US" smtClean="0"/>
-              <a:t>2020/12/28</a:t>
+              <a:t>2021/1/4</a:t>
             </a:fld>
             <a:endParaRPr kumimoji="1" lang="ja-JP" altLang="en-US" dirty="0"/>
           </a:p>
@@ -13531,14 +13480,14 @@
           <p:nvPr>
             <p:extLst>
               <p:ext uri="{D42A27DB-BD31-4B8C-83A1-F6EECF244321}">
-                <p14:modId xmlns:p14="http://schemas.microsoft.com/office/powerpoint/2010/main" val="2801789104"/>
+                <p14:modId xmlns:p14="http://schemas.microsoft.com/office/powerpoint/2010/main" val="1622549990"/>
               </p:ext>
             </p:extLst>
           </p:nvPr>
         </p:nvGraphicFramePr>
         <p:xfrm>
           <a:off x="838197" y="1732134"/>
-          <a:ext cx="9411397" cy="3408250"/>
+          <a:ext cx="9502837" cy="3408250"/>
         </p:xfrm>
         <a:graphic>
           <a:graphicData uri="http://schemas.openxmlformats.org/drawingml/2006/table">
@@ -13547,70 +13496,70 @@
                 <a:tableStyleId>{073A0DAA-6AF3-43AB-8588-CEC1D06C72B9}</a:tableStyleId>
               </a:tblPr>
               <a:tblGrid>
-                <a:gridCol w="508465">
+                <a:gridCol w="505011">
                   <a:extLst>
                     <a:ext uri="{9D8B030D-6E8A-4147-A177-3AD203B41FA5}">
                       <a16:colId xmlns:a16="http://schemas.microsoft.com/office/drawing/2014/main" val="3096675292"/>
                     </a:ext>
                   </a:extLst>
                 </a:gridCol>
-                <a:gridCol w="856211">
+                <a:gridCol w="872924">
                   <a:extLst>
                     <a:ext uri="{9D8B030D-6E8A-4147-A177-3AD203B41FA5}">
                       <a16:colId xmlns:a16="http://schemas.microsoft.com/office/drawing/2014/main" val="3285164545"/>
                     </a:ext>
                   </a:extLst>
                 </a:gridCol>
-                <a:gridCol w="1379912">
+                <a:gridCol w="1359746">
                   <a:extLst>
                     <a:ext uri="{9D8B030D-6E8A-4147-A177-3AD203B41FA5}">
                       <a16:colId xmlns:a16="http://schemas.microsoft.com/office/drawing/2014/main" val="889585061"/>
                     </a:ext>
                   </a:extLst>
                 </a:gridCol>
-                <a:gridCol w="1163782">
+                <a:gridCol w="1401713">
                   <a:extLst>
                     <a:ext uri="{9D8B030D-6E8A-4147-A177-3AD203B41FA5}">
                       <a16:colId xmlns:a16="http://schemas.microsoft.com/office/drawing/2014/main" val="1259357946"/>
                     </a:ext>
                   </a:extLst>
                 </a:gridCol>
-                <a:gridCol w="1113906">
+                <a:gridCol w="1049187">
                   <a:extLst>
                     <a:ext uri="{9D8B030D-6E8A-4147-A177-3AD203B41FA5}">
                       <a16:colId xmlns:a16="http://schemas.microsoft.com/office/drawing/2014/main" val="1690966431"/>
                     </a:ext>
                   </a:extLst>
                 </a:gridCol>
-                <a:gridCol w="1064029">
+                <a:gridCol w="906037">
                   <a:extLst>
                     <a:ext uri="{9D8B030D-6E8A-4147-A177-3AD203B41FA5}">
                       <a16:colId xmlns:a16="http://schemas.microsoft.com/office/drawing/2014/main" val="2120910868"/>
                     </a:ext>
                   </a:extLst>
                 </a:gridCol>
-                <a:gridCol w="532014">
+                <a:gridCol w="498763">
                   <a:extLst>
                     <a:ext uri="{9D8B030D-6E8A-4147-A177-3AD203B41FA5}">
                       <a16:colId xmlns:a16="http://schemas.microsoft.com/office/drawing/2014/main" val="1404504379"/>
                     </a:ext>
                   </a:extLst>
                 </a:gridCol>
-                <a:gridCol w="914400">
+                <a:gridCol w="906087">
                   <a:extLst>
                     <a:ext uri="{9D8B030D-6E8A-4147-A177-3AD203B41FA5}">
                       <a16:colId xmlns:a16="http://schemas.microsoft.com/office/drawing/2014/main" val="1697014033"/>
                     </a:ext>
                   </a:extLst>
                 </a:gridCol>
-                <a:gridCol w="923573">
+                <a:gridCol w="1214379">
                   <a:extLst>
                     <a:ext uri="{9D8B030D-6E8A-4147-A177-3AD203B41FA5}">
                       <a16:colId xmlns:a16="http://schemas.microsoft.com/office/drawing/2014/main" val="3111744223"/>
                     </a:ext>
                   </a:extLst>
                 </a:gridCol>
-                <a:gridCol w="955105">
+                <a:gridCol w="788990">
                   <a:extLst>
                     <a:ext uri="{9D8B030D-6E8A-4147-A177-3AD203B41FA5}">
                       <a16:colId xmlns:a16="http://schemas.microsoft.com/office/drawing/2014/main" val="130618225"/>
@@ -13803,212 +13752,29 @@
                           <a:latin typeface="Meiryo UI" panose="020B0604030504040204" pitchFamily="50" charset="-128"/>
                           <a:ea typeface="Meiryo UI" panose="020B0604030504040204" pitchFamily="50" charset="-128"/>
                         </a:rPr>
-                        <a:t>給与振込口座</a:t>
+                        <a:t>給与</a:t>
                       </a:r>
-                      <a:endParaRPr kumimoji="1" lang="ja-JP" altLang="en-US" sz="1200" dirty="0">
-                        <a:latin typeface="Meiryo UI" panose="020B0604030504040204" pitchFamily="50" charset="-128"/>
-                        <a:ea typeface="Meiryo UI" panose="020B0604030504040204" pitchFamily="50" charset="-128"/>
-                      </a:endParaRPr>
-                    </a:p>
-                  </a:txBody>
-                  <a:tcPr>
-                    <a:lnL w="12700" cap="flat" cmpd="sng" algn="ctr">
-                      <a:solidFill>
-                        <a:schemeClr val="tx1"/>
-                      </a:solidFill>
-                      <a:prstDash val="solid"/>
-                      <a:round/>
-                      <a:headEnd type="none" w="med" len="med"/>
-                      <a:tailEnd type="none" w="med" len="med"/>
-                    </a:lnL>
-                    <a:lnR w="12700" cap="flat" cmpd="sng" algn="ctr">
-                      <a:solidFill>
-                        <a:schemeClr val="tx1"/>
-                      </a:solidFill>
-                      <a:prstDash val="solid"/>
-                      <a:round/>
-                      <a:headEnd type="none" w="med" len="med"/>
-                      <a:tailEnd type="none" w="med" len="med"/>
-                    </a:lnR>
-                    <a:lnT w="12700" cap="flat" cmpd="sng" algn="ctr">
-                      <a:solidFill>
-                        <a:schemeClr val="tx1"/>
-                      </a:solidFill>
-                      <a:prstDash val="solid"/>
-                      <a:round/>
-                      <a:headEnd type="none" w="med" len="med"/>
-                      <a:tailEnd type="none" w="med" len="med"/>
-                    </a:lnT>
-                    <a:lnB w="12700" cap="flat" cmpd="sng" algn="ctr">
-                      <a:solidFill>
-                        <a:schemeClr val="tx1"/>
-                      </a:solidFill>
-                      <a:prstDash val="solid"/>
-                      <a:round/>
-                      <a:headEnd type="none" w="med" len="med"/>
-                      <a:tailEnd type="none" w="med" len="med"/>
-                    </a:lnB>
-                    <a:noFill/>
-                  </a:tcPr>
-                </a:tc>
-                <a:tc>
-                  <a:txBody>
-                    <a:bodyPr/>
-                    <a:lstStyle/>
-                    <a:p>
-                      <a:endParaRPr kumimoji="1" lang="ja-JP" altLang="en-US" sz="1200" dirty="0">
-                        <a:latin typeface="Meiryo UI" panose="020B0604030504040204" pitchFamily="50" charset="-128"/>
-                        <a:ea typeface="Meiryo UI" panose="020B0604030504040204" pitchFamily="50" charset="-128"/>
-                      </a:endParaRPr>
-                    </a:p>
-                  </a:txBody>
-                  <a:tcPr>
-                    <a:lnL w="12700" cap="flat" cmpd="sng" algn="ctr">
-                      <a:solidFill>
-                        <a:schemeClr val="tx1"/>
-                      </a:solidFill>
-                      <a:prstDash val="solid"/>
-                      <a:round/>
-                      <a:headEnd type="none" w="med" len="med"/>
-                      <a:tailEnd type="none" w="med" len="med"/>
-                    </a:lnL>
-                    <a:lnR w="12700" cap="flat" cmpd="sng" algn="ctr">
-                      <a:solidFill>
-                        <a:schemeClr val="tx1"/>
-                      </a:solidFill>
-                      <a:prstDash val="solid"/>
-                      <a:round/>
-                      <a:headEnd type="none" w="med" len="med"/>
-                      <a:tailEnd type="none" w="med" len="med"/>
-                    </a:lnR>
-                    <a:lnT w="12700" cap="flat" cmpd="sng" algn="ctr">
-                      <a:solidFill>
-                        <a:schemeClr val="tx1"/>
-                      </a:solidFill>
-                      <a:prstDash val="solid"/>
-                      <a:round/>
-                      <a:headEnd type="none" w="med" len="med"/>
-                      <a:tailEnd type="none" w="med" len="med"/>
-                    </a:lnT>
-                    <a:lnB w="12700" cap="flat" cmpd="sng" algn="ctr">
-                      <a:solidFill>
-                        <a:schemeClr val="tx1"/>
-                      </a:solidFill>
-                      <a:prstDash val="solid"/>
-                      <a:round/>
-                      <a:headEnd type="none" w="med" len="med"/>
-                      <a:tailEnd type="none" w="med" len="med"/>
-                    </a:lnB>
-                    <a:noFill/>
-                  </a:tcPr>
-                </a:tc>
-                <a:tc>
-                  <a:txBody>
-                    <a:bodyPr/>
-                    <a:lstStyle/>
-                    <a:p>
-                      <a:endParaRPr kumimoji="1" lang="ja-JP" altLang="en-US" sz="1200" dirty="0">
-                        <a:latin typeface="Meiryo UI" panose="020B0604030504040204" pitchFamily="50" charset="-128"/>
-                        <a:ea typeface="Meiryo UI" panose="020B0604030504040204" pitchFamily="50" charset="-128"/>
-                      </a:endParaRPr>
-                    </a:p>
-                  </a:txBody>
-                  <a:tcPr>
-                    <a:lnL w="12700" cap="flat" cmpd="sng" algn="ctr">
-                      <a:solidFill>
-                        <a:schemeClr val="tx1"/>
-                      </a:solidFill>
-                      <a:prstDash val="solid"/>
-                      <a:round/>
-                      <a:headEnd type="none" w="med" len="med"/>
-                      <a:tailEnd type="none" w="med" len="med"/>
-                    </a:lnL>
-                    <a:lnR w="12700" cap="flat" cmpd="sng" algn="ctr">
-                      <a:solidFill>
-                        <a:schemeClr val="tx1"/>
-                      </a:solidFill>
-                      <a:prstDash val="solid"/>
-                      <a:round/>
-                      <a:headEnd type="none" w="med" len="med"/>
-                      <a:tailEnd type="none" w="med" len="med"/>
-                    </a:lnR>
-                    <a:lnT w="12700" cap="flat" cmpd="sng" algn="ctr">
-                      <a:solidFill>
-                        <a:schemeClr val="tx1"/>
-                      </a:solidFill>
-                      <a:prstDash val="solid"/>
-                      <a:round/>
-                      <a:headEnd type="none" w="med" len="med"/>
-                      <a:tailEnd type="none" w="med" len="med"/>
-                    </a:lnT>
-                    <a:lnB w="12700" cap="flat" cmpd="sng" algn="ctr">
-                      <a:solidFill>
-                        <a:schemeClr val="tx1"/>
-                      </a:solidFill>
-                      <a:prstDash val="solid"/>
-                      <a:round/>
-                      <a:headEnd type="none" w="med" len="med"/>
-                      <a:tailEnd type="none" w="med" len="med"/>
-                    </a:lnB>
-                    <a:noFill/>
-                  </a:tcPr>
-                </a:tc>
-                <a:tc>
-                  <a:txBody>
-                    <a:bodyPr/>
-                    <a:lstStyle/>
-                    <a:p>
-                      <a:endParaRPr kumimoji="1" lang="ja-JP" altLang="en-US" sz="1200" dirty="0">
-                        <a:latin typeface="Meiryo UI" panose="020B0604030504040204" pitchFamily="50" charset="-128"/>
-                        <a:ea typeface="Meiryo UI" panose="020B0604030504040204" pitchFamily="50" charset="-128"/>
-                      </a:endParaRPr>
-                    </a:p>
-                  </a:txBody>
-                  <a:tcPr>
-                    <a:lnL w="12700" cap="flat" cmpd="sng" algn="ctr">
-                      <a:solidFill>
-                        <a:schemeClr val="tx1"/>
-                      </a:solidFill>
-                      <a:prstDash val="solid"/>
-                      <a:round/>
-                      <a:headEnd type="none" w="med" len="med"/>
-                      <a:tailEnd type="none" w="med" len="med"/>
-                    </a:lnL>
-                    <a:lnR w="12700" cap="flat" cmpd="sng" algn="ctr">
-                      <a:solidFill>
-                        <a:schemeClr val="tx1"/>
-                      </a:solidFill>
-                      <a:prstDash val="solid"/>
-                      <a:round/>
-                      <a:headEnd type="none" w="med" len="med"/>
-                      <a:tailEnd type="none" w="med" len="med"/>
-                    </a:lnR>
-                    <a:lnT w="12700" cap="flat" cmpd="sng" algn="ctr">
-                      <a:solidFill>
-                        <a:schemeClr val="tx1"/>
-                      </a:solidFill>
-                      <a:prstDash val="solid"/>
-                      <a:round/>
-                      <a:headEnd type="none" w="med" len="med"/>
-                      <a:tailEnd type="none" w="med" len="med"/>
-                    </a:lnT>
-                    <a:lnB w="12700" cap="flat" cmpd="sng" algn="ctr">
-                      <a:solidFill>
-                        <a:schemeClr val="tx1"/>
-                      </a:solidFill>
-                      <a:prstDash val="solid"/>
-                      <a:round/>
-                      <a:headEnd type="none" w="med" len="med"/>
-                      <a:tailEnd type="none" w="med" len="med"/>
-                    </a:lnB>
-                    <a:noFill/>
-                  </a:tcPr>
-                </a:tc>
-                <a:tc>
-                  <a:txBody>
-                    <a:bodyPr/>
-                    <a:lstStyle/>
-                    <a:p>
+                      <a:r>
+                        <a:rPr kumimoji="1" lang="ja-JP" altLang="en-US" sz="1200" dirty="0" smtClean="0">
+                          <a:latin typeface="Meiryo UI" panose="020B0604030504040204" pitchFamily="50" charset="-128"/>
+                          <a:ea typeface="Meiryo UI" panose="020B0604030504040204" pitchFamily="50" charset="-128"/>
+                        </a:rPr>
+                        <a:t>振込</a:t>
+                      </a:r>
+                      <a:r>
+                        <a:rPr kumimoji="1" lang="en-US" altLang="ja-JP" sz="1200" dirty="0" smtClean="0">
+                          <a:latin typeface="Meiryo UI" panose="020B0604030504040204" pitchFamily="50" charset="-128"/>
+                          <a:ea typeface="Meiryo UI" panose="020B0604030504040204" pitchFamily="50" charset="-128"/>
+                        </a:rPr>
+                        <a:t>BK</a:t>
+                      </a:r>
+                      <a:r>
+                        <a:rPr kumimoji="1" lang="ja-JP" altLang="en-US" sz="1200" dirty="0" smtClean="0">
+                          <a:latin typeface="Meiryo UI" panose="020B0604030504040204" pitchFamily="50" charset="-128"/>
+                          <a:ea typeface="Meiryo UI" panose="020B0604030504040204" pitchFamily="50" charset="-128"/>
+                        </a:rPr>
+                        <a:t>コード</a:t>
+                      </a:r>
                       <a:endParaRPr kumimoji="1" lang="ja-JP" altLang="en-US" sz="1200" dirty="0">
                         <a:latin typeface="Meiryo UI" panose="020B0604030504040204" pitchFamily="50" charset="-128"/>
                         <a:ea typeface="Meiryo UI" panose="020B0604030504040204" pitchFamily="50" charset="-128"/>
@@ -14065,7 +13831,7 @@
                           <a:latin typeface="Meiryo UI" panose="020B0604030504040204" pitchFamily="50" charset="-128"/>
                           <a:ea typeface="Meiryo UI" panose="020B0604030504040204" pitchFamily="50" charset="-128"/>
                         </a:rPr>
-                        <a:t>預金口座</a:t>
+                        <a:t>銀行名</a:t>
                       </a:r>
                       <a:endParaRPr kumimoji="1" lang="ja-JP" altLang="en-US" sz="1200" dirty="0">
                         <a:latin typeface="Meiryo UI" panose="020B0604030504040204" pitchFamily="50" charset="-128"/>
@@ -14118,6 +13884,259 @@
                     <a:bodyPr/>
                     <a:lstStyle/>
                     <a:p>
+                      <a:r>
+                        <a:rPr kumimoji="1" lang="ja-JP" altLang="en-US" sz="1200" dirty="0" smtClean="0">
+                          <a:latin typeface="Meiryo UI" panose="020B0604030504040204" pitchFamily="50" charset="-128"/>
+                          <a:ea typeface="Meiryo UI" panose="020B0604030504040204" pitchFamily="50" charset="-128"/>
+                        </a:rPr>
+                        <a:t>支店名</a:t>
+                      </a:r>
+                      <a:endParaRPr kumimoji="1" lang="ja-JP" altLang="en-US" sz="1200" dirty="0">
+                        <a:latin typeface="Meiryo UI" panose="020B0604030504040204" pitchFamily="50" charset="-128"/>
+                        <a:ea typeface="Meiryo UI" panose="020B0604030504040204" pitchFamily="50" charset="-128"/>
+                      </a:endParaRPr>
+                    </a:p>
+                  </a:txBody>
+                  <a:tcPr>
+                    <a:lnL w="12700" cap="flat" cmpd="sng" algn="ctr">
+                      <a:solidFill>
+                        <a:schemeClr val="tx1"/>
+                      </a:solidFill>
+                      <a:prstDash val="solid"/>
+                      <a:round/>
+                      <a:headEnd type="none" w="med" len="med"/>
+                      <a:tailEnd type="none" w="med" len="med"/>
+                    </a:lnL>
+                    <a:lnR w="12700" cap="flat" cmpd="sng" algn="ctr">
+                      <a:solidFill>
+                        <a:schemeClr val="tx1"/>
+                      </a:solidFill>
+                      <a:prstDash val="solid"/>
+                      <a:round/>
+                      <a:headEnd type="none" w="med" len="med"/>
+                      <a:tailEnd type="none" w="med" len="med"/>
+                    </a:lnR>
+                    <a:lnT w="12700" cap="flat" cmpd="sng" algn="ctr">
+                      <a:solidFill>
+                        <a:schemeClr val="tx1"/>
+                      </a:solidFill>
+                      <a:prstDash val="solid"/>
+                      <a:round/>
+                      <a:headEnd type="none" w="med" len="med"/>
+                      <a:tailEnd type="none" w="med" len="med"/>
+                    </a:lnT>
+                    <a:lnB w="12700" cap="flat" cmpd="sng" algn="ctr">
+                      <a:solidFill>
+                        <a:schemeClr val="tx1"/>
+                      </a:solidFill>
+                      <a:prstDash val="solid"/>
+                      <a:round/>
+                      <a:headEnd type="none" w="med" len="med"/>
+                      <a:tailEnd type="none" w="med" len="med"/>
+                    </a:lnB>
+                    <a:noFill/>
+                  </a:tcPr>
+                </a:tc>
+                <a:tc>
+                  <a:txBody>
+                    <a:bodyPr/>
+                    <a:lstStyle/>
+                    <a:p>
+                      <a:r>
+                        <a:rPr kumimoji="1" lang="ja-JP" altLang="en-US" sz="1200" dirty="0" smtClean="0">
+                          <a:latin typeface="Meiryo UI" panose="020B0604030504040204" pitchFamily="50" charset="-128"/>
+                          <a:ea typeface="Meiryo UI" panose="020B0604030504040204" pitchFamily="50" charset="-128"/>
+                        </a:rPr>
+                        <a:t>種別</a:t>
+                      </a:r>
+                      <a:endParaRPr kumimoji="1" lang="ja-JP" altLang="en-US" sz="1200" dirty="0">
+                        <a:latin typeface="Meiryo UI" panose="020B0604030504040204" pitchFamily="50" charset="-128"/>
+                        <a:ea typeface="Meiryo UI" panose="020B0604030504040204" pitchFamily="50" charset="-128"/>
+                      </a:endParaRPr>
+                    </a:p>
+                  </a:txBody>
+                  <a:tcPr>
+                    <a:lnL w="12700" cap="flat" cmpd="sng" algn="ctr">
+                      <a:solidFill>
+                        <a:schemeClr val="tx1"/>
+                      </a:solidFill>
+                      <a:prstDash val="solid"/>
+                      <a:round/>
+                      <a:headEnd type="none" w="med" len="med"/>
+                      <a:tailEnd type="none" w="med" len="med"/>
+                    </a:lnL>
+                    <a:lnR w="12700" cap="flat" cmpd="sng" algn="ctr">
+                      <a:solidFill>
+                        <a:schemeClr val="tx1"/>
+                      </a:solidFill>
+                      <a:prstDash val="solid"/>
+                      <a:round/>
+                      <a:headEnd type="none" w="med" len="med"/>
+                      <a:tailEnd type="none" w="med" len="med"/>
+                    </a:lnR>
+                    <a:lnT w="12700" cap="flat" cmpd="sng" algn="ctr">
+                      <a:solidFill>
+                        <a:schemeClr val="tx1"/>
+                      </a:solidFill>
+                      <a:prstDash val="solid"/>
+                      <a:round/>
+                      <a:headEnd type="none" w="med" len="med"/>
+                      <a:tailEnd type="none" w="med" len="med"/>
+                    </a:lnT>
+                    <a:lnB w="12700" cap="flat" cmpd="sng" algn="ctr">
+                      <a:solidFill>
+                        <a:schemeClr val="tx1"/>
+                      </a:solidFill>
+                      <a:prstDash val="solid"/>
+                      <a:round/>
+                      <a:headEnd type="none" w="med" len="med"/>
+                      <a:tailEnd type="none" w="med" len="med"/>
+                    </a:lnB>
+                    <a:noFill/>
+                  </a:tcPr>
+                </a:tc>
+                <a:tc>
+                  <a:txBody>
+                    <a:bodyPr/>
+                    <a:lstStyle/>
+                    <a:p>
+                      <a:r>
+                        <a:rPr kumimoji="1" lang="ja-JP" altLang="en-US" sz="1200" dirty="0" smtClean="0">
+                          <a:latin typeface="Meiryo UI" panose="020B0604030504040204" pitchFamily="50" charset="-128"/>
+                          <a:ea typeface="Meiryo UI" panose="020B0604030504040204" pitchFamily="50" charset="-128"/>
+                        </a:rPr>
+                        <a:t>口座番号</a:t>
+                      </a:r>
+                      <a:endParaRPr kumimoji="1" lang="ja-JP" altLang="en-US" sz="1200" dirty="0">
+                        <a:latin typeface="Meiryo UI" panose="020B0604030504040204" pitchFamily="50" charset="-128"/>
+                        <a:ea typeface="Meiryo UI" panose="020B0604030504040204" pitchFamily="50" charset="-128"/>
+                      </a:endParaRPr>
+                    </a:p>
+                  </a:txBody>
+                  <a:tcPr>
+                    <a:lnL w="12700" cap="flat" cmpd="sng" algn="ctr">
+                      <a:solidFill>
+                        <a:schemeClr val="tx1"/>
+                      </a:solidFill>
+                      <a:prstDash val="solid"/>
+                      <a:round/>
+                      <a:headEnd type="none" w="med" len="med"/>
+                      <a:tailEnd type="none" w="med" len="med"/>
+                    </a:lnL>
+                    <a:lnR w="12700" cap="flat" cmpd="sng" algn="ctr">
+                      <a:solidFill>
+                        <a:schemeClr val="tx1"/>
+                      </a:solidFill>
+                      <a:prstDash val="solid"/>
+                      <a:round/>
+                      <a:headEnd type="none" w="med" len="med"/>
+                      <a:tailEnd type="none" w="med" len="med"/>
+                    </a:lnR>
+                    <a:lnT w="12700" cap="flat" cmpd="sng" algn="ctr">
+                      <a:solidFill>
+                        <a:schemeClr val="tx1"/>
+                      </a:solidFill>
+                      <a:prstDash val="solid"/>
+                      <a:round/>
+                      <a:headEnd type="none" w="med" len="med"/>
+                      <a:tailEnd type="none" w="med" len="med"/>
+                    </a:lnT>
+                    <a:lnB w="12700" cap="flat" cmpd="sng" algn="ctr">
+                      <a:solidFill>
+                        <a:schemeClr val="tx1"/>
+                      </a:solidFill>
+                      <a:prstDash val="solid"/>
+                      <a:round/>
+                      <a:headEnd type="none" w="med" len="med"/>
+                      <a:tailEnd type="none" w="med" len="med"/>
+                    </a:lnB>
+                    <a:noFill/>
+                  </a:tcPr>
+                </a:tc>
+                <a:tc>
+                  <a:txBody>
+                    <a:bodyPr/>
+                    <a:lstStyle/>
+                    <a:p>
+                      <a:r>
+                        <a:rPr kumimoji="1" lang="ja-JP" altLang="en-US" sz="1200" dirty="0" smtClean="0">
+                          <a:latin typeface="Meiryo UI" panose="020B0604030504040204" pitchFamily="50" charset="-128"/>
+                          <a:ea typeface="Meiryo UI" panose="020B0604030504040204" pitchFamily="50" charset="-128"/>
+                        </a:rPr>
+                        <a:t>預金</a:t>
+                      </a:r>
+                      <a:r>
+                        <a:rPr kumimoji="1" lang="en-US" altLang="ja-JP" sz="1200" dirty="0" smtClean="0">
+                          <a:latin typeface="Meiryo UI" panose="020B0604030504040204" pitchFamily="50" charset="-128"/>
+                          <a:ea typeface="Meiryo UI" panose="020B0604030504040204" pitchFamily="50" charset="-128"/>
+                        </a:rPr>
+                        <a:t>BK</a:t>
+                      </a:r>
+                      <a:r>
+                        <a:rPr kumimoji="1" lang="ja-JP" altLang="en-US" sz="1200" dirty="0" smtClean="0">
+                          <a:latin typeface="Meiryo UI" panose="020B0604030504040204" pitchFamily="50" charset="-128"/>
+                          <a:ea typeface="Meiryo UI" panose="020B0604030504040204" pitchFamily="50" charset="-128"/>
+                        </a:rPr>
+                        <a:t>コード</a:t>
+                      </a:r>
+                      <a:endParaRPr kumimoji="1" lang="ja-JP" altLang="en-US" sz="1200" dirty="0">
+                        <a:latin typeface="Meiryo UI" panose="020B0604030504040204" pitchFamily="50" charset="-128"/>
+                        <a:ea typeface="Meiryo UI" panose="020B0604030504040204" pitchFamily="50" charset="-128"/>
+                      </a:endParaRPr>
+                    </a:p>
+                  </a:txBody>
+                  <a:tcPr>
+                    <a:lnL w="12700" cap="flat" cmpd="sng" algn="ctr">
+                      <a:solidFill>
+                        <a:schemeClr val="tx1"/>
+                      </a:solidFill>
+                      <a:prstDash val="solid"/>
+                      <a:round/>
+                      <a:headEnd type="none" w="med" len="med"/>
+                      <a:tailEnd type="none" w="med" len="med"/>
+                    </a:lnL>
+                    <a:lnR w="12700" cap="flat" cmpd="sng" algn="ctr">
+                      <a:solidFill>
+                        <a:schemeClr val="tx1"/>
+                      </a:solidFill>
+                      <a:prstDash val="solid"/>
+                      <a:round/>
+                      <a:headEnd type="none" w="med" len="med"/>
+                      <a:tailEnd type="none" w="med" len="med"/>
+                    </a:lnR>
+                    <a:lnT w="12700" cap="flat" cmpd="sng" algn="ctr">
+                      <a:solidFill>
+                        <a:schemeClr val="tx1"/>
+                      </a:solidFill>
+                      <a:prstDash val="solid"/>
+                      <a:round/>
+                      <a:headEnd type="none" w="med" len="med"/>
+                      <a:tailEnd type="none" w="med" len="med"/>
+                    </a:lnT>
+                    <a:lnB w="12700" cap="flat" cmpd="sng" algn="ctr">
+                      <a:solidFill>
+                        <a:schemeClr val="tx1"/>
+                      </a:solidFill>
+                      <a:prstDash val="solid"/>
+                      <a:round/>
+                      <a:headEnd type="none" w="med" len="med"/>
+                      <a:tailEnd type="none" w="med" len="med"/>
+                    </a:lnB>
+                    <a:noFill/>
+                  </a:tcPr>
+                </a:tc>
+                <a:tc>
+                  <a:txBody>
+                    <a:bodyPr/>
+                    <a:lstStyle/>
+                    <a:p>
+                      <a:r>
+                        <a:rPr kumimoji="1" lang="ja-JP" altLang="en-US" sz="1200" dirty="0" smtClean="0">
+                          <a:latin typeface="Meiryo UI" panose="020B0604030504040204" pitchFamily="50" charset="-128"/>
+                          <a:ea typeface="Meiryo UI" panose="020B0604030504040204" pitchFamily="50" charset="-128"/>
+                        </a:rPr>
+                        <a:t>銀行名</a:t>
+                      </a:r>
                       <a:endParaRPr kumimoji="1" lang="ja-JP" altLang="en-US" sz="1200" dirty="0">
                         <a:latin typeface="Meiryo UI" panose="020B0604030504040204" pitchFamily="50" charset="-128"/>
                         <a:ea typeface="Meiryo UI" panose="020B0604030504040204" pitchFamily="50" charset="-128"/>
@@ -19634,15 +19653,32 @@
           <a:p>
             <a:pPr algn="ctr"/>
             <a:r>
-              <a:rPr kumimoji="1" lang="ja-JP" altLang="en-US" dirty="0" smtClean="0">
+              <a:rPr lang="en-US" altLang="ja-JP" dirty="0">
                 <a:solidFill>
                   <a:schemeClr val="tx1"/>
                 </a:solidFill>
                 <a:latin typeface="Meiryo UI" panose="020B0604030504040204" pitchFamily="50" charset="-128"/>
                 <a:ea typeface="Meiryo UI" panose="020B0604030504040204" pitchFamily="50" charset="-128"/>
               </a:rPr>
-              <a:t>印刷</a:t>
-            </a:r>
+              <a:t>Excel</a:t>
+            </a:r>
+            <a:r>
+              <a:rPr lang="ja-JP" altLang="en-US" dirty="0" smtClean="0">
+                <a:solidFill>
+                  <a:schemeClr val="tx1"/>
+                </a:solidFill>
+                <a:latin typeface="Meiryo UI" panose="020B0604030504040204" pitchFamily="50" charset="-128"/>
+                <a:ea typeface="Meiryo UI" panose="020B0604030504040204" pitchFamily="50" charset="-128"/>
+              </a:rPr>
+              <a:t>出力</a:t>
+            </a:r>
+            <a:endParaRPr lang="ja-JP" altLang="en-US" dirty="0">
+              <a:solidFill>
+                <a:schemeClr val="tx1"/>
+              </a:solidFill>
+              <a:latin typeface="Meiryo UI" panose="020B0604030504040204" pitchFamily="50" charset="-128"/>
+              <a:ea typeface="Meiryo UI" panose="020B0604030504040204" pitchFamily="50" charset="-128"/>
+            </a:endParaRPr>
           </a:p>
         </p:txBody>
       </p:sp>
@@ -19889,7 +19925,7 @@
           <a:p>
             <a:fld id="{E23E62CB-AE02-499E-8DF1-609F7D77B994}" type="datetime1">
               <a:rPr kumimoji="1" lang="ja-JP" altLang="en-US" smtClean="0"/>
-              <a:t>2020/12/28</a:t>
+              <a:t>2021/1/4</a:t>
             </a:fld>
             <a:endParaRPr kumimoji="1" lang="ja-JP" altLang="en-US" dirty="0"/>
           </a:p>
@@ -19927,7 +19963,7 @@
           <p:nvPr>
             <p:extLst>
               <p:ext uri="{D42A27DB-BD31-4B8C-83A1-F6EECF244321}">
-                <p14:modId xmlns:p14="http://schemas.microsoft.com/office/powerpoint/2010/main" val="3678640252"/>
+                <p14:modId xmlns:p14="http://schemas.microsoft.com/office/powerpoint/2010/main" val="2899751178"/>
               </p:ext>
             </p:extLst>
           </p:nvPr>
@@ -19950,49 +19986,49 @@
                     </a:ext>
                   </a:extLst>
                 </a:gridCol>
-                <a:gridCol w="1834777">
+                <a:gridCol w="1662545">
                   <a:extLst>
                     <a:ext uri="{9D8B030D-6E8A-4147-A177-3AD203B41FA5}">
                       <a16:colId xmlns:a16="http://schemas.microsoft.com/office/drawing/2014/main" val="889585061"/>
                     </a:ext>
                   </a:extLst>
                 </a:gridCol>
-                <a:gridCol w="1174430">
+                <a:gridCol w="1338349">
                   <a:extLst>
                     <a:ext uri="{9D8B030D-6E8A-4147-A177-3AD203B41FA5}">
                       <a16:colId xmlns:a16="http://schemas.microsoft.com/office/drawing/2014/main" val="1259357946"/>
                     </a:ext>
                   </a:extLst>
                 </a:gridCol>
-                <a:gridCol w="914400">
+                <a:gridCol w="889462">
                   <a:extLst>
                     <a:ext uri="{9D8B030D-6E8A-4147-A177-3AD203B41FA5}">
                       <a16:colId xmlns:a16="http://schemas.microsoft.com/office/drawing/2014/main" val="1690966431"/>
                     </a:ext>
                   </a:extLst>
                 </a:gridCol>
-                <a:gridCol w="798022">
+                <a:gridCol w="764771">
                   <a:extLst>
                     <a:ext uri="{9D8B030D-6E8A-4147-A177-3AD203B41FA5}">
                       <a16:colId xmlns:a16="http://schemas.microsoft.com/office/drawing/2014/main" val="2120910868"/>
                     </a:ext>
                   </a:extLst>
                 </a:gridCol>
-                <a:gridCol w="340822">
+                <a:gridCol w="556953">
                   <a:extLst>
                     <a:ext uri="{9D8B030D-6E8A-4147-A177-3AD203B41FA5}">
                       <a16:colId xmlns:a16="http://schemas.microsoft.com/office/drawing/2014/main" val="1697014033"/>
                     </a:ext>
                   </a:extLst>
                 </a:gridCol>
-                <a:gridCol w="881149">
+                <a:gridCol w="931025">
                   <a:extLst>
                     <a:ext uri="{9D8B030D-6E8A-4147-A177-3AD203B41FA5}">
                       <a16:colId xmlns:a16="http://schemas.microsoft.com/office/drawing/2014/main" val="3111744223"/>
                     </a:ext>
                   </a:extLst>
                 </a:gridCol>
-                <a:gridCol w="1446414">
+                <a:gridCol w="1246909">
                   <a:extLst>
                     <a:ext uri="{9D8B030D-6E8A-4147-A177-3AD203B41FA5}">
                       <a16:colId xmlns:a16="http://schemas.microsoft.com/office/drawing/2014/main" val="130618225"/>
@@ -20127,7 +20163,86 @@
                           <a:latin typeface="Meiryo UI" panose="020B0604030504040204" pitchFamily="50" charset="-128"/>
                           <a:ea typeface="Meiryo UI" panose="020B0604030504040204" pitchFamily="50" charset="-128"/>
                         </a:rPr>
-                        <a:t>給与振込口座</a:t>
+                        <a:t>給与</a:t>
+                      </a:r>
+                      <a:r>
+                        <a:rPr kumimoji="1" lang="ja-JP" altLang="en-US" sz="1200" dirty="0" smtClean="0">
+                          <a:latin typeface="Meiryo UI" panose="020B0604030504040204" pitchFamily="50" charset="-128"/>
+                          <a:ea typeface="Meiryo UI" panose="020B0604030504040204" pitchFamily="50" charset="-128"/>
+                        </a:rPr>
+                        <a:t>振込</a:t>
+                      </a:r>
+                      <a:r>
+                        <a:rPr kumimoji="1" lang="en-US" altLang="ja-JP" sz="1200" dirty="0" smtClean="0">
+                          <a:latin typeface="Meiryo UI" panose="020B0604030504040204" pitchFamily="50" charset="-128"/>
+                          <a:ea typeface="Meiryo UI" panose="020B0604030504040204" pitchFamily="50" charset="-128"/>
+                        </a:rPr>
+                        <a:t>BK</a:t>
+                      </a:r>
+                      <a:r>
+                        <a:rPr kumimoji="1" lang="ja-JP" altLang="en-US" sz="1200" dirty="0" smtClean="0">
+                          <a:latin typeface="Meiryo UI" panose="020B0604030504040204" pitchFamily="50" charset="-128"/>
+                          <a:ea typeface="Meiryo UI" panose="020B0604030504040204" pitchFamily="50" charset="-128"/>
+                        </a:rPr>
+                        <a:t>コード</a:t>
+                      </a:r>
+                      <a:endParaRPr kumimoji="1" lang="en-US" altLang="ja-JP" sz="1200" dirty="0" smtClean="0">
+                        <a:latin typeface="Meiryo UI" panose="020B0604030504040204" pitchFamily="50" charset="-128"/>
+                        <a:ea typeface="Meiryo UI" panose="020B0604030504040204" pitchFamily="50" charset="-128"/>
+                      </a:endParaRPr>
+                    </a:p>
+                  </a:txBody>
+                  <a:tcPr>
+                    <a:lnL w="12700" cap="flat" cmpd="sng" algn="ctr">
+                      <a:solidFill>
+                        <a:schemeClr val="tx1"/>
+                      </a:solidFill>
+                      <a:prstDash val="solid"/>
+                      <a:round/>
+                      <a:headEnd type="none" w="med" len="med"/>
+                      <a:tailEnd type="none" w="med" len="med"/>
+                    </a:lnL>
+                    <a:lnR w="12700" cap="flat" cmpd="sng" algn="ctr">
+                      <a:solidFill>
+                        <a:schemeClr val="tx1"/>
+                      </a:solidFill>
+                      <a:prstDash val="solid"/>
+                      <a:round/>
+                      <a:headEnd type="none" w="med" len="med"/>
+                      <a:tailEnd type="none" w="med" len="med"/>
+                    </a:lnR>
+                    <a:lnT w="12700" cap="flat" cmpd="sng" algn="ctr">
+                      <a:solidFill>
+                        <a:schemeClr val="tx1"/>
+                      </a:solidFill>
+                      <a:prstDash val="solid"/>
+                      <a:round/>
+                      <a:headEnd type="none" w="med" len="med"/>
+                      <a:tailEnd type="none" w="med" len="med"/>
+                    </a:lnT>
+                    <a:lnB w="12700" cap="flat" cmpd="sng" algn="ctr">
+                      <a:solidFill>
+                        <a:schemeClr val="tx1"/>
+                      </a:solidFill>
+                      <a:prstDash val="solid"/>
+                      <a:round/>
+                      <a:headEnd type="none" w="med" len="med"/>
+                      <a:tailEnd type="none" w="med" len="med"/>
+                    </a:lnB>
+                    <a:noFill/>
+                  </a:tcPr>
+                </a:tc>
+                <a:tc>
+                  <a:txBody>
+                    <a:bodyPr/>
+                    <a:lstStyle/>
+                    <a:p>
+                      <a:r>
+                        <a:rPr kumimoji="1" lang="ja-JP" altLang="en-US" sz="1200" dirty="0" smtClean="0">
+                          <a:latin typeface="Meiryo UI" panose="020B0604030504040204" pitchFamily="50" charset="-128"/>
+                          <a:ea typeface="Meiryo UI" panose="020B0604030504040204" pitchFamily="50" charset="-128"/>
+                        </a:rPr>
+                        <a:t>銀行名</a:t>
                       </a:r>
                       <a:endParaRPr kumimoji="1" lang="ja-JP" altLang="en-US" sz="1200" dirty="0">
                         <a:latin typeface="Meiryo UI" panose="020B0604030504040204" pitchFamily="50" charset="-128"/>
@@ -20180,6 +20295,13 @@
                     <a:bodyPr/>
                     <a:lstStyle/>
                     <a:p>
+                      <a:r>
+                        <a:rPr kumimoji="1" lang="ja-JP" altLang="en-US" sz="1200" dirty="0" smtClean="0">
+                          <a:latin typeface="Meiryo UI" panose="020B0604030504040204" pitchFamily="50" charset="-128"/>
+                          <a:ea typeface="Meiryo UI" panose="020B0604030504040204" pitchFamily="50" charset="-128"/>
+                        </a:rPr>
+                        <a:t>支店名</a:t>
+                      </a:r>
                       <a:endParaRPr kumimoji="1" lang="ja-JP" altLang="en-US" sz="1200" dirty="0">
                         <a:latin typeface="Meiryo UI" panose="020B0604030504040204" pitchFamily="50" charset="-128"/>
                         <a:ea typeface="Meiryo UI" panose="020B0604030504040204" pitchFamily="50" charset="-128"/>
@@ -20231,6 +20353,13 @@
                     <a:bodyPr/>
                     <a:lstStyle/>
                     <a:p>
+                      <a:r>
+                        <a:rPr kumimoji="1" lang="ja-JP" altLang="en-US" sz="1200" dirty="0" smtClean="0">
+                          <a:latin typeface="Meiryo UI" panose="020B0604030504040204" pitchFamily="50" charset="-128"/>
+                          <a:ea typeface="Meiryo UI" panose="020B0604030504040204" pitchFamily="50" charset="-128"/>
+                        </a:rPr>
+                        <a:t>種別</a:t>
+                      </a:r>
                       <a:endParaRPr kumimoji="1" lang="ja-JP" altLang="en-US" sz="1200" dirty="0">
                         <a:latin typeface="Meiryo UI" panose="020B0604030504040204" pitchFamily="50" charset="-128"/>
                         <a:ea typeface="Meiryo UI" panose="020B0604030504040204" pitchFamily="50" charset="-128"/>
@@ -20282,57 +20411,13 @@
                     <a:bodyPr/>
                     <a:lstStyle/>
                     <a:p>
-                      <a:endParaRPr kumimoji="1" lang="ja-JP" altLang="en-US" sz="1200" dirty="0">
-                        <a:latin typeface="Meiryo UI" panose="020B0604030504040204" pitchFamily="50" charset="-128"/>
-                        <a:ea typeface="Meiryo UI" panose="020B0604030504040204" pitchFamily="50" charset="-128"/>
-                      </a:endParaRPr>
-                    </a:p>
-                  </a:txBody>
-                  <a:tcPr>
-                    <a:lnL w="12700" cap="flat" cmpd="sng" algn="ctr">
-                      <a:solidFill>
-                        <a:schemeClr val="tx1"/>
-                      </a:solidFill>
-                      <a:prstDash val="solid"/>
-                      <a:round/>
-                      <a:headEnd type="none" w="med" len="med"/>
-                      <a:tailEnd type="none" w="med" len="med"/>
-                    </a:lnL>
-                    <a:lnR w="12700" cap="flat" cmpd="sng" algn="ctr">
-                      <a:solidFill>
-                        <a:schemeClr val="tx1"/>
-                      </a:solidFill>
-                      <a:prstDash val="solid"/>
-                      <a:round/>
-                      <a:headEnd type="none" w="med" len="med"/>
-                      <a:tailEnd type="none" w="med" len="med"/>
-                    </a:lnR>
-                    <a:lnT w="12700" cap="flat" cmpd="sng" algn="ctr">
-                      <a:solidFill>
-                        <a:schemeClr val="tx1"/>
-                      </a:solidFill>
-                      <a:prstDash val="solid"/>
-                      <a:round/>
-                      <a:headEnd type="none" w="med" len="med"/>
-                      <a:tailEnd type="none" w="med" len="med"/>
-                    </a:lnT>
-                    <a:lnB w="12700" cap="flat" cmpd="sng" algn="ctr">
-                      <a:solidFill>
-                        <a:schemeClr val="tx1"/>
-                      </a:solidFill>
-                      <a:prstDash val="solid"/>
-                      <a:round/>
-                      <a:headEnd type="none" w="med" len="med"/>
-                      <a:tailEnd type="none" w="med" len="med"/>
-                    </a:lnB>
-                    <a:noFill/>
-                  </a:tcPr>
-                </a:tc>
-                <a:tc>
-                  <a:txBody>
-                    <a:bodyPr/>
-                    <a:lstStyle/>
-                    <a:p>
+                      <a:r>
+                        <a:rPr kumimoji="1" lang="ja-JP" altLang="en-US" sz="1200" dirty="0" smtClean="0">
+                          <a:latin typeface="Meiryo UI" panose="020B0604030504040204" pitchFamily="50" charset="-128"/>
+                          <a:ea typeface="Meiryo UI" panose="020B0604030504040204" pitchFamily="50" charset="-128"/>
+                        </a:rPr>
+                        <a:t>口座番号</a:t>
+                      </a:r>
                       <a:endParaRPr kumimoji="1" lang="ja-JP" altLang="en-US" sz="1200" dirty="0">
                         <a:latin typeface="Meiryo UI" panose="020B0604030504040204" pitchFamily="50" charset="-128"/>
                         <a:ea typeface="Meiryo UI" panose="020B0604030504040204" pitchFamily="50" charset="-128"/>
@@ -24935,7 +25020,7 @@
                 <a:latin typeface="Meiryo UI" panose="020B0604030504040204" pitchFamily="50" charset="-128"/>
                 <a:ea typeface="Meiryo UI" panose="020B0604030504040204" pitchFamily="50" charset="-128"/>
               </a:rPr>
-              <a:t>削除</a:t>
+              <a:t>実行</a:t>
             </a:r>
           </a:p>
         </p:txBody>
